--- a/examples/UrbanTopologies.pptx
+++ b/examples/UrbanTopologies.pptx
@@ -5,10 +5,11 @@
     <p:sldMasterId id="2147483648" r:id="rId1"/>
   </p:sldMasterIdLst>
   <p:sldIdLst>
-    <p:sldId id="256" r:id="rId2"/>
-    <p:sldId id="259" r:id="rId3"/>
-    <p:sldId id="257" r:id="rId4"/>
-    <p:sldId id="258" r:id="rId5"/>
+    <p:sldId id="260" r:id="rId2"/>
+    <p:sldId id="256" r:id="rId3"/>
+    <p:sldId id="259" r:id="rId4"/>
+    <p:sldId id="257" r:id="rId5"/>
+    <p:sldId id="258" r:id="rId6"/>
   </p:sldIdLst>
   <p:sldSz cx="12192000" cy="6858000"/>
   <p:notesSz cx="6858000" cy="9144000"/>
@@ -262,7 +263,7 @@
           <a:p>
             <a:fld id="{F3EB2857-2321-4C4D-8D06-77DF79DF910F}" type="datetimeFigureOut">
               <a:rPr lang="de-DE" smtClean="0"/>
-              <a:t>03.01.2025</a:t>
+              <a:t>23.01.2025</a:t>
             </a:fld>
             <a:endParaRPr lang="de-DE"/>
           </a:p>
@@ -460,7 +461,7 @@
           <a:p>
             <a:fld id="{F3EB2857-2321-4C4D-8D06-77DF79DF910F}" type="datetimeFigureOut">
               <a:rPr lang="de-DE" smtClean="0"/>
-              <a:t>03.01.2025</a:t>
+              <a:t>23.01.2025</a:t>
             </a:fld>
             <a:endParaRPr lang="de-DE"/>
           </a:p>
@@ -668,7 +669,7 @@
           <a:p>
             <a:fld id="{F3EB2857-2321-4C4D-8D06-77DF79DF910F}" type="datetimeFigureOut">
               <a:rPr lang="de-DE" smtClean="0"/>
-              <a:t>03.01.2025</a:t>
+              <a:t>23.01.2025</a:t>
             </a:fld>
             <a:endParaRPr lang="de-DE"/>
           </a:p>
@@ -866,7 +867,7 @@
           <a:p>
             <a:fld id="{F3EB2857-2321-4C4D-8D06-77DF79DF910F}" type="datetimeFigureOut">
               <a:rPr lang="de-DE" smtClean="0"/>
-              <a:t>03.01.2025</a:t>
+              <a:t>23.01.2025</a:t>
             </a:fld>
             <a:endParaRPr lang="de-DE"/>
           </a:p>
@@ -1141,7 +1142,7 @@
           <a:p>
             <a:fld id="{F3EB2857-2321-4C4D-8D06-77DF79DF910F}" type="datetimeFigureOut">
               <a:rPr lang="de-DE" smtClean="0"/>
-              <a:t>03.01.2025</a:t>
+              <a:t>23.01.2025</a:t>
             </a:fld>
             <a:endParaRPr lang="de-DE"/>
           </a:p>
@@ -1406,7 +1407,7 @@
           <a:p>
             <a:fld id="{F3EB2857-2321-4C4D-8D06-77DF79DF910F}" type="datetimeFigureOut">
               <a:rPr lang="de-DE" smtClean="0"/>
-              <a:t>03.01.2025</a:t>
+              <a:t>23.01.2025</a:t>
             </a:fld>
             <a:endParaRPr lang="de-DE"/>
           </a:p>
@@ -1818,7 +1819,7 @@
           <a:p>
             <a:fld id="{F3EB2857-2321-4C4D-8D06-77DF79DF910F}" type="datetimeFigureOut">
               <a:rPr lang="de-DE" smtClean="0"/>
-              <a:t>03.01.2025</a:t>
+              <a:t>23.01.2025</a:t>
             </a:fld>
             <a:endParaRPr lang="de-DE"/>
           </a:p>
@@ -1959,7 +1960,7 @@
           <a:p>
             <a:fld id="{F3EB2857-2321-4C4D-8D06-77DF79DF910F}" type="datetimeFigureOut">
               <a:rPr lang="de-DE" smtClean="0"/>
-              <a:t>03.01.2025</a:t>
+              <a:t>23.01.2025</a:t>
             </a:fld>
             <a:endParaRPr lang="de-DE"/>
           </a:p>
@@ -2072,7 +2073,7 @@
           <a:p>
             <a:fld id="{F3EB2857-2321-4C4D-8D06-77DF79DF910F}" type="datetimeFigureOut">
               <a:rPr lang="de-DE" smtClean="0"/>
-              <a:t>03.01.2025</a:t>
+              <a:t>23.01.2025</a:t>
             </a:fld>
             <a:endParaRPr lang="de-DE"/>
           </a:p>
@@ -2383,7 +2384,7 @@
           <a:p>
             <a:fld id="{F3EB2857-2321-4C4D-8D06-77DF79DF910F}" type="datetimeFigureOut">
               <a:rPr lang="de-DE" smtClean="0"/>
-              <a:t>03.01.2025</a:t>
+              <a:t>23.01.2025</a:t>
             </a:fld>
             <a:endParaRPr lang="de-DE"/>
           </a:p>
@@ -2671,7 +2672,7 @@
           <a:p>
             <a:fld id="{F3EB2857-2321-4C4D-8D06-77DF79DF910F}" type="datetimeFigureOut">
               <a:rPr lang="de-DE" smtClean="0"/>
-              <a:t>03.01.2025</a:t>
+              <a:t>23.01.2025</a:t>
             </a:fld>
             <a:endParaRPr lang="de-DE"/>
           </a:p>
@@ -2912,7 +2913,7 @@
           <a:p>
             <a:fld id="{F3EB2857-2321-4C4D-8D06-77DF79DF910F}" type="datetimeFigureOut">
               <a:rPr lang="de-DE" smtClean="0"/>
-              <a:t>03.01.2025</a:t>
+              <a:t>23.01.2025</a:t>
             </a:fld>
             <a:endParaRPr lang="de-DE"/>
           </a:p>
@@ -3313,6 +3314,1501 @@
 </file>
 
 <file path=ppt/slides/slide1.xml><?xml version="1.0" encoding="utf-8"?>
+<p:sld xmlns:a="http://schemas.openxmlformats.org/drawingml/2006/main" xmlns:r="http://schemas.openxmlformats.org/officeDocument/2006/relationships" xmlns:p="http://schemas.openxmlformats.org/presentationml/2006/main">
+  <p:cSld>
+    <p:spTree>
+      <p:nvGrpSpPr>
+        <p:cNvPr id="1" name=""/>
+        <p:cNvGrpSpPr/>
+        <p:nvPr/>
+      </p:nvGrpSpPr>
+      <p:grpSpPr>
+        <a:xfrm>
+          <a:off x="0" y="0"/>
+          <a:ext cx="0" cy="0"/>
+          <a:chOff x="0" y="0"/>
+          <a:chExt cx="0" cy="0"/>
+        </a:xfrm>
+      </p:grpSpPr>
+      <p:grpSp>
+        <p:nvGrpSpPr>
+          <p:cNvPr id="41" name="Gruppieren 40">
+            <a:extLst>
+              <a:ext uri="{FF2B5EF4-FFF2-40B4-BE49-F238E27FC236}">
+                <a16:creationId xmlns:a16="http://schemas.microsoft.com/office/drawing/2014/main" id="{31AB3BC7-437E-6DE0-3F8E-DF22E5E56390}"/>
+              </a:ext>
+            </a:extLst>
+          </p:cNvPr>
+          <p:cNvGrpSpPr/>
+          <p:nvPr/>
+        </p:nvGrpSpPr>
+        <p:grpSpPr>
+          <a:xfrm flipH="1">
+            <a:off x="2775114" y="527105"/>
+            <a:ext cx="6245794" cy="6444005"/>
+            <a:chOff x="2775114" y="527105"/>
+            <a:chExt cx="6245794" cy="6444005"/>
+          </a:xfrm>
+        </p:grpSpPr>
+        <p:grpSp>
+          <p:nvGrpSpPr>
+            <p:cNvPr id="4" name="Gruppieren 3">
+              <a:extLst>
+                <a:ext uri="{FF2B5EF4-FFF2-40B4-BE49-F238E27FC236}">
+                  <a16:creationId xmlns:a16="http://schemas.microsoft.com/office/drawing/2014/main" id="{14A94263-C653-C5F0-75D5-2038A9DE1C4C}"/>
+                </a:ext>
+              </a:extLst>
+            </p:cNvPr>
+            <p:cNvGrpSpPr/>
+            <p:nvPr/>
+          </p:nvGrpSpPr>
+          <p:grpSpPr>
+            <a:xfrm flipV="1">
+              <a:off x="2775114" y="527105"/>
+              <a:ext cx="6245794" cy="498178"/>
+              <a:chOff x="739141" y="3284008"/>
+              <a:chExt cx="3635585" cy="289983"/>
+            </a:xfrm>
+          </p:grpSpPr>
+          <p:grpSp>
+            <p:nvGrpSpPr>
+              <p:cNvPr id="5" name="Gruppieren 4">
+                <a:extLst>
+                  <a:ext uri="{FF2B5EF4-FFF2-40B4-BE49-F238E27FC236}">
+                    <a16:creationId xmlns:a16="http://schemas.microsoft.com/office/drawing/2014/main" id="{DA5CD380-D702-A562-09E3-3FB62C432490}"/>
+                  </a:ext>
+                </a:extLst>
+              </p:cNvPr>
+              <p:cNvGrpSpPr/>
+              <p:nvPr/>
+            </p:nvGrpSpPr>
+            <p:grpSpPr>
+              <a:xfrm>
+                <a:off x="762001" y="3284008"/>
+                <a:ext cx="3589866" cy="289983"/>
+                <a:chOff x="2032000" y="2006599"/>
+                <a:chExt cx="6096000" cy="1117600"/>
+              </a:xfrm>
+            </p:grpSpPr>
+            <p:sp>
+              <p:nvSpPr>
+                <p:cNvPr id="12" name="Rechteck 11">
+                  <a:extLst>
+                    <a:ext uri="{FF2B5EF4-FFF2-40B4-BE49-F238E27FC236}">
+                      <a16:creationId xmlns:a16="http://schemas.microsoft.com/office/drawing/2014/main" id="{970363D4-A51D-6B58-4CD9-98A940700264}"/>
+                    </a:ext>
+                  </a:extLst>
+                </p:cNvPr>
+                <p:cNvSpPr/>
+                <p:nvPr/>
+              </p:nvSpPr>
+              <p:spPr>
+                <a:xfrm>
+                  <a:off x="2032000" y="2006599"/>
+                  <a:ext cx="6096000" cy="1117598"/>
+                </a:xfrm>
+                <a:prstGeom prst="rect">
+                  <a:avLst/>
+                </a:prstGeom>
+                <a:solidFill>
+                  <a:srgbClr val="D0CECE"/>
+                </a:solidFill>
+                <a:ln w="19050">
+                  <a:solidFill>
+                    <a:schemeClr val="tx1"/>
+                  </a:solidFill>
+                  <a:prstDash val="solid"/>
+                </a:ln>
+              </p:spPr>
+              <p:style>
+                <a:lnRef idx="2">
+                  <a:schemeClr val="accent1">
+                    <a:shade val="15000"/>
+                  </a:schemeClr>
+                </a:lnRef>
+                <a:fillRef idx="1">
+                  <a:schemeClr val="accent1"/>
+                </a:fillRef>
+                <a:effectRef idx="0">
+                  <a:schemeClr val="accent1"/>
+                </a:effectRef>
+                <a:fontRef idx="minor">
+                  <a:schemeClr val="lt1"/>
+                </a:fontRef>
+              </p:style>
+              <p:txBody>
+                <a:bodyPr rtlCol="0" anchor="ctr"/>
+                <a:lstStyle/>
+                <a:p>
+                  <a:pPr algn="ctr"/>
+                  <a:endParaRPr lang="de-DE"/>
+                </a:p>
+              </p:txBody>
+            </p:sp>
+            <p:sp>
+              <p:nvSpPr>
+                <p:cNvPr id="13" name="Rechteck 12">
+                  <a:extLst>
+                    <a:ext uri="{FF2B5EF4-FFF2-40B4-BE49-F238E27FC236}">
+                      <a16:creationId xmlns:a16="http://schemas.microsoft.com/office/drawing/2014/main" id="{AAE284A4-7745-EE4E-4D6F-DDA2DD58C1E4}"/>
+                    </a:ext>
+                  </a:extLst>
+                </p:cNvPr>
+                <p:cNvSpPr/>
+                <p:nvPr/>
+              </p:nvSpPr>
+              <p:spPr>
+                <a:xfrm>
+                  <a:off x="2032000" y="2006600"/>
+                  <a:ext cx="6096000" cy="372533"/>
+                </a:xfrm>
+                <a:prstGeom prst="rect">
+                  <a:avLst/>
+                </a:prstGeom>
+                <a:noFill/>
+                <a:ln>
+                  <a:solidFill>
+                    <a:schemeClr val="tx1"/>
+                  </a:solidFill>
+                  <a:prstDash val="lgDash"/>
+                </a:ln>
+              </p:spPr>
+              <p:style>
+                <a:lnRef idx="2">
+                  <a:schemeClr val="accent1">
+                    <a:shade val="15000"/>
+                  </a:schemeClr>
+                </a:lnRef>
+                <a:fillRef idx="1">
+                  <a:schemeClr val="accent1"/>
+                </a:fillRef>
+                <a:effectRef idx="0">
+                  <a:schemeClr val="accent1"/>
+                </a:effectRef>
+                <a:fontRef idx="minor">
+                  <a:schemeClr val="lt1"/>
+                </a:fontRef>
+              </p:style>
+              <p:txBody>
+                <a:bodyPr rtlCol="0" anchor="ctr"/>
+                <a:lstStyle/>
+                <a:p>
+                  <a:pPr algn="ctr"/>
+                  <a:endParaRPr lang="de-DE"/>
+                </a:p>
+              </p:txBody>
+            </p:sp>
+            <p:sp>
+              <p:nvSpPr>
+                <p:cNvPr id="14" name="Rechteck 13">
+                  <a:extLst>
+                    <a:ext uri="{FF2B5EF4-FFF2-40B4-BE49-F238E27FC236}">
+                      <a16:creationId xmlns:a16="http://schemas.microsoft.com/office/drawing/2014/main" id="{4BD847E6-EB25-A6B8-C63A-70DE9B9F99E6}"/>
+                    </a:ext>
+                  </a:extLst>
+                </p:cNvPr>
+                <p:cNvSpPr/>
+                <p:nvPr/>
+              </p:nvSpPr>
+              <p:spPr>
+                <a:xfrm>
+                  <a:off x="2032000" y="2379133"/>
+                  <a:ext cx="6096000" cy="372533"/>
+                </a:xfrm>
+                <a:prstGeom prst="rect">
+                  <a:avLst/>
+                </a:prstGeom>
+                <a:noFill/>
+                <a:ln>
+                  <a:noFill/>
+                  <a:prstDash val="lgDash"/>
+                </a:ln>
+              </p:spPr>
+              <p:style>
+                <a:lnRef idx="2">
+                  <a:schemeClr val="accent1">
+                    <a:shade val="15000"/>
+                  </a:schemeClr>
+                </a:lnRef>
+                <a:fillRef idx="1">
+                  <a:schemeClr val="accent1"/>
+                </a:fillRef>
+                <a:effectRef idx="0">
+                  <a:schemeClr val="accent1"/>
+                </a:effectRef>
+                <a:fontRef idx="minor">
+                  <a:schemeClr val="lt1"/>
+                </a:fontRef>
+              </p:style>
+              <p:txBody>
+                <a:bodyPr rtlCol="0" anchor="ctr"/>
+                <a:lstStyle/>
+                <a:p>
+                  <a:pPr algn="ctr"/>
+                  <a:endParaRPr lang="de-DE"/>
+                </a:p>
+              </p:txBody>
+            </p:sp>
+            <p:sp>
+              <p:nvSpPr>
+                <p:cNvPr id="15" name="Rechteck 14">
+                  <a:extLst>
+                    <a:ext uri="{FF2B5EF4-FFF2-40B4-BE49-F238E27FC236}">
+                      <a16:creationId xmlns:a16="http://schemas.microsoft.com/office/drawing/2014/main" id="{D6C0B900-B43F-7664-AF03-698D8DC77D2A}"/>
+                    </a:ext>
+                  </a:extLst>
+                </p:cNvPr>
+                <p:cNvSpPr/>
+                <p:nvPr/>
+              </p:nvSpPr>
+              <p:spPr>
+                <a:xfrm>
+                  <a:off x="2032000" y="2751666"/>
+                  <a:ext cx="6096000" cy="372533"/>
+                </a:xfrm>
+                <a:prstGeom prst="rect">
+                  <a:avLst/>
+                </a:prstGeom>
+                <a:noFill/>
+                <a:ln>
+                  <a:solidFill>
+                    <a:schemeClr val="tx1"/>
+                  </a:solidFill>
+                  <a:prstDash val="lgDash"/>
+                </a:ln>
+              </p:spPr>
+              <p:style>
+                <a:lnRef idx="2">
+                  <a:schemeClr val="accent1">
+                    <a:shade val="15000"/>
+                  </a:schemeClr>
+                </a:lnRef>
+                <a:fillRef idx="1">
+                  <a:schemeClr val="accent1"/>
+                </a:fillRef>
+                <a:effectRef idx="0">
+                  <a:schemeClr val="accent1"/>
+                </a:effectRef>
+                <a:fontRef idx="minor">
+                  <a:schemeClr val="lt1"/>
+                </a:fontRef>
+              </p:style>
+              <p:txBody>
+                <a:bodyPr rtlCol="0" anchor="ctr"/>
+                <a:lstStyle/>
+                <a:p>
+                  <a:pPr algn="ctr"/>
+                  <a:endParaRPr lang="de-DE"/>
+                </a:p>
+              </p:txBody>
+            </p:sp>
+          </p:grpSp>
+          <p:sp>
+            <p:nvSpPr>
+              <p:cNvPr id="7" name="Ellipse 6">
+                <a:extLst>
+                  <a:ext uri="{FF2B5EF4-FFF2-40B4-BE49-F238E27FC236}">
+                    <a16:creationId xmlns:a16="http://schemas.microsoft.com/office/drawing/2014/main" id="{F4C81BDD-9D17-1E8E-65A9-C9FF2626A888}"/>
+                  </a:ext>
+                </a:extLst>
+              </p:cNvPr>
+              <p:cNvSpPr/>
+              <p:nvPr/>
+            </p:nvSpPr>
+            <p:spPr>
+              <a:xfrm>
+                <a:off x="4329007" y="3406139"/>
+                <a:ext cx="45719" cy="45719"/>
+              </a:xfrm>
+              <a:prstGeom prst="ellipse">
+                <a:avLst/>
+              </a:prstGeom>
+            </p:spPr>
+            <p:style>
+              <a:lnRef idx="2">
+                <a:schemeClr val="accent1">
+                  <a:shade val="15000"/>
+                </a:schemeClr>
+              </a:lnRef>
+              <a:fillRef idx="1">
+                <a:schemeClr val="accent1"/>
+              </a:fillRef>
+              <a:effectRef idx="0">
+                <a:schemeClr val="accent1"/>
+              </a:effectRef>
+              <a:fontRef idx="minor">
+                <a:schemeClr val="lt1"/>
+              </a:fontRef>
+            </p:style>
+            <p:txBody>
+              <a:bodyPr rtlCol="0" anchor="ctr"/>
+              <a:lstStyle/>
+              <a:p>
+                <a:pPr algn="ctr"/>
+                <a:endParaRPr lang="de-DE"/>
+              </a:p>
+            </p:txBody>
+          </p:sp>
+          <p:sp>
+            <p:nvSpPr>
+              <p:cNvPr id="10" name="Ellipse 9">
+                <a:extLst>
+                  <a:ext uri="{FF2B5EF4-FFF2-40B4-BE49-F238E27FC236}">
+                    <a16:creationId xmlns:a16="http://schemas.microsoft.com/office/drawing/2014/main" id="{F540E815-19FE-DF98-90BF-50EDA63F67D0}"/>
+                  </a:ext>
+                </a:extLst>
+              </p:cNvPr>
+              <p:cNvSpPr/>
+              <p:nvPr/>
+            </p:nvSpPr>
+            <p:spPr>
+              <a:xfrm>
+                <a:off x="739141" y="3407921"/>
+                <a:ext cx="45719" cy="45719"/>
+              </a:xfrm>
+              <a:prstGeom prst="ellipse">
+                <a:avLst/>
+              </a:prstGeom>
+              <a:solidFill>
+                <a:schemeClr val="accent2"/>
+              </a:solidFill>
+            </p:spPr>
+            <p:style>
+              <a:lnRef idx="2">
+                <a:schemeClr val="accent1">
+                  <a:shade val="15000"/>
+                </a:schemeClr>
+              </a:lnRef>
+              <a:fillRef idx="1">
+                <a:schemeClr val="accent1"/>
+              </a:fillRef>
+              <a:effectRef idx="0">
+                <a:schemeClr val="accent1"/>
+              </a:effectRef>
+              <a:fontRef idx="minor">
+                <a:schemeClr val="lt1"/>
+              </a:fontRef>
+            </p:style>
+            <p:txBody>
+              <a:bodyPr rtlCol="0" anchor="ctr"/>
+              <a:lstStyle/>
+              <a:p>
+                <a:pPr algn="ctr"/>
+                <a:endParaRPr lang="de-DE"/>
+              </a:p>
+            </p:txBody>
+          </p:sp>
+        </p:grpSp>
+        <p:grpSp>
+          <p:nvGrpSpPr>
+            <p:cNvPr id="24" name="Gruppieren 23">
+              <a:extLst>
+                <a:ext uri="{FF2B5EF4-FFF2-40B4-BE49-F238E27FC236}">
+                  <a16:creationId xmlns:a16="http://schemas.microsoft.com/office/drawing/2014/main" id="{6D16CB4E-B326-4823-2369-90D004D47DD8}"/>
+                </a:ext>
+              </a:extLst>
+            </p:cNvPr>
+            <p:cNvGrpSpPr/>
+            <p:nvPr/>
+          </p:nvGrpSpPr>
+          <p:grpSpPr>
+            <a:xfrm rot="-7200000" flipV="1">
+              <a:off x="993145" y="3599123"/>
+              <a:ext cx="6245794" cy="498179"/>
+              <a:chOff x="739141" y="3284010"/>
+              <a:chExt cx="3635585" cy="289984"/>
+            </a:xfrm>
+          </p:grpSpPr>
+          <p:grpSp>
+            <p:nvGrpSpPr>
+              <p:cNvPr id="25" name="Gruppieren 24">
+                <a:extLst>
+                  <a:ext uri="{FF2B5EF4-FFF2-40B4-BE49-F238E27FC236}">
+                    <a16:creationId xmlns:a16="http://schemas.microsoft.com/office/drawing/2014/main" id="{C76F025B-20E4-CDA5-7D57-35E58F222714}"/>
+                  </a:ext>
+                </a:extLst>
+              </p:cNvPr>
+              <p:cNvGrpSpPr/>
+              <p:nvPr/>
+            </p:nvGrpSpPr>
+            <p:grpSpPr>
+              <a:xfrm>
+                <a:off x="762001" y="3284010"/>
+                <a:ext cx="3589866" cy="289984"/>
+                <a:chOff x="2032000" y="2006599"/>
+                <a:chExt cx="6096000" cy="1117600"/>
+              </a:xfrm>
+            </p:grpSpPr>
+            <p:sp>
+              <p:nvSpPr>
+                <p:cNvPr id="28" name="Rechteck 27">
+                  <a:extLst>
+                    <a:ext uri="{FF2B5EF4-FFF2-40B4-BE49-F238E27FC236}">
+                      <a16:creationId xmlns:a16="http://schemas.microsoft.com/office/drawing/2014/main" id="{51D40C88-FDF6-ABAE-3123-99AD71C63F4B}"/>
+                    </a:ext>
+                  </a:extLst>
+                </p:cNvPr>
+                <p:cNvSpPr/>
+                <p:nvPr/>
+              </p:nvSpPr>
+              <p:spPr>
+                <a:xfrm>
+                  <a:off x="2032000" y="2006599"/>
+                  <a:ext cx="6096000" cy="1117598"/>
+                </a:xfrm>
+                <a:prstGeom prst="rect">
+                  <a:avLst/>
+                </a:prstGeom>
+                <a:solidFill>
+                  <a:schemeClr val="accent2"/>
+                </a:solidFill>
+                <a:ln w="19050">
+                  <a:solidFill>
+                    <a:schemeClr val="tx1"/>
+                  </a:solidFill>
+                  <a:prstDash val="solid"/>
+                </a:ln>
+              </p:spPr>
+              <p:style>
+                <a:lnRef idx="2">
+                  <a:schemeClr val="accent1">
+                    <a:shade val="15000"/>
+                  </a:schemeClr>
+                </a:lnRef>
+                <a:fillRef idx="1">
+                  <a:schemeClr val="accent1"/>
+                </a:fillRef>
+                <a:effectRef idx="0">
+                  <a:schemeClr val="accent1"/>
+                </a:effectRef>
+                <a:fontRef idx="minor">
+                  <a:schemeClr val="lt1"/>
+                </a:fontRef>
+              </p:style>
+              <p:txBody>
+                <a:bodyPr rtlCol="0" anchor="ctr"/>
+                <a:lstStyle/>
+                <a:p>
+                  <a:pPr algn="ctr"/>
+                  <a:endParaRPr lang="de-DE"/>
+                </a:p>
+              </p:txBody>
+            </p:sp>
+            <p:sp>
+              <p:nvSpPr>
+                <p:cNvPr id="29" name="Rechteck 28">
+                  <a:extLst>
+                    <a:ext uri="{FF2B5EF4-FFF2-40B4-BE49-F238E27FC236}">
+                      <a16:creationId xmlns:a16="http://schemas.microsoft.com/office/drawing/2014/main" id="{83DA582A-6471-3592-9526-A959965F7127}"/>
+                    </a:ext>
+                  </a:extLst>
+                </p:cNvPr>
+                <p:cNvSpPr/>
+                <p:nvPr/>
+              </p:nvSpPr>
+              <p:spPr>
+                <a:xfrm>
+                  <a:off x="2032000" y="2006600"/>
+                  <a:ext cx="6096000" cy="372533"/>
+                </a:xfrm>
+                <a:prstGeom prst="rect">
+                  <a:avLst/>
+                </a:prstGeom>
+                <a:noFill/>
+                <a:ln>
+                  <a:solidFill>
+                    <a:schemeClr val="tx1"/>
+                  </a:solidFill>
+                  <a:prstDash val="lgDash"/>
+                </a:ln>
+              </p:spPr>
+              <p:style>
+                <a:lnRef idx="2">
+                  <a:schemeClr val="accent1">
+                    <a:shade val="15000"/>
+                  </a:schemeClr>
+                </a:lnRef>
+                <a:fillRef idx="1">
+                  <a:schemeClr val="accent1"/>
+                </a:fillRef>
+                <a:effectRef idx="0">
+                  <a:schemeClr val="accent1"/>
+                </a:effectRef>
+                <a:fontRef idx="minor">
+                  <a:schemeClr val="lt1"/>
+                </a:fontRef>
+              </p:style>
+              <p:txBody>
+                <a:bodyPr rtlCol="0" anchor="ctr"/>
+                <a:lstStyle/>
+                <a:p>
+                  <a:pPr algn="ctr"/>
+                  <a:endParaRPr lang="de-DE"/>
+                </a:p>
+              </p:txBody>
+            </p:sp>
+            <p:sp>
+              <p:nvSpPr>
+                <p:cNvPr id="30" name="Rechteck 29">
+                  <a:extLst>
+                    <a:ext uri="{FF2B5EF4-FFF2-40B4-BE49-F238E27FC236}">
+                      <a16:creationId xmlns:a16="http://schemas.microsoft.com/office/drawing/2014/main" id="{05A9CC10-7A3A-0278-3C38-E1656F1D258B}"/>
+                    </a:ext>
+                  </a:extLst>
+                </p:cNvPr>
+                <p:cNvSpPr/>
+                <p:nvPr/>
+              </p:nvSpPr>
+              <p:spPr>
+                <a:xfrm>
+                  <a:off x="2032000" y="2379133"/>
+                  <a:ext cx="6096000" cy="372533"/>
+                </a:xfrm>
+                <a:prstGeom prst="rect">
+                  <a:avLst/>
+                </a:prstGeom>
+                <a:noFill/>
+                <a:ln>
+                  <a:noFill/>
+                  <a:prstDash val="lgDash"/>
+                </a:ln>
+              </p:spPr>
+              <p:style>
+                <a:lnRef idx="2">
+                  <a:schemeClr val="accent1">
+                    <a:shade val="15000"/>
+                  </a:schemeClr>
+                </a:lnRef>
+                <a:fillRef idx="1">
+                  <a:schemeClr val="accent1"/>
+                </a:fillRef>
+                <a:effectRef idx="0">
+                  <a:schemeClr val="accent1"/>
+                </a:effectRef>
+                <a:fontRef idx="minor">
+                  <a:schemeClr val="lt1"/>
+                </a:fontRef>
+              </p:style>
+              <p:txBody>
+                <a:bodyPr rtlCol="0" anchor="ctr"/>
+                <a:lstStyle/>
+                <a:p>
+                  <a:pPr algn="ctr"/>
+                  <a:endParaRPr lang="de-DE"/>
+                </a:p>
+              </p:txBody>
+            </p:sp>
+            <p:sp>
+              <p:nvSpPr>
+                <p:cNvPr id="31" name="Rechteck 30">
+                  <a:extLst>
+                    <a:ext uri="{FF2B5EF4-FFF2-40B4-BE49-F238E27FC236}">
+                      <a16:creationId xmlns:a16="http://schemas.microsoft.com/office/drawing/2014/main" id="{B92BE667-398A-834E-FB94-6B1056B30C02}"/>
+                    </a:ext>
+                  </a:extLst>
+                </p:cNvPr>
+                <p:cNvSpPr/>
+                <p:nvPr/>
+              </p:nvSpPr>
+              <p:spPr>
+                <a:xfrm>
+                  <a:off x="2032000" y="2751666"/>
+                  <a:ext cx="6096000" cy="372533"/>
+                </a:xfrm>
+                <a:prstGeom prst="rect">
+                  <a:avLst/>
+                </a:prstGeom>
+                <a:noFill/>
+                <a:ln>
+                  <a:solidFill>
+                    <a:schemeClr val="tx1"/>
+                  </a:solidFill>
+                  <a:prstDash val="lgDash"/>
+                </a:ln>
+              </p:spPr>
+              <p:style>
+                <a:lnRef idx="2">
+                  <a:schemeClr val="accent1">
+                    <a:shade val="15000"/>
+                  </a:schemeClr>
+                </a:lnRef>
+                <a:fillRef idx="1">
+                  <a:schemeClr val="accent1"/>
+                </a:fillRef>
+                <a:effectRef idx="0">
+                  <a:schemeClr val="accent1"/>
+                </a:effectRef>
+                <a:fontRef idx="minor">
+                  <a:schemeClr val="lt1"/>
+                </a:fontRef>
+              </p:style>
+              <p:txBody>
+                <a:bodyPr rtlCol="0" anchor="ctr"/>
+                <a:lstStyle/>
+                <a:p>
+                  <a:pPr algn="ctr"/>
+                  <a:endParaRPr lang="de-DE"/>
+                </a:p>
+              </p:txBody>
+            </p:sp>
+          </p:grpSp>
+          <p:sp>
+            <p:nvSpPr>
+              <p:cNvPr id="26" name="Ellipse 25">
+                <a:extLst>
+                  <a:ext uri="{FF2B5EF4-FFF2-40B4-BE49-F238E27FC236}">
+                    <a16:creationId xmlns:a16="http://schemas.microsoft.com/office/drawing/2014/main" id="{8270C00B-90E5-D0D7-049D-B6D3E824B6B4}"/>
+                  </a:ext>
+                </a:extLst>
+              </p:cNvPr>
+              <p:cNvSpPr/>
+              <p:nvPr/>
+            </p:nvSpPr>
+            <p:spPr>
+              <a:xfrm>
+                <a:off x="4329007" y="3406139"/>
+                <a:ext cx="45719" cy="45719"/>
+              </a:xfrm>
+              <a:prstGeom prst="ellipse">
+                <a:avLst/>
+              </a:prstGeom>
+            </p:spPr>
+            <p:style>
+              <a:lnRef idx="2">
+                <a:schemeClr val="accent1">
+                  <a:shade val="15000"/>
+                </a:schemeClr>
+              </a:lnRef>
+              <a:fillRef idx="1">
+                <a:schemeClr val="accent1"/>
+              </a:fillRef>
+              <a:effectRef idx="0">
+                <a:schemeClr val="accent1"/>
+              </a:effectRef>
+              <a:fontRef idx="minor">
+                <a:schemeClr val="lt1"/>
+              </a:fontRef>
+            </p:style>
+            <p:txBody>
+              <a:bodyPr rtlCol="0" anchor="ctr"/>
+              <a:lstStyle/>
+              <a:p>
+                <a:pPr algn="ctr"/>
+                <a:endParaRPr lang="de-DE"/>
+              </a:p>
+            </p:txBody>
+          </p:sp>
+          <p:sp>
+            <p:nvSpPr>
+              <p:cNvPr id="27" name="Ellipse 26">
+                <a:extLst>
+                  <a:ext uri="{FF2B5EF4-FFF2-40B4-BE49-F238E27FC236}">
+                    <a16:creationId xmlns:a16="http://schemas.microsoft.com/office/drawing/2014/main" id="{3E01B6BF-DC14-22E0-65A9-57ECDDB38A36}"/>
+                  </a:ext>
+                </a:extLst>
+              </p:cNvPr>
+              <p:cNvSpPr/>
+              <p:nvPr/>
+            </p:nvSpPr>
+            <p:spPr>
+              <a:xfrm>
+                <a:off x="739141" y="3407921"/>
+                <a:ext cx="45719" cy="45719"/>
+              </a:xfrm>
+              <a:prstGeom prst="ellipse">
+                <a:avLst/>
+              </a:prstGeom>
+              <a:solidFill>
+                <a:schemeClr val="accent2"/>
+              </a:solidFill>
+            </p:spPr>
+            <p:style>
+              <a:lnRef idx="2">
+                <a:schemeClr val="accent1">
+                  <a:shade val="15000"/>
+                </a:schemeClr>
+              </a:lnRef>
+              <a:fillRef idx="1">
+                <a:schemeClr val="accent1"/>
+              </a:fillRef>
+              <a:effectRef idx="0">
+                <a:schemeClr val="accent1"/>
+              </a:effectRef>
+              <a:fontRef idx="minor">
+                <a:schemeClr val="lt1"/>
+              </a:fontRef>
+            </p:style>
+            <p:txBody>
+              <a:bodyPr rtlCol="0" anchor="ctr"/>
+              <a:lstStyle/>
+              <a:p>
+                <a:pPr algn="ctr"/>
+                <a:endParaRPr lang="de-DE"/>
+              </a:p>
+            </p:txBody>
+          </p:sp>
+        </p:grpSp>
+        <p:grpSp>
+          <p:nvGrpSpPr>
+            <p:cNvPr id="32" name="Gruppieren 31">
+              <a:extLst>
+                <a:ext uri="{FF2B5EF4-FFF2-40B4-BE49-F238E27FC236}">
+                  <a16:creationId xmlns:a16="http://schemas.microsoft.com/office/drawing/2014/main" id="{C6EA868D-771F-317B-534C-8B6FB4D32F03}"/>
+                </a:ext>
+              </a:extLst>
+            </p:cNvPr>
+            <p:cNvGrpSpPr/>
+            <p:nvPr/>
+          </p:nvGrpSpPr>
+          <p:grpSpPr>
+            <a:xfrm rot="7200000" flipV="1">
+              <a:off x="4552280" y="3599124"/>
+              <a:ext cx="6245794" cy="498178"/>
+              <a:chOff x="739141" y="3284008"/>
+              <a:chExt cx="3635585" cy="289983"/>
+            </a:xfrm>
+          </p:grpSpPr>
+          <p:grpSp>
+            <p:nvGrpSpPr>
+              <p:cNvPr id="33" name="Gruppieren 32">
+                <a:extLst>
+                  <a:ext uri="{FF2B5EF4-FFF2-40B4-BE49-F238E27FC236}">
+                    <a16:creationId xmlns:a16="http://schemas.microsoft.com/office/drawing/2014/main" id="{B02AD1BB-ABB3-1F0F-6276-9788DB9ED89A}"/>
+                  </a:ext>
+                </a:extLst>
+              </p:cNvPr>
+              <p:cNvGrpSpPr/>
+              <p:nvPr/>
+            </p:nvGrpSpPr>
+            <p:grpSpPr>
+              <a:xfrm>
+                <a:off x="762001" y="3284008"/>
+                <a:ext cx="3589866" cy="289983"/>
+                <a:chOff x="2032000" y="2006599"/>
+                <a:chExt cx="6096000" cy="1117600"/>
+              </a:xfrm>
+            </p:grpSpPr>
+            <p:sp>
+              <p:nvSpPr>
+                <p:cNvPr id="36" name="Rechteck 35">
+                  <a:extLst>
+                    <a:ext uri="{FF2B5EF4-FFF2-40B4-BE49-F238E27FC236}">
+                      <a16:creationId xmlns:a16="http://schemas.microsoft.com/office/drawing/2014/main" id="{7C10BD79-CA20-265D-542C-9B3DCD3F3788}"/>
+                    </a:ext>
+                  </a:extLst>
+                </p:cNvPr>
+                <p:cNvSpPr/>
+                <p:nvPr/>
+              </p:nvSpPr>
+              <p:spPr>
+                <a:xfrm>
+                  <a:off x="2032000" y="2006599"/>
+                  <a:ext cx="6096000" cy="1117598"/>
+                </a:xfrm>
+                <a:prstGeom prst="rect">
+                  <a:avLst/>
+                </a:prstGeom>
+                <a:solidFill>
+                  <a:srgbClr val="D0CECE"/>
+                </a:solidFill>
+                <a:ln w="19050">
+                  <a:solidFill>
+                    <a:schemeClr val="tx1"/>
+                  </a:solidFill>
+                  <a:prstDash val="solid"/>
+                </a:ln>
+              </p:spPr>
+              <p:style>
+                <a:lnRef idx="2">
+                  <a:schemeClr val="accent1">
+                    <a:shade val="15000"/>
+                  </a:schemeClr>
+                </a:lnRef>
+                <a:fillRef idx="1">
+                  <a:schemeClr val="accent1"/>
+                </a:fillRef>
+                <a:effectRef idx="0">
+                  <a:schemeClr val="accent1"/>
+                </a:effectRef>
+                <a:fontRef idx="minor">
+                  <a:schemeClr val="lt1"/>
+                </a:fontRef>
+              </p:style>
+              <p:txBody>
+                <a:bodyPr rtlCol="0" anchor="ctr"/>
+                <a:lstStyle/>
+                <a:p>
+                  <a:pPr algn="ctr"/>
+                  <a:endParaRPr lang="de-DE"/>
+                </a:p>
+              </p:txBody>
+            </p:sp>
+            <p:sp>
+              <p:nvSpPr>
+                <p:cNvPr id="37" name="Rechteck 36">
+                  <a:extLst>
+                    <a:ext uri="{FF2B5EF4-FFF2-40B4-BE49-F238E27FC236}">
+                      <a16:creationId xmlns:a16="http://schemas.microsoft.com/office/drawing/2014/main" id="{7068D4D7-76BD-1C98-1BF2-16E22DEA560D}"/>
+                    </a:ext>
+                  </a:extLst>
+                </p:cNvPr>
+                <p:cNvSpPr/>
+                <p:nvPr/>
+              </p:nvSpPr>
+              <p:spPr>
+                <a:xfrm>
+                  <a:off x="2032000" y="2006600"/>
+                  <a:ext cx="6096000" cy="372533"/>
+                </a:xfrm>
+                <a:prstGeom prst="rect">
+                  <a:avLst/>
+                </a:prstGeom>
+                <a:noFill/>
+                <a:ln>
+                  <a:solidFill>
+                    <a:schemeClr val="tx1"/>
+                  </a:solidFill>
+                  <a:prstDash val="lgDash"/>
+                </a:ln>
+              </p:spPr>
+              <p:style>
+                <a:lnRef idx="2">
+                  <a:schemeClr val="accent1">
+                    <a:shade val="15000"/>
+                  </a:schemeClr>
+                </a:lnRef>
+                <a:fillRef idx="1">
+                  <a:schemeClr val="accent1"/>
+                </a:fillRef>
+                <a:effectRef idx="0">
+                  <a:schemeClr val="accent1"/>
+                </a:effectRef>
+                <a:fontRef idx="minor">
+                  <a:schemeClr val="lt1"/>
+                </a:fontRef>
+              </p:style>
+              <p:txBody>
+                <a:bodyPr rtlCol="0" anchor="ctr"/>
+                <a:lstStyle/>
+                <a:p>
+                  <a:pPr algn="ctr"/>
+                  <a:endParaRPr lang="de-DE"/>
+                </a:p>
+              </p:txBody>
+            </p:sp>
+            <p:sp>
+              <p:nvSpPr>
+                <p:cNvPr id="38" name="Rechteck 37">
+                  <a:extLst>
+                    <a:ext uri="{FF2B5EF4-FFF2-40B4-BE49-F238E27FC236}">
+                      <a16:creationId xmlns:a16="http://schemas.microsoft.com/office/drawing/2014/main" id="{6F2F4474-39A4-EE08-3A70-112AD6C91D39}"/>
+                    </a:ext>
+                  </a:extLst>
+                </p:cNvPr>
+                <p:cNvSpPr/>
+                <p:nvPr/>
+              </p:nvSpPr>
+              <p:spPr>
+                <a:xfrm>
+                  <a:off x="2032000" y="2379133"/>
+                  <a:ext cx="6096000" cy="372533"/>
+                </a:xfrm>
+                <a:prstGeom prst="rect">
+                  <a:avLst/>
+                </a:prstGeom>
+                <a:noFill/>
+                <a:ln>
+                  <a:noFill/>
+                  <a:prstDash val="lgDash"/>
+                </a:ln>
+              </p:spPr>
+              <p:style>
+                <a:lnRef idx="2">
+                  <a:schemeClr val="accent1">
+                    <a:shade val="15000"/>
+                  </a:schemeClr>
+                </a:lnRef>
+                <a:fillRef idx="1">
+                  <a:schemeClr val="accent1"/>
+                </a:fillRef>
+                <a:effectRef idx="0">
+                  <a:schemeClr val="accent1"/>
+                </a:effectRef>
+                <a:fontRef idx="minor">
+                  <a:schemeClr val="lt1"/>
+                </a:fontRef>
+              </p:style>
+              <p:txBody>
+                <a:bodyPr rtlCol="0" anchor="ctr"/>
+                <a:lstStyle/>
+                <a:p>
+                  <a:pPr algn="ctr"/>
+                  <a:endParaRPr lang="de-DE"/>
+                </a:p>
+              </p:txBody>
+            </p:sp>
+            <p:sp>
+              <p:nvSpPr>
+                <p:cNvPr id="39" name="Rechteck 38">
+                  <a:extLst>
+                    <a:ext uri="{FF2B5EF4-FFF2-40B4-BE49-F238E27FC236}">
+                      <a16:creationId xmlns:a16="http://schemas.microsoft.com/office/drawing/2014/main" id="{EDBCB785-17D9-7069-FEEE-731EB71DE722}"/>
+                    </a:ext>
+                  </a:extLst>
+                </p:cNvPr>
+                <p:cNvSpPr/>
+                <p:nvPr/>
+              </p:nvSpPr>
+              <p:spPr>
+                <a:xfrm>
+                  <a:off x="2032000" y="2751666"/>
+                  <a:ext cx="6096000" cy="372533"/>
+                </a:xfrm>
+                <a:prstGeom prst="rect">
+                  <a:avLst/>
+                </a:prstGeom>
+                <a:noFill/>
+                <a:ln>
+                  <a:solidFill>
+                    <a:schemeClr val="tx1"/>
+                  </a:solidFill>
+                  <a:prstDash val="lgDash"/>
+                </a:ln>
+              </p:spPr>
+              <p:style>
+                <a:lnRef idx="2">
+                  <a:schemeClr val="accent1">
+                    <a:shade val="15000"/>
+                  </a:schemeClr>
+                </a:lnRef>
+                <a:fillRef idx="1">
+                  <a:schemeClr val="accent1"/>
+                </a:fillRef>
+                <a:effectRef idx="0">
+                  <a:schemeClr val="accent1"/>
+                </a:effectRef>
+                <a:fontRef idx="minor">
+                  <a:schemeClr val="lt1"/>
+                </a:fontRef>
+              </p:style>
+              <p:txBody>
+                <a:bodyPr rtlCol="0" anchor="ctr"/>
+                <a:lstStyle/>
+                <a:p>
+                  <a:pPr algn="ctr"/>
+                  <a:endParaRPr lang="de-DE"/>
+                </a:p>
+              </p:txBody>
+            </p:sp>
+          </p:grpSp>
+          <p:sp>
+            <p:nvSpPr>
+              <p:cNvPr id="34" name="Ellipse 33">
+                <a:extLst>
+                  <a:ext uri="{FF2B5EF4-FFF2-40B4-BE49-F238E27FC236}">
+                    <a16:creationId xmlns:a16="http://schemas.microsoft.com/office/drawing/2014/main" id="{E74BA855-EB3E-0D64-4552-ED34E216BEA3}"/>
+                  </a:ext>
+                </a:extLst>
+              </p:cNvPr>
+              <p:cNvSpPr/>
+              <p:nvPr/>
+            </p:nvSpPr>
+            <p:spPr>
+              <a:xfrm>
+                <a:off x="4329007" y="3406139"/>
+                <a:ext cx="45719" cy="45719"/>
+              </a:xfrm>
+              <a:prstGeom prst="ellipse">
+                <a:avLst/>
+              </a:prstGeom>
+            </p:spPr>
+            <p:style>
+              <a:lnRef idx="2">
+                <a:schemeClr val="accent1">
+                  <a:shade val="15000"/>
+                </a:schemeClr>
+              </a:lnRef>
+              <a:fillRef idx="1">
+                <a:schemeClr val="accent1"/>
+              </a:fillRef>
+              <a:effectRef idx="0">
+                <a:schemeClr val="accent1"/>
+              </a:effectRef>
+              <a:fontRef idx="minor">
+                <a:schemeClr val="lt1"/>
+              </a:fontRef>
+            </p:style>
+            <p:txBody>
+              <a:bodyPr rtlCol="0" anchor="ctr"/>
+              <a:lstStyle/>
+              <a:p>
+                <a:pPr algn="ctr"/>
+                <a:endParaRPr lang="de-DE"/>
+              </a:p>
+            </p:txBody>
+          </p:sp>
+          <p:sp>
+            <p:nvSpPr>
+              <p:cNvPr id="35" name="Ellipse 34">
+                <a:extLst>
+                  <a:ext uri="{FF2B5EF4-FFF2-40B4-BE49-F238E27FC236}">
+                    <a16:creationId xmlns:a16="http://schemas.microsoft.com/office/drawing/2014/main" id="{8996260B-9A20-AC49-B99E-E883F1E8F7D5}"/>
+                  </a:ext>
+                </a:extLst>
+              </p:cNvPr>
+              <p:cNvSpPr/>
+              <p:nvPr/>
+            </p:nvSpPr>
+            <p:spPr>
+              <a:xfrm>
+                <a:off x="739141" y="3407921"/>
+                <a:ext cx="45719" cy="45719"/>
+              </a:xfrm>
+              <a:prstGeom prst="ellipse">
+                <a:avLst/>
+              </a:prstGeom>
+              <a:solidFill>
+                <a:schemeClr val="accent2"/>
+              </a:solidFill>
+            </p:spPr>
+            <p:style>
+              <a:lnRef idx="2">
+                <a:schemeClr val="accent1">
+                  <a:shade val="15000"/>
+                </a:schemeClr>
+              </a:lnRef>
+              <a:fillRef idx="1">
+                <a:schemeClr val="accent1"/>
+              </a:fillRef>
+              <a:effectRef idx="0">
+                <a:schemeClr val="accent1"/>
+              </a:effectRef>
+              <a:fontRef idx="minor">
+                <a:schemeClr val="lt1"/>
+              </a:fontRef>
+            </p:style>
+            <p:txBody>
+              <a:bodyPr rtlCol="0" anchor="ctr"/>
+              <a:lstStyle/>
+              <a:p>
+                <a:pPr algn="ctr"/>
+                <a:endParaRPr lang="de-DE"/>
+              </a:p>
+            </p:txBody>
+          </p:sp>
+        </p:grpSp>
+      </p:grpSp>
+      <p:sp>
+        <p:nvSpPr>
+          <p:cNvPr id="40" name="Rechteck 39">
+            <a:extLst>
+              <a:ext uri="{FF2B5EF4-FFF2-40B4-BE49-F238E27FC236}">
+                <a16:creationId xmlns:a16="http://schemas.microsoft.com/office/drawing/2014/main" id="{C68CE133-30CD-70A3-AEDE-45A7BEC4E293}"/>
+              </a:ext>
+            </a:extLst>
+          </p:cNvPr>
+          <p:cNvSpPr/>
+          <p:nvPr/>
+        </p:nvSpPr>
+        <p:spPr>
+          <a:xfrm>
+            <a:off x="4968203" y="574445"/>
+            <a:ext cx="158750" cy="69850"/>
+          </a:xfrm>
+          <a:prstGeom prst="rect">
+            <a:avLst/>
+          </a:prstGeom>
+          <a:solidFill>
+            <a:srgbClr val="FF0000"/>
+          </a:solidFill>
+        </p:spPr>
+        <p:style>
+          <a:lnRef idx="2">
+            <a:schemeClr val="accent1">
+              <a:shade val="15000"/>
+            </a:schemeClr>
+          </a:lnRef>
+          <a:fillRef idx="1">
+            <a:schemeClr val="accent1"/>
+          </a:fillRef>
+          <a:effectRef idx="0">
+            <a:schemeClr val="accent1"/>
+          </a:effectRef>
+          <a:fontRef idx="minor">
+            <a:schemeClr val="lt1"/>
+          </a:fontRef>
+        </p:style>
+        <p:txBody>
+          <a:bodyPr lIns="0" tIns="0" rIns="0" bIns="0" rtlCol="0" anchor="ctr"/>
+          <a:lstStyle/>
+          <a:p>
+            <a:pPr algn="ctr"/>
+            <a:r>
+              <a:rPr lang="de-DE" sz="300" dirty="0"/>
+              <a:t>EGO</a:t>
+            </a:r>
+          </a:p>
+        </p:txBody>
+      </p:sp>
+      <p:cxnSp>
+        <p:nvCxnSpPr>
+          <p:cNvPr id="43" name="Gerader Verbinder 42">
+            <a:extLst>
+              <a:ext uri="{FF2B5EF4-FFF2-40B4-BE49-F238E27FC236}">
+                <a16:creationId xmlns:a16="http://schemas.microsoft.com/office/drawing/2014/main" id="{380D8C24-0C56-B14A-C783-F810417D5744}"/>
+              </a:ext>
+            </a:extLst>
+          </p:cNvPr>
+          <p:cNvCxnSpPr>
+            <a:stCxn id="26" idx="6"/>
+          </p:cNvCxnSpPr>
+          <p:nvPr/>
+        </p:nvCxnSpPr>
+        <p:spPr>
+          <a:xfrm flipV="1">
+            <a:off x="9241430" y="644295"/>
+            <a:ext cx="271664" cy="499412"/>
+          </a:xfrm>
+          <a:prstGeom prst="line">
+            <a:avLst/>
+          </a:prstGeom>
+          <a:ln>
+            <a:prstDash val="lgDash"/>
+          </a:ln>
+        </p:spPr>
+        <p:style>
+          <a:lnRef idx="1">
+            <a:schemeClr val="accent1"/>
+          </a:lnRef>
+          <a:fillRef idx="0">
+            <a:schemeClr val="accent1"/>
+          </a:fillRef>
+          <a:effectRef idx="0">
+            <a:schemeClr val="accent1"/>
+          </a:effectRef>
+          <a:fontRef idx="minor">
+            <a:schemeClr val="tx1"/>
+          </a:fontRef>
+        </p:style>
+      </p:cxnSp>
+      <p:cxnSp>
+        <p:nvCxnSpPr>
+          <p:cNvPr id="45" name="Gerader Verbinder 44">
+            <a:extLst>
+              <a:ext uri="{FF2B5EF4-FFF2-40B4-BE49-F238E27FC236}">
+                <a16:creationId xmlns:a16="http://schemas.microsoft.com/office/drawing/2014/main" id="{1A42400B-3FFB-6E7D-5ACF-5E78CAE16C23}"/>
+              </a:ext>
+            </a:extLst>
+          </p:cNvPr>
+          <p:cNvCxnSpPr>
+            <a:cxnSpLocks/>
+            <a:stCxn id="10" idx="2"/>
+          </p:cNvCxnSpPr>
+          <p:nvPr/>
+        </p:nvCxnSpPr>
+        <p:spPr>
+          <a:xfrm>
+            <a:off x="9020908" y="773134"/>
+            <a:ext cx="575530" cy="0"/>
+          </a:xfrm>
+          <a:prstGeom prst="line">
+            <a:avLst/>
+          </a:prstGeom>
+          <a:ln>
+            <a:prstDash val="lgDash"/>
+          </a:ln>
+        </p:spPr>
+        <p:style>
+          <a:lnRef idx="1">
+            <a:schemeClr val="accent1"/>
+          </a:lnRef>
+          <a:fillRef idx="0">
+            <a:schemeClr val="accent1"/>
+          </a:fillRef>
+          <a:effectRef idx="0">
+            <a:schemeClr val="accent1"/>
+          </a:effectRef>
+          <a:fontRef idx="minor">
+            <a:schemeClr val="tx1"/>
+          </a:fontRef>
+        </p:style>
+      </p:cxnSp>
+      <mc:AlternateContent xmlns:mc="http://schemas.openxmlformats.org/markup-compatibility/2006">
+        <mc:Choice xmlns:a14="http://schemas.microsoft.com/office/drawing/2010/main" Requires="a14">
+          <p:sp>
+            <p:nvSpPr>
+              <p:cNvPr id="47" name="Textfeld 46">
+                <a:extLst>
+                  <a:ext uri="{FF2B5EF4-FFF2-40B4-BE49-F238E27FC236}">
+                    <a16:creationId xmlns:a16="http://schemas.microsoft.com/office/drawing/2014/main" id="{5E0264B3-C6C4-310A-9B42-29EFDB19EA8B}"/>
+                  </a:ext>
+                </a:extLst>
+              </p:cNvPr>
+              <p:cNvSpPr txBox="1"/>
+              <p:nvPr/>
+            </p:nvSpPr>
+            <p:spPr>
+              <a:xfrm>
+                <a:off x="9574497" y="1053171"/>
+                <a:ext cx="413062" cy="463204"/>
+              </a:xfrm>
+              <a:prstGeom prst="rect">
+                <a:avLst/>
+              </a:prstGeom>
+              <a:noFill/>
+            </p:spPr>
+            <p:txBody>
+              <a:bodyPr wrap="none" lIns="0" tIns="0" rIns="0" bIns="0" rtlCol="0">
+                <a:spAutoFit/>
+              </a:bodyPr>
+              <a:lstStyle/>
+              <a:p>
+                <a14:m>
+                  <m:oMathPara xmlns:m="http://schemas.openxmlformats.org/officeDocument/2006/math">
+                    <m:oMathParaPr>
+                      <m:jc m:val="centerGroup"/>
+                    </m:oMathParaPr>
+                    <m:oMath xmlns:m="http://schemas.openxmlformats.org/officeDocument/2006/math">
+                      <m:d>
+                        <m:dPr>
+                          <m:ctrlPr>
+                            <a:rPr lang="de-DE" i="1" smtClean="0">
+                              <a:latin typeface="Cambria Math" panose="02040503050406030204" pitchFamily="18" charset="0"/>
+                            </a:rPr>
+                          </m:ctrlPr>
+                        </m:dPr>
+                        <m:e>
+                          <m:eqArr>
+                            <m:eqArrPr>
+                              <m:ctrlPr>
+                                <a:rPr lang="de-DE" i="1" smtClean="0">
+                                  <a:latin typeface="Cambria Math" panose="02040503050406030204" pitchFamily="18" charset="0"/>
+                                </a:rPr>
+                              </m:ctrlPr>
+                            </m:eqArrPr>
+                            <m:e>
+                              <m:r>
+                                <a:rPr lang="de-DE" b="0" i="1" smtClean="0">
+                                  <a:latin typeface="Cambria Math" panose="02040503050406030204" pitchFamily="18" charset="0"/>
+                                </a:rPr>
+                                <m:t>𝑥</m:t>
+                              </m:r>
+                            </m:e>
+                            <m:e>
+                              <m:r>
+                                <a:rPr lang="de-DE" b="0" i="1" smtClean="0">
+                                  <a:latin typeface="Cambria Math" panose="02040503050406030204" pitchFamily="18" charset="0"/>
+                                </a:rPr>
+                                <m:t>𝑦</m:t>
+                              </m:r>
+                            </m:e>
+                          </m:eqArr>
+                        </m:e>
+                      </m:d>
+                    </m:oMath>
+                  </m:oMathPara>
+                </a14:m>
+                <a:endParaRPr lang="de-DE" dirty="0"/>
+              </a:p>
+            </p:txBody>
+          </p:sp>
+        </mc:Choice>
+        <mc:Fallback>
+          <p:sp>
+            <p:nvSpPr>
+              <p:cNvPr id="47" name="Textfeld 46">
+                <a:extLst>
+                  <a:ext uri="{FF2B5EF4-FFF2-40B4-BE49-F238E27FC236}">
+                    <a16:creationId xmlns:a16="http://schemas.microsoft.com/office/drawing/2014/main" id="{5E0264B3-C6C4-310A-9B42-29EFDB19EA8B}"/>
+                  </a:ext>
+                </a:extLst>
+              </p:cNvPr>
+              <p:cNvSpPr txBox="1">
+                <a:spLocks noRot="1" noChangeAspect="1" noMove="1" noResize="1" noEditPoints="1" noAdjustHandles="1" noChangeArrowheads="1" noChangeShapeType="1" noTextEdit="1"/>
+              </p:cNvSpPr>
+              <p:nvPr/>
+            </p:nvSpPr>
+            <p:spPr>
+              <a:xfrm>
+                <a:off x="9574497" y="1053171"/>
+                <a:ext cx="413062" cy="463204"/>
+              </a:xfrm>
+              <a:prstGeom prst="rect">
+                <a:avLst/>
+              </a:prstGeom>
+              <a:blipFill>
+                <a:blip r:embed="rId2"/>
+                <a:stretch>
+                  <a:fillRect/>
+                </a:stretch>
+              </a:blipFill>
+            </p:spPr>
+            <p:txBody>
+              <a:bodyPr/>
+              <a:lstStyle/>
+              <a:p>
+                <a:r>
+                  <a:rPr lang="de-DE">
+                    <a:noFill/>
+                  </a:rPr>
+                  <a:t> </a:t>
+                </a:r>
+              </a:p>
+            </p:txBody>
+          </p:sp>
+        </mc:Fallback>
+      </mc:AlternateContent>
+      <mc:AlternateContent xmlns:mc="http://schemas.openxmlformats.org/markup-compatibility/2006">
+        <mc:Choice xmlns:a14="http://schemas.microsoft.com/office/drawing/2010/main" Requires="a14">
+          <p:sp>
+            <p:nvSpPr>
+              <p:cNvPr id="48" name="Textfeld 47">
+                <a:extLst>
+                  <a:ext uri="{FF2B5EF4-FFF2-40B4-BE49-F238E27FC236}">
+                    <a16:creationId xmlns:a16="http://schemas.microsoft.com/office/drawing/2014/main" id="{EE791880-3182-B408-D2A4-CBC0CD6AA4AF}"/>
+                  </a:ext>
+                </a:extLst>
+              </p:cNvPr>
+              <p:cNvSpPr txBox="1"/>
+              <p:nvPr/>
+            </p:nvSpPr>
+            <p:spPr>
+              <a:xfrm>
+                <a:off x="6497700" y="6309438"/>
+                <a:ext cx="470193" cy="530273"/>
+              </a:xfrm>
+              <a:prstGeom prst="rect">
+                <a:avLst/>
+              </a:prstGeom>
+              <a:noFill/>
+            </p:spPr>
+            <p:txBody>
+              <a:bodyPr wrap="none" lIns="0" tIns="0" rIns="0" bIns="0" rtlCol="0">
+                <a:spAutoFit/>
+              </a:bodyPr>
+              <a:lstStyle/>
+              <a:p>
+                <a14:m>
+                  <m:oMathPara xmlns:m="http://schemas.openxmlformats.org/officeDocument/2006/math">
+                    <m:oMathParaPr>
+                      <m:jc m:val="centerGroup"/>
+                    </m:oMathParaPr>
+                    <m:oMath xmlns:m="http://schemas.openxmlformats.org/officeDocument/2006/math">
+                      <m:d>
+                        <m:dPr>
+                          <m:ctrlPr>
+                            <a:rPr lang="de-DE" i="1" smtClean="0">
+                              <a:latin typeface="Cambria Math" panose="02040503050406030204" pitchFamily="18" charset="0"/>
+                            </a:rPr>
+                          </m:ctrlPr>
+                        </m:dPr>
+                        <m:e>
+                          <m:eqArr>
+                            <m:eqArrPr>
+                              <m:ctrlPr>
+                                <a:rPr lang="de-DE" i="1" smtClean="0">
+                                  <a:latin typeface="Cambria Math" panose="02040503050406030204" pitchFamily="18" charset="0"/>
+                                </a:rPr>
+                              </m:ctrlPr>
+                            </m:eqArrPr>
+                            <m:e>
+                              <m:r>
+                                <a:rPr lang="de-DE" b="0" i="1" smtClean="0">
+                                  <a:latin typeface="Cambria Math" panose="02040503050406030204" pitchFamily="18" charset="0"/>
+                                </a:rPr>
+                                <m:t>𝑥</m:t>
+                              </m:r>
+                              <m:r>
+                                <a:rPr lang="de-DE" b="0" i="1" smtClean="0">
+                                  <a:latin typeface="Cambria Math" panose="02040503050406030204" pitchFamily="18" charset="0"/>
+                                </a:rPr>
+                                <m:t>′</m:t>
+                              </m:r>
+                            </m:e>
+                            <m:e>
+                              <m:r>
+                                <a:rPr lang="de-DE" b="0" i="1" smtClean="0">
+                                  <a:latin typeface="Cambria Math" panose="02040503050406030204" pitchFamily="18" charset="0"/>
+                                </a:rPr>
+                                <m:t>𝑦</m:t>
+                              </m:r>
+                              <m:r>
+                                <a:rPr lang="de-DE" b="0" i="1" smtClean="0">
+                                  <a:latin typeface="Cambria Math" panose="02040503050406030204" pitchFamily="18" charset="0"/>
+                                </a:rPr>
+                                <m:t>′</m:t>
+                              </m:r>
+                            </m:e>
+                          </m:eqArr>
+                        </m:e>
+                      </m:d>
+                    </m:oMath>
+                  </m:oMathPara>
+                </a14:m>
+                <a:endParaRPr lang="de-DE" dirty="0"/>
+              </a:p>
+            </p:txBody>
+          </p:sp>
+        </mc:Choice>
+        <mc:Fallback>
+          <p:sp>
+            <p:nvSpPr>
+              <p:cNvPr id="48" name="Textfeld 47">
+                <a:extLst>
+                  <a:ext uri="{FF2B5EF4-FFF2-40B4-BE49-F238E27FC236}">
+                    <a16:creationId xmlns:a16="http://schemas.microsoft.com/office/drawing/2014/main" id="{EE791880-3182-B408-D2A4-CBC0CD6AA4AF}"/>
+                  </a:ext>
+                </a:extLst>
+              </p:cNvPr>
+              <p:cNvSpPr txBox="1">
+                <a:spLocks noRot="1" noChangeAspect="1" noMove="1" noResize="1" noEditPoints="1" noAdjustHandles="1" noChangeArrowheads="1" noChangeShapeType="1" noTextEdit="1"/>
+              </p:cNvSpPr>
+              <p:nvPr/>
+            </p:nvSpPr>
+            <p:spPr>
+              <a:xfrm>
+                <a:off x="6497700" y="6309438"/>
+                <a:ext cx="470193" cy="530273"/>
+              </a:xfrm>
+              <a:prstGeom prst="rect">
+                <a:avLst/>
+              </a:prstGeom>
+              <a:blipFill>
+                <a:blip r:embed="rId3"/>
+                <a:stretch>
+                  <a:fillRect b="-1149"/>
+                </a:stretch>
+              </a:blipFill>
+            </p:spPr>
+            <p:txBody>
+              <a:bodyPr/>
+              <a:lstStyle/>
+              <a:p>
+                <a:r>
+                  <a:rPr lang="de-DE">
+                    <a:noFill/>
+                  </a:rPr>
+                  <a:t> </a:t>
+                </a:r>
+              </a:p>
+            </p:txBody>
+          </p:sp>
+        </mc:Fallback>
+      </mc:AlternateContent>
+    </p:spTree>
+    <p:extLst>
+      <p:ext uri="{BB962C8B-B14F-4D97-AF65-F5344CB8AC3E}">
+        <p14:creationId xmlns:p14="http://schemas.microsoft.com/office/powerpoint/2010/main" val="1082289119"/>
+      </p:ext>
+    </p:extLst>
+  </p:cSld>
+  <p:clrMapOvr>
+    <a:masterClrMapping/>
+  </p:clrMapOvr>
+</p:sld>
+</file>
+
+<file path=ppt/slides/slide2.xml><?xml version="1.0" encoding="utf-8"?>
 <p:sld xmlns:a="http://schemas.openxmlformats.org/drawingml/2006/main" xmlns:r="http://schemas.openxmlformats.org/officeDocument/2006/relationships" xmlns:p="http://schemas.openxmlformats.org/presentationml/2006/main">
   <p:cSld>
     <p:spTree>
@@ -8131,7 +9627,7 @@
 </p:sld>
 </file>
 
-<file path=ppt/slides/slide2.xml><?xml version="1.0" encoding="utf-8"?>
+<file path=ppt/slides/slide3.xml><?xml version="1.0" encoding="utf-8"?>
 <p:sld xmlns:a="http://schemas.openxmlformats.org/drawingml/2006/main" xmlns:r="http://schemas.openxmlformats.org/officeDocument/2006/relationships" xmlns:p="http://schemas.openxmlformats.org/presentationml/2006/main">
   <p:cSld>
     <p:spTree>
@@ -12519,7 +14015,7 @@
 </p:sld>
 </file>
 
-<file path=ppt/slides/slide3.xml><?xml version="1.0" encoding="utf-8"?>
+<file path=ppt/slides/slide4.xml><?xml version="1.0" encoding="utf-8"?>
 <p:sld xmlns:a="http://schemas.openxmlformats.org/drawingml/2006/main" xmlns:r="http://schemas.openxmlformats.org/officeDocument/2006/relationships" xmlns:p="http://schemas.openxmlformats.org/presentationml/2006/main">
   <p:cSld>
     <p:spTree>
@@ -17109,7 +18605,7 @@
 </p:sld>
 </file>
 
-<file path=ppt/slides/slide4.xml><?xml version="1.0" encoding="utf-8"?>
+<file path=ppt/slides/slide5.xml><?xml version="1.0" encoding="utf-8"?>
 <p:sld xmlns:a="http://schemas.openxmlformats.org/drawingml/2006/main" xmlns:r="http://schemas.openxmlformats.org/officeDocument/2006/relationships" xmlns:p="http://schemas.openxmlformats.org/presentationml/2006/main">
   <p:cSld>
     <p:spTree>

--- a/examples/UrbanTopologies.pptx
+++ b/examples/UrbanTopologies.pptx
@@ -5,11 +5,12 @@
     <p:sldMasterId id="2147483648" r:id="rId1"/>
   </p:sldMasterIdLst>
   <p:sldIdLst>
-    <p:sldId id="260" r:id="rId2"/>
-    <p:sldId id="256" r:id="rId3"/>
-    <p:sldId id="259" r:id="rId4"/>
-    <p:sldId id="257" r:id="rId5"/>
-    <p:sldId id="258" r:id="rId6"/>
+    <p:sldId id="261" r:id="rId2"/>
+    <p:sldId id="260" r:id="rId3"/>
+    <p:sldId id="256" r:id="rId4"/>
+    <p:sldId id="259" r:id="rId5"/>
+    <p:sldId id="257" r:id="rId6"/>
+    <p:sldId id="258" r:id="rId7"/>
   </p:sldIdLst>
   <p:sldSz cx="12192000" cy="6858000"/>
   <p:notesSz cx="6858000" cy="9144000"/>
@@ -263,7 +264,7 @@
           <a:p>
             <a:fld id="{F3EB2857-2321-4C4D-8D06-77DF79DF910F}" type="datetimeFigureOut">
               <a:rPr lang="de-DE" smtClean="0"/>
-              <a:t>23.01.2025</a:t>
+              <a:t>27.01.2025</a:t>
             </a:fld>
             <a:endParaRPr lang="de-DE"/>
           </a:p>
@@ -461,7 +462,7 @@
           <a:p>
             <a:fld id="{F3EB2857-2321-4C4D-8D06-77DF79DF910F}" type="datetimeFigureOut">
               <a:rPr lang="de-DE" smtClean="0"/>
-              <a:t>23.01.2025</a:t>
+              <a:t>27.01.2025</a:t>
             </a:fld>
             <a:endParaRPr lang="de-DE"/>
           </a:p>
@@ -669,7 +670,7 @@
           <a:p>
             <a:fld id="{F3EB2857-2321-4C4D-8D06-77DF79DF910F}" type="datetimeFigureOut">
               <a:rPr lang="de-DE" smtClean="0"/>
-              <a:t>23.01.2025</a:t>
+              <a:t>27.01.2025</a:t>
             </a:fld>
             <a:endParaRPr lang="de-DE"/>
           </a:p>
@@ -867,7 +868,7 @@
           <a:p>
             <a:fld id="{F3EB2857-2321-4C4D-8D06-77DF79DF910F}" type="datetimeFigureOut">
               <a:rPr lang="de-DE" smtClean="0"/>
-              <a:t>23.01.2025</a:t>
+              <a:t>27.01.2025</a:t>
             </a:fld>
             <a:endParaRPr lang="de-DE"/>
           </a:p>
@@ -1142,7 +1143,7 @@
           <a:p>
             <a:fld id="{F3EB2857-2321-4C4D-8D06-77DF79DF910F}" type="datetimeFigureOut">
               <a:rPr lang="de-DE" smtClean="0"/>
-              <a:t>23.01.2025</a:t>
+              <a:t>27.01.2025</a:t>
             </a:fld>
             <a:endParaRPr lang="de-DE"/>
           </a:p>
@@ -1407,7 +1408,7 @@
           <a:p>
             <a:fld id="{F3EB2857-2321-4C4D-8D06-77DF79DF910F}" type="datetimeFigureOut">
               <a:rPr lang="de-DE" smtClean="0"/>
-              <a:t>23.01.2025</a:t>
+              <a:t>27.01.2025</a:t>
             </a:fld>
             <a:endParaRPr lang="de-DE"/>
           </a:p>
@@ -1819,7 +1820,7 @@
           <a:p>
             <a:fld id="{F3EB2857-2321-4C4D-8D06-77DF79DF910F}" type="datetimeFigureOut">
               <a:rPr lang="de-DE" smtClean="0"/>
-              <a:t>23.01.2025</a:t>
+              <a:t>27.01.2025</a:t>
             </a:fld>
             <a:endParaRPr lang="de-DE"/>
           </a:p>
@@ -1960,7 +1961,7 @@
           <a:p>
             <a:fld id="{F3EB2857-2321-4C4D-8D06-77DF79DF910F}" type="datetimeFigureOut">
               <a:rPr lang="de-DE" smtClean="0"/>
-              <a:t>23.01.2025</a:t>
+              <a:t>27.01.2025</a:t>
             </a:fld>
             <a:endParaRPr lang="de-DE"/>
           </a:p>
@@ -2073,7 +2074,7 @@
           <a:p>
             <a:fld id="{F3EB2857-2321-4C4D-8D06-77DF79DF910F}" type="datetimeFigureOut">
               <a:rPr lang="de-DE" smtClean="0"/>
-              <a:t>23.01.2025</a:t>
+              <a:t>27.01.2025</a:t>
             </a:fld>
             <a:endParaRPr lang="de-DE"/>
           </a:p>
@@ -2384,7 +2385,7 @@
           <a:p>
             <a:fld id="{F3EB2857-2321-4C4D-8D06-77DF79DF910F}" type="datetimeFigureOut">
               <a:rPr lang="de-DE" smtClean="0"/>
-              <a:t>23.01.2025</a:t>
+              <a:t>27.01.2025</a:t>
             </a:fld>
             <a:endParaRPr lang="de-DE"/>
           </a:p>
@@ -2672,7 +2673,7 @@
           <a:p>
             <a:fld id="{F3EB2857-2321-4C4D-8D06-77DF79DF910F}" type="datetimeFigureOut">
               <a:rPr lang="de-DE" smtClean="0"/>
-              <a:t>23.01.2025</a:t>
+              <a:t>27.01.2025</a:t>
             </a:fld>
             <a:endParaRPr lang="de-DE"/>
           </a:p>
@@ -2913,7 +2914,7 @@
           <a:p>
             <a:fld id="{F3EB2857-2321-4C4D-8D06-77DF79DF910F}" type="datetimeFigureOut">
               <a:rPr lang="de-DE" smtClean="0"/>
-              <a:t>23.01.2025</a:t>
+              <a:t>27.01.2025</a:t>
             </a:fld>
             <a:endParaRPr lang="de-DE"/>
           </a:p>
@@ -3314,6 +3315,2428 @@
 </file>
 
 <file path=ppt/slides/slide1.xml><?xml version="1.0" encoding="utf-8"?>
+<p:sld xmlns:a="http://schemas.openxmlformats.org/drawingml/2006/main" xmlns:r="http://schemas.openxmlformats.org/officeDocument/2006/relationships" xmlns:p="http://schemas.openxmlformats.org/presentationml/2006/main">
+  <p:cSld>
+    <p:spTree>
+      <p:nvGrpSpPr>
+        <p:cNvPr id="1" name=""/>
+        <p:cNvGrpSpPr/>
+        <p:nvPr/>
+      </p:nvGrpSpPr>
+      <p:grpSpPr>
+        <a:xfrm>
+          <a:off x="0" y="0"/>
+          <a:ext cx="0" cy="0"/>
+          <a:chOff x="0" y="0"/>
+          <a:chExt cx="0" cy="0"/>
+        </a:xfrm>
+      </p:grpSpPr>
+      <p:pic>
+        <p:nvPicPr>
+          <p:cNvPr id="5" name="Grafik 4">
+            <a:extLst>
+              <a:ext uri="{FF2B5EF4-FFF2-40B4-BE49-F238E27FC236}">
+                <a16:creationId xmlns:a16="http://schemas.microsoft.com/office/drawing/2014/main" id="{87AF1CA0-3DEA-BF75-7E14-05617B0C9716}"/>
+              </a:ext>
+            </a:extLst>
+          </p:cNvPr>
+          <p:cNvPicPr>
+            <a:picLocks noChangeAspect="1"/>
+          </p:cNvPicPr>
+          <p:nvPr/>
+        </p:nvPicPr>
+        <p:blipFill>
+          <a:blip r:embed="rId2">
+            <a:clrChange>
+              <a:clrFrom>
+                <a:srgbClr val="000000"/>
+              </a:clrFrom>
+              <a:clrTo>
+                <a:srgbClr val="000000">
+                  <a:alpha val="0"/>
+                </a:srgbClr>
+              </a:clrTo>
+            </a:clrChange>
+          </a:blip>
+          <a:stretch>
+            <a:fillRect/>
+          </a:stretch>
+        </p:blipFill>
+        <p:spPr>
+          <a:xfrm>
+            <a:off x="2272949" y="0"/>
+            <a:ext cx="7646102" cy="6858000"/>
+          </a:xfrm>
+          <a:prstGeom prst="rect">
+            <a:avLst/>
+          </a:prstGeom>
+        </p:spPr>
+      </p:pic>
+      <p:sp>
+        <p:nvSpPr>
+          <p:cNvPr id="7" name="Bogen 6">
+            <a:extLst>
+              <a:ext uri="{FF2B5EF4-FFF2-40B4-BE49-F238E27FC236}">
+                <a16:creationId xmlns:a16="http://schemas.microsoft.com/office/drawing/2014/main" id="{A713336E-0AD5-9DF5-5DC1-C3768356A8B0}"/>
+              </a:ext>
+            </a:extLst>
+          </p:cNvPr>
+          <p:cNvSpPr/>
+          <p:nvPr/>
+        </p:nvSpPr>
+        <p:spPr>
+          <a:xfrm rot="6072076">
+            <a:off x="3721100" y="-1"/>
+            <a:ext cx="1320800" cy="1320800"/>
+          </a:xfrm>
+          <a:prstGeom prst="arc">
+            <a:avLst/>
+          </a:prstGeom>
+          <a:ln w="19050"/>
+        </p:spPr>
+        <p:style>
+          <a:lnRef idx="1">
+            <a:schemeClr val="accent1"/>
+          </a:lnRef>
+          <a:fillRef idx="0">
+            <a:schemeClr val="accent1"/>
+          </a:fillRef>
+          <a:effectRef idx="0">
+            <a:schemeClr val="accent1"/>
+          </a:effectRef>
+          <a:fontRef idx="minor">
+            <a:schemeClr val="tx1"/>
+          </a:fontRef>
+        </p:style>
+        <p:txBody>
+          <a:bodyPr rtlCol="0" anchor="ctr"/>
+          <a:lstStyle/>
+          <a:p>
+            <a:pPr algn="ctr"/>
+            <a:endParaRPr lang="de-DE"/>
+          </a:p>
+        </p:txBody>
+      </p:sp>
+      <mc:AlternateContent xmlns:mc="http://schemas.openxmlformats.org/markup-compatibility/2006">
+        <mc:Choice xmlns:a14="http://schemas.microsoft.com/office/drawing/2010/main" Requires="a14">
+          <p:sp>
+            <p:nvSpPr>
+              <p:cNvPr id="8" name="Textfeld 7">
+                <a:extLst>
+                  <a:ext uri="{FF2B5EF4-FFF2-40B4-BE49-F238E27FC236}">
+                    <a16:creationId xmlns:a16="http://schemas.microsoft.com/office/drawing/2014/main" id="{5C22FC3B-B31A-E3A0-BD6F-34A44FBF7CAB}"/>
+                  </a:ext>
+                </a:extLst>
+              </p:cNvPr>
+              <p:cNvSpPr txBox="1"/>
+              <p:nvPr/>
+            </p:nvSpPr>
+            <p:spPr>
+              <a:xfrm>
+                <a:off x="4393849" y="825500"/>
+                <a:ext cx="532646" cy="369332"/>
+              </a:xfrm>
+              <a:prstGeom prst="rect">
+                <a:avLst/>
+              </a:prstGeom>
+              <a:noFill/>
+            </p:spPr>
+            <p:txBody>
+              <a:bodyPr wrap="none" rtlCol="0">
+                <a:spAutoFit/>
+              </a:bodyPr>
+              <a:lstStyle/>
+              <a:p>
+                <a14:m>
+                  <m:oMath xmlns:m="http://schemas.openxmlformats.org/officeDocument/2006/math">
+                    <m:r>
+                      <a:rPr lang="de-DE" i="1" dirty="0" smtClean="0">
+                        <a:latin typeface="Cambria Math" panose="02040503050406030204" pitchFamily="18" charset="0"/>
+                        <a:ea typeface="Cambria Math" panose="02040503050406030204" pitchFamily="18" charset="0"/>
+                      </a:rPr>
+                      <m:t>𝜋</m:t>
+                    </m:r>
+                  </m:oMath>
+                </a14:m>
+                <a:r>
+                  <a:rPr lang="de-DE" dirty="0"/>
+                  <a:t>/3</a:t>
+                </a:r>
+              </a:p>
+            </p:txBody>
+          </p:sp>
+        </mc:Choice>
+        <mc:Fallback>
+          <p:sp>
+            <p:nvSpPr>
+              <p:cNvPr id="8" name="Textfeld 7">
+                <a:extLst>
+                  <a:ext uri="{FF2B5EF4-FFF2-40B4-BE49-F238E27FC236}">
+                    <a16:creationId xmlns:a16="http://schemas.microsoft.com/office/drawing/2014/main" id="{5C22FC3B-B31A-E3A0-BD6F-34A44FBF7CAB}"/>
+                  </a:ext>
+                </a:extLst>
+              </p:cNvPr>
+              <p:cNvSpPr txBox="1">
+                <a:spLocks noRot="1" noChangeAspect="1" noMove="1" noResize="1" noEditPoints="1" noAdjustHandles="1" noChangeArrowheads="1" noChangeShapeType="1" noTextEdit="1"/>
+              </p:cNvSpPr>
+              <p:nvPr/>
+            </p:nvSpPr>
+            <p:spPr>
+              <a:xfrm>
+                <a:off x="4393849" y="825500"/>
+                <a:ext cx="532646" cy="369332"/>
+              </a:xfrm>
+              <a:prstGeom prst="rect">
+                <a:avLst/>
+              </a:prstGeom>
+              <a:blipFill>
+                <a:blip r:embed="rId3"/>
+                <a:stretch>
+                  <a:fillRect t="-8197" r="-9195" b="-24590"/>
+                </a:stretch>
+              </a:blipFill>
+            </p:spPr>
+            <p:txBody>
+              <a:bodyPr/>
+              <a:lstStyle/>
+              <a:p>
+                <a:r>
+                  <a:rPr lang="de-DE">
+                    <a:noFill/>
+                  </a:rPr>
+                  <a:t> </a:t>
+                </a:r>
+              </a:p>
+            </p:txBody>
+          </p:sp>
+        </mc:Fallback>
+      </mc:AlternateContent>
+      <p:grpSp>
+        <p:nvGrpSpPr>
+          <p:cNvPr id="13" name="Gruppieren 12">
+            <a:extLst>
+              <a:ext uri="{FF2B5EF4-FFF2-40B4-BE49-F238E27FC236}">
+                <a16:creationId xmlns:a16="http://schemas.microsoft.com/office/drawing/2014/main" id="{7D4BBB3E-DD2F-8FEB-E825-7B820D707872}"/>
+              </a:ext>
+            </a:extLst>
+          </p:cNvPr>
+          <p:cNvGrpSpPr/>
+          <p:nvPr/>
+        </p:nvGrpSpPr>
+        <p:grpSpPr>
+          <a:xfrm>
+            <a:off x="4634772" y="1390646"/>
+            <a:ext cx="2655028" cy="701244"/>
+            <a:chOff x="4634772" y="1879596"/>
+            <a:chExt cx="2655028" cy="701244"/>
+          </a:xfrm>
+        </p:grpSpPr>
+        <p:sp>
+          <p:nvSpPr>
+            <p:cNvPr id="9" name="Geschweifte Klammer links 8">
+              <a:extLst>
+                <a:ext uri="{FF2B5EF4-FFF2-40B4-BE49-F238E27FC236}">
+                  <a16:creationId xmlns:a16="http://schemas.microsoft.com/office/drawing/2014/main" id="{913059EF-ACF6-A96C-4F0D-6BBBA15E1DB1}"/>
+                </a:ext>
+              </a:extLst>
+            </p:cNvPr>
+            <p:cNvSpPr/>
+            <p:nvPr/>
+          </p:nvSpPr>
+          <p:spPr>
+            <a:xfrm rot="16200000">
+              <a:off x="5796330" y="718038"/>
+              <a:ext cx="331912" cy="2655028"/>
+            </a:xfrm>
+            <a:prstGeom prst="leftBrace">
+              <a:avLst>
+                <a:gd name="adj1" fmla="val 92556"/>
+                <a:gd name="adj2" fmla="val 50000"/>
+              </a:avLst>
+            </a:prstGeom>
+            <a:ln w="19050"/>
+          </p:spPr>
+          <p:style>
+            <a:lnRef idx="1">
+              <a:schemeClr val="accent1"/>
+            </a:lnRef>
+            <a:fillRef idx="0">
+              <a:schemeClr val="accent1"/>
+            </a:fillRef>
+            <a:effectRef idx="0">
+              <a:schemeClr val="accent1"/>
+            </a:effectRef>
+            <a:fontRef idx="minor">
+              <a:schemeClr val="tx1"/>
+            </a:fontRef>
+          </p:style>
+          <p:txBody>
+            <a:bodyPr rtlCol="0" anchor="ctr"/>
+            <a:lstStyle/>
+            <a:p>
+              <a:pPr algn="ctr"/>
+              <a:endParaRPr lang="de-DE"/>
+            </a:p>
+          </p:txBody>
+        </p:sp>
+        <p:sp>
+          <p:nvSpPr>
+            <p:cNvPr id="10" name="Textfeld 9">
+              <a:extLst>
+                <a:ext uri="{FF2B5EF4-FFF2-40B4-BE49-F238E27FC236}">
+                  <a16:creationId xmlns:a16="http://schemas.microsoft.com/office/drawing/2014/main" id="{B2183A0E-2E50-2FBF-8CB0-496917381930}"/>
+                </a:ext>
+              </a:extLst>
+            </p:cNvPr>
+            <p:cNvSpPr txBox="1"/>
+            <p:nvPr/>
+          </p:nvSpPr>
+          <p:spPr>
+            <a:xfrm>
+              <a:off x="5752934" y="2211508"/>
+              <a:ext cx="418704" cy="369332"/>
+            </a:xfrm>
+            <a:prstGeom prst="rect">
+              <a:avLst/>
+            </a:prstGeom>
+            <a:noFill/>
+          </p:spPr>
+          <p:txBody>
+            <a:bodyPr wrap="none" rtlCol="0">
+              <a:spAutoFit/>
+            </a:bodyPr>
+            <a:lstStyle/>
+            <a:p>
+              <a:r>
+                <a:rPr lang="de-DE" dirty="0"/>
+                <a:t>50</a:t>
+              </a:r>
+            </a:p>
+          </p:txBody>
+        </p:sp>
+      </p:grpSp>
+      <mc:AlternateContent xmlns:mc="http://schemas.openxmlformats.org/markup-compatibility/2006">
+        <mc:Choice xmlns:a14="http://schemas.microsoft.com/office/drawing/2010/main" Requires="a14">
+          <p:sp>
+            <p:nvSpPr>
+              <p:cNvPr id="2" name="Textfeld 1">
+                <a:extLst>
+                  <a:ext uri="{FF2B5EF4-FFF2-40B4-BE49-F238E27FC236}">
+                    <a16:creationId xmlns:a16="http://schemas.microsoft.com/office/drawing/2014/main" id="{6BCD31AC-D658-6F08-1A90-D4B48EA1B329}"/>
+                  </a:ext>
+                </a:extLst>
+              </p:cNvPr>
+              <p:cNvSpPr txBox="1"/>
+              <p:nvPr/>
+            </p:nvSpPr>
+            <p:spPr>
+              <a:xfrm>
+                <a:off x="4744545" y="183584"/>
+                <a:ext cx="407483" cy="461921"/>
+              </a:xfrm>
+              <a:prstGeom prst="rect">
+                <a:avLst/>
+              </a:prstGeom>
+              <a:noFill/>
+            </p:spPr>
+            <p:txBody>
+              <a:bodyPr wrap="none" lIns="0" tIns="0" rIns="0" bIns="0" rtlCol="0">
+                <a:spAutoFit/>
+              </a:bodyPr>
+              <a:lstStyle/>
+              <a:p>
+                <a:pPr algn="ctr"/>
+                <a14:m>
+                  <m:oMathPara xmlns:m="http://schemas.openxmlformats.org/officeDocument/2006/math">
+                    <m:oMathParaPr>
+                      <m:jc m:val="centerGroup"/>
+                    </m:oMathParaPr>
+                    <m:oMath xmlns:m="http://schemas.openxmlformats.org/officeDocument/2006/math">
+                      <m:d>
+                        <m:dPr>
+                          <m:ctrlPr>
+                            <a:rPr lang="de-DE" i="1" smtClean="0">
+                              <a:latin typeface="Cambria Math" panose="02040503050406030204" pitchFamily="18" charset="0"/>
+                            </a:rPr>
+                          </m:ctrlPr>
+                        </m:dPr>
+                        <m:e>
+                          <m:eqArr>
+                            <m:eqArrPr>
+                              <m:ctrlPr>
+                                <a:rPr lang="de-DE" i="1" smtClean="0">
+                                  <a:latin typeface="Cambria Math" panose="02040503050406030204" pitchFamily="18" charset="0"/>
+                                </a:rPr>
+                              </m:ctrlPr>
+                            </m:eqArrPr>
+                            <m:e>
+                              <m:r>
+                                <a:rPr lang="de-DE" b="0" i="1" smtClean="0">
+                                  <a:latin typeface="Cambria Math" panose="02040503050406030204" pitchFamily="18" charset="0"/>
+                                </a:rPr>
+                                <m:t>0</m:t>
+                              </m:r>
+                            </m:e>
+                            <m:e>
+                              <m:r>
+                                <a:rPr lang="de-DE" b="0" i="1" smtClean="0">
+                                  <a:latin typeface="Cambria Math" panose="02040503050406030204" pitchFamily="18" charset="0"/>
+                                </a:rPr>
+                                <m:t>0</m:t>
+                              </m:r>
+                            </m:e>
+                          </m:eqArr>
+                        </m:e>
+                      </m:d>
+                    </m:oMath>
+                  </m:oMathPara>
+                </a14:m>
+                <a:endParaRPr lang="de-DE" dirty="0"/>
+              </a:p>
+            </p:txBody>
+          </p:sp>
+        </mc:Choice>
+        <mc:Fallback>
+          <p:sp>
+            <p:nvSpPr>
+              <p:cNvPr id="2" name="Textfeld 1">
+                <a:extLst>
+                  <a:ext uri="{FF2B5EF4-FFF2-40B4-BE49-F238E27FC236}">
+                    <a16:creationId xmlns:a16="http://schemas.microsoft.com/office/drawing/2014/main" id="{6BCD31AC-D658-6F08-1A90-D4B48EA1B329}"/>
+                  </a:ext>
+                </a:extLst>
+              </p:cNvPr>
+              <p:cNvSpPr txBox="1">
+                <a:spLocks noRot="1" noChangeAspect="1" noMove="1" noResize="1" noEditPoints="1" noAdjustHandles="1" noChangeArrowheads="1" noChangeShapeType="1" noTextEdit="1"/>
+              </p:cNvSpPr>
+              <p:nvPr/>
+            </p:nvSpPr>
+            <p:spPr>
+              <a:xfrm>
+                <a:off x="4744545" y="183584"/>
+                <a:ext cx="407483" cy="461921"/>
+              </a:xfrm>
+              <a:prstGeom prst="rect">
+                <a:avLst/>
+              </a:prstGeom>
+              <a:blipFill>
+                <a:blip r:embed="rId4"/>
+                <a:stretch>
+                  <a:fillRect/>
+                </a:stretch>
+              </a:blipFill>
+            </p:spPr>
+            <p:txBody>
+              <a:bodyPr/>
+              <a:lstStyle/>
+              <a:p>
+                <a:r>
+                  <a:rPr lang="de-DE">
+                    <a:noFill/>
+                  </a:rPr>
+                  <a:t> </a:t>
+                </a:r>
+              </a:p>
+            </p:txBody>
+          </p:sp>
+        </mc:Fallback>
+      </mc:AlternateContent>
+      <p:sp>
+        <p:nvSpPr>
+          <p:cNvPr id="3" name="Ellipse 2">
+            <a:extLst>
+              <a:ext uri="{FF2B5EF4-FFF2-40B4-BE49-F238E27FC236}">
+                <a16:creationId xmlns:a16="http://schemas.microsoft.com/office/drawing/2014/main" id="{A53C70F5-CFFD-1AB3-2CF6-6A88131E6C63}"/>
+              </a:ext>
+            </a:extLst>
+          </p:cNvPr>
+          <p:cNvSpPr/>
+          <p:nvPr/>
+        </p:nvSpPr>
+        <p:spPr>
+          <a:xfrm>
+            <a:off x="4601845" y="399801"/>
+            <a:ext cx="68274" cy="68274"/>
+          </a:xfrm>
+          <a:prstGeom prst="ellipse">
+            <a:avLst/>
+          </a:prstGeom>
+        </p:spPr>
+        <p:style>
+          <a:lnRef idx="2">
+            <a:schemeClr val="accent1">
+              <a:shade val="15000"/>
+            </a:schemeClr>
+          </a:lnRef>
+          <a:fillRef idx="1">
+            <a:schemeClr val="accent1"/>
+          </a:fillRef>
+          <a:effectRef idx="0">
+            <a:schemeClr val="accent1"/>
+          </a:effectRef>
+          <a:fontRef idx="minor">
+            <a:schemeClr val="lt1"/>
+          </a:fontRef>
+        </p:style>
+        <p:txBody>
+          <a:bodyPr rtlCol="0" anchor="ctr"/>
+          <a:lstStyle/>
+          <a:p>
+            <a:pPr algn="ctr"/>
+            <a:endParaRPr lang="de-DE"/>
+          </a:p>
+        </p:txBody>
+      </p:sp>
+      <p:sp>
+        <p:nvSpPr>
+          <p:cNvPr id="4" name="Ellipse 3">
+            <a:extLst>
+              <a:ext uri="{FF2B5EF4-FFF2-40B4-BE49-F238E27FC236}">
+                <a16:creationId xmlns:a16="http://schemas.microsoft.com/office/drawing/2014/main" id="{D962698D-246E-521E-6E48-FF3F0F07849B}"/>
+              </a:ext>
+            </a:extLst>
+          </p:cNvPr>
+          <p:cNvSpPr/>
+          <p:nvPr/>
+        </p:nvSpPr>
+        <p:spPr>
+          <a:xfrm>
+            <a:off x="7271101" y="404564"/>
+            <a:ext cx="68274" cy="68274"/>
+          </a:xfrm>
+          <a:prstGeom prst="ellipse">
+            <a:avLst/>
+          </a:prstGeom>
+        </p:spPr>
+        <p:style>
+          <a:lnRef idx="2">
+            <a:schemeClr val="accent1">
+              <a:shade val="15000"/>
+            </a:schemeClr>
+          </a:lnRef>
+          <a:fillRef idx="1">
+            <a:schemeClr val="accent1"/>
+          </a:fillRef>
+          <a:effectRef idx="0">
+            <a:schemeClr val="accent1"/>
+          </a:effectRef>
+          <a:fontRef idx="minor">
+            <a:schemeClr val="lt1"/>
+          </a:fontRef>
+        </p:style>
+        <p:txBody>
+          <a:bodyPr rtlCol="0" anchor="ctr"/>
+          <a:lstStyle/>
+          <a:p>
+            <a:pPr algn="ctr"/>
+            <a:endParaRPr lang="de-DE"/>
+          </a:p>
+        </p:txBody>
+      </p:sp>
+      <mc:AlternateContent xmlns:mc="http://schemas.openxmlformats.org/markup-compatibility/2006">
+        <mc:Choice xmlns:a14="http://schemas.microsoft.com/office/drawing/2010/main" Requires="a14">
+          <p:sp>
+            <p:nvSpPr>
+              <p:cNvPr id="6" name="Textfeld 5">
+                <a:extLst>
+                  <a:ext uri="{FF2B5EF4-FFF2-40B4-BE49-F238E27FC236}">
+                    <a16:creationId xmlns:a16="http://schemas.microsoft.com/office/drawing/2014/main" id="{DBE7B18B-669D-A920-B942-BD4798B0D98B}"/>
+                  </a:ext>
+                </a:extLst>
+              </p:cNvPr>
+              <p:cNvSpPr txBox="1"/>
+              <p:nvPr/>
+            </p:nvSpPr>
+            <p:spPr>
+              <a:xfrm>
+                <a:off x="6729798" y="183584"/>
+                <a:ext cx="535724" cy="467500"/>
+              </a:xfrm>
+              <a:prstGeom prst="rect">
+                <a:avLst/>
+              </a:prstGeom>
+              <a:noFill/>
+            </p:spPr>
+            <p:txBody>
+              <a:bodyPr wrap="none" lIns="0" tIns="0" rIns="0" bIns="0" rtlCol="0">
+                <a:spAutoFit/>
+              </a:bodyPr>
+              <a:lstStyle/>
+              <a:p>
+                <a:pPr algn="ctr"/>
+                <a14:m>
+                  <m:oMathPara xmlns:m="http://schemas.openxmlformats.org/officeDocument/2006/math">
+                    <m:oMathParaPr>
+                      <m:jc m:val="centerGroup"/>
+                    </m:oMathParaPr>
+                    <m:oMath xmlns:m="http://schemas.openxmlformats.org/officeDocument/2006/math">
+                      <m:d>
+                        <m:dPr>
+                          <m:ctrlPr>
+                            <a:rPr lang="de-DE" i="1" smtClean="0">
+                              <a:latin typeface="Cambria Math" panose="02040503050406030204" pitchFamily="18" charset="0"/>
+                            </a:rPr>
+                          </m:ctrlPr>
+                        </m:dPr>
+                        <m:e>
+                          <m:eqArr>
+                            <m:eqArrPr>
+                              <m:ctrlPr>
+                                <a:rPr lang="de-DE" i="1" smtClean="0">
+                                  <a:latin typeface="Cambria Math" panose="02040503050406030204" pitchFamily="18" charset="0"/>
+                                </a:rPr>
+                              </m:ctrlPr>
+                            </m:eqArrPr>
+                            <m:e>
+                              <m:r>
+                                <a:rPr lang="de-DE" b="0" i="1" smtClean="0">
+                                  <a:latin typeface="Cambria Math" panose="02040503050406030204" pitchFamily="18" charset="0"/>
+                                </a:rPr>
+                                <m:t>50</m:t>
+                              </m:r>
+                            </m:e>
+                            <m:e>
+                              <m:r>
+                                <a:rPr lang="de-DE" b="0" i="1" smtClean="0">
+                                  <a:latin typeface="Cambria Math" panose="02040503050406030204" pitchFamily="18" charset="0"/>
+                                </a:rPr>
+                                <m:t>0</m:t>
+                              </m:r>
+                            </m:e>
+                          </m:eqArr>
+                        </m:e>
+                      </m:d>
+                    </m:oMath>
+                  </m:oMathPara>
+                </a14:m>
+                <a:endParaRPr lang="de-DE" dirty="0"/>
+              </a:p>
+            </p:txBody>
+          </p:sp>
+        </mc:Choice>
+        <mc:Fallback>
+          <p:sp>
+            <p:nvSpPr>
+              <p:cNvPr id="6" name="Textfeld 5">
+                <a:extLst>
+                  <a:ext uri="{FF2B5EF4-FFF2-40B4-BE49-F238E27FC236}">
+                    <a16:creationId xmlns:a16="http://schemas.microsoft.com/office/drawing/2014/main" id="{DBE7B18B-669D-A920-B942-BD4798B0D98B}"/>
+                  </a:ext>
+                </a:extLst>
+              </p:cNvPr>
+              <p:cNvSpPr txBox="1">
+                <a:spLocks noRot="1" noChangeAspect="1" noMove="1" noResize="1" noEditPoints="1" noAdjustHandles="1" noChangeArrowheads="1" noChangeShapeType="1" noTextEdit="1"/>
+              </p:cNvSpPr>
+              <p:nvPr/>
+            </p:nvSpPr>
+            <p:spPr>
+              <a:xfrm>
+                <a:off x="6729798" y="183584"/>
+                <a:ext cx="535724" cy="467500"/>
+              </a:xfrm>
+              <a:prstGeom prst="rect">
+                <a:avLst/>
+              </a:prstGeom>
+              <a:blipFill>
+                <a:blip r:embed="rId5"/>
+                <a:stretch>
+                  <a:fillRect/>
+                </a:stretch>
+              </a:blipFill>
+            </p:spPr>
+            <p:txBody>
+              <a:bodyPr/>
+              <a:lstStyle/>
+              <a:p>
+                <a:r>
+                  <a:rPr lang="de-DE">
+                    <a:noFill/>
+                  </a:rPr>
+                  <a:t> </a:t>
+                </a:r>
+              </a:p>
+            </p:txBody>
+          </p:sp>
+        </mc:Fallback>
+      </mc:AlternateContent>
+      <p:sp>
+        <p:nvSpPr>
+          <p:cNvPr id="11" name="Ellipse 10">
+            <a:extLst>
+              <a:ext uri="{FF2B5EF4-FFF2-40B4-BE49-F238E27FC236}">
+                <a16:creationId xmlns:a16="http://schemas.microsoft.com/office/drawing/2014/main" id="{EE7ED492-3C14-C9D6-62BA-4BBC7478B315}"/>
+              </a:ext>
+            </a:extLst>
+          </p:cNvPr>
+          <p:cNvSpPr/>
+          <p:nvPr/>
+        </p:nvSpPr>
+        <p:spPr>
+          <a:xfrm>
+            <a:off x="7766401" y="726033"/>
+            <a:ext cx="68274" cy="68274"/>
+          </a:xfrm>
+          <a:prstGeom prst="ellipse">
+            <a:avLst/>
+          </a:prstGeom>
+        </p:spPr>
+        <p:style>
+          <a:lnRef idx="2">
+            <a:schemeClr val="accent1">
+              <a:shade val="15000"/>
+            </a:schemeClr>
+          </a:lnRef>
+          <a:fillRef idx="1">
+            <a:schemeClr val="accent1"/>
+          </a:fillRef>
+          <a:effectRef idx="0">
+            <a:schemeClr val="accent1"/>
+          </a:effectRef>
+          <a:fontRef idx="minor">
+            <a:schemeClr val="lt1"/>
+          </a:fontRef>
+        </p:style>
+        <p:txBody>
+          <a:bodyPr rtlCol="0" anchor="ctr"/>
+          <a:lstStyle/>
+          <a:p>
+            <a:pPr algn="ctr"/>
+            <a:endParaRPr lang="de-DE"/>
+          </a:p>
+        </p:txBody>
+      </p:sp>
+      <p:sp>
+        <p:nvSpPr>
+          <p:cNvPr id="12" name="Ellipse 11">
+            <a:extLst>
+              <a:ext uri="{FF2B5EF4-FFF2-40B4-BE49-F238E27FC236}">
+                <a16:creationId xmlns:a16="http://schemas.microsoft.com/office/drawing/2014/main" id="{F4615147-E0D4-F3A2-D63B-44E267E51235}"/>
+              </a:ext>
+            </a:extLst>
+          </p:cNvPr>
+          <p:cNvSpPr/>
+          <p:nvPr/>
+        </p:nvSpPr>
+        <p:spPr>
+          <a:xfrm>
+            <a:off x="9099901" y="3031083"/>
+            <a:ext cx="68274" cy="68274"/>
+          </a:xfrm>
+          <a:prstGeom prst="ellipse">
+            <a:avLst/>
+          </a:prstGeom>
+        </p:spPr>
+        <p:style>
+          <a:lnRef idx="2">
+            <a:schemeClr val="accent1">
+              <a:shade val="15000"/>
+            </a:schemeClr>
+          </a:lnRef>
+          <a:fillRef idx="1">
+            <a:schemeClr val="accent1"/>
+          </a:fillRef>
+          <a:effectRef idx="0">
+            <a:schemeClr val="accent1"/>
+          </a:effectRef>
+          <a:fontRef idx="minor">
+            <a:schemeClr val="lt1"/>
+          </a:fontRef>
+        </p:style>
+        <p:txBody>
+          <a:bodyPr rtlCol="0" anchor="ctr"/>
+          <a:lstStyle/>
+          <a:p>
+            <a:pPr algn="ctr"/>
+            <a:endParaRPr lang="de-DE"/>
+          </a:p>
+        </p:txBody>
+      </p:sp>
+      <mc:AlternateContent xmlns:mc="http://schemas.openxmlformats.org/markup-compatibility/2006">
+        <mc:Choice xmlns:a14="http://schemas.microsoft.com/office/drawing/2010/main" Requires="a14">
+          <p:sp>
+            <p:nvSpPr>
+              <p:cNvPr id="17" name="Textfeld 16">
+                <a:extLst>
+                  <a:ext uri="{FF2B5EF4-FFF2-40B4-BE49-F238E27FC236}">
+                    <a16:creationId xmlns:a16="http://schemas.microsoft.com/office/drawing/2014/main" id="{BE5E41D4-048D-D9A8-25F1-296FA71CE21C}"/>
+                  </a:ext>
+                </a:extLst>
+              </p:cNvPr>
+              <p:cNvSpPr txBox="1"/>
+              <p:nvPr/>
+            </p:nvSpPr>
+            <p:spPr>
+              <a:xfrm>
+                <a:off x="8332198" y="362296"/>
+                <a:ext cx="413062" cy="463204"/>
+              </a:xfrm>
+              <a:prstGeom prst="rect">
+                <a:avLst/>
+              </a:prstGeom>
+              <a:noFill/>
+            </p:spPr>
+            <p:txBody>
+              <a:bodyPr wrap="none" lIns="0" tIns="0" rIns="0" bIns="0" rtlCol="0">
+                <a:spAutoFit/>
+              </a:bodyPr>
+              <a:lstStyle/>
+              <a:p>
+                <a:pPr algn="ctr"/>
+                <a14:m>
+                  <m:oMathPara xmlns:m="http://schemas.openxmlformats.org/officeDocument/2006/math">
+                    <m:oMathParaPr>
+                      <m:jc m:val="centerGroup"/>
+                    </m:oMathParaPr>
+                    <m:oMath xmlns:m="http://schemas.openxmlformats.org/officeDocument/2006/math">
+                      <m:d>
+                        <m:dPr>
+                          <m:ctrlPr>
+                            <a:rPr lang="de-DE" i="1" smtClean="0">
+                              <a:latin typeface="Cambria Math" panose="02040503050406030204" pitchFamily="18" charset="0"/>
+                            </a:rPr>
+                          </m:ctrlPr>
+                        </m:dPr>
+                        <m:e>
+                          <m:eqArr>
+                            <m:eqArrPr>
+                              <m:ctrlPr>
+                                <a:rPr lang="de-DE" i="1" smtClean="0">
+                                  <a:latin typeface="Cambria Math" panose="02040503050406030204" pitchFamily="18" charset="0"/>
+                                </a:rPr>
+                              </m:ctrlPr>
+                            </m:eqArrPr>
+                            <m:e>
+                              <m:r>
+                                <a:rPr lang="de-DE" b="0" i="1" smtClean="0">
+                                  <a:latin typeface="Cambria Math" panose="02040503050406030204" pitchFamily="18" charset="0"/>
+                                </a:rPr>
+                                <m:t>𝑥</m:t>
+                              </m:r>
+                            </m:e>
+                            <m:e>
+                              <m:r>
+                                <a:rPr lang="de-DE" b="0" i="1" smtClean="0">
+                                  <a:latin typeface="Cambria Math" panose="02040503050406030204" pitchFamily="18" charset="0"/>
+                                </a:rPr>
+                                <m:t>𝑦</m:t>
+                              </m:r>
+                            </m:e>
+                          </m:eqArr>
+                        </m:e>
+                      </m:d>
+                    </m:oMath>
+                  </m:oMathPara>
+                </a14:m>
+                <a:endParaRPr lang="de-DE" dirty="0"/>
+              </a:p>
+            </p:txBody>
+          </p:sp>
+        </mc:Choice>
+        <mc:Fallback>
+          <p:sp>
+            <p:nvSpPr>
+              <p:cNvPr id="17" name="Textfeld 16">
+                <a:extLst>
+                  <a:ext uri="{FF2B5EF4-FFF2-40B4-BE49-F238E27FC236}">
+                    <a16:creationId xmlns:a16="http://schemas.microsoft.com/office/drawing/2014/main" id="{BE5E41D4-048D-D9A8-25F1-296FA71CE21C}"/>
+                  </a:ext>
+                </a:extLst>
+              </p:cNvPr>
+              <p:cNvSpPr txBox="1">
+                <a:spLocks noRot="1" noChangeAspect="1" noMove="1" noResize="1" noEditPoints="1" noAdjustHandles="1" noChangeArrowheads="1" noChangeShapeType="1" noTextEdit="1"/>
+              </p:cNvSpPr>
+              <p:nvPr/>
+            </p:nvSpPr>
+            <p:spPr>
+              <a:xfrm>
+                <a:off x="8332198" y="362296"/>
+                <a:ext cx="413062" cy="463204"/>
+              </a:xfrm>
+              <a:prstGeom prst="rect">
+                <a:avLst/>
+              </a:prstGeom>
+              <a:blipFill>
+                <a:blip r:embed="rId6"/>
+                <a:stretch>
+                  <a:fillRect/>
+                </a:stretch>
+              </a:blipFill>
+            </p:spPr>
+            <p:txBody>
+              <a:bodyPr/>
+              <a:lstStyle/>
+              <a:p>
+                <a:r>
+                  <a:rPr lang="de-DE">
+                    <a:noFill/>
+                  </a:rPr>
+                  <a:t> </a:t>
+                </a:r>
+              </a:p>
+            </p:txBody>
+          </p:sp>
+        </mc:Fallback>
+      </mc:AlternateContent>
+      <mc:AlternateContent xmlns:mc="http://schemas.openxmlformats.org/markup-compatibility/2006">
+        <mc:Choice xmlns:a14="http://schemas.microsoft.com/office/drawing/2010/main" Requires="a14">
+          <p:sp>
+            <p:nvSpPr>
+              <p:cNvPr id="20" name="Textfeld 19">
+                <a:extLst>
+                  <a:ext uri="{FF2B5EF4-FFF2-40B4-BE49-F238E27FC236}">
+                    <a16:creationId xmlns:a16="http://schemas.microsoft.com/office/drawing/2014/main" id="{CC438D96-675E-7167-E4FD-77538C45EC9C}"/>
+                  </a:ext>
+                </a:extLst>
+              </p:cNvPr>
+              <p:cNvSpPr txBox="1"/>
+              <p:nvPr/>
+            </p:nvSpPr>
+            <p:spPr>
+              <a:xfrm>
+                <a:off x="4593047" y="2423803"/>
+                <a:ext cx="1310743" cy="525978"/>
+              </a:xfrm>
+              <a:prstGeom prst="rect">
+                <a:avLst/>
+              </a:prstGeom>
+              <a:noFill/>
+            </p:spPr>
+            <p:txBody>
+              <a:bodyPr wrap="none" lIns="0" tIns="0" rIns="0" bIns="0" rtlCol="0">
+                <a:spAutoFit/>
+              </a:bodyPr>
+              <a:lstStyle/>
+              <a:p>
+                <a14:m>
+                  <m:oMathPara xmlns:m="http://schemas.openxmlformats.org/officeDocument/2006/math">
+                    <m:oMathParaPr>
+                      <m:jc m:val="centerGroup"/>
+                    </m:oMathParaPr>
+                    <m:oMath xmlns:m="http://schemas.openxmlformats.org/officeDocument/2006/math">
+                      <m:func>
+                        <m:funcPr>
+                          <m:ctrlPr>
+                            <a:rPr lang="de-DE" b="0" i="1" smtClean="0">
+                              <a:latin typeface="Cambria Math" panose="02040503050406030204" pitchFamily="18" charset="0"/>
+                            </a:rPr>
+                          </m:ctrlPr>
+                        </m:funcPr>
+                        <m:fName>
+                          <m:r>
+                            <m:rPr>
+                              <m:sty m:val="p"/>
+                            </m:rPr>
+                            <a:rPr lang="de-DE" b="0" i="0" smtClean="0">
+                              <a:latin typeface="Cambria Math" panose="02040503050406030204" pitchFamily="18" charset="0"/>
+                            </a:rPr>
+                            <m:t>sin</m:t>
+                          </m:r>
+                        </m:fName>
+                        <m:e>
+                          <m:d>
+                            <m:dPr>
+                              <m:ctrlPr>
+                                <a:rPr lang="de-DE" b="0" i="1" smtClean="0">
+                                  <a:latin typeface="Cambria Math" panose="02040503050406030204" pitchFamily="18" charset="0"/>
+                                </a:rPr>
+                              </m:ctrlPr>
+                            </m:dPr>
+                            <m:e>
+                              <m:r>
+                                <a:rPr lang="de-DE" i="1" dirty="0">
+                                  <a:latin typeface="Cambria Math" panose="02040503050406030204" pitchFamily="18" charset="0"/>
+                                  <a:ea typeface="Cambria Math" panose="02040503050406030204" pitchFamily="18" charset="0"/>
+                                </a:rPr>
+                                <m:t>𝜋</m:t>
+                              </m:r>
+                              <m:r>
+                                <m:rPr>
+                                  <m:nor/>
+                                </m:rPr>
+                                <a:rPr lang="de-DE" dirty="0"/>
+                                <m:t>/6</m:t>
+                              </m:r>
+                            </m:e>
+                          </m:d>
+                        </m:e>
+                      </m:func>
+                      <m:r>
+                        <a:rPr lang="de-DE" b="0" i="1" smtClean="0">
+                          <a:latin typeface="Cambria Math" panose="02040503050406030204" pitchFamily="18" charset="0"/>
+                        </a:rPr>
+                        <m:t>=</m:t>
+                      </m:r>
+                      <m:f>
+                        <m:fPr>
+                          <m:ctrlPr>
+                            <a:rPr lang="de-DE" b="0" i="1" smtClean="0">
+                              <a:latin typeface="Cambria Math" panose="02040503050406030204" pitchFamily="18" charset="0"/>
+                            </a:rPr>
+                          </m:ctrlPr>
+                        </m:fPr>
+                        <m:num>
+                          <m:r>
+                            <a:rPr lang="de-DE" b="0" i="1" smtClean="0">
+                              <a:latin typeface="Cambria Math" panose="02040503050406030204" pitchFamily="18" charset="0"/>
+                            </a:rPr>
+                            <m:t>𝑏</m:t>
+                          </m:r>
+                        </m:num>
+                        <m:den>
+                          <m:r>
+                            <a:rPr lang="de-DE" b="0" i="1" smtClean="0">
+                              <a:latin typeface="Cambria Math" panose="02040503050406030204" pitchFamily="18" charset="0"/>
+                            </a:rPr>
+                            <m:t>𝑐</m:t>
+                          </m:r>
+                        </m:den>
+                      </m:f>
+                    </m:oMath>
+                  </m:oMathPara>
+                </a14:m>
+                <a:endParaRPr lang="de-DE" dirty="0"/>
+              </a:p>
+            </p:txBody>
+          </p:sp>
+        </mc:Choice>
+        <mc:Fallback>
+          <p:sp>
+            <p:nvSpPr>
+              <p:cNvPr id="20" name="Textfeld 19">
+                <a:extLst>
+                  <a:ext uri="{FF2B5EF4-FFF2-40B4-BE49-F238E27FC236}">
+                    <a16:creationId xmlns:a16="http://schemas.microsoft.com/office/drawing/2014/main" id="{CC438D96-675E-7167-E4FD-77538C45EC9C}"/>
+                  </a:ext>
+                </a:extLst>
+              </p:cNvPr>
+              <p:cNvSpPr txBox="1">
+                <a:spLocks noRot="1" noChangeAspect="1" noMove="1" noResize="1" noEditPoints="1" noAdjustHandles="1" noChangeArrowheads="1" noChangeShapeType="1" noTextEdit="1"/>
+              </p:cNvSpPr>
+              <p:nvPr/>
+            </p:nvSpPr>
+            <p:spPr>
+              <a:xfrm>
+                <a:off x="4593047" y="2423803"/>
+                <a:ext cx="1310743" cy="525978"/>
+              </a:xfrm>
+              <a:prstGeom prst="rect">
+                <a:avLst/>
+              </a:prstGeom>
+              <a:blipFill>
+                <a:blip r:embed="rId7"/>
+                <a:stretch>
+                  <a:fillRect/>
+                </a:stretch>
+              </a:blipFill>
+            </p:spPr>
+            <p:txBody>
+              <a:bodyPr/>
+              <a:lstStyle/>
+              <a:p>
+                <a:r>
+                  <a:rPr lang="de-DE">
+                    <a:noFill/>
+                  </a:rPr>
+                  <a:t> </a:t>
+                </a:r>
+              </a:p>
+            </p:txBody>
+          </p:sp>
+        </mc:Fallback>
+      </mc:AlternateContent>
+      <p:grpSp>
+        <p:nvGrpSpPr>
+          <p:cNvPr id="31" name="Gruppieren 30">
+            <a:extLst>
+              <a:ext uri="{FF2B5EF4-FFF2-40B4-BE49-F238E27FC236}">
+                <a16:creationId xmlns:a16="http://schemas.microsoft.com/office/drawing/2014/main" id="{D16B2201-EA4D-6C49-C7DB-445EC81081D9}"/>
+              </a:ext>
+            </a:extLst>
+          </p:cNvPr>
+          <p:cNvGrpSpPr/>
+          <p:nvPr/>
+        </p:nvGrpSpPr>
+        <p:grpSpPr>
+          <a:xfrm>
+            <a:off x="7504340" y="768963"/>
+            <a:ext cx="1629698" cy="2611184"/>
+            <a:chOff x="7224156" y="910015"/>
+            <a:chExt cx="1629698" cy="2611184"/>
+          </a:xfrm>
+        </p:grpSpPr>
+        <mc:AlternateContent xmlns:mc="http://schemas.openxmlformats.org/markup-compatibility/2006">
+          <mc:Choice xmlns:a14="http://schemas.microsoft.com/office/drawing/2010/main" Requires="a14">
+            <p:sp>
+              <p:nvSpPr>
+                <p:cNvPr id="16" name="Textfeld 15">
+                  <a:extLst>
+                    <a:ext uri="{FF2B5EF4-FFF2-40B4-BE49-F238E27FC236}">
+                      <a16:creationId xmlns:a16="http://schemas.microsoft.com/office/drawing/2014/main" id="{D627F777-978E-E0F4-BE6C-D007EB1E8CC4}"/>
+                    </a:ext>
+                  </a:extLst>
+                </p:cNvPr>
+                <p:cNvSpPr txBox="1"/>
+                <p:nvPr/>
+              </p:nvSpPr>
+              <p:spPr>
+                <a:xfrm rot="3507159">
+                  <a:off x="7602753" y="2003397"/>
+                  <a:ext cx="908518" cy="369332"/>
+                </a:xfrm>
+                <a:prstGeom prst="rect">
+                  <a:avLst/>
+                </a:prstGeom>
+                <a:noFill/>
+              </p:spPr>
+              <p:txBody>
+                <a:bodyPr wrap="none" rtlCol="0">
+                  <a:spAutoFit/>
+                </a:bodyPr>
+                <a:lstStyle/>
+                <a:p>
+                  <a:pPr algn="ctr"/>
+                  <a14:m>
+                    <m:oMathPara xmlns:m="http://schemas.openxmlformats.org/officeDocument/2006/math">
+                      <m:oMathParaPr>
+                        <m:jc m:val="centerGroup"/>
+                      </m:oMathParaPr>
+                      <m:oMath xmlns:m="http://schemas.openxmlformats.org/officeDocument/2006/math">
+                        <m:r>
+                          <a:rPr lang="de-DE" i="1" dirty="0" smtClean="0">
+                            <a:latin typeface="Cambria Math" panose="02040503050406030204" pitchFamily="18" charset="0"/>
+                          </a:rPr>
+                          <m:t>𝑐</m:t>
+                        </m:r>
+                        <m:r>
+                          <a:rPr lang="de-DE" i="1" dirty="0" smtClean="0">
+                            <a:latin typeface="Cambria Math" panose="02040503050406030204" pitchFamily="18" charset="0"/>
+                          </a:rPr>
+                          <m:t>=50</m:t>
+                        </m:r>
+                      </m:oMath>
+                    </m:oMathPara>
+                  </a14:m>
+                  <a:endParaRPr lang="de-DE" dirty="0"/>
+                </a:p>
+              </p:txBody>
+            </p:sp>
+          </mc:Choice>
+          <mc:Fallback>
+            <p:sp>
+              <p:nvSpPr>
+                <p:cNvPr id="16" name="Textfeld 15">
+                  <a:extLst>
+                    <a:ext uri="{FF2B5EF4-FFF2-40B4-BE49-F238E27FC236}">
+                      <a16:creationId xmlns:a16="http://schemas.microsoft.com/office/drawing/2014/main" id="{D627F777-978E-E0F4-BE6C-D007EB1E8CC4}"/>
+                    </a:ext>
+                  </a:extLst>
+                </p:cNvPr>
+                <p:cNvSpPr txBox="1">
+                  <a:spLocks noRot="1" noChangeAspect="1" noMove="1" noResize="1" noEditPoints="1" noAdjustHandles="1" noChangeArrowheads="1" noChangeShapeType="1" noTextEdit="1"/>
+                </p:cNvSpPr>
+                <p:nvPr/>
+              </p:nvSpPr>
+              <p:spPr>
+                <a:xfrm rot="3507159">
+                  <a:off x="7602753" y="2003397"/>
+                  <a:ext cx="908518" cy="369332"/>
+                </a:xfrm>
+                <a:prstGeom prst="rect">
+                  <a:avLst/>
+                </a:prstGeom>
+                <a:blipFill>
+                  <a:blip r:embed="rId8"/>
+                  <a:stretch>
+                    <a:fillRect/>
+                  </a:stretch>
+                </a:blipFill>
+              </p:spPr>
+              <p:txBody>
+                <a:bodyPr/>
+                <a:lstStyle/>
+                <a:p>
+                  <a:r>
+                    <a:rPr lang="de-DE">
+                      <a:noFill/>
+                    </a:rPr>
+                    <a:t> </a:t>
+                  </a:r>
+                </a:p>
+              </p:txBody>
+            </p:sp>
+          </mc:Fallback>
+        </mc:AlternateContent>
+        <p:sp>
+          <p:nvSpPr>
+            <p:cNvPr id="18" name="Gleichschenkliges Dreieck 17">
+              <a:extLst>
+                <a:ext uri="{FF2B5EF4-FFF2-40B4-BE49-F238E27FC236}">
+                  <a16:creationId xmlns:a16="http://schemas.microsoft.com/office/drawing/2014/main" id="{5367D849-190F-357A-9A60-25B138F7077C}"/>
+                </a:ext>
+              </a:extLst>
+            </p:cNvPr>
+            <p:cNvSpPr/>
+            <p:nvPr/>
+          </p:nvSpPr>
+          <p:spPr>
+            <a:xfrm>
+              <a:off x="7519430" y="910015"/>
+              <a:ext cx="1334424" cy="2307970"/>
+            </a:xfrm>
+            <a:prstGeom prst="triangle">
+              <a:avLst>
+                <a:gd name="adj" fmla="val 0"/>
+              </a:avLst>
+            </a:prstGeom>
+            <a:noFill/>
+            <a:ln w="19050">
+              <a:solidFill>
+                <a:srgbClr val="FF0000"/>
+              </a:solidFill>
+            </a:ln>
+          </p:spPr>
+          <p:style>
+            <a:lnRef idx="2">
+              <a:schemeClr val="accent1">
+                <a:shade val="15000"/>
+              </a:schemeClr>
+            </a:lnRef>
+            <a:fillRef idx="1">
+              <a:schemeClr val="accent1"/>
+            </a:fillRef>
+            <a:effectRef idx="0">
+              <a:schemeClr val="accent1"/>
+            </a:effectRef>
+            <a:fontRef idx="minor">
+              <a:schemeClr val="lt1"/>
+            </a:fontRef>
+          </p:style>
+          <p:txBody>
+            <a:bodyPr rtlCol="0" anchor="ctr"/>
+            <a:lstStyle/>
+            <a:p>
+              <a:pPr algn="ctr"/>
+              <a:endParaRPr lang="de-DE"/>
+            </a:p>
+          </p:txBody>
+        </p:sp>
+        <mc:AlternateContent xmlns:mc="http://schemas.openxmlformats.org/markup-compatibility/2006">
+          <mc:Choice xmlns:a14="http://schemas.microsoft.com/office/drawing/2010/main" Requires="a14">
+            <p:sp>
+              <p:nvSpPr>
+                <p:cNvPr id="19" name="Textfeld 18">
+                  <a:extLst>
+                    <a:ext uri="{FF2B5EF4-FFF2-40B4-BE49-F238E27FC236}">
+                      <a16:creationId xmlns:a16="http://schemas.microsoft.com/office/drawing/2014/main" id="{C9B3972A-07E8-8044-469E-FBC774CB4EB9}"/>
+                    </a:ext>
+                  </a:extLst>
+                </p:cNvPr>
+                <p:cNvSpPr txBox="1"/>
+                <p:nvPr/>
+              </p:nvSpPr>
+              <p:spPr>
+                <a:xfrm rot="16200000">
+                  <a:off x="7371409" y="1298988"/>
+                  <a:ext cx="532646" cy="369332"/>
+                </a:xfrm>
+                <a:prstGeom prst="rect">
+                  <a:avLst/>
+                </a:prstGeom>
+                <a:noFill/>
+              </p:spPr>
+              <p:txBody>
+                <a:bodyPr wrap="none" rtlCol="0">
+                  <a:spAutoFit/>
+                </a:bodyPr>
+                <a:lstStyle/>
+                <a:p>
+                  <a14:m>
+                    <m:oMath xmlns:m="http://schemas.openxmlformats.org/officeDocument/2006/math">
+                      <m:r>
+                        <a:rPr lang="de-DE" i="1" dirty="0" smtClean="0">
+                          <a:latin typeface="Cambria Math" panose="02040503050406030204" pitchFamily="18" charset="0"/>
+                          <a:ea typeface="Cambria Math" panose="02040503050406030204" pitchFamily="18" charset="0"/>
+                        </a:rPr>
+                        <m:t>𝜋</m:t>
+                      </m:r>
+                    </m:oMath>
+                  </a14:m>
+                  <a:r>
+                    <a:rPr lang="de-DE" dirty="0"/>
+                    <a:t>/6</a:t>
+                  </a:r>
+                </a:p>
+              </p:txBody>
+            </p:sp>
+          </mc:Choice>
+          <mc:Fallback>
+            <p:sp>
+              <p:nvSpPr>
+                <p:cNvPr id="19" name="Textfeld 18">
+                  <a:extLst>
+                    <a:ext uri="{FF2B5EF4-FFF2-40B4-BE49-F238E27FC236}">
+                      <a16:creationId xmlns:a16="http://schemas.microsoft.com/office/drawing/2014/main" id="{C9B3972A-07E8-8044-469E-FBC774CB4EB9}"/>
+                    </a:ext>
+                  </a:extLst>
+                </p:cNvPr>
+                <p:cNvSpPr txBox="1">
+                  <a:spLocks noRot="1" noChangeAspect="1" noMove="1" noResize="1" noEditPoints="1" noAdjustHandles="1" noChangeArrowheads="1" noChangeShapeType="1" noTextEdit="1"/>
+                </p:cNvSpPr>
+                <p:nvPr/>
+              </p:nvSpPr>
+              <p:spPr>
+                <a:xfrm rot="16200000">
+                  <a:off x="7371409" y="1298988"/>
+                  <a:ext cx="532646" cy="369332"/>
+                </a:xfrm>
+                <a:prstGeom prst="rect">
+                  <a:avLst/>
+                </a:prstGeom>
+                <a:blipFill>
+                  <a:blip r:embed="rId9"/>
+                  <a:stretch>
+                    <a:fillRect l="-10000" t="-10345" r="-26667"/>
+                  </a:stretch>
+                </a:blipFill>
+              </p:spPr>
+              <p:txBody>
+                <a:bodyPr/>
+                <a:lstStyle/>
+                <a:p>
+                  <a:r>
+                    <a:rPr lang="de-DE">
+                      <a:noFill/>
+                    </a:rPr>
+                    <a:t> </a:t>
+                  </a:r>
+                </a:p>
+              </p:txBody>
+            </p:sp>
+          </mc:Fallback>
+        </mc:AlternateContent>
+        <mc:AlternateContent xmlns:mc="http://schemas.openxmlformats.org/markup-compatibility/2006">
+          <mc:Choice xmlns:a14="http://schemas.microsoft.com/office/drawing/2010/main" Requires="a14">
+            <p:sp>
+              <p:nvSpPr>
+                <p:cNvPr id="21" name="Textfeld 20">
+                  <a:extLst>
+                    <a:ext uri="{FF2B5EF4-FFF2-40B4-BE49-F238E27FC236}">
+                      <a16:creationId xmlns:a16="http://schemas.microsoft.com/office/drawing/2014/main" id="{05F98FB6-2645-7413-24FD-4B767A4AD127}"/>
+                    </a:ext>
+                  </a:extLst>
+                </p:cNvPr>
+                <p:cNvSpPr txBox="1"/>
+                <p:nvPr/>
+              </p:nvSpPr>
+              <p:spPr>
+                <a:xfrm>
+                  <a:off x="7224156" y="1838266"/>
+                  <a:ext cx="371448" cy="369332"/>
+                </a:xfrm>
+                <a:prstGeom prst="rect">
+                  <a:avLst/>
+                </a:prstGeom>
+                <a:noFill/>
+              </p:spPr>
+              <p:txBody>
+                <a:bodyPr wrap="none" rtlCol="0">
+                  <a:spAutoFit/>
+                </a:bodyPr>
+                <a:lstStyle/>
+                <a:p>
+                  <a14:m>
+                    <m:oMathPara xmlns:m="http://schemas.openxmlformats.org/officeDocument/2006/math">
+                      <m:oMathParaPr>
+                        <m:jc m:val="centerGroup"/>
+                      </m:oMathParaPr>
+                      <m:oMath xmlns:m="http://schemas.openxmlformats.org/officeDocument/2006/math">
+                        <m:r>
+                          <a:rPr lang="de-DE" i="1" dirty="0" smtClean="0">
+                            <a:latin typeface="Cambria Math" panose="02040503050406030204" pitchFamily="18" charset="0"/>
+                          </a:rPr>
+                          <m:t>𝑎</m:t>
+                        </m:r>
+                      </m:oMath>
+                    </m:oMathPara>
+                  </a14:m>
+                  <a:endParaRPr lang="de-DE" dirty="0"/>
+                </a:p>
+              </p:txBody>
+            </p:sp>
+          </mc:Choice>
+          <mc:Fallback>
+            <p:sp>
+              <p:nvSpPr>
+                <p:cNvPr id="21" name="Textfeld 20">
+                  <a:extLst>
+                    <a:ext uri="{FF2B5EF4-FFF2-40B4-BE49-F238E27FC236}">
+                      <a16:creationId xmlns:a16="http://schemas.microsoft.com/office/drawing/2014/main" id="{05F98FB6-2645-7413-24FD-4B767A4AD127}"/>
+                    </a:ext>
+                  </a:extLst>
+                </p:cNvPr>
+                <p:cNvSpPr txBox="1">
+                  <a:spLocks noRot="1" noChangeAspect="1" noMove="1" noResize="1" noEditPoints="1" noAdjustHandles="1" noChangeArrowheads="1" noChangeShapeType="1" noTextEdit="1"/>
+                </p:cNvSpPr>
+                <p:nvPr/>
+              </p:nvSpPr>
+              <p:spPr>
+                <a:xfrm>
+                  <a:off x="7224156" y="1838266"/>
+                  <a:ext cx="371448" cy="369332"/>
+                </a:xfrm>
+                <a:prstGeom prst="rect">
+                  <a:avLst/>
+                </a:prstGeom>
+                <a:blipFill>
+                  <a:blip r:embed="rId10"/>
+                  <a:stretch>
+                    <a:fillRect/>
+                  </a:stretch>
+                </a:blipFill>
+              </p:spPr>
+              <p:txBody>
+                <a:bodyPr/>
+                <a:lstStyle/>
+                <a:p>
+                  <a:r>
+                    <a:rPr lang="de-DE">
+                      <a:noFill/>
+                    </a:rPr>
+                    <a:t> </a:t>
+                  </a:r>
+                </a:p>
+              </p:txBody>
+            </p:sp>
+          </mc:Fallback>
+        </mc:AlternateContent>
+        <mc:AlternateContent xmlns:mc="http://schemas.openxmlformats.org/markup-compatibility/2006">
+          <mc:Choice xmlns:a14="http://schemas.microsoft.com/office/drawing/2010/main" Requires="a14">
+            <p:sp>
+              <p:nvSpPr>
+                <p:cNvPr id="22" name="Textfeld 21">
+                  <a:extLst>
+                    <a:ext uri="{FF2B5EF4-FFF2-40B4-BE49-F238E27FC236}">
+                      <a16:creationId xmlns:a16="http://schemas.microsoft.com/office/drawing/2014/main" id="{2DB3182A-7A49-D41C-C4C2-F8C68943B881}"/>
+                    </a:ext>
+                  </a:extLst>
+                </p:cNvPr>
+                <p:cNvSpPr txBox="1"/>
+                <p:nvPr/>
+              </p:nvSpPr>
+              <p:spPr>
+                <a:xfrm>
+                  <a:off x="8171064" y="3151867"/>
+                  <a:ext cx="367665" cy="369332"/>
+                </a:xfrm>
+                <a:prstGeom prst="rect">
+                  <a:avLst/>
+                </a:prstGeom>
+                <a:noFill/>
+              </p:spPr>
+              <p:txBody>
+                <a:bodyPr wrap="none" rtlCol="0">
+                  <a:spAutoFit/>
+                </a:bodyPr>
+                <a:lstStyle/>
+                <a:p>
+                  <a14:m>
+                    <m:oMathPara xmlns:m="http://schemas.openxmlformats.org/officeDocument/2006/math">
+                      <m:oMathParaPr>
+                        <m:jc m:val="centerGroup"/>
+                      </m:oMathParaPr>
+                      <m:oMath xmlns:m="http://schemas.openxmlformats.org/officeDocument/2006/math">
+                        <m:r>
+                          <a:rPr lang="de-DE" i="1" dirty="0" smtClean="0">
+                            <a:latin typeface="Cambria Math" panose="02040503050406030204" pitchFamily="18" charset="0"/>
+                          </a:rPr>
+                          <m:t>𝑏</m:t>
+                        </m:r>
+                      </m:oMath>
+                    </m:oMathPara>
+                  </a14:m>
+                  <a:endParaRPr lang="de-DE" dirty="0"/>
+                </a:p>
+              </p:txBody>
+            </p:sp>
+          </mc:Choice>
+          <mc:Fallback>
+            <p:sp>
+              <p:nvSpPr>
+                <p:cNvPr id="22" name="Textfeld 21">
+                  <a:extLst>
+                    <a:ext uri="{FF2B5EF4-FFF2-40B4-BE49-F238E27FC236}">
+                      <a16:creationId xmlns:a16="http://schemas.microsoft.com/office/drawing/2014/main" id="{2DB3182A-7A49-D41C-C4C2-F8C68943B881}"/>
+                    </a:ext>
+                  </a:extLst>
+                </p:cNvPr>
+                <p:cNvSpPr txBox="1">
+                  <a:spLocks noRot="1" noChangeAspect="1" noMove="1" noResize="1" noEditPoints="1" noAdjustHandles="1" noChangeArrowheads="1" noChangeShapeType="1" noTextEdit="1"/>
+                </p:cNvSpPr>
+                <p:nvPr/>
+              </p:nvSpPr>
+              <p:spPr>
+                <a:xfrm>
+                  <a:off x="8171064" y="3151867"/>
+                  <a:ext cx="367665" cy="369332"/>
+                </a:xfrm>
+                <a:prstGeom prst="rect">
+                  <a:avLst/>
+                </a:prstGeom>
+                <a:blipFill>
+                  <a:blip r:embed="rId11"/>
+                  <a:stretch>
+                    <a:fillRect/>
+                  </a:stretch>
+                </a:blipFill>
+              </p:spPr>
+              <p:txBody>
+                <a:bodyPr/>
+                <a:lstStyle/>
+                <a:p>
+                  <a:r>
+                    <a:rPr lang="de-DE">
+                      <a:noFill/>
+                    </a:rPr>
+                    <a:t> </a:t>
+                  </a:r>
+                </a:p>
+              </p:txBody>
+            </p:sp>
+          </mc:Fallback>
+        </mc:AlternateContent>
+      </p:grpSp>
+      <mc:AlternateContent xmlns:mc="http://schemas.openxmlformats.org/markup-compatibility/2006">
+        <mc:Choice xmlns:a14="http://schemas.microsoft.com/office/drawing/2010/main" Requires="a14">
+          <p:sp>
+            <p:nvSpPr>
+              <p:cNvPr id="24" name="Textfeld 23">
+                <a:extLst>
+                  <a:ext uri="{FF2B5EF4-FFF2-40B4-BE49-F238E27FC236}">
+                    <a16:creationId xmlns:a16="http://schemas.microsoft.com/office/drawing/2014/main" id="{474E0B88-A673-BE63-69F4-B2443BD09645}"/>
+                  </a:ext>
+                </a:extLst>
+              </p:cNvPr>
+              <p:cNvSpPr txBox="1"/>
+              <p:nvPr/>
+            </p:nvSpPr>
+            <p:spPr>
+              <a:xfrm>
+                <a:off x="4593047" y="3065489"/>
+                <a:ext cx="1344984" cy="474425"/>
+              </a:xfrm>
+              <a:prstGeom prst="rect">
+                <a:avLst/>
+              </a:prstGeom>
+              <a:noFill/>
+            </p:spPr>
+            <p:txBody>
+              <a:bodyPr wrap="none" lIns="0" tIns="0" rIns="0" bIns="0" rtlCol="0">
+                <a:spAutoFit/>
+              </a:bodyPr>
+              <a:lstStyle/>
+              <a:p>
+                <a14:m>
+                  <m:oMathPara xmlns:m="http://schemas.openxmlformats.org/officeDocument/2006/math">
+                    <m:oMathParaPr>
+                      <m:jc m:val="centerGroup"/>
+                    </m:oMathParaPr>
+                    <m:oMath xmlns:m="http://schemas.openxmlformats.org/officeDocument/2006/math">
+                      <m:func>
+                        <m:funcPr>
+                          <m:ctrlPr>
+                            <a:rPr lang="de-DE" b="0" i="1" smtClean="0">
+                              <a:latin typeface="Cambria Math" panose="02040503050406030204" pitchFamily="18" charset="0"/>
+                            </a:rPr>
+                          </m:ctrlPr>
+                        </m:funcPr>
+                        <m:fName>
+                          <m:r>
+                            <m:rPr>
+                              <m:sty m:val="p"/>
+                            </m:rPr>
+                            <a:rPr lang="de-DE" b="0" i="0" smtClean="0">
+                              <a:latin typeface="Cambria Math" panose="02040503050406030204" pitchFamily="18" charset="0"/>
+                            </a:rPr>
+                            <m:t>cos</m:t>
+                          </m:r>
+                        </m:fName>
+                        <m:e>
+                          <m:d>
+                            <m:dPr>
+                              <m:ctrlPr>
+                                <a:rPr lang="de-DE" b="0" i="1" smtClean="0">
+                                  <a:latin typeface="Cambria Math" panose="02040503050406030204" pitchFamily="18" charset="0"/>
+                                </a:rPr>
+                              </m:ctrlPr>
+                            </m:dPr>
+                            <m:e>
+                              <m:r>
+                                <a:rPr lang="de-DE" i="1" dirty="0">
+                                  <a:latin typeface="Cambria Math" panose="02040503050406030204" pitchFamily="18" charset="0"/>
+                                  <a:ea typeface="Cambria Math" panose="02040503050406030204" pitchFamily="18" charset="0"/>
+                                </a:rPr>
+                                <m:t>𝜋</m:t>
+                              </m:r>
+                              <m:r>
+                                <m:rPr>
+                                  <m:nor/>
+                                </m:rPr>
+                                <a:rPr lang="de-DE" dirty="0"/>
+                                <m:t>/6</m:t>
+                              </m:r>
+                            </m:e>
+                          </m:d>
+                        </m:e>
+                      </m:func>
+                      <m:r>
+                        <a:rPr lang="de-DE" b="0" i="1" smtClean="0">
+                          <a:latin typeface="Cambria Math" panose="02040503050406030204" pitchFamily="18" charset="0"/>
+                        </a:rPr>
+                        <m:t>=</m:t>
+                      </m:r>
+                      <m:f>
+                        <m:fPr>
+                          <m:ctrlPr>
+                            <a:rPr lang="de-DE" b="0" i="1" smtClean="0">
+                              <a:latin typeface="Cambria Math" panose="02040503050406030204" pitchFamily="18" charset="0"/>
+                            </a:rPr>
+                          </m:ctrlPr>
+                        </m:fPr>
+                        <m:num>
+                          <m:r>
+                            <a:rPr lang="de-DE" b="0" i="1" smtClean="0">
+                              <a:latin typeface="Cambria Math" panose="02040503050406030204" pitchFamily="18" charset="0"/>
+                            </a:rPr>
+                            <m:t>𝑎</m:t>
+                          </m:r>
+                        </m:num>
+                        <m:den>
+                          <m:r>
+                            <a:rPr lang="de-DE" b="0" i="1" smtClean="0">
+                              <a:latin typeface="Cambria Math" panose="02040503050406030204" pitchFamily="18" charset="0"/>
+                            </a:rPr>
+                            <m:t>𝑐</m:t>
+                          </m:r>
+                        </m:den>
+                      </m:f>
+                    </m:oMath>
+                  </m:oMathPara>
+                </a14:m>
+                <a:endParaRPr lang="de-DE" dirty="0"/>
+              </a:p>
+            </p:txBody>
+          </p:sp>
+        </mc:Choice>
+        <mc:Fallback>
+          <p:sp>
+            <p:nvSpPr>
+              <p:cNvPr id="24" name="Textfeld 23">
+                <a:extLst>
+                  <a:ext uri="{FF2B5EF4-FFF2-40B4-BE49-F238E27FC236}">
+                    <a16:creationId xmlns:a16="http://schemas.microsoft.com/office/drawing/2014/main" id="{474E0B88-A673-BE63-69F4-B2443BD09645}"/>
+                  </a:ext>
+                </a:extLst>
+              </p:cNvPr>
+              <p:cNvSpPr txBox="1">
+                <a:spLocks noRot="1" noChangeAspect="1" noMove="1" noResize="1" noEditPoints="1" noAdjustHandles="1" noChangeArrowheads="1" noChangeShapeType="1" noTextEdit="1"/>
+              </p:cNvSpPr>
+              <p:nvPr/>
+            </p:nvSpPr>
+            <p:spPr>
+              <a:xfrm>
+                <a:off x="4593047" y="3065489"/>
+                <a:ext cx="1344984" cy="474425"/>
+              </a:xfrm>
+              <a:prstGeom prst="rect">
+                <a:avLst/>
+              </a:prstGeom>
+              <a:blipFill>
+                <a:blip r:embed="rId12"/>
+                <a:stretch>
+                  <a:fillRect/>
+                </a:stretch>
+              </a:blipFill>
+            </p:spPr>
+            <p:txBody>
+              <a:bodyPr/>
+              <a:lstStyle/>
+              <a:p>
+                <a:r>
+                  <a:rPr lang="de-DE">
+                    <a:noFill/>
+                  </a:rPr>
+                  <a:t> </a:t>
+                </a:r>
+              </a:p>
+            </p:txBody>
+          </p:sp>
+        </mc:Fallback>
+      </mc:AlternateContent>
+      <mc:AlternateContent xmlns:mc="http://schemas.openxmlformats.org/markup-compatibility/2006">
+        <mc:Choice xmlns:a14="http://schemas.microsoft.com/office/drawing/2010/main" Requires="a14">
+          <p:sp>
+            <p:nvSpPr>
+              <p:cNvPr id="25" name="Textfeld 24">
+                <a:extLst>
+                  <a:ext uri="{FF2B5EF4-FFF2-40B4-BE49-F238E27FC236}">
+                    <a16:creationId xmlns:a16="http://schemas.microsoft.com/office/drawing/2014/main" id="{E86CFB7E-D256-72A9-6EB4-D0C38D0BB98A}"/>
+                  </a:ext>
+                </a:extLst>
+              </p:cNvPr>
+              <p:cNvSpPr txBox="1"/>
+              <p:nvPr/>
+            </p:nvSpPr>
+            <p:spPr>
+              <a:xfrm>
+                <a:off x="4514096" y="4116039"/>
+                <a:ext cx="1672894" cy="553998"/>
+              </a:xfrm>
+              <a:prstGeom prst="rect">
+                <a:avLst/>
+              </a:prstGeom>
+              <a:noFill/>
+            </p:spPr>
+            <p:txBody>
+              <a:bodyPr wrap="none" lIns="0" tIns="0" rIns="0" bIns="0" rtlCol="0">
+                <a:spAutoFit/>
+              </a:bodyPr>
+              <a:lstStyle/>
+              <a:p>
+                <a:pPr algn="ctr"/>
+                <a14:m>
+                  <m:oMathPara xmlns:m="http://schemas.openxmlformats.org/officeDocument/2006/math">
+                    <m:oMathParaPr>
+                      <m:jc m:val="centerGroup"/>
+                    </m:oMathParaPr>
+                    <m:oMath xmlns:m="http://schemas.openxmlformats.org/officeDocument/2006/math">
+                      <m:r>
+                        <a:rPr lang="de-DE" b="0" i="1" smtClean="0">
+                          <a:latin typeface="Cambria Math" panose="02040503050406030204" pitchFamily="18" charset="0"/>
+                        </a:rPr>
+                        <m:t>𝑎</m:t>
+                      </m:r>
+                      <m:r>
+                        <a:rPr lang="de-DE" b="0" i="1" smtClean="0">
+                          <a:latin typeface="Cambria Math" panose="02040503050406030204" pitchFamily="18" charset="0"/>
+                        </a:rPr>
+                        <m:t>=</m:t>
+                      </m:r>
+                      <m:func>
+                        <m:funcPr>
+                          <m:ctrlPr>
+                            <a:rPr lang="de-DE" b="0" i="1" smtClean="0">
+                              <a:latin typeface="Cambria Math" panose="02040503050406030204" pitchFamily="18" charset="0"/>
+                            </a:rPr>
+                          </m:ctrlPr>
+                        </m:funcPr>
+                        <m:fName>
+                          <m:r>
+                            <m:rPr>
+                              <m:sty m:val="p"/>
+                            </m:rPr>
+                            <a:rPr lang="de-DE" b="0" i="0" smtClean="0">
+                              <a:latin typeface="Cambria Math" panose="02040503050406030204" pitchFamily="18" charset="0"/>
+                            </a:rPr>
+                            <m:t>cos</m:t>
+                          </m:r>
+                        </m:fName>
+                        <m:e>
+                          <m:d>
+                            <m:dPr>
+                              <m:ctrlPr>
+                                <a:rPr lang="de-DE" b="0" i="1" smtClean="0">
+                                  <a:latin typeface="Cambria Math" panose="02040503050406030204" pitchFamily="18" charset="0"/>
+                                </a:rPr>
+                              </m:ctrlPr>
+                            </m:dPr>
+                            <m:e>
+                              <m:r>
+                                <a:rPr lang="de-DE" i="1" dirty="0">
+                                  <a:latin typeface="Cambria Math" panose="02040503050406030204" pitchFamily="18" charset="0"/>
+                                  <a:ea typeface="Cambria Math" panose="02040503050406030204" pitchFamily="18" charset="0"/>
+                                </a:rPr>
+                                <m:t>𝜋</m:t>
+                              </m:r>
+                              <m:r>
+                                <m:rPr>
+                                  <m:nor/>
+                                </m:rPr>
+                                <a:rPr lang="de-DE" dirty="0"/>
+                                <m:t>/6</m:t>
+                              </m:r>
+                            </m:e>
+                          </m:d>
+                          <m:r>
+                            <a:rPr lang="de-DE" b="0" i="1" smtClean="0">
+                              <a:latin typeface="Cambria Math" panose="02040503050406030204" pitchFamily="18" charset="0"/>
+                            </a:rPr>
+                            <m:t>∗</m:t>
+                          </m:r>
+                          <m:r>
+                            <a:rPr lang="de-DE" b="0" i="1" smtClean="0">
+                              <a:latin typeface="Cambria Math" panose="02040503050406030204" pitchFamily="18" charset="0"/>
+                            </a:rPr>
+                            <m:t>𝑐</m:t>
+                          </m:r>
+                        </m:e>
+                      </m:func>
+                    </m:oMath>
+                  </m:oMathPara>
+                </a14:m>
+                <a:endParaRPr lang="de-DE" b="0" dirty="0"/>
+              </a:p>
+              <a:p>
+                <a:pPr algn="ctr"/>
+                <a14:m>
+                  <m:oMathPara xmlns:m="http://schemas.openxmlformats.org/officeDocument/2006/math">
+                    <m:oMathParaPr>
+                      <m:jc m:val="centerGroup"/>
+                    </m:oMathParaPr>
+                    <m:oMath xmlns:m="http://schemas.openxmlformats.org/officeDocument/2006/math">
+                      <m:r>
+                        <a:rPr lang="de-DE" b="0" i="1" smtClean="0">
+                          <a:latin typeface="Cambria Math" panose="02040503050406030204" pitchFamily="18" charset="0"/>
+                        </a:rPr>
+                        <m:t>𝑏</m:t>
+                      </m:r>
+                      <m:r>
+                        <a:rPr lang="de-DE" i="1">
+                          <a:latin typeface="Cambria Math" panose="02040503050406030204" pitchFamily="18" charset="0"/>
+                        </a:rPr>
+                        <m:t>=</m:t>
+                      </m:r>
+                      <m:func>
+                        <m:funcPr>
+                          <m:ctrlPr>
+                            <a:rPr lang="de-DE" i="1">
+                              <a:latin typeface="Cambria Math" panose="02040503050406030204" pitchFamily="18" charset="0"/>
+                            </a:rPr>
+                          </m:ctrlPr>
+                        </m:funcPr>
+                        <m:fName>
+                          <m:r>
+                            <m:rPr>
+                              <m:sty m:val="p"/>
+                            </m:rPr>
+                            <a:rPr lang="de-DE" b="0" i="0" smtClean="0">
+                              <a:latin typeface="Cambria Math" panose="02040503050406030204" pitchFamily="18" charset="0"/>
+                            </a:rPr>
+                            <m:t>sin</m:t>
+                          </m:r>
+                        </m:fName>
+                        <m:e>
+                          <m:d>
+                            <m:dPr>
+                              <m:ctrlPr>
+                                <a:rPr lang="de-DE" i="1">
+                                  <a:latin typeface="Cambria Math" panose="02040503050406030204" pitchFamily="18" charset="0"/>
+                                </a:rPr>
+                              </m:ctrlPr>
+                            </m:dPr>
+                            <m:e>
+                              <m:r>
+                                <a:rPr lang="de-DE" i="1" dirty="0">
+                                  <a:latin typeface="Cambria Math" panose="02040503050406030204" pitchFamily="18" charset="0"/>
+                                  <a:ea typeface="Cambria Math" panose="02040503050406030204" pitchFamily="18" charset="0"/>
+                                </a:rPr>
+                                <m:t>𝜋</m:t>
+                              </m:r>
+                              <m:r>
+                                <m:rPr>
+                                  <m:nor/>
+                                </m:rPr>
+                                <a:rPr lang="de-DE" dirty="0"/>
+                                <m:t>/6</m:t>
+                              </m:r>
+                            </m:e>
+                          </m:d>
+                          <m:r>
+                            <a:rPr lang="de-DE" i="1">
+                              <a:latin typeface="Cambria Math" panose="02040503050406030204" pitchFamily="18" charset="0"/>
+                            </a:rPr>
+                            <m:t>∗</m:t>
+                          </m:r>
+                          <m:r>
+                            <a:rPr lang="de-DE" i="1">
+                              <a:latin typeface="Cambria Math" panose="02040503050406030204" pitchFamily="18" charset="0"/>
+                            </a:rPr>
+                            <m:t>𝑐</m:t>
+                          </m:r>
+                        </m:e>
+                      </m:func>
+                    </m:oMath>
+                  </m:oMathPara>
+                </a14:m>
+                <a:endParaRPr lang="de-DE" dirty="0"/>
+              </a:p>
+            </p:txBody>
+          </p:sp>
+        </mc:Choice>
+        <mc:Fallback>
+          <p:sp>
+            <p:nvSpPr>
+              <p:cNvPr id="25" name="Textfeld 24">
+                <a:extLst>
+                  <a:ext uri="{FF2B5EF4-FFF2-40B4-BE49-F238E27FC236}">
+                    <a16:creationId xmlns:a16="http://schemas.microsoft.com/office/drawing/2014/main" id="{E86CFB7E-D256-72A9-6EB4-D0C38D0BB98A}"/>
+                  </a:ext>
+                </a:extLst>
+              </p:cNvPr>
+              <p:cNvSpPr txBox="1">
+                <a:spLocks noRot="1" noChangeAspect="1" noMove="1" noResize="1" noEditPoints="1" noAdjustHandles="1" noChangeArrowheads="1" noChangeShapeType="1" noTextEdit="1"/>
+              </p:cNvSpPr>
+              <p:nvPr/>
+            </p:nvSpPr>
+            <p:spPr>
+              <a:xfrm>
+                <a:off x="4514096" y="4116039"/>
+                <a:ext cx="1672894" cy="553998"/>
+              </a:xfrm>
+              <a:prstGeom prst="rect">
+                <a:avLst/>
+              </a:prstGeom>
+              <a:blipFill>
+                <a:blip r:embed="rId13"/>
+                <a:stretch>
+                  <a:fillRect l="-4015" t="-2198" b="-14286"/>
+                </a:stretch>
+              </a:blipFill>
+            </p:spPr>
+            <p:txBody>
+              <a:bodyPr/>
+              <a:lstStyle/>
+              <a:p>
+                <a:r>
+                  <a:rPr lang="de-DE">
+                    <a:noFill/>
+                  </a:rPr>
+                  <a:t> </a:t>
+                </a:r>
+              </a:p>
+            </p:txBody>
+          </p:sp>
+        </mc:Fallback>
+      </mc:AlternateContent>
+      <mc:AlternateContent xmlns:mc="http://schemas.openxmlformats.org/markup-compatibility/2006">
+        <mc:Choice xmlns:a14="http://schemas.microsoft.com/office/drawing/2010/main" Requires="a14">
+          <p:sp>
+            <p:nvSpPr>
+              <p:cNvPr id="26" name="Textfeld 25">
+                <a:extLst>
+                  <a:ext uri="{FF2B5EF4-FFF2-40B4-BE49-F238E27FC236}">
+                    <a16:creationId xmlns:a16="http://schemas.microsoft.com/office/drawing/2014/main" id="{34BAAE74-D089-BEB7-DA45-F61730C398D1}"/>
+                  </a:ext>
+                </a:extLst>
+              </p:cNvPr>
+              <p:cNvSpPr txBox="1"/>
+              <p:nvPr/>
+            </p:nvSpPr>
+            <p:spPr>
+              <a:xfrm>
+                <a:off x="9441117" y="2218526"/>
+                <a:ext cx="2021066" cy="543418"/>
+              </a:xfrm>
+              <a:prstGeom prst="rect">
+                <a:avLst/>
+              </a:prstGeom>
+              <a:noFill/>
+            </p:spPr>
+            <p:txBody>
+              <a:bodyPr wrap="none" lIns="0" tIns="0" rIns="0" bIns="0" rtlCol="0">
+                <a:spAutoFit/>
+              </a:bodyPr>
+              <a:lstStyle/>
+              <a:p>
+                <a:pPr algn="ctr"/>
+                <a14:m>
+                  <m:oMathPara xmlns:m="http://schemas.openxmlformats.org/officeDocument/2006/math">
+                    <m:oMathParaPr>
+                      <m:jc m:val="centerGroup"/>
+                    </m:oMathParaPr>
+                    <m:oMath xmlns:m="http://schemas.openxmlformats.org/officeDocument/2006/math">
+                      <m:d>
+                        <m:dPr>
+                          <m:ctrlPr>
+                            <a:rPr lang="de-DE" i="1" smtClean="0">
+                              <a:latin typeface="Cambria Math" panose="02040503050406030204" pitchFamily="18" charset="0"/>
+                            </a:rPr>
+                          </m:ctrlPr>
+                        </m:dPr>
+                        <m:e>
+                          <m:eqArr>
+                            <m:eqArrPr>
+                              <m:ctrlPr>
+                                <a:rPr lang="de-DE" i="1" smtClean="0">
+                                  <a:latin typeface="Cambria Math" panose="02040503050406030204" pitchFamily="18" charset="0"/>
+                                </a:rPr>
+                              </m:ctrlPr>
+                            </m:eqArrPr>
+                            <m:e>
+                              <m:r>
+                                <a:rPr lang="de-DE" b="0" i="1" smtClean="0">
+                                  <a:latin typeface="Cambria Math" panose="02040503050406030204" pitchFamily="18" charset="0"/>
+                                </a:rPr>
+                                <m:t>𝑥</m:t>
+                              </m:r>
+                              <m:r>
+                                <a:rPr lang="de-DE" b="0" i="1" smtClean="0">
+                                  <a:latin typeface="Cambria Math" panose="02040503050406030204" pitchFamily="18" charset="0"/>
+                                </a:rPr>
+                                <m:t>+</m:t>
+                              </m:r>
+                              <m:func>
+                                <m:funcPr>
+                                  <m:ctrlPr>
+                                    <a:rPr lang="de-DE" i="1">
+                                      <a:latin typeface="Cambria Math" panose="02040503050406030204" pitchFamily="18" charset="0"/>
+                                    </a:rPr>
+                                  </m:ctrlPr>
+                                </m:funcPr>
+                                <m:fName>
+                                  <m:r>
+                                    <m:rPr>
+                                      <m:sty m:val="p"/>
+                                    </m:rPr>
+                                    <a:rPr lang="de-DE" b="0" i="0" smtClean="0">
+                                      <a:latin typeface="Cambria Math" panose="02040503050406030204" pitchFamily="18" charset="0"/>
+                                    </a:rPr>
+                                    <m:t>cos</m:t>
+                                  </m:r>
+                                </m:fName>
+                                <m:e>
+                                  <m:d>
+                                    <m:dPr>
+                                      <m:ctrlPr>
+                                        <a:rPr lang="de-DE" i="1">
+                                          <a:latin typeface="Cambria Math" panose="02040503050406030204" pitchFamily="18" charset="0"/>
+                                        </a:rPr>
+                                      </m:ctrlPr>
+                                    </m:dPr>
+                                    <m:e>
+                                      <m:r>
+                                        <a:rPr lang="de-DE" i="1" dirty="0">
+                                          <a:latin typeface="Cambria Math" panose="02040503050406030204" pitchFamily="18" charset="0"/>
+                                          <a:ea typeface="Cambria Math" panose="02040503050406030204" pitchFamily="18" charset="0"/>
+                                        </a:rPr>
+                                        <m:t>𝜋</m:t>
+                                      </m:r>
+                                      <m:r>
+                                        <m:rPr>
+                                          <m:nor/>
+                                        </m:rPr>
+                                        <a:rPr lang="de-DE" dirty="0"/>
+                                        <m:t>/6</m:t>
+                                      </m:r>
+                                    </m:e>
+                                  </m:d>
+                                  <m:r>
+                                    <a:rPr lang="de-DE" i="1">
+                                      <a:latin typeface="Cambria Math" panose="02040503050406030204" pitchFamily="18" charset="0"/>
+                                    </a:rPr>
+                                    <m:t>∗</m:t>
+                                  </m:r>
+                                  <m:r>
+                                    <a:rPr lang="de-DE" b="0" i="1" smtClean="0">
+                                      <a:latin typeface="Cambria Math" panose="02040503050406030204" pitchFamily="18" charset="0"/>
+                                    </a:rPr>
+                                    <m:t>50</m:t>
+                                  </m:r>
+                                </m:e>
+                              </m:func>
+                            </m:e>
+                            <m:e>
+                              <m:func>
+                                <m:funcPr>
+                                  <m:ctrlPr>
+                                    <a:rPr lang="de-DE" i="1" smtClean="0">
+                                      <a:latin typeface="Cambria Math" panose="02040503050406030204" pitchFamily="18" charset="0"/>
+                                    </a:rPr>
+                                  </m:ctrlPr>
+                                </m:funcPr>
+                                <m:fName>
+                                  <m:r>
+                                    <m:rPr>
+                                      <m:sty m:val="p"/>
+                                    </m:rPr>
+                                    <a:rPr lang="de-DE" b="0" i="0" smtClean="0">
+                                      <a:latin typeface="Cambria Math" panose="02040503050406030204" pitchFamily="18" charset="0"/>
+                                    </a:rPr>
+                                    <m:t>y</m:t>
+                                  </m:r>
+                                  <m:r>
+                                    <a:rPr lang="de-DE" b="0" i="0" smtClean="0">
+                                      <a:latin typeface="Cambria Math" panose="02040503050406030204" pitchFamily="18" charset="0"/>
+                                    </a:rPr>
+                                    <m:t>+</m:t>
+                                  </m:r>
+                                  <m:r>
+                                    <a:rPr lang="de-DE" b="0" i="1" smtClean="0">
+                                      <a:latin typeface="Cambria Math" panose="02040503050406030204" pitchFamily="18" charset="0"/>
+                                    </a:rPr>
+                                    <m:t>𝑠𝑖𝑛</m:t>
+                                  </m:r>
+                                </m:fName>
+                                <m:e>
+                                  <m:d>
+                                    <m:dPr>
+                                      <m:ctrlPr>
+                                        <a:rPr lang="de-DE" i="1">
+                                          <a:latin typeface="Cambria Math" panose="02040503050406030204" pitchFamily="18" charset="0"/>
+                                        </a:rPr>
+                                      </m:ctrlPr>
+                                    </m:dPr>
+                                    <m:e>
+                                      <m:r>
+                                        <a:rPr lang="de-DE" i="1" dirty="0">
+                                          <a:latin typeface="Cambria Math" panose="02040503050406030204" pitchFamily="18" charset="0"/>
+                                          <a:ea typeface="Cambria Math" panose="02040503050406030204" pitchFamily="18" charset="0"/>
+                                        </a:rPr>
+                                        <m:t>𝜋</m:t>
+                                      </m:r>
+                                      <m:r>
+                                        <m:rPr>
+                                          <m:nor/>
+                                        </m:rPr>
+                                        <a:rPr lang="de-DE" dirty="0"/>
+                                        <m:t>/6</m:t>
+                                      </m:r>
+                                    </m:e>
+                                  </m:d>
+                                  <m:r>
+                                    <a:rPr lang="de-DE" i="1">
+                                      <a:latin typeface="Cambria Math" panose="02040503050406030204" pitchFamily="18" charset="0"/>
+                                    </a:rPr>
+                                    <m:t>∗</m:t>
+                                  </m:r>
+                                  <m:r>
+                                    <a:rPr lang="de-DE" b="0" i="1" smtClean="0">
+                                      <a:latin typeface="Cambria Math" panose="02040503050406030204" pitchFamily="18" charset="0"/>
+                                    </a:rPr>
+                                    <m:t>50</m:t>
+                                  </m:r>
+                                </m:e>
+                              </m:func>
+                            </m:e>
+                          </m:eqArr>
+                        </m:e>
+                      </m:d>
+                    </m:oMath>
+                  </m:oMathPara>
+                </a14:m>
+                <a:endParaRPr lang="de-DE" dirty="0"/>
+              </a:p>
+            </p:txBody>
+          </p:sp>
+        </mc:Choice>
+        <mc:Fallback>
+          <p:sp>
+            <p:nvSpPr>
+              <p:cNvPr id="26" name="Textfeld 25">
+                <a:extLst>
+                  <a:ext uri="{FF2B5EF4-FFF2-40B4-BE49-F238E27FC236}">
+                    <a16:creationId xmlns:a16="http://schemas.microsoft.com/office/drawing/2014/main" id="{34BAAE74-D089-BEB7-DA45-F61730C398D1}"/>
+                  </a:ext>
+                </a:extLst>
+              </p:cNvPr>
+              <p:cNvSpPr txBox="1">
+                <a:spLocks noRot="1" noChangeAspect="1" noMove="1" noResize="1" noEditPoints="1" noAdjustHandles="1" noChangeArrowheads="1" noChangeShapeType="1" noTextEdit="1"/>
+              </p:cNvSpPr>
+              <p:nvPr/>
+            </p:nvSpPr>
+            <p:spPr>
+              <a:xfrm>
+                <a:off x="9441117" y="2218526"/>
+                <a:ext cx="2021066" cy="543418"/>
+              </a:xfrm>
+              <a:prstGeom prst="rect">
+                <a:avLst/>
+              </a:prstGeom>
+              <a:blipFill>
+                <a:blip r:embed="rId14"/>
+                <a:stretch>
+                  <a:fillRect b="-1124"/>
+                </a:stretch>
+              </a:blipFill>
+            </p:spPr>
+            <p:txBody>
+              <a:bodyPr/>
+              <a:lstStyle/>
+              <a:p>
+                <a:r>
+                  <a:rPr lang="de-DE">
+                    <a:noFill/>
+                  </a:rPr>
+                  <a:t> </a:t>
+                </a:r>
+              </a:p>
+            </p:txBody>
+          </p:sp>
+        </mc:Fallback>
+      </mc:AlternateContent>
+      <mc:AlternateContent xmlns:mc="http://schemas.openxmlformats.org/markup-compatibility/2006">
+        <mc:Choice xmlns:a14="http://schemas.microsoft.com/office/drawing/2010/main" Requires="a14">
+          <p:sp>
+            <p:nvSpPr>
+              <p:cNvPr id="27" name="Textfeld 26">
+                <a:extLst>
+                  <a:ext uri="{FF2B5EF4-FFF2-40B4-BE49-F238E27FC236}">
+                    <a16:creationId xmlns:a16="http://schemas.microsoft.com/office/drawing/2014/main" id="{87868A9A-DB0B-E5B7-4C10-680A24784C8D}"/>
+                  </a:ext>
+                </a:extLst>
+              </p:cNvPr>
+              <p:cNvSpPr txBox="1"/>
+              <p:nvPr/>
+            </p:nvSpPr>
+            <p:spPr>
+              <a:xfrm>
+                <a:off x="8720596" y="358000"/>
+                <a:ext cx="598241" cy="467500"/>
+              </a:xfrm>
+              <a:prstGeom prst="rect">
+                <a:avLst/>
+              </a:prstGeom>
+              <a:noFill/>
+            </p:spPr>
+            <p:txBody>
+              <a:bodyPr wrap="none" lIns="0" tIns="0" rIns="0" bIns="0" rtlCol="0">
+                <a:spAutoFit/>
+              </a:bodyPr>
+              <a:lstStyle/>
+              <a:p>
+                <a:pPr algn="ctr"/>
+                <a:r>
+                  <a:rPr lang="de-DE" dirty="0"/>
+                  <a:t>=</a:t>
+                </a:r>
+                <a14:m>
+                  <m:oMath xmlns:m="http://schemas.openxmlformats.org/officeDocument/2006/math">
+                    <m:d>
+                      <m:dPr>
+                        <m:ctrlPr>
+                          <a:rPr lang="de-DE" i="1" smtClean="0">
+                            <a:latin typeface="Cambria Math" panose="02040503050406030204" pitchFamily="18" charset="0"/>
+                          </a:rPr>
+                        </m:ctrlPr>
+                      </m:dPr>
+                      <m:e>
+                        <m:eqArr>
+                          <m:eqArrPr>
+                            <m:ctrlPr>
+                              <a:rPr lang="de-DE" i="1" smtClean="0">
+                                <a:latin typeface="Cambria Math" panose="02040503050406030204" pitchFamily="18" charset="0"/>
+                              </a:rPr>
+                            </m:ctrlPr>
+                          </m:eqArrPr>
+                          <m:e>
+                            <m:r>
+                              <a:rPr lang="de-DE" b="0" i="1" smtClean="0">
+                                <a:latin typeface="Cambria Math" panose="02040503050406030204" pitchFamily="18" charset="0"/>
+                              </a:rPr>
+                              <m:t>50</m:t>
+                            </m:r>
+                          </m:e>
+                          <m:e>
+                            <m:r>
+                              <a:rPr lang="de-DE" b="0" i="1" smtClean="0">
+                                <a:latin typeface="Cambria Math" panose="02040503050406030204" pitchFamily="18" charset="0"/>
+                              </a:rPr>
+                              <m:t>0</m:t>
+                            </m:r>
+                          </m:e>
+                        </m:eqArr>
+                      </m:e>
+                    </m:d>
+                  </m:oMath>
+                </a14:m>
+                <a:endParaRPr lang="de-DE" dirty="0"/>
+              </a:p>
+            </p:txBody>
+          </p:sp>
+        </mc:Choice>
+        <mc:Fallback>
+          <p:sp>
+            <p:nvSpPr>
+              <p:cNvPr id="27" name="Textfeld 26">
+                <a:extLst>
+                  <a:ext uri="{FF2B5EF4-FFF2-40B4-BE49-F238E27FC236}">
+                    <a16:creationId xmlns:a16="http://schemas.microsoft.com/office/drawing/2014/main" id="{87868A9A-DB0B-E5B7-4C10-680A24784C8D}"/>
+                  </a:ext>
+                </a:extLst>
+              </p:cNvPr>
+              <p:cNvSpPr txBox="1">
+                <a:spLocks noRot="1" noChangeAspect="1" noMove="1" noResize="1" noEditPoints="1" noAdjustHandles="1" noChangeArrowheads="1" noChangeShapeType="1" noTextEdit="1"/>
+              </p:cNvSpPr>
+              <p:nvPr/>
+            </p:nvSpPr>
+            <p:spPr>
+              <a:xfrm>
+                <a:off x="8720596" y="358000"/>
+                <a:ext cx="598241" cy="467500"/>
+              </a:xfrm>
+              <a:prstGeom prst="rect">
+                <a:avLst/>
+              </a:prstGeom>
+              <a:blipFill>
+                <a:blip r:embed="rId15"/>
+                <a:stretch>
+                  <a:fillRect l="-24490" b="-10526"/>
+                </a:stretch>
+              </a:blipFill>
+            </p:spPr>
+            <p:txBody>
+              <a:bodyPr/>
+              <a:lstStyle/>
+              <a:p>
+                <a:r>
+                  <a:rPr lang="de-DE">
+                    <a:noFill/>
+                  </a:rPr>
+                  <a:t> </a:t>
+                </a:r>
+              </a:p>
+            </p:txBody>
+          </p:sp>
+        </mc:Fallback>
+      </mc:AlternateContent>
+      <mc:AlternateContent xmlns:mc="http://schemas.openxmlformats.org/markup-compatibility/2006">
+        <mc:Choice xmlns:a14="http://schemas.microsoft.com/office/drawing/2010/main" Requires="a14">
+          <p:sp>
+            <p:nvSpPr>
+              <p:cNvPr id="28" name="Textfeld 27">
+                <a:extLst>
+                  <a:ext uri="{FF2B5EF4-FFF2-40B4-BE49-F238E27FC236}">
+                    <a16:creationId xmlns:a16="http://schemas.microsoft.com/office/drawing/2014/main" id="{D69F53F8-9B4B-74EC-9825-EF7484CCD966}"/>
+                  </a:ext>
+                </a:extLst>
+              </p:cNvPr>
+              <p:cNvSpPr txBox="1"/>
+              <p:nvPr/>
+            </p:nvSpPr>
+            <p:spPr>
+              <a:xfrm>
+                <a:off x="11430455" y="2259242"/>
+                <a:ext cx="774571" cy="461986"/>
+              </a:xfrm>
+              <a:prstGeom prst="rect">
+                <a:avLst/>
+              </a:prstGeom>
+              <a:noFill/>
+            </p:spPr>
+            <p:txBody>
+              <a:bodyPr wrap="none" lIns="0" tIns="0" rIns="0" bIns="0" rtlCol="0">
+                <a:spAutoFit/>
+              </a:bodyPr>
+              <a:lstStyle/>
+              <a:p>
+                <a:pPr algn="ctr"/>
+                <a:r>
+                  <a:rPr lang="de-DE" dirty="0"/>
+                  <a:t>=</a:t>
+                </a:r>
+                <a14:m>
+                  <m:oMath xmlns:m="http://schemas.openxmlformats.org/officeDocument/2006/math">
+                    <m:d>
+                      <m:dPr>
+                        <m:ctrlPr>
+                          <a:rPr lang="de-DE" i="1" smtClean="0">
+                            <a:latin typeface="Cambria Math" panose="02040503050406030204" pitchFamily="18" charset="0"/>
+                          </a:rPr>
+                        </m:ctrlPr>
+                      </m:dPr>
+                      <m:e>
+                        <m:eqArr>
+                          <m:eqArrPr>
+                            <m:ctrlPr>
+                              <a:rPr lang="de-DE" i="1" smtClean="0">
+                                <a:latin typeface="Cambria Math" panose="02040503050406030204" pitchFamily="18" charset="0"/>
+                              </a:rPr>
+                            </m:ctrlPr>
+                          </m:eqArrPr>
+                          <m:e>
+                            <m:r>
+                              <a:rPr lang="de-DE" b="0" i="1" smtClean="0">
+                                <a:latin typeface="Cambria Math" panose="02040503050406030204" pitchFamily="18" charset="0"/>
+                              </a:rPr>
+                              <m:t>93.3</m:t>
+                            </m:r>
+                          </m:e>
+                          <m:e>
+                            <m:r>
+                              <a:rPr lang="de-DE" b="0" i="1" smtClean="0">
+                                <a:latin typeface="Cambria Math" panose="02040503050406030204" pitchFamily="18" charset="0"/>
+                              </a:rPr>
+                              <m:t>75</m:t>
+                            </m:r>
+                          </m:e>
+                        </m:eqArr>
+                      </m:e>
+                    </m:d>
+                  </m:oMath>
+                </a14:m>
+                <a:endParaRPr lang="de-DE" dirty="0"/>
+              </a:p>
+            </p:txBody>
+          </p:sp>
+        </mc:Choice>
+        <mc:Fallback>
+          <p:sp>
+            <p:nvSpPr>
+              <p:cNvPr id="28" name="Textfeld 27">
+                <a:extLst>
+                  <a:ext uri="{FF2B5EF4-FFF2-40B4-BE49-F238E27FC236}">
+                    <a16:creationId xmlns:a16="http://schemas.microsoft.com/office/drawing/2014/main" id="{D69F53F8-9B4B-74EC-9825-EF7484CCD966}"/>
+                  </a:ext>
+                </a:extLst>
+              </p:cNvPr>
+              <p:cNvSpPr txBox="1">
+                <a:spLocks noRot="1" noChangeAspect="1" noMove="1" noResize="1" noEditPoints="1" noAdjustHandles="1" noChangeArrowheads="1" noChangeShapeType="1" noTextEdit="1"/>
+              </p:cNvSpPr>
+              <p:nvPr/>
+            </p:nvSpPr>
+            <p:spPr>
+              <a:xfrm>
+                <a:off x="11430455" y="2259242"/>
+                <a:ext cx="774571" cy="461986"/>
+              </a:xfrm>
+              <a:prstGeom prst="rect">
+                <a:avLst/>
+              </a:prstGeom>
+              <a:blipFill>
+                <a:blip r:embed="rId16"/>
+                <a:stretch>
+                  <a:fillRect l="-18110" b="-12000"/>
+                </a:stretch>
+              </a:blipFill>
+            </p:spPr>
+            <p:txBody>
+              <a:bodyPr/>
+              <a:lstStyle/>
+              <a:p>
+                <a:r>
+                  <a:rPr lang="de-DE">
+                    <a:noFill/>
+                  </a:rPr>
+                  <a:t> </a:t>
+                </a:r>
+              </a:p>
+            </p:txBody>
+          </p:sp>
+        </mc:Fallback>
+      </mc:AlternateContent>
+    </p:spTree>
+    <p:extLst>
+      <p:ext uri="{BB962C8B-B14F-4D97-AF65-F5344CB8AC3E}">
+        <p14:creationId xmlns:p14="http://schemas.microsoft.com/office/powerpoint/2010/main" val="3027953581"/>
+      </p:ext>
+    </p:extLst>
+  </p:cSld>
+  <p:clrMapOvr>
+    <a:masterClrMapping/>
+  </p:clrMapOvr>
+</p:sld>
+</file>
+
+<file path=ppt/slides/slide2.xml><?xml version="1.0" encoding="utf-8"?>
 <p:sld xmlns:a="http://schemas.openxmlformats.org/drawingml/2006/main" xmlns:r="http://schemas.openxmlformats.org/officeDocument/2006/relationships" xmlns:p="http://schemas.openxmlformats.org/presentationml/2006/main">
   <p:cSld>
     <p:spTree>
@@ -4533,8 +6956,8 @@
           </a:fontRef>
         </p:style>
       </p:cxnSp>
-      <mc:AlternateContent xmlns:mc="http://schemas.openxmlformats.org/markup-compatibility/2006">
-        <mc:Choice xmlns:a14="http://schemas.microsoft.com/office/drawing/2010/main" Requires="a14">
+      <mc:AlternateContent xmlns:mc="http://schemas.openxmlformats.org/markup-compatibility/2006" xmlns:a14="http://schemas.microsoft.com/office/drawing/2010/main">
+        <mc:Choice Requires="a14">
           <p:sp>
             <p:nvSpPr>
               <p:cNvPr id="47" name="Textfeld 46">
@@ -4563,6 +6986,7 @@
               </a:bodyPr>
               <a:lstStyle/>
               <a:p>
+                <a:pPr/>
                 <a14:m>
                   <m:oMathPara xmlns:m="http://schemas.openxmlformats.org/officeDocument/2006/math">
                     <m:oMathParaPr>
@@ -4613,7 +7037,7 @@
             </p:txBody>
           </p:sp>
         </mc:Choice>
-        <mc:Fallback>
+        <mc:Fallback xmlns="">
           <p:sp>
             <p:nvSpPr>
               <p:cNvPr id="47" name="Textfeld 46">
@@ -4658,8 +7082,8 @@
           </p:sp>
         </mc:Fallback>
       </mc:AlternateContent>
-      <mc:AlternateContent xmlns:mc="http://schemas.openxmlformats.org/markup-compatibility/2006">
-        <mc:Choice xmlns:a14="http://schemas.microsoft.com/office/drawing/2010/main" Requires="a14">
+      <mc:AlternateContent xmlns:mc="http://schemas.openxmlformats.org/markup-compatibility/2006" xmlns:a14="http://schemas.microsoft.com/office/drawing/2010/main">
+        <mc:Choice Requires="a14">
           <p:sp>
             <p:nvSpPr>
               <p:cNvPr id="48" name="Textfeld 47">
@@ -4688,6 +7112,7 @@
               </a:bodyPr>
               <a:lstStyle/>
               <a:p>
+                <a:pPr/>
                 <a14:m>
                   <m:oMathPara xmlns:m="http://schemas.openxmlformats.org/officeDocument/2006/math">
                     <m:oMathParaPr>
@@ -4750,7 +7175,7 @@
             </p:txBody>
           </p:sp>
         </mc:Choice>
-        <mc:Fallback>
+        <mc:Fallback xmlns="">
           <p:sp>
             <p:nvSpPr>
               <p:cNvPr id="48" name="Textfeld 47">
@@ -4808,7 +7233,7 @@
 </p:sld>
 </file>
 
-<file path=ppt/slides/slide2.xml><?xml version="1.0" encoding="utf-8"?>
+<file path=ppt/slides/slide3.xml><?xml version="1.0" encoding="utf-8"?>
 <p:sld xmlns:a="http://schemas.openxmlformats.org/drawingml/2006/main" xmlns:r="http://schemas.openxmlformats.org/officeDocument/2006/relationships" xmlns:p="http://schemas.openxmlformats.org/presentationml/2006/main">
   <p:cSld>
     <p:spTree>
@@ -9627,7 +12052,7 @@
 </p:sld>
 </file>
 
-<file path=ppt/slides/slide3.xml><?xml version="1.0" encoding="utf-8"?>
+<file path=ppt/slides/slide4.xml><?xml version="1.0" encoding="utf-8"?>
 <p:sld xmlns:a="http://schemas.openxmlformats.org/drawingml/2006/main" xmlns:r="http://schemas.openxmlformats.org/officeDocument/2006/relationships" xmlns:p="http://schemas.openxmlformats.org/presentationml/2006/main">
   <p:cSld>
     <p:spTree>
@@ -14015,7 +16440,7 @@
 </p:sld>
 </file>
 
-<file path=ppt/slides/slide4.xml><?xml version="1.0" encoding="utf-8"?>
+<file path=ppt/slides/slide5.xml><?xml version="1.0" encoding="utf-8"?>
 <p:sld xmlns:a="http://schemas.openxmlformats.org/drawingml/2006/main" xmlns:r="http://schemas.openxmlformats.org/officeDocument/2006/relationships" xmlns:p="http://schemas.openxmlformats.org/presentationml/2006/main">
   <p:cSld>
     <p:spTree>
@@ -18605,7 +21030,7 @@
 </p:sld>
 </file>
 
-<file path=ppt/slides/slide5.xml><?xml version="1.0" encoding="utf-8"?>
+<file path=ppt/slides/slide6.xml><?xml version="1.0" encoding="utf-8"?>
 <p:sld xmlns:a="http://schemas.openxmlformats.org/drawingml/2006/main" xmlns:r="http://schemas.openxmlformats.org/officeDocument/2006/relationships" xmlns:p="http://schemas.openxmlformats.org/presentationml/2006/main">
   <p:cSld>
     <p:spTree>

--- a/examples/UrbanTopologies.pptx
+++ b/examples/UrbanTopologies.pptx
@@ -5615,7 +5615,7 @@
             <p:spPr>
               <a:xfrm>
                 <a:off x="11430455" y="2259242"/>
-                <a:ext cx="774571" cy="461986"/>
+                <a:ext cx="774571" cy="467500"/>
               </a:xfrm>
               <a:prstGeom prst="rect">
                 <a:avLst/>
@@ -5657,7 +5657,7 @@
                               <a:rPr lang="de-DE" b="0" i="1" smtClean="0">
                                 <a:latin typeface="Cambria Math" panose="02040503050406030204" pitchFamily="18" charset="0"/>
                               </a:rPr>
-                              <m:t>93.3</m:t>
+                              <m:t>75</m:t>
                             </m:r>
                           </m:e>
                           <m:e>
@@ -5665,7 +5665,13 @@
                               <a:rPr lang="de-DE" b="0" i="1" smtClean="0">
                                 <a:latin typeface="Cambria Math" panose="02040503050406030204" pitchFamily="18" charset="0"/>
                               </a:rPr>
-                              <m:t>75</m:t>
+                              <m:t>4</m:t>
+                            </m:r>
+                            <m:r>
+                              <a:rPr lang="de-DE" i="1">
+                                <a:latin typeface="Cambria Math" panose="02040503050406030204" pitchFamily="18" charset="0"/>
+                              </a:rPr>
+                              <m:t>3.3</m:t>
                             </m:r>
                           </m:e>
                         </m:eqArr>
@@ -5696,7 +5702,7 @@
             <p:spPr>
               <a:xfrm>
                 <a:off x="11430455" y="2259242"/>
-                <a:ext cx="774571" cy="461986"/>
+                <a:ext cx="774571" cy="467500"/>
               </a:xfrm>
               <a:prstGeom prst="rect">
                 <a:avLst/>
@@ -5704,7 +5710,144 @@
               <a:blipFill>
                 <a:blip r:embed="rId16"/>
                 <a:stretch>
-                  <a:fillRect l="-18110" b="-12000"/>
+                  <a:fillRect l="-18110" b="-10526"/>
+                </a:stretch>
+              </a:blipFill>
+            </p:spPr>
+            <p:txBody>
+              <a:bodyPr/>
+              <a:lstStyle/>
+              <a:p>
+                <a:r>
+                  <a:rPr lang="de-DE">
+                    <a:noFill/>
+                  </a:rPr>
+                  <a:t> </a:t>
+                </a:r>
+              </a:p>
+            </p:txBody>
+          </p:sp>
+        </mc:Fallback>
+      </mc:AlternateContent>
+      <mc:AlternateContent xmlns:mc="http://schemas.openxmlformats.org/markup-compatibility/2006">
+        <mc:Choice xmlns:a14="http://schemas.microsoft.com/office/drawing/2010/main" Requires="a14">
+          <p:sp>
+            <p:nvSpPr>
+              <p:cNvPr id="32" name="Textfeld 31">
+                <a:extLst>
+                  <a:ext uri="{FF2B5EF4-FFF2-40B4-BE49-F238E27FC236}">
+                    <a16:creationId xmlns:a16="http://schemas.microsoft.com/office/drawing/2014/main" id="{F338E9CE-F498-EC8A-0DE5-5A7FA1DB70B4}"/>
+                  </a:ext>
+                </a:extLst>
+              </p:cNvPr>
+              <p:cNvSpPr txBox="1"/>
+              <p:nvPr/>
+            </p:nvSpPr>
+            <p:spPr>
+              <a:xfrm>
+                <a:off x="8247794" y="6028204"/>
+                <a:ext cx="774571" cy="467500"/>
+              </a:xfrm>
+              <a:prstGeom prst="rect">
+                <a:avLst/>
+              </a:prstGeom>
+              <a:noFill/>
+            </p:spPr>
+            <p:txBody>
+              <a:bodyPr wrap="none" lIns="0" tIns="0" rIns="0" bIns="0" rtlCol="0">
+                <a:spAutoFit/>
+              </a:bodyPr>
+              <a:lstStyle/>
+              <a:p>
+                <a:pPr algn="ctr"/>
+                <a:r>
+                  <a:rPr lang="de-DE" dirty="0"/>
+                  <a:t>=</a:t>
+                </a:r>
+                <a14:m>
+                  <m:oMath xmlns:m="http://schemas.openxmlformats.org/officeDocument/2006/math">
+                    <m:d>
+                      <m:dPr>
+                        <m:ctrlPr>
+                          <a:rPr lang="de-DE" i="1" smtClean="0">
+                            <a:latin typeface="Cambria Math" panose="02040503050406030204" pitchFamily="18" charset="0"/>
+                          </a:rPr>
+                        </m:ctrlPr>
+                      </m:dPr>
+                      <m:e>
+                        <m:eqArr>
+                          <m:eqArrPr>
+                            <m:ctrlPr>
+                              <a:rPr lang="de-DE" i="1" smtClean="0">
+                                <a:latin typeface="Cambria Math" panose="02040503050406030204" pitchFamily="18" charset="0"/>
+                              </a:rPr>
+                            </m:ctrlPr>
+                          </m:eqArrPr>
+                          <m:e>
+                            <m:r>
+                              <a:rPr lang="de-DE" b="0" i="1" smtClean="0">
+                                <a:latin typeface="Cambria Math" panose="02040503050406030204" pitchFamily="18" charset="0"/>
+                              </a:rPr>
+                              <m:t>50</m:t>
+                            </m:r>
+                          </m:e>
+                          <m:e>
+                            <m:r>
+                              <a:rPr lang="de-DE" b="0" i="1" smtClean="0">
+                                <a:latin typeface="Cambria Math" panose="02040503050406030204" pitchFamily="18" charset="0"/>
+                              </a:rPr>
+                              <m:t>86</m:t>
+                            </m:r>
+                            <m:r>
+                              <a:rPr lang="de-DE" i="1">
+                                <a:latin typeface="Cambria Math" panose="02040503050406030204" pitchFamily="18" charset="0"/>
+                              </a:rPr>
+                              <m:t>.</m:t>
+                            </m:r>
+                            <m:r>
+                              <a:rPr lang="de-DE" b="0" i="1" smtClean="0">
+                                <a:latin typeface="Cambria Math" panose="02040503050406030204" pitchFamily="18" charset="0"/>
+                              </a:rPr>
+                              <m:t>6</m:t>
+                            </m:r>
+                          </m:e>
+                        </m:eqArr>
+                      </m:e>
+                    </m:d>
+                  </m:oMath>
+                </a14:m>
+                <a:endParaRPr lang="de-DE" dirty="0"/>
+              </a:p>
+            </p:txBody>
+          </p:sp>
+        </mc:Choice>
+        <mc:Fallback>
+          <p:sp>
+            <p:nvSpPr>
+              <p:cNvPr id="32" name="Textfeld 31">
+                <a:extLst>
+                  <a:ext uri="{FF2B5EF4-FFF2-40B4-BE49-F238E27FC236}">
+                    <a16:creationId xmlns:a16="http://schemas.microsoft.com/office/drawing/2014/main" id="{F338E9CE-F498-EC8A-0DE5-5A7FA1DB70B4}"/>
+                  </a:ext>
+                </a:extLst>
+              </p:cNvPr>
+              <p:cNvSpPr txBox="1">
+                <a:spLocks noRot="1" noChangeAspect="1" noMove="1" noResize="1" noEditPoints="1" noAdjustHandles="1" noChangeArrowheads="1" noChangeShapeType="1" noTextEdit="1"/>
+              </p:cNvSpPr>
+              <p:nvPr/>
+            </p:nvSpPr>
+            <p:spPr>
+              <a:xfrm>
+                <a:off x="8247794" y="6028204"/>
+                <a:ext cx="774571" cy="467500"/>
+              </a:xfrm>
+              <a:prstGeom prst="rect">
+                <a:avLst/>
+              </a:prstGeom>
+              <a:blipFill>
+                <a:blip r:embed="rId17"/>
+                <a:stretch>
+                  <a:fillRect l="-18110" b="-9091"/>
                 </a:stretch>
               </a:blipFill>
             </p:spPr>

--- a/examples/UrbanTopologies.pptx
+++ b/examples/UrbanTopologies.pptx
@@ -5,12 +5,13 @@
     <p:sldMasterId id="2147483648" r:id="rId1"/>
   </p:sldMasterIdLst>
   <p:sldIdLst>
-    <p:sldId id="261" r:id="rId2"/>
-    <p:sldId id="260" r:id="rId3"/>
-    <p:sldId id="256" r:id="rId4"/>
-    <p:sldId id="259" r:id="rId5"/>
-    <p:sldId id="257" r:id="rId6"/>
-    <p:sldId id="258" r:id="rId7"/>
+    <p:sldId id="262" r:id="rId2"/>
+    <p:sldId id="261" r:id="rId3"/>
+    <p:sldId id="260" r:id="rId4"/>
+    <p:sldId id="256" r:id="rId5"/>
+    <p:sldId id="259" r:id="rId6"/>
+    <p:sldId id="257" r:id="rId7"/>
+    <p:sldId id="258" r:id="rId8"/>
   </p:sldIdLst>
   <p:sldSz cx="12192000" cy="6858000"/>
   <p:notesSz cx="6858000" cy="9144000"/>
@@ -3336,6 +3337,238 @@
           <p:cNvPr id="5" name="Grafik 4">
             <a:extLst>
               <a:ext uri="{FF2B5EF4-FFF2-40B4-BE49-F238E27FC236}">
+                <a16:creationId xmlns:a16="http://schemas.microsoft.com/office/drawing/2014/main" id="{96F0CB09-B08A-AC91-C2F1-7463C791D933}"/>
+              </a:ext>
+            </a:extLst>
+          </p:cNvPr>
+          <p:cNvPicPr>
+            <a:picLocks noChangeAspect="1"/>
+          </p:cNvPicPr>
+          <p:nvPr/>
+        </p:nvPicPr>
+        <p:blipFill>
+          <a:blip r:embed="rId2"/>
+          <a:stretch>
+            <a:fillRect/>
+          </a:stretch>
+        </p:blipFill>
+        <p:spPr>
+          <a:xfrm>
+            <a:off x="0" y="371475"/>
+            <a:ext cx="12192000" cy="6115050"/>
+          </a:xfrm>
+          <a:prstGeom prst="rect">
+            <a:avLst/>
+          </a:prstGeom>
+        </p:spPr>
+      </p:pic>
+      <p:cxnSp>
+        <p:nvCxnSpPr>
+          <p:cNvPr id="7" name="Gerader Verbinder 6">
+            <a:extLst>
+              <a:ext uri="{FF2B5EF4-FFF2-40B4-BE49-F238E27FC236}">
+                <a16:creationId xmlns:a16="http://schemas.microsoft.com/office/drawing/2014/main" id="{7AC74941-335F-5DF9-1D0C-83CD81A57E3C}"/>
+              </a:ext>
+            </a:extLst>
+          </p:cNvPr>
+          <p:cNvCxnSpPr>
+            <a:cxnSpLocks/>
+          </p:cNvCxnSpPr>
+          <p:nvPr/>
+        </p:nvCxnSpPr>
+        <p:spPr>
+          <a:xfrm>
+            <a:off x="1176867" y="355600"/>
+            <a:ext cx="3928533" cy="6798733"/>
+          </a:xfrm>
+          <a:prstGeom prst="line">
+            <a:avLst/>
+          </a:prstGeom>
+          <a:ln>
+            <a:solidFill>
+              <a:srgbClr val="FF0000"/>
+            </a:solidFill>
+          </a:ln>
+        </p:spPr>
+        <p:style>
+          <a:lnRef idx="1">
+            <a:schemeClr val="accent2"/>
+          </a:lnRef>
+          <a:fillRef idx="0">
+            <a:schemeClr val="accent2"/>
+          </a:fillRef>
+          <a:effectRef idx="0">
+            <a:schemeClr val="accent2"/>
+          </a:effectRef>
+          <a:fontRef idx="minor">
+            <a:schemeClr val="tx1"/>
+          </a:fontRef>
+        </p:style>
+      </p:cxnSp>
+      <p:cxnSp>
+        <p:nvCxnSpPr>
+          <p:cNvPr id="9" name="Gerader Verbinder 8">
+            <a:extLst>
+              <a:ext uri="{FF2B5EF4-FFF2-40B4-BE49-F238E27FC236}">
+                <a16:creationId xmlns:a16="http://schemas.microsoft.com/office/drawing/2014/main" id="{C2F8475E-F2CE-E1DB-C00A-063EC5F37CF1}"/>
+              </a:ext>
+            </a:extLst>
+          </p:cNvPr>
+          <p:cNvCxnSpPr>
+            <a:cxnSpLocks/>
+          </p:cNvCxnSpPr>
+          <p:nvPr/>
+        </p:nvCxnSpPr>
+        <p:spPr>
+          <a:xfrm flipH="1">
+            <a:off x="3014133" y="2125133"/>
+            <a:ext cx="6112934" cy="3496734"/>
+          </a:xfrm>
+          <a:prstGeom prst="line">
+            <a:avLst/>
+          </a:prstGeom>
+          <a:ln>
+            <a:solidFill>
+              <a:srgbClr val="FF0000"/>
+            </a:solidFill>
+          </a:ln>
+        </p:spPr>
+        <p:style>
+          <a:lnRef idx="1">
+            <a:schemeClr val="accent1"/>
+          </a:lnRef>
+          <a:fillRef idx="0">
+            <a:schemeClr val="accent1"/>
+          </a:fillRef>
+          <a:effectRef idx="0">
+            <a:schemeClr val="accent1"/>
+          </a:effectRef>
+          <a:fontRef idx="minor">
+            <a:schemeClr val="tx1"/>
+          </a:fontRef>
+        </p:style>
+      </p:cxnSp>
+      <p:cxnSp>
+        <p:nvCxnSpPr>
+          <p:cNvPr id="16" name="Gerader Verbinder 15">
+            <a:extLst>
+              <a:ext uri="{FF2B5EF4-FFF2-40B4-BE49-F238E27FC236}">
+                <a16:creationId xmlns:a16="http://schemas.microsoft.com/office/drawing/2014/main" id="{5DA34C1D-457F-1FFB-A2D0-AAC539F82A20}"/>
+              </a:ext>
+            </a:extLst>
+          </p:cNvPr>
+          <p:cNvCxnSpPr>
+            <a:cxnSpLocks/>
+          </p:cNvCxnSpPr>
+          <p:nvPr/>
+        </p:nvCxnSpPr>
+        <p:spPr>
+          <a:xfrm flipV="1">
+            <a:off x="541867" y="245533"/>
+            <a:ext cx="3556000" cy="6162410"/>
+          </a:xfrm>
+          <a:prstGeom prst="line">
+            <a:avLst/>
+          </a:prstGeom>
+          <a:ln>
+            <a:solidFill>
+              <a:srgbClr val="FF0000"/>
+            </a:solidFill>
+          </a:ln>
+        </p:spPr>
+        <p:style>
+          <a:lnRef idx="1">
+            <a:schemeClr val="accent2"/>
+          </a:lnRef>
+          <a:fillRef idx="0">
+            <a:schemeClr val="accent2"/>
+          </a:fillRef>
+          <a:effectRef idx="0">
+            <a:schemeClr val="accent2"/>
+          </a:effectRef>
+          <a:fontRef idx="minor">
+            <a:schemeClr val="tx1"/>
+          </a:fontRef>
+        </p:style>
+      </p:cxnSp>
+      <p:cxnSp>
+        <p:nvCxnSpPr>
+          <p:cNvPr id="20" name="Gerader Verbinder 19">
+            <a:extLst>
+              <a:ext uri="{FF2B5EF4-FFF2-40B4-BE49-F238E27FC236}">
+                <a16:creationId xmlns:a16="http://schemas.microsoft.com/office/drawing/2014/main" id="{BF2D70E9-E26A-9971-0D2F-ADCC0E8CE7CD}"/>
+              </a:ext>
+            </a:extLst>
+          </p:cNvPr>
+          <p:cNvCxnSpPr>
+            <a:cxnSpLocks/>
+          </p:cNvCxnSpPr>
+          <p:nvPr/>
+        </p:nvCxnSpPr>
+        <p:spPr>
+          <a:xfrm>
+            <a:off x="3420533" y="254000"/>
+            <a:ext cx="5842000" cy="3361267"/>
+          </a:xfrm>
+          <a:prstGeom prst="line">
+            <a:avLst/>
+          </a:prstGeom>
+          <a:ln>
+            <a:solidFill>
+              <a:srgbClr val="FF0000"/>
+            </a:solidFill>
+          </a:ln>
+        </p:spPr>
+        <p:style>
+          <a:lnRef idx="1">
+            <a:schemeClr val="accent2"/>
+          </a:lnRef>
+          <a:fillRef idx="0">
+            <a:schemeClr val="accent2"/>
+          </a:fillRef>
+          <a:effectRef idx="0">
+            <a:schemeClr val="accent2"/>
+          </a:effectRef>
+          <a:fontRef idx="minor">
+            <a:schemeClr val="tx1"/>
+          </a:fontRef>
+        </p:style>
+      </p:cxnSp>
+    </p:spTree>
+    <p:extLst>
+      <p:ext uri="{BB962C8B-B14F-4D97-AF65-F5344CB8AC3E}">
+        <p14:creationId xmlns:p14="http://schemas.microsoft.com/office/powerpoint/2010/main" val="1978020987"/>
+      </p:ext>
+    </p:extLst>
+  </p:cSld>
+  <p:clrMapOvr>
+    <a:masterClrMapping/>
+  </p:clrMapOvr>
+</p:sld>
+</file>
+
+<file path=ppt/slides/slide2.xml><?xml version="1.0" encoding="utf-8"?>
+<p:sld xmlns:a="http://schemas.openxmlformats.org/drawingml/2006/main" xmlns:r="http://schemas.openxmlformats.org/officeDocument/2006/relationships" xmlns:p="http://schemas.openxmlformats.org/presentationml/2006/main">
+  <p:cSld>
+    <p:spTree>
+      <p:nvGrpSpPr>
+        <p:cNvPr id="1" name=""/>
+        <p:cNvGrpSpPr/>
+        <p:nvPr/>
+      </p:nvGrpSpPr>
+      <p:grpSpPr>
+        <a:xfrm>
+          <a:off x="0" y="0"/>
+          <a:ext cx="0" cy="0"/>
+          <a:chOff x="0" y="0"/>
+          <a:chExt cx="0" cy="0"/>
+        </a:xfrm>
+      </p:grpSpPr>
+      <p:pic>
+        <p:nvPicPr>
+          <p:cNvPr id="5" name="Grafik 4">
+            <a:extLst>
+              <a:ext uri="{FF2B5EF4-FFF2-40B4-BE49-F238E27FC236}">
                 <a16:creationId xmlns:a16="http://schemas.microsoft.com/office/drawing/2014/main" id="{87AF1CA0-3DEA-BF75-7E14-05617B0C9716}"/>
               </a:ext>
             </a:extLst>
@@ -3417,8 +3650,8 @@
           </a:p>
         </p:txBody>
       </p:sp>
-      <mc:AlternateContent xmlns:mc="http://schemas.openxmlformats.org/markup-compatibility/2006">
-        <mc:Choice xmlns:a14="http://schemas.microsoft.com/office/drawing/2010/main" Requires="a14">
+      <mc:AlternateContent xmlns:mc="http://schemas.openxmlformats.org/markup-compatibility/2006" xmlns:a14="http://schemas.microsoft.com/office/drawing/2010/main">
+        <mc:Choice Requires="a14">
           <p:sp>
             <p:nvSpPr>
               <p:cNvPr id="8" name="Textfeld 7">
@@ -3466,7 +3699,7 @@
             </p:txBody>
           </p:sp>
         </mc:Choice>
-        <mc:Fallback>
+        <mc:Fallback xmlns="">
           <p:sp>
             <p:nvSpPr>
               <p:cNvPr id="8" name="Textfeld 7">
@@ -3615,8 +3848,8 @@
           </p:txBody>
         </p:sp>
       </p:grpSp>
-      <mc:AlternateContent xmlns:mc="http://schemas.openxmlformats.org/markup-compatibility/2006">
-        <mc:Choice xmlns:a14="http://schemas.microsoft.com/office/drawing/2010/main" Requires="a14">
+      <mc:AlternateContent xmlns:mc="http://schemas.openxmlformats.org/markup-compatibility/2006" xmlns:a14="http://schemas.microsoft.com/office/drawing/2010/main">
+        <mc:Choice Requires="a14">
           <p:sp>
             <p:nvSpPr>
               <p:cNvPr id="2" name="Textfeld 1">
@@ -3696,7 +3929,7 @@
             </p:txBody>
           </p:sp>
         </mc:Choice>
-        <mc:Fallback>
+        <mc:Fallback xmlns="">
           <p:sp>
             <p:nvSpPr>
               <p:cNvPr id="2" name="Textfeld 1">
@@ -3833,8 +4066,8 @@
           </a:p>
         </p:txBody>
       </p:sp>
-      <mc:AlternateContent xmlns:mc="http://schemas.openxmlformats.org/markup-compatibility/2006">
-        <mc:Choice xmlns:a14="http://schemas.microsoft.com/office/drawing/2010/main" Requires="a14">
+      <mc:AlternateContent xmlns:mc="http://schemas.openxmlformats.org/markup-compatibility/2006" xmlns:a14="http://schemas.microsoft.com/office/drawing/2010/main">
+        <mc:Choice Requires="a14">
           <p:sp>
             <p:nvSpPr>
               <p:cNvPr id="6" name="Textfeld 5">
@@ -3914,7 +4147,7 @@
             </p:txBody>
           </p:sp>
         </mc:Choice>
-        <mc:Fallback>
+        <mc:Fallback xmlns="">
           <p:sp>
             <p:nvSpPr>
               <p:cNvPr id="6" name="Textfeld 5">
@@ -4051,8 +4284,8 @@
           </a:p>
         </p:txBody>
       </p:sp>
-      <mc:AlternateContent xmlns:mc="http://schemas.openxmlformats.org/markup-compatibility/2006">
-        <mc:Choice xmlns:a14="http://schemas.microsoft.com/office/drawing/2010/main" Requires="a14">
+      <mc:AlternateContent xmlns:mc="http://schemas.openxmlformats.org/markup-compatibility/2006" xmlns:a14="http://schemas.microsoft.com/office/drawing/2010/main">
+        <mc:Choice Requires="a14">
           <p:sp>
             <p:nvSpPr>
               <p:cNvPr id="17" name="Textfeld 16">
@@ -4132,7 +4365,7 @@
             </p:txBody>
           </p:sp>
         </mc:Choice>
-        <mc:Fallback>
+        <mc:Fallback xmlns="">
           <p:sp>
             <p:nvSpPr>
               <p:cNvPr id="17" name="Textfeld 16">
@@ -4177,8 +4410,8 @@
           </p:sp>
         </mc:Fallback>
       </mc:AlternateContent>
-      <mc:AlternateContent xmlns:mc="http://schemas.openxmlformats.org/markup-compatibility/2006">
-        <mc:Choice xmlns:a14="http://schemas.microsoft.com/office/drawing/2010/main" Requires="a14">
+      <mc:AlternateContent xmlns:mc="http://schemas.openxmlformats.org/markup-compatibility/2006" xmlns:a14="http://schemas.microsoft.com/office/drawing/2010/main">
+        <mc:Choice Requires="a14">
           <p:sp>
             <p:nvSpPr>
               <p:cNvPr id="20" name="Textfeld 19">
@@ -4207,6 +4440,7 @@
               </a:bodyPr>
               <a:lstStyle/>
               <a:p>
+                <a:pPr/>
                 <a14:m>
                   <m:oMathPara xmlns:m="http://schemas.openxmlformats.org/officeDocument/2006/math">
                     <m:oMathParaPr>
@@ -4299,7 +4533,7 @@
             </p:txBody>
           </p:sp>
         </mc:Choice>
-        <mc:Fallback>
+        <mc:Fallback xmlns="">
           <p:sp>
             <p:nvSpPr>
               <p:cNvPr id="20" name="Textfeld 19">
@@ -4364,8 +4598,8 @@
             <a:chExt cx="1629698" cy="2611184"/>
           </a:xfrm>
         </p:grpSpPr>
-        <mc:AlternateContent xmlns:mc="http://schemas.openxmlformats.org/markup-compatibility/2006">
-          <mc:Choice xmlns:a14="http://schemas.microsoft.com/office/drawing/2010/main" Requires="a14">
+        <mc:AlternateContent xmlns:mc="http://schemas.openxmlformats.org/markup-compatibility/2006" xmlns:a14="http://schemas.microsoft.com/office/drawing/2010/main">
+          <mc:Choice Requires="a14">
             <p:sp>
               <p:nvSpPr>
                 <p:cNvPr id="16" name="Textfeld 15">
@@ -4421,7 +4655,7 @@
               </p:txBody>
             </p:sp>
           </mc:Choice>
-          <mc:Fallback>
+          <mc:Fallback xmlns="">
             <p:sp>
               <p:nvSpPr>
                 <p:cNvPr id="16" name="Textfeld 15">
@@ -4520,8 +4754,8 @@
             </a:p>
           </p:txBody>
         </p:sp>
-        <mc:AlternateContent xmlns:mc="http://schemas.openxmlformats.org/markup-compatibility/2006">
-          <mc:Choice xmlns:a14="http://schemas.microsoft.com/office/drawing/2010/main" Requires="a14">
+        <mc:AlternateContent xmlns:mc="http://schemas.openxmlformats.org/markup-compatibility/2006" xmlns:a14="http://schemas.microsoft.com/office/drawing/2010/main">
+          <mc:Choice Requires="a14">
             <p:sp>
               <p:nvSpPr>
                 <p:cNvPr id="19" name="Textfeld 18">
@@ -4569,7 +4803,7 @@
               </p:txBody>
             </p:sp>
           </mc:Choice>
-          <mc:Fallback>
+          <mc:Fallback xmlns="">
             <p:sp>
               <p:nvSpPr>
                 <p:cNvPr id="19" name="Textfeld 18">
@@ -4614,8 +4848,8 @@
             </p:sp>
           </mc:Fallback>
         </mc:AlternateContent>
-        <mc:AlternateContent xmlns:mc="http://schemas.openxmlformats.org/markup-compatibility/2006">
-          <mc:Choice xmlns:a14="http://schemas.microsoft.com/office/drawing/2010/main" Requires="a14">
+        <mc:AlternateContent xmlns:mc="http://schemas.openxmlformats.org/markup-compatibility/2006" xmlns:a14="http://schemas.microsoft.com/office/drawing/2010/main">
+          <mc:Choice Requires="a14">
             <p:sp>
               <p:nvSpPr>
                 <p:cNvPr id="21" name="Textfeld 20">
@@ -4644,6 +4878,7 @@
                 </a:bodyPr>
                 <a:lstStyle/>
                 <a:p>
+                  <a:pPr/>
                   <a14:m>
                     <m:oMathPara xmlns:m="http://schemas.openxmlformats.org/officeDocument/2006/math">
                       <m:oMathParaPr>
@@ -4664,7 +4899,7 @@
               </p:txBody>
             </p:sp>
           </mc:Choice>
-          <mc:Fallback>
+          <mc:Fallback xmlns="">
             <p:sp>
               <p:nvSpPr>
                 <p:cNvPr id="21" name="Textfeld 20">
@@ -4709,8 +4944,8 @@
             </p:sp>
           </mc:Fallback>
         </mc:AlternateContent>
-        <mc:AlternateContent xmlns:mc="http://schemas.openxmlformats.org/markup-compatibility/2006">
-          <mc:Choice xmlns:a14="http://schemas.microsoft.com/office/drawing/2010/main" Requires="a14">
+        <mc:AlternateContent xmlns:mc="http://schemas.openxmlformats.org/markup-compatibility/2006" xmlns:a14="http://schemas.microsoft.com/office/drawing/2010/main">
+          <mc:Choice Requires="a14">
             <p:sp>
               <p:nvSpPr>
                 <p:cNvPr id="22" name="Textfeld 21">
@@ -4739,6 +4974,7 @@
                 </a:bodyPr>
                 <a:lstStyle/>
                 <a:p>
+                  <a:pPr/>
                   <a14:m>
                     <m:oMathPara xmlns:m="http://schemas.openxmlformats.org/officeDocument/2006/math">
                       <m:oMathParaPr>
@@ -4759,7 +4995,7 @@
               </p:txBody>
             </p:sp>
           </mc:Choice>
-          <mc:Fallback>
+          <mc:Fallback xmlns="">
             <p:sp>
               <p:nvSpPr>
                 <p:cNvPr id="22" name="Textfeld 21">
@@ -4805,8 +5041,8 @@
           </mc:Fallback>
         </mc:AlternateContent>
       </p:grpSp>
-      <mc:AlternateContent xmlns:mc="http://schemas.openxmlformats.org/markup-compatibility/2006">
-        <mc:Choice xmlns:a14="http://schemas.microsoft.com/office/drawing/2010/main" Requires="a14">
+      <mc:AlternateContent xmlns:mc="http://schemas.openxmlformats.org/markup-compatibility/2006" xmlns:a14="http://schemas.microsoft.com/office/drawing/2010/main">
+        <mc:Choice Requires="a14">
           <p:sp>
             <p:nvSpPr>
               <p:cNvPr id="24" name="Textfeld 23">
@@ -4835,6 +5071,7 @@
               </a:bodyPr>
               <a:lstStyle/>
               <a:p>
+                <a:pPr/>
                 <a14:m>
                   <m:oMathPara xmlns:m="http://schemas.openxmlformats.org/officeDocument/2006/math">
                     <m:oMathParaPr>
@@ -4927,7 +5164,7 @@
             </p:txBody>
           </p:sp>
         </mc:Choice>
-        <mc:Fallback>
+        <mc:Fallback xmlns="">
           <p:sp>
             <p:nvSpPr>
               <p:cNvPr id="24" name="Textfeld 23">
@@ -4972,8 +5209,8 @@
           </p:sp>
         </mc:Fallback>
       </mc:AlternateContent>
-      <mc:AlternateContent xmlns:mc="http://schemas.openxmlformats.org/markup-compatibility/2006">
-        <mc:Choice xmlns:a14="http://schemas.microsoft.com/office/drawing/2010/main" Requires="a14">
+      <mc:AlternateContent xmlns:mc="http://schemas.openxmlformats.org/markup-compatibility/2006" xmlns:a14="http://schemas.microsoft.com/office/drawing/2010/main">
+        <mc:Choice Requires="a14">
           <p:sp>
             <p:nvSpPr>
               <p:cNvPr id="25" name="Textfeld 24">
@@ -5172,7 +5409,7 @@
             </p:txBody>
           </p:sp>
         </mc:Choice>
-        <mc:Fallback>
+        <mc:Fallback xmlns="">
           <p:sp>
             <p:nvSpPr>
               <p:cNvPr id="25" name="Textfeld 24">
@@ -5217,8 +5454,8 @@
           </p:sp>
         </mc:Fallback>
       </mc:AlternateContent>
-      <mc:AlternateContent xmlns:mc="http://schemas.openxmlformats.org/markup-compatibility/2006">
-        <mc:Choice xmlns:a14="http://schemas.microsoft.com/office/drawing/2010/main" Requires="a14">
+      <mc:AlternateContent xmlns:mc="http://schemas.openxmlformats.org/markup-compatibility/2006" xmlns:a14="http://schemas.microsoft.com/office/drawing/2010/main">
+        <mc:Choice Requires="a14">
           <p:sp>
             <p:nvSpPr>
               <p:cNvPr id="26" name="Textfeld 25">
@@ -5428,7 +5665,7 @@
             </p:txBody>
           </p:sp>
         </mc:Choice>
-        <mc:Fallback>
+        <mc:Fallback xmlns="">
           <p:sp>
             <p:nvSpPr>
               <p:cNvPr id="26" name="Textfeld 25">
@@ -5473,8 +5710,8 @@
           </p:sp>
         </mc:Fallback>
       </mc:AlternateContent>
-      <mc:AlternateContent xmlns:mc="http://schemas.openxmlformats.org/markup-compatibility/2006">
-        <mc:Choice xmlns:a14="http://schemas.microsoft.com/office/drawing/2010/main" Requires="a14">
+      <mc:AlternateContent xmlns:mc="http://schemas.openxmlformats.org/markup-compatibility/2006" xmlns:a14="http://schemas.microsoft.com/office/drawing/2010/main">
+        <mc:Choice Requires="a14">
           <p:sp>
             <p:nvSpPr>
               <p:cNvPr id="27" name="Textfeld 26">
@@ -5553,7 +5790,7 @@
             </p:txBody>
           </p:sp>
         </mc:Choice>
-        <mc:Fallback>
+        <mc:Fallback xmlns="">
           <p:sp>
             <p:nvSpPr>
               <p:cNvPr id="27" name="Textfeld 26">
@@ -5598,8 +5835,8 @@
           </p:sp>
         </mc:Fallback>
       </mc:AlternateContent>
-      <mc:AlternateContent xmlns:mc="http://schemas.openxmlformats.org/markup-compatibility/2006">
-        <mc:Choice xmlns:a14="http://schemas.microsoft.com/office/drawing/2010/main" Requires="a14">
+      <mc:AlternateContent xmlns:mc="http://schemas.openxmlformats.org/markup-compatibility/2006" xmlns:a14="http://schemas.microsoft.com/office/drawing/2010/main">
+        <mc:Choice Requires="a14">
           <p:sp>
             <p:nvSpPr>
               <p:cNvPr id="28" name="Textfeld 27">
@@ -5684,7 +5921,7 @@
             </p:txBody>
           </p:sp>
         </mc:Choice>
-        <mc:Fallback>
+        <mc:Fallback xmlns="">
           <p:sp>
             <p:nvSpPr>
               <p:cNvPr id="28" name="Textfeld 27">
@@ -5729,8 +5966,8 @@
           </p:sp>
         </mc:Fallback>
       </mc:AlternateContent>
-      <mc:AlternateContent xmlns:mc="http://schemas.openxmlformats.org/markup-compatibility/2006">
-        <mc:Choice xmlns:a14="http://schemas.microsoft.com/office/drawing/2010/main" Requires="a14">
+      <mc:AlternateContent xmlns:mc="http://schemas.openxmlformats.org/markup-compatibility/2006" xmlns:a14="http://schemas.microsoft.com/office/drawing/2010/main">
+        <mc:Choice Requires="a14">
           <p:sp>
             <p:nvSpPr>
               <p:cNvPr id="32" name="Textfeld 31">
@@ -5821,7 +6058,7 @@
             </p:txBody>
           </p:sp>
         </mc:Choice>
-        <mc:Fallback>
+        <mc:Fallback xmlns="">
           <p:sp>
             <p:nvSpPr>
               <p:cNvPr id="32" name="Textfeld 31">
@@ -5879,7 +6116,7 @@
 </p:sld>
 </file>
 
-<file path=ppt/slides/slide2.xml><?xml version="1.0" encoding="utf-8"?>
+<file path=ppt/slides/slide3.xml><?xml version="1.0" encoding="utf-8"?>
 <p:sld xmlns:a="http://schemas.openxmlformats.org/drawingml/2006/main" xmlns:r="http://schemas.openxmlformats.org/officeDocument/2006/relationships" xmlns:p="http://schemas.openxmlformats.org/presentationml/2006/main">
   <p:cSld>
     <p:spTree>
@@ -7376,7 +7613,7 @@
 </p:sld>
 </file>
 
-<file path=ppt/slides/slide3.xml><?xml version="1.0" encoding="utf-8"?>
+<file path=ppt/slides/slide4.xml><?xml version="1.0" encoding="utf-8"?>
 <p:sld xmlns:a="http://schemas.openxmlformats.org/drawingml/2006/main" xmlns:r="http://schemas.openxmlformats.org/officeDocument/2006/relationships" xmlns:p="http://schemas.openxmlformats.org/presentationml/2006/main">
   <p:cSld>
     <p:spTree>
@@ -12195,7 +12432,7 @@
 </p:sld>
 </file>
 
-<file path=ppt/slides/slide4.xml><?xml version="1.0" encoding="utf-8"?>
+<file path=ppt/slides/slide5.xml><?xml version="1.0" encoding="utf-8"?>
 <p:sld xmlns:a="http://schemas.openxmlformats.org/drawingml/2006/main" xmlns:r="http://schemas.openxmlformats.org/officeDocument/2006/relationships" xmlns:p="http://schemas.openxmlformats.org/presentationml/2006/main">
   <p:cSld>
     <p:spTree>
@@ -16583,7 +16820,7 @@
 </p:sld>
 </file>
 
-<file path=ppt/slides/slide5.xml><?xml version="1.0" encoding="utf-8"?>
+<file path=ppt/slides/slide6.xml><?xml version="1.0" encoding="utf-8"?>
 <p:sld xmlns:a="http://schemas.openxmlformats.org/drawingml/2006/main" xmlns:r="http://schemas.openxmlformats.org/officeDocument/2006/relationships" xmlns:p="http://schemas.openxmlformats.org/presentationml/2006/main">
   <p:cSld>
     <p:spTree>
@@ -21173,7 +21410,7 @@
 </p:sld>
 </file>
 
-<file path=ppt/slides/slide6.xml><?xml version="1.0" encoding="utf-8"?>
+<file path=ppt/slides/slide7.xml><?xml version="1.0" encoding="utf-8"?>
 <p:sld xmlns:a="http://schemas.openxmlformats.org/drawingml/2006/main" xmlns:r="http://schemas.openxmlformats.org/officeDocument/2006/relationships" xmlns:p="http://schemas.openxmlformats.org/presentationml/2006/main">
   <p:cSld>
     <p:spTree>

--- a/examples/UrbanTopologies.pptx
+++ b/examples/UrbanTopologies.pptx
@@ -3534,6 +3534,98 @@
           </a:fontRef>
         </p:style>
       </p:cxnSp>
+      <p:sp>
+        <p:nvSpPr>
+          <p:cNvPr id="2" name="Ellipse 1">
+            <a:extLst>
+              <a:ext uri="{FF2B5EF4-FFF2-40B4-BE49-F238E27FC236}">
+                <a16:creationId xmlns:a16="http://schemas.microsoft.com/office/drawing/2014/main" id="{3453D390-BEB9-3047-BB2A-4F6A2F673D86}"/>
+              </a:ext>
+            </a:extLst>
+          </p:cNvPr>
+          <p:cNvSpPr/>
+          <p:nvPr/>
+        </p:nvSpPr>
+        <p:spPr>
+          <a:xfrm>
+            <a:off x="6312877" y="1846384"/>
+            <a:ext cx="369278" cy="369278"/>
+          </a:xfrm>
+          <a:prstGeom prst="ellipse">
+            <a:avLst/>
+          </a:prstGeom>
+        </p:spPr>
+        <p:style>
+          <a:lnRef idx="2">
+            <a:schemeClr val="accent1">
+              <a:shade val="15000"/>
+            </a:schemeClr>
+          </a:lnRef>
+          <a:fillRef idx="1">
+            <a:schemeClr val="accent1"/>
+          </a:fillRef>
+          <a:effectRef idx="0">
+            <a:schemeClr val="accent1"/>
+          </a:effectRef>
+          <a:fontRef idx="minor">
+            <a:schemeClr val="lt1"/>
+          </a:fontRef>
+        </p:style>
+        <p:txBody>
+          <a:bodyPr rtlCol="0" anchor="ctr"/>
+          <a:lstStyle/>
+          <a:p>
+            <a:pPr algn="ctr"/>
+            <a:endParaRPr lang="de-DE"/>
+          </a:p>
+        </p:txBody>
+      </p:sp>
+      <p:sp>
+        <p:nvSpPr>
+          <p:cNvPr id="3" name="Ellipse 2">
+            <a:extLst>
+              <a:ext uri="{FF2B5EF4-FFF2-40B4-BE49-F238E27FC236}">
+                <a16:creationId xmlns:a16="http://schemas.microsoft.com/office/drawing/2014/main" id="{93CCBFC3-118E-7F83-1114-6DCF2238279D}"/>
+              </a:ext>
+            </a:extLst>
+          </p:cNvPr>
+          <p:cNvSpPr/>
+          <p:nvPr/>
+        </p:nvSpPr>
+        <p:spPr>
+          <a:xfrm>
+            <a:off x="6550271" y="3305907"/>
+            <a:ext cx="369278" cy="369278"/>
+          </a:xfrm>
+          <a:prstGeom prst="ellipse">
+            <a:avLst/>
+          </a:prstGeom>
+        </p:spPr>
+        <p:style>
+          <a:lnRef idx="2">
+            <a:schemeClr val="accent1">
+              <a:shade val="15000"/>
+            </a:schemeClr>
+          </a:lnRef>
+          <a:fillRef idx="1">
+            <a:schemeClr val="accent1"/>
+          </a:fillRef>
+          <a:effectRef idx="0">
+            <a:schemeClr val="accent1"/>
+          </a:effectRef>
+          <a:fontRef idx="minor">
+            <a:schemeClr val="lt1"/>
+          </a:fontRef>
+        </p:style>
+        <p:txBody>
+          <a:bodyPr rtlCol="0" anchor="ctr"/>
+          <a:lstStyle/>
+          <a:p>
+            <a:pPr algn="ctr"/>
+            <a:endParaRPr lang="de-DE"/>
+          </a:p>
+        </p:txBody>
+      </p:sp>
     </p:spTree>
     <p:extLst>
       <p:ext uri="{BB962C8B-B14F-4D97-AF65-F5344CB8AC3E}">

--- a/examples/UrbanTopologies.pptx
+++ b/examples/UrbanTopologies.pptx
@@ -5,13 +5,15 @@
     <p:sldMasterId id="2147483648" r:id="rId1"/>
   </p:sldMasterIdLst>
   <p:sldIdLst>
-    <p:sldId id="262" r:id="rId2"/>
-    <p:sldId id="261" r:id="rId3"/>
-    <p:sldId id="260" r:id="rId4"/>
-    <p:sldId id="256" r:id="rId5"/>
-    <p:sldId id="259" r:id="rId6"/>
-    <p:sldId id="257" r:id="rId7"/>
-    <p:sldId id="258" r:id="rId8"/>
+    <p:sldId id="264" r:id="rId2"/>
+    <p:sldId id="263" r:id="rId3"/>
+    <p:sldId id="262" r:id="rId4"/>
+    <p:sldId id="261" r:id="rId5"/>
+    <p:sldId id="260" r:id="rId6"/>
+    <p:sldId id="256" r:id="rId7"/>
+    <p:sldId id="259" r:id="rId8"/>
+    <p:sldId id="257" r:id="rId9"/>
+    <p:sldId id="258" r:id="rId10"/>
   </p:sldIdLst>
   <p:sldSz cx="12192000" cy="6858000"/>
   <p:notesSz cx="6858000" cy="9144000"/>
@@ -265,7 +267,7 @@
           <a:p>
             <a:fld id="{F3EB2857-2321-4C4D-8D06-77DF79DF910F}" type="datetimeFigureOut">
               <a:rPr lang="de-DE" smtClean="0"/>
-              <a:t>27.01.2025</a:t>
+              <a:t>28.01.2025</a:t>
             </a:fld>
             <a:endParaRPr lang="de-DE"/>
           </a:p>
@@ -463,7 +465,7 @@
           <a:p>
             <a:fld id="{F3EB2857-2321-4C4D-8D06-77DF79DF910F}" type="datetimeFigureOut">
               <a:rPr lang="de-DE" smtClean="0"/>
-              <a:t>27.01.2025</a:t>
+              <a:t>28.01.2025</a:t>
             </a:fld>
             <a:endParaRPr lang="de-DE"/>
           </a:p>
@@ -671,7 +673,7 @@
           <a:p>
             <a:fld id="{F3EB2857-2321-4C4D-8D06-77DF79DF910F}" type="datetimeFigureOut">
               <a:rPr lang="de-DE" smtClean="0"/>
-              <a:t>27.01.2025</a:t>
+              <a:t>28.01.2025</a:t>
             </a:fld>
             <a:endParaRPr lang="de-DE"/>
           </a:p>
@@ -869,7 +871,7 @@
           <a:p>
             <a:fld id="{F3EB2857-2321-4C4D-8D06-77DF79DF910F}" type="datetimeFigureOut">
               <a:rPr lang="de-DE" smtClean="0"/>
-              <a:t>27.01.2025</a:t>
+              <a:t>28.01.2025</a:t>
             </a:fld>
             <a:endParaRPr lang="de-DE"/>
           </a:p>
@@ -1144,7 +1146,7 @@
           <a:p>
             <a:fld id="{F3EB2857-2321-4C4D-8D06-77DF79DF910F}" type="datetimeFigureOut">
               <a:rPr lang="de-DE" smtClean="0"/>
-              <a:t>27.01.2025</a:t>
+              <a:t>28.01.2025</a:t>
             </a:fld>
             <a:endParaRPr lang="de-DE"/>
           </a:p>
@@ -1409,7 +1411,7 @@
           <a:p>
             <a:fld id="{F3EB2857-2321-4C4D-8D06-77DF79DF910F}" type="datetimeFigureOut">
               <a:rPr lang="de-DE" smtClean="0"/>
-              <a:t>27.01.2025</a:t>
+              <a:t>28.01.2025</a:t>
             </a:fld>
             <a:endParaRPr lang="de-DE"/>
           </a:p>
@@ -1821,7 +1823,7 @@
           <a:p>
             <a:fld id="{F3EB2857-2321-4C4D-8D06-77DF79DF910F}" type="datetimeFigureOut">
               <a:rPr lang="de-DE" smtClean="0"/>
-              <a:t>27.01.2025</a:t>
+              <a:t>28.01.2025</a:t>
             </a:fld>
             <a:endParaRPr lang="de-DE"/>
           </a:p>
@@ -1962,7 +1964,7 @@
           <a:p>
             <a:fld id="{F3EB2857-2321-4C4D-8D06-77DF79DF910F}" type="datetimeFigureOut">
               <a:rPr lang="de-DE" smtClean="0"/>
-              <a:t>27.01.2025</a:t>
+              <a:t>28.01.2025</a:t>
             </a:fld>
             <a:endParaRPr lang="de-DE"/>
           </a:p>
@@ -2075,7 +2077,7 @@
           <a:p>
             <a:fld id="{F3EB2857-2321-4C4D-8D06-77DF79DF910F}" type="datetimeFigureOut">
               <a:rPr lang="de-DE" smtClean="0"/>
-              <a:t>27.01.2025</a:t>
+              <a:t>28.01.2025</a:t>
             </a:fld>
             <a:endParaRPr lang="de-DE"/>
           </a:p>
@@ -2386,7 +2388,7 @@
           <a:p>
             <a:fld id="{F3EB2857-2321-4C4D-8D06-77DF79DF910F}" type="datetimeFigureOut">
               <a:rPr lang="de-DE" smtClean="0"/>
-              <a:t>27.01.2025</a:t>
+              <a:t>28.01.2025</a:t>
             </a:fld>
             <a:endParaRPr lang="de-DE"/>
           </a:p>
@@ -2674,7 +2676,7 @@
           <a:p>
             <a:fld id="{F3EB2857-2321-4C4D-8D06-77DF79DF910F}" type="datetimeFigureOut">
               <a:rPr lang="de-DE" smtClean="0"/>
-              <a:t>27.01.2025</a:t>
+              <a:t>28.01.2025</a:t>
             </a:fld>
             <a:endParaRPr lang="de-DE"/>
           </a:p>
@@ -2915,7 +2917,7 @@
           <a:p>
             <a:fld id="{F3EB2857-2321-4C4D-8D06-77DF79DF910F}" type="datetimeFigureOut">
               <a:rPr lang="de-DE" smtClean="0"/>
-              <a:t>27.01.2025</a:t>
+              <a:t>28.01.2025</a:t>
             </a:fld>
             <a:endParaRPr lang="de-DE"/>
           </a:p>
@@ -3337,6 +3339,980 @@
           <p:cNvPr id="5" name="Grafik 4">
             <a:extLst>
               <a:ext uri="{FF2B5EF4-FFF2-40B4-BE49-F238E27FC236}">
+                <a16:creationId xmlns:a16="http://schemas.microsoft.com/office/drawing/2014/main" id="{0ED11B5D-616D-3CC9-EC3B-C7BFEAE9FFBF}"/>
+              </a:ext>
+            </a:extLst>
+          </p:cNvPr>
+          <p:cNvPicPr>
+            <a:picLocks noChangeAspect="1"/>
+          </p:cNvPicPr>
+          <p:nvPr/>
+        </p:nvPicPr>
+        <p:blipFill>
+          <a:blip r:embed="rId2"/>
+          <a:srcRect l="54534"/>
+          <a:stretch/>
+        </p:blipFill>
+        <p:spPr>
+          <a:xfrm>
+            <a:off x="4030495" y="325569"/>
+            <a:ext cx="3348918" cy="6031763"/>
+          </a:xfrm>
+          <a:prstGeom prst="rect">
+            <a:avLst/>
+          </a:prstGeom>
+        </p:spPr>
+      </p:pic>
+      <p:cxnSp>
+        <p:nvCxnSpPr>
+          <p:cNvPr id="7" name="Gerader Verbinder 6">
+            <a:extLst>
+              <a:ext uri="{FF2B5EF4-FFF2-40B4-BE49-F238E27FC236}">
+                <a16:creationId xmlns:a16="http://schemas.microsoft.com/office/drawing/2014/main" id="{9CB51137-CBD1-034F-3D1C-08C60ECDABFD}"/>
+              </a:ext>
+            </a:extLst>
+          </p:cNvPr>
+          <p:cNvCxnSpPr>
+            <a:cxnSpLocks/>
+          </p:cNvCxnSpPr>
+          <p:nvPr/>
+        </p:nvCxnSpPr>
+        <p:spPr>
+          <a:xfrm flipH="1" flipV="1">
+            <a:off x="4643338" y="0"/>
+            <a:ext cx="2266544" cy="3891064"/>
+          </a:xfrm>
+          <a:prstGeom prst="line">
+            <a:avLst/>
+          </a:prstGeom>
+        </p:spPr>
+        <p:style>
+          <a:lnRef idx="1">
+            <a:schemeClr val="accent1"/>
+          </a:lnRef>
+          <a:fillRef idx="0">
+            <a:schemeClr val="accent1"/>
+          </a:fillRef>
+          <a:effectRef idx="0">
+            <a:schemeClr val="accent1"/>
+          </a:effectRef>
+          <a:fontRef idx="minor">
+            <a:schemeClr val="tx1"/>
+          </a:fontRef>
+        </p:style>
+      </p:cxnSp>
+      <p:cxnSp>
+        <p:nvCxnSpPr>
+          <p:cNvPr id="10" name="Gerader Verbinder 9">
+            <a:extLst>
+              <a:ext uri="{FF2B5EF4-FFF2-40B4-BE49-F238E27FC236}">
+                <a16:creationId xmlns:a16="http://schemas.microsoft.com/office/drawing/2014/main" id="{78ADA1E2-A5FD-6E19-DDFF-B44C2922A72D}"/>
+              </a:ext>
+            </a:extLst>
+          </p:cNvPr>
+          <p:cNvCxnSpPr>
+            <a:cxnSpLocks/>
+          </p:cNvCxnSpPr>
+          <p:nvPr/>
+        </p:nvCxnSpPr>
+        <p:spPr>
+          <a:xfrm>
+            <a:off x="1939048" y="778213"/>
+            <a:ext cx="4630366" cy="0"/>
+          </a:xfrm>
+          <a:prstGeom prst="line">
+            <a:avLst/>
+          </a:prstGeom>
+        </p:spPr>
+        <p:style>
+          <a:lnRef idx="1">
+            <a:schemeClr val="accent1"/>
+          </a:lnRef>
+          <a:fillRef idx="0">
+            <a:schemeClr val="accent1"/>
+          </a:fillRef>
+          <a:effectRef idx="0">
+            <a:schemeClr val="accent1"/>
+          </a:effectRef>
+          <a:fontRef idx="minor">
+            <a:schemeClr val="tx1"/>
+          </a:fontRef>
+        </p:style>
+      </p:cxnSp>
+      <p:pic>
+        <p:nvPicPr>
+          <p:cNvPr id="13" name="Grafik 12">
+            <a:extLst>
+              <a:ext uri="{FF2B5EF4-FFF2-40B4-BE49-F238E27FC236}">
+                <a16:creationId xmlns:a16="http://schemas.microsoft.com/office/drawing/2014/main" id="{1CFD45C3-2C79-4412-9195-365734E764FD}"/>
+              </a:ext>
+            </a:extLst>
+          </p:cNvPr>
+          <p:cNvPicPr>
+            <a:picLocks noChangeAspect="1"/>
+          </p:cNvPicPr>
+          <p:nvPr/>
+        </p:nvPicPr>
+        <p:blipFill>
+          <a:blip r:embed="rId3"/>
+          <a:srcRect l="58538"/>
+          <a:stretch/>
+        </p:blipFill>
+        <p:spPr>
+          <a:xfrm>
+            <a:off x="398837" y="247748"/>
+            <a:ext cx="3129062" cy="6155638"/>
+          </a:xfrm>
+          <a:prstGeom prst="rect">
+            <a:avLst/>
+          </a:prstGeom>
+        </p:spPr>
+      </p:pic>
+      <p:cxnSp>
+        <p:nvCxnSpPr>
+          <p:cNvPr id="14" name="Gerader Verbinder 13">
+            <a:extLst>
+              <a:ext uri="{FF2B5EF4-FFF2-40B4-BE49-F238E27FC236}">
+                <a16:creationId xmlns:a16="http://schemas.microsoft.com/office/drawing/2014/main" id="{A2059AAC-3286-4896-B804-B88EF0998B37}"/>
+              </a:ext>
+            </a:extLst>
+          </p:cNvPr>
+          <p:cNvCxnSpPr>
+            <a:cxnSpLocks/>
+          </p:cNvCxnSpPr>
+          <p:nvPr/>
+        </p:nvCxnSpPr>
+        <p:spPr>
+          <a:xfrm flipH="1" flipV="1">
+            <a:off x="901433" y="0"/>
+            <a:ext cx="2266544" cy="3891064"/>
+          </a:xfrm>
+          <a:prstGeom prst="line">
+            <a:avLst/>
+          </a:prstGeom>
+        </p:spPr>
+        <p:style>
+          <a:lnRef idx="1">
+            <a:schemeClr val="accent1"/>
+          </a:lnRef>
+          <a:fillRef idx="0">
+            <a:schemeClr val="accent1"/>
+          </a:fillRef>
+          <a:effectRef idx="0">
+            <a:schemeClr val="accent1"/>
+          </a:effectRef>
+          <a:fontRef idx="minor">
+            <a:schemeClr val="tx1"/>
+          </a:fontRef>
+        </p:style>
+      </p:cxnSp>
+      <p:cxnSp>
+        <p:nvCxnSpPr>
+          <p:cNvPr id="15" name="Gerader Verbinder 14">
+            <a:extLst>
+              <a:ext uri="{FF2B5EF4-FFF2-40B4-BE49-F238E27FC236}">
+                <a16:creationId xmlns:a16="http://schemas.microsoft.com/office/drawing/2014/main" id="{6B29684E-992E-258F-F56B-5C08775B0F88}"/>
+              </a:ext>
+            </a:extLst>
+          </p:cNvPr>
+          <p:cNvCxnSpPr>
+            <a:cxnSpLocks/>
+          </p:cNvCxnSpPr>
+          <p:nvPr/>
+        </p:nvCxnSpPr>
+        <p:spPr>
+          <a:xfrm>
+            <a:off x="-1802857" y="778213"/>
+            <a:ext cx="4630366" cy="0"/>
+          </a:xfrm>
+          <a:prstGeom prst="line">
+            <a:avLst/>
+          </a:prstGeom>
+        </p:spPr>
+        <p:style>
+          <a:lnRef idx="1">
+            <a:schemeClr val="accent1"/>
+          </a:lnRef>
+          <a:fillRef idx="0">
+            <a:schemeClr val="accent1"/>
+          </a:fillRef>
+          <a:effectRef idx="0">
+            <a:schemeClr val="accent1"/>
+          </a:effectRef>
+          <a:fontRef idx="minor">
+            <a:schemeClr val="tx1"/>
+          </a:fontRef>
+        </p:style>
+      </p:cxnSp>
+      <p:pic>
+        <p:nvPicPr>
+          <p:cNvPr id="17" name="Grafik 16">
+            <a:extLst>
+              <a:ext uri="{FF2B5EF4-FFF2-40B4-BE49-F238E27FC236}">
+                <a16:creationId xmlns:a16="http://schemas.microsoft.com/office/drawing/2014/main" id="{E59068C7-C91A-5F66-19E8-D915BE9917B2}"/>
+              </a:ext>
+            </a:extLst>
+          </p:cNvPr>
+          <p:cNvPicPr>
+            <a:picLocks noChangeAspect="1"/>
+          </p:cNvPicPr>
+          <p:nvPr/>
+        </p:nvPicPr>
+        <p:blipFill>
+          <a:blip r:embed="rId4"/>
+          <a:srcRect l="43057"/>
+          <a:stretch/>
+        </p:blipFill>
+        <p:spPr>
+          <a:xfrm>
+            <a:off x="7782128" y="325569"/>
+            <a:ext cx="4254006" cy="6012705"/>
+          </a:xfrm>
+          <a:prstGeom prst="rect">
+            <a:avLst/>
+          </a:prstGeom>
+        </p:spPr>
+      </p:pic>
+      <p:cxnSp>
+        <p:nvCxnSpPr>
+          <p:cNvPr id="18" name="Gerader Verbinder 17">
+            <a:extLst>
+              <a:ext uri="{FF2B5EF4-FFF2-40B4-BE49-F238E27FC236}">
+                <a16:creationId xmlns:a16="http://schemas.microsoft.com/office/drawing/2014/main" id="{BF28690B-2B54-FE96-075C-848EAFA0F282}"/>
+              </a:ext>
+            </a:extLst>
+          </p:cNvPr>
+          <p:cNvCxnSpPr>
+            <a:cxnSpLocks/>
+          </p:cNvCxnSpPr>
+          <p:nvPr/>
+        </p:nvCxnSpPr>
+        <p:spPr>
+          <a:xfrm flipH="1" flipV="1">
+            <a:off x="9516895" y="0"/>
+            <a:ext cx="2266544" cy="3891064"/>
+          </a:xfrm>
+          <a:prstGeom prst="line">
+            <a:avLst/>
+          </a:prstGeom>
+        </p:spPr>
+        <p:style>
+          <a:lnRef idx="1">
+            <a:schemeClr val="accent1"/>
+          </a:lnRef>
+          <a:fillRef idx="0">
+            <a:schemeClr val="accent1"/>
+          </a:fillRef>
+          <a:effectRef idx="0">
+            <a:schemeClr val="accent1"/>
+          </a:effectRef>
+          <a:fontRef idx="minor">
+            <a:schemeClr val="tx1"/>
+          </a:fontRef>
+        </p:style>
+      </p:cxnSp>
+      <p:cxnSp>
+        <p:nvCxnSpPr>
+          <p:cNvPr id="19" name="Gerader Verbinder 18">
+            <a:extLst>
+              <a:ext uri="{FF2B5EF4-FFF2-40B4-BE49-F238E27FC236}">
+                <a16:creationId xmlns:a16="http://schemas.microsoft.com/office/drawing/2014/main" id="{3F0D123C-8560-BEE2-218F-94B00F11FDD0}"/>
+              </a:ext>
+            </a:extLst>
+          </p:cNvPr>
+          <p:cNvCxnSpPr>
+            <a:cxnSpLocks/>
+          </p:cNvCxnSpPr>
+          <p:nvPr/>
+        </p:nvCxnSpPr>
+        <p:spPr>
+          <a:xfrm>
+            <a:off x="6812605" y="778213"/>
+            <a:ext cx="4630366" cy="0"/>
+          </a:xfrm>
+          <a:prstGeom prst="line">
+            <a:avLst/>
+          </a:prstGeom>
+        </p:spPr>
+        <p:style>
+          <a:lnRef idx="1">
+            <a:schemeClr val="accent1"/>
+          </a:lnRef>
+          <a:fillRef idx="0">
+            <a:schemeClr val="accent1"/>
+          </a:fillRef>
+          <a:effectRef idx="0">
+            <a:schemeClr val="accent1"/>
+          </a:effectRef>
+          <a:fontRef idx="minor">
+            <a:schemeClr val="tx1"/>
+          </a:fontRef>
+        </p:style>
+      </p:cxnSp>
+      <p:sp>
+        <p:nvSpPr>
+          <p:cNvPr id="20" name="Textfeld 19">
+            <a:extLst>
+              <a:ext uri="{FF2B5EF4-FFF2-40B4-BE49-F238E27FC236}">
+                <a16:creationId xmlns:a16="http://schemas.microsoft.com/office/drawing/2014/main" id="{6602866F-D8CE-91C9-2E00-DF09ADBF9B2F}"/>
+              </a:ext>
+            </a:extLst>
+          </p:cNvPr>
+          <p:cNvSpPr txBox="1"/>
+          <p:nvPr/>
+        </p:nvSpPr>
+        <p:spPr>
+          <a:xfrm>
+            <a:off x="700391" y="2772383"/>
+            <a:ext cx="742511" cy="369332"/>
+          </a:xfrm>
+          <a:prstGeom prst="rect">
+            <a:avLst/>
+          </a:prstGeom>
+          <a:noFill/>
+        </p:spPr>
+        <p:txBody>
+          <a:bodyPr wrap="none" rtlCol="0">
+            <a:spAutoFit/>
+          </a:bodyPr>
+          <a:lstStyle/>
+          <a:p>
+            <a:r>
+              <a:rPr lang="de-DE" dirty="0">
+                <a:solidFill>
+                  <a:srgbClr val="FF0000"/>
+                </a:solidFill>
+              </a:rPr>
+              <a:t>10/10</a:t>
+            </a:r>
+          </a:p>
+        </p:txBody>
+      </p:sp>
+      <p:sp>
+        <p:nvSpPr>
+          <p:cNvPr id="21" name="Textfeld 20">
+            <a:extLst>
+              <a:ext uri="{FF2B5EF4-FFF2-40B4-BE49-F238E27FC236}">
+                <a16:creationId xmlns:a16="http://schemas.microsoft.com/office/drawing/2014/main" id="{6766F5E4-B6DE-CB03-5C72-9772B3684BBE}"/>
+              </a:ext>
+            </a:extLst>
+          </p:cNvPr>
+          <p:cNvSpPr txBox="1"/>
+          <p:nvPr/>
+        </p:nvSpPr>
+        <p:spPr>
+          <a:xfrm>
+            <a:off x="4520155" y="2772383"/>
+            <a:ext cx="800219" cy="369332"/>
+          </a:xfrm>
+          <a:prstGeom prst="rect">
+            <a:avLst/>
+          </a:prstGeom>
+          <a:noFill/>
+        </p:spPr>
+        <p:txBody>
+          <a:bodyPr wrap="none" rtlCol="0">
+            <a:spAutoFit/>
+          </a:bodyPr>
+          <a:lstStyle/>
+          <a:p>
+            <a:r>
+              <a:rPr lang="de-DE" dirty="0">
+                <a:solidFill>
+                  <a:srgbClr val="FF0000"/>
+                </a:solidFill>
+              </a:rPr>
+              <a:t>10/7.5</a:t>
+            </a:r>
+          </a:p>
+        </p:txBody>
+      </p:sp>
+      <p:sp>
+        <p:nvSpPr>
+          <p:cNvPr id="22" name="Textfeld 21">
+            <a:extLst>
+              <a:ext uri="{FF2B5EF4-FFF2-40B4-BE49-F238E27FC236}">
+                <a16:creationId xmlns:a16="http://schemas.microsoft.com/office/drawing/2014/main" id="{D6FE315A-6BED-5094-0A0A-6CC9B3DFCCFB}"/>
+              </a:ext>
+            </a:extLst>
+          </p:cNvPr>
+          <p:cNvSpPr txBox="1"/>
+          <p:nvPr/>
+        </p:nvSpPr>
+        <p:spPr>
+          <a:xfrm>
+            <a:off x="8026312" y="2772383"/>
+            <a:ext cx="625492" cy="369332"/>
+          </a:xfrm>
+          <a:prstGeom prst="rect">
+            <a:avLst/>
+          </a:prstGeom>
+          <a:noFill/>
+        </p:spPr>
+        <p:txBody>
+          <a:bodyPr wrap="none" rtlCol="0">
+            <a:spAutoFit/>
+          </a:bodyPr>
+          <a:lstStyle/>
+          <a:p>
+            <a:r>
+              <a:rPr lang="de-DE" dirty="0">
+                <a:solidFill>
+                  <a:srgbClr val="FF0000"/>
+                </a:solidFill>
+              </a:rPr>
+              <a:t>10/5</a:t>
+            </a:r>
+          </a:p>
+        </p:txBody>
+      </p:sp>
+    </p:spTree>
+    <p:extLst>
+      <p:ext uri="{BB962C8B-B14F-4D97-AF65-F5344CB8AC3E}">
+        <p14:creationId xmlns:p14="http://schemas.microsoft.com/office/powerpoint/2010/main" val="2381410804"/>
+      </p:ext>
+    </p:extLst>
+  </p:cSld>
+  <p:clrMapOvr>
+    <a:masterClrMapping/>
+  </p:clrMapOvr>
+</p:sld>
+</file>
+
+<file path=ppt/slides/slide2.xml><?xml version="1.0" encoding="utf-8"?>
+<p:sld xmlns:a="http://schemas.openxmlformats.org/drawingml/2006/main" xmlns:r="http://schemas.openxmlformats.org/officeDocument/2006/relationships" xmlns:p="http://schemas.openxmlformats.org/presentationml/2006/main">
+  <p:cSld>
+    <p:spTree>
+      <p:nvGrpSpPr>
+        <p:cNvPr id="1" name=""/>
+        <p:cNvGrpSpPr/>
+        <p:nvPr/>
+      </p:nvGrpSpPr>
+      <p:grpSpPr>
+        <a:xfrm>
+          <a:off x="0" y="0"/>
+          <a:ext cx="0" cy="0"/>
+          <a:chOff x="0" y="0"/>
+          <a:chExt cx="0" cy="0"/>
+        </a:xfrm>
+      </p:grpSpPr>
+      <p:pic>
+        <p:nvPicPr>
+          <p:cNvPr id="15" name="Grafik 14">
+            <a:extLst>
+              <a:ext uri="{FF2B5EF4-FFF2-40B4-BE49-F238E27FC236}">
+                <a16:creationId xmlns:a16="http://schemas.microsoft.com/office/drawing/2014/main" id="{585FE4F4-1AF1-A74E-8F2C-D592B442EB19}"/>
+              </a:ext>
+            </a:extLst>
+          </p:cNvPr>
+          <p:cNvPicPr>
+            <a:picLocks noChangeAspect="1"/>
+          </p:cNvPicPr>
+          <p:nvPr/>
+        </p:nvPicPr>
+        <p:blipFill>
+          <a:blip r:embed="rId2"/>
+          <a:srcRect l="41830" t="27435" r="4024" b="30121"/>
+          <a:stretch/>
+        </p:blipFill>
+        <p:spPr>
+          <a:xfrm>
+            <a:off x="4738687" y="3333750"/>
+            <a:ext cx="2714626" cy="752473"/>
+          </a:xfrm>
+          <a:prstGeom prst="rect">
+            <a:avLst/>
+          </a:prstGeom>
+        </p:spPr>
+      </p:pic>
+      <p:pic>
+        <p:nvPicPr>
+          <p:cNvPr id="5" name="Grafik 4">
+            <a:extLst>
+              <a:ext uri="{FF2B5EF4-FFF2-40B4-BE49-F238E27FC236}">
+                <a16:creationId xmlns:a16="http://schemas.microsoft.com/office/drawing/2014/main" id="{0DA6F576-00C5-D6E1-8965-C90871BA7266}"/>
+              </a:ext>
+            </a:extLst>
+          </p:cNvPr>
+          <p:cNvPicPr>
+            <a:picLocks noChangeAspect="1"/>
+          </p:cNvPicPr>
+          <p:nvPr/>
+        </p:nvPicPr>
+        <p:blipFill>
+          <a:blip r:embed="rId2"/>
+          <a:srcRect l="6493" t="48120" r="52660" b="9166"/>
+          <a:stretch/>
+        </p:blipFill>
+        <p:spPr>
+          <a:xfrm>
+            <a:off x="4738686" y="2581036"/>
+            <a:ext cx="2047876" cy="757237"/>
+          </a:xfrm>
+          <a:prstGeom prst="rect">
+            <a:avLst/>
+          </a:prstGeom>
+        </p:spPr>
+      </p:pic>
+      <p:cxnSp>
+        <p:nvCxnSpPr>
+          <p:cNvPr id="7" name="Gerader Verbinder 6">
+            <a:extLst>
+              <a:ext uri="{FF2B5EF4-FFF2-40B4-BE49-F238E27FC236}">
+                <a16:creationId xmlns:a16="http://schemas.microsoft.com/office/drawing/2014/main" id="{5BE0849D-8426-607A-B9B0-572129086F6D}"/>
+              </a:ext>
+            </a:extLst>
+          </p:cNvPr>
+          <p:cNvCxnSpPr>
+            <a:cxnSpLocks/>
+          </p:cNvCxnSpPr>
+          <p:nvPr/>
+        </p:nvCxnSpPr>
+        <p:spPr>
+          <a:xfrm>
+            <a:off x="4738688" y="3331370"/>
+            <a:ext cx="0" cy="759619"/>
+          </a:xfrm>
+          <a:prstGeom prst="line">
+            <a:avLst/>
+          </a:prstGeom>
+          <a:ln w="28575"/>
+        </p:spPr>
+        <p:style>
+          <a:lnRef idx="2">
+            <a:schemeClr val="accent1"/>
+          </a:lnRef>
+          <a:fillRef idx="0">
+            <a:schemeClr val="accent1"/>
+          </a:fillRef>
+          <a:effectRef idx="1">
+            <a:schemeClr val="accent1"/>
+          </a:effectRef>
+          <a:fontRef idx="minor">
+            <a:schemeClr val="tx1"/>
+          </a:fontRef>
+        </p:style>
+      </p:cxnSp>
+      <p:cxnSp>
+        <p:nvCxnSpPr>
+          <p:cNvPr id="12" name="Gerader Verbinder 11">
+            <a:extLst>
+              <a:ext uri="{FF2B5EF4-FFF2-40B4-BE49-F238E27FC236}">
+                <a16:creationId xmlns:a16="http://schemas.microsoft.com/office/drawing/2014/main" id="{0A191308-1CEA-B274-E991-12D25A64FC6C}"/>
+              </a:ext>
+            </a:extLst>
+          </p:cNvPr>
+          <p:cNvCxnSpPr>
+            <a:cxnSpLocks/>
+          </p:cNvCxnSpPr>
+          <p:nvPr/>
+        </p:nvCxnSpPr>
+        <p:spPr>
+          <a:xfrm>
+            <a:off x="4738688" y="3339863"/>
+            <a:ext cx="2047875" cy="0"/>
+          </a:xfrm>
+          <a:prstGeom prst="line">
+            <a:avLst/>
+          </a:prstGeom>
+          <a:ln w="28575">
+            <a:solidFill>
+              <a:srgbClr val="C00000"/>
+            </a:solidFill>
+          </a:ln>
+        </p:spPr>
+        <p:style>
+          <a:lnRef idx="2">
+            <a:schemeClr val="accent1"/>
+          </a:lnRef>
+          <a:fillRef idx="0">
+            <a:schemeClr val="accent1"/>
+          </a:fillRef>
+          <a:effectRef idx="1">
+            <a:schemeClr val="accent1"/>
+          </a:effectRef>
+          <a:fontRef idx="minor">
+            <a:schemeClr val="tx1"/>
+          </a:fontRef>
+        </p:style>
+      </p:cxnSp>
+      <p:cxnSp>
+        <p:nvCxnSpPr>
+          <p:cNvPr id="14" name="Gerader Verbinder 13">
+            <a:extLst>
+              <a:ext uri="{FF2B5EF4-FFF2-40B4-BE49-F238E27FC236}">
+                <a16:creationId xmlns:a16="http://schemas.microsoft.com/office/drawing/2014/main" id="{6D852304-45E0-B660-1225-8637C882656D}"/>
+              </a:ext>
+            </a:extLst>
+          </p:cNvPr>
+          <p:cNvCxnSpPr>
+            <a:cxnSpLocks/>
+          </p:cNvCxnSpPr>
+          <p:nvPr/>
+        </p:nvCxnSpPr>
+        <p:spPr>
+          <a:xfrm>
+            <a:off x="4738687" y="4135438"/>
+            <a:ext cx="2732400" cy="0"/>
+          </a:xfrm>
+          <a:prstGeom prst="line">
+            <a:avLst/>
+          </a:prstGeom>
+          <a:ln w="28575"/>
+        </p:spPr>
+        <p:style>
+          <a:lnRef idx="2">
+            <a:schemeClr val="accent1"/>
+          </a:lnRef>
+          <a:fillRef idx="0">
+            <a:schemeClr val="accent1"/>
+          </a:fillRef>
+          <a:effectRef idx="1">
+            <a:schemeClr val="accent1"/>
+          </a:effectRef>
+          <a:fontRef idx="minor">
+            <a:schemeClr val="tx1"/>
+          </a:fontRef>
+        </p:style>
+      </p:cxnSp>
+      <p:sp>
+        <p:nvSpPr>
+          <p:cNvPr id="2" name="Textfeld 1">
+            <a:extLst>
+              <a:ext uri="{FF2B5EF4-FFF2-40B4-BE49-F238E27FC236}">
+                <a16:creationId xmlns:a16="http://schemas.microsoft.com/office/drawing/2014/main" id="{7BD4530C-21F6-E16C-57BD-88CEF7C25B8B}"/>
+              </a:ext>
+            </a:extLst>
+          </p:cNvPr>
+          <p:cNvSpPr txBox="1"/>
+          <p:nvPr/>
+        </p:nvSpPr>
+        <p:spPr>
+          <a:xfrm>
+            <a:off x="5508389" y="2993549"/>
+            <a:ext cx="508473" cy="369332"/>
+          </a:xfrm>
+          <a:prstGeom prst="rect">
+            <a:avLst/>
+          </a:prstGeom>
+          <a:noFill/>
+        </p:spPr>
+        <p:txBody>
+          <a:bodyPr wrap="none" rtlCol="0">
+            <a:spAutoFit/>
+          </a:bodyPr>
+          <a:lstStyle/>
+          <a:p>
+            <a:r>
+              <a:rPr lang="de-DE" dirty="0">
+                <a:solidFill>
+                  <a:srgbClr val="C00000"/>
+                </a:solidFill>
+              </a:rPr>
+              <a:t>3/3</a:t>
+            </a:r>
+          </a:p>
+        </p:txBody>
+      </p:sp>
+      <p:sp>
+        <p:nvSpPr>
+          <p:cNvPr id="3" name="Textfeld 2">
+            <a:extLst>
+              <a:ext uri="{FF2B5EF4-FFF2-40B4-BE49-F238E27FC236}">
+                <a16:creationId xmlns:a16="http://schemas.microsoft.com/office/drawing/2014/main" id="{1D7D42B0-E410-69F1-DFBA-444A48FB69FF}"/>
+              </a:ext>
+            </a:extLst>
+          </p:cNvPr>
+          <p:cNvSpPr txBox="1"/>
+          <p:nvPr/>
+        </p:nvSpPr>
+        <p:spPr>
+          <a:xfrm>
+            <a:off x="5850650" y="4155359"/>
+            <a:ext cx="508473" cy="369332"/>
+          </a:xfrm>
+          <a:prstGeom prst="rect">
+            <a:avLst/>
+          </a:prstGeom>
+          <a:noFill/>
+        </p:spPr>
+        <p:txBody>
+          <a:bodyPr wrap="none" rtlCol="0">
+            <a:spAutoFit/>
+          </a:bodyPr>
+          <a:lstStyle/>
+          <a:p>
+            <a:r>
+              <a:rPr lang="de-DE" dirty="0">
+                <a:solidFill>
+                  <a:srgbClr val="0070C0"/>
+                </a:solidFill>
+              </a:rPr>
+              <a:t>4/3</a:t>
+            </a:r>
+          </a:p>
+        </p:txBody>
+      </p:sp>
+      <p:cxnSp>
+        <p:nvCxnSpPr>
+          <p:cNvPr id="4" name="Gerader Verbinder 3">
+            <a:extLst>
+              <a:ext uri="{FF2B5EF4-FFF2-40B4-BE49-F238E27FC236}">
+                <a16:creationId xmlns:a16="http://schemas.microsoft.com/office/drawing/2014/main" id="{5238D835-9C80-41EE-12B3-6D2D888DC572}"/>
+              </a:ext>
+            </a:extLst>
+          </p:cNvPr>
+          <p:cNvCxnSpPr>
+            <a:cxnSpLocks/>
+          </p:cNvCxnSpPr>
+          <p:nvPr/>
+        </p:nvCxnSpPr>
+        <p:spPr>
+          <a:xfrm>
+            <a:off x="4738686" y="2574131"/>
+            <a:ext cx="0" cy="759619"/>
+          </a:xfrm>
+          <a:prstGeom prst="line">
+            <a:avLst/>
+          </a:prstGeom>
+          <a:ln w="28575">
+            <a:solidFill>
+              <a:srgbClr val="C00000"/>
+            </a:solidFill>
+          </a:ln>
+        </p:spPr>
+        <p:style>
+          <a:lnRef idx="2">
+            <a:schemeClr val="accent1"/>
+          </a:lnRef>
+          <a:fillRef idx="0">
+            <a:schemeClr val="accent1"/>
+          </a:fillRef>
+          <a:effectRef idx="1">
+            <a:schemeClr val="accent1"/>
+          </a:effectRef>
+          <a:fontRef idx="minor">
+            <a:schemeClr val="tx1"/>
+          </a:fontRef>
+        </p:style>
+      </p:cxnSp>
+      <p:sp>
+        <p:nvSpPr>
+          <p:cNvPr id="6" name="Textfeld 5">
+            <a:extLst>
+              <a:ext uri="{FF2B5EF4-FFF2-40B4-BE49-F238E27FC236}">
+                <a16:creationId xmlns:a16="http://schemas.microsoft.com/office/drawing/2014/main" id="{B2C690E5-BD88-90E8-7733-E1103B17B661}"/>
+              </a:ext>
+            </a:extLst>
+          </p:cNvPr>
+          <p:cNvSpPr txBox="1"/>
+          <p:nvPr/>
+        </p:nvSpPr>
+        <p:spPr>
+          <a:xfrm>
+            <a:off x="4099599" y="2773920"/>
+            <a:ext cx="508473" cy="369332"/>
+          </a:xfrm>
+          <a:prstGeom prst="rect">
+            <a:avLst/>
+          </a:prstGeom>
+          <a:noFill/>
+        </p:spPr>
+        <p:txBody>
+          <a:bodyPr wrap="none" rtlCol="0">
+            <a:spAutoFit/>
+          </a:bodyPr>
+          <a:lstStyle/>
+          <a:p>
+            <a:r>
+              <a:rPr lang="de-DE" dirty="0">
+                <a:solidFill>
+                  <a:srgbClr val="C00000"/>
+                </a:solidFill>
+              </a:rPr>
+              <a:t>1/1</a:t>
+            </a:r>
+          </a:p>
+        </p:txBody>
+      </p:sp>
+      <p:sp>
+        <p:nvSpPr>
+          <p:cNvPr id="8" name="Textfeld 7">
+            <a:extLst>
+              <a:ext uri="{FF2B5EF4-FFF2-40B4-BE49-F238E27FC236}">
+                <a16:creationId xmlns:a16="http://schemas.microsoft.com/office/drawing/2014/main" id="{99405F13-2801-84D6-339F-1860CA52B329}"/>
+              </a:ext>
+            </a:extLst>
+          </p:cNvPr>
+          <p:cNvSpPr txBox="1"/>
+          <p:nvPr/>
+        </p:nvSpPr>
+        <p:spPr>
+          <a:xfrm>
+            <a:off x="4099599" y="3525320"/>
+            <a:ext cx="508473" cy="369332"/>
+          </a:xfrm>
+          <a:prstGeom prst="rect">
+            <a:avLst/>
+          </a:prstGeom>
+          <a:noFill/>
+        </p:spPr>
+        <p:txBody>
+          <a:bodyPr wrap="none" rtlCol="0">
+            <a:spAutoFit/>
+          </a:bodyPr>
+          <a:lstStyle/>
+          <a:p>
+            <a:r>
+              <a:rPr lang="de-DE" dirty="0">
+                <a:solidFill>
+                  <a:srgbClr val="0070C0"/>
+                </a:solidFill>
+              </a:rPr>
+              <a:t>1/1</a:t>
+            </a:r>
+          </a:p>
+        </p:txBody>
+      </p:sp>
+      <p:sp>
+        <p:nvSpPr>
+          <p:cNvPr id="9" name="Textfeld 8">
+            <a:extLst>
+              <a:ext uri="{FF2B5EF4-FFF2-40B4-BE49-F238E27FC236}">
+                <a16:creationId xmlns:a16="http://schemas.microsoft.com/office/drawing/2014/main" id="{E89F458B-2A81-CD89-60A0-CC133E12DD31}"/>
+              </a:ext>
+            </a:extLst>
+          </p:cNvPr>
+          <p:cNvSpPr txBox="1"/>
+          <p:nvPr/>
+        </p:nvSpPr>
+        <p:spPr>
+          <a:xfrm>
+            <a:off x="7889637" y="2773920"/>
+            <a:ext cx="845103" cy="369332"/>
+          </a:xfrm>
+          <a:prstGeom prst="rect">
+            <a:avLst/>
+          </a:prstGeom>
+          <a:noFill/>
+        </p:spPr>
+        <p:txBody>
+          <a:bodyPr wrap="none" rtlCol="0">
+            <a:spAutoFit/>
+          </a:bodyPr>
+          <a:lstStyle/>
+          <a:p>
+            <a:r>
+              <a:rPr lang="de-DE" dirty="0">
+                <a:solidFill>
+                  <a:srgbClr val="C00000"/>
+                </a:solidFill>
+              </a:rPr>
+              <a:t>4 </a:t>
+            </a:r>
+            <a:r>
+              <a:rPr lang="de-DE" dirty="0" err="1">
+                <a:solidFill>
+                  <a:srgbClr val="C00000"/>
+                </a:solidFill>
+              </a:rPr>
+              <a:t>lanes</a:t>
+            </a:r>
+            <a:endParaRPr lang="de-DE" dirty="0">
+              <a:solidFill>
+                <a:srgbClr val="C00000"/>
+              </a:solidFill>
+            </a:endParaRPr>
+          </a:p>
+        </p:txBody>
+      </p:sp>
+      <p:sp>
+        <p:nvSpPr>
+          <p:cNvPr id="10" name="Textfeld 9">
+            <a:extLst>
+              <a:ext uri="{FF2B5EF4-FFF2-40B4-BE49-F238E27FC236}">
+                <a16:creationId xmlns:a16="http://schemas.microsoft.com/office/drawing/2014/main" id="{B7F8A71D-0F52-95B8-2F77-F2F4AEFBE55A}"/>
+              </a:ext>
+            </a:extLst>
+          </p:cNvPr>
+          <p:cNvSpPr txBox="1"/>
+          <p:nvPr/>
+        </p:nvSpPr>
+        <p:spPr>
+          <a:xfrm>
+            <a:off x="7889637" y="3525320"/>
+            <a:ext cx="845103" cy="369332"/>
+          </a:xfrm>
+          <a:prstGeom prst="rect">
+            <a:avLst/>
+          </a:prstGeom>
+          <a:noFill/>
+        </p:spPr>
+        <p:txBody>
+          <a:bodyPr wrap="none" rtlCol="0">
+            <a:spAutoFit/>
+          </a:bodyPr>
+          <a:lstStyle/>
+          <a:p>
+            <a:r>
+              <a:rPr lang="de-DE" dirty="0">
+                <a:solidFill>
+                  <a:srgbClr val="0070C0"/>
+                </a:solidFill>
+              </a:rPr>
+              <a:t>3 </a:t>
+            </a:r>
+            <a:r>
+              <a:rPr lang="de-DE" dirty="0" err="1">
+                <a:solidFill>
+                  <a:srgbClr val="0070C0"/>
+                </a:solidFill>
+              </a:rPr>
+              <a:t>lanes</a:t>
+            </a:r>
+            <a:endParaRPr lang="de-DE" dirty="0">
+              <a:solidFill>
+                <a:srgbClr val="0070C0"/>
+              </a:solidFill>
+            </a:endParaRPr>
+          </a:p>
+        </p:txBody>
+      </p:sp>
+    </p:spTree>
+    <p:extLst>
+      <p:ext uri="{BB962C8B-B14F-4D97-AF65-F5344CB8AC3E}">
+        <p14:creationId xmlns:p14="http://schemas.microsoft.com/office/powerpoint/2010/main" val="695042863"/>
+      </p:ext>
+    </p:extLst>
+  </p:cSld>
+  <p:clrMapOvr>
+    <a:masterClrMapping/>
+  </p:clrMapOvr>
+</p:sld>
+</file>
+
+<file path=ppt/slides/slide3.xml><?xml version="1.0" encoding="utf-8"?>
+<p:sld xmlns:a="http://schemas.openxmlformats.org/drawingml/2006/main" xmlns:r="http://schemas.openxmlformats.org/officeDocument/2006/relationships" xmlns:p="http://schemas.openxmlformats.org/presentationml/2006/main">
+  <p:cSld>
+    <p:spTree>
+      <p:nvGrpSpPr>
+        <p:cNvPr id="1" name=""/>
+        <p:cNvGrpSpPr/>
+        <p:nvPr/>
+      </p:nvGrpSpPr>
+      <p:grpSpPr>
+        <a:xfrm>
+          <a:off x="0" y="0"/>
+          <a:ext cx="0" cy="0"/>
+          <a:chOff x="0" y="0"/>
+          <a:chExt cx="0" cy="0"/>
+        </a:xfrm>
+      </p:grpSpPr>
+      <p:pic>
+        <p:nvPicPr>
+          <p:cNvPr id="5" name="Grafik 4">
+            <a:extLst>
+              <a:ext uri="{FF2B5EF4-FFF2-40B4-BE49-F238E27FC236}">
                 <a16:creationId xmlns:a16="http://schemas.microsoft.com/office/drawing/2014/main" id="{96F0CB09-B08A-AC91-C2F1-7463C791D933}"/>
               </a:ext>
             </a:extLst>
@@ -3639,7 +4615,7 @@
 </p:sld>
 </file>
 
-<file path=ppt/slides/slide2.xml><?xml version="1.0" encoding="utf-8"?>
+<file path=ppt/slides/slide4.xml><?xml version="1.0" encoding="utf-8"?>
 <p:sld xmlns:a="http://schemas.openxmlformats.org/drawingml/2006/main" xmlns:r="http://schemas.openxmlformats.org/officeDocument/2006/relationships" xmlns:p="http://schemas.openxmlformats.org/presentationml/2006/main">
   <p:cSld>
     <p:spTree>
@@ -6208,7 +7184,7 @@
 </p:sld>
 </file>
 
-<file path=ppt/slides/slide3.xml><?xml version="1.0" encoding="utf-8"?>
+<file path=ppt/slides/slide5.xml><?xml version="1.0" encoding="utf-8"?>
 <p:sld xmlns:a="http://schemas.openxmlformats.org/drawingml/2006/main" xmlns:r="http://schemas.openxmlformats.org/officeDocument/2006/relationships" xmlns:p="http://schemas.openxmlformats.org/presentationml/2006/main">
   <p:cSld>
     <p:spTree>
@@ -7705,7 +8681,7 @@
 </p:sld>
 </file>
 
-<file path=ppt/slides/slide4.xml><?xml version="1.0" encoding="utf-8"?>
+<file path=ppt/slides/slide6.xml><?xml version="1.0" encoding="utf-8"?>
 <p:sld xmlns:a="http://schemas.openxmlformats.org/drawingml/2006/main" xmlns:r="http://schemas.openxmlformats.org/officeDocument/2006/relationships" xmlns:p="http://schemas.openxmlformats.org/presentationml/2006/main">
   <p:cSld>
     <p:spTree>
@@ -12524,7 +13500,7 @@
 </p:sld>
 </file>
 
-<file path=ppt/slides/slide5.xml><?xml version="1.0" encoding="utf-8"?>
+<file path=ppt/slides/slide7.xml><?xml version="1.0" encoding="utf-8"?>
 <p:sld xmlns:a="http://schemas.openxmlformats.org/drawingml/2006/main" xmlns:r="http://schemas.openxmlformats.org/officeDocument/2006/relationships" xmlns:p="http://schemas.openxmlformats.org/presentationml/2006/main">
   <p:cSld>
     <p:spTree>
@@ -16912,7 +17888,7 @@
 </p:sld>
 </file>
 
-<file path=ppt/slides/slide6.xml><?xml version="1.0" encoding="utf-8"?>
+<file path=ppt/slides/slide8.xml><?xml version="1.0" encoding="utf-8"?>
 <p:sld xmlns:a="http://schemas.openxmlformats.org/drawingml/2006/main" xmlns:r="http://schemas.openxmlformats.org/officeDocument/2006/relationships" xmlns:p="http://schemas.openxmlformats.org/presentationml/2006/main">
   <p:cSld>
     <p:spTree>
@@ -21502,7 +22478,7 @@
 </p:sld>
 </file>
 
-<file path=ppt/slides/slide7.xml><?xml version="1.0" encoding="utf-8"?>
+<file path=ppt/slides/slide9.xml><?xml version="1.0" encoding="utf-8"?>
 <p:sld xmlns:a="http://schemas.openxmlformats.org/drawingml/2006/main" xmlns:r="http://schemas.openxmlformats.org/officeDocument/2006/relationships" xmlns:p="http://schemas.openxmlformats.org/presentationml/2006/main">
   <p:cSld>
     <p:spTree>

--- a/examples/UrbanTopologies.pptx
+++ b/examples/UrbanTopologies.pptx
@@ -5,15 +5,16 @@
     <p:sldMasterId id="2147483648" r:id="rId1"/>
   </p:sldMasterIdLst>
   <p:sldIdLst>
-    <p:sldId id="264" r:id="rId2"/>
-    <p:sldId id="263" r:id="rId3"/>
-    <p:sldId id="262" r:id="rId4"/>
-    <p:sldId id="261" r:id="rId5"/>
-    <p:sldId id="260" r:id="rId6"/>
-    <p:sldId id="256" r:id="rId7"/>
-    <p:sldId id="259" r:id="rId8"/>
-    <p:sldId id="257" r:id="rId9"/>
-    <p:sldId id="258" r:id="rId10"/>
+    <p:sldId id="265" r:id="rId2"/>
+    <p:sldId id="264" r:id="rId3"/>
+    <p:sldId id="263" r:id="rId4"/>
+    <p:sldId id="262" r:id="rId5"/>
+    <p:sldId id="261" r:id="rId6"/>
+    <p:sldId id="260" r:id="rId7"/>
+    <p:sldId id="256" r:id="rId8"/>
+    <p:sldId id="259" r:id="rId9"/>
+    <p:sldId id="257" r:id="rId10"/>
+    <p:sldId id="258" r:id="rId11"/>
   </p:sldIdLst>
   <p:sldSz cx="12192000" cy="6858000"/>
   <p:notesSz cx="6858000" cy="9144000"/>
@@ -3339,6 +3340,933 @@
           <p:cNvPr id="5" name="Grafik 4">
             <a:extLst>
               <a:ext uri="{FF2B5EF4-FFF2-40B4-BE49-F238E27FC236}">
+                <a16:creationId xmlns:a16="http://schemas.microsoft.com/office/drawing/2014/main" id="{E20606DD-2019-7750-3747-4C1257DFDE76}"/>
+              </a:ext>
+            </a:extLst>
+          </p:cNvPr>
+          <p:cNvPicPr>
+            <a:picLocks noChangeAspect="1"/>
+          </p:cNvPicPr>
+          <p:nvPr/>
+        </p:nvPicPr>
+        <p:blipFill>
+          <a:blip r:embed="rId2"/>
+          <a:stretch>
+            <a:fillRect/>
+          </a:stretch>
+        </p:blipFill>
+        <p:spPr>
+          <a:xfrm>
+            <a:off x="70757" y="0"/>
+            <a:ext cx="12050486" cy="6858000"/>
+          </a:xfrm>
+          <a:prstGeom prst="rect">
+            <a:avLst/>
+          </a:prstGeom>
+        </p:spPr>
+      </p:pic>
+      <p:graphicFrame>
+        <p:nvGraphicFramePr>
+          <p:cNvPr id="6" name="Tabelle 5">
+            <a:extLst>
+              <a:ext uri="{FF2B5EF4-FFF2-40B4-BE49-F238E27FC236}">
+                <a16:creationId xmlns:a16="http://schemas.microsoft.com/office/drawing/2014/main" id="{086377FE-081A-27DD-E153-76766AA0E5DD}"/>
+              </a:ext>
+            </a:extLst>
+          </p:cNvPr>
+          <p:cNvGraphicFramePr>
+            <a:graphicFrameLocks noGrp="1"/>
+          </p:cNvGraphicFramePr>
+          <p:nvPr>
+            <p:extLst>
+              <p:ext uri="{D42A27DB-BD31-4B8C-83A1-F6EECF244321}">
+                <p14:modId xmlns:p14="http://schemas.microsoft.com/office/powerpoint/2010/main" val="2680776969"/>
+              </p:ext>
+            </p:extLst>
+          </p:nvPr>
+        </p:nvGraphicFramePr>
+        <p:xfrm>
+          <a:off x="-169069" y="709939"/>
+          <a:ext cx="8084340" cy="370840"/>
+        </p:xfrm>
+        <a:graphic>
+          <a:graphicData uri="http://schemas.openxmlformats.org/drawingml/2006/table">
+            <a:tbl>
+              <a:tblPr firstRow="1" bandRow="1">
+                <a:tableStyleId>{5C22544A-7EE6-4342-B048-85BDC9FD1C3A}</a:tableStyleId>
+              </a:tblPr>
+              <a:tblGrid>
+                <a:gridCol w="538956">
+                  <a:extLst>
+                    <a:ext uri="{9D8B030D-6E8A-4147-A177-3AD203B41FA5}">
+                      <a16:colId xmlns:a16="http://schemas.microsoft.com/office/drawing/2014/main" val="743353961"/>
+                    </a:ext>
+                  </a:extLst>
+                </a:gridCol>
+                <a:gridCol w="538956">
+                  <a:extLst>
+                    <a:ext uri="{9D8B030D-6E8A-4147-A177-3AD203B41FA5}">
+                      <a16:colId xmlns:a16="http://schemas.microsoft.com/office/drawing/2014/main" val="1980402480"/>
+                    </a:ext>
+                  </a:extLst>
+                </a:gridCol>
+                <a:gridCol w="538956">
+                  <a:extLst>
+                    <a:ext uri="{9D8B030D-6E8A-4147-A177-3AD203B41FA5}">
+                      <a16:colId xmlns:a16="http://schemas.microsoft.com/office/drawing/2014/main" val="3577183013"/>
+                    </a:ext>
+                  </a:extLst>
+                </a:gridCol>
+                <a:gridCol w="538956">
+                  <a:extLst>
+                    <a:ext uri="{9D8B030D-6E8A-4147-A177-3AD203B41FA5}">
+                      <a16:colId xmlns:a16="http://schemas.microsoft.com/office/drawing/2014/main" val="1438581439"/>
+                    </a:ext>
+                  </a:extLst>
+                </a:gridCol>
+                <a:gridCol w="538956">
+                  <a:extLst>
+                    <a:ext uri="{9D8B030D-6E8A-4147-A177-3AD203B41FA5}">
+                      <a16:colId xmlns:a16="http://schemas.microsoft.com/office/drawing/2014/main" val="477044570"/>
+                    </a:ext>
+                  </a:extLst>
+                </a:gridCol>
+                <a:gridCol w="538956">
+                  <a:extLst>
+                    <a:ext uri="{9D8B030D-6E8A-4147-A177-3AD203B41FA5}">
+                      <a16:colId xmlns:a16="http://schemas.microsoft.com/office/drawing/2014/main" val="2168728375"/>
+                    </a:ext>
+                  </a:extLst>
+                </a:gridCol>
+                <a:gridCol w="538956">
+                  <a:extLst>
+                    <a:ext uri="{9D8B030D-6E8A-4147-A177-3AD203B41FA5}">
+                      <a16:colId xmlns:a16="http://schemas.microsoft.com/office/drawing/2014/main" val="1717008001"/>
+                    </a:ext>
+                  </a:extLst>
+                </a:gridCol>
+                <a:gridCol w="538956">
+                  <a:extLst>
+                    <a:ext uri="{9D8B030D-6E8A-4147-A177-3AD203B41FA5}">
+                      <a16:colId xmlns:a16="http://schemas.microsoft.com/office/drawing/2014/main" val="2584589054"/>
+                    </a:ext>
+                  </a:extLst>
+                </a:gridCol>
+                <a:gridCol w="538956">
+                  <a:extLst>
+                    <a:ext uri="{9D8B030D-6E8A-4147-A177-3AD203B41FA5}">
+                      <a16:colId xmlns:a16="http://schemas.microsoft.com/office/drawing/2014/main" val="2106746303"/>
+                    </a:ext>
+                  </a:extLst>
+                </a:gridCol>
+                <a:gridCol w="538956">
+                  <a:extLst>
+                    <a:ext uri="{9D8B030D-6E8A-4147-A177-3AD203B41FA5}">
+                      <a16:colId xmlns:a16="http://schemas.microsoft.com/office/drawing/2014/main" val="2919671094"/>
+                    </a:ext>
+                  </a:extLst>
+                </a:gridCol>
+                <a:gridCol w="538956">
+                  <a:extLst>
+                    <a:ext uri="{9D8B030D-6E8A-4147-A177-3AD203B41FA5}">
+                      <a16:colId xmlns:a16="http://schemas.microsoft.com/office/drawing/2014/main" val="266298411"/>
+                    </a:ext>
+                  </a:extLst>
+                </a:gridCol>
+                <a:gridCol w="538956">
+                  <a:extLst>
+                    <a:ext uri="{9D8B030D-6E8A-4147-A177-3AD203B41FA5}">
+                      <a16:colId xmlns:a16="http://schemas.microsoft.com/office/drawing/2014/main" val="1872742270"/>
+                    </a:ext>
+                  </a:extLst>
+                </a:gridCol>
+                <a:gridCol w="538956">
+                  <a:extLst>
+                    <a:ext uri="{9D8B030D-6E8A-4147-A177-3AD203B41FA5}">
+                      <a16:colId xmlns:a16="http://schemas.microsoft.com/office/drawing/2014/main" val="2136611662"/>
+                    </a:ext>
+                  </a:extLst>
+                </a:gridCol>
+                <a:gridCol w="538956">
+                  <a:extLst>
+                    <a:ext uri="{9D8B030D-6E8A-4147-A177-3AD203B41FA5}">
+                      <a16:colId xmlns:a16="http://schemas.microsoft.com/office/drawing/2014/main" val="877027050"/>
+                    </a:ext>
+                  </a:extLst>
+                </a:gridCol>
+                <a:gridCol w="538956">
+                  <a:extLst>
+                    <a:ext uri="{9D8B030D-6E8A-4147-A177-3AD203B41FA5}">
+                      <a16:colId xmlns:a16="http://schemas.microsoft.com/office/drawing/2014/main" val="2606584792"/>
+                    </a:ext>
+                  </a:extLst>
+                </a:gridCol>
+              </a:tblGrid>
+              <a:tr h="370840">
+                <a:tc>
+                  <a:txBody>
+                    <a:bodyPr/>
+                    <a:lstStyle/>
+                    <a:p>
+                      <a:endParaRPr lang="de-DE"/>
+                    </a:p>
+                  </a:txBody>
+                  <a:tcPr/>
+                </a:tc>
+                <a:tc>
+                  <a:txBody>
+                    <a:bodyPr/>
+                    <a:lstStyle/>
+                    <a:p>
+                      <a:endParaRPr lang="de-DE"/>
+                    </a:p>
+                  </a:txBody>
+                  <a:tcPr/>
+                </a:tc>
+                <a:tc>
+                  <a:txBody>
+                    <a:bodyPr/>
+                    <a:lstStyle/>
+                    <a:p>
+                      <a:endParaRPr lang="de-DE"/>
+                    </a:p>
+                  </a:txBody>
+                  <a:tcPr/>
+                </a:tc>
+                <a:tc>
+                  <a:txBody>
+                    <a:bodyPr/>
+                    <a:lstStyle/>
+                    <a:p>
+                      <a:endParaRPr lang="de-DE"/>
+                    </a:p>
+                  </a:txBody>
+                  <a:tcPr/>
+                </a:tc>
+                <a:tc>
+                  <a:txBody>
+                    <a:bodyPr/>
+                    <a:lstStyle/>
+                    <a:p>
+                      <a:endParaRPr lang="de-DE"/>
+                    </a:p>
+                  </a:txBody>
+                  <a:tcPr/>
+                </a:tc>
+                <a:tc>
+                  <a:txBody>
+                    <a:bodyPr/>
+                    <a:lstStyle/>
+                    <a:p>
+                      <a:endParaRPr lang="de-DE"/>
+                    </a:p>
+                  </a:txBody>
+                  <a:tcPr/>
+                </a:tc>
+                <a:tc>
+                  <a:txBody>
+                    <a:bodyPr/>
+                    <a:lstStyle/>
+                    <a:p>
+                      <a:endParaRPr lang="de-DE" dirty="0"/>
+                    </a:p>
+                  </a:txBody>
+                  <a:tcPr/>
+                </a:tc>
+                <a:tc>
+                  <a:txBody>
+                    <a:bodyPr/>
+                    <a:lstStyle/>
+                    <a:p>
+                      <a:endParaRPr lang="de-DE" dirty="0"/>
+                    </a:p>
+                  </a:txBody>
+                  <a:tcPr/>
+                </a:tc>
+                <a:tc>
+                  <a:txBody>
+                    <a:bodyPr/>
+                    <a:lstStyle/>
+                    <a:p>
+                      <a:endParaRPr lang="de-DE" dirty="0"/>
+                    </a:p>
+                  </a:txBody>
+                  <a:tcPr/>
+                </a:tc>
+                <a:tc>
+                  <a:txBody>
+                    <a:bodyPr/>
+                    <a:lstStyle/>
+                    <a:p>
+                      <a:endParaRPr lang="de-DE" dirty="0"/>
+                    </a:p>
+                  </a:txBody>
+                  <a:tcPr/>
+                </a:tc>
+                <a:tc>
+                  <a:txBody>
+                    <a:bodyPr/>
+                    <a:lstStyle/>
+                    <a:p>
+                      <a:endParaRPr lang="de-DE" dirty="0"/>
+                    </a:p>
+                  </a:txBody>
+                  <a:tcPr/>
+                </a:tc>
+                <a:tc>
+                  <a:txBody>
+                    <a:bodyPr/>
+                    <a:lstStyle/>
+                    <a:p>
+                      <a:endParaRPr lang="de-DE" dirty="0"/>
+                    </a:p>
+                  </a:txBody>
+                  <a:tcPr/>
+                </a:tc>
+                <a:tc>
+                  <a:txBody>
+                    <a:bodyPr/>
+                    <a:lstStyle/>
+                    <a:p>
+                      <a:endParaRPr lang="de-DE" dirty="0"/>
+                    </a:p>
+                  </a:txBody>
+                  <a:tcPr/>
+                </a:tc>
+                <a:tc>
+                  <a:txBody>
+                    <a:bodyPr/>
+                    <a:lstStyle/>
+                    <a:p>
+                      <a:endParaRPr lang="de-DE" dirty="0"/>
+                    </a:p>
+                  </a:txBody>
+                  <a:tcPr/>
+                </a:tc>
+                <a:tc>
+                  <a:txBody>
+                    <a:bodyPr/>
+                    <a:lstStyle/>
+                    <a:p>
+                      <a:endParaRPr lang="de-DE" dirty="0"/>
+                    </a:p>
+                  </a:txBody>
+                  <a:tcPr/>
+                </a:tc>
+                <a:extLst>
+                  <a:ext uri="{0D108BD9-81ED-4DB2-BD59-A6C34878D82A}">
+                    <a16:rowId xmlns:a16="http://schemas.microsoft.com/office/drawing/2014/main" val="1021208655"/>
+                  </a:ext>
+                </a:extLst>
+              </a:tr>
+            </a:tbl>
+          </a:graphicData>
+        </a:graphic>
+      </p:graphicFrame>
+    </p:spTree>
+    <p:extLst>
+      <p:ext uri="{BB962C8B-B14F-4D97-AF65-F5344CB8AC3E}">
+        <p14:creationId xmlns:p14="http://schemas.microsoft.com/office/powerpoint/2010/main" val="1585009156"/>
+      </p:ext>
+    </p:extLst>
+  </p:cSld>
+  <p:clrMapOvr>
+    <a:masterClrMapping/>
+  </p:clrMapOvr>
+</p:sld>
+</file>
+
+<file path=ppt/slides/slide10.xml><?xml version="1.0" encoding="utf-8"?>
+<p:sld xmlns:a="http://schemas.openxmlformats.org/drawingml/2006/main" xmlns:r="http://schemas.openxmlformats.org/officeDocument/2006/relationships" xmlns:p="http://schemas.openxmlformats.org/presentationml/2006/main">
+  <p:cSld>
+    <p:spTree>
+      <p:nvGrpSpPr>
+        <p:cNvPr id="1" name=""/>
+        <p:cNvGrpSpPr/>
+        <p:nvPr/>
+      </p:nvGrpSpPr>
+      <p:grpSpPr>
+        <a:xfrm>
+          <a:off x="0" y="0"/>
+          <a:ext cx="0" cy="0"/>
+          <a:chOff x="0" y="0"/>
+          <a:chExt cx="0" cy="0"/>
+        </a:xfrm>
+      </p:grpSpPr>
+      <p:grpSp>
+        <p:nvGrpSpPr>
+          <p:cNvPr id="34" name="Gruppieren 33">
+            <a:extLst>
+              <a:ext uri="{FF2B5EF4-FFF2-40B4-BE49-F238E27FC236}">
+                <a16:creationId xmlns:a16="http://schemas.microsoft.com/office/drawing/2014/main" id="{0B706B9C-92B2-8E39-89A7-BAB46DFFC8A1}"/>
+              </a:ext>
+            </a:extLst>
+          </p:cNvPr>
+          <p:cNvGrpSpPr/>
+          <p:nvPr/>
+        </p:nvGrpSpPr>
+        <p:grpSpPr>
+          <a:xfrm>
+            <a:off x="739141" y="2855656"/>
+            <a:ext cx="3635585" cy="289983"/>
+            <a:chOff x="739141" y="3284008"/>
+            <a:chExt cx="3635585" cy="289983"/>
+          </a:xfrm>
+        </p:grpSpPr>
+        <p:grpSp>
+          <p:nvGrpSpPr>
+            <p:cNvPr id="35" name="Gruppieren 34">
+              <a:extLst>
+                <a:ext uri="{FF2B5EF4-FFF2-40B4-BE49-F238E27FC236}">
+                  <a16:creationId xmlns:a16="http://schemas.microsoft.com/office/drawing/2014/main" id="{30F67F38-2B70-5A80-A46F-31C332354269}"/>
+                </a:ext>
+              </a:extLst>
+            </p:cNvPr>
+            <p:cNvGrpSpPr/>
+            <p:nvPr/>
+          </p:nvGrpSpPr>
+          <p:grpSpPr>
+            <a:xfrm>
+              <a:off x="762001" y="3284008"/>
+              <a:ext cx="3589866" cy="289983"/>
+              <a:chOff x="2032000" y="2006599"/>
+              <a:chExt cx="6096000" cy="1117600"/>
+            </a:xfrm>
+          </p:grpSpPr>
+          <p:sp>
+            <p:nvSpPr>
+              <p:cNvPr id="45" name="Rechteck 44">
+                <a:extLst>
+                  <a:ext uri="{FF2B5EF4-FFF2-40B4-BE49-F238E27FC236}">
+                    <a16:creationId xmlns:a16="http://schemas.microsoft.com/office/drawing/2014/main" id="{D5B2440C-C987-A2DD-1ED9-3F1879B63FA2}"/>
+                  </a:ext>
+                </a:extLst>
+              </p:cNvPr>
+              <p:cNvSpPr/>
+              <p:nvPr/>
+            </p:nvSpPr>
+            <p:spPr>
+              <a:xfrm>
+                <a:off x="2032000" y="2006599"/>
+                <a:ext cx="6096000" cy="1117598"/>
+              </a:xfrm>
+              <a:prstGeom prst="rect">
+                <a:avLst/>
+              </a:prstGeom>
+              <a:solidFill>
+                <a:srgbClr val="D0CECE"/>
+              </a:solidFill>
+              <a:ln w="19050">
+                <a:solidFill>
+                  <a:schemeClr val="tx1"/>
+                </a:solidFill>
+                <a:prstDash val="solid"/>
+              </a:ln>
+            </p:spPr>
+            <p:style>
+              <a:lnRef idx="2">
+                <a:schemeClr val="accent1">
+                  <a:shade val="15000"/>
+                </a:schemeClr>
+              </a:lnRef>
+              <a:fillRef idx="1">
+                <a:schemeClr val="accent1"/>
+              </a:fillRef>
+              <a:effectRef idx="0">
+                <a:schemeClr val="accent1"/>
+              </a:effectRef>
+              <a:fontRef idx="minor">
+                <a:schemeClr val="lt1"/>
+              </a:fontRef>
+            </p:style>
+            <p:txBody>
+              <a:bodyPr rtlCol="0" anchor="ctr"/>
+              <a:lstStyle/>
+              <a:p>
+                <a:pPr algn="ctr"/>
+                <a:endParaRPr lang="de-DE"/>
+              </a:p>
+            </p:txBody>
+          </p:sp>
+          <p:sp>
+            <p:nvSpPr>
+              <p:cNvPr id="42" name="Rechteck 41">
+                <a:extLst>
+                  <a:ext uri="{FF2B5EF4-FFF2-40B4-BE49-F238E27FC236}">
+                    <a16:creationId xmlns:a16="http://schemas.microsoft.com/office/drawing/2014/main" id="{B2723C11-FCCF-ADB3-0897-DC89F1A018BB}"/>
+                  </a:ext>
+                </a:extLst>
+              </p:cNvPr>
+              <p:cNvSpPr/>
+              <p:nvPr/>
+            </p:nvSpPr>
+            <p:spPr>
+              <a:xfrm>
+                <a:off x="2032000" y="2006600"/>
+                <a:ext cx="6096000" cy="372533"/>
+              </a:xfrm>
+              <a:prstGeom prst="rect">
+                <a:avLst/>
+              </a:prstGeom>
+              <a:noFill/>
+              <a:ln>
+                <a:solidFill>
+                  <a:schemeClr val="tx1"/>
+                </a:solidFill>
+                <a:prstDash val="lgDash"/>
+              </a:ln>
+            </p:spPr>
+            <p:style>
+              <a:lnRef idx="2">
+                <a:schemeClr val="accent1">
+                  <a:shade val="15000"/>
+                </a:schemeClr>
+              </a:lnRef>
+              <a:fillRef idx="1">
+                <a:schemeClr val="accent1"/>
+              </a:fillRef>
+              <a:effectRef idx="0">
+                <a:schemeClr val="accent1"/>
+              </a:effectRef>
+              <a:fontRef idx="minor">
+                <a:schemeClr val="lt1"/>
+              </a:fontRef>
+            </p:style>
+            <p:txBody>
+              <a:bodyPr rtlCol="0" anchor="ctr"/>
+              <a:lstStyle/>
+              <a:p>
+                <a:pPr algn="ctr"/>
+                <a:endParaRPr lang="de-DE"/>
+              </a:p>
+            </p:txBody>
+          </p:sp>
+          <p:sp>
+            <p:nvSpPr>
+              <p:cNvPr id="43" name="Rechteck 42">
+                <a:extLst>
+                  <a:ext uri="{FF2B5EF4-FFF2-40B4-BE49-F238E27FC236}">
+                    <a16:creationId xmlns:a16="http://schemas.microsoft.com/office/drawing/2014/main" id="{5939D0D4-5103-5FF0-826C-77DE08C1CB88}"/>
+                  </a:ext>
+                </a:extLst>
+              </p:cNvPr>
+              <p:cNvSpPr/>
+              <p:nvPr/>
+            </p:nvSpPr>
+            <p:spPr>
+              <a:xfrm>
+                <a:off x="2032000" y="2379133"/>
+                <a:ext cx="6096000" cy="372533"/>
+              </a:xfrm>
+              <a:prstGeom prst="rect">
+                <a:avLst/>
+              </a:prstGeom>
+              <a:noFill/>
+              <a:ln>
+                <a:noFill/>
+                <a:prstDash val="lgDash"/>
+              </a:ln>
+            </p:spPr>
+            <p:style>
+              <a:lnRef idx="2">
+                <a:schemeClr val="accent1">
+                  <a:shade val="15000"/>
+                </a:schemeClr>
+              </a:lnRef>
+              <a:fillRef idx="1">
+                <a:schemeClr val="accent1"/>
+              </a:fillRef>
+              <a:effectRef idx="0">
+                <a:schemeClr val="accent1"/>
+              </a:effectRef>
+              <a:fontRef idx="minor">
+                <a:schemeClr val="lt1"/>
+              </a:fontRef>
+            </p:style>
+            <p:txBody>
+              <a:bodyPr rtlCol="0" anchor="ctr"/>
+              <a:lstStyle/>
+              <a:p>
+                <a:pPr algn="ctr"/>
+                <a:endParaRPr lang="de-DE"/>
+              </a:p>
+            </p:txBody>
+          </p:sp>
+          <p:sp>
+            <p:nvSpPr>
+              <p:cNvPr id="44" name="Rechteck 43">
+                <a:extLst>
+                  <a:ext uri="{FF2B5EF4-FFF2-40B4-BE49-F238E27FC236}">
+                    <a16:creationId xmlns:a16="http://schemas.microsoft.com/office/drawing/2014/main" id="{52851A60-9A18-36BD-6EA0-926F76F8371C}"/>
+                  </a:ext>
+                </a:extLst>
+              </p:cNvPr>
+              <p:cNvSpPr/>
+              <p:nvPr/>
+            </p:nvSpPr>
+            <p:spPr>
+              <a:xfrm>
+                <a:off x="2032000" y="2751666"/>
+                <a:ext cx="6096000" cy="372533"/>
+              </a:xfrm>
+              <a:prstGeom prst="rect">
+                <a:avLst/>
+              </a:prstGeom>
+              <a:noFill/>
+              <a:ln>
+                <a:solidFill>
+                  <a:schemeClr val="tx1"/>
+                </a:solidFill>
+                <a:prstDash val="lgDash"/>
+              </a:ln>
+            </p:spPr>
+            <p:style>
+              <a:lnRef idx="2">
+                <a:schemeClr val="accent1">
+                  <a:shade val="15000"/>
+                </a:schemeClr>
+              </a:lnRef>
+              <a:fillRef idx="1">
+                <a:schemeClr val="accent1"/>
+              </a:fillRef>
+              <a:effectRef idx="0">
+                <a:schemeClr val="accent1"/>
+              </a:effectRef>
+              <a:fontRef idx="minor">
+                <a:schemeClr val="lt1"/>
+              </a:fontRef>
+            </p:style>
+            <p:txBody>
+              <a:bodyPr rtlCol="0" anchor="ctr"/>
+              <a:lstStyle/>
+              <a:p>
+                <a:pPr algn="ctr"/>
+                <a:endParaRPr lang="de-DE"/>
+              </a:p>
+            </p:txBody>
+          </p:sp>
+        </p:grpSp>
+        <p:sp>
+          <p:nvSpPr>
+            <p:cNvPr id="36" name="Ellipse 35">
+              <a:extLst>
+                <a:ext uri="{FF2B5EF4-FFF2-40B4-BE49-F238E27FC236}">
+                  <a16:creationId xmlns:a16="http://schemas.microsoft.com/office/drawing/2014/main" id="{82545CBE-3C58-9DC3-95E6-EA4DD1109E43}"/>
+                </a:ext>
+              </a:extLst>
+            </p:cNvPr>
+            <p:cNvSpPr/>
+            <p:nvPr/>
+          </p:nvSpPr>
+          <p:spPr>
+            <a:xfrm>
+              <a:off x="4329007" y="3309478"/>
+              <a:ext cx="45719" cy="45719"/>
+            </a:xfrm>
+            <a:prstGeom prst="ellipse">
+              <a:avLst/>
+            </a:prstGeom>
+          </p:spPr>
+          <p:style>
+            <a:lnRef idx="2">
+              <a:schemeClr val="accent1">
+                <a:shade val="15000"/>
+              </a:schemeClr>
+            </a:lnRef>
+            <a:fillRef idx="1">
+              <a:schemeClr val="accent1"/>
+            </a:fillRef>
+            <a:effectRef idx="0">
+              <a:schemeClr val="accent1"/>
+            </a:effectRef>
+            <a:fontRef idx="minor">
+              <a:schemeClr val="lt1"/>
+            </a:fontRef>
+          </p:style>
+          <p:txBody>
+            <a:bodyPr rtlCol="0" anchor="ctr"/>
+            <a:lstStyle/>
+            <a:p>
+              <a:pPr algn="ctr"/>
+              <a:endParaRPr lang="de-DE"/>
+            </a:p>
+          </p:txBody>
+        </p:sp>
+        <p:sp>
+          <p:nvSpPr>
+            <p:cNvPr id="37" name="Ellipse 36">
+              <a:extLst>
+                <a:ext uri="{FF2B5EF4-FFF2-40B4-BE49-F238E27FC236}">
+                  <a16:creationId xmlns:a16="http://schemas.microsoft.com/office/drawing/2014/main" id="{756F5E7C-595C-BB40-D0D1-4D839BFF002A}"/>
+                </a:ext>
+              </a:extLst>
+            </p:cNvPr>
+            <p:cNvSpPr/>
+            <p:nvPr/>
+          </p:nvSpPr>
+          <p:spPr>
+            <a:xfrm>
+              <a:off x="4329007" y="3406139"/>
+              <a:ext cx="45719" cy="45719"/>
+            </a:xfrm>
+            <a:prstGeom prst="ellipse">
+              <a:avLst/>
+            </a:prstGeom>
+          </p:spPr>
+          <p:style>
+            <a:lnRef idx="2">
+              <a:schemeClr val="accent1">
+                <a:shade val="15000"/>
+              </a:schemeClr>
+            </a:lnRef>
+            <a:fillRef idx="1">
+              <a:schemeClr val="accent1"/>
+            </a:fillRef>
+            <a:effectRef idx="0">
+              <a:schemeClr val="accent1"/>
+            </a:effectRef>
+            <a:fontRef idx="minor">
+              <a:schemeClr val="lt1"/>
+            </a:fontRef>
+          </p:style>
+          <p:txBody>
+            <a:bodyPr rtlCol="0" anchor="ctr"/>
+            <a:lstStyle/>
+            <a:p>
+              <a:pPr algn="ctr"/>
+              <a:endParaRPr lang="de-DE"/>
+            </a:p>
+          </p:txBody>
+        </p:sp>
+        <p:sp>
+          <p:nvSpPr>
+            <p:cNvPr id="38" name="Ellipse 37">
+              <a:extLst>
+                <a:ext uri="{FF2B5EF4-FFF2-40B4-BE49-F238E27FC236}">
+                  <a16:creationId xmlns:a16="http://schemas.microsoft.com/office/drawing/2014/main" id="{4A6920F2-31EC-6EF8-6D7A-069B58D6F4A2}"/>
+                </a:ext>
+              </a:extLst>
+            </p:cNvPr>
+            <p:cNvSpPr/>
+            <p:nvPr/>
+          </p:nvSpPr>
+          <p:spPr>
+            <a:xfrm>
+              <a:off x="4329007" y="3502800"/>
+              <a:ext cx="45719" cy="45719"/>
+            </a:xfrm>
+            <a:prstGeom prst="ellipse">
+              <a:avLst/>
+            </a:prstGeom>
+          </p:spPr>
+          <p:style>
+            <a:lnRef idx="2">
+              <a:schemeClr val="accent1">
+                <a:shade val="15000"/>
+              </a:schemeClr>
+            </a:lnRef>
+            <a:fillRef idx="1">
+              <a:schemeClr val="accent1"/>
+            </a:fillRef>
+            <a:effectRef idx="0">
+              <a:schemeClr val="accent1"/>
+            </a:effectRef>
+            <a:fontRef idx="minor">
+              <a:schemeClr val="lt1"/>
+            </a:fontRef>
+          </p:style>
+          <p:txBody>
+            <a:bodyPr rtlCol="0" anchor="ctr"/>
+            <a:lstStyle/>
+            <a:p>
+              <a:pPr algn="ctr"/>
+              <a:endParaRPr lang="de-DE"/>
+            </a:p>
+          </p:txBody>
+        </p:sp>
+        <p:sp>
+          <p:nvSpPr>
+            <p:cNvPr id="39" name="Ellipse 38">
+              <a:extLst>
+                <a:ext uri="{FF2B5EF4-FFF2-40B4-BE49-F238E27FC236}">
+                  <a16:creationId xmlns:a16="http://schemas.microsoft.com/office/drawing/2014/main" id="{27C1C45E-FAC8-450E-B4BA-6D9B99A878B8}"/>
+                </a:ext>
+              </a:extLst>
+            </p:cNvPr>
+            <p:cNvSpPr/>
+            <p:nvPr/>
+          </p:nvSpPr>
+          <p:spPr>
+            <a:xfrm>
+              <a:off x="739141" y="3309478"/>
+              <a:ext cx="45719" cy="45719"/>
+            </a:xfrm>
+            <a:prstGeom prst="ellipse">
+              <a:avLst/>
+            </a:prstGeom>
+            <a:solidFill>
+              <a:schemeClr val="accent2"/>
+            </a:solidFill>
+          </p:spPr>
+          <p:style>
+            <a:lnRef idx="2">
+              <a:schemeClr val="accent1">
+                <a:shade val="15000"/>
+              </a:schemeClr>
+            </a:lnRef>
+            <a:fillRef idx="1">
+              <a:schemeClr val="accent1"/>
+            </a:fillRef>
+            <a:effectRef idx="0">
+              <a:schemeClr val="accent1"/>
+            </a:effectRef>
+            <a:fontRef idx="minor">
+              <a:schemeClr val="lt1"/>
+            </a:fontRef>
+          </p:style>
+          <p:txBody>
+            <a:bodyPr rtlCol="0" anchor="ctr"/>
+            <a:lstStyle/>
+            <a:p>
+              <a:pPr algn="ctr"/>
+              <a:endParaRPr lang="de-DE"/>
+            </a:p>
+          </p:txBody>
+        </p:sp>
+        <p:sp>
+          <p:nvSpPr>
+            <p:cNvPr id="40" name="Ellipse 39">
+              <a:extLst>
+                <a:ext uri="{FF2B5EF4-FFF2-40B4-BE49-F238E27FC236}">
+                  <a16:creationId xmlns:a16="http://schemas.microsoft.com/office/drawing/2014/main" id="{C2249620-BE71-87BA-C1BB-6F76542605E7}"/>
+                </a:ext>
+              </a:extLst>
+            </p:cNvPr>
+            <p:cNvSpPr/>
+            <p:nvPr/>
+          </p:nvSpPr>
+          <p:spPr>
+            <a:xfrm>
+              <a:off x="739141" y="3407921"/>
+              <a:ext cx="45719" cy="45719"/>
+            </a:xfrm>
+            <a:prstGeom prst="ellipse">
+              <a:avLst/>
+            </a:prstGeom>
+            <a:solidFill>
+              <a:schemeClr val="accent2"/>
+            </a:solidFill>
+          </p:spPr>
+          <p:style>
+            <a:lnRef idx="2">
+              <a:schemeClr val="accent1">
+                <a:shade val="15000"/>
+              </a:schemeClr>
+            </a:lnRef>
+            <a:fillRef idx="1">
+              <a:schemeClr val="accent1"/>
+            </a:fillRef>
+            <a:effectRef idx="0">
+              <a:schemeClr val="accent1"/>
+            </a:effectRef>
+            <a:fontRef idx="minor">
+              <a:schemeClr val="lt1"/>
+            </a:fontRef>
+          </p:style>
+          <p:txBody>
+            <a:bodyPr rtlCol="0" anchor="ctr"/>
+            <a:lstStyle/>
+            <a:p>
+              <a:pPr algn="ctr"/>
+              <a:endParaRPr lang="de-DE"/>
+            </a:p>
+          </p:txBody>
+        </p:sp>
+        <p:sp>
+          <p:nvSpPr>
+            <p:cNvPr id="41" name="Ellipse 40">
+              <a:extLst>
+                <a:ext uri="{FF2B5EF4-FFF2-40B4-BE49-F238E27FC236}">
+                  <a16:creationId xmlns:a16="http://schemas.microsoft.com/office/drawing/2014/main" id="{D027918D-A3CE-F74F-91E1-C7EAEC46BB23}"/>
+                </a:ext>
+              </a:extLst>
+            </p:cNvPr>
+            <p:cNvSpPr/>
+            <p:nvPr/>
+          </p:nvSpPr>
+          <p:spPr>
+            <a:xfrm>
+              <a:off x="739141" y="3498019"/>
+              <a:ext cx="45719" cy="45719"/>
+            </a:xfrm>
+            <a:prstGeom prst="ellipse">
+              <a:avLst/>
+            </a:prstGeom>
+            <a:solidFill>
+              <a:schemeClr val="accent2"/>
+            </a:solidFill>
+          </p:spPr>
+          <p:style>
+            <a:lnRef idx="2">
+              <a:schemeClr val="accent1">
+                <a:shade val="15000"/>
+              </a:schemeClr>
+            </a:lnRef>
+            <a:fillRef idx="1">
+              <a:schemeClr val="accent1"/>
+            </a:fillRef>
+            <a:effectRef idx="0">
+              <a:schemeClr val="accent1"/>
+            </a:effectRef>
+            <a:fontRef idx="minor">
+              <a:schemeClr val="lt1"/>
+            </a:fontRef>
+          </p:style>
+          <p:txBody>
+            <a:bodyPr rtlCol="0" anchor="ctr"/>
+            <a:lstStyle/>
+            <a:p>
+              <a:pPr algn="ctr"/>
+              <a:endParaRPr lang="de-DE"/>
+            </a:p>
+          </p:txBody>
+        </p:sp>
+      </p:grpSp>
+    </p:spTree>
+    <p:extLst>
+      <p:ext uri="{BB962C8B-B14F-4D97-AF65-F5344CB8AC3E}">
+        <p14:creationId xmlns:p14="http://schemas.microsoft.com/office/powerpoint/2010/main" val="3294407545"/>
+      </p:ext>
+    </p:extLst>
+  </p:cSld>
+  <p:clrMapOvr>
+    <a:masterClrMapping/>
+  </p:clrMapOvr>
+</p:sld>
+</file>
+
+<file path=ppt/slides/slide2.xml><?xml version="1.0" encoding="utf-8"?>
+<p:sld xmlns:a="http://schemas.openxmlformats.org/drawingml/2006/main" xmlns:r="http://schemas.openxmlformats.org/officeDocument/2006/relationships" xmlns:p="http://schemas.openxmlformats.org/presentationml/2006/main">
+  <p:cSld>
+    <p:spTree>
+      <p:nvGrpSpPr>
+        <p:cNvPr id="1" name=""/>
+        <p:cNvGrpSpPr/>
+        <p:nvPr/>
+      </p:nvGrpSpPr>
+      <p:grpSpPr>
+        <a:xfrm>
+          <a:off x="0" y="0"/>
+          <a:ext cx="0" cy="0"/>
+          <a:chOff x="0" y="0"/>
+          <a:chExt cx="0" cy="0"/>
+        </a:xfrm>
+      </p:grpSpPr>
+      <p:pic>
+        <p:nvPicPr>
+          <p:cNvPr id="5" name="Grafik 4">
+            <a:extLst>
+              <a:ext uri="{FF2B5EF4-FFF2-40B4-BE49-F238E27FC236}">
                 <a16:creationId xmlns:a16="http://schemas.microsoft.com/office/drawing/2014/main" id="{0ED11B5D-616D-3CC9-EC3B-C7BFEAE9FFBF}"/>
               </a:ext>
             </a:extLst>
@@ -3779,7 +4707,7 @@
 </p:sld>
 </file>
 
-<file path=ppt/slides/slide2.xml><?xml version="1.0" encoding="utf-8"?>
+<file path=ppt/slides/slide3.xml><?xml version="1.0" encoding="utf-8"?>
 <p:sld xmlns:a="http://schemas.openxmlformats.org/drawingml/2006/main" xmlns:r="http://schemas.openxmlformats.org/officeDocument/2006/relationships" xmlns:p="http://schemas.openxmlformats.org/presentationml/2006/main">
   <p:cSld>
     <p:spTree>
@@ -4291,7 +5219,7 @@
 </p:sld>
 </file>
 
-<file path=ppt/slides/slide3.xml><?xml version="1.0" encoding="utf-8"?>
+<file path=ppt/slides/slide4.xml><?xml version="1.0" encoding="utf-8"?>
 <p:sld xmlns:a="http://schemas.openxmlformats.org/drawingml/2006/main" xmlns:r="http://schemas.openxmlformats.org/officeDocument/2006/relationships" xmlns:p="http://schemas.openxmlformats.org/presentationml/2006/main">
   <p:cSld>
     <p:spTree>
@@ -4615,7 +5543,7 @@
 </p:sld>
 </file>
 
-<file path=ppt/slides/slide4.xml><?xml version="1.0" encoding="utf-8"?>
+<file path=ppt/slides/slide5.xml><?xml version="1.0" encoding="utf-8"?>
 <p:sld xmlns:a="http://schemas.openxmlformats.org/drawingml/2006/main" xmlns:r="http://schemas.openxmlformats.org/officeDocument/2006/relationships" xmlns:p="http://schemas.openxmlformats.org/presentationml/2006/main">
   <p:cSld>
     <p:spTree>
@@ -7184,7 +8112,7 @@
 </p:sld>
 </file>
 
-<file path=ppt/slides/slide5.xml><?xml version="1.0" encoding="utf-8"?>
+<file path=ppt/slides/slide6.xml><?xml version="1.0" encoding="utf-8"?>
 <p:sld xmlns:a="http://schemas.openxmlformats.org/drawingml/2006/main" xmlns:r="http://schemas.openxmlformats.org/officeDocument/2006/relationships" xmlns:p="http://schemas.openxmlformats.org/presentationml/2006/main">
   <p:cSld>
     <p:spTree>
@@ -8681,7 +9609,7 @@
 </p:sld>
 </file>
 
-<file path=ppt/slides/slide6.xml><?xml version="1.0" encoding="utf-8"?>
+<file path=ppt/slides/slide7.xml><?xml version="1.0" encoding="utf-8"?>
 <p:sld xmlns:a="http://schemas.openxmlformats.org/drawingml/2006/main" xmlns:r="http://schemas.openxmlformats.org/officeDocument/2006/relationships" xmlns:p="http://schemas.openxmlformats.org/presentationml/2006/main">
   <p:cSld>
     <p:spTree>
@@ -13500,7 +14428,7 @@
 </p:sld>
 </file>
 
-<file path=ppt/slides/slide7.xml><?xml version="1.0" encoding="utf-8"?>
+<file path=ppt/slides/slide8.xml><?xml version="1.0" encoding="utf-8"?>
 <p:sld xmlns:a="http://schemas.openxmlformats.org/drawingml/2006/main" xmlns:r="http://schemas.openxmlformats.org/officeDocument/2006/relationships" xmlns:p="http://schemas.openxmlformats.org/presentationml/2006/main">
   <p:cSld>
     <p:spTree>
@@ -17888,7 +18816,7 @@
 </p:sld>
 </file>
 
-<file path=ppt/slides/slide8.xml><?xml version="1.0" encoding="utf-8"?>
+<file path=ppt/slides/slide9.xml><?xml version="1.0" encoding="utf-8"?>
 <p:sld xmlns:a="http://schemas.openxmlformats.org/drawingml/2006/main" xmlns:r="http://schemas.openxmlformats.org/officeDocument/2006/relationships" xmlns:p="http://schemas.openxmlformats.org/presentationml/2006/main">
   <p:cSld>
     <p:spTree>
@@ -22478,575 +23406,6 @@
 </p:sld>
 </file>
 
-<file path=ppt/slides/slide9.xml><?xml version="1.0" encoding="utf-8"?>
-<p:sld xmlns:a="http://schemas.openxmlformats.org/drawingml/2006/main" xmlns:r="http://schemas.openxmlformats.org/officeDocument/2006/relationships" xmlns:p="http://schemas.openxmlformats.org/presentationml/2006/main">
-  <p:cSld>
-    <p:spTree>
-      <p:nvGrpSpPr>
-        <p:cNvPr id="1" name=""/>
-        <p:cNvGrpSpPr/>
-        <p:nvPr/>
-      </p:nvGrpSpPr>
-      <p:grpSpPr>
-        <a:xfrm>
-          <a:off x="0" y="0"/>
-          <a:ext cx="0" cy="0"/>
-          <a:chOff x="0" y="0"/>
-          <a:chExt cx="0" cy="0"/>
-        </a:xfrm>
-      </p:grpSpPr>
-      <p:grpSp>
-        <p:nvGrpSpPr>
-          <p:cNvPr id="34" name="Gruppieren 33">
-            <a:extLst>
-              <a:ext uri="{FF2B5EF4-FFF2-40B4-BE49-F238E27FC236}">
-                <a16:creationId xmlns:a16="http://schemas.microsoft.com/office/drawing/2014/main" id="{0B706B9C-92B2-8E39-89A7-BAB46DFFC8A1}"/>
-              </a:ext>
-            </a:extLst>
-          </p:cNvPr>
-          <p:cNvGrpSpPr/>
-          <p:nvPr/>
-        </p:nvGrpSpPr>
-        <p:grpSpPr>
-          <a:xfrm>
-            <a:off x="739141" y="2855656"/>
-            <a:ext cx="3635585" cy="289983"/>
-            <a:chOff x="739141" y="3284008"/>
-            <a:chExt cx="3635585" cy="289983"/>
-          </a:xfrm>
-        </p:grpSpPr>
-        <p:grpSp>
-          <p:nvGrpSpPr>
-            <p:cNvPr id="35" name="Gruppieren 34">
-              <a:extLst>
-                <a:ext uri="{FF2B5EF4-FFF2-40B4-BE49-F238E27FC236}">
-                  <a16:creationId xmlns:a16="http://schemas.microsoft.com/office/drawing/2014/main" id="{30F67F38-2B70-5A80-A46F-31C332354269}"/>
-                </a:ext>
-              </a:extLst>
-            </p:cNvPr>
-            <p:cNvGrpSpPr/>
-            <p:nvPr/>
-          </p:nvGrpSpPr>
-          <p:grpSpPr>
-            <a:xfrm>
-              <a:off x="762001" y="3284008"/>
-              <a:ext cx="3589866" cy="289983"/>
-              <a:chOff x="2032000" y="2006599"/>
-              <a:chExt cx="6096000" cy="1117600"/>
-            </a:xfrm>
-          </p:grpSpPr>
-          <p:sp>
-            <p:nvSpPr>
-              <p:cNvPr id="45" name="Rechteck 44">
-                <a:extLst>
-                  <a:ext uri="{FF2B5EF4-FFF2-40B4-BE49-F238E27FC236}">
-                    <a16:creationId xmlns:a16="http://schemas.microsoft.com/office/drawing/2014/main" id="{D5B2440C-C987-A2DD-1ED9-3F1879B63FA2}"/>
-                  </a:ext>
-                </a:extLst>
-              </p:cNvPr>
-              <p:cNvSpPr/>
-              <p:nvPr/>
-            </p:nvSpPr>
-            <p:spPr>
-              <a:xfrm>
-                <a:off x="2032000" y="2006599"/>
-                <a:ext cx="6096000" cy="1117598"/>
-              </a:xfrm>
-              <a:prstGeom prst="rect">
-                <a:avLst/>
-              </a:prstGeom>
-              <a:solidFill>
-                <a:srgbClr val="D0CECE"/>
-              </a:solidFill>
-              <a:ln w="19050">
-                <a:solidFill>
-                  <a:schemeClr val="tx1"/>
-                </a:solidFill>
-                <a:prstDash val="solid"/>
-              </a:ln>
-            </p:spPr>
-            <p:style>
-              <a:lnRef idx="2">
-                <a:schemeClr val="accent1">
-                  <a:shade val="15000"/>
-                </a:schemeClr>
-              </a:lnRef>
-              <a:fillRef idx="1">
-                <a:schemeClr val="accent1"/>
-              </a:fillRef>
-              <a:effectRef idx="0">
-                <a:schemeClr val="accent1"/>
-              </a:effectRef>
-              <a:fontRef idx="minor">
-                <a:schemeClr val="lt1"/>
-              </a:fontRef>
-            </p:style>
-            <p:txBody>
-              <a:bodyPr rtlCol="0" anchor="ctr"/>
-              <a:lstStyle/>
-              <a:p>
-                <a:pPr algn="ctr"/>
-                <a:endParaRPr lang="de-DE"/>
-              </a:p>
-            </p:txBody>
-          </p:sp>
-          <p:sp>
-            <p:nvSpPr>
-              <p:cNvPr id="42" name="Rechteck 41">
-                <a:extLst>
-                  <a:ext uri="{FF2B5EF4-FFF2-40B4-BE49-F238E27FC236}">
-                    <a16:creationId xmlns:a16="http://schemas.microsoft.com/office/drawing/2014/main" id="{B2723C11-FCCF-ADB3-0897-DC89F1A018BB}"/>
-                  </a:ext>
-                </a:extLst>
-              </p:cNvPr>
-              <p:cNvSpPr/>
-              <p:nvPr/>
-            </p:nvSpPr>
-            <p:spPr>
-              <a:xfrm>
-                <a:off x="2032000" y="2006600"/>
-                <a:ext cx="6096000" cy="372533"/>
-              </a:xfrm>
-              <a:prstGeom prst="rect">
-                <a:avLst/>
-              </a:prstGeom>
-              <a:noFill/>
-              <a:ln>
-                <a:solidFill>
-                  <a:schemeClr val="tx1"/>
-                </a:solidFill>
-                <a:prstDash val="lgDash"/>
-              </a:ln>
-            </p:spPr>
-            <p:style>
-              <a:lnRef idx="2">
-                <a:schemeClr val="accent1">
-                  <a:shade val="15000"/>
-                </a:schemeClr>
-              </a:lnRef>
-              <a:fillRef idx="1">
-                <a:schemeClr val="accent1"/>
-              </a:fillRef>
-              <a:effectRef idx="0">
-                <a:schemeClr val="accent1"/>
-              </a:effectRef>
-              <a:fontRef idx="minor">
-                <a:schemeClr val="lt1"/>
-              </a:fontRef>
-            </p:style>
-            <p:txBody>
-              <a:bodyPr rtlCol="0" anchor="ctr"/>
-              <a:lstStyle/>
-              <a:p>
-                <a:pPr algn="ctr"/>
-                <a:endParaRPr lang="de-DE"/>
-              </a:p>
-            </p:txBody>
-          </p:sp>
-          <p:sp>
-            <p:nvSpPr>
-              <p:cNvPr id="43" name="Rechteck 42">
-                <a:extLst>
-                  <a:ext uri="{FF2B5EF4-FFF2-40B4-BE49-F238E27FC236}">
-                    <a16:creationId xmlns:a16="http://schemas.microsoft.com/office/drawing/2014/main" id="{5939D0D4-5103-5FF0-826C-77DE08C1CB88}"/>
-                  </a:ext>
-                </a:extLst>
-              </p:cNvPr>
-              <p:cNvSpPr/>
-              <p:nvPr/>
-            </p:nvSpPr>
-            <p:spPr>
-              <a:xfrm>
-                <a:off x="2032000" y="2379133"/>
-                <a:ext cx="6096000" cy="372533"/>
-              </a:xfrm>
-              <a:prstGeom prst="rect">
-                <a:avLst/>
-              </a:prstGeom>
-              <a:noFill/>
-              <a:ln>
-                <a:noFill/>
-                <a:prstDash val="lgDash"/>
-              </a:ln>
-            </p:spPr>
-            <p:style>
-              <a:lnRef idx="2">
-                <a:schemeClr val="accent1">
-                  <a:shade val="15000"/>
-                </a:schemeClr>
-              </a:lnRef>
-              <a:fillRef idx="1">
-                <a:schemeClr val="accent1"/>
-              </a:fillRef>
-              <a:effectRef idx="0">
-                <a:schemeClr val="accent1"/>
-              </a:effectRef>
-              <a:fontRef idx="minor">
-                <a:schemeClr val="lt1"/>
-              </a:fontRef>
-            </p:style>
-            <p:txBody>
-              <a:bodyPr rtlCol="0" anchor="ctr"/>
-              <a:lstStyle/>
-              <a:p>
-                <a:pPr algn="ctr"/>
-                <a:endParaRPr lang="de-DE"/>
-              </a:p>
-            </p:txBody>
-          </p:sp>
-          <p:sp>
-            <p:nvSpPr>
-              <p:cNvPr id="44" name="Rechteck 43">
-                <a:extLst>
-                  <a:ext uri="{FF2B5EF4-FFF2-40B4-BE49-F238E27FC236}">
-                    <a16:creationId xmlns:a16="http://schemas.microsoft.com/office/drawing/2014/main" id="{52851A60-9A18-36BD-6EA0-926F76F8371C}"/>
-                  </a:ext>
-                </a:extLst>
-              </p:cNvPr>
-              <p:cNvSpPr/>
-              <p:nvPr/>
-            </p:nvSpPr>
-            <p:spPr>
-              <a:xfrm>
-                <a:off x="2032000" y="2751666"/>
-                <a:ext cx="6096000" cy="372533"/>
-              </a:xfrm>
-              <a:prstGeom prst="rect">
-                <a:avLst/>
-              </a:prstGeom>
-              <a:noFill/>
-              <a:ln>
-                <a:solidFill>
-                  <a:schemeClr val="tx1"/>
-                </a:solidFill>
-                <a:prstDash val="lgDash"/>
-              </a:ln>
-            </p:spPr>
-            <p:style>
-              <a:lnRef idx="2">
-                <a:schemeClr val="accent1">
-                  <a:shade val="15000"/>
-                </a:schemeClr>
-              </a:lnRef>
-              <a:fillRef idx="1">
-                <a:schemeClr val="accent1"/>
-              </a:fillRef>
-              <a:effectRef idx="0">
-                <a:schemeClr val="accent1"/>
-              </a:effectRef>
-              <a:fontRef idx="minor">
-                <a:schemeClr val="lt1"/>
-              </a:fontRef>
-            </p:style>
-            <p:txBody>
-              <a:bodyPr rtlCol="0" anchor="ctr"/>
-              <a:lstStyle/>
-              <a:p>
-                <a:pPr algn="ctr"/>
-                <a:endParaRPr lang="de-DE"/>
-              </a:p>
-            </p:txBody>
-          </p:sp>
-        </p:grpSp>
-        <p:sp>
-          <p:nvSpPr>
-            <p:cNvPr id="36" name="Ellipse 35">
-              <a:extLst>
-                <a:ext uri="{FF2B5EF4-FFF2-40B4-BE49-F238E27FC236}">
-                  <a16:creationId xmlns:a16="http://schemas.microsoft.com/office/drawing/2014/main" id="{82545CBE-3C58-9DC3-95E6-EA4DD1109E43}"/>
-                </a:ext>
-              </a:extLst>
-            </p:cNvPr>
-            <p:cNvSpPr/>
-            <p:nvPr/>
-          </p:nvSpPr>
-          <p:spPr>
-            <a:xfrm>
-              <a:off x="4329007" y="3309478"/>
-              <a:ext cx="45719" cy="45719"/>
-            </a:xfrm>
-            <a:prstGeom prst="ellipse">
-              <a:avLst/>
-            </a:prstGeom>
-          </p:spPr>
-          <p:style>
-            <a:lnRef idx="2">
-              <a:schemeClr val="accent1">
-                <a:shade val="15000"/>
-              </a:schemeClr>
-            </a:lnRef>
-            <a:fillRef idx="1">
-              <a:schemeClr val="accent1"/>
-            </a:fillRef>
-            <a:effectRef idx="0">
-              <a:schemeClr val="accent1"/>
-            </a:effectRef>
-            <a:fontRef idx="minor">
-              <a:schemeClr val="lt1"/>
-            </a:fontRef>
-          </p:style>
-          <p:txBody>
-            <a:bodyPr rtlCol="0" anchor="ctr"/>
-            <a:lstStyle/>
-            <a:p>
-              <a:pPr algn="ctr"/>
-              <a:endParaRPr lang="de-DE"/>
-            </a:p>
-          </p:txBody>
-        </p:sp>
-        <p:sp>
-          <p:nvSpPr>
-            <p:cNvPr id="37" name="Ellipse 36">
-              <a:extLst>
-                <a:ext uri="{FF2B5EF4-FFF2-40B4-BE49-F238E27FC236}">
-                  <a16:creationId xmlns:a16="http://schemas.microsoft.com/office/drawing/2014/main" id="{756F5E7C-595C-BB40-D0D1-4D839BFF002A}"/>
-                </a:ext>
-              </a:extLst>
-            </p:cNvPr>
-            <p:cNvSpPr/>
-            <p:nvPr/>
-          </p:nvSpPr>
-          <p:spPr>
-            <a:xfrm>
-              <a:off x="4329007" y="3406139"/>
-              <a:ext cx="45719" cy="45719"/>
-            </a:xfrm>
-            <a:prstGeom prst="ellipse">
-              <a:avLst/>
-            </a:prstGeom>
-          </p:spPr>
-          <p:style>
-            <a:lnRef idx="2">
-              <a:schemeClr val="accent1">
-                <a:shade val="15000"/>
-              </a:schemeClr>
-            </a:lnRef>
-            <a:fillRef idx="1">
-              <a:schemeClr val="accent1"/>
-            </a:fillRef>
-            <a:effectRef idx="0">
-              <a:schemeClr val="accent1"/>
-            </a:effectRef>
-            <a:fontRef idx="minor">
-              <a:schemeClr val="lt1"/>
-            </a:fontRef>
-          </p:style>
-          <p:txBody>
-            <a:bodyPr rtlCol="0" anchor="ctr"/>
-            <a:lstStyle/>
-            <a:p>
-              <a:pPr algn="ctr"/>
-              <a:endParaRPr lang="de-DE"/>
-            </a:p>
-          </p:txBody>
-        </p:sp>
-        <p:sp>
-          <p:nvSpPr>
-            <p:cNvPr id="38" name="Ellipse 37">
-              <a:extLst>
-                <a:ext uri="{FF2B5EF4-FFF2-40B4-BE49-F238E27FC236}">
-                  <a16:creationId xmlns:a16="http://schemas.microsoft.com/office/drawing/2014/main" id="{4A6920F2-31EC-6EF8-6D7A-069B58D6F4A2}"/>
-                </a:ext>
-              </a:extLst>
-            </p:cNvPr>
-            <p:cNvSpPr/>
-            <p:nvPr/>
-          </p:nvSpPr>
-          <p:spPr>
-            <a:xfrm>
-              <a:off x="4329007" y="3502800"/>
-              <a:ext cx="45719" cy="45719"/>
-            </a:xfrm>
-            <a:prstGeom prst="ellipse">
-              <a:avLst/>
-            </a:prstGeom>
-          </p:spPr>
-          <p:style>
-            <a:lnRef idx="2">
-              <a:schemeClr val="accent1">
-                <a:shade val="15000"/>
-              </a:schemeClr>
-            </a:lnRef>
-            <a:fillRef idx="1">
-              <a:schemeClr val="accent1"/>
-            </a:fillRef>
-            <a:effectRef idx="0">
-              <a:schemeClr val="accent1"/>
-            </a:effectRef>
-            <a:fontRef idx="minor">
-              <a:schemeClr val="lt1"/>
-            </a:fontRef>
-          </p:style>
-          <p:txBody>
-            <a:bodyPr rtlCol="0" anchor="ctr"/>
-            <a:lstStyle/>
-            <a:p>
-              <a:pPr algn="ctr"/>
-              <a:endParaRPr lang="de-DE"/>
-            </a:p>
-          </p:txBody>
-        </p:sp>
-        <p:sp>
-          <p:nvSpPr>
-            <p:cNvPr id="39" name="Ellipse 38">
-              <a:extLst>
-                <a:ext uri="{FF2B5EF4-FFF2-40B4-BE49-F238E27FC236}">
-                  <a16:creationId xmlns:a16="http://schemas.microsoft.com/office/drawing/2014/main" id="{27C1C45E-FAC8-450E-B4BA-6D9B99A878B8}"/>
-                </a:ext>
-              </a:extLst>
-            </p:cNvPr>
-            <p:cNvSpPr/>
-            <p:nvPr/>
-          </p:nvSpPr>
-          <p:spPr>
-            <a:xfrm>
-              <a:off x="739141" y="3309478"/>
-              <a:ext cx="45719" cy="45719"/>
-            </a:xfrm>
-            <a:prstGeom prst="ellipse">
-              <a:avLst/>
-            </a:prstGeom>
-            <a:solidFill>
-              <a:schemeClr val="accent2"/>
-            </a:solidFill>
-          </p:spPr>
-          <p:style>
-            <a:lnRef idx="2">
-              <a:schemeClr val="accent1">
-                <a:shade val="15000"/>
-              </a:schemeClr>
-            </a:lnRef>
-            <a:fillRef idx="1">
-              <a:schemeClr val="accent1"/>
-            </a:fillRef>
-            <a:effectRef idx="0">
-              <a:schemeClr val="accent1"/>
-            </a:effectRef>
-            <a:fontRef idx="minor">
-              <a:schemeClr val="lt1"/>
-            </a:fontRef>
-          </p:style>
-          <p:txBody>
-            <a:bodyPr rtlCol="0" anchor="ctr"/>
-            <a:lstStyle/>
-            <a:p>
-              <a:pPr algn="ctr"/>
-              <a:endParaRPr lang="de-DE"/>
-            </a:p>
-          </p:txBody>
-        </p:sp>
-        <p:sp>
-          <p:nvSpPr>
-            <p:cNvPr id="40" name="Ellipse 39">
-              <a:extLst>
-                <a:ext uri="{FF2B5EF4-FFF2-40B4-BE49-F238E27FC236}">
-                  <a16:creationId xmlns:a16="http://schemas.microsoft.com/office/drawing/2014/main" id="{C2249620-BE71-87BA-C1BB-6F76542605E7}"/>
-                </a:ext>
-              </a:extLst>
-            </p:cNvPr>
-            <p:cNvSpPr/>
-            <p:nvPr/>
-          </p:nvSpPr>
-          <p:spPr>
-            <a:xfrm>
-              <a:off x="739141" y="3407921"/>
-              <a:ext cx="45719" cy="45719"/>
-            </a:xfrm>
-            <a:prstGeom prst="ellipse">
-              <a:avLst/>
-            </a:prstGeom>
-            <a:solidFill>
-              <a:schemeClr val="accent2"/>
-            </a:solidFill>
-          </p:spPr>
-          <p:style>
-            <a:lnRef idx="2">
-              <a:schemeClr val="accent1">
-                <a:shade val="15000"/>
-              </a:schemeClr>
-            </a:lnRef>
-            <a:fillRef idx="1">
-              <a:schemeClr val="accent1"/>
-            </a:fillRef>
-            <a:effectRef idx="0">
-              <a:schemeClr val="accent1"/>
-            </a:effectRef>
-            <a:fontRef idx="minor">
-              <a:schemeClr val="lt1"/>
-            </a:fontRef>
-          </p:style>
-          <p:txBody>
-            <a:bodyPr rtlCol="0" anchor="ctr"/>
-            <a:lstStyle/>
-            <a:p>
-              <a:pPr algn="ctr"/>
-              <a:endParaRPr lang="de-DE"/>
-            </a:p>
-          </p:txBody>
-        </p:sp>
-        <p:sp>
-          <p:nvSpPr>
-            <p:cNvPr id="41" name="Ellipse 40">
-              <a:extLst>
-                <a:ext uri="{FF2B5EF4-FFF2-40B4-BE49-F238E27FC236}">
-                  <a16:creationId xmlns:a16="http://schemas.microsoft.com/office/drawing/2014/main" id="{D027918D-A3CE-F74F-91E1-C7EAEC46BB23}"/>
-                </a:ext>
-              </a:extLst>
-            </p:cNvPr>
-            <p:cNvSpPr/>
-            <p:nvPr/>
-          </p:nvSpPr>
-          <p:spPr>
-            <a:xfrm>
-              <a:off x="739141" y="3498019"/>
-              <a:ext cx="45719" cy="45719"/>
-            </a:xfrm>
-            <a:prstGeom prst="ellipse">
-              <a:avLst/>
-            </a:prstGeom>
-            <a:solidFill>
-              <a:schemeClr val="accent2"/>
-            </a:solidFill>
-          </p:spPr>
-          <p:style>
-            <a:lnRef idx="2">
-              <a:schemeClr val="accent1">
-                <a:shade val="15000"/>
-              </a:schemeClr>
-            </a:lnRef>
-            <a:fillRef idx="1">
-              <a:schemeClr val="accent1"/>
-            </a:fillRef>
-            <a:effectRef idx="0">
-              <a:schemeClr val="accent1"/>
-            </a:effectRef>
-            <a:fontRef idx="minor">
-              <a:schemeClr val="lt1"/>
-            </a:fontRef>
-          </p:style>
-          <p:txBody>
-            <a:bodyPr rtlCol="0" anchor="ctr"/>
-            <a:lstStyle/>
-            <a:p>
-              <a:pPr algn="ctr"/>
-              <a:endParaRPr lang="de-DE"/>
-            </a:p>
-          </p:txBody>
-        </p:sp>
-      </p:grpSp>
-    </p:spTree>
-    <p:extLst>
-      <p:ext uri="{BB962C8B-B14F-4D97-AF65-F5344CB8AC3E}">
-        <p14:creationId xmlns:p14="http://schemas.microsoft.com/office/powerpoint/2010/main" val="3294407545"/>
-      </p:ext>
-    </p:extLst>
-  </p:cSld>
-  <p:clrMapOvr>
-    <a:masterClrMapping/>
-  </p:clrMapOvr>
-</p:sld>
-</file>
-
 <file path=ppt/theme/theme1.xml><?xml version="1.0" encoding="utf-8"?>
 <a:theme xmlns:a="http://schemas.openxmlformats.org/drawingml/2006/main" name="Office">
   <a:themeElements>

--- a/examples/UrbanTopologies.pptx
+++ b/examples/UrbanTopologies.pptx
@@ -3365,304 +3365,85 @@
           </a:prstGeom>
         </p:spPr>
       </p:pic>
-      <p:graphicFrame>
-        <p:nvGraphicFramePr>
-          <p:cNvPr id="6" name="Tabelle 5">
+      <p:grpSp>
+        <p:nvGrpSpPr>
+          <p:cNvPr id="10" name="Gruppieren 9">
             <a:extLst>
               <a:ext uri="{FF2B5EF4-FFF2-40B4-BE49-F238E27FC236}">
-                <a16:creationId xmlns:a16="http://schemas.microsoft.com/office/drawing/2014/main" id="{086377FE-081A-27DD-E153-76766AA0E5DD}"/>
+                <a16:creationId xmlns:a16="http://schemas.microsoft.com/office/drawing/2014/main" id="{B90A9061-EDE2-DA49-BF02-F4308151E04E}"/>
               </a:ext>
             </a:extLst>
           </p:cNvPr>
-          <p:cNvGraphicFramePr>
-            <a:graphicFrameLocks noGrp="1"/>
-          </p:cNvGraphicFramePr>
-          <p:nvPr>
-            <p:extLst>
-              <p:ext uri="{D42A27DB-BD31-4B8C-83A1-F6EECF244321}">
-                <p14:modId xmlns:p14="http://schemas.microsoft.com/office/powerpoint/2010/main" val="2680776969"/>
-              </p:ext>
-            </p:extLst>
-          </p:nvPr>
-        </p:nvGraphicFramePr>
-        <p:xfrm>
-          <a:off x="-169069" y="709939"/>
-          <a:ext cx="8084340" cy="370840"/>
-        </p:xfrm>
-        <a:graphic>
-          <a:graphicData uri="http://schemas.openxmlformats.org/drawingml/2006/table">
-            <a:tbl>
-              <a:tblPr firstRow="1" bandRow="1">
-                <a:tableStyleId>{5C22544A-7EE6-4342-B048-85BDC9FD1C3A}</a:tableStyleId>
-              </a:tblPr>
-              <a:tblGrid>
-                <a:gridCol w="538956">
-                  <a:extLst>
-                    <a:ext uri="{9D8B030D-6E8A-4147-A177-3AD203B41FA5}">
-                      <a16:colId xmlns:a16="http://schemas.microsoft.com/office/drawing/2014/main" val="743353961"/>
-                    </a:ext>
-                  </a:extLst>
-                </a:gridCol>
-                <a:gridCol w="538956">
-                  <a:extLst>
-                    <a:ext uri="{9D8B030D-6E8A-4147-A177-3AD203B41FA5}">
-                      <a16:colId xmlns:a16="http://schemas.microsoft.com/office/drawing/2014/main" val="1980402480"/>
-                    </a:ext>
-                  </a:extLst>
-                </a:gridCol>
-                <a:gridCol w="538956">
-                  <a:extLst>
-                    <a:ext uri="{9D8B030D-6E8A-4147-A177-3AD203B41FA5}">
-                      <a16:colId xmlns:a16="http://schemas.microsoft.com/office/drawing/2014/main" val="3577183013"/>
-                    </a:ext>
-                  </a:extLst>
-                </a:gridCol>
-                <a:gridCol w="538956">
-                  <a:extLst>
-                    <a:ext uri="{9D8B030D-6E8A-4147-A177-3AD203B41FA5}">
-                      <a16:colId xmlns:a16="http://schemas.microsoft.com/office/drawing/2014/main" val="1438581439"/>
-                    </a:ext>
-                  </a:extLst>
-                </a:gridCol>
-                <a:gridCol w="538956">
-                  <a:extLst>
-                    <a:ext uri="{9D8B030D-6E8A-4147-A177-3AD203B41FA5}">
-                      <a16:colId xmlns:a16="http://schemas.microsoft.com/office/drawing/2014/main" val="477044570"/>
-                    </a:ext>
-                  </a:extLst>
-                </a:gridCol>
-                <a:gridCol w="538956">
-                  <a:extLst>
-                    <a:ext uri="{9D8B030D-6E8A-4147-A177-3AD203B41FA5}">
-                      <a16:colId xmlns:a16="http://schemas.microsoft.com/office/drawing/2014/main" val="2168728375"/>
-                    </a:ext>
-                  </a:extLst>
-                </a:gridCol>
-                <a:gridCol w="538956">
-                  <a:extLst>
-                    <a:ext uri="{9D8B030D-6E8A-4147-A177-3AD203B41FA5}">
-                      <a16:colId xmlns:a16="http://schemas.microsoft.com/office/drawing/2014/main" val="1717008001"/>
-                    </a:ext>
-                  </a:extLst>
-                </a:gridCol>
-                <a:gridCol w="538956">
-                  <a:extLst>
-                    <a:ext uri="{9D8B030D-6E8A-4147-A177-3AD203B41FA5}">
-                      <a16:colId xmlns:a16="http://schemas.microsoft.com/office/drawing/2014/main" val="2584589054"/>
-                    </a:ext>
-                  </a:extLst>
-                </a:gridCol>
-                <a:gridCol w="538956">
-                  <a:extLst>
-                    <a:ext uri="{9D8B030D-6E8A-4147-A177-3AD203B41FA5}">
-                      <a16:colId xmlns:a16="http://schemas.microsoft.com/office/drawing/2014/main" val="2106746303"/>
-                    </a:ext>
-                  </a:extLst>
-                </a:gridCol>
-                <a:gridCol w="538956">
-                  <a:extLst>
-                    <a:ext uri="{9D8B030D-6E8A-4147-A177-3AD203B41FA5}">
-                      <a16:colId xmlns:a16="http://schemas.microsoft.com/office/drawing/2014/main" val="2919671094"/>
-                    </a:ext>
-                  </a:extLst>
-                </a:gridCol>
-                <a:gridCol w="538956">
-                  <a:extLst>
-                    <a:ext uri="{9D8B030D-6E8A-4147-A177-3AD203B41FA5}">
-                      <a16:colId xmlns:a16="http://schemas.microsoft.com/office/drawing/2014/main" val="266298411"/>
-                    </a:ext>
-                  </a:extLst>
-                </a:gridCol>
-                <a:gridCol w="538956">
-                  <a:extLst>
-                    <a:ext uri="{9D8B030D-6E8A-4147-A177-3AD203B41FA5}">
-                      <a16:colId xmlns:a16="http://schemas.microsoft.com/office/drawing/2014/main" val="1872742270"/>
-                    </a:ext>
-                  </a:extLst>
-                </a:gridCol>
-                <a:gridCol w="538956">
-                  <a:extLst>
-                    <a:ext uri="{9D8B030D-6E8A-4147-A177-3AD203B41FA5}">
-                      <a16:colId xmlns:a16="http://schemas.microsoft.com/office/drawing/2014/main" val="2136611662"/>
-                    </a:ext>
-                  </a:extLst>
-                </a:gridCol>
-                <a:gridCol w="538956">
-                  <a:extLst>
-                    <a:ext uri="{9D8B030D-6E8A-4147-A177-3AD203B41FA5}">
-                      <a16:colId xmlns:a16="http://schemas.microsoft.com/office/drawing/2014/main" val="877027050"/>
-                    </a:ext>
-                  </a:extLst>
-                </a:gridCol>
-                <a:gridCol w="538956">
-                  <a:extLst>
-                    <a:ext uri="{9D8B030D-6E8A-4147-A177-3AD203B41FA5}">
-                      <a16:colId xmlns:a16="http://schemas.microsoft.com/office/drawing/2014/main" val="2606584792"/>
-                    </a:ext>
-                  </a:extLst>
-                </a:gridCol>
-              </a:tblGrid>
-              <a:tr h="370840">
-                <a:tc>
-                  <a:txBody>
-                    <a:bodyPr/>
-                    <a:lstStyle/>
-                    <a:p>
-                      <a:endParaRPr lang="de-DE"/>
-                    </a:p>
-                  </a:txBody>
-                  <a:tcPr/>
-                </a:tc>
-                <a:tc>
-                  <a:txBody>
-                    <a:bodyPr/>
-                    <a:lstStyle/>
-                    <a:p>
-                      <a:endParaRPr lang="de-DE"/>
-                    </a:p>
-                  </a:txBody>
-                  <a:tcPr/>
-                </a:tc>
-                <a:tc>
-                  <a:txBody>
-                    <a:bodyPr/>
-                    <a:lstStyle/>
-                    <a:p>
-                      <a:endParaRPr lang="de-DE"/>
-                    </a:p>
-                  </a:txBody>
-                  <a:tcPr/>
-                </a:tc>
-                <a:tc>
-                  <a:txBody>
-                    <a:bodyPr/>
-                    <a:lstStyle/>
-                    <a:p>
-                      <a:endParaRPr lang="de-DE"/>
-                    </a:p>
-                  </a:txBody>
-                  <a:tcPr/>
-                </a:tc>
-                <a:tc>
-                  <a:txBody>
-                    <a:bodyPr/>
-                    <a:lstStyle/>
-                    <a:p>
-                      <a:endParaRPr lang="de-DE"/>
-                    </a:p>
-                  </a:txBody>
-                  <a:tcPr/>
-                </a:tc>
-                <a:tc>
-                  <a:txBody>
-                    <a:bodyPr/>
-                    <a:lstStyle/>
-                    <a:p>
-                      <a:endParaRPr lang="de-DE"/>
-                    </a:p>
-                  </a:txBody>
-                  <a:tcPr/>
-                </a:tc>
-                <a:tc>
-                  <a:txBody>
-                    <a:bodyPr/>
-                    <a:lstStyle/>
-                    <a:p>
-                      <a:endParaRPr lang="de-DE" dirty="0"/>
-                    </a:p>
-                  </a:txBody>
-                  <a:tcPr/>
-                </a:tc>
-                <a:tc>
-                  <a:txBody>
-                    <a:bodyPr/>
-                    <a:lstStyle/>
-                    <a:p>
-                      <a:endParaRPr lang="de-DE" dirty="0"/>
-                    </a:p>
-                  </a:txBody>
-                  <a:tcPr/>
-                </a:tc>
-                <a:tc>
-                  <a:txBody>
-                    <a:bodyPr/>
-                    <a:lstStyle/>
-                    <a:p>
-                      <a:endParaRPr lang="de-DE" dirty="0"/>
-                    </a:p>
-                  </a:txBody>
-                  <a:tcPr/>
-                </a:tc>
-                <a:tc>
-                  <a:txBody>
-                    <a:bodyPr/>
-                    <a:lstStyle/>
-                    <a:p>
-                      <a:endParaRPr lang="de-DE" dirty="0"/>
-                    </a:p>
-                  </a:txBody>
-                  <a:tcPr/>
-                </a:tc>
-                <a:tc>
-                  <a:txBody>
-                    <a:bodyPr/>
-                    <a:lstStyle/>
-                    <a:p>
-                      <a:endParaRPr lang="de-DE" dirty="0"/>
-                    </a:p>
-                  </a:txBody>
-                  <a:tcPr/>
-                </a:tc>
-                <a:tc>
-                  <a:txBody>
-                    <a:bodyPr/>
-                    <a:lstStyle/>
-                    <a:p>
-                      <a:endParaRPr lang="de-DE" dirty="0"/>
-                    </a:p>
-                  </a:txBody>
-                  <a:tcPr/>
-                </a:tc>
-                <a:tc>
-                  <a:txBody>
-                    <a:bodyPr/>
-                    <a:lstStyle/>
-                    <a:p>
-                      <a:endParaRPr lang="de-DE" dirty="0"/>
-                    </a:p>
-                  </a:txBody>
-                  <a:tcPr/>
-                </a:tc>
-                <a:tc>
-                  <a:txBody>
-                    <a:bodyPr/>
-                    <a:lstStyle/>
-                    <a:p>
-                      <a:endParaRPr lang="de-DE" dirty="0"/>
-                    </a:p>
-                  </a:txBody>
-                  <a:tcPr/>
-                </a:tc>
-                <a:tc>
-                  <a:txBody>
-                    <a:bodyPr/>
-                    <a:lstStyle/>
-                    <a:p>
-                      <a:endParaRPr lang="de-DE" dirty="0"/>
-                    </a:p>
-                  </a:txBody>
-                  <a:tcPr/>
-                </a:tc>
-                <a:extLst>
-                  <a:ext uri="{0D108BD9-81ED-4DB2-BD59-A6C34878D82A}">
-                    <a16:rowId xmlns:a16="http://schemas.microsoft.com/office/drawing/2014/main" val="1021208655"/>
-                  </a:ext>
-                </a:extLst>
-              </a:tr>
-            </a:tbl>
-          </a:graphicData>
-        </a:graphic>
-      </p:graphicFrame>
+          <p:cNvGrpSpPr/>
+          <p:nvPr/>
+        </p:nvGrpSpPr>
+        <p:grpSpPr>
+          <a:xfrm>
+            <a:off x="5833354" y="587931"/>
+            <a:ext cx="5947416" cy="5939328"/>
+            <a:chOff x="2568102" y="335012"/>
+            <a:chExt cx="5947416" cy="5939328"/>
+          </a:xfrm>
+        </p:grpSpPr>
+        <p:pic>
+          <p:nvPicPr>
+            <p:cNvPr id="8" name="Grafik 7">
+              <a:extLst>
+                <a:ext uri="{FF2B5EF4-FFF2-40B4-BE49-F238E27FC236}">
+                  <a16:creationId xmlns:a16="http://schemas.microsoft.com/office/drawing/2014/main" id="{11A470F5-3C8C-2547-CFB6-87F1801F91C0}"/>
+                </a:ext>
+              </a:extLst>
+            </p:cNvPr>
+            <p:cNvPicPr>
+              <a:picLocks noChangeAspect="1"/>
+            </p:cNvPicPr>
+            <p:nvPr/>
+          </p:nvPicPr>
+          <p:blipFill>
+            <a:blip r:embed="rId3"/>
+            <a:srcRect l="6556" r="20205" b="4018"/>
+            <a:stretch/>
+          </p:blipFill>
+          <p:spPr>
+            <a:xfrm>
+              <a:off x="2568102" y="335012"/>
+              <a:ext cx="5947416" cy="5939328"/>
+            </a:xfrm>
+            <a:prstGeom prst="rect">
+              <a:avLst/>
+            </a:prstGeom>
+          </p:spPr>
+        </p:pic>
+        <p:pic>
+          <p:nvPicPr>
+            <p:cNvPr id="9" name="Grafik 8">
+              <a:extLst>
+                <a:ext uri="{FF2B5EF4-FFF2-40B4-BE49-F238E27FC236}">
+                  <a16:creationId xmlns:a16="http://schemas.microsoft.com/office/drawing/2014/main" id="{D5B369CE-198A-78A0-4231-DB6E3EAC8879}"/>
+                </a:ext>
+              </a:extLst>
+            </p:cNvPr>
+            <p:cNvPicPr>
+              <a:picLocks noChangeAspect="1"/>
+            </p:cNvPicPr>
+            <p:nvPr/>
+          </p:nvPicPr>
+          <p:blipFill>
+            <a:blip r:embed="rId3"/>
+            <a:srcRect r="26861" b="3887"/>
+            <a:stretch/>
+          </p:blipFill>
+          <p:spPr>
+            <a:xfrm rot="5400000">
+              <a:off x="2572146" y="330968"/>
+              <a:ext cx="5939328" cy="5947416"/>
+            </a:xfrm>
+            <a:prstGeom prst="rect">
+              <a:avLst/>
+            </a:prstGeom>
+          </p:spPr>
+        </p:pic>
+      </p:grpSp>
     </p:spTree>
     <p:extLst>
       <p:ext uri="{BB962C8B-B14F-4D97-AF65-F5344CB8AC3E}">

--- a/examples/UrbanTopologies.pptx
+++ b/examples/UrbanTopologies.pptx
@@ -5,16 +5,17 @@
     <p:sldMasterId id="2147483648" r:id="rId1"/>
   </p:sldMasterIdLst>
   <p:sldIdLst>
-    <p:sldId id="265" r:id="rId2"/>
-    <p:sldId id="264" r:id="rId3"/>
-    <p:sldId id="263" r:id="rId4"/>
-    <p:sldId id="262" r:id="rId5"/>
-    <p:sldId id="261" r:id="rId6"/>
-    <p:sldId id="260" r:id="rId7"/>
-    <p:sldId id="256" r:id="rId8"/>
-    <p:sldId id="259" r:id="rId9"/>
-    <p:sldId id="257" r:id="rId10"/>
-    <p:sldId id="258" r:id="rId11"/>
+    <p:sldId id="266" r:id="rId2"/>
+    <p:sldId id="265" r:id="rId3"/>
+    <p:sldId id="264" r:id="rId4"/>
+    <p:sldId id="263" r:id="rId5"/>
+    <p:sldId id="262" r:id="rId6"/>
+    <p:sldId id="261" r:id="rId7"/>
+    <p:sldId id="260" r:id="rId8"/>
+    <p:sldId id="256" r:id="rId9"/>
+    <p:sldId id="259" r:id="rId10"/>
+    <p:sldId id="257" r:id="rId11"/>
+    <p:sldId id="258" r:id="rId12"/>
   </p:sldIdLst>
   <p:sldSz cx="12192000" cy="6858000"/>
   <p:notesSz cx="6858000" cy="9144000"/>
@@ -268,7 +269,7 @@
           <a:p>
             <a:fld id="{F3EB2857-2321-4C4D-8D06-77DF79DF910F}" type="datetimeFigureOut">
               <a:rPr lang="de-DE" smtClean="0"/>
-              <a:t>28.01.2025</a:t>
+              <a:t>29.01.2025</a:t>
             </a:fld>
             <a:endParaRPr lang="de-DE"/>
           </a:p>
@@ -466,7 +467,7 @@
           <a:p>
             <a:fld id="{F3EB2857-2321-4C4D-8D06-77DF79DF910F}" type="datetimeFigureOut">
               <a:rPr lang="de-DE" smtClean="0"/>
-              <a:t>28.01.2025</a:t>
+              <a:t>29.01.2025</a:t>
             </a:fld>
             <a:endParaRPr lang="de-DE"/>
           </a:p>
@@ -674,7 +675,7 @@
           <a:p>
             <a:fld id="{F3EB2857-2321-4C4D-8D06-77DF79DF910F}" type="datetimeFigureOut">
               <a:rPr lang="de-DE" smtClean="0"/>
-              <a:t>28.01.2025</a:t>
+              <a:t>29.01.2025</a:t>
             </a:fld>
             <a:endParaRPr lang="de-DE"/>
           </a:p>
@@ -872,7 +873,7 @@
           <a:p>
             <a:fld id="{F3EB2857-2321-4C4D-8D06-77DF79DF910F}" type="datetimeFigureOut">
               <a:rPr lang="de-DE" smtClean="0"/>
-              <a:t>28.01.2025</a:t>
+              <a:t>29.01.2025</a:t>
             </a:fld>
             <a:endParaRPr lang="de-DE"/>
           </a:p>
@@ -1147,7 +1148,7 @@
           <a:p>
             <a:fld id="{F3EB2857-2321-4C4D-8D06-77DF79DF910F}" type="datetimeFigureOut">
               <a:rPr lang="de-DE" smtClean="0"/>
-              <a:t>28.01.2025</a:t>
+              <a:t>29.01.2025</a:t>
             </a:fld>
             <a:endParaRPr lang="de-DE"/>
           </a:p>
@@ -1412,7 +1413,7 @@
           <a:p>
             <a:fld id="{F3EB2857-2321-4C4D-8D06-77DF79DF910F}" type="datetimeFigureOut">
               <a:rPr lang="de-DE" smtClean="0"/>
-              <a:t>28.01.2025</a:t>
+              <a:t>29.01.2025</a:t>
             </a:fld>
             <a:endParaRPr lang="de-DE"/>
           </a:p>
@@ -1824,7 +1825,7 @@
           <a:p>
             <a:fld id="{F3EB2857-2321-4C4D-8D06-77DF79DF910F}" type="datetimeFigureOut">
               <a:rPr lang="de-DE" smtClean="0"/>
-              <a:t>28.01.2025</a:t>
+              <a:t>29.01.2025</a:t>
             </a:fld>
             <a:endParaRPr lang="de-DE"/>
           </a:p>
@@ -1965,7 +1966,7 @@
           <a:p>
             <a:fld id="{F3EB2857-2321-4C4D-8D06-77DF79DF910F}" type="datetimeFigureOut">
               <a:rPr lang="de-DE" smtClean="0"/>
-              <a:t>28.01.2025</a:t>
+              <a:t>29.01.2025</a:t>
             </a:fld>
             <a:endParaRPr lang="de-DE"/>
           </a:p>
@@ -2078,7 +2079,7 @@
           <a:p>
             <a:fld id="{F3EB2857-2321-4C4D-8D06-77DF79DF910F}" type="datetimeFigureOut">
               <a:rPr lang="de-DE" smtClean="0"/>
-              <a:t>28.01.2025</a:t>
+              <a:t>29.01.2025</a:t>
             </a:fld>
             <a:endParaRPr lang="de-DE"/>
           </a:p>
@@ -2389,7 +2390,7 @@
           <a:p>
             <a:fld id="{F3EB2857-2321-4C4D-8D06-77DF79DF910F}" type="datetimeFigureOut">
               <a:rPr lang="de-DE" smtClean="0"/>
-              <a:t>28.01.2025</a:t>
+              <a:t>29.01.2025</a:t>
             </a:fld>
             <a:endParaRPr lang="de-DE"/>
           </a:p>
@@ -2677,7 +2678,7 @@
           <a:p>
             <a:fld id="{F3EB2857-2321-4C4D-8D06-77DF79DF910F}" type="datetimeFigureOut">
               <a:rPr lang="de-DE" smtClean="0"/>
-              <a:t>28.01.2025</a:t>
+              <a:t>29.01.2025</a:t>
             </a:fld>
             <a:endParaRPr lang="de-DE"/>
           </a:p>
@@ -2918,7 +2919,7 @@
           <a:p>
             <a:fld id="{F3EB2857-2321-4C4D-8D06-77DF79DF910F}" type="datetimeFigureOut">
               <a:rPr lang="de-DE" smtClean="0"/>
-              <a:t>28.01.2025</a:t>
+              <a:t>29.01.2025</a:t>
             </a:fld>
             <a:endParaRPr lang="de-DE"/>
           </a:p>
@@ -3335,42 +3336,58 @@
           <a:chExt cx="0" cy="0"/>
         </a:xfrm>
       </p:grpSpPr>
-      <p:pic>
-        <p:nvPicPr>
-          <p:cNvPr id="5" name="Grafik 4">
+      <p:sp>
+        <p:nvSpPr>
+          <p:cNvPr id="10" name="Rechteck 9">
             <a:extLst>
               <a:ext uri="{FF2B5EF4-FFF2-40B4-BE49-F238E27FC236}">
-                <a16:creationId xmlns:a16="http://schemas.microsoft.com/office/drawing/2014/main" id="{E20606DD-2019-7750-3747-4C1257DFDE76}"/>
+                <a16:creationId xmlns:a16="http://schemas.microsoft.com/office/drawing/2014/main" id="{8FB49E5C-18CC-0269-3C93-649E336DBB8F}"/>
               </a:ext>
             </a:extLst>
           </p:cNvPr>
-          <p:cNvPicPr>
-            <a:picLocks noChangeAspect="1"/>
-          </p:cNvPicPr>
+          <p:cNvSpPr/>
           <p:nvPr/>
-        </p:nvPicPr>
-        <p:blipFill>
-          <a:blip r:embed="rId2"/>
-          <a:stretch>
-            <a:fillRect/>
-          </a:stretch>
-        </p:blipFill>
+        </p:nvSpPr>
         <p:spPr>
           <a:xfrm>
-            <a:off x="70757" y="0"/>
-            <a:ext cx="12050486" cy="6858000"/>
+            <a:off x="3667125" y="2486025"/>
+            <a:ext cx="4895850" cy="4124325"/>
           </a:xfrm>
           <a:prstGeom prst="rect">
             <a:avLst/>
           </a:prstGeom>
         </p:spPr>
-      </p:pic>
+        <p:style>
+          <a:lnRef idx="2">
+            <a:schemeClr val="accent1">
+              <a:shade val="15000"/>
+            </a:schemeClr>
+          </a:lnRef>
+          <a:fillRef idx="1">
+            <a:schemeClr val="accent1"/>
+          </a:fillRef>
+          <a:effectRef idx="0">
+            <a:schemeClr val="accent1"/>
+          </a:effectRef>
+          <a:fontRef idx="minor">
+            <a:schemeClr val="lt1"/>
+          </a:fontRef>
+        </p:style>
+        <p:txBody>
+          <a:bodyPr rtlCol="0" anchor="ctr"/>
+          <a:lstStyle/>
+          <a:p>
+            <a:pPr algn="ctr"/>
+            <a:endParaRPr lang="de-DE"/>
+          </a:p>
+        </p:txBody>
+      </p:sp>
       <p:grpSp>
         <p:nvGrpSpPr>
-          <p:cNvPr id="10" name="Gruppieren 9">
+          <p:cNvPr id="6" name="Gruppieren 5">
             <a:extLst>
               <a:ext uri="{FF2B5EF4-FFF2-40B4-BE49-F238E27FC236}">
-                <a16:creationId xmlns:a16="http://schemas.microsoft.com/office/drawing/2014/main" id="{B90A9061-EDE2-DA49-BF02-F4308151E04E}"/>
+                <a16:creationId xmlns:a16="http://schemas.microsoft.com/office/drawing/2014/main" id="{BB8718E4-0E98-03BC-06EE-6439E7269D20}"/>
               </a:ext>
             </a:extLst>
           </p:cNvPr>
@@ -3379,18 +3396,19 @@
         </p:nvGrpSpPr>
         <p:grpSpPr>
           <a:xfrm>
-            <a:off x="5833354" y="587931"/>
-            <a:ext cx="5947416" cy="5939328"/>
+            <a:off x="4111625" y="2962275"/>
+            <a:ext cx="3232825" cy="3228429"/>
             <a:chOff x="2568102" y="335012"/>
             <a:chExt cx="5947416" cy="5939328"/>
           </a:xfrm>
+          <a:noFill/>
         </p:grpSpPr>
         <p:pic>
           <p:nvPicPr>
-            <p:cNvPr id="8" name="Grafik 7">
+            <p:cNvPr id="7" name="Grafik 6">
               <a:extLst>
                 <a:ext uri="{FF2B5EF4-FFF2-40B4-BE49-F238E27FC236}">
-                  <a16:creationId xmlns:a16="http://schemas.microsoft.com/office/drawing/2014/main" id="{11A470F5-3C8C-2547-CFB6-87F1801F91C0}"/>
+                  <a16:creationId xmlns:a16="http://schemas.microsoft.com/office/drawing/2014/main" id="{E795E98A-93FF-0A22-32E5-479D6620D84F}"/>
                 </a:ext>
               </a:extLst>
             </p:cNvPr>
@@ -3400,7 +3418,7 @@
             <p:nvPr/>
           </p:nvPicPr>
           <p:blipFill>
-            <a:blip r:embed="rId3"/>
+            <a:blip r:embed="rId2"/>
             <a:srcRect l="6556" r="20205" b="4018"/>
             <a:stretch/>
           </p:blipFill>
@@ -3412,14 +3430,18 @@
             <a:prstGeom prst="rect">
               <a:avLst/>
             </a:prstGeom>
+            <a:grpFill/>
+            <a:ln>
+              <a:noFill/>
+            </a:ln>
           </p:spPr>
         </p:pic>
         <p:pic>
           <p:nvPicPr>
-            <p:cNvPr id="9" name="Grafik 8">
+            <p:cNvPr id="8" name="Grafik 7">
               <a:extLst>
                 <a:ext uri="{FF2B5EF4-FFF2-40B4-BE49-F238E27FC236}">
-                  <a16:creationId xmlns:a16="http://schemas.microsoft.com/office/drawing/2014/main" id="{D5B369CE-198A-78A0-4231-DB6E3EAC8879}"/>
+                  <a16:creationId xmlns:a16="http://schemas.microsoft.com/office/drawing/2014/main" id="{44F4F070-C9EC-3BE5-BD83-00E91D0FB8BE}"/>
                 </a:ext>
               </a:extLst>
             </p:cNvPr>
@@ -3429,7 +3451,7 @@
             <p:nvPr/>
           </p:nvPicPr>
           <p:blipFill>
-            <a:blip r:embed="rId3"/>
+            <a:blip r:embed="rId2"/>
             <a:srcRect r="26861" b="3887"/>
             <a:stretch/>
           </p:blipFill>
@@ -3441,13 +3463,81 @@
             <a:prstGeom prst="rect">
               <a:avLst/>
             </a:prstGeom>
+            <a:grpFill/>
+            <a:ln>
+              <a:noFill/>
+            </a:ln>
           </p:spPr>
         </p:pic>
       </p:grpSp>
+      <p:pic>
+        <p:nvPicPr>
+          <p:cNvPr id="5" name="Grafik 4">
+            <a:extLst>
+              <a:ext uri="{FF2B5EF4-FFF2-40B4-BE49-F238E27FC236}">
+                <a16:creationId xmlns:a16="http://schemas.microsoft.com/office/drawing/2014/main" id="{027C937A-D541-8088-0C4D-01DD2A4A7A53}"/>
+              </a:ext>
+            </a:extLst>
+          </p:cNvPr>
+          <p:cNvPicPr>
+            <a:picLocks noChangeAspect="1"/>
+          </p:cNvPicPr>
+          <p:nvPr/>
+        </p:nvPicPr>
+        <p:blipFill>
+          <a:blip r:embed="rId3"/>
+          <a:srcRect l="4821" t="5471" r="28175" b="41823"/>
+          <a:stretch/>
+        </p:blipFill>
+        <p:spPr>
+          <a:xfrm>
+            <a:off x="4124325" y="2962275"/>
+            <a:ext cx="2924175" cy="552450"/>
+          </a:xfrm>
+          <a:prstGeom prst="rect">
+            <a:avLst/>
+          </a:prstGeom>
+          <a:solidFill>
+            <a:schemeClr val="tx1"/>
+          </a:solidFill>
+        </p:spPr>
+      </p:pic>
+      <p:pic>
+        <p:nvPicPr>
+          <p:cNvPr id="9" name="Grafik 8">
+            <a:extLst>
+              <a:ext uri="{FF2B5EF4-FFF2-40B4-BE49-F238E27FC236}">
+                <a16:creationId xmlns:a16="http://schemas.microsoft.com/office/drawing/2014/main" id="{AF855DC5-C845-249A-A43F-FFEEDE1C7F5E}"/>
+              </a:ext>
+            </a:extLst>
+          </p:cNvPr>
+          <p:cNvPicPr>
+            <a:picLocks noChangeAspect="1"/>
+          </p:cNvPicPr>
+          <p:nvPr/>
+        </p:nvPicPr>
+        <p:blipFill>
+          <a:blip r:embed="rId3"/>
+          <a:srcRect l="31109" t="15603" r="1668" b="5473"/>
+          <a:stretch/>
+        </p:blipFill>
+        <p:spPr>
+          <a:xfrm>
+            <a:off x="5267325" y="2935135"/>
+            <a:ext cx="2933700" cy="827240"/>
+          </a:xfrm>
+          <a:prstGeom prst="rect">
+            <a:avLst/>
+          </a:prstGeom>
+          <a:solidFill>
+            <a:schemeClr val="tx1"/>
+          </a:solidFill>
+        </p:spPr>
+      </p:pic>
     </p:spTree>
     <p:extLst>
       <p:ext uri="{BB962C8B-B14F-4D97-AF65-F5344CB8AC3E}">
-        <p14:creationId xmlns:p14="http://schemas.microsoft.com/office/powerpoint/2010/main" val="1585009156"/>
+        <p14:creationId xmlns:p14="http://schemas.microsoft.com/office/powerpoint/2010/main" val="2581014191"/>
       </p:ext>
     </p:extLst>
   </p:cSld>
@@ -3458,6 +3548,4596 @@
 </file>
 
 <file path=ppt/slides/slide10.xml><?xml version="1.0" encoding="utf-8"?>
+<p:sld xmlns:a="http://schemas.openxmlformats.org/drawingml/2006/main" xmlns:r="http://schemas.openxmlformats.org/officeDocument/2006/relationships" xmlns:p="http://schemas.openxmlformats.org/presentationml/2006/main">
+  <p:cSld>
+    <p:spTree>
+      <p:nvGrpSpPr>
+        <p:cNvPr id="1" name=""/>
+        <p:cNvGrpSpPr/>
+        <p:nvPr/>
+      </p:nvGrpSpPr>
+      <p:grpSpPr>
+        <a:xfrm>
+          <a:off x="0" y="0"/>
+          <a:ext cx="0" cy="0"/>
+          <a:chOff x="0" y="0"/>
+          <a:chExt cx="0" cy="0"/>
+        </a:xfrm>
+      </p:grpSpPr>
+      <p:grpSp>
+        <p:nvGrpSpPr>
+          <p:cNvPr id="57" name="Gruppieren 56">
+            <a:extLst>
+              <a:ext uri="{FF2B5EF4-FFF2-40B4-BE49-F238E27FC236}">
+                <a16:creationId xmlns:a16="http://schemas.microsoft.com/office/drawing/2014/main" id="{F4F72118-613C-3E14-1BED-420740B469C7}"/>
+              </a:ext>
+            </a:extLst>
+          </p:cNvPr>
+          <p:cNvGrpSpPr/>
+          <p:nvPr/>
+        </p:nvGrpSpPr>
+        <p:grpSpPr>
+          <a:xfrm>
+            <a:off x="3559864" y="5505682"/>
+            <a:ext cx="2536136" cy="488406"/>
+            <a:chOff x="2460415" y="3039806"/>
+            <a:chExt cx="1505794" cy="289983"/>
+          </a:xfrm>
+        </p:grpSpPr>
+        <p:sp>
+          <p:nvSpPr>
+            <p:cNvPr id="45" name="Rechteck 44">
+              <a:extLst>
+                <a:ext uri="{FF2B5EF4-FFF2-40B4-BE49-F238E27FC236}">
+                  <a16:creationId xmlns:a16="http://schemas.microsoft.com/office/drawing/2014/main" id="{D5B2440C-C987-A2DD-1ED9-3F1879B63FA2}"/>
+                </a:ext>
+              </a:extLst>
+            </p:cNvPr>
+            <p:cNvSpPr/>
+            <p:nvPr/>
+          </p:nvSpPr>
+          <p:spPr>
+            <a:xfrm>
+              <a:off x="2483275" y="3039806"/>
+              <a:ext cx="1460075" cy="289982"/>
+            </a:xfrm>
+            <a:prstGeom prst="rect">
+              <a:avLst/>
+            </a:prstGeom>
+            <a:solidFill>
+              <a:schemeClr val="bg2">
+                <a:lumMod val="90000"/>
+              </a:schemeClr>
+            </a:solidFill>
+            <a:ln w="19050">
+              <a:solidFill>
+                <a:schemeClr val="tx1"/>
+              </a:solidFill>
+              <a:prstDash val="solid"/>
+            </a:ln>
+          </p:spPr>
+          <p:style>
+            <a:lnRef idx="2">
+              <a:schemeClr val="accent1">
+                <a:shade val="15000"/>
+              </a:schemeClr>
+            </a:lnRef>
+            <a:fillRef idx="1">
+              <a:schemeClr val="accent1"/>
+            </a:fillRef>
+            <a:effectRef idx="0">
+              <a:schemeClr val="accent1"/>
+            </a:effectRef>
+            <a:fontRef idx="minor">
+              <a:schemeClr val="lt1"/>
+            </a:fontRef>
+          </p:style>
+          <p:txBody>
+            <a:bodyPr rtlCol="0" anchor="ctr"/>
+            <a:lstStyle/>
+            <a:p>
+              <a:pPr algn="ctr"/>
+              <a:endParaRPr lang="de-DE"/>
+            </a:p>
+          </p:txBody>
+        </p:sp>
+        <p:sp>
+          <p:nvSpPr>
+            <p:cNvPr id="42" name="Rechteck 41">
+              <a:extLst>
+                <a:ext uri="{FF2B5EF4-FFF2-40B4-BE49-F238E27FC236}">
+                  <a16:creationId xmlns:a16="http://schemas.microsoft.com/office/drawing/2014/main" id="{B2723C11-FCCF-ADB3-0897-DC89F1A018BB}"/>
+                </a:ext>
+              </a:extLst>
+            </p:cNvPr>
+            <p:cNvSpPr/>
+            <p:nvPr/>
+          </p:nvSpPr>
+          <p:spPr>
+            <a:xfrm>
+              <a:off x="2483275" y="3039806"/>
+              <a:ext cx="1460075" cy="96661"/>
+            </a:xfrm>
+            <a:prstGeom prst="rect">
+              <a:avLst/>
+            </a:prstGeom>
+            <a:noFill/>
+            <a:ln>
+              <a:solidFill>
+                <a:schemeClr val="tx1"/>
+              </a:solidFill>
+              <a:prstDash val="lgDash"/>
+            </a:ln>
+          </p:spPr>
+          <p:style>
+            <a:lnRef idx="2">
+              <a:schemeClr val="accent1">
+                <a:shade val="15000"/>
+              </a:schemeClr>
+            </a:lnRef>
+            <a:fillRef idx="1">
+              <a:schemeClr val="accent1"/>
+            </a:fillRef>
+            <a:effectRef idx="0">
+              <a:schemeClr val="accent1"/>
+            </a:effectRef>
+            <a:fontRef idx="minor">
+              <a:schemeClr val="lt1"/>
+            </a:fontRef>
+          </p:style>
+          <p:txBody>
+            <a:bodyPr rtlCol="0" anchor="ctr"/>
+            <a:lstStyle/>
+            <a:p>
+              <a:pPr algn="ctr"/>
+              <a:endParaRPr lang="de-DE"/>
+            </a:p>
+          </p:txBody>
+        </p:sp>
+        <p:sp>
+          <p:nvSpPr>
+            <p:cNvPr id="43" name="Rechteck 42">
+              <a:extLst>
+                <a:ext uri="{FF2B5EF4-FFF2-40B4-BE49-F238E27FC236}">
+                  <a16:creationId xmlns:a16="http://schemas.microsoft.com/office/drawing/2014/main" id="{5939D0D4-5103-5FF0-826C-77DE08C1CB88}"/>
+                </a:ext>
+              </a:extLst>
+            </p:cNvPr>
+            <p:cNvSpPr/>
+            <p:nvPr/>
+          </p:nvSpPr>
+          <p:spPr>
+            <a:xfrm>
+              <a:off x="2483275" y="3136467"/>
+              <a:ext cx="1460075" cy="96661"/>
+            </a:xfrm>
+            <a:prstGeom prst="rect">
+              <a:avLst/>
+            </a:prstGeom>
+            <a:noFill/>
+            <a:ln>
+              <a:noFill/>
+              <a:prstDash val="lgDash"/>
+            </a:ln>
+          </p:spPr>
+          <p:style>
+            <a:lnRef idx="2">
+              <a:schemeClr val="accent1">
+                <a:shade val="15000"/>
+              </a:schemeClr>
+            </a:lnRef>
+            <a:fillRef idx="1">
+              <a:schemeClr val="accent1"/>
+            </a:fillRef>
+            <a:effectRef idx="0">
+              <a:schemeClr val="accent1"/>
+            </a:effectRef>
+            <a:fontRef idx="minor">
+              <a:schemeClr val="lt1"/>
+            </a:fontRef>
+          </p:style>
+          <p:txBody>
+            <a:bodyPr rtlCol="0" anchor="ctr"/>
+            <a:lstStyle/>
+            <a:p>
+              <a:pPr algn="ctr"/>
+              <a:endParaRPr lang="de-DE"/>
+            </a:p>
+          </p:txBody>
+        </p:sp>
+        <p:sp>
+          <p:nvSpPr>
+            <p:cNvPr id="44" name="Rechteck 43">
+              <a:extLst>
+                <a:ext uri="{FF2B5EF4-FFF2-40B4-BE49-F238E27FC236}">
+                  <a16:creationId xmlns:a16="http://schemas.microsoft.com/office/drawing/2014/main" id="{52851A60-9A18-36BD-6EA0-926F76F8371C}"/>
+                </a:ext>
+              </a:extLst>
+            </p:cNvPr>
+            <p:cNvSpPr/>
+            <p:nvPr/>
+          </p:nvSpPr>
+          <p:spPr>
+            <a:xfrm>
+              <a:off x="2483275" y="3233128"/>
+              <a:ext cx="1460075" cy="96661"/>
+            </a:xfrm>
+            <a:prstGeom prst="rect">
+              <a:avLst/>
+            </a:prstGeom>
+            <a:noFill/>
+            <a:ln>
+              <a:solidFill>
+                <a:schemeClr val="tx1"/>
+              </a:solidFill>
+              <a:prstDash val="lgDash"/>
+            </a:ln>
+          </p:spPr>
+          <p:style>
+            <a:lnRef idx="2">
+              <a:schemeClr val="accent1">
+                <a:shade val="15000"/>
+              </a:schemeClr>
+            </a:lnRef>
+            <a:fillRef idx="1">
+              <a:schemeClr val="accent1"/>
+            </a:fillRef>
+            <a:effectRef idx="0">
+              <a:schemeClr val="accent1"/>
+            </a:effectRef>
+            <a:fontRef idx="minor">
+              <a:schemeClr val="lt1"/>
+            </a:fontRef>
+          </p:style>
+          <p:txBody>
+            <a:bodyPr rtlCol="0" anchor="ctr"/>
+            <a:lstStyle/>
+            <a:p>
+              <a:pPr algn="ctr"/>
+              <a:endParaRPr lang="de-DE"/>
+            </a:p>
+          </p:txBody>
+        </p:sp>
+        <p:sp>
+          <p:nvSpPr>
+            <p:cNvPr id="36" name="Ellipse 35">
+              <a:extLst>
+                <a:ext uri="{FF2B5EF4-FFF2-40B4-BE49-F238E27FC236}">
+                  <a16:creationId xmlns:a16="http://schemas.microsoft.com/office/drawing/2014/main" id="{82545CBE-3C58-9DC3-95E6-EA4DD1109E43}"/>
+                </a:ext>
+              </a:extLst>
+            </p:cNvPr>
+            <p:cNvSpPr/>
+            <p:nvPr/>
+          </p:nvSpPr>
+          <p:spPr>
+            <a:xfrm>
+              <a:off x="3920490" y="3065276"/>
+              <a:ext cx="45719" cy="45719"/>
+            </a:xfrm>
+            <a:prstGeom prst="ellipse">
+              <a:avLst/>
+            </a:prstGeom>
+          </p:spPr>
+          <p:style>
+            <a:lnRef idx="2">
+              <a:schemeClr val="accent1">
+                <a:shade val="15000"/>
+              </a:schemeClr>
+            </a:lnRef>
+            <a:fillRef idx="1">
+              <a:schemeClr val="accent1"/>
+            </a:fillRef>
+            <a:effectRef idx="0">
+              <a:schemeClr val="accent1"/>
+            </a:effectRef>
+            <a:fontRef idx="minor">
+              <a:schemeClr val="lt1"/>
+            </a:fontRef>
+          </p:style>
+          <p:txBody>
+            <a:bodyPr rtlCol="0" anchor="ctr"/>
+            <a:lstStyle/>
+            <a:p>
+              <a:pPr algn="ctr"/>
+              <a:endParaRPr lang="de-DE"/>
+            </a:p>
+          </p:txBody>
+        </p:sp>
+        <p:sp>
+          <p:nvSpPr>
+            <p:cNvPr id="37" name="Ellipse 36">
+              <a:extLst>
+                <a:ext uri="{FF2B5EF4-FFF2-40B4-BE49-F238E27FC236}">
+                  <a16:creationId xmlns:a16="http://schemas.microsoft.com/office/drawing/2014/main" id="{756F5E7C-595C-BB40-D0D1-4D839BFF002A}"/>
+                </a:ext>
+              </a:extLst>
+            </p:cNvPr>
+            <p:cNvSpPr/>
+            <p:nvPr/>
+          </p:nvSpPr>
+          <p:spPr>
+            <a:xfrm>
+              <a:off x="3920490" y="3161937"/>
+              <a:ext cx="45719" cy="45719"/>
+            </a:xfrm>
+            <a:prstGeom prst="ellipse">
+              <a:avLst/>
+            </a:prstGeom>
+          </p:spPr>
+          <p:style>
+            <a:lnRef idx="2">
+              <a:schemeClr val="accent1">
+                <a:shade val="15000"/>
+              </a:schemeClr>
+            </a:lnRef>
+            <a:fillRef idx="1">
+              <a:schemeClr val="accent1"/>
+            </a:fillRef>
+            <a:effectRef idx="0">
+              <a:schemeClr val="accent1"/>
+            </a:effectRef>
+            <a:fontRef idx="minor">
+              <a:schemeClr val="lt1"/>
+            </a:fontRef>
+          </p:style>
+          <p:txBody>
+            <a:bodyPr rtlCol="0" anchor="ctr"/>
+            <a:lstStyle/>
+            <a:p>
+              <a:pPr algn="ctr"/>
+              <a:endParaRPr lang="de-DE"/>
+            </a:p>
+          </p:txBody>
+        </p:sp>
+        <p:sp>
+          <p:nvSpPr>
+            <p:cNvPr id="38" name="Ellipse 37">
+              <a:extLst>
+                <a:ext uri="{FF2B5EF4-FFF2-40B4-BE49-F238E27FC236}">
+                  <a16:creationId xmlns:a16="http://schemas.microsoft.com/office/drawing/2014/main" id="{4A6920F2-31EC-6EF8-6D7A-069B58D6F4A2}"/>
+                </a:ext>
+              </a:extLst>
+            </p:cNvPr>
+            <p:cNvSpPr/>
+            <p:nvPr/>
+          </p:nvSpPr>
+          <p:spPr>
+            <a:xfrm>
+              <a:off x="3920490" y="3258598"/>
+              <a:ext cx="45719" cy="45719"/>
+            </a:xfrm>
+            <a:prstGeom prst="ellipse">
+              <a:avLst/>
+            </a:prstGeom>
+          </p:spPr>
+          <p:style>
+            <a:lnRef idx="2">
+              <a:schemeClr val="accent1">
+                <a:shade val="15000"/>
+              </a:schemeClr>
+            </a:lnRef>
+            <a:fillRef idx="1">
+              <a:schemeClr val="accent1"/>
+            </a:fillRef>
+            <a:effectRef idx="0">
+              <a:schemeClr val="accent1"/>
+            </a:effectRef>
+            <a:fontRef idx="minor">
+              <a:schemeClr val="lt1"/>
+            </a:fontRef>
+          </p:style>
+          <p:txBody>
+            <a:bodyPr rtlCol="0" anchor="ctr"/>
+            <a:lstStyle/>
+            <a:p>
+              <a:pPr algn="ctr"/>
+              <a:endParaRPr lang="de-DE"/>
+            </a:p>
+          </p:txBody>
+        </p:sp>
+        <p:sp>
+          <p:nvSpPr>
+            <p:cNvPr id="39" name="Ellipse 38">
+              <a:extLst>
+                <a:ext uri="{FF2B5EF4-FFF2-40B4-BE49-F238E27FC236}">
+                  <a16:creationId xmlns:a16="http://schemas.microsoft.com/office/drawing/2014/main" id="{27C1C45E-FAC8-450E-B4BA-6D9B99A878B8}"/>
+                </a:ext>
+              </a:extLst>
+            </p:cNvPr>
+            <p:cNvSpPr/>
+            <p:nvPr/>
+          </p:nvSpPr>
+          <p:spPr>
+            <a:xfrm>
+              <a:off x="2460415" y="3065276"/>
+              <a:ext cx="45719" cy="45719"/>
+            </a:xfrm>
+            <a:prstGeom prst="ellipse">
+              <a:avLst/>
+            </a:prstGeom>
+            <a:solidFill>
+              <a:schemeClr val="accent2"/>
+            </a:solidFill>
+          </p:spPr>
+          <p:style>
+            <a:lnRef idx="2">
+              <a:schemeClr val="accent1">
+                <a:shade val="15000"/>
+              </a:schemeClr>
+            </a:lnRef>
+            <a:fillRef idx="1">
+              <a:schemeClr val="accent1"/>
+            </a:fillRef>
+            <a:effectRef idx="0">
+              <a:schemeClr val="accent1"/>
+            </a:effectRef>
+            <a:fontRef idx="minor">
+              <a:schemeClr val="lt1"/>
+            </a:fontRef>
+          </p:style>
+          <p:txBody>
+            <a:bodyPr rtlCol="0" anchor="ctr"/>
+            <a:lstStyle/>
+            <a:p>
+              <a:pPr algn="ctr"/>
+              <a:endParaRPr lang="de-DE"/>
+            </a:p>
+          </p:txBody>
+        </p:sp>
+        <p:sp>
+          <p:nvSpPr>
+            <p:cNvPr id="40" name="Ellipse 39">
+              <a:extLst>
+                <a:ext uri="{FF2B5EF4-FFF2-40B4-BE49-F238E27FC236}">
+                  <a16:creationId xmlns:a16="http://schemas.microsoft.com/office/drawing/2014/main" id="{C2249620-BE71-87BA-C1BB-6F76542605E7}"/>
+                </a:ext>
+              </a:extLst>
+            </p:cNvPr>
+            <p:cNvSpPr/>
+            <p:nvPr/>
+          </p:nvSpPr>
+          <p:spPr>
+            <a:xfrm>
+              <a:off x="2460415" y="3163719"/>
+              <a:ext cx="45719" cy="45719"/>
+            </a:xfrm>
+            <a:prstGeom prst="ellipse">
+              <a:avLst/>
+            </a:prstGeom>
+            <a:solidFill>
+              <a:schemeClr val="accent2"/>
+            </a:solidFill>
+          </p:spPr>
+          <p:style>
+            <a:lnRef idx="2">
+              <a:schemeClr val="accent1">
+                <a:shade val="15000"/>
+              </a:schemeClr>
+            </a:lnRef>
+            <a:fillRef idx="1">
+              <a:schemeClr val="accent1"/>
+            </a:fillRef>
+            <a:effectRef idx="0">
+              <a:schemeClr val="accent1"/>
+            </a:effectRef>
+            <a:fontRef idx="minor">
+              <a:schemeClr val="lt1"/>
+            </a:fontRef>
+          </p:style>
+          <p:txBody>
+            <a:bodyPr rtlCol="0" anchor="ctr"/>
+            <a:lstStyle/>
+            <a:p>
+              <a:pPr algn="ctr"/>
+              <a:endParaRPr lang="de-DE"/>
+            </a:p>
+          </p:txBody>
+        </p:sp>
+        <p:sp>
+          <p:nvSpPr>
+            <p:cNvPr id="41" name="Ellipse 40">
+              <a:extLst>
+                <a:ext uri="{FF2B5EF4-FFF2-40B4-BE49-F238E27FC236}">
+                  <a16:creationId xmlns:a16="http://schemas.microsoft.com/office/drawing/2014/main" id="{D027918D-A3CE-F74F-91E1-C7EAEC46BB23}"/>
+                </a:ext>
+              </a:extLst>
+            </p:cNvPr>
+            <p:cNvSpPr/>
+            <p:nvPr/>
+          </p:nvSpPr>
+          <p:spPr>
+            <a:xfrm>
+              <a:off x="2460415" y="3253817"/>
+              <a:ext cx="45719" cy="45719"/>
+            </a:xfrm>
+            <a:prstGeom prst="ellipse">
+              <a:avLst/>
+            </a:prstGeom>
+            <a:solidFill>
+              <a:schemeClr val="accent2"/>
+            </a:solidFill>
+          </p:spPr>
+          <p:style>
+            <a:lnRef idx="2">
+              <a:schemeClr val="accent1">
+                <a:shade val="15000"/>
+              </a:schemeClr>
+            </a:lnRef>
+            <a:fillRef idx="1">
+              <a:schemeClr val="accent1"/>
+            </a:fillRef>
+            <a:effectRef idx="0">
+              <a:schemeClr val="accent1"/>
+            </a:effectRef>
+            <a:fontRef idx="minor">
+              <a:schemeClr val="lt1"/>
+            </a:fontRef>
+          </p:style>
+          <p:txBody>
+            <a:bodyPr rtlCol="0" anchor="ctr"/>
+            <a:lstStyle/>
+            <a:p>
+              <a:pPr algn="ctr"/>
+              <a:endParaRPr lang="de-DE"/>
+            </a:p>
+          </p:txBody>
+        </p:sp>
+      </p:grpSp>
+      <p:grpSp>
+        <p:nvGrpSpPr>
+          <p:cNvPr id="58" name="Gruppieren 57">
+            <a:extLst>
+              <a:ext uri="{FF2B5EF4-FFF2-40B4-BE49-F238E27FC236}">
+                <a16:creationId xmlns:a16="http://schemas.microsoft.com/office/drawing/2014/main" id="{1FC44D16-9844-4F84-AFA2-CCC927B6DE72}"/>
+              </a:ext>
+            </a:extLst>
+          </p:cNvPr>
+          <p:cNvGrpSpPr/>
+          <p:nvPr/>
+        </p:nvGrpSpPr>
+        <p:grpSpPr>
+          <a:xfrm rot="19616899">
+            <a:off x="2294701" y="1699314"/>
+            <a:ext cx="2536136" cy="488406"/>
+            <a:chOff x="2460415" y="3039806"/>
+            <a:chExt cx="1505794" cy="289983"/>
+          </a:xfrm>
+        </p:grpSpPr>
+        <p:sp>
+          <p:nvSpPr>
+            <p:cNvPr id="59" name="Rechteck 58">
+              <a:extLst>
+                <a:ext uri="{FF2B5EF4-FFF2-40B4-BE49-F238E27FC236}">
+                  <a16:creationId xmlns:a16="http://schemas.microsoft.com/office/drawing/2014/main" id="{5255D4DD-4D1E-0179-4AD8-42DE42DF2970}"/>
+                </a:ext>
+              </a:extLst>
+            </p:cNvPr>
+            <p:cNvSpPr/>
+            <p:nvPr/>
+          </p:nvSpPr>
+          <p:spPr>
+            <a:xfrm>
+              <a:off x="2483275" y="3039806"/>
+              <a:ext cx="1460075" cy="289982"/>
+            </a:xfrm>
+            <a:prstGeom prst="rect">
+              <a:avLst/>
+            </a:prstGeom>
+            <a:solidFill>
+              <a:schemeClr val="bg2">
+                <a:lumMod val="90000"/>
+              </a:schemeClr>
+            </a:solidFill>
+            <a:ln w="19050">
+              <a:solidFill>
+                <a:schemeClr val="tx1"/>
+              </a:solidFill>
+              <a:prstDash val="solid"/>
+            </a:ln>
+          </p:spPr>
+          <p:style>
+            <a:lnRef idx="2">
+              <a:schemeClr val="accent1">
+                <a:shade val="15000"/>
+              </a:schemeClr>
+            </a:lnRef>
+            <a:fillRef idx="1">
+              <a:schemeClr val="accent1"/>
+            </a:fillRef>
+            <a:effectRef idx="0">
+              <a:schemeClr val="accent1"/>
+            </a:effectRef>
+            <a:fontRef idx="minor">
+              <a:schemeClr val="lt1"/>
+            </a:fontRef>
+          </p:style>
+          <p:txBody>
+            <a:bodyPr rtlCol="0" anchor="ctr"/>
+            <a:lstStyle/>
+            <a:p>
+              <a:pPr algn="ctr"/>
+              <a:endParaRPr lang="de-DE"/>
+            </a:p>
+          </p:txBody>
+        </p:sp>
+        <p:sp>
+          <p:nvSpPr>
+            <p:cNvPr id="60" name="Rechteck 59">
+              <a:extLst>
+                <a:ext uri="{FF2B5EF4-FFF2-40B4-BE49-F238E27FC236}">
+                  <a16:creationId xmlns:a16="http://schemas.microsoft.com/office/drawing/2014/main" id="{4453CA46-6721-137D-9F90-33DB8C7579D7}"/>
+                </a:ext>
+              </a:extLst>
+            </p:cNvPr>
+            <p:cNvSpPr/>
+            <p:nvPr/>
+          </p:nvSpPr>
+          <p:spPr>
+            <a:xfrm>
+              <a:off x="2483275" y="3039806"/>
+              <a:ext cx="1460075" cy="96661"/>
+            </a:xfrm>
+            <a:prstGeom prst="rect">
+              <a:avLst/>
+            </a:prstGeom>
+            <a:noFill/>
+            <a:ln>
+              <a:solidFill>
+                <a:schemeClr val="tx1"/>
+              </a:solidFill>
+              <a:prstDash val="lgDash"/>
+            </a:ln>
+          </p:spPr>
+          <p:style>
+            <a:lnRef idx="2">
+              <a:schemeClr val="accent1">
+                <a:shade val="15000"/>
+              </a:schemeClr>
+            </a:lnRef>
+            <a:fillRef idx="1">
+              <a:schemeClr val="accent1"/>
+            </a:fillRef>
+            <a:effectRef idx="0">
+              <a:schemeClr val="accent1"/>
+            </a:effectRef>
+            <a:fontRef idx="minor">
+              <a:schemeClr val="lt1"/>
+            </a:fontRef>
+          </p:style>
+          <p:txBody>
+            <a:bodyPr rtlCol="0" anchor="ctr"/>
+            <a:lstStyle/>
+            <a:p>
+              <a:pPr algn="ctr"/>
+              <a:endParaRPr lang="de-DE"/>
+            </a:p>
+          </p:txBody>
+        </p:sp>
+        <p:sp>
+          <p:nvSpPr>
+            <p:cNvPr id="61" name="Rechteck 60">
+              <a:extLst>
+                <a:ext uri="{FF2B5EF4-FFF2-40B4-BE49-F238E27FC236}">
+                  <a16:creationId xmlns:a16="http://schemas.microsoft.com/office/drawing/2014/main" id="{83A02ACD-CE7D-FB06-A297-AD7CBB1444CE}"/>
+                </a:ext>
+              </a:extLst>
+            </p:cNvPr>
+            <p:cNvSpPr/>
+            <p:nvPr/>
+          </p:nvSpPr>
+          <p:spPr>
+            <a:xfrm>
+              <a:off x="2483275" y="3136467"/>
+              <a:ext cx="1460075" cy="96661"/>
+            </a:xfrm>
+            <a:prstGeom prst="rect">
+              <a:avLst/>
+            </a:prstGeom>
+            <a:noFill/>
+            <a:ln>
+              <a:noFill/>
+              <a:prstDash val="lgDash"/>
+            </a:ln>
+          </p:spPr>
+          <p:style>
+            <a:lnRef idx="2">
+              <a:schemeClr val="accent1">
+                <a:shade val="15000"/>
+              </a:schemeClr>
+            </a:lnRef>
+            <a:fillRef idx="1">
+              <a:schemeClr val="accent1"/>
+            </a:fillRef>
+            <a:effectRef idx="0">
+              <a:schemeClr val="accent1"/>
+            </a:effectRef>
+            <a:fontRef idx="minor">
+              <a:schemeClr val="lt1"/>
+            </a:fontRef>
+          </p:style>
+          <p:txBody>
+            <a:bodyPr rtlCol="0" anchor="ctr"/>
+            <a:lstStyle/>
+            <a:p>
+              <a:pPr algn="ctr"/>
+              <a:endParaRPr lang="de-DE"/>
+            </a:p>
+          </p:txBody>
+        </p:sp>
+        <p:sp>
+          <p:nvSpPr>
+            <p:cNvPr id="62" name="Rechteck 61">
+              <a:extLst>
+                <a:ext uri="{FF2B5EF4-FFF2-40B4-BE49-F238E27FC236}">
+                  <a16:creationId xmlns:a16="http://schemas.microsoft.com/office/drawing/2014/main" id="{0BA6FF38-0809-7347-CB32-A52701FA8310}"/>
+                </a:ext>
+              </a:extLst>
+            </p:cNvPr>
+            <p:cNvSpPr/>
+            <p:nvPr/>
+          </p:nvSpPr>
+          <p:spPr>
+            <a:xfrm>
+              <a:off x="2483275" y="3233128"/>
+              <a:ext cx="1460075" cy="96661"/>
+            </a:xfrm>
+            <a:prstGeom prst="rect">
+              <a:avLst/>
+            </a:prstGeom>
+            <a:noFill/>
+            <a:ln>
+              <a:solidFill>
+                <a:schemeClr val="tx1"/>
+              </a:solidFill>
+              <a:prstDash val="lgDash"/>
+            </a:ln>
+          </p:spPr>
+          <p:style>
+            <a:lnRef idx="2">
+              <a:schemeClr val="accent1">
+                <a:shade val="15000"/>
+              </a:schemeClr>
+            </a:lnRef>
+            <a:fillRef idx="1">
+              <a:schemeClr val="accent1"/>
+            </a:fillRef>
+            <a:effectRef idx="0">
+              <a:schemeClr val="accent1"/>
+            </a:effectRef>
+            <a:fontRef idx="minor">
+              <a:schemeClr val="lt1"/>
+            </a:fontRef>
+          </p:style>
+          <p:txBody>
+            <a:bodyPr rtlCol="0" anchor="ctr"/>
+            <a:lstStyle/>
+            <a:p>
+              <a:pPr algn="ctr"/>
+              <a:endParaRPr lang="de-DE"/>
+            </a:p>
+          </p:txBody>
+        </p:sp>
+        <p:sp>
+          <p:nvSpPr>
+            <p:cNvPr id="63" name="Ellipse 62">
+              <a:extLst>
+                <a:ext uri="{FF2B5EF4-FFF2-40B4-BE49-F238E27FC236}">
+                  <a16:creationId xmlns:a16="http://schemas.microsoft.com/office/drawing/2014/main" id="{2C0B30D1-F258-EDF9-6061-E049B2F84BDA}"/>
+                </a:ext>
+              </a:extLst>
+            </p:cNvPr>
+            <p:cNvSpPr/>
+            <p:nvPr/>
+          </p:nvSpPr>
+          <p:spPr>
+            <a:xfrm>
+              <a:off x="3920490" y="3065276"/>
+              <a:ext cx="45719" cy="45719"/>
+            </a:xfrm>
+            <a:prstGeom prst="ellipse">
+              <a:avLst/>
+            </a:prstGeom>
+            <a:solidFill>
+              <a:schemeClr val="accent2"/>
+            </a:solidFill>
+          </p:spPr>
+          <p:style>
+            <a:lnRef idx="2">
+              <a:schemeClr val="accent1">
+                <a:shade val="15000"/>
+              </a:schemeClr>
+            </a:lnRef>
+            <a:fillRef idx="1">
+              <a:schemeClr val="accent1"/>
+            </a:fillRef>
+            <a:effectRef idx="0">
+              <a:schemeClr val="accent1"/>
+            </a:effectRef>
+            <a:fontRef idx="minor">
+              <a:schemeClr val="lt1"/>
+            </a:fontRef>
+          </p:style>
+          <p:txBody>
+            <a:bodyPr rtlCol="0" anchor="ctr"/>
+            <a:lstStyle/>
+            <a:p>
+              <a:pPr algn="ctr"/>
+              <a:endParaRPr lang="de-DE"/>
+            </a:p>
+          </p:txBody>
+        </p:sp>
+        <p:sp>
+          <p:nvSpPr>
+            <p:cNvPr id="64" name="Ellipse 63">
+              <a:extLst>
+                <a:ext uri="{FF2B5EF4-FFF2-40B4-BE49-F238E27FC236}">
+                  <a16:creationId xmlns:a16="http://schemas.microsoft.com/office/drawing/2014/main" id="{A70BB0A2-25D7-D5A9-5320-1310249DB759}"/>
+                </a:ext>
+              </a:extLst>
+            </p:cNvPr>
+            <p:cNvSpPr/>
+            <p:nvPr/>
+          </p:nvSpPr>
+          <p:spPr>
+            <a:xfrm>
+              <a:off x="3920490" y="3161937"/>
+              <a:ext cx="45719" cy="45719"/>
+            </a:xfrm>
+            <a:prstGeom prst="ellipse">
+              <a:avLst/>
+            </a:prstGeom>
+            <a:solidFill>
+              <a:schemeClr val="accent2"/>
+            </a:solidFill>
+          </p:spPr>
+          <p:style>
+            <a:lnRef idx="2">
+              <a:schemeClr val="accent1">
+                <a:shade val="15000"/>
+              </a:schemeClr>
+            </a:lnRef>
+            <a:fillRef idx="1">
+              <a:schemeClr val="accent1"/>
+            </a:fillRef>
+            <a:effectRef idx="0">
+              <a:schemeClr val="accent1"/>
+            </a:effectRef>
+            <a:fontRef idx="minor">
+              <a:schemeClr val="lt1"/>
+            </a:fontRef>
+          </p:style>
+          <p:txBody>
+            <a:bodyPr rtlCol="0" anchor="ctr"/>
+            <a:lstStyle/>
+            <a:p>
+              <a:pPr algn="ctr"/>
+              <a:endParaRPr lang="de-DE"/>
+            </a:p>
+          </p:txBody>
+        </p:sp>
+        <p:sp>
+          <p:nvSpPr>
+            <p:cNvPr id="65" name="Ellipse 64">
+              <a:extLst>
+                <a:ext uri="{FF2B5EF4-FFF2-40B4-BE49-F238E27FC236}">
+                  <a16:creationId xmlns:a16="http://schemas.microsoft.com/office/drawing/2014/main" id="{77B605B0-6F63-29D2-8D54-8EDEF28769EC}"/>
+                </a:ext>
+              </a:extLst>
+            </p:cNvPr>
+            <p:cNvSpPr/>
+            <p:nvPr/>
+          </p:nvSpPr>
+          <p:spPr>
+            <a:xfrm>
+              <a:off x="3920490" y="3258598"/>
+              <a:ext cx="45719" cy="45719"/>
+            </a:xfrm>
+            <a:prstGeom prst="ellipse">
+              <a:avLst/>
+            </a:prstGeom>
+            <a:solidFill>
+              <a:schemeClr val="accent2"/>
+            </a:solidFill>
+          </p:spPr>
+          <p:style>
+            <a:lnRef idx="2">
+              <a:schemeClr val="accent1">
+                <a:shade val="15000"/>
+              </a:schemeClr>
+            </a:lnRef>
+            <a:fillRef idx="1">
+              <a:schemeClr val="accent1"/>
+            </a:fillRef>
+            <a:effectRef idx="0">
+              <a:schemeClr val="accent1"/>
+            </a:effectRef>
+            <a:fontRef idx="minor">
+              <a:schemeClr val="lt1"/>
+            </a:fontRef>
+          </p:style>
+          <p:txBody>
+            <a:bodyPr rtlCol="0" anchor="ctr"/>
+            <a:lstStyle/>
+            <a:p>
+              <a:pPr algn="ctr"/>
+              <a:endParaRPr lang="de-DE"/>
+            </a:p>
+          </p:txBody>
+        </p:sp>
+        <p:sp>
+          <p:nvSpPr>
+            <p:cNvPr id="66" name="Ellipse 65">
+              <a:extLst>
+                <a:ext uri="{FF2B5EF4-FFF2-40B4-BE49-F238E27FC236}">
+                  <a16:creationId xmlns:a16="http://schemas.microsoft.com/office/drawing/2014/main" id="{1B12F04F-70E8-2161-2DB3-DBD12B62A8A3}"/>
+                </a:ext>
+              </a:extLst>
+            </p:cNvPr>
+            <p:cNvSpPr/>
+            <p:nvPr/>
+          </p:nvSpPr>
+          <p:spPr>
+            <a:xfrm>
+              <a:off x="2460415" y="3065276"/>
+              <a:ext cx="45719" cy="45719"/>
+            </a:xfrm>
+            <a:prstGeom prst="ellipse">
+              <a:avLst/>
+            </a:prstGeom>
+          </p:spPr>
+          <p:style>
+            <a:lnRef idx="2">
+              <a:schemeClr val="accent1">
+                <a:shade val="15000"/>
+              </a:schemeClr>
+            </a:lnRef>
+            <a:fillRef idx="1">
+              <a:schemeClr val="accent1"/>
+            </a:fillRef>
+            <a:effectRef idx="0">
+              <a:schemeClr val="accent1"/>
+            </a:effectRef>
+            <a:fontRef idx="minor">
+              <a:schemeClr val="lt1"/>
+            </a:fontRef>
+          </p:style>
+          <p:txBody>
+            <a:bodyPr rtlCol="0" anchor="ctr"/>
+            <a:lstStyle/>
+            <a:p>
+              <a:pPr algn="ctr"/>
+              <a:endParaRPr lang="de-DE"/>
+            </a:p>
+          </p:txBody>
+        </p:sp>
+        <p:sp>
+          <p:nvSpPr>
+            <p:cNvPr id="67" name="Ellipse 66">
+              <a:extLst>
+                <a:ext uri="{FF2B5EF4-FFF2-40B4-BE49-F238E27FC236}">
+                  <a16:creationId xmlns:a16="http://schemas.microsoft.com/office/drawing/2014/main" id="{DB9955B2-8DD2-D96E-76AC-CA2E4AFBEE65}"/>
+                </a:ext>
+              </a:extLst>
+            </p:cNvPr>
+            <p:cNvSpPr/>
+            <p:nvPr/>
+          </p:nvSpPr>
+          <p:spPr>
+            <a:xfrm>
+              <a:off x="2460415" y="3163719"/>
+              <a:ext cx="45719" cy="45719"/>
+            </a:xfrm>
+            <a:prstGeom prst="ellipse">
+              <a:avLst/>
+            </a:prstGeom>
+          </p:spPr>
+          <p:style>
+            <a:lnRef idx="2">
+              <a:schemeClr val="accent1">
+                <a:shade val="15000"/>
+              </a:schemeClr>
+            </a:lnRef>
+            <a:fillRef idx="1">
+              <a:schemeClr val="accent1"/>
+            </a:fillRef>
+            <a:effectRef idx="0">
+              <a:schemeClr val="accent1"/>
+            </a:effectRef>
+            <a:fontRef idx="minor">
+              <a:schemeClr val="lt1"/>
+            </a:fontRef>
+          </p:style>
+          <p:txBody>
+            <a:bodyPr rtlCol="0" anchor="ctr"/>
+            <a:lstStyle/>
+            <a:p>
+              <a:pPr algn="ctr"/>
+              <a:endParaRPr lang="de-DE"/>
+            </a:p>
+          </p:txBody>
+        </p:sp>
+        <p:sp>
+          <p:nvSpPr>
+            <p:cNvPr id="68" name="Ellipse 67">
+              <a:extLst>
+                <a:ext uri="{FF2B5EF4-FFF2-40B4-BE49-F238E27FC236}">
+                  <a16:creationId xmlns:a16="http://schemas.microsoft.com/office/drawing/2014/main" id="{EB5BD934-8238-D41F-2C9B-0F936D10B615}"/>
+                </a:ext>
+              </a:extLst>
+            </p:cNvPr>
+            <p:cNvSpPr/>
+            <p:nvPr/>
+          </p:nvSpPr>
+          <p:spPr>
+            <a:xfrm>
+              <a:off x="2460415" y="3253817"/>
+              <a:ext cx="45719" cy="45719"/>
+            </a:xfrm>
+            <a:prstGeom prst="ellipse">
+              <a:avLst/>
+            </a:prstGeom>
+          </p:spPr>
+          <p:style>
+            <a:lnRef idx="2">
+              <a:schemeClr val="accent1">
+                <a:shade val="15000"/>
+              </a:schemeClr>
+            </a:lnRef>
+            <a:fillRef idx="1">
+              <a:schemeClr val="accent1"/>
+            </a:fillRef>
+            <a:effectRef idx="0">
+              <a:schemeClr val="accent1"/>
+            </a:effectRef>
+            <a:fontRef idx="minor">
+              <a:schemeClr val="lt1"/>
+            </a:fontRef>
+          </p:style>
+          <p:txBody>
+            <a:bodyPr rtlCol="0" anchor="ctr"/>
+            <a:lstStyle/>
+            <a:p>
+              <a:pPr algn="ctr"/>
+              <a:endParaRPr lang="de-DE"/>
+            </a:p>
+          </p:txBody>
+        </p:sp>
+      </p:grpSp>
+      <p:grpSp>
+        <p:nvGrpSpPr>
+          <p:cNvPr id="24" name="Gruppieren 23">
+            <a:extLst>
+              <a:ext uri="{FF2B5EF4-FFF2-40B4-BE49-F238E27FC236}">
+                <a16:creationId xmlns:a16="http://schemas.microsoft.com/office/drawing/2014/main" id="{26BD2449-0184-F671-03F3-2669D578F936}"/>
+              </a:ext>
+            </a:extLst>
+          </p:cNvPr>
+          <p:cNvGrpSpPr/>
+          <p:nvPr/>
+        </p:nvGrpSpPr>
+        <p:grpSpPr>
+          <a:xfrm rot="4335266">
+            <a:off x="1557412" y="4005626"/>
+            <a:ext cx="2536136" cy="488406"/>
+            <a:chOff x="2460415" y="3039806"/>
+            <a:chExt cx="1505794" cy="289983"/>
+          </a:xfrm>
+        </p:grpSpPr>
+        <p:sp>
+          <p:nvSpPr>
+            <p:cNvPr id="25" name="Rechteck 24">
+              <a:extLst>
+                <a:ext uri="{FF2B5EF4-FFF2-40B4-BE49-F238E27FC236}">
+                  <a16:creationId xmlns:a16="http://schemas.microsoft.com/office/drawing/2014/main" id="{FDF1D2E5-649B-1850-73F2-6AEC62488358}"/>
+                </a:ext>
+              </a:extLst>
+            </p:cNvPr>
+            <p:cNvSpPr/>
+            <p:nvPr/>
+          </p:nvSpPr>
+          <p:spPr>
+            <a:xfrm>
+              <a:off x="2483275" y="3039806"/>
+              <a:ext cx="1460075" cy="289982"/>
+            </a:xfrm>
+            <a:prstGeom prst="rect">
+              <a:avLst/>
+            </a:prstGeom>
+            <a:solidFill>
+              <a:schemeClr val="bg2">
+                <a:lumMod val="90000"/>
+              </a:schemeClr>
+            </a:solidFill>
+            <a:ln w="19050">
+              <a:solidFill>
+                <a:schemeClr val="tx1"/>
+              </a:solidFill>
+              <a:prstDash val="solid"/>
+            </a:ln>
+          </p:spPr>
+          <p:style>
+            <a:lnRef idx="2">
+              <a:schemeClr val="accent1">
+                <a:shade val="15000"/>
+              </a:schemeClr>
+            </a:lnRef>
+            <a:fillRef idx="1">
+              <a:schemeClr val="accent1"/>
+            </a:fillRef>
+            <a:effectRef idx="0">
+              <a:schemeClr val="accent1"/>
+            </a:effectRef>
+            <a:fontRef idx="minor">
+              <a:schemeClr val="lt1"/>
+            </a:fontRef>
+          </p:style>
+          <p:txBody>
+            <a:bodyPr rtlCol="0" anchor="ctr"/>
+            <a:lstStyle/>
+            <a:p>
+              <a:pPr algn="ctr"/>
+              <a:endParaRPr lang="de-DE"/>
+            </a:p>
+          </p:txBody>
+        </p:sp>
+        <p:sp>
+          <p:nvSpPr>
+            <p:cNvPr id="26" name="Rechteck 25">
+              <a:extLst>
+                <a:ext uri="{FF2B5EF4-FFF2-40B4-BE49-F238E27FC236}">
+                  <a16:creationId xmlns:a16="http://schemas.microsoft.com/office/drawing/2014/main" id="{DC72DB52-A30F-B2FF-C13F-54AD429B2D30}"/>
+                </a:ext>
+              </a:extLst>
+            </p:cNvPr>
+            <p:cNvSpPr/>
+            <p:nvPr/>
+          </p:nvSpPr>
+          <p:spPr>
+            <a:xfrm>
+              <a:off x="2483275" y="3039806"/>
+              <a:ext cx="1460075" cy="96661"/>
+            </a:xfrm>
+            <a:prstGeom prst="rect">
+              <a:avLst/>
+            </a:prstGeom>
+            <a:noFill/>
+            <a:ln>
+              <a:solidFill>
+                <a:schemeClr val="tx1"/>
+              </a:solidFill>
+              <a:prstDash val="lgDash"/>
+            </a:ln>
+          </p:spPr>
+          <p:style>
+            <a:lnRef idx="2">
+              <a:schemeClr val="accent1">
+                <a:shade val="15000"/>
+              </a:schemeClr>
+            </a:lnRef>
+            <a:fillRef idx="1">
+              <a:schemeClr val="accent1"/>
+            </a:fillRef>
+            <a:effectRef idx="0">
+              <a:schemeClr val="accent1"/>
+            </a:effectRef>
+            <a:fontRef idx="minor">
+              <a:schemeClr val="lt1"/>
+            </a:fontRef>
+          </p:style>
+          <p:txBody>
+            <a:bodyPr rtlCol="0" anchor="ctr"/>
+            <a:lstStyle/>
+            <a:p>
+              <a:pPr algn="ctr"/>
+              <a:endParaRPr lang="de-DE"/>
+            </a:p>
+          </p:txBody>
+        </p:sp>
+        <p:sp>
+          <p:nvSpPr>
+            <p:cNvPr id="27" name="Rechteck 26">
+              <a:extLst>
+                <a:ext uri="{FF2B5EF4-FFF2-40B4-BE49-F238E27FC236}">
+                  <a16:creationId xmlns:a16="http://schemas.microsoft.com/office/drawing/2014/main" id="{E1E75544-9199-A3C1-2554-6581F30A7825}"/>
+                </a:ext>
+              </a:extLst>
+            </p:cNvPr>
+            <p:cNvSpPr/>
+            <p:nvPr/>
+          </p:nvSpPr>
+          <p:spPr>
+            <a:xfrm>
+              <a:off x="2483275" y="3136467"/>
+              <a:ext cx="1460075" cy="96661"/>
+            </a:xfrm>
+            <a:prstGeom prst="rect">
+              <a:avLst/>
+            </a:prstGeom>
+            <a:noFill/>
+            <a:ln>
+              <a:noFill/>
+              <a:prstDash val="lgDash"/>
+            </a:ln>
+          </p:spPr>
+          <p:style>
+            <a:lnRef idx="2">
+              <a:schemeClr val="accent1">
+                <a:shade val="15000"/>
+              </a:schemeClr>
+            </a:lnRef>
+            <a:fillRef idx="1">
+              <a:schemeClr val="accent1"/>
+            </a:fillRef>
+            <a:effectRef idx="0">
+              <a:schemeClr val="accent1"/>
+            </a:effectRef>
+            <a:fontRef idx="minor">
+              <a:schemeClr val="lt1"/>
+            </a:fontRef>
+          </p:style>
+          <p:txBody>
+            <a:bodyPr rtlCol="0" anchor="ctr"/>
+            <a:lstStyle/>
+            <a:p>
+              <a:pPr algn="ctr"/>
+              <a:endParaRPr lang="de-DE"/>
+            </a:p>
+          </p:txBody>
+        </p:sp>
+        <p:sp>
+          <p:nvSpPr>
+            <p:cNvPr id="28" name="Rechteck 27">
+              <a:extLst>
+                <a:ext uri="{FF2B5EF4-FFF2-40B4-BE49-F238E27FC236}">
+                  <a16:creationId xmlns:a16="http://schemas.microsoft.com/office/drawing/2014/main" id="{C036F624-B4A7-6C4C-5ACB-0D8AAD070754}"/>
+                </a:ext>
+              </a:extLst>
+            </p:cNvPr>
+            <p:cNvSpPr/>
+            <p:nvPr/>
+          </p:nvSpPr>
+          <p:spPr>
+            <a:xfrm>
+              <a:off x="2483275" y="3233128"/>
+              <a:ext cx="1460075" cy="96661"/>
+            </a:xfrm>
+            <a:prstGeom prst="rect">
+              <a:avLst/>
+            </a:prstGeom>
+            <a:noFill/>
+            <a:ln>
+              <a:solidFill>
+                <a:schemeClr val="tx1"/>
+              </a:solidFill>
+              <a:prstDash val="lgDash"/>
+            </a:ln>
+          </p:spPr>
+          <p:style>
+            <a:lnRef idx="2">
+              <a:schemeClr val="accent1">
+                <a:shade val="15000"/>
+              </a:schemeClr>
+            </a:lnRef>
+            <a:fillRef idx="1">
+              <a:schemeClr val="accent1"/>
+            </a:fillRef>
+            <a:effectRef idx="0">
+              <a:schemeClr val="accent1"/>
+            </a:effectRef>
+            <a:fontRef idx="minor">
+              <a:schemeClr val="lt1"/>
+            </a:fontRef>
+          </p:style>
+          <p:txBody>
+            <a:bodyPr rtlCol="0" anchor="ctr"/>
+            <a:lstStyle/>
+            <a:p>
+              <a:pPr algn="ctr"/>
+              <a:endParaRPr lang="de-DE"/>
+            </a:p>
+          </p:txBody>
+        </p:sp>
+        <p:sp>
+          <p:nvSpPr>
+            <p:cNvPr id="29" name="Ellipse 28">
+              <a:extLst>
+                <a:ext uri="{FF2B5EF4-FFF2-40B4-BE49-F238E27FC236}">
+                  <a16:creationId xmlns:a16="http://schemas.microsoft.com/office/drawing/2014/main" id="{46F42552-072F-FEC0-1B89-94236591085A}"/>
+                </a:ext>
+              </a:extLst>
+            </p:cNvPr>
+            <p:cNvSpPr/>
+            <p:nvPr/>
+          </p:nvSpPr>
+          <p:spPr>
+            <a:xfrm>
+              <a:off x="3920490" y="3065276"/>
+              <a:ext cx="45719" cy="45719"/>
+            </a:xfrm>
+            <a:prstGeom prst="ellipse">
+              <a:avLst/>
+            </a:prstGeom>
+          </p:spPr>
+          <p:style>
+            <a:lnRef idx="2">
+              <a:schemeClr val="accent1">
+                <a:shade val="15000"/>
+              </a:schemeClr>
+            </a:lnRef>
+            <a:fillRef idx="1">
+              <a:schemeClr val="accent1"/>
+            </a:fillRef>
+            <a:effectRef idx="0">
+              <a:schemeClr val="accent1"/>
+            </a:effectRef>
+            <a:fontRef idx="minor">
+              <a:schemeClr val="lt1"/>
+            </a:fontRef>
+          </p:style>
+          <p:txBody>
+            <a:bodyPr rtlCol="0" anchor="ctr"/>
+            <a:lstStyle/>
+            <a:p>
+              <a:pPr algn="ctr"/>
+              <a:endParaRPr lang="de-DE"/>
+            </a:p>
+          </p:txBody>
+        </p:sp>
+        <p:sp>
+          <p:nvSpPr>
+            <p:cNvPr id="30" name="Ellipse 29">
+              <a:extLst>
+                <a:ext uri="{FF2B5EF4-FFF2-40B4-BE49-F238E27FC236}">
+                  <a16:creationId xmlns:a16="http://schemas.microsoft.com/office/drawing/2014/main" id="{DD425212-951C-04B1-CC56-2F4BAB6576CB}"/>
+                </a:ext>
+              </a:extLst>
+            </p:cNvPr>
+            <p:cNvSpPr/>
+            <p:nvPr/>
+          </p:nvSpPr>
+          <p:spPr>
+            <a:xfrm>
+              <a:off x="3920490" y="3161937"/>
+              <a:ext cx="45719" cy="45719"/>
+            </a:xfrm>
+            <a:prstGeom prst="ellipse">
+              <a:avLst/>
+            </a:prstGeom>
+          </p:spPr>
+          <p:style>
+            <a:lnRef idx="2">
+              <a:schemeClr val="accent1">
+                <a:shade val="15000"/>
+              </a:schemeClr>
+            </a:lnRef>
+            <a:fillRef idx="1">
+              <a:schemeClr val="accent1"/>
+            </a:fillRef>
+            <a:effectRef idx="0">
+              <a:schemeClr val="accent1"/>
+            </a:effectRef>
+            <a:fontRef idx="minor">
+              <a:schemeClr val="lt1"/>
+            </a:fontRef>
+          </p:style>
+          <p:txBody>
+            <a:bodyPr rtlCol="0" anchor="ctr"/>
+            <a:lstStyle/>
+            <a:p>
+              <a:pPr algn="ctr"/>
+              <a:endParaRPr lang="de-DE"/>
+            </a:p>
+          </p:txBody>
+        </p:sp>
+        <p:sp>
+          <p:nvSpPr>
+            <p:cNvPr id="31" name="Ellipse 30">
+              <a:extLst>
+                <a:ext uri="{FF2B5EF4-FFF2-40B4-BE49-F238E27FC236}">
+                  <a16:creationId xmlns:a16="http://schemas.microsoft.com/office/drawing/2014/main" id="{FC9A406A-4ED1-52FD-D401-DF2118573485}"/>
+                </a:ext>
+              </a:extLst>
+            </p:cNvPr>
+            <p:cNvSpPr/>
+            <p:nvPr/>
+          </p:nvSpPr>
+          <p:spPr>
+            <a:xfrm>
+              <a:off x="3920490" y="3258598"/>
+              <a:ext cx="45719" cy="45719"/>
+            </a:xfrm>
+            <a:prstGeom prst="ellipse">
+              <a:avLst/>
+            </a:prstGeom>
+          </p:spPr>
+          <p:style>
+            <a:lnRef idx="2">
+              <a:schemeClr val="accent1">
+                <a:shade val="15000"/>
+              </a:schemeClr>
+            </a:lnRef>
+            <a:fillRef idx="1">
+              <a:schemeClr val="accent1"/>
+            </a:fillRef>
+            <a:effectRef idx="0">
+              <a:schemeClr val="accent1"/>
+            </a:effectRef>
+            <a:fontRef idx="minor">
+              <a:schemeClr val="lt1"/>
+            </a:fontRef>
+          </p:style>
+          <p:txBody>
+            <a:bodyPr rtlCol="0" anchor="ctr"/>
+            <a:lstStyle/>
+            <a:p>
+              <a:pPr algn="ctr"/>
+              <a:endParaRPr lang="de-DE"/>
+            </a:p>
+          </p:txBody>
+        </p:sp>
+        <p:sp>
+          <p:nvSpPr>
+            <p:cNvPr id="32" name="Ellipse 31">
+              <a:extLst>
+                <a:ext uri="{FF2B5EF4-FFF2-40B4-BE49-F238E27FC236}">
+                  <a16:creationId xmlns:a16="http://schemas.microsoft.com/office/drawing/2014/main" id="{9757B847-BC09-D1B9-A8F6-E5FD4B85EACF}"/>
+                </a:ext>
+              </a:extLst>
+            </p:cNvPr>
+            <p:cNvSpPr/>
+            <p:nvPr/>
+          </p:nvSpPr>
+          <p:spPr>
+            <a:xfrm>
+              <a:off x="2460415" y="3065276"/>
+              <a:ext cx="45719" cy="45719"/>
+            </a:xfrm>
+            <a:prstGeom prst="ellipse">
+              <a:avLst/>
+            </a:prstGeom>
+            <a:solidFill>
+              <a:schemeClr val="accent2"/>
+            </a:solidFill>
+          </p:spPr>
+          <p:style>
+            <a:lnRef idx="2">
+              <a:schemeClr val="accent1">
+                <a:shade val="15000"/>
+              </a:schemeClr>
+            </a:lnRef>
+            <a:fillRef idx="1">
+              <a:schemeClr val="accent1"/>
+            </a:fillRef>
+            <a:effectRef idx="0">
+              <a:schemeClr val="accent1"/>
+            </a:effectRef>
+            <a:fontRef idx="minor">
+              <a:schemeClr val="lt1"/>
+            </a:fontRef>
+          </p:style>
+          <p:txBody>
+            <a:bodyPr rtlCol="0" anchor="ctr"/>
+            <a:lstStyle/>
+            <a:p>
+              <a:pPr algn="ctr"/>
+              <a:endParaRPr lang="de-DE"/>
+            </a:p>
+          </p:txBody>
+        </p:sp>
+        <p:sp>
+          <p:nvSpPr>
+            <p:cNvPr id="33" name="Ellipse 32">
+              <a:extLst>
+                <a:ext uri="{FF2B5EF4-FFF2-40B4-BE49-F238E27FC236}">
+                  <a16:creationId xmlns:a16="http://schemas.microsoft.com/office/drawing/2014/main" id="{D4B02FB4-34C8-F373-A44A-F6E92016C510}"/>
+                </a:ext>
+              </a:extLst>
+            </p:cNvPr>
+            <p:cNvSpPr/>
+            <p:nvPr/>
+          </p:nvSpPr>
+          <p:spPr>
+            <a:xfrm>
+              <a:off x="2460415" y="3163719"/>
+              <a:ext cx="45719" cy="45719"/>
+            </a:xfrm>
+            <a:prstGeom prst="ellipse">
+              <a:avLst/>
+            </a:prstGeom>
+            <a:solidFill>
+              <a:schemeClr val="accent2"/>
+            </a:solidFill>
+          </p:spPr>
+          <p:style>
+            <a:lnRef idx="2">
+              <a:schemeClr val="accent1">
+                <a:shade val="15000"/>
+              </a:schemeClr>
+            </a:lnRef>
+            <a:fillRef idx="1">
+              <a:schemeClr val="accent1"/>
+            </a:fillRef>
+            <a:effectRef idx="0">
+              <a:schemeClr val="accent1"/>
+            </a:effectRef>
+            <a:fontRef idx="minor">
+              <a:schemeClr val="lt1"/>
+            </a:fontRef>
+          </p:style>
+          <p:txBody>
+            <a:bodyPr rtlCol="0" anchor="ctr"/>
+            <a:lstStyle/>
+            <a:p>
+              <a:pPr algn="ctr"/>
+              <a:endParaRPr lang="de-DE"/>
+            </a:p>
+          </p:txBody>
+        </p:sp>
+        <p:sp>
+          <p:nvSpPr>
+            <p:cNvPr id="34" name="Ellipse 33">
+              <a:extLst>
+                <a:ext uri="{FF2B5EF4-FFF2-40B4-BE49-F238E27FC236}">
+                  <a16:creationId xmlns:a16="http://schemas.microsoft.com/office/drawing/2014/main" id="{C0917812-901B-C155-D2BF-8059754D5681}"/>
+                </a:ext>
+              </a:extLst>
+            </p:cNvPr>
+            <p:cNvSpPr/>
+            <p:nvPr/>
+          </p:nvSpPr>
+          <p:spPr>
+            <a:xfrm>
+              <a:off x="2460415" y="3253817"/>
+              <a:ext cx="45719" cy="45719"/>
+            </a:xfrm>
+            <a:prstGeom prst="ellipse">
+              <a:avLst/>
+            </a:prstGeom>
+            <a:solidFill>
+              <a:schemeClr val="accent2"/>
+            </a:solidFill>
+          </p:spPr>
+          <p:style>
+            <a:lnRef idx="2">
+              <a:schemeClr val="accent1">
+                <a:shade val="15000"/>
+              </a:schemeClr>
+            </a:lnRef>
+            <a:fillRef idx="1">
+              <a:schemeClr val="accent1"/>
+            </a:fillRef>
+            <a:effectRef idx="0">
+              <a:schemeClr val="accent1"/>
+            </a:effectRef>
+            <a:fontRef idx="minor">
+              <a:schemeClr val="lt1"/>
+            </a:fontRef>
+          </p:style>
+          <p:txBody>
+            <a:bodyPr rtlCol="0" anchor="ctr"/>
+            <a:lstStyle/>
+            <a:p>
+              <a:pPr algn="ctr"/>
+              <a:endParaRPr lang="de-DE"/>
+            </a:p>
+          </p:txBody>
+        </p:sp>
+      </p:grpSp>
+      <p:grpSp>
+        <p:nvGrpSpPr>
+          <p:cNvPr id="35" name="Gruppieren 34">
+            <a:extLst>
+              <a:ext uri="{FF2B5EF4-FFF2-40B4-BE49-F238E27FC236}">
+                <a16:creationId xmlns:a16="http://schemas.microsoft.com/office/drawing/2014/main" id="{9A78A3AD-FF3D-D0AE-59EF-7586A7B3CDE9}"/>
+              </a:ext>
+            </a:extLst>
+          </p:cNvPr>
+          <p:cNvGrpSpPr/>
+          <p:nvPr/>
+        </p:nvGrpSpPr>
+        <p:grpSpPr>
+          <a:xfrm rot="6548092">
+            <a:off x="5591943" y="4043211"/>
+            <a:ext cx="2536136" cy="488406"/>
+            <a:chOff x="2460415" y="3039806"/>
+            <a:chExt cx="1505794" cy="289983"/>
+          </a:xfrm>
+        </p:grpSpPr>
+        <p:sp>
+          <p:nvSpPr>
+            <p:cNvPr id="46" name="Rechteck 45">
+              <a:extLst>
+                <a:ext uri="{FF2B5EF4-FFF2-40B4-BE49-F238E27FC236}">
+                  <a16:creationId xmlns:a16="http://schemas.microsoft.com/office/drawing/2014/main" id="{B2B484CC-382E-256E-0847-894A7751BB01}"/>
+                </a:ext>
+              </a:extLst>
+            </p:cNvPr>
+            <p:cNvSpPr/>
+            <p:nvPr/>
+          </p:nvSpPr>
+          <p:spPr>
+            <a:xfrm>
+              <a:off x="2483275" y="3039806"/>
+              <a:ext cx="1460075" cy="289982"/>
+            </a:xfrm>
+            <a:prstGeom prst="rect">
+              <a:avLst/>
+            </a:prstGeom>
+            <a:solidFill>
+              <a:schemeClr val="bg2">
+                <a:lumMod val="90000"/>
+              </a:schemeClr>
+            </a:solidFill>
+            <a:ln w="19050">
+              <a:solidFill>
+                <a:schemeClr val="tx1"/>
+              </a:solidFill>
+              <a:prstDash val="solid"/>
+            </a:ln>
+          </p:spPr>
+          <p:style>
+            <a:lnRef idx="2">
+              <a:schemeClr val="accent1">
+                <a:shade val="15000"/>
+              </a:schemeClr>
+            </a:lnRef>
+            <a:fillRef idx="1">
+              <a:schemeClr val="accent1"/>
+            </a:fillRef>
+            <a:effectRef idx="0">
+              <a:schemeClr val="accent1"/>
+            </a:effectRef>
+            <a:fontRef idx="minor">
+              <a:schemeClr val="lt1"/>
+            </a:fontRef>
+          </p:style>
+          <p:txBody>
+            <a:bodyPr rtlCol="0" anchor="ctr"/>
+            <a:lstStyle/>
+            <a:p>
+              <a:pPr algn="ctr"/>
+              <a:endParaRPr lang="de-DE"/>
+            </a:p>
+          </p:txBody>
+        </p:sp>
+        <p:sp>
+          <p:nvSpPr>
+            <p:cNvPr id="47" name="Rechteck 46">
+              <a:extLst>
+                <a:ext uri="{FF2B5EF4-FFF2-40B4-BE49-F238E27FC236}">
+                  <a16:creationId xmlns:a16="http://schemas.microsoft.com/office/drawing/2014/main" id="{35546CF8-41DE-EFE7-F4B8-398A18AEA26C}"/>
+                </a:ext>
+              </a:extLst>
+            </p:cNvPr>
+            <p:cNvSpPr/>
+            <p:nvPr/>
+          </p:nvSpPr>
+          <p:spPr>
+            <a:xfrm>
+              <a:off x="2483275" y="3039806"/>
+              <a:ext cx="1460075" cy="96661"/>
+            </a:xfrm>
+            <a:prstGeom prst="rect">
+              <a:avLst/>
+            </a:prstGeom>
+            <a:noFill/>
+            <a:ln>
+              <a:solidFill>
+                <a:schemeClr val="tx1"/>
+              </a:solidFill>
+              <a:prstDash val="lgDash"/>
+            </a:ln>
+          </p:spPr>
+          <p:style>
+            <a:lnRef idx="2">
+              <a:schemeClr val="accent1">
+                <a:shade val="15000"/>
+              </a:schemeClr>
+            </a:lnRef>
+            <a:fillRef idx="1">
+              <a:schemeClr val="accent1"/>
+            </a:fillRef>
+            <a:effectRef idx="0">
+              <a:schemeClr val="accent1"/>
+            </a:effectRef>
+            <a:fontRef idx="minor">
+              <a:schemeClr val="lt1"/>
+            </a:fontRef>
+          </p:style>
+          <p:txBody>
+            <a:bodyPr rtlCol="0" anchor="ctr"/>
+            <a:lstStyle/>
+            <a:p>
+              <a:pPr algn="ctr"/>
+              <a:endParaRPr lang="de-DE"/>
+            </a:p>
+          </p:txBody>
+        </p:sp>
+        <p:sp>
+          <p:nvSpPr>
+            <p:cNvPr id="48" name="Rechteck 47">
+              <a:extLst>
+                <a:ext uri="{FF2B5EF4-FFF2-40B4-BE49-F238E27FC236}">
+                  <a16:creationId xmlns:a16="http://schemas.microsoft.com/office/drawing/2014/main" id="{DD2C4548-25AC-AFA9-DB70-9C538E0B7EC3}"/>
+                </a:ext>
+              </a:extLst>
+            </p:cNvPr>
+            <p:cNvSpPr/>
+            <p:nvPr/>
+          </p:nvSpPr>
+          <p:spPr>
+            <a:xfrm>
+              <a:off x="2483275" y="3136467"/>
+              <a:ext cx="1460075" cy="96661"/>
+            </a:xfrm>
+            <a:prstGeom prst="rect">
+              <a:avLst/>
+            </a:prstGeom>
+            <a:noFill/>
+            <a:ln>
+              <a:noFill/>
+              <a:prstDash val="lgDash"/>
+            </a:ln>
+          </p:spPr>
+          <p:style>
+            <a:lnRef idx="2">
+              <a:schemeClr val="accent1">
+                <a:shade val="15000"/>
+              </a:schemeClr>
+            </a:lnRef>
+            <a:fillRef idx="1">
+              <a:schemeClr val="accent1"/>
+            </a:fillRef>
+            <a:effectRef idx="0">
+              <a:schemeClr val="accent1"/>
+            </a:effectRef>
+            <a:fontRef idx="minor">
+              <a:schemeClr val="lt1"/>
+            </a:fontRef>
+          </p:style>
+          <p:txBody>
+            <a:bodyPr rtlCol="0" anchor="ctr"/>
+            <a:lstStyle/>
+            <a:p>
+              <a:pPr algn="ctr"/>
+              <a:endParaRPr lang="de-DE"/>
+            </a:p>
+          </p:txBody>
+        </p:sp>
+        <p:sp>
+          <p:nvSpPr>
+            <p:cNvPr id="49" name="Rechteck 48">
+              <a:extLst>
+                <a:ext uri="{FF2B5EF4-FFF2-40B4-BE49-F238E27FC236}">
+                  <a16:creationId xmlns:a16="http://schemas.microsoft.com/office/drawing/2014/main" id="{3E1A8520-5281-1101-DF4A-28D65BE672A9}"/>
+                </a:ext>
+              </a:extLst>
+            </p:cNvPr>
+            <p:cNvSpPr/>
+            <p:nvPr/>
+          </p:nvSpPr>
+          <p:spPr>
+            <a:xfrm>
+              <a:off x="2483275" y="3233128"/>
+              <a:ext cx="1460075" cy="96661"/>
+            </a:xfrm>
+            <a:prstGeom prst="rect">
+              <a:avLst/>
+            </a:prstGeom>
+            <a:noFill/>
+            <a:ln>
+              <a:solidFill>
+                <a:schemeClr val="tx1"/>
+              </a:solidFill>
+              <a:prstDash val="lgDash"/>
+            </a:ln>
+          </p:spPr>
+          <p:style>
+            <a:lnRef idx="2">
+              <a:schemeClr val="accent1">
+                <a:shade val="15000"/>
+              </a:schemeClr>
+            </a:lnRef>
+            <a:fillRef idx="1">
+              <a:schemeClr val="accent1"/>
+            </a:fillRef>
+            <a:effectRef idx="0">
+              <a:schemeClr val="accent1"/>
+            </a:effectRef>
+            <a:fontRef idx="minor">
+              <a:schemeClr val="lt1"/>
+            </a:fontRef>
+          </p:style>
+          <p:txBody>
+            <a:bodyPr rtlCol="0" anchor="ctr"/>
+            <a:lstStyle/>
+            <a:p>
+              <a:pPr algn="ctr"/>
+              <a:endParaRPr lang="de-DE"/>
+            </a:p>
+          </p:txBody>
+        </p:sp>
+        <p:sp>
+          <p:nvSpPr>
+            <p:cNvPr id="50" name="Ellipse 49">
+              <a:extLst>
+                <a:ext uri="{FF2B5EF4-FFF2-40B4-BE49-F238E27FC236}">
+                  <a16:creationId xmlns:a16="http://schemas.microsoft.com/office/drawing/2014/main" id="{735993D8-32C8-0E10-2E01-42D525A6192B}"/>
+                </a:ext>
+              </a:extLst>
+            </p:cNvPr>
+            <p:cNvSpPr/>
+            <p:nvPr/>
+          </p:nvSpPr>
+          <p:spPr>
+            <a:xfrm>
+              <a:off x="3920490" y="3065276"/>
+              <a:ext cx="45719" cy="45719"/>
+            </a:xfrm>
+            <a:prstGeom prst="ellipse">
+              <a:avLst/>
+            </a:prstGeom>
+            <a:solidFill>
+              <a:schemeClr val="accent2"/>
+            </a:solidFill>
+          </p:spPr>
+          <p:style>
+            <a:lnRef idx="2">
+              <a:schemeClr val="accent1">
+                <a:shade val="15000"/>
+              </a:schemeClr>
+            </a:lnRef>
+            <a:fillRef idx="1">
+              <a:schemeClr val="accent1"/>
+            </a:fillRef>
+            <a:effectRef idx="0">
+              <a:schemeClr val="accent1"/>
+            </a:effectRef>
+            <a:fontRef idx="minor">
+              <a:schemeClr val="lt1"/>
+            </a:fontRef>
+          </p:style>
+          <p:txBody>
+            <a:bodyPr rtlCol="0" anchor="ctr"/>
+            <a:lstStyle/>
+            <a:p>
+              <a:pPr algn="ctr"/>
+              <a:endParaRPr lang="de-DE"/>
+            </a:p>
+          </p:txBody>
+        </p:sp>
+        <p:sp>
+          <p:nvSpPr>
+            <p:cNvPr id="51" name="Ellipse 50">
+              <a:extLst>
+                <a:ext uri="{FF2B5EF4-FFF2-40B4-BE49-F238E27FC236}">
+                  <a16:creationId xmlns:a16="http://schemas.microsoft.com/office/drawing/2014/main" id="{BFA9CED7-D841-3E70-15ED-BD7570B69AF6}"/>
+                </a:ext>
+              </a:extLst>
+            </p:cNvPr>
+            <p:cNvSpPr/>
+            <p:nvPr/>
+          </p:nvSpPr>
+          <p:spPr>
+            <a:xfrm>
+              <a:off x="3920490" y="3161937"/>
+              <a:ext cx="45719" cy="45719"/>
+            </a:xfrm>
+            <a:prstGeom prst="ellipse">
+              <a:avLst/>
+            </a:prstGeom>
+            <a:solidFill>
+              <a:schemeClr val="accent2"/>
+            </a:solidFill>
+          </p:spPr>
+          <p:style>
+            <a:lnRef idx="2">
+              <a:schemeClr val="accent1">
+                <a:shade val="15000"/>
+              </a:schemeClr>
+            </a:lnRef>
+            <a:fillRef idx="1">
+              <a:schemeClr val="accent1"/>
+            </a:fillRef>
+            <a:effectRef idx="0">
+              <a:schemeClr val="accent1"/>
+            </a:effectRef>
+            <a:fontRef idx="minor">
+              <a:schemeClr val="lt1"/>
+            </a:fontRef>
+          </p:style>
+          <p:txBody>
+            <a:bodyPr rtlCol="0" anchor="ctr"/>
+            <a:lstStyle/>
+            <a:p>
+              <a:pPr algn="ctr"/>
+              <a:endParaRPr lang="de-DE"/>
+            </a:p>
+          </p:txBody>
+        </p:sp>
+        <p:sp>
+          <p:nvSpPr>
+            <p:cNvPr id="52" name="Ellipse 51">
+              <a:extLst>
+                <a:ext uri="{FF2B5EF4-FFF2-40B4-BE49-F238E27FC236}">
+                  <a16:creationId xmlns:a16="http://schemas.microsoft.com/office/drawing/2014/main" id="{66BC49C7-573C-9C97-4A81-037AA9D293E3}"/>
+                </a:ext>
+              </a:extLst>
+            </p:cNvPr>
+            <p:cNvSpPr/>
+            <p:nvPr/>
+          </p:nvSpPr>
+          <p:spPr>
+            <a:xfrm>
+              <a:off x="3920490" y="3258598"/>
+              <a:ext cx="45719" cy="45719"/>
+            </a:xfrm>
+            <a:prstGeom prst="ellipse">
+              <a:avLst/>
+            </a:prstGeom>
+            <a:solidFill>
+              <a:schemeClr val="accent2"/>
+            </a:solidFill>
+          </p:spPr>
+          <p:style>
+            <a:lnRef idx="2">
+              <a:schemeClr val="accent1">
+                <a:shade val="15000"/>
+              </a:schemeClr>
+            </a:lnRef>
+            <a:fillRef idx="1">
+              <a:schemeClr val="accent1"/>
+            </a:fillRef>
+            <a:effectRef idx="0">
+              <a:schemeClr val="accent1"/>
+            </a:effectRef>
+            <a:fontRef idx="minor">
+              <a:schemeClr val="lt1"/>
+            </a:fontRef>
+          </p:style>
+          <p:txBody>
+            <a:bodyPr rtlCol="0" anchor="ctr"/>
+            <a:lstStyle/>
+            <a:p>
+              <a:pPr algn="ctr"/>
+              <a:endParaRPr lang="de-DE"/>
+            </a:p>
+          </p:txBody>
+        </p:sp>
+        <p:sp>
+          <p:nvSpPr>
+            <p:cNvPr id="53" name="Ellipse 52">
+              <a:extLst>
+                <a:ext uri="{FF2B5EF4-FFF2-40B4-BE49-F238E27FC236}">
+                  <a16:creationId xmlns:a16="http://schemas.microsoft.com/office/drawing/2014/main" id="{410FE06A-3FBE-5E79-037F-5C70AD3FBF68}"/>
+                </a:ext>
+              </a:extLst>
+            </p:cNvPr>
+            <p:cNvSpPr/>
+            <p:nvPr/>
+          </p:nvSpPr>
+          <p:spPr>
+            <a:xfrm>
+              <a:off x="2460415" y="3065276"/>
+              <a:ext cx="45719" cy="45719"/>
+            </a:xfrm>
+            <a:prstGeom prst="ellipse">
+              <a:avLst/>
+            </a:prstGeom>
+          </p:spPr>
+          <p:style>
+            <a:lnRef idx="2">
+              <a:schemeClr val="accent1">
+                <a:shade val="15000"/>
+              </a:schemeClr>
+            </a:lnRef>
+            <a:fillRef idx="1">
+              <a:schemeClr val="accent1"/>
+            </a:fillRef>
+            <a:effectRef idx="0">
+              <a:schemeClr val="accent1"/>
+            </a:effectRef>
+            <a:fontRef idx="minor">
+              <a:schemeClr val="lt1"/>
+            </a:fontRef>
+          </p:style>
+          <p:txBody>
+            <a:bodyPr rtlCol="0" anchor="ctr"/>
+            <a:lstStyle/>
+            <a:p>
+              <a:pPr algn="ctr"/>
+              <a:endParaRPr lang="de-DE"/>
+            </a:p>
+          </p:txBody>
+        </p:sp>
+        <p:sp>
+          <p:nvSpPr>
+            <p:cNvPr id="54" name="Ellipse 53">
+              <a:extLst>
+                <a:ext uri="{FF2B5EF4-FFF2-40B4-BE49-F238E27FC236}">
+                  <a16:creationId xmlns:a16="http://schemas.microsoft.com/office/drawing/2014/main" id="{DA6A1ABC-62F9-518E-50DF-93891AC59FF7}"/>
+                </a:ext>
+              </a:extLst>
+            </p:cNvPr>
+            <p:cNvSpPr/>
+            <p:nvPr/>
+          </p:nvSpPr>
+          <p:spPr>
+            <a:xfrm>
+              <a:off x="2460415" y="3163719"/>
+              <a:ext cx="45719" cy="45719"/>
+            </a:xfrm>
+            <a:prstGeom prst="ellipse">
+              <a:avLst/>
+            </a:prstGeom>
+          </p:spPr>
+          <p:style>
+            <a:lnRef idx="2">
+              <a:schemeClr val="accent1">
+                <a:shade val="15000"/>
+              </a:schemeClr>
+            </a:lnRef>
+            <a:fillRef idx="1">
+              <a:schemeClr val="accent1"/>
+            </a:fillRef>
+            <a:effectRef idx="0">
+              <a:schemeClr val="accent1"/>
+            </a:effectRef>
+            <a:fontRef idx="minor">
+              <a:schemeClr val="lt1"/>
+            </a:fontRef>
+          </p:style>
+          <p:txBody>
+            <a:bodyPr rtlCol="0" anchor="ctr"/>
+            <a:lstStyle/>
+            <a:p>
+              <a:pPr algn="ctr"/>
+              <a:endParaRPr lang="de-DE"/>
+            </a:p>
+          </p:txBody>
+        </p:sp>
+        <p:sp>
+          <p:nvSpPr>
+            <p:cNvPr id="55" name="Ellipse 54">
+              <a:extLst>
+                <a:ext uri="{FF2B5EF4-FFF2-40B4-BE49-F238E27FC236}">
+                  <a16:creationId xmlns:a16="http://schemas.microsoft.com/office/drawing/2014/main" id="{63CDBB69-38DF-F900-AB06-924573089C55}"/>
+                </a:ext>
+              </a:extLst>
+            </p:cNvPr>
+            <p:cNvSpPr/>
+            <p:nvPr/>
+          </p:nvSpPr>
+          <p:spPr>
+            <a:xfrm>
+              <a:off x="2460415" y="3253817"/>
+              <a:ext cx="45719" cy="45719"/>
+            </a:xfrm>
+            <a:prstGeom prst="ellipse">
+              <a:avLst/>
+            </a:prstGeom>
+          </p:spPr>
+          <p:style>
+            <a:lnRef idx="2">
+              <a:schemeClr val="accent1">
+                <a:shade val="15000"/>
+              </a:schemeClr>
+            </a:lnRef>
+            <a:fillRef idx="1">
+              <a:schemeClr val="accent1"/>
+            </a:fillRef>
+            <a:effectRef idx="0">
+              <a:schemeClr val="accent1"/>
+            </a:effectRef>
+            <a:fontRef idx="minor">
+              <a:schemeClr val="lt1"/>
+            </a:fontRef>
+          </p:style>
+          <p:txBody>
+            <a:bodyPr rtlCol="0" anchor="ctr"/>
+            <a:lstStyle/>
+            <a:p>
+              <a:pPr algn="ctr"/>
+              <a:endParaRPr lang="de-DE"/>
+            </a:p>
+          </p:txBody>
+        </p:sp>
+      </p:grpSp>
+      <p:grpSp>
+        <p:nvGrpSpPr>
+          <p:cNvPr id="69" name="Gruppieren 68">
+            <a:extLst>
+              <a:ext uri="{FF2B5EF4-FFF2-40B4-BE49-F238E27FC236}">
+                <a16:creationId xmlns:a16="http://schemas.microsoft.com/office/drawing/2014/main" id="{B190F45F-6162-88C9-D623-860F494524A4}"/>
+              </a:ext>
+            </a:extLst>
+          </p:cNvPr>
+          <p:cNvGrpSpPr/>
+          <p:nvPr/>
+        </p:nvGrpSpPr>
+        <p:grpSpPr>
+          <a:xfrm rot="2012133">
+            <a:off x="4836506" y="1711692"/>
+            <a:ext cx="2536136" cy="488406"/>
+            <a:chOff x="2460415" y="3039806"/>
+            <a:chExt cx="1505794" cy="289983"/>
+          </a:xfrm>
+        </p:grpSpPr>
+        <p:sp>
+          <p:nvSpPr>
+            <p:cNvPr id="70" name="Rechteck 69">
+              <a:extLst>
+                <a:ext uri="{FF2B5EF4-FFF2-40B4-BE49-F238E27FC236}">
+                  <a16:creationId xmlns:a16="http://schemas.microsoft.com/office/drawing/2014/main" id="{51D4C5B5-7620-6CBD-2B17-639B1E972663}"/>
+                </a:ext>
+              </a:extLst>
+            </p:cNvPr>
+            <p:cNvSpPr/>
+            <p:nvPr/>
+          </p:nvSpPr>
+          <p:spPr>
+            <a:xfrm>
+              <a:off x="2483275" y="3039806"/>
+              <a:ext cx="1460075" cy="289982"/>
+            </a:xfrm>
+            <a:prstGeom prst="rect">
+              <a:avLst/>
+            </a:prstGeom>
+            <a:solidFill>
+              <a:schemeClr val="bg2">
+                <a:lumMod val="90000"/>
+              </a:schemeClr>
+            </a:solidFill>
+            <a:ln w="19050">
+              <a:solidFill>
+                <a:schemeClr val="tx1"/>
+              </a:solidFill>
+              <a:prstDash val="solid"/>
+            </a:ln>
+          </p:spPr>
+          <p:style>
+            <a:lnRef idx="2">
+              <a:schemeClr val="accent1">
+                <a:shade val="15000"/>
+              </a:schemeClr>
+            </a:lnRef>
+            <a:fillRef idx="1">
+              <a:schemeClr val="accent1"/>
+            </a:fillRef>
+            <a:effectRef idx="0">
+              <a:schemeClr val="accent1"/>
+            </a:effectRef>
+            <a:fontRef idx="minor">
+              <a:schemeClr val="lt1"/>
+            </a:fontRef>
+          </p:style>
+          <p:txBody>
+            <a:bodyPr rtlCol="0" anchor="ctr"/>
+            <a:lstStyle/>
+            <a:p>
+              <a:pPr algn="ctr"/>
+              <a:endParaRPr lang="de-DE"/>
+            </a:p>
+          </p:txBody>
+        </p:sp>
+        <p:sp>
+          <p:nvSpPr>
+            <p:cNvPr id="71" name="Rechteck 70">
+              <a:extLst>
+                <a:ext uri="{FF2B5EF4-FFF2-40B4-BE49-F238E27FC236}">
+                  <a16:creationId xmlns:a16="http://schemas.microsoft.com/office/drawing/2014/main" id="{5509AF7F-81D8-AFB4-EC65-FC6002AB333F}"/>
+                </a:ext>
+              </a:extLst>
+            </p:cNvPr>
+            <p:cNvSpPr/>
+            <p:nvPr/>
+          </p:nvSpPr>
+          <p:spPr>
+            <a:xfrm>
+              <a:off x="2483275" y="3039806"/>
+              <a:ext cx="1460075" cy="96661"/>
+            </a:xfrm>
+            <a:prstGeom prst="rect">
+              <a:avLst/>
+            </a:prstGeom>
+            <a:noFill/>
+            <a:ln>
+              <a:solidFill>
+                <a:schemeClr val="tx1"/>
+              </a:solidFill>
+              <a:prstDash val="lgDash"/>
+            </a:ln>
+          </p:spPr>
+          <p:style>
+            <a:lnRef idx="2">
+              <a:schemeClr val="accent1">
+                <a:shade val="15000"/>
+              </a:schemeClr>
+            </a:lnRef>
+            <a:fillRef idx="1">
+              <a:schemeClr val="accent1"/>
+            </a:fillRef>
+            <a:effectRef idx="0">
+              <a:schemeClr val="accent1"/>
+            </a:effectRef>
+            <a:fontRef idx="minor">
+              <a:schemeClr val="lt1"/>
+            </a:fontRef>
+          </p:style>
+          <p:txBody>
+            <a:bodyPr rtlCol="0" anchor="ctr"/>
+            <a:lstStyle/>
+            <a:p>
+              <a:pPr algn="ctr"/>
+              <a:endParaRPr lang="de-DE"/>
+            </a:p>
+          </p:txBody>
+        </p:sp>
+        <p:sp>
+          <p:nvSpPr>
+            <p:cNvPr id="72" name="Rechteck 71">
+              <a:extLst>
+                <a:ext uri="{FF2B5EF4-FFF2-40B4-BE49-F238E27FC236}">
+                  <a16:creationId xmlns:a16="http://schemas.microsoft.com/office/drawing/2014/main" id="{B8527E63-020F-2E4F-4CF2-706D7A8E0000}"/>
+                </a:ext>
+              </a:extLst>
+            </p:cNvPr>
+            <p:cNvSpPr/>
+            <p:nvPr/>
+          </p:nvSpPr>
+          <p:spPr>
+            <a:xfrm>
+              <a:off x="2483275" y="3136467"/>
+              <a:ext cx="1460075" cy="96661"/>
+            </a:xfrm>
+            <a:prstGeom prst="rect">
+              <a:avLst/>
+            </a:prstGeom>
+            <a:noFill/>
+            <a:ln>
+              <a:noFill/>
+              <a:prstDash val="lgDash"/>
+            </a:ln>
+          </p:spPr>
+          <p:style>
+            <a:lnRef idx="2">
+              <a:schemeClr val="accent1">
+                <a:shade val="15000"/>
+              </a:schemeClr>
+            </a:lnRef>
+            <a:fillRef idx="1">
+              <a:schemeClr val="accent1"/>
+            </a:fillRef>
+            <a:effectRef idx="0">
+              <a:schemeClr val="accent1"/>
+            </a:effectRef>
+            <a:fontRef idx="minor">
+              <a:schemeClr val="lt1"/>
+            </a:fontRef>
+          </p:style>
+          <p:txBody>
+            <a:bodyPr rtlCol="0" anchor="ctr"/>
+            <a:lstStyle/>
+            <a:p>
+              <a:pPr algn="ctr"/>
+              <a:endParaRPr lang="de-DE"/>
+            </a:p>
+          </p:txBody>
+        </p:sp>
+        <p:sp>
+          <p:nvSpPr>
+            <p:cNvPr id="73" name="Rechteck 72">
+              <a:extLst>
+                <a:ext uri="{FF2B5EF4-FFF2-40B4-BE49-F238E27FC236}">
+                  <a16:creationId xmlns:a16="http://schemas.microsoft.com/office/drawing/2014/main" id="{1C2A471E-751D-D1A3-B59A-66C30F87F917}"/>
+                </a:ext>
+              </a:extLst>
+            </p:cNvPr>
+            <p:cNvSpPr/>
+            <p:nvPr/>
+          </p:nvSpPr>
+          <p:spPr>
+            <a:xfrm>
+              <a:off x="2483275" y="3233128"/>
+              <a:ext cx="1460075" cy="96661"/>
+            </a:xfrm>
+            <a:prstGeom prst="rect">
+              <a:avLst/>
+            </a:prstGeom>
+            <a:noFill/>
+            <a:ln>
+              <a:solidFill>
+                <a:schemeClr val="tx1"/>
+              </a:solidFill>
+              <a:prstDash val="lgDash"/>
+            </a:ln>
+          </p:spPr>
+          <p:style>
+            <a:lnRef idx="2">
+              <a:schemeClr val="accent1">
+                <a:shade val="15000"/>
+              </a:schemeClr>
+            </a:lnRef>
+            <a:fillRef idx="1">
+              <a:schemeClr val="accent1"/>
+            </a:fillRef>
+            <a:effectRef idx="0">
+              <a:schemeClr val="accent1"/>
+            </a:effectRef>
+            <a:fontRef idx="minor">
+              <a:schemeClr val="lt1"/>
+            </a:fontRef>
+          </p:style>
+          <p:txBody>
+            <a:bodyPr rtlCol="0" anchor="ctr"/>
+            <a:lstStyle/>
+            <a:p>
+              <a:pPr algn="ctr"/>
+              <a:endParaRPr lang="de-DE"/>
+            </a:p>
+          </p:txBody>
+        </p:sp>
+        <p:sp>
+          <p:nvSpPr>
+            <p:cNvPr id="74" name="Ellipse 73">
+              <a:extLst>
+                <a:ext uri="{FF2B5EF4-FFF2-40B4-BE49-F238E27FC236}">
+                  <a16:creationId xmlns:a16="http://schemas.microsoft.com/office/drawing/2014/main" id="{91E6F974-CCDB-AB1D-44BA-68545FACF8AF}"/>
+                </a:ext>
+              </a:extLst>
+            </p:cNvPr>
+            <p:cNvSpPr/>
+            <p:nvPr/>
+          </p:nvSpPr>
+          <p:spPr>
+            <a:xfrm>
+              <a:off x="3920490" y="3065276"/>
+              <a:ext cx="45719" cy="45719"/>
+            </a:xfrm>
+            <a:prstGeom prst="ellipse">
+              <a:avLst/>
+            </a:prstGeom>
+            <a:solidFill>
+              <a:schemeClr val="accent2"/>
+            </a:solidFill>
+          </p:spPr>
+          <p:style>
+            <a:lnRef idx="2">
+              <a:schemeClr val="accent1">
+                <a:shade val="15000"/>
+              </a:schemeClr>
+            </a:lnRef>
+            <a:fillRef idx="1">
+              <a:schemeClr val="accent1"/>
+            </a:fillRef>
+            <a:effectRef idx="0">
+              <a:schemeClr val="accent1"/>
+            </a:effectRef>
+            <a:fontRef idx="minor">
+              <a:schemeClr val="lt1"/>
+            </a:fontRef>
+          </p:style>
+          <p:txBody>
+            <a:bodyPr rtlCol="0" anchor="ctr"/>
+            <a:lstStyle/>
+            <a:p>
+              <a:pPr algn="ctr"/>
+              <a:endParaRPr lang="de-DE"/>
+            </a:p>
+          </p:txBody>
+        </p:sp>
+        <p:sp>
+          <p:nvSpPr>
+            <p:cNvPr id="75" name="Ellipse 74">
+              <a:extLst>
+                <a:ext uri="{FF2B5EF4-FFF2-40B4-BE49-F238E27FC236}">
+                  <a16:creationId xmlns:a16="http://schemas.microsoft.com/office/drawing/2014/main" id="{86E4329B-4774-7965-AF7F-F797DEDEAC00}"/>
+                </a:ext>
+              </a:extLst>
+            </p:cNvPr>
+            <p:cNvSpPr/>
+            <p:nvPr/>
+          </p:nvSpPr>
+          <p:spPr>
+            <a:xfrm>
+              <a:off x="3920490" y="3161937"/>
+              <a:ext cx="45719" cy="45719"/>
+            </a:xfrm>
+            <a:prstGeom prst="ellipse">
+              <a:avLst/>
+            </a:prstGeom>
+            <a:solidFill>
+              <a:schemeClr val="accent2"/>
+            </a:solidFill>
+          </p:spPr>
+          <p:style>
+            <a:lnRef idx="2">
+              <a:schemeClr val="accent1">
+                <a:shade val="15000"/>
+              </a:schemeClr>
+            </a:lnRef>
+            <a:fillRef idx="1">
+              <a:schemeClr val="accent1"/>
+            </a:fillRef>
+            <a:effectRef idx="0">
+              <a:schemeClr val="accent1"/>
+            </a:effectRef>
+            <a:fontRef idx="minor">
+              <a:schemeClr val="lt1"/>
+            </a:fontRef>
+          </p:style>
+          <p:txBody>
+            <a:bodyPr rtlCol="0" anchor="ctr"/>
+            <a:lstStyle/>
+            <a:p>
+              <a:pPr algn="ctr"/>
+              <a:endParaRPr lang="de-DE"/>
+            </a:p>
+          </p:txBody>
+        </p:sp>
+        <p:sp>
+          <p:nvSpPr>
+            <p:cNvPr id="76" name="Ellipse 75">
+              <a:extLst>
+                <a:ext uri="{FF2B5EF4-FFF2-40B4-BE49-F238E27FC236}">
+                  <a16:creationId xmlns:a16="http://schemas.microsoft.com/office/drawing/2014/main" id="{D956E10C-1201-BAB7-AC62-6981AB4A5D46}"/>
+                </a:ext>
+              </a:extLst>
+            </p:cNvPr>
+            <p:cNvSpPr/>
+            <p:nvPr/>
+          </p:nvSpPr>
+          <p:spPr>
+            <a:xfrm>
+              <a:off x="3920490" y="3258598"/>
+              <a:ext cx="45719" cy="45719"/>
+            </a:xfrm>
+            <a:prstGeom prst="ellipse">
+              <a:avLst/>
+            </a:prstGeom>
+            <a:solidFill>
+              <a:schemeClr val="accent2"/>
+            </a:solidFill>
+          </p:spPr>
+          <p:style>
+            <a:lnRef idx="2">
+              <a:schemeClr val="accent1">
+                <a:shade val="15000"/>
+              </a:schemeClr>
+            </a:lnRef>
+            <a:fillRef idx="1">
+              <a:schemeClr val="accent1"/>
+            </a:fillRef>
+            <a:effectRef idx="0">
+              <a:schemeClr val="accent1"/>
+            </a:effectRef>
+            <a:fontRef idx="minor">
+              <a:schemeClr val="lt1"/>
+            </a:fontRef>
+          </p:style>
+          <p:txBody>
+            <a:bodyPr rtlCol="0" anchor="ctr"/>
+            <a:lstStyle/>
+            <a:p>
+              <a:pPr algn="ctr"/>
+              <a:endParaRPr lang="de-DE"/>
+            </a:p>
+          </p:txBody>
+        </p:sp>
+        <p:sp>
+          <p:nvSpPr>
+            <p:cNvPr id="77" name="Ellipse 76">
+              <a:extLst>
+                <a:ext uri="{FF2B5EF4-FFF2-40B4-BE49-F238E27FC236}">
+                  <a16:creationId xmlns:a16="http://schemas.microsoft.com/office/drawing/2014/main" id="{AB599FE5-DD87-79AF-6B51-1E9270BCBF1A}"/>
+                </a:ext>
+              </a:extLst>
+            </p:cNvPr>
+            <p:cNvSpPr/>
+            <p:nvPr/>
+          </p:nvSpPr>
+          <p:spPr>
+            <a:xfrm>
+              <a:off x="2460415" y="3065276"/>
+              <a:ext cx="45719" cy="45719"/>
+            </a:xfrm>
+            <a:prstGeom prst="ellipse">
+              <a:avLst/>
+            </a:prstGeom>
+          </p:spPr>
+          <p:style>
+            <a:lnRef idx="2">
+              <a:schemeClr val="accent1">
+                <a:shade val="15000"/>
+              </a:schemeClr>
+            </a:lnRef>
+            <a:fillRef idx="1">
+              <a:schemeClr val="accent1"/>
+            </a:fillRef>
+            <a:effectRef idx="0">
+              <a:schemeClr val="accent1"/>
+            </a:effectRef>
+            <a:fontRef idx="minor">
+              <a:schemeClr val="lt1"/>
+            </a:fontRef>
+          </p:style>
+          <p:txBody>
+            <a:bodyPr rtlCol="0" anchor="ctr"/>
+            <a:lstStyle/>
+            <a:p>
+              <a:pPr algn="ctr"/>
+              <a:endParaRPr lang="de-DE"/>
+            </a:p>
+          </p:txBody>
+        </p:sp>
+        <p:sp>
+          <p:nvSpPr>
+            <p:cNvPr id="78" name="Ellipse 77">
+              <a:extLst>
+                <a:ext uri="{FF2B5EF4-FFF2-40B4-BE49-F238E27FC236}">
+                  <a16:creationId xmlns:a16="http://schemas.microsoft.com/office/drawing/2014/main" id="{51A18B46-444D-3F17-32DA-9E5F6489B67D}"/>
+                </a:ext>
+              </a:extLst>
+            </p:cNvPr>
+            <p:cNvSpPr/>
+            <p:nvPr/>
+          </p:nvSpPr>
+          <p:spPr>
+            <a:xfrm>
+              <a:off x="2460415" y="3163719"/>
+              <a:ext cx="45719" cy="45719"/>
+            </a:xfrm>
+            <a:prstGeom prst="ellipse">
+              <a:avLst/>
+            </a:prstGeom>
+          </p:spPr>
+          <p:style>
+            <a:lnRef idx="2">
+              <a:schemeClr val="accent1">
+                <a:shade val="15000"/>
+              </a:schemeClr>
+            </a:lnRef>
+            <a:fillRef idx="1">
+              <a:schemeClr val="accent1"/>
+            </a:fillRef>
+            <a:effectRef idx="0">
+              <a:schemeClr val="accent1"/>
+            </a:effectRef>
+            <a:fontRef idx="minor">
+              <a:schemeClr val="lt1"/>
+            </a:fontRef>
+          </p:style>
+          <p:txBody>
+            <a:bodyPr rtlCol="0" anchor="ctr"/>
+            <a:lstStyle/>
+            <a:p>
+              <a:pPr algn="ctr"/>
+              <a:endParaRPr lang="de-DE"/>
+            </a:p>
+          </p:txBody>
+        </p:sp>
+        <p:sp>
+          <p:nvSpPr>
+            <p:cNvPr id="79" name="Ellipse 78">
+              <a:extLst>
+                <a:ext uri="{FF2B5EF4-FFF2-40B4-BE49-F238E27FC236}">
+                  <a16:creationId xmlns:a16="http://schemas.microsoft.com/office/drawing/2014/main" id="{202DE661-4CF7-1A20-4FDD-21E8D57E1A6D}"/>
+                </a:ext>
+              </a:extLst>
+            </p:cNvPr>
+            <p:cNvSpPr/>
+            <p:nvPr/>
+          </p:nvSpPr>
+          <p:spPr>
+            <a:xfrm>
+              <a:off x="2460415" y="3253817"/>
+              <a:ext cx="45719" cy="45719"/>
+            </a:xfrm>
+            <a:prstGeom prst="ellipse">
+              <a:avLst/>
+            </a:prstGeom>
+          </p:spPr>
+          <p:style>
+            <a:lnRef idx="2">
+              <a:schemeClr val="accent1">
+                <a:shade val="15000"/>
+              </a:schemeClr>
+            </a:lnRef>
+            <a:fillRef idx="1">
+              <a:schemeClr val="accent1"/>
+            </a:fillRef>
+            <a:effectRef idx="0">
+              <a:schemeClr val="accent1"/>
+            </a:effectRef>
+            <a:fontRef idx="minor">
+              <a:schemeClr val="lt1"/>
+            </a:fontRef>
+          </p:style>
+          <p:txBody>
+            <a:bodyPr rtlCol="0" anchor="ctr"/>
+            <a:lstStyle/>
+            <a:p>
+              <a:pPr algn="ctr"/>
+              <a:endParaRPr lang="de-DE"/>
+            </a:p>
+          </p:txBody>
+        </p:sp>
+      </p:grpSp>
+      <p:grpSp>
+        <p:nvGrpSpPr>
+          <p:cNvPr id="133" name="Gruppieren 132">
+            <a:extLst>
+              <a:ext uri="{FF2B5EF4-FFF2-40B4-BE49-F238E27FC236}">
+                <a16:creationId xmlns:a16="http://schemas.microsoft.com/office/drawing/2014/main" id="{59E6539F-F222-CBCB-2D17-3B57E29C1A87}"/>
+              </a:ext>
+            </a:extLst>
+          </p:cNvPr>
+          <p:cNvGrpSpPr/>
+          <p:nvPr/>
+        </p:nvGrpSpPr>
+        <p:grpSpPr>
+          <a:xfrm rot="20401085">
+            <a:off x="7842736" y="1618777"/>
+            <a:ext cx="2536136" cy="1136166"/>
+            <a:chOff x="8073719" y="2193940"/>
+            <a:chExt cx="2536136" cy="1136166"/>
+          </a:xfrm>
+        </p:grpSpPr>
+        <p:grpSp>
+          <p:nvGrpSpPr>
+            <p:cNvPr id="80" name="Gruppieren 79">
+              <a:extLst>
+                <a:ext uri="{FF2B5EF4-FFF2-40B4-BE49-F238E27FC236}">
+                  <a16:creationId xmlns:a16="http://schemas.microsoft.com/office/drawing/2014/main" id="{FBE926FC-BBED-79E8-B1BF-0870EAA6D44B}"/>
+                </a:ext>
+              </a:extLst>
+            </p:cNvPr>
+            <p:cNvGrpSpPr/>
+            <p:nvPr/>
+          </p:nvGrpSpPr>
+          <p:grpSpPr>
+            <a:xfrm>
+              <a:off x="8073719" y="2193940"/>
+              <a:ext cx="2536136" cy="488406"/>
+              <a:chOff x="2460415" y="3039806"/>
+              <a:chExt cx="1505794" cy="289983"/>
+            </a:xfrm>
+          </p:grpSpPr>
+          <p:sp>
+            <p:nvSpPr>
+              <p:cNvPr id="81" name="Rechteck 80">
+                <a:extLst>
+                  <a:ext uri="{FF2B5EF4-FFF2-40B4-BE49-F238E27FC236}">
+                    <a16:creationId xmlns:a16="http://schemas.microsoft.com/office/drawing/2014/main" id="{CCD4DA36-128E-2993-111C-252F88895EF1}"/>
+                  </a:ext>
+                </a:extLst>
+              </p:cNvPr>
+              <p:cNvSpPr/>
+              <p:nvPr/>
+            </p:nvSpPr>
+            <p:spPr>
+              <a:xfrm>
+                <a:off x="2483275" y="3039806"/>
+                <a:ext cx="1460075" cy="289982"/>
+              </a:xfrm>
+              <a:prstGeom prst="rect">
+                <a:avLst/>
+              </a:prstGeom>
+              <a:solidFill>
+                <a:schemeClr val="bg2">
+                  <a:lumMod val="90000"/>
+                </a:schemeClr>
+              </a:solidFill>
+              <a:ln w="19050">
+                <a:solidFill>
+                  <a:schemeClr val="tx1"/>
+                </a:solidFill>
+                <a:prstDash val="solid"/>
+              </a:ln>
+            </p:spPr>
+            <p:style>
+              <a:lnRef idx="2">
+                <a:schemeClr val="accent1">
+                  <a:shade val="15000"/>
+                </a:schemeClr>
+              </a:lnRef>
+              <a:fillRef idx="1">
+                <a:schemeClr val="accent1"/>
+              </a:fillRef>
+              <a:effectRef idx="0">
+                <a:schemeClr val="accent1"/>
+              </a:effectRef>
+              <a:fontRef idx="minor">
+                <a:schemeClr val="lt1"/>
+              </a:fontRef>
+            </p:style>
+            <p:txBody>
+              <a:bodyPr rtlCol="0" anchor="ctr"/>
+              <a:lstStyle/>
+              <a:p>
+                <a:pPr algn="ctr"/>
+                <a:endParaRPr lang="de-DE"/>
+              </a:p>
+            </p:txBody>
+          </p:sp>
+          <p:sp>
+            <p:nvSpPr>
+              <p:cNvPr id="82" name="Rechteck 81">
+                <a:extLst>
+                  <a:ext uri="{FF2B5EF4-FFF2-40B4-BE49-F238E27FC236}">
+                    <a16:creationId xmlns:a16="http://schemas.microsoft.com/office/drawing/2014/main" id="{15871790-3ED4-0FAB-EC50-B6D6DDF23B81}"/>
+                  </a:ext>
+                </a:extLst>
+              </p:cNvPr>
+              <p:cNvSpPr/>
+              <p:nvPr/>
+            </p:nvSpPr>
+            <p:spPr>
+              <a:xfrm>
+                <a:off x="2483275" y="3039806"/>
+                <a:ext cx="1460075" cy="96661"/>
+              </a:xfrm>
+              <a:prstGeom prst="rect">
+                <a:avLst/>
+              </a:prstGeom>
+              <a:noFill/>
+              <a:ln>
+                <a:solidFill>
+                  <a:schemeClr val="tx1"/>
+                </a:solidFill>
+                <a:prstDash val="lgDash"/>
+              </a:ln>
+            </p:spPr>
+            <p:style>
+              <a:lnRef idx="2">
+                <a:schemeClr val="accent1">
+                  <a:shade val="15000"/>
+                </a:schemeClr>
+              </a:lnRef>
+              <a:fillRef idx="1">
+                <a:schemeClr val="accent1"/>
+              </a:fillRef>
+              <a:effectRef idx="0">
+                <a:schemeClr val="accent1"/>
+              </a:effectRef>
+              <a:fontRef idx="minor">
+                <a:schemeClr val="lt1"/>
+              </a:fontRef>
+            </p:style>
+            <p:txBody>
+              <a:bodyPr rtlCol="0" anchor="ctr"/>
+              <a:lstStyle/>
+              <a:p>
+                <a:pPr algn="ctr"/>
+                <a:endParaRPr lang="de-DE"/>
+              </a:p>
+            </p:txBody>
+          </p:sp>
+          <p:sp>
+            <p:nvSpPr>
+              <p:cNvPr id="83" name="Rechteck 82">
+                <a:extLst>
+                  <a:ext uri="{FF2B5EF4-FFF2-40B4-BE49-F238E27FC236}">
+                    <a16:creationId xmlns:a16="http://schemas.microsoft.com/office/drawing/2014/main" id="{659F21BB-047E-1B1A-A111-A46313301B1F}"/>
+                  </a:ext>
+                </a:extLst>
+              </p:cNvPr>
+              <p:cNvSpPr/>
+              <p:nvPr/>
+            </p:nvSpPr>
+            <p:spPr>
+              <a:xfrm>
+                <a:off x="2483275" y="3136467"/>
+                <a:ext cx="1460075" cy="96661"/>
+              </a:xfrm>
+              <a:prstGeom prst="rect">
+                <a:avLst/>
+              </a:prstGeom>
+              <a:noFill/>
+              <a:ln>
+                <a:noFill/>
+                <a:prstDash val="lgDash"/>
+              </a:ln>
+            </p:spPr>
+            <p:style>
+              <a:lnRef idx="2">
+                <a:schemeClr val="accent1">
+                  <a:shade val="15000"/>
+                </a:schemeClr>
+              </a:lnRef>
+              <a:fillRef idx="1">
+                <a:schemeClr val="accent1"/>
+              </a:fillRef>
+              <a:effectRef idx="0">
+                <a:schemeClr val="accent1"/>
+              </a:effectRef>
+              <a:fontRef idx="minor">
+                <a:schemeClr val="lt1"/>
+              </a:fontRef>
+            </p:style>
+            <p:txBody>
+              <a:bodyPr rtlCol="0" anchor="ctr"/>
+              <a:lstStyle/>
+              <a:p>
+                <a:pPr algn="ctr"/>
+                <a:endParaRPr lang="de-DE"/>
+              </a:p>
+            </p:txBody>
+          </p:sp>
+          <p:sp>
+            <p:nvSpPr>
+              <p:cNvPr id="84" name="Rechteck 83">
+                <a:extLst>
+                  <a:ext uri="{FF2B5EF4-FFF2-40B4-BE49-F238E27FC236}">
+                    <a16:creationId xmlns:a16="http://schemas.microsoft.com/office/drawing/2014/main" id="{8308E9A7-B20E-3D33-9CCA-AD4BF21139B2}"/>
+                  </a:ext>
+                </a:extLst>
+              </p:cNvPr>
+              <p:cNvSpPr/>
+              <p:nvPr/>
+            </p:nvSpPr>
+            <p:spPr>
+              <a:xfrm>
+                <a:off x="2483275" y="3233128"/>
+                <a:ext cx="1460075" cy="96661"/>
+              </a:xfrm>
+              <a:prstGeom prst="rect">
+                <a:avLst/>
+              </a:prstGeom>
+              <a:noFill/>
+              <a:ln>
+                <a:solidFill>
+                  <a:schemeClr val="tx1"/>
+                </a:solidFill>
+                <a:prstDash val="lgDash"/>
+              </a:ln>
+            </p:spPr>
+            <p:style>
+              <a:lnRef idx="2">
+                <a:schemeClr val="accent1">
+                  <a:shade val="15000"/>
+                </a:schemeClr>
+              </a:lnRef>
+              <a:fillRef idx="1">
+                <a:schemeClr val="accent1"/>
+              </a:fillRef>
+              <a:effectRef idx="0">
+                <a:schemeClr val="accent1"/>
+              </a:effectRef>
+              <a:fontRef idx="minor">
+                <a:schemeClr val="lt1"/>
+              </a:fontRef>
+            </p:style>
+            <p:txBody>
+              <a:bodyPr rtlCol="0" anchor="ctr"/>
+              <a:lstStyle/>
+              <a:p>
+                <a:pPr algn="ctr"/>
+                <a:endParaRPr lang="de-DE"/>
+              </a:p>
+            </p:txBody>
+          </p:sp>
+          <p:sp>
+            <p:nvSpPr>
+              <p:cNvPr id="85" name="Ellipse 84">
+                <a:extLst>
+                  <a:ext uri="{FF2B5EF4-FFF2-40B4-BE49-F238E27FC236}">
+                    <a16:creationId xmlns:a16="http://schemas.microsoft.com/office/drawing/2014/main" id="{043DE443-0129-2CAD-34F3-7D36CAEC147D}"/>
+                  </a:ext>
+                </a:extLst>
+              </p:cNvPr>
+              <p:cNvSpPr/>
+              <p:nvPr/>
+            </p:nvSpPr>
+            <p:spPr>
+              <a:xfrm>
+                <a:off x="3920490" y="3065276"/>
+                <a:ext cx="45719" cy="45719"/>
+              </a:xfrm>
+              <a:prstGeom prst="ellipse">
+                <a:avLst/>
+              </a:prstGeom>
+              <a:solidFill>
+                <a:schemeClr val="accent2"/>
+              </a:solidFill>
+            </p:spPr>
+            <p:style>
+              <a:lnRef idx="2">
+                <a:schemeClr val="accent1">
+                  <a:shade val="15000"/>
+                </a:schemeClr>
+              </a:lnRef>
+              <a:fillRef idx="1">
+                <a:schemeClr val="accent1"/>
+              </a:fillRef>
+              <a:effectRef idx="0">
+                <a:schemeClr val="accent1"/>
+              </a:effectRef>
+              <a:fontRef idx="minor">
+                <a:schemeClr val="lt1"/>
+              </a:fontRef>
+            </p:style>
+            <p:txBody>
+              <a:bodyPr rtlCol="0" anchor="ctr"/>
+              <a:lstStyle/>
+              <a:p>
+                <a:pPr algn="ctr"/>
+                <a:endParaRPr lang="de-DE"/>
+              </a:p>
+            </p:txBody>
+          </p:sp>
+          <p:sp>
+            <p:nvSpPr>
+              <p:cNvPr id="86" name="Ellipse 85">
+                <a:extLst>
+                  <a:ext uri="{FF2B5EF4-FFF2-40B4-BE49-F238E27FC236}">
+                    <a16:creationId xmlns:a16="http://schemas.microsoft.com/office/drawing/2014/main" id="{2BAC5A44-1347-5474-78B6-353A0DA9A037}"/>
+                  </a:ext>
+                </a:extLst>
+              </p:cNvPr>
+              <p:cNvSpPr/>
+              <p:nvPr/>
+            </p:nvSpPr>
+            <p:spPr>
+              <a:xfrm>
+                <a:off x="3920490" y="3161937"/>
+                <a:ext cx="45719" cy="45719"/>
+              </a:xfrm>
+              <a:prstGeom prst="ellipse">
+                <a:avLst/>
+              </a:prstGeom>
+              <a:solidFill>
+                <a:schemeClr val="accent2"/>
+              </a:solidFill>
+            </p:spPr>
+            <p:style>
+              <a:lnRef idx="2">
+                <a:schemeClr val="accent1">
+                  <a:shade val="15000"/>
+                </a:schemeClr>
+              </a:lnRef>
+              <a:fillRef idx="1">
+                <a:schemeClr val="accent1"/>
+              </a:fillRef>
+              <a:effectRef idx="0">
+                <a:schemeClr val="accent1"/>
+              </a:effectRef>
+              <a:fontRef idx="minor">
+                <a:schemeClr val="lt1"/>
+              </a:fontRef>
+            </p:style>
+            <p:txBody>
+              <a:bodyPr rtlCol="0" anchor="ctr"/>
+              <a:lstStyle/>
+              <a:p>
+                <a:pPr algn="ctr"/>
+                <a:endParaRPr lang="de-DE"/>
+              </a:p>
+            </p:txBody>
+          </p:sp>
+          <p:sp>
+            <p:nvSpPr>
+              <p:cNvPr id="87" name="Ellipse 86">
+                <a:extLst>
+                  <a:ext uri="{FF2B5EF4-FFF2-40B4-BE49-F238E27FC236}">
+                    <a16:creationId xmlns:a16="http://schemas.microsoft.com/office/drawing/2014/main" id="{C8B6625D-FBFB-C780-A9D1-73E791E07E1F}"/>
+                  </a:ext>
+                </a:extLst>
+              </p:cNvPr>
+              <p:cNvSpPr/>
+              <p:nvPr/>
+            </p:nvSpPr>
+            <p:spPr>
+              <a:xfrm>
+                <a:off x="3920490" y="3258598"/>
+                <a:ext cx="45719" cy="45719"/>
+              </a:xfrm>
+              <a:prstGeom prst="ellipse">
+                <a:avLst/>
+              </a:prstGeom>
+              <a:solidFill>
+                <a:schemeClr val="accent2"/>
+              </a:solidFill>
+            </p:spPr>
+            <p:style>
+              <a:lnRef idx="2">
+                <a:schemeClr val="accent1">
+                  <a:shade val="15000"/>
+                </a:schemeClr>
+              </a:lnRef>
+              <a:fillRef idx="1">
+                <a:schemeClr val="accent1"/>
+              </a:fillRef>
+              <a:effectRef idx="0">
+                <a:schemeClr val="accent1"/>
+              </a:effectRef>
+              <a:fontRef idx="minor">
+                <a:schemeClr val="lt1"/>
+              </a:fontRef>
+            </p:style>
+            <p:txBody>
+              <a:bodyPr rtlCol="0" anchor="ctr"/>
+              <a:lstStyle/>
+              <a:p>
+                <a:pPr algn="ctr"/>
+                <a:endParaRPr lang="de-DE"/>
+              </a:p>
+            </p:txBody>
+          </p:sp>
+          <p:sp>
+            <p:nvSpPr>
+              <p:cNvPr id="88" name="Ellipse 87">
+                <a:extLst>
+                  <a:ext uri="{FF2B5EF4-FFF2-40B4-BE49-F238E27FC236}">
+                    <a16:creationId xmlns:a16="http://schemas.microsoft.com/office/drawing/2014/main" id="{8BAB8C56-B18B-32C8-BAF2-7822EDDE6DD6}"/>
+                  </a:ext>
+                </a:extLst>
+              </p:cNvPr>
+              <p:cNvSpPr/>
+              <p:nvPr/>
+            </p:nvSpPr>
+            <p:spPr>
+              <a:xfrm>
+                <a:off x="2460415" y="3065276"/>
+                <a:ext cx="45719" cy="45719"/>
+              </a:xfrm>
+              <a:prstGeom prst="ellipse">
+                <a:avLst/>
+              </a:prstGeom>
+            </p:spPr>
+            <p:style>
+              <a:lnRef idx="2">
+                <a:schemeClr val="accent1">
+                  <a:shade val="15000"/>
+                </a:schemeClr>
+              </a:lnRef>
+              <a:fillRef idx="1">
+                <a:schemeClr val="accent1"/>
+              </a:fillRef>
+              <a:effectRef idx="0">
+                <a:schemeClr val="accent1"/>
+              </a:effectRef>
+              <a:fontRef idx="minor">
+                <a:schemeClr val="lt1"/>
+              </a:fontRef>
+            </p:style>
+            <p:txBody>
+              <a:bodyPr rtlCol="0" anchor="ctr"/>
+              <a:lstStyle/>
+              <a:p>
+                <a:pPr algn="ctr"/>
+                <a:endParaRPr lang="de-DE"/>
+              </a:p>
+            </p:txBody>
+          </p:sp>
+          <p:sp>
+            <p:nvSpPr>
+              <p:cNvPr id="89" name="Ellipse 88">
+                <a:extLst>
+                  <a:ext uri="{FF2B5EF4-FFF2-40B4-BE49-F238E27FC236}">
+                    <a16:creationId xmlns:a16="http://schemas.microsoft.com/office/drawing/2014/main" id="{3E178776-9076-66E6-D600-68016792285A}"/>
+                  </a:ext>
+                </a:extLst>
+              </p:cNvPr>
+              <p:cNvSpPr/>
+              <p:nvPr/>
+            </p:nvSpPr>
+            <p:spPr>
+              <a:xfrm>
+                <a:off x="2460415" y="3163719"/>
+                <a:ext cx="45719" cy="45719"/>
+              </a:xfrm>
+              <a:prstGeom prst="ellipse">
+                <a:avLst/>
+              </a:prstGeom>
+            </p:spPr>
+            <p:style>
+              <a:lnRef idx="2">
+                <a:schemeClr val="accent1">
+                  <a:shade val="15000"/>
+                </a:schemeClr>
+              </a:lnRef>
+              <a:fillRef idx="1">
+                <a:schemeClr val="accent1"/>
+              </a:fillRef>
+              <a:effectRef idx="0">
+                <a:schemeClr val="accent1"/>
+              </a:effectRef>
+              <a:fontRef idx="minor">
+                <a:schemeClr val="lt1"/>
+              </a:fontRef>
+            </p:style>
+            <p:txBody>
+              <a:bodyPr rtlCol="0" anchor="ctr"/>
+              <a:lstStyle/>
+              <a:p>
+                <a:pPr algn="ctr"/>
+                <a:endParaRPr lang="de-DE"/>
+              </a:p>
+            </p:txBody>
+          </p:sp>
+          <p:sp>
+            <p:nvSpPr>
+              <p:cNvPr id="90" name="Ellipse 89">
+                <a:extLst>
+                  <a:ext uri="{FF2B5EF4-FFF2-40B4-BE49-F238E27FC236}">
+                    <a16:creationId xmlns:a16="http://schemas.microsoft.com/office/drawing/2014/main" id="{13EA0CD0-805A-8F82-F6AF-2BBEBDBF533D}"/>
+                  </a:ext>
+                </a:extLst>
+              </p:cNvPr>
+              <p:cNvSpPr/>
+              <p:nvPr/>
+            </p:nvSpPr>
+            <p:spPr>
+              <a:xfrm>
+                <a:off x="2460415" y="3253817"/>
+                <a:ext cx="45719" cy="45719"/>
+              </a:xfrm>
+              <a:prstGeom prst="ellipse">
+                <a:avLst/>
+              </a:prstGeom>
+            </p:spPr>
+            <p:style>
+              <a:lnRef idx="2">
+                <a:schemeClr val="accent1">
+                  <a:shade val="15000"/>
+                </a:schemeClr>
+              </a:lnRef>
+              <a:fillRef idx="1">
+                <a:schemeClr val="accent1"/>
+              </a:fillRef>
+              <a:effectRef idx="0">
+                <a:schemeClr val="accent1"/>
+              </a:effectRef>
+              <a:fontRef idx="minor">
+                <a:schemeClr val="lt1"/>
+              </a:fontRef>
+            </p:style>
+            <p:txBody>
+              <a:bodyPr rtlCol="0" anchor="ctr"/>
+              <a:lstStyle/>
+              <a:p>
+                <a:pPr algn="ctr"/>
+                <a:endParaRPr lang="de-DE"/>
+              </a:p>
+            </p:txBody>
+          </p:sp>
+        </p:grpSp>
+        <p:grpSp>
+          <p:nvGrpSpPr>
+            <p:cNvPr id="91" name="Gruppieren 90">
+              <a:extLst>
+                <a:ext uri="{FF2B5EF4-FFF2-40B4-BE49-F238E27FC236}">
+                  <a16:creationId xmlns:a16="http://schemas.microsoft.com/office/drawing/2014/main" id="{88D2D585-2C42-2918-A5BA-DDCA1888775F}"/>
+                </a:ext>
+              </a:extLst>
+            </p:cNvPr>
+            <p:cNvGrpSpPr/>
+            <p:nvPr/>
+          </p:nvGrpSpPr>
+          <p:grpSpPr>
+            <a:xfrm>
+              <a:off x="8073719" y="2841700"/>
+              <a:ext cx="2536136" cy="488406"/>
+              <a:chOff x="2460415" y="3039806"/>
+              <a:chExt cx="1505794" cy="289983"/>
+            </a:xfrm>
+          </p:grpSpPr>
+          <p:sp>
+            <p:nvSpPr>
+              <p:cNvPr id="92" name="Rechteck 91">
+                <a:extLst>
+                  <a:ext uri="{FF2B5EF4-FFF2-40B4-BE49-F238E27FC236}">
+                    <a16:creationId xmlns:a16="http://schemas.microsoft.com/office/drawing/2014/main" id="{22D7176D-8214-B9EB-6721-82B2622F3DBC}"/>
+                  </a:ext>
+                </a:extLst>
+              </p:cNvPr>
+              <p:cNvSpPr/>
+              <p:nvPr/>
+            </p:nvSpPr>
+            <p:spPr>
+              <a:xfrm>
+                <a:off x="2483275" y="3039806"/>
+                <a:ext cx="1460075" cy="289982"/>
+              </a:xfrm>
+              <a:prstGeom prst="rect">
+                <a:avLst/>
+              </a:prstGeom>
+              <a:solidFill>
+                <a:schemeClr val="bg2">
+                  <a:lumMod val="90000"/>
+                </a:schemeClr>
+              </a:solidFill>
+              <a:ln w="19050">
+                <a:solidFill>
+                  <a:schemeClr val="tx1"/>
+                </a:solidFill>
+                <a:prstDash val="solid"/>
+              </a:ln>
+            </p:spPr>
+            <p:style>
+              <a:lnRef idx="2">
+                <a:schemeClr val="accent1">
+                  <a:shade val="15000"/>
+                </a:schemeClr>
+              </a:lnRef>
+              <a:fillRef idx="1">
+                <a:schemeClr val="accent1"/>
+              </a:fillRef>
+              <a:effectRef idx="0">
+                <a:schemeClr val="accent1"/>
+              </a:effectRef>
+              <a:fontRef idx="minor">
+                <a:schemeClr val="lt1"/>
+              </a:fontRef>
+            </p:style>
+            <p:txBody>
+              <a:bodyPr rtlCol="0" anchor="ctr"/>
+              <a:lstStyle/>
+              <a:p>
+                <a:pPr algn="ctr"/>
+                <a:endParaRPr lang="de-DE"/>
+              </a:p>
+            </p:txBody>
+          </p:sp>
+          <p:sp>
+            <p:nvSpPr>
+              <p:cNvPr id="93" name="Rechteck 92">
+                <a:extLst>
+                  <a:ext uri="{FF2B5EF4-FFF2-40B4-BE49-F238E27FC236}">
+                    <a16:creationId xmlns:a16="http://schemas.microsoft.com/office/drawing/2014/main" id="{A5A8CC77-D8AD-0CB5-9E58-62375A3EE7F1}"/>
+                  </a:ext>
+                </a:extLst>
+              </p:cNvPr>
+              <p:cNvSpPr/>
+              <p:nvPr/>
+            </p:nvSpPr>
+            <p:spPr>
+              <a:xfrm>
+                <a:off x="2483275" y="3039806"/>
+                <a:ext cx="1460075" cy="96661"/>
+              </a:xfrm>
+              <a:prstGeom prst="rect">
+                <a:avLst/>
+              </a:prstGeom>
+              <a:noFill/>
+              <a:ln>
+                <a:solidFill>
+                  <a:schemeClr val="tx1"/>
+                </a:solidFill>
+                <a:prstDash val="lgDash"/>
+              </a:ln>
+            </p:spPr>
+            <p:style>
+              <a:lnRef idx="2">
+                <a:schemeClr val="accent1">
+                  <a:shade val="15000"/>
+                </a:schemeClr>
+              </a:lnRef>
+              <a:fillRef idx="1">
+                <a:schemeClr val="accent1"/>
+              </a:fillRef>
+              <a:effectRef idx="0">
+                <a:schemeClr val="accent1"/>
+              </a:effectRef>
+              <a:fontRef idx="minor">
+                <a:schemeClr val="lt1"/>
+              </a:fontRef>
+            </p:style>
+            <p:txBody>
+              <a:bodyPr rtlCol="0" anchor="ctr"/>
+              <a:lstStyle/>
+              <a:p>
+                <a:pPr algn="ctr"/>
+                <a:endParaRPr lang="de-DE"/>
+              </a:p>
+            </p:txBody>
+          </p:sp>
+          <p:sp>
+            <p:nvSpPr>
+              <p:cNvPr id="94" name="Rechteck 93">
+                <a:extLst>
+                  <a:ext uri="{FF2B5EF4-FFF2-40B4-BE49-F238E27FC236}">
+                    <a16:creationId xmlns:a16="http://schemas.microsoft.com/office/drawing/2014/main" id="{4EA60664-0682-45D7-DD7B-1ABE90F96F7C}"/>
+                  </a:ext>
+                </a:extLst>
+              </p:cNvPr>
+              <p:cNvSpPr/>
+              <p:nvPr/>
+            </p:nvSpPr>
+            <p:spPr>
+              <a:xfrm>
+                <a:off x="2483275" y="3136467"/>
+                <a:ext cx="1460075" cy="96661"/>
+              </a:xfrm>
+              <a:prstGeom prst="rect">
+                <a:avLst/>
+              </a:prstGeom>
+              <a:noFill/>
+              <a:ln>
+                <a:noFill/>
+                <a:prstDash val="lgDash"/>
+              </a:ln>
+            </p:spPr>
+            <p:style>
+              <a:lnRef idx="2">
+                <a:schemeClr val="accent1">
+                  <a:shade val="15000"/>
+                </a:schemeClr>
+              </a:lnRef>
+              <a:fillRef idx="1">
+                <a:schemeClr val="accent1"/>
+              </a:fillRef>
+              <a:effectRef idx="0">
+                <a:schemeClr val="accent1"/>
+              </a:effectRef>
+              <a:fontRef idx="minor">
+                <a:schemeClr val="lt1"/>
+              </a:fontRef>
+            </p:style>
+            <p:txBody>
+              <a:bodyPr rtlCol="0" anchor="ctr"/>
+              <a:lstStyle/>
+              <a:p>
+                <a:pPr algn="ctr"/>
+                <a:endParaRPr lang="de-DE"/>
+              </a:p>
+            </p:txBody>
+          </p:sp>
+          <p:sp>
+            <p:nvSpPr>
+              <p:cNvPr id="95" name="Rechteck 94">
+                <a:extLst>
+                  <a:ext uri="{FF2B5EF4-FFF2-40B4-BE49-F238E27FC236}">
+                    <a16:creationId xmlns:a16="http://schemas.microsoft.com/office/drawing/2014/main" id="{F0A9A298-CB2B-597F-B415-C0D22070B8CF}"/>
+                  </a:ext>
+                </a:extLst>
+              </p:cNvPr>
+              <p:cNvSpPr/>
+              <p:nvPr/>
+            </p:nvSpPr>
+            <p:spPr>
+              <a:xfrm>
+                <a:off x="2483275" y="3233128"/>
+                <a:ext cx="1460075" cy="96661"/>
+              </a:xfrm>
+              <a:prstGeom prst="rect">
+                <a:avLst/>
+              </a:prstGeom>
+              <a:noFill/>
+              <a:ln>
+                <a:solidFill>
+                  <a:schemeClr val="tx1"/>
+                </a:solidFill>
+                <a:prstDash val="lgDash"/>
+              </a:ln>
+            </p:spPr>
+            <p:style>
+              <a:lnRef idx="2">
+                <a:schemeClr val="accent1">
+                  <a:shade val="15000"/>
+                </a:schemeClr>
+              </a:lnRef>
+              <a:fillRef idx="1">
+                <a:schemeClr val="accent1"/>
+              </a:fillRef>
+              <a:effectRef idx="0">
+                <a:schemeClr val="accent1"/>
+              </a:effectRef>
+              <a:fontRef idx="minor">
+                <a:schemeClr val="lt1"/>
+              </a:fontRef>
+            </p:style>
+            <p:txBody>
+              <a:bodyPr rtlCol="0" anchor="ctr"/>
+              <a:lstStyle/>
+              <a:p>
+                <a:pPr algn="ctr"/>
+                <a:endParaRPr lang="de-DE"/>
+              </a:p>
+            </p:txBody>
+          </p:sp>
+          <p:sp>
+            <p:nvSpPr>
+              <p:cNvPr id="96" name="Ellipse 95">
+                <a:extLst>
+                  <a:ext uri="{FF2B5EF4-FFF2-40B4-BE49-F238E27FC236}">
+                    <a16:creationId xmlns:a16="http://schemas.microsoft.com/office/drawing/2014/main" id="{FC84CA90-E3E1-9581-C0B3-A4F9DE8EBB70}"/>
+                  </a:ext>
+                </a:extLst>
+              </p:cNvPr>
+              <p:cNvSpPr/>
+              <p:nvPr/>
+            </p:nvSpPr>
+            <p:spPr>
+              <a:xfrm>
+                <a:off x="3920490" y="3065276"/>
+                <a:ext cx="45719" cy="45719"/>
+              </a:xfrm>
+              <a:prstGeom prst="ellipse">
+                <a:avLst/>
+              </a:prstGeom>
+            </p:spPr>
+            <p:style>
+              <a:lnRef idx="2">
+                <a:schemeClr val="accent1">
+                  <a:shade val="15000"/>
+                </a:schemeClr>
+              </a:lnRef>
+              <a:fillRef idx="1">
+                <a:schemeClr val="accent1"/>
+              </a:fillRef>
+              <a:effectRef idx="0">
+                <a:schemeClr val="accent1"/>
+              </a:effectRef>
+              <a:fontRef idx="minor">
+                <a:schemeClr val="lt1"/>
+              </a:fontRef>
+            </p:style>
+            <p:txBody>
+              <a:bodyPr rtlCol="0" anchor="ctr"/>
+              <a:lstStyle/>
+              <a:p>
+                <a:pPr algn="ctr"/>
+                <a:endParaRPr lang="de-DE"/>
+              </a:p>
+            </p:txBody>
+          </p:sp>
+          <p:sp>
+            <p:nvSpPr>
+              <p:cNvPr id="97" name="Ellipse 96">
+                <a:extLst>
+                  <a:ext uri="{FF2B5EF4-FFF2-40B4-BE49-F238E27FC236}">
+                    <a16:creationId xmlns:a16="http://schemas.microsoft.com/office/drawing/2014/main" id="{D0CFB1D0-673B-6D69-E221-27D6186530B0}"/>
+                  </a:ext>
+                </a:extLst>
+              </p:cNvPr>
+              <p:cNvSpPr/>
+              <p:nvPr/>
+            </p:nvSpPr>
+            <p:spPr>
+              <a:xfrm>
+                <a:off x="3920490" y="3161937"/>
+                <a:ext cx="45719" cy="45719"/>
+              </a:xfrm>
+              <a:prstGeom prst="ellipse">
+                <a:avLst/>
+              </a:prstGeom>
+            </p:spPr>
+            <p:style>
+              <a:lnRef idx="2">
+                <a:schemeClr val="accent1">
+                  <a:shade val="15000"/>
+                </a:schemeClr>
+              </a:lnRef>
+              <a:fillRef idx="1">
+                <a:schemeClr val="accent1"/>
+              </a:fillRef>
+              <a:effectRef idx="0">
+                <a:schemeClr val="accent1"/>
+              </a:effectRef>
+              <a:fontRef idx="minor">
+                <a:schemeClr val="lt1"/>
+              </a:fontRef>
+            </p:style>
+            <p:txBody>
+              <a:bodyPr rtlCol="0" anchor="ctr"/>
+              <a:lstStyle/>
+              <a:p>
+                <a:pPr algn="ctr"/>
+                <a:endParaRPr lang="de-DE"/>
+              </a:p>
+            </p:txBody>
+          </p:sp>
+          <p:sp>
+            <p:nvSpPr>
+              <p:cNvPr id="98" name="Ellipse 97">
+                <a:extLst>
+                  <a:ext uri="{FF2B5EF4-FFF2-40B4-BE49-F238E27FC236}">
+                    <a16:creationId xmlns:a16="http://schemas.microsoft.com/office/drawing/2014/main" id="{5A5F5140-3C9A-AAF3-3448-80D3C37E196E}"/>
+                  </a:ext>
+                </a:extLst>
+              </p:cNvPr>
+              <p:cNvSpPr/>
+              <p:nvPr/>
+            </p:nvSpPr>
+            <p:spPr>
+              <a:xfrm>
+                <a:off x="3920490" y="3258598"/>
+                <a:ext cx="45719" cy="45719"/>
+              </a:xfrm>
+              <a:prstGeom prst="ellipse">
+                <a:avLst/>
+              </a:prstGeom>
+            </p:spPr>
+            <p:style>
+              <a:lnRef idx="2">
+                <a:schemeClr val="accent1">
+                  <a:shade val="15000"/>
+                </a:schemeClr>
+              </a:lnRef>
+              <a:fillRef idx="1">
+                <a:schemeClr val="accent1"/>
+              </a:fillRef>
+              <a:effectRef idx="0">
+                <a:schemeClr val="accent1"/>
+              </a:effectRef>
+              <a:fontRef idx="minor">
+                <a:schemeClr val="lt1"/>
+              </a:fontRef>
+            </p:style>
+            <p:txBody>
+              <a:bodyPr rtlCol="0" anchor="ctr"/>
+              <a:lstStyle/>
+              <a:p>
+                <a:pPr algn="ctr"/>
+                <a:endParaRPr lang="de-DE"/>
+              </a:p>
+            </p:txBody>
+          </p:sp>
+          <p:sp>
+            <p:nvSpPr>
+              <p:cNvPr id="99" name="Ellipse 98">
+                <a:extLst>
+                  <a:ext uri="{FF2B5EF4-FFF2-40B4-BE49-F238E27FC236}">
+                    <a16:creationId xmlns:a16="http://schemas.microsoft.com/office/drawing/2014/main" id="{8353B486-EB69-1AE5-2958-8333E06EC7A0}"/>
+                  </a:ext>
+                </a:extLst>
+              </p:cNvPr>
+              <p:cNvSpPr/>
+              <p:nvPr/>
+            </p:nvSpPr>
+            <p:spPr>
+              <a:xfrm>
+                <a:off x="2460415" y="3065276"/>
+                <a:ext cx="45719" cy="45719"/>
+              </a:xfrm>
+              <a:prstGeom prst="ellipse">
+                <a:avLst/>
+              </a:prstGeom>
+              <a:solidFill>
+                <a:schemeClr val="accent2"/>
+              </a:solidFill>
+            </p:spPr>
+            <p:style>
+              <a:lnRef idx="2">
+                <a:schemeClr val="accent1">
+                  <a:shade val="15000"/>
+                </a:schemeClr>
+              </a:lnRef>
+              <a:fillRef idx="1">
+                <a:schemeClr val="accent1"/>
+              </a:fillRef>
+              <a:effectRef idx="0">
+                <a:schemeClr val="accent1"/>
+              </a:effectRef>
+              <a:fontRef idx="minor">
+                <a:schemeClr val="lt1"/>
+              </a:fontRef>
+            </p:style>
+            <p:txBody>
+              <a:bodyPr rtlCol="0" anchor="ctr"/>
+              <a:lstStyle/>
+              <a:p>
+                <a:pPr algn="ctr"/>
+                <a:endParaRPr lang="de-DE"/>
+              </a:p>
+            </p:txBody>
+          </p:sp>
+          <p:sp>
+            <p:nvSpPr>
+              <p:cNvPr id="100" name="Ellipse 99">
+                <a:extLst>
+                  <a:ext uri="{FF2B5EF4-FFF2-40B4-BE49-F238E27FC236}">
+                    <a16:creationId xmlns:a16="http://schemas.microsoft.com/office/drawing/2014/main" id="{95C8AF8D-C876-5232-3939-AE0A5BA5AE05}"/>
+                  </a:ext>
+                </a:extLst>
+              </p:cNvPr>
+              <p:cNvSpPr/>
+              <p:nvPr/>
+            </p:nvSpPr>
+            <p:spPr>
+              <a:xfrm>
+                <a:off x="2460415" y="3163719"/>
+                <a:ext cx="45719" cy="45719"/>
+              </a:xfrm>
+              <a:prstGeom prst="ellipse">
+                <a:avLst/>
+              </a:prstGeom>
+              <a:solidFill>
+                <a:schemeClr val="accent2"/>
+              </a:solidFill>
+            </p:spPr>
+            <p:style>
+              <a:lnRef idx="2">
+                <a:schemeClr val="accent1">
+                  <a:shade val="15000"/>
+                </a:schemeClr>
+              </a:lnRef>
+              <a:fillRef idx="1">
+                <a:schemeClr val="accent1"/>
+              </a:fillRef>
+              <a:effectRef idx="0">
+                <a:schemeClr val="accent1"/>
+              </a:effectRef>
+              <a:fontRef idx="minor">
+                <a:schemeClr val="lt1"/>
+              </a:fontRef>
+            </p:style>
+            <p:txBody>
+              <a:bodyPr rtlCol="0" anchor="ctr"/>
+              <a:lstStyle/>
+              <a:p>
+                <a:pPr algn="ctr"/>
+                <a:endParaRPr lang="de-DE"/>
+              </a:p>
+            </p:txBody>
+          </p:sp>
+          <p:sp>
+            <p:nvSpPr>
+              <p:cNvPr id="101" name="Ellipse 100">
+                <a:extLst>
+                  <a:ext uri="{FF2B5EF4-FFF2-40B4-BE49-F238E27FC236}">
+                    <a16:creationId xmlns:a16="http://schemas.microsoft.com/office/drawing/2014/main" id="{118512B6-DF72-0A7B-3073-9016604DDB1D}"/>
+                  </a:ext>
+                </a:extLst>
+              </p:cNvPr>
+              <p:cNvSpPr/>
+              <p:nvPr/>
+            </p:nvSpPr>
+            <p:spPr>
+              <a:xfrm>
+                <a:off x="2460415" y="3253817"/>
+                <a:ext cx="45719" cy="45719"/>
+              </a:xfrm>
+              <a:prstGeom prst="ellipse">
+                <a:avLst/>
+              </a:prstGeom>
+              <a:solidFill>
+                <a:schemeClr val="accent2"/>
+              </a:solidFill>
+            </p:spPr>
+            <p:style>
+              <a:lnRef idx="2">
+                <a:schemeClr val="accent1">
+                  <a:shade val="15000"/>
+                </a:schemeClr>
+              </a:lnRef>
+              <a:fillRef idx="1">
+                <a:schemeClr val="accent1"/>
+              </a:fillRef>
+              <a:effectRef idx="0">
+                <a:schemeClr val="accent1"/>
+              </a:effectRef>
+              <a:fontRef idx="minor">
+                <a:schemeClr val="lt1"/>
+              </a:fontRef>
+            </p:style>
+            <p:txBody>
+              <a:bodyPr rtlCol="0" anchor="ctr"/>
+              <a:lstStyle/>
+              <a:p>
+                <a:pPr algn="ctr"/>
+                <a:endParaRPr lang="de-DE"/>
+              </a:p>
+            </p:txBody>
+          </p:sp>
+        </p:grpSp>
+      </p:grpSp>
+      <p:cxnSp>
+        <p:nvCxnSpPr>
+          <p:cNvPr id="103" name="Gerade Verbindung mit Pfeil 102">
+            <a:extLst>
+              <a:ext uri="{FF2B5EF4-FFF2-40B4-BE49-F238E27FC236}">
+                <a16:creationId xmlns:a16="http://schemas.microsoft.com/office/drawing/2014/main" id="{1494AD3B-C9C6-3D99-B1EE-2F560396D0DD}"/>
+              </a:ext>
+            </a:extLst>
+          </p:cNvPr>
+          <p:cNvCxnSpPr>
+            <a:cxnSpLocks/>
+            <a:stCxn id="55" idx="3"/>
+            <a:endCxn id="76" idx="5"/>
+          </p:cNvCxnSpPr>
+          <p:nvPr/>
+        </p:nvCxnSpPr>
+        <p:spPr>
+          <a:xfrm flipH="1" flipV="1">
+            <a:off x="7047183" y="2808608"/>
+            <a:ext cx="52876" cy="231805"/>
+          </a:xfrm>
+          <a:prstGeom prst="straightConnector1">
+            <a:avLst/>
+          </a:prstGeom>
+          <a:ln w="19050">
+            <a:tailEnd type="stealth"/>
+          </a:ln>
+        </p:spPr>
+        <p:style>
+          <a:lnRef idx="1">
+            <a:schemeClr val="accent1"/>
+          </a:lnRef>
+          <a:fillRef idx="0">
+            <a:schemeClr val="accent1"/>
+          </a:fillRef>
+          <a:effectRef idx="0">
+            <a:schemeClr val="accent1"/>
+          </a:effectRef>
+          <a:fontRef idx="minor">
+            <a:schemeClr val="tx1"/>
+          </a:fontRef>
+        </p:style>
+      </p:cxnSp>
+      <p:cxnSp>
+        <p:nvCxnSpPr>
+          <p:cNvPr id="106" name="Gerade Verbindung mit Pfeil 105">
+            <a:extLst>
+              <a:ext uri="{FF2B5EF4-FFF2-40B4-BE49-F238E27FC236}">
+                <a16:creationId xmlns:a16="http://schemas.microsoft.com/office/drawing/2014/main" id="{F36170A9-168F-292E-F8A8-1E5C9D76278C}"/>
+              </a:ext>
+            </a:extLst>
+          </p:cNvPr>
+          <p:cNvCxnSpPr>
+            <a:cxnSpLocks/>
+            <a:stCxn id="54" idx="3"/>
+            <a:endCxn id="75" idx="5"/>
+          </p:cNvCxnSpPr>
+          <p:nvPr/>
+        </p:nvCxnSpPr>
+        <p:spPr>
+          <a:xfrm flipH="1" flipV="1">
+            <a:off x="7137124" y="2672906"/>
+            <a:ext cx="106299" cy="417249"/>
+          </a:xfrm>
+          <a:prstGeom prst="straightConnector1">
+            <a:avLst/>
+          </a:prstGeom>
+          <a:ln w="19050">
+            <a:tailEnd type="stealth"/>
+          </a:ln>
+        </p:spPr>
+        <p:style>
+          <a:lnRef idx="1">
+            <a:schemeClr val="accent1"/>
+          </a:lnRef>
+          <a:fillRef idx="0">
+            <a:schemeClr val="accent1"/>
+          </a:fillRef>
+          <a:effectRef idx="0">
+            <a:schemeClr val="accent1"/>
+          </a:effectRef>
+          <a:fontRef idx="minor">
+            <a:schemeClr val="tx1"/>
+          </a:fontRef>
+        </p:style>
+      </p:cxnSp>
+      <p:cxnSp>
+        <p:nvCxnSpPr>
+          <p:cNvPr id="109" name="Gerade Verbindung mit Pfeil 108">
+            <a:extLst>
+              <a:ext uri="{FF2B5EF4-FFF2-40B4-BE49-F238E27FC236}">
+                <a16:creationId xmlns:a16="http://schemas.microsoft.com/office/drawing/2014/main" id="{E331D632-1220-E4C4-19E6-1CDECC591787}"/>
+              </a:ext>
+            </a:extLst>
+          </p:cNvPr>
+          <p:cNvCxnSpPr>
+            <a:cxnSpLocks/>
+            <a:stCxn id="53" idx="2"/>
+            <a:endCxn id="74" idx="6"/>
+          </p:cNvCxnSpPr>
+          <p:nvPr/>
+        </p:nvCxnSpPr>
+        <p:spPr>
+          <a:xfrm flipH="1" flipV="1">
+            <a:off x="7251505" y="2520741"/>
+            <a:ext cx="177978" cy="622033"/>
+          </a:xfrm>
+          <a:prstGeom prst="straightConnector1">
+            <a:avLst/>
+          </a:prstGeom>
+          <a:ln w="19050">
+            <a:tailEnd type="stealth"/>
+          </a:ln>
+        </p:spPr>
+        <p:style>
+          <a:lnRef idx="1">
+            <a:schemeClr val="accent1"/>
+          </a:lnRef>
+          <a:fillRef idx="0">
+            <a:schemeClr val="accent1"/>
+          </a:fillRef>
+          <a:effectRef idx="0">
+            <a:schemeClr val="accent1"/>
+          </a:effectRef>
+          <a:fontRef idx="minor">
+            <a:schemeClr val="tx1"/>
+          </a:fontRef>
+        </p:style>
+      </p:cxnSp>
+      <p:cxnSp>
+        <p:nvCxnSpPr>
+          <p:cNvPr id="113" name="Verbinder: gekrümmt 112">
+            <a:extLst>
+              <a:ext uri="{FF2B5EF4-FFF2-40B4-BE49-F238E27FC236}">
+                <a16:creationId xmlns:a16="http://schemas.microsoft.com/office/drawing/2014/main" id="{028AF39F-F989-D903-32A0-CE2FA96D334E}"/>
+              </a:ext>
+            </a:extLst>
+          </p:cNvPr>
+          <p:cNvCxnSpPr>
+            <a:stCxn id="55" idx="2"/>
+            <a:endCxn id="99" idx="2"/>
+          </p:cNvCxnSpPr>
+          <p:nvPr/>
+        </p:nvCxnSpPr>
+        <p:spPr>
+          <a:xfrm rot="5400000" flipH="1" flipV="1">
+            <a:off x="7418240" y="2482807"/>
+            <a:ext cx="267113" cy="844640"/>
+          </a:xfrm>
+          <a:prstGeom prst="curvedConnector2">
+            <a:avLst/>
+          </a:prstGeom>
+          <a:ln w="19050">
+            <a:tailEnd type="stealth"/>
+          </a:ln>
+        </p:spPr>
+        <p:style>
+          <a:lnRef idx="1">
+            <a:schemeClr val="accent1"/>
+          </a:lnRef>
+          <a:fillRef idx="0">
+            <a:schemeClr val="accent1"/>
+          </a:fillRef>
+          <a:effectRef idx="0">
+            <a:schemeClr val="accent1"/>
+          </a:effectRef>
+          <a:fontRef idx="minor">
+            <a:schemeClr val="tx1"/>
+          </a:fontRef>
+        </p:style>
+      </p:cxnSp>
+      <p:cxnSp>
+        <p:nvCxnSpPr>
+          <p:cNvPr id="114" name="Verbinder: gekrümmt 113">
+            <a:extLst>
+              <a:ext uri="{FF2B5EF4-FFF2-40B4-BE49-F238E27FC236}">
+                <a16:creationId xmlns:a16="http://schemas.microsoft.com/office/drawing/2014/main" id="{76C7B4E6-CF15-9F09-ACC7-7BEA75612D70}"/>
+              </a:ext>
+            </a:extLst>
+          </p:cNvPr>
+          <p:cNvCxnSpPr>
+            <a:cxnSpLocks/>
+            <a:stCxn id="54" idx="2"/>
+            <a:endCxn id="100" idx="2"/>
+          </p:cNvCxnSpPr>
+          <p:nvPr/>
+        </p:nvCxnSpPr>
+        <p:spPr>
+          <a:xfrm rot="5400000" flipH="1" flipV="1">
+            <a:off x="7571291" y="2628942"/>
+            <a:ext cx="161033" cy="757935"/>
+          </a:xfrm>
+          <a:prstGeom prst="curvedConnector2">
+            <a:avLst/>
+          </a:prstGeom>
+          <a:ln w="19050">
+            <a:tailEnd type="stealth"/>
+          </a:ln>
+        </p:spPr>
+        <p:style>
+          <a:lnRef idx="1">
+            <a:schemeClr val="accent1"/>
+          </a:lnRef>
+          <a:fillRef idx="0">
+            <a:schemeClr val="accent1"/>
+          </a:fillRef>
+          <a:effectRef idx="0">
+            <a:schemeClr val="accent1"/>
+          </a:effectRef>
+          <a:fontRef idx="minor">
+            <a:schemeClr val="tx1"/>
+          </a:fontRef>
+        </p:style>
+      </p:cxnSp>
+      <p:cxnSp>
+        <p:nvCxnSpPr>
+          <p:cNvPr id="120" name="Verbinder: gekrümmt 119">
+            <a:extLst>
+              <a:ext uri="{FF2B5EF4-FFF2-40B4-BE49-F238E27FC236}">
+                <a16:creationId xmlns:a16="http://schemas.microsoft.com/office/drawing/2014/main" id="{EEA442A0-6E61-9A65-AAF6-BD7B92804BFD}"/>
+              </a:ext>
+            </a:extLst>
+          </p:cNvPr>
+          <p:cNvCxnSpPr>
+            <a:cxnSpLocks/>
+            <a:stCxn id="53" idx="1"/>
+            <a:endCxn id="101" idx="2"/>
+          </p:cNvCxnSpPr>
+          <p:nvPr/>
+        </p:nvCxnSpPr>
+        <p:spPr>
+          <a:xfrm flipV="1">
+            <a:off x="7451507" y="3070005"/>
+            <a:ext cx="631124" cy="92347"/>
+          </a:xfrm>
+          <a:prstGeom prst="curvedConnector3">
+            <a:avLst>
+              <a:gd name="adj1" fmla="val 50000"/>
+            </a:avLst>
+          </a:prstGeom>
+          <a:ln w="19050">
+            <a:tailEnd type="stealth"/>
+          </a:ln>
+        </p:spPr>
+        <p:style>
+          <a:lnRef idx="1">
+            <a:schemeClr val="accent1"/>
+          </a:lnRef>
+          <a:fillRef idx="0">
+            <a:schemeClr val="accent1"/>
+          </a:fillRef>
+          <a:effectRef idx="0">
+            <a:schemeClr val="accent1"/>
+          </a:effectRef>
+          <a:fontRef idx="minor">
+            <a:schemeClr val="tx1"/>
+          </a:fontRef>
+        </p:style>
+      </p:cxnSp>
+      <p:cxnSp>
+        <p:nvCxnSpPr>
+          <p:cNvPr id="124" name="Verbinder: gekrümmt 123">
+            <a:extLst>
+              <a:ext uri="{FF2B5EF4-FFF2-40B4-BE49-F238E27FC236}">
+                <a16:creationId xmlns:a16="http://schemas.microsoft.com/office/drawing/2014/main" id="{88C57E11-01E9-77DE-6634-A0561550B841}"/>
+              </a:ext>
+            </a:extLst>
+          </p:cNvPr>
+          <p:cNvCxnSpPr>
+            <a:cxnSpLocks/>
+            <a:stCxn id="90" idx="2"/>
+            <a:endCxn id="76" idx="6"/>
+          </p:cNvCxnSpPr>
+          <p:nvPr/>
+        </p:nvCxnSpPr>
+        <p:spPr>
+          <a:xfrm rot="10800000" flipV="1">
+            <a:off x="7071623" y="2461238"/>
+            <a:ext cx="789654" cy="330907"/>
+          </a:xfrm>
+          <a:prstGeom prst="curvedConnector3">
+            <a:avLst>
+              <a:gd name="adj1" fmla="val 50000"/>
+            </a:avLst>
+          </a:prstGeom>
+          <a:ln w="19050">
+            <a:tailEnd type="stealth"/>
+          </a:ln>
+        </p:spPr>
+        <p:style>
+          <a:lnRef idx="1">
+            <a:schemeClr val="accent1"/>
+          </a:lnRef>
+          <a:fillRef idx="0">
+            <a:schemeClr val="accent1"/>
+          </a:fillRef>
+          <a:effectRef idx="0">
+            <a:schemeClr val="accent1"/>
+          </a:effectRef>
+          <a:fontRef idx="minor">
+            <a:schemeClr val="tx1"/>
+          </a:fontRef>
+        </p:style>
+      </p:cxnSp>
+      <p:cxnSp>
+        <p:nvCxnSpPr>
+          <p:cNvPr id="127" name="Verbinder: gekrümmt 126">
+            <a:extLst>
+              <a:ext uri="{FF2B5EF4-FFF2-40B4-BE49-F238E27FC236}">
+                <a16:creationId xmlns:a16="http://schemas.microsoft.com/office/drawing/2014/main" id="{21F3D368-BA74-207A-2D78-7C258C29382B}"/>
+              </a:ext>
+            </a:extLst>
+          </p:cNvPr>
+          <p:cNvCxnSpPr>
+            <a:cxnSpLocks/>
+            <a:stCxn id="89" idx="2"/>
+            <a:endCxn id="75" idx="6"/>
+          </p:cNvCxnSpPr>
+          <p:nvPr/>
+        </p:nvCxnSpPr>
+        <p:spPr>
+          <a:xfrm rot="10800000" flipV="1">
+            <a:off x="7161565" y="2318626"/>
+            <a:ext cx="647857" cy="337818"/>
+          </a:xfrm>
+          <a:prstGeom prst="curvedConnector3">
+            <a:avLst>
+              <a:gd name="adj1" fmla="val 50000"/>
+            </a:avLst>
+          </a:prstGeom>
+          <a:ln w="19050">
+            <a:tailEnd type="stealth"/>
+          </a:ln>
+        </p:spPr>
+        <p:style>
+          <a:lnRef idx="1">
+            <a:schemeClr val="accent1"/>
+          </a:lnRef>
+          <a:fillRef idx="0">
+            <a:schemeClr val="accent1"/>
+          </a:fillRef>
+          <a:effectRef idx="0">
+            <a:schemeClr val="accent1"/>
+          </a:effectRef>
+          <a:fontRef idx="minor">
+            <a:schemeClr val="tx1"/>
+          </a:fontRef>
+        </p:style>
+      </p:cxnSp>
+      <p:cxnSp>
+        <p:nvCxnSpPr>
+          <p:cNvPr id="130" name="Verbinder: gekrümmt 129">
+            <a:extLst>
+              <a:ext uri="{FF2B5EF4-FFF2-40B4-BE49-F238E27FC236}">
+                <a16:creationId xmlns:a16="http://schemas.microsoft.com/office/drawing/2014/main" id="{3D119022-E7A2-CA0A-F115-DD98D4E13000}"/>
+              </a:ext>
+            </a:extLst>
+          </p:cNvPr>
+          <p:cNvCxnSpPr>
+            <a:cxnSpLocks/>
+            <a:stCxn id="88" idx="2"/>
+            <a:endCxn id="74" idx="6"/>
+          </p:cNvCxnSpPr>
+          <p:nvPr/>
+        </p:nvCxnSpPr>
+        <p:spPr>
+          <a:xfrm rot="10800000" flipV="1">
+            <a:off x="7251506" y="2162803"/>
+            <a:ext cx="501257" cy="357937"/>
+          </a:xfrm>
+          <a:prstGeom prst="curvedConnector3">
+            <a:avLst>
+              <a:gd name="adj1" fmla="val 50000"/>
+            </a:avLst>
+          </a:prstGeom>
+          <a:ln w="19050">
+            <a:tailEnd type="stealth"/>
+          </a:ln>
+        </p:spPr>
+        <p:style>
+          <a:lnRef idx="1">
+            <a:schemeClr val="accent1"/>
+          </a:lnRef>
+          <a:fillRef idx="0">
+            <a:schemeClr val="accent1"/>
+          </a:fillRef>
+          <a:effectRef idx="0">
+            <a:schemeClr val="accent1"/>
+          </a:effectRef>
+          <a:fontRef idx="minor">
+            <a:schemeClr val="tx1"/>
+          </a:fontRef>
+        </p:style>
+      </p:cxnSp>
+      <p:cxnSp>
+        <p:nvCxnSpPr>
+          <p:cNvPr id="135" name="Gerade Verbindung mit Pfeil 134">
+            <a:extLst>
+              <a:ext uri="{FF2B5EF4-FFF2-40B4-BE49-F238E27FC236}">
+                <a16:creationId xmlns:a16="http://schemas.microsoft.com/office/drawing/2014/main" id="{E7748D01-BE10-C9F7-AB6C-7EBA34D27F26}"/>
+              </a:ext>
+            </a:extLst>
+          </p:cNvPr>
+          <p:cNvCxnSpPr>
+            <a:stCxn id="36" idx="7"/>
+            <a:endCxn id="52" idx="5"/>
+          </p:cNvCxnSpPr>
+          <p:nvPr/>
+        </p:nvCxnSpPr>
+        <p:spPr>
+          <a:xfrm flipV="1">
+            <a:off x="6084723" y="5412478"/>
+            <a:ext cx="183795" cy="147379"/>
+          </a:xfrm>
+          <a:prstGeom prst="straightConnector1">
+            <a:avLst/>
+          </a:prstGeom>
+          <a:ln w="19050">
+            <a:tailEnd type="stealth"/>
+          </a:ln>
+        </p:spPr>
+        <p:style>
+          <a:lnRef idx="1">
+            <a:schemeClr val="accent1"/>
+          </a:lnRef>
+          <a:fillRef idx="0">
+            <a:schemeClr val="accent1"/>
+          </a:fillRef>
+          <a:effectRef idx="0">
+            <a:schemeClr val="accent1"/>
+          </a:effectRef>
+          <a:fontRef idx="minor">
+            <a:schemeClr val="tx1"/>
+          </a:fontRef>
+        </p:style>
+      </p:cxnSp>
+      <p:cxnSp>
+        <p:nvCxnSpPr>
+          <p:cNvPr id="137" name="Gerade Verbindung mit Pfeil 136">
+            <a:extLst>
+              <a:ext uri="{FF2B5EF4-FFF2-40B4-BE49-F238E27FC236}">
+                <a16:creationId xmlns:a16="http://schemas.microsoft.com/office/drawing/2014/main" id="{E842C2B4-57C3-209C-8BAF-6BEFD5D07C33}"/>
+              </a:ext>
+            </a:extLst>
+          </p:cNvPr>
+          <p:cNvCxnSpPr>
+            <a:stCxn id="37" idx="7"/>
+            <a:endCxn id="51" idx="5"/>
+          </p:cNvCxnSpPr>
+          <p:nvPr/>
+        </p:nvCxnSpPr>
+        <p:spPr>
+          <a:xfrm flipV="1">
+            <a:off x="6084723" y="5465843"/>
+            <a:ext cx="337602" cy="256816"/>
+          </a:xfrm>
+          <a:prstGeom prst="straightConnector1">
+            <a:avLst/>
+          </a:prstGeom>
+          <a:ln w="19050">
+            <a:tailEnd type="stealth"/>
+          </a:ln>
+        </p:spPr>
+        <p:style>
+          <a:lnRef idx="1">
+            <a:schemeClr val="accent1"/>
+          </a:lnRef>
+          <a:fillRef idx="0">
+            <a:schemeClr val="accent1"/>
+          </a:fillRef>
+          <a:effectRef idx="0">
+            <a:schemeClr val="accent1"/>
+          </a:effectRef>
+          <a:fontRef idx="minor">
+            <a:schemeClr val="tx1"/>
+          </a:fontRef>
+        </p:style>
+      </p:cxnSp>
+      <p:cxnSp>
+        <p:nvCxnSpPr>
+          <p:cNvPr id="139" name="Gerade Verbindung mit Pfeil 138">
+            <a:extLst>
+              <a:ext uri="{FF2B5EF4-FFF2-40B4-BE49-F238E27FC236}">
+                <a16:creationId xmlns:a16="http://schemas.microsoft.com/office/drawing/2014/main" id="{53317965-CD97-83FD-8AF0-148DC54E0A95}"/>
+              </a:ext>
+            </a:extLst>
+          </p:cNvPr>
+          <p:cNvCxnSpPr>
+            <a:stCxn id="38" idx="7"/>
+            <a:endCxn id="50" idx="5"/>
+          </p:cNvCxnSpPr>
+          <p:nvPr/>
+        </p:nvCxnSpPr>
+        <p:spPr>
+          <a:xfrm flipV="1">
+            <a:off x="6084723" y="5519208"/>
+            <a:ext cx="491409" cy="366253"/>
+          </a:xfrm>
+          <a:prstGeom prst="straightConnector1">
+            <a:avLst/>
+          </a:prstGeom>
+          <a:ln w="19050">
+            <a:tailEnd type="stealth"/>
+          </a:ln>
+        </p:spPr>
+        <p:style>
+          <a:lnRef idx="1">
+            <a:schemeClr val="accent1"/>
+          </a:lnRef>
+          <a:fillRef idx="0">
+            <a:schemeClr val="accent1"/>
+          </a:fillRef>
+          <a:effectRef idx="0">
+            <a:schemeClr val="accent1"/>
+          </a:effectRef>
+          <a:fontRef idx="minor">
+            <a:schemeClr val="tx1"/>
+          </a:fontRef>
+        </p:style>
+      </p:cxnSp>
+      <p:cxnSp>
+        <p:nvCxnSpPr>
+          <p:cNvPr id="141" name="Gerade Verbindung mit Pfeil 140">
+            <a:extLst>
+              <a:ext uri="{FF2B5EF4-FFF2-40B4-BE49-F238E27FC236}">
+                <a16:creationId xmlns:a16="http://schemas.microsoft.com/office/drawing/2014/main" id="{F18D1FB0-920A-BBD6-3D1D-D3E909FDB8B0}"/>
+              </a:ext>
+            </a:extLst>
+          </p:cNvPr>
+          <p:cNvCxnSpPr>
+            <a:stCxn id="79" idx="2"/>
+            <a:endCxn id="65" idx="6"/>
+          </p:cNvCxnSpPr>
+          <p:nvPr/>
+        </p:nvCxnSpPr>
+        <p:spPr>
+          <a:xfrm flipH="1">
+            <a:off x="4714427" y="1384335"/>
+            <a:ext cx="247666" cy="4040"/>
+          </a:xfrm>
+          <a:prstGeom prst="straightConnector1">
+            <a:avLst/>
+          </a:prstGeom>
+          <a:ln w="19050">
+            <a:tailEnd type="stealth"/>
+          </a:ln>
+        </p:spPr>
+        <p:style>
+          <a:lnRef idx="1">
+            <a:schemeClr val="accent1"/>
+          </a:lnRef>
+          <a:fillRef idx="0">
+            <a:schemeClr val="accent1"/>
+          </a:fillRef>
+          <a:effectRef idx="0">
+            <a:schemeClr val="accent1"/>
+          </a:effectRef>
+          <a:fontRef idx="minor">
+            <a:schemeClr val="tx1"/>
+          </a:fontRef>
+        </p:style>
+      </p:cxnSp>
+      <p:cxnSp>
+        <p:nvCxnSpPr>
+          <p:cNvPr id="143" name="Gerade Verbindung mit Pfeil 142">
+            <a:extLst>
+              <a:ext uri="{FF2B5EF4-FFF2-40B4-BE49-F238E27FC236}">
+                <a16:creationId xmlns:a16="http://schemas.microsoft.com/office/drawing/2014/main" id="{D21A9DCD-D372-1301-85FA-D4C08AF858CD}"/>
+              </a:ext>
+            </a:extLst>
+          </p:cNvPr>
+          <p:cNvCxnSpPr>
+            <a:stCxn id="78" idx="2"/>
+            <a:endCxn id="64" idx="5"/>
+          </p:cNvCxnSpPr>
+          <p:nvPr/>
+        </p:nvCxnSpPr>
+        <p:spPr>
+          <a:xfrm flipH="1" flipV="1">
+            <a:off x="4625636" y="1251918"/>
+            <a:ext cx="420291" cy="5929"/>
+          </a:xfrm>
+          <a:prstGeom prst="straightConnector1">
+            <a:avLst/>
+          </a:prstGeom>
+          <a:ln w="19050">
+            <a:tailEnd type="stealth"/>
+          </a:ln>
+        </p:spPr>
+        <p:style>
+          <a:lnRef idx="1">
+            <a:schemeClr val="accent1"/>
+          </a:lnRef>
+          <a:fillRef idx="0">
+            <a:schemeClr val="accent1"/>
+          </a:fillRef>
+          <a:effectRef idx="0">
+            <a:schemeClr val="accent1"/>
+          </a:effectRef>
+          <a:fontRef idx="minor">
+            <a:schemeClr val="tx1"/>
+          </a:fontRef>
+        </p:style>
+      </p:cxnSp>
+      <p:cxnSp>
+        <p:nvCxnSpPr>
+          <p:cNvPr id="145" name="Gerade Verbindung mit Pfeil 144">
+            <a:extLst>
+              <a:ext uri="{FF2B5EF4-FFF2-40B4-BE49-F238E27FC236}">
+                <a16:creationId xmlns:a16="http://schemas.microsoft.com/office/drawing/2014/main" id="{F765F03D-755F-86A7-7C01-6B8C173889A0}"/>
+              </a:ext>
+            </a:extLst>
+          </p:cNvPr>
+          <p:cNvCxnSpPr>
+            <a:stCxn id="77" idx="2"/>
+            <a:endCxn id="63" idx="6"/>
+          </p:cNvCxnSpPr>
+          <p:nvPr/>
+        </p:nvCxnSpPr>
+        <p:spPr>
+          <a:xfrm flipH="1" flipV="1">
+            <a:off x="4536845" y="1115461"/>
+            <a:ext cx="600680" cy="4181"/>
+          </a:xfrm>
+          <a:prstGeom prst="straightConnector1">
+            <a:avLst/>
+          </a:prstGeom>
+          <a:ln w="19050">
+            <a:tailEnd type="stealth"/>
+          </a:ln>
+        </p:spPr>
+        <p:style>
+          <a:lnRef idx="1">
+            <a:schemeClr val="accent1"/>
+          </a:lnRef>
+          <a:fillRef idx="0">
+            <a:schemeClr val="accent1"/>
+          </a:fillRef>
+          <a:effectRef idx="0">
+            <a:schemeClr val="accent1"/>
+          </a:effectRef>
+          <a:fontRef idx="minor">
+            <a:schemeClr val="tx1"/>
+          </a:fontRef>
+        </p:style>
+      </p:cxnSp>
+      <p:cxnSp>
+        <p:nvCxnSpPr>
+          <p:cNvPr id="3" name="Gerade Verbindung mit Pfeil 2">
+            <a:extLst>
+              <a:ext uri="{FF2B5EF4-FFF2-40B4-BE49-F238E27FC236}">
+                <a16:creationId xmlns:a16="http://schemas.microsoft.com/office/drawing/2014/main" id="{74EB69FB-CE3D-698E-CF2D-4D28FE48BD93}"/>
+              </a:ext>
+            </a:extLst>
+          </p:cNvPr>
+          <p:cNvCxnSpPr>
+            <a:cxnSpLocks/>
+            <a:stCxn id="66" idx="3"/>
+            <a:endCxn id="34" idx="2"/>
+          </p:cNvCxnSpPr>
+          <p:nvPr/>
+        </p:nvCxnSpPr>
+        <p:spPr>
+          <a:xfrm flipH="1">
+            <a:off x="2291600" y="2515325"/>
+            <a:ext cx="143809" cy="573938"/>
+          </a:xfrm>
+          <a:prstGeom prst="straightConnector1">
+            <a:avLst/>
+          </a:prstGeom>
+          <a:ln w="19050">
+            <a:tailEnd type="stealth"/>
+          </a:ln>
+        </p:spPr>
+        <p:style>
+          <a:lnRef idx="1">
+            <a:schemeClr val="accent1"/>
+          </a:lnRef>
+          <a:fillRef idx="0">
+            <a:schemeClr val="accent1"/>
+          </a:fillRef>
+          <a:effectRef idx="0">
+            <a:schemeClr val="accent1"/>
+          </a:effectRef>
+          <a:fontRef idx="minor">
+            <a:schemeClr val="tx1"/>
+          </a:fontRef>
+        </p:style>
+      </p:cxnSp>
+      <p:cxnSp>
+        <p:nvCxnSpPr>
+          <p:cNvPr id="6" name="Gerade Verbindung mit Pfeil 5">
+            <a:extLst>
+              <a:ext uri="{FF2B5EF4-FFF2-40B4-BE49-F238E27FC236}">
+                <a16:creationId xmlns:a16="http://schemas.microsoft.com/office/drawing/2014/main" id="{A7E7FE59-5F1D-3E04-BEA2-90CF5E720909}"/>
+              </a:ext>
+            </a:extLst>
+          </p:cNvPr>
+          <p:cNvCxnSpPr>
+            <a:stCxn id="67" idx="3"/>
+            <a:endCxn id="33" idx="2"/>
+          </p:cNvCxnSpPr>
+          <p:nvPr/>
+        </p:nvCxnSpPr>
+        <p:spPr>
+          <a:xfrm flipH="1">
+            <a:off x="2436127" y="2654298"/>
+            <a:ext cx="89711" cy="388714"/>
+          </a:xfrm>
+          <a:prstGeom prst="straightConnector1">
+            <a:avLst/>
+          </a:prstGeom>
+          <a:ln w="19050">
+            <a:tailEnd type="stealth"/>
+          </a:ln>
+        </p:spPr>
+        <p:style>
+          <a:lnRef idx="1">
+            <a:schemeClr val="accent1"/>
+          </a:lnRef>
+          <a:fillRef idx="0">
+            <a:schemeClr val="accent1"/>
+          </a:fillRef>
+          <a:effectRef idx="0">
+            <a:schemeClr val="accent1"/>
+          </a:effectRef>
+          <a:fontRef idx="minor">
+            <a:schemeClr val="tx1"/>
+          </a:fontRef>
+        </p:style>
+      </p:cxnSp>
+      <p:cxnSp>
+        <p:nvCxnSpPr>
+          <p:cNvPr id="8" name="Gerade Verbindung mit Pfeil 7">
+            <a:extLst>
+              <a:ext uri="{FF2B5EF4-FFF2-40B4-BE49-F238E27FC236}">
+                <a16:creationId xmlns:a16="http://schemas.microsoft.com/office/drawing/2014/main" id="{D349F8D1-695A-1CE4-9381-D19D3C0516B8}"/>
+              </a:ext>
+            </a:extLst>
+          </p:cNvPr>
+          <p:cNvCxnSpPr>
+            <a:stCxn id="68" idx="3"/>
+            <a:endCxn id="32" idx="2"/>
+          </p:cNvCxnSpPr>
+          <p:nvPr/>
+        </p:nvCxnSpPr>
+        <p:spPr>
+          <a:xfrm flipH="1">
+            <a:off x="2594042" y="2781490"/>
+            <a:ext cx="14559" cy="210986"/>
+          </a:xfrm>
+          <a:prstGeom prst="straightConnector1">
+            <a:avLst/>
+          </a:prstGeom>
+          <a:ln w="19050">
+            <a:tailEnd type="stealth"/>
+          </a:ln>
+        </p:spPr>
+        <p:style>
+          <a:lnRef idx="1">
+            <a:schemeClr val="accent1"/>
+          </a:lnRef>
+          <a:fillRef idx="0">
+            <a:schemeClr val="accent1"/>
+          </a:fillRef>
+          <a:effectRef idx="0">
+            <a:schemeClr val="accent1"/>
+          </a:effectRef>
+          <a:fontRef idx="minor">
+            <a:schemeClr val="tx1"/>
+          </a:fontRef>
+        </p:style>
+      </p:cxnSp>
+      <p:cxnSp>
+        <p:nvCxnSpPr>
+          <p:cNvPr id="10" name="Gerade Verbindung mit Pfeil 9">
+            <a:extLst>
+              <a:ext uri="{FF2B5EF4-FFF2-40B4-BE49-F238E27FC236}">
+                <a16:creationId xmlns:a16="http://schemas.microsoft.com/office/drawing/2014/main" id="{FE0CCD90-482F-BBA9-E561-86BC52D1A715}"/>
+              </a:ext>
+            </a:extLst>
+          </p:cNvPr>
+          <p:cNvCxnSpPr>
+            <a:stCxn id="29" idx="7"/>
+            <a:endCxn id="39" idx="1"/>
+          </p:cNvCxnSpPr>
+          <p:nvPr/>
+        </p:nvCxnSpPr>
+        <p:spPr>
+          <a:xfrm>
+            <a:off x="3389525" y="5388902"/>
+            <a:ext cx="181616" cy="170955"/>
+          </a:xfrm>
+          <a:prstGeom prst="straightConnector1">
+            <a:avLst/>
+          </a:prstGeom>
+          <a:ln w="19050">
+            <a:tailEnd type="stealth"/>
+          </a:ln>
+        </p:spPr>
+        <p:style>
+          <a:lnRef idx="1">
+            <a:schemeClr val="accent1"/>
+          </a:lnRef>
+          <a:fillRef idx="0">
+            <a:schemeClr val="accent1"/>
+          </a:fillRef>
+          <a:effectRef idx="0">
+            <a:schemeClr val="accent1"/>
+          </a:effectRef>
+          <a:fontRef idx="minor">
+            <a:schemeClr val="tx1"/>
+          </a:fontRef>
+        </p:style>
+      </p:cxnSp>
+      <p:cxnSp>
+        <p:nvCxnSpPr>
+          <p:cNvPr id="12" name="Gerade Verbindung mit Pfeil 11">
+            <a:extLst>
+              <a:ext uri="{FF2B5EF4-FFF2-40B4-BE49-F238E27FC236}">
+                <a16:creationId xmlns:a16="http://schemas.microsoft.com/office/drawing/2014/main" id="{13D08EA3-4FBF-1E75-8E5E-D9FD9E98EB99}"/>
+              </a:ext>
+            </a:extLst>
+          </p:cNvPr>
+          <p:cNvCxnSpPr>
+            <a:stCxn id="30" idx="7"/>
+            <a:endCxn id="40" idx="2"/>
+          </p:cNvCxnSpPr>
+          <p:nvPr/>
+        </p:nvCxnSpPr>
+        <p:spPr>
+          <a:xfrm>
+            <a:off x="3234469" y="5438523"/>
+            <a:ext cx="325395" cy="314362"/>
+          </a:xfrm>
+          <a:prstGeom prst="straightConnector1">
+            <a:avLst/>
+          </a:prstGeom>
+          <a:ln w="19050">
+            <a:tailEnd type="stealth"/>
+          </a:ln>
+        </p:spPr>
+        <p:style>
+          <a:lnRef idx="1">
+            <a:schemeClr val="accent1"/>
+          </a:lnRef>
+          <a:fillRef idx="0">
+            <a:schemeClr val="accent1"/>
+          </a:fillRef>
+          <a:effectRef idx="0">
+            <a:schemeClr val="accent1"/>
+          </a:effectRef>
+          <a:fontRef idx="minor">
+            <a:schemeClr val="tx1"/>
+          </a:fontRef>
+        </p:style>
+      </p:cxnSp>
+      <p:cxnSp>
+        <p:nvCxnSpPr>
+          <p:cNvPr id="14" name="Gerade Verbindung mit Pfeil 13">
+            <a:extLst>
+              <a:ext uri="{FF2B5EF4-FFF2-40B4-BE49-F238E27FC236}">
+                <a16:creationId xmlns:a16="http://schemas.microsoft.com/office/drawing/2014/main" id="{9350BB5B-0EA4-D2FC-187E-FE7E27EC6702}"/>
+              </a:ext>
+            </a:extLst>
+          </p:cNvPr>
+          <p:cNvCxnSpPr>
+            <a:stCxn id="31" idx="7"/>
+            <a:endCxn id="41" idx="2"/>
+          </p:cNvCxnSpPr>
+          <p:nvPr/>
+        </p:nvCxnSpPr>
+        <p:spPr>
+          <a:xfrm>
+            <a:off x="3079413" y="5488143"/>
+            <a:ext cx="480451" cy="416491"/>
+          </a:xfrm>
+          <a:prstGeom prst="straightConnector1">
+            <a:avLst/>
+          </a:prstGeom>
+          <a:ln w="19050">
+            <a:tailEnd type="stealth"/>
+          </a:ln>
+        </p:spPr>
+        <p:style>
+          <a:lnRef idx="1">
+            <a:schemeClr val="accent1"/>
+          </a:lnRef>
+          <a:fillRef idx="0">
+            <a:schemeClr val="accent1"/>
+          </a:fillRef>
+          <a:effectRef idx="0">
+            <a:schemeClr val="accent1"/>
+          </a:effectRef>
+          <a:fontRef idx="minor">
+            <a:schemeClr val="tx1"/>
+          </a:fontRef>
+        </p:style>
+      </p:cxnSp>
+    </p:spTree>
+    <p:extLst>
+      <p:ext uri="{BB962C8B-B14F-4D97-AF65-F5344CB8AC3E}">
+        <p14:creationId xmlns:p14="http://schemas.microsoft.com/office/powerpoint/2010/main" val="849022681"/>
+      </p:ext>
+    </p:extLst>
+  </p:cSld>
+  <p:clrMapOvr>
+    <a:masterClrMapping/>
+  </p:clrMapOvr>
+</p:sld>
+</file>
+
+<file path=ppt/slides/slide11.xml><?xml version="1.0" encoding="utf-8"?>
 <p:sld xmlns:a="http://schemas.openxmlformats.org/drawingml/2006/main" xmlns:r="http://schemas.openxmlformats.org/officeDocument/2006/relationships" xmlns:p="http://schemas.openxmlformats.org/presentationml/2006/main">
   <p:cSld>
     <p:spTree>
@@ -4048,6 +8728,145 @@
           <p:cNvPr id="5" name="Grafik 4">
             <a:extLst>
               <a:ext uri="{FF2B5EF4-FFF2-40B4-BE49-F238E27FC236}">
+                <a16:creationId xmlns:a16="http://schemas.microsoft.com/office/drawing/2014/main" id="{E20606DD-2019-7750-3747-4C1257DFDE76}"/>
+              </a:ext>
+            </a:extLst>
+          </p:cNvPr>
+          <p:cNvPicPr>
+            <a:picLocks noChangeAspect="1"/>
+          </p:cNvPicPr>
+          <p:nvPr/>
+        </p:nvPicPr>
+        <p:blipFill>
+          <a:blip r:embed="rId2"/>
+          <a:stretch>
+            <a:fillRect/>
+          </a:stretch>
+        </p:blipFill>
+        <p:spPr>
+          <a:xfrm>
+            <a:off x="70757" y="0"/>
+            <a:ext cx="12050486" cy="6858000"/>
+          </a:xfrm>
+          <a:prstGeom prst="rect">
+            <a:avLst/>
+          </a:prstGeom>
+        </p:spPr>
+      </p:pic>
+      <p:grpSp>
+        <p:nvGrpSpPr>
+          <p:cNvPr id="10" name="Gruppieren 9">
+            <a:extLst>
+              <a:ext uri="{FF2B5EF4-FFF2-40B4-BE49-F238E27FC236}">
+                <a16:creationId xmlns:a16="http://schemas.microsoft.com/office/drawing/2014/main" id="{B90A9061-EDE2-DA49-BF02-F4308151E04E}"/>
+              </a:ext>
+            </a:extLst>
+          </p:cNvPr>
+          <p:cNvGrpSpPr/>
+          <p:nvPr/>
+        </p:nvGrpSpPr>
+        <p:grpSpPr>
+          <a:xfrm>
+            <a:off x="5833354" y="587931"/>
+            <a:ext cx="5947416" cy="5939328"/>
+            <a:chOff x="2568102" y="335012"/>
+            <a:chExt cx="5947416" cy="5939328"/>
+          </a:xfrm>
+        </p:grpSpPr>
+        <p:pic>
+          <p:nvPicPr>
+            <p:cNvPr id="8" name="Grafik 7">
+              <a:extLst>
+                <a:ext uri="{FF2B5EF4-FFF2-40B4-BE49-F238E27FC236}">
+                  <a16:creationId xmlns:a16="http://schemas.microsoft.com/office/drawing/2014/main" id="{11A470F5-3C8C-2547-CFB6-87F1801F91C0}"/>
+                </a:ext>
+              </a:extLst>
+            </p:cNvPr>
+            <p:cNvPicPr>
+              <a:picLocks noChangeAspect="1"/>
+            </p:cNvPicPr>
+            <p:nvPr/>
+          </p:nvPicPr>
+          <p:blipFill>
+            <a:blip r:embed="rId3"/>
+            <a:srcRect l="6556" r="20205" b="4018"/>
+            <a:stretch/>
+          </p:blipFill>
+          <p:spPr>
+            <a:xfrm>
+              <a:off x="2568102" y="335012"/>
+              <a:ext cx="5947416" cy="5939328"/>
+            </a:xfrm>
+            <a:prstGeom prst="rect">
+              <a:avLst/>
+            </a:prstGeom>
+          </p:spPr>
+        </p:pic>
+        <p:pic>
+          <p:nvPicPr>
+            <p:cNvPr id="9" name="Grafik 8">
+              <a:extLst>
+                <a:ext uri="{FF2B5EF4-FFF2-40B4-BE49-F238E27FC236}">
+                  <a16:creationId xmlns:a16="http://schemas.microsoft.com/office/drawing/2014/main" id="{D5B369CE-198A-78A0-4231-DB6E3EAC8879}"/>
+                </a:ext>
+              </a:extLst>
+            </p:cNvPr>
+            <p:cNvPicPr>
+              <a:picLocks noChangeAspect="1"/>
+            </p:cNvPicPr>
+            <p:nvPr/>
+          </p:nvPicPr>
+          <p:blipFill>
+            <a:blip r:embed="rId3"/>
+            <a:srcRect r="26861" b="3887"/>
+            <a:stretch/>
+          </p:blipFill>
+          <p:spPr>
+            <a:xfrm rot="5400000">
+              <a:off x="2572146" y="330968"/>
+              <a:ext cx="5939328" cy="5947416"/>
+            </a:xfrm>
+            <a:prstGeom prst="rect">
+              <a:avLst/>
+            </a:prstGeom>
+          </p:spPr>
+        </p:pic>
+      </p:grpSp>
+    </p:spTree>
+    <p:extLst>
+      <p:ext uri="{BB962C8B-B14F-4D97-AF65-F5344CB8AC3E}">
+        <p14:creationId xmlns:p14="http://schemas.microsoft.com/office/powerpoint/2010/main" val="1585009156"/>
+      </p:ext>
+    </p:extLst>
+  </p:cSld>
+  <p:clrMapOvr>
+    <a:masterClrMapping/>
+  </p:clrMapOvr>
+</p:sld>
+</file>
+
+<file path=ppt/slides/slide3.xml><?xml version="1.0" encoding="utf-8"?>
+<p:sld xmlns:a="http://schemas.openxmlformats.org/drawingml/2006/main" xmlns:r="http://schemas.openxmlformats.org/officeDocument/2006/relationships" xmlns:p="http://schemas.openxmlformats.org/presentationml/2006/main">
+  <p:cSld>
+    <p:spTree>
+      <p:nvGrpSpPr>
+        <p:cNvPr id="1" name=""/>
+        <p:cNvGrpSpPr/>
+        <p:nvPr/>
+      </p:nvGrpSpPr>
+      <p:grpSpPr>
+        <a:xfrm>
+          <a:off x="0" y="0"/>
+          <a:ext cx="0" cy="0"/>
+          <a:chOff x="0" y="0"/>
+          <a:chExt cx="0" cy="0"/>
+        </a:xfrm>
+      </p:grpSpPr>
+      <p:pic>
+        <p:nvPicPr>
+          <p:cNvPr id="5" name="Grafik 4">
+            <a:extLst>
+              <a:ext uri="{FF2B5EF4-FFF2-40B4-BE49-F238E27FC236}">
                 <a16:creationId xmlns:a16="http://schemas.microsoft.com/office/drawing/2014/main" id="{0ED11B5D-616D-3CC9-EC3B-C7BFEAE9FFBF}"/>
               </a:ext>
             </a:extLst>
@@ -4488,7 +9307,7 @@
 </p:sld>
 </file>
 
-<file path=ppt/slides/slide3.xml><?xml version="1.0" encoding="utf-8"?>
+<file path=ppt/slides/slide4.xml><?xml version="1.0" encoding="utf-8"?>
 <p:sld xmlns:a="http://schemas.openxmlformats.org/drawingml/2006/main" xmlns:r="http://schemas.openxmlformats.org/officeDocument/2006/relationships" xmlns:p="http://schemas.openxmlformats.org/presentationml/2006/main">
   <p:cSld>
     <p:spTree>
@@ -5000,7 +9819,7 @@
 </p:sld>
 </file>
 
-<file path=ppt/slides/slide4.xml><?xml version="1.0" encoding="utf-8"?>
+<file path=ppt/slides/slide5.xml><?xml version="1.0" encoding="utf-8"?>
 <p:sld xmlns:a="http://schemas.openxmlformats.org/drawingml/2006/main" xmlns:r="http://schemas.openxmlformats.org/officeDocument/2006/relationships" xmlns:p="http://schemas.openxmlformats.org/presentationml/2006/main">
   <p:cSld>
     <p:spTree>
@@ -5324,7 +10143,7 @@
 </p:sld>
 </file>
 
-<file path=ppt/slides/slide5.xml><?xml version="1.0" encoding="utf-8"?>
+<file path=ppt/slides/slide6.xml><?xml version="1.0" encoding="utf-8"?>
 <p:sld xmlns:a="http://schemas.openxmlformats.org/drawingml/2006/main" xmlns:r="http://schemas.openxmlformats.org/officeDocument/2006/relationships" xmlns:p="http://schemas.openxmlformats.org/presentationml/2006/main">
   <p:cSld>
     <p:spTree>
@@ -7893,7 +12712,7 @@
 </p:sld>
 </file>
 
-<file path=ppt/slides/slide6.xml><?xml version="1.0" encoding="utf-8"?>
+<file path=ppt/slides/slide7.xml><?xml version="1.0" encoding="utf-8"?>
 <p:sld xmlns:a="http://schemas.openxmlformats.org/drawingml/2006/main" xmlns:r="http://schemas.openxmlformats.org/officeDocument/2006/relationships" xmlns:p="http://schemas.openxmlformats.org/presentationml/2006/main">
   <p:cSld>
     <p:spTree>
@@ -9390,7 +14209,7 @@
 </p:sld>
 </file>
 
-<file path=ppt/slides/slide7.xml><?xml version="1.0" encoding="utf-8"?>
+<file path=ppt/slides/slide8.xml><?xml version="1.0" encoding="utf-8"?>
 <p:sld xmlns:a="http://schemas.openxmlformats.org/drawingml/2006/main" xmlns:r="http://schemas.openxmlformats.org/officeDocument/2006/relationships" xmlns:p="http://schemas.openxmlformats.org/presentationml/2006/main">
   <p:cSld>
     <p:spTree>
@@ -14209,7 +19028,7 @@
 </p:sld>
 </file>
 
-<file path=ppt/slides/slide8.xml><?xml version="1.0" encoding="utf-8"?>
+<file path=ppt/slides/slide9.xml><?xml version="1.0" encoding="utf-8"?>
 <p:sld xmlns:a="http://schemas.openxmlformats.org/drawingml/2006/main" xmlns:r="http://schemas.openxmlformats.org/officeDocument/2006/relationships" xmlns:p="http://schemas.openxmlformats.org/presentationml/2006/main">
   <p:cSld>
     <p:spTree>
@@ -18597,4596 +23416,6 @@
 </p:sld>
 </file>
 
-<file path=ppt/slides/slide9.xml><?xml version="1.0" encoding="utf-8"?>
-<p:sld xmlns:a="http://schemas.openxmlformats.org/drawingml/2006/main" xmlns:r="http://schemas.openxmlformats.org/officeDocument/2006/relationships" xmlns:p="http://schemas.openxmlformats.org/presentationml/2006/main">
-  <p:cSld>
-    <p:spTree>
-      <p:nvGrpSpPr>
-        <p:cNvPr id="1" name=""/>
-        <p:cNvGrpSpPr/>
-        <p:nvPr/>
-      </p:nvGrpSpPr>
-      <p:grpSpPr>
-        <a:xfrm>
-          <a:off x="0" y="0"/>
-          <a:ext cx="0" cy="0"/>
-          <a:chOff x="0" y="0"/>
-          <a:chExt cx="0" cy="0"/>
-        </a:xfrm>
-      </p:grpSpPr>
-      <p:grpSp>
-        <p:nvGrpSpPr>
-          <p:cNvPr id="57" name="Gruppieren 56">
-            <a:extLst>
-              <a:ext uri="{FF2B5EF4-FFF2-40B4-BE49-F238E27FC236}">
-                <a16:creationId xmlns:a16="http://schemas.microsoft.com/office/drawing/2014/main" id="{F4F72118-613C-3E14-1BED-420740B469C7}"/>
-              </a:ext>
-            </a:extLst>
-          </p:cNvPr>
-          <p:cNvGrpSpPr/>
-          <p:nvPr/>
-        </p:nvGrpSpPr>
-        <p:grpSpPr>
-          <a:xfrm>
-            <a:off x="3559864" y="5505682"/>
-            <a:ext cx="2536136" cy="488406"/>
-            <a:chOff x="2460415" y="3039806"/>
-            <a:chExt cx="1505794" cy="289983"/>
-          </a:xfrm>
-        </p:grpSpPr>
-        <p:sp>
-          <p:nvSpPr>
-            <p:cNvPr id="45" name="Rechteck 44">
-              <a:extLst>
-                <a:ext uri="{FF2B5EF4-FFF2-40B4-BE49-F238E27FC236}">
-                  <a16:creationId xmlns:a16="http://schemas.microsoft.com/office/drawing/2014/main" id="{D5B2440C-C987-A2DD-1ED9-3F1879B63FA2}"/>
-                </a:ext>
-              </a:extLst>
-            </p:cNvPr>
-            <p:cNvSpPr/>
-            <p:nvPr/>
-          </p:nvSpPr>
-          <p:spPr>
-            <a:xfrm>
-              <a:off x="2483275" y="3039806"/>
-              <a:ext cx="1460075" cy="289982"/>
-            </a:xfrm>
-            <a:prstGeom prst="rect">
-              <a:avLst/>
-            </a:prstGeom>
-            <a:solidFill>
-              <a:schemeClr val="bg2">
-                <a:lumMod val="90000"/>
-              </a:schemeClr>
-            </a:solidFill>
-            <a:ln w="19050">
-              <a:solidFill>
-                <a:schemeClr val="tx1"/>
-              </a:solidFill>
-              <a:prstDash val="solid"/>
-            </a:ln>
-          </p:spPr>
-          <p:style>
-            <a:lnRef idx="2">
-              <a:schemeClr val="accent1">
-                <a:shade val="15000"/>
-              </a:schemeClr>
-            </a:lnRef>
-            <a:fillRef idx="1">
-              <a:schemeClr val="accent1"/>
-            </a:fillRef>
-            <a:effectRef idx="0">
-              <a:schemeClr val="accent1"/>
-            </a:effectRef>
-            <a:fontRef idx="minor">
-              <a:schemeClr val="lt1"/>
-            </a:fontRef>
-          </p:style>
-          <p:txBody>
-            <a:bodyPr rtlCol="0" anchor="ctr"/>
-            <a:lstStyle/>
-            <a:p>
-              <a:pPr algn="ctr"/>
-              <a:endParaRPr lang="de-DE"/>
-            </a:p>
-          </p:txBody>
-        </p:sp>
-        <p:sp>
-          <p:nvSpPr>
-            <p:cNvPr id="42" name="Rechteck 41">
-              <a:extLst>
-                <a:ext uri="{FF2B5EF4-FFF2-40B4-BE49-F238E27FC236}">
-                  <a16:creationId xmlns:a16="http://schemas.microsoft.com/office/drawing/2014/main" id="{B2723C11-FCCF-ADB3-0897-DC89F1A018BB}"/>
-                </a:ext>
-              </a:extLst>
-            </p:cNvPr>
-            <p:cNvSpPr/>
-            <p:nvPr/>
-          </p:nvSpPr>
-          <p:spPr>
-            <a:xfrm>
-              <a:off x="2483275" y="3039806"/>
-              <a:ext cx="1460075" cy="96661"/>
-            </a:xfrm>
-            <a:prstGeom prst="rect">
-              <a:avLst/>
-            </a:prstGeom>
-            <a:noFill/>
-            <a:ln>
-              <a:solidFill>
-                <a:schemeClr val="tx1"/>
-              </a:solidFill>
-              <a:prstDash val="lgDash"/>
-            </a:ln>
-          </p:spPr>
-          <p:style>
-            <a:lnRef idx="2">
-              <a:schemeClr val="accent1">
-                <a:shade val="15000"/>
-              </a:schemeClr>
-            </a:lnRef>
-            <a:fillRef idx="1">
-              <a:schemeClr val="accent1"/>
-            </a:fillRef>
-            <a:effectRef idx="0">
-              <a:schemeClr val="accent1"/>
-            </a:effectRef>
-            <a:fontRef idx="minor">
-              <a:schemeClr val="lt1"/>
-            </a:fontRef>
-          </p:style>
-          <p:txBody>
-            <a:bodyPr rtlCol="0" anchor="ctr"/>
-            <a:lstStyle/>
-            <a:p>
-              <a:pPr algn="ctr"/>
-              <a:endParaRPr lang="de-DE"/>
-            </a:p>
-          </p:txBody>
-        </p:sp>
-        <p:sp>
-          <p:nvSpPr>
-            <p:cNvPr id="43" name="Rechteck 42">
-              <a:extLst>
-                <a:ext uri="{FF2B5EF4-FFF2-40B4-BE49-F238E27FC236}">
-                  <a16:creationId xmlns:a16="http://schemas.microsoft.com/office/drawing/2014/main" id="{5939D0D4-5103-5FF0-826C-77DE08C1CB88}"/>
-                </a:ext>
-              </a:extLst>
-            </p:cNvPr>
-            <p:cNvSpPr/>
-            <p:nvPr/>
-          </p:nvSpPr>
-          <p:spPr>
-            <a:xfrm>
-              <a:off x="2483275" y="3136467"/>
-              <a:ext cx="1460075" cy="96661"/>
-            </a:xfrm>
-            <a:prstGeom prst="rect">
-              <a:avLst/>
-            </a:prstGeom>
-            <a:noFill/>
-            <a:ln>
-              <a:noFill/>
-              <a:prstDash val="lgDash"/>
-            </a:ln>
-          </p:spPr>
-          <p:style>
-            <a:lnRef idx="2">
-              <a:schemeClr val="accent1">
-                <a:shade val="15000"/>
-              </a:schemeClr>
-            </a:lnRef>
-            <a:fillRef idx="1">
-              <a:schemeClr val="accent1"/>
-            </a:fillRef>
-            <a:effectRef idx="0">
-              <a:schemeClr val="accent1"/>
-            </a:effectRef>
-            <a:fontRef idx="minor">
-              <a:schemeClr val="lt1"/>
-            </a:fontRef>
-          </p:style>
-          <p:txBody>
-            <a:bodyPr rtlCol="0" anchor="ctr"/>
-            <a:lstStyle/>
-            <a:p>
-              <a:pPr algn="ctr"/>
-              <a:endParaRPr lang="de-DE"/>
-            </a:p>
-          </p:txBody>
-        </p:sp>
-        <p:sp>
-          <p:nvSpPr>
-            <p:cNvPr id="44" name="Rechteck 43">
-              <a:extLst>
-                <a:ext uri="{FF2B5EF4-FFF2-40B4-BE49-F238E27FC236}">
-                  <a16:creationId xmlns:a16="http://schemas.microsoft.com/office/drawing/2014/main" id="{52851A60-9A18-36BD-6EA0-926F76F8371C}"/>
-                </a:ext>
-              </a:extLst>
-            </p:cNvPr>
-            <p:cNvSpPr/>
-            <p:nvPr/>
-          </p:nvSpPr>
-          <p:spPr>
-            <a:xfrm>
-              <a:off x="2483275" y="3233128"/>
-              <a:ext cx="1460075" cy="96661"/>
-            </a:xfrm>
-            <a:prstGeom prst="rect">
-              <a:avLst/>
-            </a:prstGeom>
-            <a:noFill/>
-            <a:ln>
-              <a:solidFill>
-                <a:schemeClr val="tx1"/>
-              </a:solidFill>
-              <a:prstDash val="lgDash"/>
-            </a:ln>
-          </p:spPr>
-          <p:style>
-            <a:lnRef idx="2">
-              <a:schemeClr val="accent1">
-                <a:shade val="15000"/>
-              </a:schemeClr>
-            </a:lnRef>
-            <a:fillRef idx="1">
-              <a:schemeClr val="accent1"/>
-            </a:fillRef>
-            <a:effectRef idx="0">
-              <a:schemeClr val="accent1"/>
-            </a:effectRef>
-            <a:fontRef idx="minor">
-              <a:schemeClr val="lt1"/>
-            </a:fontRef>
-          </p:style>
-          <p:txBody>
-            <a:bodyPr rtlCol="0" anchor="ctr"/>
-            <a:lstStyle/>
-            <a:p>
-              <a:pPr algn="ctr"/>
-              <a:endParaRPr lang="de-DE"/>
-            </a:p>
-          </p:txBody>
-        </p:sp>
-        <p:sp>
-          <p:nvSpPr>
-            <p:cNvPr id="36" name="Ellipse 35">
-              <a:extLst>
-                <a:ext uri="{FF2B5EF4-FFF2-40B4-BE49-F238E27FC236}">
-                  <a16:creationId xmlns:a16="http://schemas.microsoft.com/office/drawing/2014/main" id="{82545CBE-3C58-9DC3-95E6-EA4DD1109E43}"/>
-                </a:ext>
-              </a:extLst>
-            </p:cNvPr>
-            <p:cNvSpPr/>
-            <p:nvPr/>
-          </p:nvSpPr>
-          <p:spPr>
-            <a:xfrm>
-              <a:off x="3920490" y="3065276"/>
-              <a:ext cx="45719" cy="45719"/>
-            </a:xfrm>
-            <a:prstGeom prst="ellipse">
-              <a:avLst/>
-            </a:prstGeom>
-          </p:spPr>
-          <p:style>
-            <a:lnRef idx="2">
-              <a:schemeClr val="accent1">
-                <a:shade val="15000"/>
-              </a:schemeClr>
-            </a:lnRef>
-            <a:fillRef idx="1">
-              <a:schemeClr val="accent1"/>
-            </a:fillRef>
-            <a:effectRef idx="0">
-              <a:schemeClr val="accent1"/>
-            </a:effectRef>
-            <a:fontRef idx="minor">
-              <a:schemeClr val="lt1"/>
-            </a:fontRef>
-          </p:style>
-          <p:txBody>
-            <a:bodyPr rtlCol="0" anchor="ctr"/>
-            <a:lstStyle/>
-            <a:p>
-              <a:pPr algn="ctr"/>
-              <a:endParaRPr lang="de-DE"/>
-            </a:p>
-          </p:txBody>
-        </p:sp>
-        <p:sp>
-          <p:nvSpPr>
-            <p:cNvPr id="37" name="Ellipse 36">
-              <a:extLst>
-                <a:ext uri="{FF2B5EF4-FFF2-40B4-BE49-F238E27FC236}">
-                  <a16:creationId xmlns:a16="http://schemas.microsoft.com/office/drawing/2014/main" id="{756F5E7C-595C-BB40-D0D1-4D839BFF002A}"/>
-                </a:ext>
-              </a:extLst>
-            </p:cNvPr>
-            <p:cNvSpPr/>
-            <p:nvPr/>
-          </p:nvSpPr>
-          <p:spPr>
-            <a:xfrm>
-              <a:off x="3920490" y="3161937"/>
-              <a:ext cx="45719" cy="45719"/>
-            </a:xfrm>
-            <a:prstGeom prst="ellipse">
-              <a:avLst/>
-            </a:prstGeom>
-          </p:spPr>
-          <p:style>
-            <a:lnRef idx="2">
-              <a:schemeClr val="accent1">
-                <a:shade val="15000"/>
-              </a:schemeClr>
-            </a:lnRef>
-            <a:fillRef idx="1">
-              <a:schemeClr val="accent1"/>
-            </a:fillRef>
-            <a:effectRef idx="0">
-              <a:schemeClr val="accent1"/>
-            </a:effectRef>
-            <a:fontRef idx="minor">
-              <a:schemeClr val="lt1"/>
-            </a:fontRef>
-          </p:style>
-          <p:txBody>
-            <a:bodyPr rtlCol="0" anchor="ctr"/>
-            <a:lstStyle/>
-            <a:p>
-              <a:pPr algn="ctr"/>
-              <a:endParaRPr lang="de-DE"/>
-            </a:p>
-          </p:txBody>
-        </p:sp>
-        <p:sp>
-          <p:nvSpPr>
-            <p:cNvPr id="38" name="Ellipse 37">
-              <a:extLst>
-                <a:ext uri="{FF2B5EF4-FFF2-40B4-BE49-F238E27FC236}">
-                  <a16:creationId xmlns:a16="http://schemas.microsoft.com/office/drawing/2014/main" id="{4A6920F2-31EC-6EF8-6D7A-069B58D6F4A2}"/>
-                </a:ext>
-              </a:extLst>
-            </p:cNvPr>
-            <p:cNvSpPr/>
-            <p:nvPr/>
-          </p:nvSpPr>
-          <p:spPr>
-            <a:xfrm>
-              <a:off x="3920490" y="3258598"/>
-              <a:ext cx="45719" cy="45719"/>
-            </a:xfrm>
-            <a:prstGeom prst="ellipse">
-              <a:avLst/>
-            </a:prstGeom>
-          </p:spPr>
-          <p:style>
-            <a:lnRef idx="2">
-              <a:schemeClr val="accent1">
-                <a:shade val="15000"/>
-              </a:schemeClr>
-            </a:lnRef>
-            <a:fillRef idx="1">
-              <a:schemeClr val="accent1"/>
-            </a:fillRef>
-            <a:effectRef idx="0">
-              <a:schemeClr val="accent1"/>
-            </a:effectRef>
-            <a:fontRef idx="minor">
-              <a:schemeClr val="lt1"/>
-            </a:fontRef>
-          </p:style>
-          <p:txBody>
-            <a:bodyPr rtlCol="0" anchor="ctr"/>
-            <a:lstStyle/>
-            <a:p>
-              <a:pPr algn="ctr"/>
-              <a:endParaRPr lang="de-DE"/>
-            </a:p>
-          </p:txBody>
-        </p:sp>
-        <p:sp>
-          <p:nvSpPr>
-            <p:cNvPr id="39" name="Ellipse 38">
-              <a:extLst>
-                <a:ext uri="{FF2B5EF4-FFF2-40B4-BE49-F238E27FC236}">
-                  <a16:creationId xmlns:a16="http://schemas.microsoft.com/office/drawing/2014/main" id="{27C1C45E-FAC8-450E-B4BA-6D9B99A878B8}"/>
-                </a:ext>
-              </a:extLst>
-            </p:cNvPr>
-            <p:cNvSpPr/>
-            <p:nvPr/>
-          </p:nvSpPr>
-          <p:spPr>
-            <a:xfrm>
-              <a:off x="2460415" y="3065276"/>
-              <a:ext cx="45719" cy="45719"/>
-            </a:xfrm>
-            <a:prstGeom prst="ellipse">
-              <a:avLst/>
-            </a:prstGeom>
-            <a:solidFill>
-              <a:schemeClr val="accent2"/>
-            </a:solidFill>
-          </p:spPr>
-          <p:style>
-            <a:lnRef idx="2">
-              <a:schemeClr val="accent1">
-                <a:shade val="15000"/>
-              </a:schemeClr>
-            </a:lnRef>
-            <a:fillRef idx="1">
-              <a:schemeClr val="accent1"/>
-            </a:fillRef>
-            <a:effectRef idx="0">
-              <a:schemeClr val="accent1"/>
-            </a:effectRef>
-            <a:fontRef idx="minor">
-              <a:schemeClr val="lt1"/>
-            </a:fontRef>
-          </p:style>
-          <p:txBody>
-            <a:bodyPr rtlCol="0" anchor="ctr"/>
-            <a:lstStyle/>
-            <a:p>
-              <a:pPr algn="ctr"/>
-              <a:endParaRPr lang="de-DE"/>
-            </a:p>
-          </p:txBody>
-        </p:sp>
-        <p:sp>
-          <p:nvSpPr>
-            <p:cNvPr id="40" name="Ellipse 39">
-              <a:extLst>
-                <a:ext uri="{FF2B5EF4-FFF2-40B4-BE49-F238E27FC236}">
-                  <a16:creationId xmlns:a16="http://schemas.microsoft.com/office/drawing/2014/main" id="{C2249620-BE71-87BA-C1BB-6F76542605E7}"/>
-                </a:ext>
-              </a:extLst>
-            </p:cNvPr>
-            <p:cNvSpPr/>
-            <p:nvPr/>
-          </p:nvSpPr>
-          <p:spPr>
-            <a:xfrm>
-              <a:off x="2460415" y="3163719"/>
-              <a:ext cx="45719" cy="45719"/>
-            </a:xfrm>
-            <a:prstGeom prst="ellipse">
-              <a:avLst/>
-            </a:prstGeom>
-            <a:solidFill>
-              <a:schemeClr val="accent2"/>
-            </a:solidFill>
-          </p:spPr>
-          <p:style>
-            <a:lnRef idx="2">
-              <a:schemeClr val="accent1">
-                <a:shade val="15000"/>
-              </a:schemeClr>
-            </a:lnRef>
-            <a:fillRef idx="1">
-              <a:schemeClr val="accent1"/>
-            </a:fillRef>
-            <a:effectRef idx="0">
-              <a:schemeClr val="accent1"/>
-            </a:effectRef>
-            <a:fontRef idx="minor">
-              <a:schemeClr val="lt1"/>
-            </a:fontRef>
-          </p:style>
-          <p:txBody>
-            <a:bodyPr rtlCol="0" anchor="ctr"/>
-            <a:lstStyle/>
-            <a:p>
-              <a:pPr algn="ctr"/>
-              <a:endParaRPr lang="de-DE"/>
-            </a:p>
-          </p:txBody>
-        </p:sp>
-        <p:sp>
-          <p:nvSpPr>
-            <p:cNvPr id="41" name="Ellipse 40">
-              <a:extLst>
-                <a:ext uri="{FF2B5EF4-FFF2-40B4-BE49-F238E27FC236}">
-                  <a16:creationId xmlns:a16="http://schemas.microsoft.com/office/drawing/2014/main" id="{D027918D-A3CE-F74F-91E1-C7EAEC46BB23}"/>
-                </a:ext>
-              </a:extLst>
-            </p:cNvPr>
-            <p:cNvSpPr/>
-            <p:nvPr/>
-          </p:nvSpPr>
-          <p:spPr>
-            <a:xfrm>
-              <a:off x="2460415" y="3253817"/>
-              <a:ext cx="45719" cy="45719"/>
-            </a:xfrm>
-            <a:prstGeom prst="ellipse">
-              <a:avLst/>
-            </a:prstGeom>
-            <a:solidFill>
-              <a:schemeClr val="accent2"/>
-            </a:solidFill>
-          </p:spPr>
-          <p:style>
-            <a:lnRef idx="2">
-              <a:schemeClr val="accent1">
-                <a:shade val="15000"/>
-              </a:schemeClr>
-            </a:lnRef>
-            <a:fillRef idx="1">
-              <a:schemeClr val="accent1"/>
-            </a:fillRef>
-            <a:effectRef idx="0">
-              <a:schemeClr val="accent1"/>
-            </a:effectRef>
-            <a:fontRef idx="minor">
-              <a:schemeClr val="lt1"/>
-            </a:fontRef>
-          </p:style>
-          <p:txBody>
-            <a:bodyPr rtlCol="0" anchor="ctr"/>
-            <a:lstStyle/>
-            <a:p>
-              <a:pPr algn="ctr"/>
-              <a:endParaRPr lang="de-DE"/>
-            </a:p>
-          </p:txBody>
-        </p:sp>
-      </p:grpSp>
-      <p:grpSp>
-        <p:nvGrpSpPr>
-          <p:cNvPr id="58" name="Gruppieren 57">
-            <a:extLst>
-              <a:ext uri="{FF2B5EF4-FFF2-40B4-BE49-F238E27FC236}">
-                <a16:creationId xmlns:a16="http://schemas.microsoft.com/office/drawing/2014/main" id="{1FC44D16-9844-4F84-AFA2-CCC927B6DE72}"/>
-              </a:ext>
-            </a:extLst>
-          </p:cNvPr>
-          <p:cNvGrpSpPr/>
-          <p:nvPr/>
-        </p:nvGrpSpPr>
-        <p:grpSpPr>
-          <a:xfrm rot="19616899">
-            <a:off x="2294701" y="1699314"/>
-            <a:ext cx="2536136" cy="488406"/>
-            <a:chOff x="2460415" y="3039806"/>
-            <a:chExt cx="1505794" cy="289983"/>
-          </a:xfrm>
-        </p:grpSpPr>
-        <p:sp>
-          <p:nvSpPr>
-            <p:cNvPr id="59" name="Rechteck 58">
-              <a:extLst>
-                <a:ext uri="{FF2B5EF4-FFF2-40B4-BE49-F238E27FC236}">
-                  <a16:creationId xmlns:a16="http://schemas.microsoft.com/office/drawing/2014/main" id="{5255D4DD-4D1E-0179-4AD8-42DE42DF2970}"/>
-                </a:ext>
-              </a:extLst>
-            </p:cNvPr>
-            <p:cNvSpPr/>
-            <p:nvPr/>
-          </p:nvSpPr>
-          <p:spPr>
-            <a:xfrm>
-              <a:off x="2483275" y="3039806"/>
-              <a:ext cx="1460075" cy="289982"/>
-            </a:xfrm>
-            <a:prstGeom prst="rect">
-              <a:avLst/>
-            </a:prstGeom>
-            <a:solidFill>
-              <a:schemeClr val="bg2">
-                <a:lumMod val="90000"/>
-              </a:schemeClr>
-            </a:solidFill>
-            <a:ln w="19050">
-              <a:solidFill>
-                <a:schemeClr val="tx1"/>
-              </a:solidFill>
-              <a:prstDash val="solid"/>
-            </a:ln>
-          </p:spPr>
-          <p:style>
-            <a:lnRef idx="2">
-              <a:schemeClr val="accent1">
-                <a:shade val="15000"/>
-              </a:schemeClr>
-            </a:lnRef>
-            <a:fillRef idx="1">
-              <a:schemeClr val="accent1"/>
-            </a:fillRef>
-            <a:effectRef idx="0">
-              <a:schemeClr val="accent1"/>
-            </a:effectRef>
-            <a:fontRef idx="minor">
-              <a:schemeClr val="lt1"/>
-            </a:fontRef>
-          </p:style>
-          <p:txBody>
-            <a:bodyPr rtlCol="0" anchor="ctr"/>
-            <a:lstStyle/>
-            <a:p>
-              <a:pPr algn="ctr"/>
-              <a:endParaRPr lang="de-DE"/>
-            </a:p>
-          </p:txBody>
-        </p:sp>
-        <p:sp>
-          <p:nvSpPr>
-            <p:cNvPr id="60" name="Rechteck 59">
-              <a:extLst>
-                <a:ext uri="{FF2B5EF4-FFF2-40B4-BE49-F238E27FC236}">
-                  <a16:creationId xmlns:a16="http://schemas.microsoft.com/office/drawing/2014/main" id="{4453CA46-6721-137D-9F90-33DB8C7579D7}"/>
-                </a:ext>
-              </a:extLst>
-            </p:cNvPr>
-            <p:cNvSpPr/>
-            <p:nvPr/>
-          </p:nvSpPr>
-          <p:spPr>
-            <a:xfrm>
-              <a:off x="2483275" y="3039806"/>
-              <a:ext cx="1460075" cy="96661"/>
-            </a:xfrm>
-            <a:prstGeom prst="rect">
-              <a:avLst/>
-            </a:prstGeom>
-            <a:noFill/>
-            <a:ln>
-              <a:solidFill>
-                <a:schemeClr val="tx1"/>
-              </a:solidFill>
-              <a:prstDash val="lgDash"/>
-            </a:ln>
-          </p:spPr>
-          <p:style>
-            <a:lnRef idx="2">
-              <a:schemeClr val="accent1">
-                <a:shade val="15000"/>
-              </a:schemeClr>
-            </a:lnRef>
-            <a:fillRef idx="1">
-              <a:schemeClr val="accent1"/>
-            </a:fillRef>
-            <a:effectRef idx="0">
-              <a:schemeClr val="accent1"/>
-            </a:effectRef>
-            <a:fontRef idx="minor">
-              <a:schemeClr val="lt1"/>
-            </a:fontRef>
-          </p:style>
-          <p:txBody>
-            <a:bodyPr rtlCol="0" anchor="ctr"/>
-            <a:lstStyle/>
-            <a:p>
-              <a:pPr algn="ctr"/>
-              <a:endParaRPr lang="de-DE"/>
-            </a:p>
-          </p:txBody>
-        </p:sp>
-        <p:sp>
-          <p:nvSpPr>
-            <p:cNvPr id="61" name="Rechteck 60">
-              <a:extLst>
-                <a:ext uri="{FF2B5EF4-FFF2-40B4-BE49-F238E27FC236}">
-                  <a16:creationId xmlns:a16="http://schemas.microsoft.com/office/drawing/2014/main" id="{83A02ACD-CE7D-FB06-A297-AD7CBB1444CE}"/>
-                </a:ext>
-              </a:extLst>
-            </p:cNvPr>
-            <p:cNvSpPr/>
-            <p:nvPr/>
-          </p:nvSpPr>
-          <p:spPr>
-            <a:xfrm>
-              <a:off x="2483275" y="3136467"/>
-              <a:ext cx="1460075" cy="96661"/>
-            </a:xfrm>
-            <a:prstGeom prst="rect">
-              <a:avLst/>
-            </a:prstGeom>
-            <a:noFill/>
-            <a:ln>
-              <a:noFill/>
-              <a:prstDash val="lgDash"/>
-            </a:ln>
-          </p:spPr>
-          <p:style>
-            <a:lnRef idx="2">
-              <a:schemeClr val="accent1">
-                <a:shade val="15000"/>
-              </a:schemeClr>
-            </a:lnRef>
-            <a:fillRef idx="1">
-              <a:schemeClr val="accent1"/>
-            </a:fillRef>
-            <a:effectRef idx="0">
-              <a:schemeClr val="accent1"/>
-            </a:effectRef>
-            <a:fontRef idx="minor">
-              <a:schemeClr val="lt1"/>
-            </a:fontRef>
-          </p:style>
-          <p:txBody>
-            <a:bodyPr rtlCol="0" anchor="ctr"/>
-            <a:lstStyle/>
-            <a:p>
-              <a:pPr algn="ctr"/>
-              <a:endParaRPr lang="de-DE"/>
-            </a:p>
-          </p:txBody>
-        </p:sp>
-        <p:sp>
-          <p:nvSpPr>
-            <p:cNvPr id="62" name="Rechteck 61">
-              <a:extLst>
-                <a:ext uri="{FF2B5EF4-FFF2-40B4-BE49-F238E27FC236}">
-                  <a16:creationId xmlns:a16="http://schemas.microsoft.com/office/drawing/2014/main" id="{0BA6FF38-0809-7347-CB32-A52701FA8310}"/>
-                </a:ext>
-              </a:extLst>
-            </p:cNvPr>
-            <p:cNvSpPr/>
-            <p:nvPr/>
-          </p:nvSpPr>
-          <p:spPr>
-            <a:xfrm>
-              <a:off x="2483275" y="3233128"/>
-              <a:ext cx="1460075" cy="96661"/>
-            </a:xfrm>
-            <a:prstGeom prst="rect">
-              <a:avLst/>
-            </a:prstGeom>
-            <a:noFill/>
-            <a:ln>
-              <a:solidFill>
-                <a:schemeClr val="tx1"/>
-              </a:solidFill>
-              <a:prstDash val="lgDash"/>
-            </a:ln>
-          </p:spPr>
-          <p:style>
-            <a:lnRef idx="2">
-              <a:schemeClr val="accent1">
-                <a:shade val="15000"/>
-              </a:schemeClr>
-            </a:lnRef>
-            <a:fillRef idx="1">
-              <a:schemeClr val="accent1"/>
-            </a:fillRef>
-            <a:effectRef idx="0">
-              <a:schemeClr val="accent1"/>
-            </a:effectRef>
-            <a:fontRef idx="minor">
-              <a:schemeClr val="lt1"/>
-            </a:fontRef>
-          </p:style>
-          <p:txBody>
-            <a:bodyPr rtlCol="0" anchor="ctr"/>
-            <a:lstStyle/>
-            <a:p>
-              <a:pPr algn="ctr"/>
-              <a:endParaRPr lang="de-DE"/>
-            </a:p>
-          </p:txBody>
-        </p:sp>
-        <p:sp>
-          <p:nvSpPr>
-            <p:cNvPr id="63" name="Ellipse 62">
-              <a:extLst>
-                <a:ext uri="{FF2B5EF4-FFF2-40B4-BE49-F238E27FC236}">
-                  <a16:creationId xmlns:a16="http://schemas.microsoft.com/office/drawing/2014/main" id="{2C0B30D1-F258-EDF9-6061-E049B2F84BDA}"/>
-                </a:ext>
-              </a:extLst>
-            </p:cNvPr>
-            <p:cNvSpPr/>
-            <p:nvPr/>
-          </p:nvSpPr>
-          <p:spPr>
-            <a:xfrm>
-              <a:off x="3920490" y="3065276"/>
-              <a:ext cx="45719" cy="45719"/>
-            </a:xfrm>
-            <a:prstGeom prst="ellipse">
-              <a:avLst/>
-            </a:prstGeom>
-            <a:solidFill>
-              <a:schemeClr val="accent2"/>
-            </a:solidFill>
-          </p:spPr>
-          <p:style>
-            <a:lnRef idx="2">
-              <a:schemeClr val="accent1">
-                <a:shade val="15000"/>
-              </a:schemeClr>
-            </a:lnRef>
-            <a:fillRef idx="1">
-              <a:schemeClr val="accent1"/>
-            </a:fillRef>
-            <a:effectRef idx="0">
-              <a:schemeClr val="accent1"/>
-            </a:effectRef>
-            <a:fontRef idx="minor">
-              <a:schemeClr val="lt1"/>
-            </a:fontRef>
-          </p:style>
-          <p:txBody>
-            <a:bodyPr rtlCol="0" anchor="ctr"/>
-            <a:lstStyle/>
-            <a:p>
-              <a:pPr algn="ctr"/>
-              <a:endParaRPr lang="de-DE"/>
-            </a:p>
-          </p:txBody>
-        </p:sp>
-        <p:sp>
-          <p:nvSpPr>
-            <p:cNvPr id="64" name="Ellipse 63">
-              <a:extLst>
-                <a:ext uri="{FF2B5EF4-FFF2-40B4-BE49-F238E27FC236}">
-                  <a16:creationId xmlns:a16="http://schemas.microsoft.com/office/drawing/2014/main" id="{A70BB0A2-25D7-D5A9-5320-1310249DB759}"/>
-                </a:ext>
-              </a:extLst>
-            </p:cNvPr>
-            <p:cNvSpPr/>
-            <p:nvPr/>
-          </p:nvSpPr>
-          <p:spPr>
-            <a:xfrm>
-              <a:off x="3920490" y="3161937"/>
-              <a:ext cx="45719" cy="45719"/>
-            </a:xfrm>
-            <a:prstGeom prst="ellipse">
-              <a:avLst/>
-            </a:prstGeom>
-            <a:solidFill>
-              <a:schemeClr val="accent2"/>
-            </a:solidFill>
-          </p:spPr>
-          <p:style>
-            <a:lnRef idx="2">
-              <a:schemeClr val="accent1">
-                <a:shade val="15000"/>
-              </a:schemeClr>
-            </a:lnRef>
-            <a:fillRef idx="1">
-              <a:schemeClr val="accent1"/>
-            </a:fillRef>
-            <a:effectRef idx="0">
-              <a:schemeClr val="accent1"/>
-            </a:effectRef>
-            <a:fontRef idx="minor">
-              <a:schemeClr val="lt1"/>
-            </a:fontRef>
-          </p:style>
-          <p:txBody>
-            <a:bodyPr rtlCol="0" anchor="ctr"/>
-            <a:lstStyle/>
-            <a:p>
-              <a:pPr algn="ctr"/>
-              <a:endParaRPr lang="de-DE"/>
-            </a:p>
-          </p:txBody>
-        </p:sp>
-        <p:sp>
-          <p:nvSpPr>
-            <p:cNvPr id="65" name="Ellipse 64">
-              <a:extLst>
-                <a:ext uri="{FF2B5EF4-FFF2-40B4-BE49-F238E27FC236}">
-                  <a16:creationId xmlns:a16="http://schemas.microsoft.com/office/drawing/2014/main" id="{77B605B0-6F63-29D2-8D54-8EDEF28769EC}"/>
-                </a:ext>
-              </a:extLst>
-            </p:cNvPr>
-            <p:cNvSpPr/>
-            <p:nvPr/>
-          </p:nvSpPr>
-          <p:spPr>
-            <a:xfrm>
-              <a:off x="3920490" y="3258598"/>
-              <a:ext cx="45719" cy="45719"/>
-            </a:xfrm>
-            <a:prstGeom prst="ellipse">
-              <a:avLst/>
-            </a:prstGeom>
-            <a:solidFill>
-              <a:schemeClr val="accent2"/>
-            </a:solidFill>
-          </p:spPr>
-          <p:style>
-            <a:lnRef idx="2">
-              <a:schemeClr val="accent1">
-                <a:shade val="15000"/>
-              </a:schemeClr>
-            </a:lnRef>
-            <a:fillRef idx="1">
-              <a:schemeClr val="accent1"/>
-            </a:fillRef>
-            <a:effectRef idx="0">
-              <a:schemeClr val="accent1"/>
-            </a:effectRef>
-            <a:fontRef idx="minor">
-              <a:schemeClr val="lt1"/>
-            </a:fontRef>
-          </p:style>
-          <p:txBody>
-            <a:bodyPr rtlCol="0" anchor="ctr"/>
-            <a:lstStyle/>
-            <a:p>
-              <a:pPr algn="ctr"/>
-              <a:endParaRPr lang="de-DE"/>
-            </a:p>
-          </p:txBody>
-        </p:sp>
-        <p:sp>
-          <p:nvSpPr>
-            <p:cNvPr id="66" name="Ellipse 65">
-              <a:extLst>
-                <a:ext uri="{FF2B5EF4-FFF2-40B4-BE49-F238E27FC236}">
-                  <a16:creationId xmlns:a16="http://schemas.microsoft.com/office/drawing/2014/main" id="{1B12F04F-70E8-2161-2DB3-DBD12B62A8A3}"/>
-                </a:ext>
-              </a:extLst>
-            </p:cNvPr>
-            <p:cNvSpPr/>
-            <p:nvPr/>
-          </p:nvSpPr>
-          <p:spPr>
-            <a:xfrm>
-              <a:off x="2460415" y="3065276"/>
-              <a:ext cx="45719" cy="45719"/>
-            </a:xfrm>
-            <a:prstGeom prst="ellipse">
-              <a:avLst/>
-            </a:prstGeom>
-          </p:spPr>
-          <p:style>
-            <a:lnRef idx="2">
-              <a:schemeClr val="accent1">
-                <a:shade val="15000"/>
-              </a:schemeClr>
-            </a:lnRef>
-            <a:fillRef idx="1">
-              <a:schemeClr val="accent1"/>
-            </a:fillRef>
-            <a:effectRef idx="0">
-              <a:schemeClr val="accent1"/>
-            </a:effectRef>
-            <a:fontRef idx="minor">
-              <a:schemeClr val="lt1"/>
-            </a:fontRef>
-          </p:style>
-          <p:txBody>
-            <a:bodyPr rtlCol="0" anchor="ctr"/>
-            <a:lstStyle/>
-            <a:p>
-              <a:pPr algn="ctr"/>
-              <a:endParaRPr lang="de-DE"/>
-            </a:p>
-          </p:txBody>
-        </p:sp>
-        <p:sp>
-          <p:nvSpPr>
-            <p:cNvPr id="67" name="Ellipse 66">
-              <a:extLst>
-                <a:ext uri="{FF2B5EF4-FFF2-40B4-BE49-F238E27FC236}">
-                  <a16:creationId xmlns:a16="http://schemas.microsoft.com/office/drawing/2014/main" id="{DB9955B2-8DD2-D96E-76AC-CA2E4AFBEE65}"/>
-                </a:ext>
-              </a:extLst>
-            </p:cNvPr>
-            <p:cNvSpPr/>
-            <p:nvPr/>
-          </p:nvSpPr>
-          <p:spPr>
-            <a:xfrm>
-              <a:off x="2460415" y="3163719"/>
-              <a:ext cx="45719" cy="45719"/>
-            </a:xfrm>
-            <a:prstGeom prst="ellipse">
-              <a:avLst/>
-            </a:prstGeom>
-          </p:spPr>
-          <p:style>
-            <a:lnRef idx="2">
-              <a:schemeClr val="accent1">
-                <a:shade val="15000"/>
-              </a:schemeClr>
-            </a:lnRef>
-            <a:fillRef idx="1">
-              <a:schemeClr val="accent1"/>
-            </a:fillRef>
-            <a:effectRef idx="0">
-              <a:schemeClr val="accent1"/>
-            </a:effectRef>
-            <a:fontRef idx="minor">
-              <a:schemeClr val="lt1"/>
-            </a:fontRef>
-          </p:style>
-          <p:txBody>
-            <a:bodyPr rtlCol="0" anchor="ctr"/>
-            <a:lstStyle/>
-            <a:p>
-              <a:pPr algn="ctr"/>
-              <a:endParaRPr lang="de-DE"/>
-            </a:p>
-          </p:txBody>
-        </p:sp>
-        <p:sp>
-          <p:nvSpPr>
-            <p:cNvPr id="68" name="Ellipse 67">
-              <a:extLst>
-                <a:ext uri="{FF2B5EF4-FFF2-40B4-BE49-F238E27FC236}">
-                  <a16:creationId xmlns:a16="http://schemas.microsoft.com/office/drawing/2014/main" id="{EB5BD934-8238-D41F-2C9B-0F936D10B615}"/>
-                </a:ext>
-              </a:extLst>
-            </p:cNvPr>
-            <p:cNvSpPr/>
-            <p:nvPr/>
-          </p:nvSpPr>
-          <p:spPr>
-            <a:xfrm>
-              <a:off x="2460415" y="3253817"/>
-              <a:ext cx="45719" cy="45719"/>
-            </a:xfrm>
-            <a:prstGeom prst="ellipse">
-              <a:avLst/>
-            </a:prstGeom>
-          </p:spPr>
-          <p:style>
-            <a:lnRef idx="2">
-              <a:schemeClr val="accent1">
-                <a:shade val="15000"/>
-              </a:schemeClr>
-            </a:lnRef>
-            <a:fillRef idx="1">
-              <a:schemeClr val="accent1"/>
-            </a:fillRef>
-            <a:effectRef idx="0">
-              <a:schemeClr val="accent1"/>
-            </a:effectRef>
-            <a:fontRef idx="minor">
-              <a:schemeClr val="lt1"/>
-            </a:fontRef>
-          </p:style>
-          <p:txBody>
-            <a:bodyPr rtlCol="0" anchor="ctr"/>
-            <a:lstStyle/>
-            <a:p>
-              <a:pPr algn="ctr"/>
-              <a:endParaRPr lang="de-DE"/>
-            </a:p>
-          </p:txBody>
-        </p:sp>
-      </p:grpSp>
-      <p:grpSp>
-        <p:nvGrpSpPr>
-          <p:cNvPr id="24" name="Gruppieren 23">
-            <a:extLst>
-              <a:ext uri="{FF2B5EF4-FFF2-40B4-BE49-F238E27FC236}">
-                <a16:creationId xmlns:a16="http://schemas.microsoft.com/office/drawing/2014/main" id="{26BD2449-0184-F671-03F3-2669D578F936}"/>
-              </a:ext>
-            </a:extLst>
-          </p:cNvPr>
-          <p:cNvGrpSpPr/>
-          <p:nvPr/>
-        </p:nvGrpSpPr>
-        <p:grpSpPr>
-          <a:xfrm rot="4335266">
-            <a:off x="1557412" y="4005626"/>
-            <a:ext cx="2536136" cy="488406"/>
-            <a:chOff x="2460415" y="3039806"/>
-            <a:chExt cx="1505794" cy="289983"/>
-          </a:xfrm>
-        </p:grpSpPr>
-        <p:sp>
-          <p:nvSpPr>
-            <p:cNvPr id="25" name="Rechteck 24">
-              <a:extLst>
-                <a:ext uri="{FF2B5EF4-FFF2-40B4-BE49-F238E27FC236}">
-                  <a16:creationId xmlns:a16="http://schemas.microsoft.com/office/drawing/2014/main" id="{FDF1D2E5-649B-1850-73F2-6AEC62488358}"/>
-                </a:ext>
-              </a:extLst>
-            </p:cNvPr>
-            <p:cNvSpPr/>
-            <p:nvPr/>
-          </p:nvSpPr>
-          <p:spPr>
-            <a:xfrm>
-              <a:off x="2483275" y="3039806"/>
-              <a:ext cx="1460075" cy="289982"/>
-            </a:xfrm>
-            <a:prstGeom prst="rect">
-              <a:avLst/>
-            </a:prstGeom>
-            <a:solidFill>
-              <a:schemeClr val="bg2">
-                <a:lumMod val="90000"/>
-              </a:schemeClr>
-            </a:solidFill>
-            <a:ln w="19050">
-              <a:solidFill>
-                <a:schemeClr val="tx1"/>
-              </a:solidFill>
-              <a:prstDash val="solid"/>
-            </a:ln>
-          </p:spPr>
-          <p:style>
-            <a:lnRef idx="2">
-              <a:schemeClr val="accent1">
-                <a:shade val="15000"/>
-              </a:schemeClr>
-            </a:lnRef>
-            <a:fillRef idx="1">
-              <a:schemeClr val="accent1"/>
-            </a:fillRef>
-            <a:effectRef idx="0">
-              <a:schemeClr val="accent1"/>
-            </a:effectRef>
-            <a:fontRef idx="minor">
-              <a:schemeClr val="lt1"/>
-            </a:fontRef>
-          </p:style>
-          <p:txBody>
-            <a:bodyPr rtlCol="0" anchor="ctr"/>
-            <a:lstStyle/>
-            <a:p>
-              <a:pPr algn="ctr"/>
-              <a:endParaRPr lang="de-DE"/>
-            </a:p>
-          </p:txBody>
-        </p:sp>
-        <p:sp>
-          <p:nvSpPr>
-            <p:cNvPr id="26" name="Rechteck 25">
-              <a:extLst>
-                <a:ext uri="{FF2B5EF4-FFF2-40B4-BE49-F238E27FC236}">
-                  <a16:creationId xmlns:a16="http://schemas.microsoft.com/office/drawing/2014/main" id="{DC72DB52-A30F-B2FF-C13F-54AD429B2D30}"/>
-                </a:ext>
-              </a:extLst>
-            </p:cNvPr>
-            <p:cNvSpPr/>
-            <p:nvPr/>
-          </p:nvSpPr>
-          <p:spPr>
-            <a:xfrm>
-              <a:off x="2483275" y="3039806"/>
-              <a:ext cx="1460075" cy="96661"/>
-            </a:xfrm>
-            <a:prstGeom prst="rect">
-              <a:avLst/>
-            </a:prstGeom>
-            <a:noFill/>
-            <a:ln>
-              <a:solidFill>
-                <a:schemeClr val="tx1"/>
-              </a:solidFill>
-              <a:prstDash val="lgDash"/>
-            </a:ln>
-          </p:spPr>
-          <p:style>
-            <a:lnRef idx="2">
-              <a:schemeClr val="accent1">
-                <a:shade val="15000"/>
-              </a:schemeClr>
-            </a:lnRef>
-            <a:fillRef idx="1">
-              <a:schemeClr val="accent1"/>
-            </a:fillRef>
-            <a:effectRef idx="0">
-              <a:schemeClr val="accent1"/>
-            </a:effectRef>
-            <a:fontRef idx="minor">
-              <a:schemeClr val="lt1"/>
-            </a:fontRef>
-          </p:style>
-          <p:txBody>
-            <a:bodyPr rtlCol="0" anchor="ctr"/>
-            <a:lstStyle/>
-            <a:p>
-              <a:pPr algn="ctr"/>
-              <a:endParaRPr lang="de-DE"/>
-            </a:p>
-          </p:txBody>
-        </p:sp>
-        <p:sp>
-          <p:nvSpPr>
-            <p:cNvPr id="27" name="Rechteck 26">
-              <a:extLst>
-                <a:ext uri="{FF2B5EF4-FFF2-40B4-BE49-F238E27FC236}">
-                  <a16:creationId xmlns:a16="http://schemas.microsoft.com/office/drawing/2014/main" id="{E1E75544-9199-A3C1-2554-6581F30A7825}"/>
-                </a:ext>
-              </a:extLst>
-            </p:cNvPr>
-            <p:cNvSpPr/>
-            <p:nvPr/>
-          </p:nvSpPr>
-          <p:spPr>
-            <a:xfrm>
-              <a:off x="2483275" y="3136467"/>
-              <a:ext cx="1460075" cy="96661"/>
-            </a:xfrm>
-            <a:prstGeom prst="rect">
-              <a:avLst/>
-            </a:prstGeom>
-            <a:noFill/>
-            <a:ln>
-              <a:noFill/>
-              <a:prstDash val="lgDash"/>
-            </a:ln>
-          </p:spPr>
-          <p:style>
-            <a:lnRef idx="2">
-              <a:schemeClr val="accent1">
-                <a:shade val="15000"/>
-              </a:schemeClr>
-            </a:lnRef>
-            <a:fillRef idx="1">
-              <a:schemeClr val="accent1"/>
-            </a:fillRef>
-            <a:effectRef idx="0">
-              <a:schemeClr val="accent1"/>
-            </a:effectRef>
-            <a:fontRef idx="minor">
-              <a:schemeClr val="lt1"/>
-            </a:fontRef>
-          </p:style>
-          <p:txBody>
-            <a:bodyPr rtlCol="0" anchor="ctr"/>
-            <a:lstStyle/>
-            <a:p>
-              <a:pPr algn="ctr"/>
-              <a:endParaRPr lang="de-DE"/>
-            </a:p>
-          </p:txBody>
-        </p:sp>
-        <p:sp>
-          <p:nvSpPr>
-            <p:cNvPr id="28" name="Rechteck 27">
-              <a:extLst>
-                <a:ext uri="{FF2B5EF4-FFF2-40B4-BE49-F238E27FC236}">
-                  <a16:creationId xmlns:a16="http://schemas.microsoft.com/office/drawing/2014/main" id="{C036F624-B4A7-6C4C-5ACB-0D8AAD070754}"/>
-                </a:ext>
-              </a:extLst>
-            </p:cNvPr>
-            <p:cNvSpPr/>
-            <p:nvPr/>
-          </p:nvSpPr>
-          <p:spPr>
-            <a:xfrm>
-              <a:off x="2483275" y="3233128"/>
-              <a:ext cx="1460075" cy="96661"/>
-            </a:xfrm>
-            <a:prstGeom prst="rect">
-              <a:avLst/>
-            </a:prstGeom>
-            <a:noFill/>
-            <a:ln>
-              <a:solidFill>
-                <a:schemeClr val="tx1"/>
-              </a:solidFill>
-              <a:prstDash val="lgDash"/>
-            </a:ln>
-          </p:spPr>
-          <p:style>
-            <a:lnRef idx="2">
-              <a:schemeClr val="accent1">
-                <a:shade val="15000"/>
-              </a:schemeClr>
-            </a:lnRef>
-            <a:fillRef idx="1">
-              <a:schemeClr val="accent1"/>
-            </a:fillRef>
-            <a:effectRef idx="0">
-              <a:schemeClr val="accent1"/>
-            </a:effectRef>
-            <a:fontRef idx="minor">
-              <a:schemeClr val="lt1"/>
-            </a:fontRef>
-          </p:style>
-          <p:txBody>
-            <a:bodyPr rtlCol="0" anchor="ctr"/>
-            <a:lstStyle/>
-            <a:p>
-              <a:pPr algn="ctr"/>
-              <a:endParaRPr lang="de-DE"/>
-            </a:p>
-          </p:txBody>
-        </p:sp>
-        <p:sp>
-          <p:nvSpPr>
-            <p:cNvPr id="29" name="Ellipse 28">
-              <a:extLst>
-                <a:ext uri="{FF2B5EF4-FFF2-40B4-BE49-F238E27FC236}">
-                  <a16:creationId xmlns:a16="http://schemas.microsoft.com/office/drawing/2014/main" id="{46F42552-072F-FEC0-1B89-94236591085A}"/>
-                </a:ext>
-              </a:extLst>
-            </p:cNvPr>
-            <p:cNvSpPr/>
-            <p:nvPr/>
-          </p:nvSpPr>
-          <p:spPr>
-            <a:xfrm>
-              <a:off x="3920490" y="3065276"/>
-              <a:ext cx="45719" cy="45719"/>
-            </a:xfrm>
-            <a:prstGeom prst="ellipse">
-              <a:avLst/>
-            </a:prstGeom>
-          </p:spPr>
-          <p:style>
-            <a:lnRef idx="2">
-              <a:schemeClr val="accent1">
-                <a:shade val="15000"/>
-              </a:schemeClr>
-            </a:lnRef>
-            <a:fillRef idx="1">
-              <a:schemeClr val="accent1"/>
-            </a:fillRef>
-            <a:effectRef idx="0">
-              <a:schemeClr val="accent1"/>
-            </a:effectRef>
-            <a:fontRef idx="minor">
-              <a:schemeClr val="lt1"/>
-            </a:fontRef>
-          </p:style>
-          <p:txBody>
-            <a:bodyPr rtlCol="0" anchor="ctr"/>
-            <a:lstStyle/>
-            <a:p>
-              <a:pPr algn="ctr"/>
-              <a:endParaRPr lang="de-DE"/>
-            </a:p>
-          </p:txBody>
-        </p:sp>
-        <p:sp>
-          <p:nvSpPr>
-            <p:cNvPr id="30" name="Ellipse 29">
-              <a:extLst>
-                <a:ext uri="{FF2B5EF4-FFF2-40B4-BE49-F238E27FC236}">
-                  <a16:creationId xmlns:a16="http://schemas.microsoft.com/office/drawing/2014/main" id="{DD425212-951C-04B1-CC56-2F4BAB6576CB}"/>
-                </a:ext>
-              </a:extLst>
-            </p:cNvPr>
-            <p:cNvSpPr/>
-            <p:nvPr/>
-          </p:nvSpPr>
-          <p:spPr>
-            <a:xfrm>
-              <a:off x="3920490" y="3161937"/>
-              <a:ext cx="45719" cy="45719"/>
-            </a:xfrm>
-            <a:prstGeom prst="ellipse">
-              <a:avLst/>
-            </a:prstGeom>
-          </p:spPr>
-          <p:style>
-            <a:lnRef idx="2">
-              <a:schemeClr val="accent1">
-                <a:shade val="15000"/>
-              </a:schemeClr>
-            </a:lnRef>
-            <a:fillRef idx="1">
-              <a:schemeClr val="accent1"/>
-            </a:fillRef>
-            <a:effectRef idx="0">
-              <a:schemeClr val="accent1"/>
-            </a:effectRef>
-            <a:fontRef idx="minor">
-              <a:schemeClr val="lt1"/>
-            </a:fontRef>
-          </p:style>
-          <p:txBody>
-            <a:bodyPr rtlCol="0" anchor="ctr"/>
-            <a:lstStyle/>
-            <a:p>
-              <a:pPr algn="ctr"/>
-              <a:endParaRPr lang="de-DE"/>
-            </a:p>
-          </p:txBody>
-        </p:sp>
-        <p:sp>
-          <p:nvSpPr>
-            <p:cNvPr id="31" name="Ellipse 30">
-              <a:extLst>
-                <a:ext uri="{FF2B5EF4-FFF2-40B4-BE49-F238E27FC236}">
-                  <a16:creationId xmlns:a16="http://schemas.microsoft.com/office/drawing/2014/main" id="{FC9A406A-4ED1-52FD-D401-DF2118573485}"/>
-                </a:ext>
-              </a:extLst>
-            </p:cNvPr>
-            <p:cNvSpPr/>
-            <p:nvPr/>
-          </p:nvSpPr>
-          <p:spPr>
-            <a:xfrm>
-              <a:off x="3920490" y="3258598"/>
-              <a:ext cx="45719" cy="45719"/>
-            </a:xfrm>
-            <a:prstGeom prst="ellipse">
-              <a:avLst/>
-            </a:prstGeom>
-          </p:spPr>
-          <p:style>
-            <a:lnRef idx="2">
-              <a:schemeClr val="accent1">
-                <a:shade val="15000"/>
-              </a:schemeClr>
-            </a:lnRef>
-            <a:fillRef idx="1">
-              <a:schemeClr val="accent1"/>
-            </a:fillRef>
-            <a:effectRef idx="0">
-              <a:schemeClr val="accent1"/>
-            </a:effectRef>
-            <a:fontRef idx="minor">
-              <a:schemeClr val="lt1"/>
-            </a:fontRef>
-          </p:style>
-          <p:txBody>
-            <a:bodyPr rtlCol="0" anchor="ctr"/>
-            <a:lstStyle/>
-            <a:p>
-              <a:pPr algn="ctr"/>
-              <a:endParaRPr lang="de-DE"/>
-            </a:p>
-          </p:txBody>
-        </p:sp>
-        <p:sp>
-          <p:nvSpPr>
-            <p:cNvPr id="32" name="Ellipse 31">
-              <a:extLst>
-                <a:ext uri="{FF2B5EF4-FFF2-40B4-BE49-F238E27FC236}">
-                  <a16:creationId xmlns:a16="http://schemas.microsoft.com/office/drawing/2014/main" id="{9757B847-BC09-D1B9-A8F6-E5FD4B85EACF}"/>
-                </a:ext>
-              </a:extLst>
-            </p:cNvPr>
-            <p:cNvSpPr/>
-            <p:nvPr/>
-          </p:nvSpPr>
-          <p:spPr>
-            <a:xfrm>
-              <a:off x="2460415" y="3065276"/>
-              <a:ext cx="45719" cy="45719"/>
-            </a:xfrm>
-            <a:prstGeom prst="ellipse">
-              <a:avLst/>
-            </a:prstGeom>
-            <a:solidFill>
-              <a:schemeClr val="accent2"/>
-            </a:solidFill>
-          </p:spPr>
-          <p:style>
-            <a:lnRef idx="2">
-              <a:schemeClr val="accent1">
-                <a:shade val="15000"/>
-              </a:schemeClr>
-            </a:lnRef>
-            <a:fillRef idx="1">
-              <a:schemeClr val="accent1"/>
-            </a:fillRef>
-            <a:effectRef idx="0">
-              <a:schemeClr val="accent1"/>
-            </a:effectRef>
-            <a:fontRef idx="minor">
-              <a:schemeClr val="lt1"/>
-            </a:fontRef>
-          </p:style>
-          <p:txBody>
-            <a:bodyPr rtlCol="0" anchor="ctr"/>
-            <a:lstStyle/>
-            <a:p>
-              <a:pPr algn="ctr"/>
-              <a:endParaRPr lang="de-DE"/>
-            </a:p>
-          </p:txBody>
-        </p:sp>
-        <p:sp>
-          <p:nvSpPr>
-            <p:cNvPr id="33" name="Ellipse 32">
-              <a:extLst>
-                <a:ext uri="{FF2B5EF4-FFF2-40B4-BE49-F238E27FC236}">
-                  <a16:creationId xmlns:a16="http://schemas.microsoft.com/office/drawing/2014/main" id="{D4B02FB4-34C8-F373-A44A-F6E92016C510}"/>
-                </a:ext>
-              </a:extLst>
-            </p:cNvPr>
-            <p:cNvSpPr/>
-            <p:nvPr/>
-          </p:nvSpPr>
-          <p:spPr>
-            <a:xfrm>
-              <a:off x="2460415" y="3163719"/>
-              <a:ext cx="45719" cy="45719"/>
-            </a:xfrm>
-            <a:prstGeom prst="ellipse">
-              <a:avLst/>
-            </a:prstGeom>
-            <a:solidFill>
-              <a:schemeClr val="accent2"/>
-            </a:solidFill>
-          </p:spPr>
-          <p:style>
-            <a:lnRef idx="2">
-              <a:schemeClr val="accent1">
-                <a:shade val="15000"/>
-              </a:schemeClr>
-            </a:lnRef>
-            <a:fillRef idx="1">
-              <a:schemeClr val="accent1"/>
-            </a:fillRef>
-            <a:effectRef idx="0">
-              <a:schemeClr val="accent1"/>
-            </a:effectRef>
-            <a:fontRef idx="minor">
-              <a:schemeClr val="lt1"/>
-            </a:fontRef>
-          </p:style>
-          <p:txBody>
-            <a:bodyPr rtlCol="0" anchor="ctr"/>
-            <a:lstStyle/>
-            <a:p>
-              <a:pPr algn="ctr"/>
-              <a:endParaRPr lang="de-DE"/>
-            </a:p>
-          </p:txBody>
-        </p:sp>
-        <p:sp>
-          <p:nvSpPr>
-            <p:cNvPr id="34" name="Ellipse 33">
-              <a:extLst>
-                <a:ext uri="{FF2B5EF4-FFF2-40B4-BE49-F238E27FC236}">
-                  <a16:creationId xmlns:a16="http://schemas.microsoft.com/office/drawing/2014/main" id="{C0917812-901B-C155-D2BF-8059754D5681}"/>
-                </a:ext>
-              </a:extLst>
-            </p:cNvPr>
-            <p:cNvSpPr/>
-            <p:nvPr/>
-          </p:nvSpPr>
-          <p:spPr>
-            <a:xfrm>
-              <a:off x="2460415" y="3253817"/>
-              <a:ext cx="45719" cy="45719"/>
-            </a:xfrm>
-            <a:prstGeom prst="ellipse">
-              <a:avLst/>
-            </a:prstGeom>
-            <a:solidFill>
-              <a:schemeClr val="accent2"/>
-            </a:solidFill>
-          </p:spPr>
-          <p:style>
-            <a:lnRef idx="2">
-              <a:schemeClr val="accent1">
-                <a:shade val="15000"/>
-              </a:schemeClr>
-            </a:lnRef>
-            <a:fillRef idx="1">
-              <a:schemeClr val="accent1"/>
-            </a:fillRef>
-            <a:effectRef idx="0">
-              <a:schemeClr val="accent1"/>
-            </a:effectRef>
-            <a:fontRef idx="minor">
-              <a:schemeClr val="lt1"/>
-            </a:fontRef>
-          </p:style>
-          <p:txBody>
-            <a:bodyPr rtlCol="0" anchor="ctr"/>
-            <a:lstStyle/>
-            <a:p>
-              <a:pPr algn="ctr"/>
-              <a:endParaRPr lang="de-DE"/>
-            </a:p>
-          </p:txBody>
-        </p:sp>
-      </p:grpSp>
-      <p:grpSp>
-        <p:nvGrpSpPr>
-          <p:cNvPr id="35" name="Gruppieren 34">
-            <a:extLst>
-              <a:ext uri="{FF2B5EF4-FFF2-40B4-BE49-F238E27FC236}">
-                <a16:creationId xmlns:a16="http://schemas.microsoft.com/office/drawing/2014/main" id="{9A78A3AD-FF3D-D0AE-59EF-7586A7B3CDE9}"/>
-              </a:ext>
-            </a:extLst>
-          </p:cNvPr>
-          <p:cNvGrpSpPr/>
-          <p:nvPr/>
-        </p:nvGrpSpPr>
-        <p:grpSpPr>
-          <a:xfrm rot="6548092">
-            <a:off x="5591943" y="4043211"/>
-            <a:ext cx="2536136" cy="488406"/>
-            <a:chOff x="2460415" y="3039806"/>
-            <a:chExt cx="1505794" cy="289983"/>
-          </a:xfrm>
-        </p:grpSpPr>
-        <p:sp>
-          <p:nvSpPr>
-            <p:cNvPr id="46" name="Rechteck 45">
-              <a:extLst>
-                <a:ext uri="{FF2B5EF4-FFF2-40B4-BE49-F238E27FC236}">
-                  <a16:creationId xmlns:a16="http://schemas.microsoft.com/office/drawing/2014/main" id="{B2B484CC-382E-256E-0847-894A7751BB01}"/>
-                </a:ext>
-              </a:extLst>
-            </p:cNvPr>
-            <p:cNvSpPr/>
-            <p:nvPr/>
-          </p:nvSpPr>
-          <p:spPr>
-            <a:xfrm>
-              <a:off x="2483275" y="3039806"/>
-              <a:ext cx="1460075" cy="289982"/>
-            </a:xfrm>
-            <a:prstGeom prst="rect">
-              <a:avLst/>
-            </a:prstGeom>
-            <a:solidFill>
-              <a:schemeClr val="bg2">
-                <a:lumMod val="90000"/>
-              </a:schemeClr>
-            </a:solidFill>
-            <a:ln w="19050">
-              <a:solidFill>
-                <a:schemeClr val="tx1"/>
-              </a:solidFill>
-              <a:prstDash val="solid"/>
-            </a:ln>
-          </p:spPr>
-          <p:style>
-            <a:lnRef idx="2">
-              <a:schemeClr val="accent1">
-                <a:shade val="15000"/>
-              </a:schemeClr>
-            </a:lnRef>
-            <a:fillRef idx="1">
-              <a:schemeClr val="accent1"/>
-            </a:fillRef>
-            <a:effectRef idx="0">
-              <a:schemeClr val="accent1"/>
-            </a:effectRef>
-            <a:fontRef idx="minor">
-              <a:schemeClr val="lt1"/>
-            </a:fontRef>
-          </p:style>
-          <p:txBody>
-            <a:bodyPr rtlCol="0" anchor="ctr"/>
-            <a:lstStyle/>
-            <a:p>
-              <a:pPr algn="ctr"/>
-              <a:endParaRPr lang="de-DE"/>
-            </a:p>
-          </p:txBody>
-        </p:sp>
-        <p:sp>
-          <p:nvSpPr>
-            <p:cNvPr id="47" name="Rechteck 46">
-              <a:extLst>
-                <a:ext uri="{FF2B5EF4-FFF2-40B4-BE49-F238E27FC236}">
-                  <a16:creationId xmlns:a16="http://schemas.microsoft.com/office/drawing/2014/main" id="{35546CF8-41DE-EFE7-F4B8-398A18AEA26C}"/>
-                </a:ext>
-              </a:extLst>
-            </p:cNvPr>
-            <p:cNvSpPr/>
-            <p:nvPr/>
-          </p:nvSpPr>
-          <p:spPr>
-            <a:xfrm>
-              <a:off x="2483275" y="3039806"/>
-              <a:ext cx="1460075" cy="96661"/>
-            </a:xfrm>
-            <a:prstGeom prst="rect">
-              <a:avLst/>
-            </a:prstGeom>
-            <a:noFill/>
-            <a:ln>
-              <a:solidFill>
-                <a:schemeClr val="tx1"/>
-              </a:solidFill>
-              <a:prstDash val="lgDash"/>
-            </a:ln>
-          </p:spPr>
-          <p:style>
-            <a:lnRef idx="2">
-              <a:schemeClr val="accent1">
-                <a:shade val="15000"/>
-              </a:schemeClr>
-            </a:lnRef>
-            <a:fillRef idx="1">
-              <a:schemeClr val="accent1"/>
-            </a:fillRef>
-            <a:effectRef idx="0">
-              <a:schemeClr val="accent1"/>
-            </a:effectRef>
-            <a:fontRef idx="minor">
-              <a:schemeClr val="lt1"/>
-            </a:fontRef>
-          </p:style>
-          <p:txBody>
-            <a:bodyPr rtlCol="0" anchor="ctr"/>
-            <a:lstStyle/>
-            <a:p>
-              <a:pPr algn="ctr"/>
-              <a:endParaRPr lang="de-DE"/>
-            </a:p>
-          </p:txBody>
-        </p:sp>
-        <p:sp>
-          <p:nvSpPr>
-            <p:cNvPr id="48" name="Rechteck 47">
-              <a:extLst>
-                <a:ext uri="{FF2B5EF4-FFF2-40B4-BE49-F238E27FC236}">
-                  <a16:creationId xmlns:a16="http://schemas.microsoft.com/office/drawing/2014/main" id="{DD2C4548-25AC-AFA9-DB70-9C538E0B7EC3}"/>
-                </a:ext>
-              </a:extLst>
-            </p:cNvPr>
-            <p:cNvSpPr/>
-            <p:nvPr/>
-          </p:nvSpPr>
-          <p:spPr>
-            <a:xfrm>
-              <a:off x="2483275" y="3136467"/>
-              <a:ext cx="1460075" cy="96661"/>
-            </a:xfrm>
-            <a:prstGeom prst="rect">
-              <a:avLst/>
-            </a:prstGeom>
-            <a:noFill/>
-            <a:ln>
-              <a:noFill/>
-              <a:prstDash val="lgDash"/>
-            </a:ln>
-          </p:spPr>
-          <p:style>
-            <a:lnRef idx="2">
-              <a:schemeClr val="accent1">
-                <a:shade val="15000"/>
-              </a:schemeClr>
-            </a:lnRef>
-            <a:fillRef idx="1">
-              <a:schemeClr val="accent1"/>
-            </a:fillRef>
-            <a:effectRef idx="0">
-              <a:schemeClr val="accent1"/>
-            </a:effectRef>
-            <a:fontRef idx="minor">
-              <a:schemeClr val="lt1"/>
-            </a:fontRef>
-          </p:style>
-          <p:txBody>
-            <a:bodyPr rtlCol="0" anchor="ctr"/>
-            <a:lstStyle/>
-            <a:p>
-              <a:pPr algn="ctr"/>
-              <a:endParaRPr lang="de-DE"/>
-            </a:p>
-          </p:txBody>
-        </p:sp>
-        <p:sp>
-          <p:nvSpPr>
-            <p:cNvPr id="49" name="Rechteck 48">
-              <a:extLst>
-                <a:ext uri="{FF2B5EF4-FFF2-40B4-BE49-F238E27FC236}">
-                  <a16:creationId xmlns:a16="http://schemas.microsoft.com/office/drawing/2014/main" id="{3E1A8520-5281-1101-DF4A-28D65BE672A9}"/>
-                </a:ext>
-              </a:extLst>
-            </p:cNvPr>
-            <p:cNvSpPr/>
-            <p:nvPr/>
-          </p:nvSpPr>
-          <p:spPr>
-            <a:xfrm>
-              <a:off x="2483275" y="3233128"/>
-              <a:ext cx="1460075" cy="96661"/>
-            </a:xfrm>
-            <a:prstGeom prst="rect">
-              <a:avLst/>
-            </a:prstGeom>
-            <a:noFill/>
-            <a:ln>
-              <a:solidFill>
-                <a:schemeClr val="tx1"/>
-              </a:solidFill>
-              <a:prstDash val="lgDash"/>
-            </a:ln>
-          </p:spPr>
-          <p:style>
-            <a:lnRef idx="2">
-              <a:schemeClr val="accent1">
-                <a:shade val="15000"/>
-              </a:schemeClr>
-            </a:lnRef>
-            <a:fillRef idx="1">
-              <a:schemeClr val="accent1"/>
-            </a:fillRef>
-            <a:effectRef idx="0">
-              <a:schemeClr val="accent1"/>
-            </a:effectRef>
-            <a:fontRef idx="minor">
-              <a:schemeClr val="lt1"/>
-            </a:fontRef>
-          </p:style>
-          <p:txBody>
-            <a:bodyPr rtlCol="0" anchor="ctr"/>
-            <a:lstStyle/>
-            <a:p>
-              <a:pPr algn="ctr"/>
-              <a:endParaRPr lang="de-DE"/>
-            </a:p>
-          </p:txBody>
-        </p:sp>
-        <p:sp>
-          <p:nvSpPr>
-            <p:cNvPr id="50" name="Ellipse 49">
-              <a:extLst>
-                <a:ext uri="{FF2B5EF4-FFF2-40B4-BE49-F238E27FC236}">
-                  <a16:creationId xmlns:a16="http://schemas.microsoft.com/office/drawing/2014/main" id="{735993D8-32C8-0E10-2E01-42D525A6192B}"/>
-                </a:ext>
-              </a:extLst>
-            </p:cNvPr>
-            <p:cNvSpPr/>
-            <p:nvPr/>
-          </p:nvSpPr>
-          <p:spPr>
-            <a:xfrm>
-              <a:off x="3920490" y="3065276"/>
-              <a:ext cx="45719" cy="45719"/>
-            </a:xfrm>
-            <a:prstGeom prst="ellipse">
-              <a:avLst/>
-            </a:prstGeom>
-            <a:solidFill>
-              <a:schemeClr val="accent2"/>
-            </a:solidFill>
-          </p:spPr>
-          <p:style>
-            <a:lnRef idx="2">
-              <a:schemeClr val="accent1">
-                <a:shade val="15000"/>
-              </a:schemeClr>
-            </a:lnRef>
-            <a:fillRef idx="1">
-              <a:schemeClr val="accent1"/>
-            </a:fillRef>
-            <a:effectRef idx="0">
-              <a:schemeClr val="accent1"/>
-            </a:effectRef>
-            <a:fontRef idx="minor">
-              <a:schemeClr val="lt1"/>
-            </a:fontRef>
-          </p:style>
-          <p:txBody>
-            <a:bodyPr rtlCol="0" anchor="ctr"/>
-            <a:lstStyle/>
-            <a:p>
-              <a:pPr algn="ctr"/>
-              <a:endParaRPr lang="de-DE"/>
-            </a:p>
-          </p:txBody>
-        </p:sp>
-        <p:sp>
-          <p:nvSpPr>
-            <p:cNvPr id="51" name="Ellipse 50">
-              <a:extLst>
-                <a:ext uri="{FF2B5EF4-FFF2-40B4-BE49-F238E27FC236}">
-                  <a16:creationId xmlns:a16="http://schemas.microsoft.com/office/drawing/2014/main" id="{BFA9CED7-D841-3E70-15ED-BD7570B69AF6}"/>
-                </a:ext>
-              </a:extLst>
-            </p:cNvPr>
-            <p:cNvSpPr/>
-            <p:nvPr/>
-          </p:nvSpPr>
-          <p:spPr>
-            <a:xfrm>
-              <a:off x="3920490" y="3161937"/>
-              <a:ext cx="45719" cy="45719"/>
-            </a:xfrm>
-            <a:prstGeom prst="ellipse">
-              <a:avLst/>
-            </a:prstGeom>
-            <a:solidFill>
-              <a:schemeClr val="accent2"/>
-            </a:solidFill>
-          </p:spPr>
-          <p:style>
-            <a:lnRef idx="2">
-              <a:schemeClr val="accent1">
-                <a:shade val="15000"/>
-              </a:schemeClr>
-            </a:lnRef>
-            <a:fillRef idx="1">
-              <a:schemeClr val="accent1"/>
-            </a:fillRef>
-            <a:effectRef idx="0">
-              <a:schemeClr val="accent1"/>
-            </a:effectRef>
-            <a:fontRef idx="minor">
-              <a:schemeClr val="lt1"/>
-            </a:fontRef>
-          </p:style>
-          <p:txBody>
-            <a:bodyPr rtlCol="0" anchor="ctr"/>
-            <a:lstStyle/>
-            <a:p>
-              <a:pPr algn="ctr"/>
-              <a:endParaRPr lang="de-DE"/>
-            </a:p>
-          </p:txBody>
-        </p:sp>
-        <p:sp>
-          <p:nvSpPr>
-            <p:cNvPr id="52" name="Ellipse 51">
-              <a:extLst>
-                <a:ext uri="{FF2B5EF4-FFF2-40B4-BE49-F238E27FC236}">
-                  <a16:creationId xmlns:a16="http://schemas.microsoft.com/office/drawing/2014/main" id="{66BC49C7-573C-9C97-4A81-037AA9D293E3}"/>
-                </a:ext>
-              </a:extLst>
-            </p:cNvPr>
-            <p:cNvSpPr/>
-            <p:nvPr/>
-          </p:nvSpPr>
-          <p:spPr>
-            <a:xfrm>
-              <a:off x="3920490" y="3258598"/>
-              <a:ext cx="45719" cy="45719"/>
-            </a:xfrm>
-            <a:prstGeom prst="ellipse">
-              <a:avLst/>
-            </a:prstGeom>
-            <a:solidFill>
-              <a:schemeClr val="accent2"/>
-            </a:solidFill>
-          </p:spPr>
-          <p:style>
-            <a:lnRef idx="2">
-              <a:schemeClr val="accent1">
-                <a:shade val="15000"/>
-              </a:schemeClr>
-            </a:lnRef>
-            <a:fillRef idx="1">
-              <a:schemeClr val="accent1"/>
-            </a:fillRef>
-            <a:effectRef idx="0">
-              <a:schemeClr val="accent1"/>
-            </a:effectRef>
-            <a:fontRef idx="minor">
-              <a:schemeClr val="lt1"/>
-            </a:fontRef>
-          </p:style>
-          <p:txBody>
-            <a:bodyPr rtlCol="0" anchor="ctr"/>
-            <a:lstStyle/>
-            <a:p>
-              <a:pPr algn="ctr"/>
-              <a:endParaRPr lang="de-DE"/>
-            </a:p>
-          </p:txBody>
-        </p:sp>
-        <p:sp>
-          <p:nvSpPr>
-            <p:cNvPr id="53" name="Ellipse 52">
-              <a:extLst>
-                <a:ext uri="{FF2B5EF4-FFF2-40B4-BE49-F238E27FC236}">
-                  <a16:creationId xmlns:a16="http://schemas.microsoft.com/office/drawing/2014/main" id="{410FE06A-3FBE-5E79-037F-5C70AD3FBF68}"/>
-                </a:ext>
-              </a:extLst>
-            </p:cNvPr>
-            <p:cNvSpPr/>
-            <p:nvPr/>
-          </p:nvSpPr>
-          <p:spPr>
-            <a:xfrm>
-              <a:off x="2460415" y="3065276"/>
-              <a:ext cx="45719" cy="45719"/>
-            </a:xfrm>
-            <a:prstGeom prst="ellipse">
-              <a:avLst/>
-            </a:prstGeom>
-          </p:spPr>
-          <p:style>
-            <a:lnRef idx="2">
-              <a:schemeClr val="accent1">
-                <a:shade val="15000"/>
-              </a:schemeClr>
-            </a:lnRef>
-            <a:fillRef idx="1">
-              <a:schemeClr val="accent1"/>
-            </a:fillRef>
-            <a:effectRef idx="0">
-              <a:schemeClr val="accent1"/>
-            </a:effectRef>
-            <a:fontRef idx="minor">
-              <a:schemeClr val="lt1"/>
-            </a:fontRef>
-          </p:style>
-          <p:txBody>
-            <a:bodyPr rtlCol="0" anchor="ctr"/>
-            <a:lstStyle/>
-            <a:p>
-              <a:pPr algn="ctr"/>
-              <a:endParaRPr lang="de-DE"/>
-            </a:p>
-          </p:txBody>
-        </p:sp>
-        <p:sp>
-          <p:nvSpPr>
-            <p:cNvPr id="54" name="Ellipse 53">
-              <a:extLst>
-                <a:ext uri="{FF2B5EF4-FFF2-40B4-BE49-F238E27FC236}">
-                  <a16:creationId xmlns:a16="http://schemas.microsoft.com/office/drawing/2014/main" id="{DA6A1ABC-62F9-518E-50DF-93891AC59FF7}"/>
-                </a:ext>
-              </a:extLst>
-            </p:cNvPr>
-            <p:cNvSpPr/>
-            <p:nvPr/>
-          </p:nvSpPr>
-          <p:spPr>
-            <a:xfrm>
-              <a:off x="2460415" y="3163719"/>
-              <a:ext cx="45719" cy="45719"/>
-            </a:xfrm>
-            <a:prstGeom prst="ellipse">
-              <a:avLst/>
-            </a:prstGeom>
-          </p:spPr>
-          <p:style>
-            <a:lnRef idx="2">
-              <a:schemeClr val="accent1">
-                <a:shade val="15000"/>
-              </a:schemeClr>
-            </a:lnRef>
-            <a:fillRef idx="1">
-              <a:schemeClr val="accent1"/>
-            </a:fillRef>
-            <a:effectRef idx="0">
-              <a:schemeClr val="accent1"/>
-            </a:effectRef>
-            <a:fontRef idx="minor">
-              <a:schemeClr val="lt1"/>
-            </a:fontRef>
-          </p:style>
-          <p:txBody>
-            <a:bodyPr rtlCol="0" anchor="ctr"/>
-            <a:lstStyle/>
-            <a:p>
-              <a:pPr algn="ctr"/>
-              <a:endParaRPr lang="de-DE"/>
-            </a:p>
-          </p:txBody>
-        </p:sp>
-        <p:sp>
-          <p:nvSpPr>
-            <p:cNvPr id="55" name="Ellipse 54">
-              <a:extLst>
-                <a:ext uri="{FF2B5EF4-FFF2-40B4-BE49-F238E27FC236}">
-                  <a16:creationId xmlns:a16="http://schemas.microsoft.com/office/drawing/2014/main" id="{63CDBB69-38DF-F900-AB06-924573089C55}"/>
-                </a:ext>
-              </a:extLst>
-            </p:cNvPr>
-            <p:cNvSpPr/>
-            <p:nvPr/>
-          </p:nvSpPr>
-          <p:spPr>
-            <a:xfrm>
-              <a:off x="2460415" y="3253817"/>
-              <a:ext cx="45719" cy="45719"/>
-            </a:xfrm>
-            <a:prstGeom prst="ellipse">
-              <a:avLst/>
-            </a:prstGeom>
-          </p:spPr>
-          <p:style>
-            <a:lnRef idx="2">
-              <a:schemeClr val="accent1">
-                <a:shade val="15000"/>
-              </a:schemeClr>
-            </a:lnRef>
-            <a:fillRef idx="1">
-              <a:schemeClr val="accent1"/>
-            </a:fillRef>
-            <a:effectRef idx="0">
-              <a:schemeClr val="accent1"/>
-            </a:effectRef>
-            <a:fontRef idx="minor">
-              <a:schemeClr val="lt1"/>
-            </a:fontRef>
-          </p:style>
-          <p:txBody>
-            <a:bodyPr rtlCol="0" anchor="ctr"/>
-            <a:lstStyle/>
-            <a:p>
-              <a:pPr algn="ctr"/>
-              <a:endParaRPr lang="de-DE"/>
-            </a:p>
-          </p:txBody>
-        </p:sp>
-      </p:grpSp>
-      <p:grpSp>
-        <p:nvGrpSpPr>
-          <p:cNvPr id="69" name="Gruppieren 68">
-            <a:extLst>
-              <a:ext uri="{FF2B5EF4-FFF2-40B4-BE49-F238E27FC236}">
-                <a16:creationId xmlns:a16="http://schemas.microsoft.com/office/drawing/2014/main" id="{B190F45F-6162-88C9-D623-860F494524A4}"/>
-              </a:ext>
-            </a:extLst>
-          </p:cNvPr>
-          <p:cNvGrpSpPr/>
-          <p:nvPr/>
-        </p:nvGrpSpPr>
-        <p:grpSpPr>
-          <a:xfrm rot="2012133">
-            <a:off x="4836506" y="1711692"/>
-            <a:ext cx="2536136" cy="488406"/>
-            <a:chOff x="2460415" y="3039806"/>
-            <a:chExt cx="1505794" cy="289983"/>
-          </a:xfrm>
-        </p:grpSpPr>
-        <p:sp>
-          <p:nvSpPr>
-            <p:cNvPr id="70" name="Rechteck 69">
-              <a:extLst>
-                <a:ext uri="{FF2B5EF4-FFF2-40B4-BE49-F238E27FC236}">
-                  <a16:creationId xmlns:a16="http://schemas.microsoft.com/office/drawing/2014/main" id="{51D4C5B5-7620-6CBD-2B17-639B1E972663}"/>
-                </a:ext>
-              </a:extLst>
-            </p:cNvPr>
-            <p:cNvSpPr/>
-            <p:nvPr/>
-          </p:nvSpPr>
-          <p:spPr>
-            <a:xfrm>
-              <a:off x="2483275" y="3039806"/>
-              <a:ext cx="1460075" cy="289982"/>
-            </a:xfrm>
-            <a:prstGeom prst="rect">
-              <a:avLst/>
-            </a:prstGeom>
-            <a:solidFill>
-              <a:schemeClr val="bg2">
-                <a:lumMod val="90000"/>
-              </a:schemeClr>
-            </a:solidFill>
-            <a:ln w="19050">
-              <a:solidFill>
-                <a:schemeClr val="tx1"/>
-              </a:solidFill>
-              <a:prstDash val="solid"/>
-            </a:ln>
-          </p:spPr>
-          <p:style>
-            <a:lnRef idx="2">
-              <a:schemeClr val="accent1">
-                <a:shade val="15000"/>
-              </a:schemeClr>
-            </a:lnRef>
-            <a:fillRef idx="1">
-              <a:schemeClr val="accent1"/>
-            </a:fillRef>
-            <a:effectRef idx="0">
-              <a:schemeClr val="accent1"/>
-            </a:effectRef>
-            <a:fontRef idx="minor">
-              <a:schemeClr val="lt1"/>
-            </a:fontRef>
-          </p:style>
-          <p:txBody>
-            <a:bodyPr rtlCol="0" anchor="ctr"/>
-            <a:lstStyle/>
-            <a:p>
-              <a:pPr algn="ctr"/>
-              <a:endParaRPr lang="de-DE"/>
-            </a:p>
-          </p:txBody>
-        </p:sp>
-        <p:sp>
-          <p:nvSpPr>
-            <p:cNvPr id="71" name="Rechteck 70">
-              <a:extLst>
-                <a:ext uri="{FF2B5EF4-FFF2-40B4-BE49-F238E27FC236}">
-                  <a16:creationId xmlns:a16="http://schemas.microsoft.com/office/drawing/2014/main" id="{5509AF7F-81D8-AFB4-EC65-FC6002AB333F}"/>
-                </a:ext>
-              </a:extLst>
-            </p:cNvPr>
-            <p:cNvSpPr/>
-            <p:nvPr/>
-          </p:nvSpPr>
-          <p:spPr>
-            <a:xfrm>
-              <a:off x="2483275" y="3039806"/>
-              <a:ext cx="1460075" cy="96661"/>
-            </a:xfrm>
-            <a:prstGeom prst="rect">
-              <a:avLst/>
-            </a:prstGeom>
-            <a:noFill/>
-            <a:ln>
-              <a:solidFill>
-                <a:schemeClr val="tx1"/>
-              </a:solidFill>
-              <a:prstDash val="lgDash"/>
-            </a:ln>
-          </p:spPr>
-          <p:style>
-            <a:lnRef idx="2">
-              <a:schemeClr val="accent1">
-                <a:shade val="15000"/>
-              </a:schemeClr>
-            </a:lnRef>
-            <a:fillRef idx="1">
-              <a:schemeClr val="accent1"/>
-            </a:fillRef>
-            <a:effectRef idx="0">
-              <a:schemeClr val="accent1"/>
-            </a:effectRef>
-            <a:fontRef idx="minor">
-              <a:schemeClr val="lt1"/>
-            </a:fontRef>
-          </p:style>
-          <p:txBody>
-            <a:bodyPr rtlCol="0" anchor="ctr"/>
-            <a:lstStyle/>
-            <a:p>
-              <a:pPr algn="ctr"/>
-              <a:endParaRPr lang="de-DE"/>
-            </a:p>
-          </p:txBody>
-        </p:sp>
-        <p:sp>
-          <p:nvSpPr>
-            <p:cNvPr id="72" name="Rechteck 71">
-              <a:extLst>
-                <a:ext uri="{FF2B5EF4-FFF2-40B4-BE49-F238E27FC236}">
-                  <a16:creationId xmlns:a16="http://schemas.microsoft.com/office/drawing/2014/main" id="{B8527E63-020F-2E4F-4CF2-706D7A8E0000}"/>
-                </a:ext>
-              </a:extLst>
-            </p:cNvPr>
-            <p:cNvSpPr/>
-            <p:nvPr/>
-          </p:nvSpPr>
-          <p:spPr>
-            <a:xfrm>
-              <a:off x="2483275" y="3136467"/>
-              <a:ext cx="1460075" cy="96661"/>
-            </a:xfrm>
-            <a:prstGeom prst="rect">
-              <a:avLst/>
-            </a:prstGeom>
-            <a:noFill/>
-            <a:ln>
-              <a:noFill/>
-              <a:prstDash val="lgDash"/>
-            </a:ln>
-          </p:spPr>
-          <p:style>
-            <a:lnRef idx="2">
-              <a:schemeClr val="accent1">
-                <a:shade val="15000"/>
-              </a:schemeClr>
-            </a:lnRef>
-            <a:fillRef idx="1">
-              <a:schemeClr val="accent1"/>
-            </a:fillRef>
-            <a:effectRef idx="0">
-              <a:schemeClr val="accent1"/>
-            </a:effectRef>
-            <a:fontRef idx="minor">
-              <a:schemeClr val="lt1"/>
-            </a:fontRef>
-          </p:style>
-          <p:txBody>
-            <a:bodyPr rtlCol="0" anchor="ctr"/>
-            <a:lstStyle/>
-            <a:p>
-              <a:pPr algn="ctr"/>
-              <a:endParaRPr lang="de-DE"/>
-            </a:p>
-          </p:txBody>
-        </p:sp>
-        <p:sp>
-          <p:nvSpPr>
-            <p:cNvPr id="73" name="Rechteck 72">
-              <a:extLst>
-                <a:ext uri="{FF2B5EF4-FFF2-40B4-BE49-F238E27FC236}">
-                  <a16:creationId xmlns:a16="http://schemas.microsoft.com/office/drawing/2014/main" id="{1C2A471E-751D-D1A3-B59A-66C30F87F917}"/>
-                </a:ext>
-              </a:extLst>
-            </p:cNvPr>
-            <p:cNvSpPr/>
-            <p:nvPr/>
-          </p:nvSpPr>
-          <p:spPr>
-            <a:xfrm>
-              <a:off x="2483275" y="3233128"/>
-              <a:ext cx="1460075" cy="96661"/>
-            </a:xfrm>
-            <a:prstGeom prst="rect">
-              <a:avLst/>
-            </a:prstGeom>
-            <a:noFill/>
-            <a:ln>
-              <a:solidFill>
-                <a:schemeClr val="tx1"/>
-              </a:solidFill>
-              <a:prstDash val="lgDash"/>
-            </a:ln>
-          </p:spPr>
-          <p:style>
-            <a:lnRef idx="2">
-              <a:schemeClr val="accent1">
-                <a:shade val="15000"/>
-              </a:schemeClr>
-            </a:lnRef>
-            <a:fillRef idx="1">
-              <a:schemeClr val="accent1"/>
-            </a:fillRef>
-            <a:effectRef idx="0">
-              <a:schemeClr val="accent1"/>
-            </a:effectRef>
-            <a:fontRef idx="minor">
-              <a:schemeClr val="lt1"/>
-            </a:fontRef>
-          </p:style>
-          <p:txBody>
-            <a:bodyPr rtlCol="0" anchor="ctr"/>
-            <a:lstStyle/>
-            <a:p>
-              <a:pPr algn="ctr"/>
-              <a:endParaRPr lang="de-DE"/>
-            </a:p>
-          </p:txBody>
-        </p:sp>
-        <p:sp>
-          <p:nvSpPr>
-            <p:cNvPr id="74" name="Ellipse 73">
-              <a:extLst>
-                <a:ext uri="{FF2B5EF4-FFF2-40B4-BE49-F238E27FC236}">
-                  <a16:creationId xmlns:a16="http://schemas.microsoft.com/office/drawing/2014/main" id="{91E6F974-CCDB-AB1D-44BA-68545FACF8AF}"/>
-                </a:ext>
-              </a:extLst>
-            </p:cNvPr>
-            <p:cNvSpPr/>
-            <p:nvPr/>
-          </p:nvSpPr>
-          <p:spPr>
-            <a:xfrm>
-              <a:off x="3920490" y="3065276"/>
-              <a:ext cx="45719" cy="45719"/>
-            </a:xfrm>
-            <a:prstGeom prst="ellipse">
-              <a:avLst/>
-            </a:prstGeom>
-            <a:solidFill>
-              <a:schemeClr val="accent2"/>
-            </a:solidFill>
-          </p:spPr>
-          <p:style>
-            <a:lnRef idx="2">
-              <a:schemeClr val="accent1">
-                <a:shade val="15000"/>
-              </a:schemeClr>
-            </a:lnRef>
-            <a:fillRef idx="1">
-              <a:schemeClr val="accent1"/>
-            </a:fillRef>
-            <a:effectRef idx="0">
-              <a:schemeClr val="accent1"/>
-            </a:effectRef>
-            <a:fontRef idx="minor">
-              <a:schemeClr val="lt1"/>
-            </a:fontRef>
-          </p:style>
-          <p:txBody>
-            <a:bodyPr rtlCol="0" anchor="ctr"/>
-            <a:lstStyle/>
-            <a:p>
-              <a:pPr algn="ctr"/>
-              <a:endParaRPr lang="de-DE"/>
-            </a:p>
-          </p:txBody>
-        </p:sp>
-        <p:sp>
-          <p:nvSpPr>
-            <p:cNvPr id="75" name="Ellipse 74">
-              <a:extLst>
-                <a:ext uri="{FF2B5EF4-FFF2-40B4-BE49-F238E27FC236}">
-                  <a16:creationId xmlns:a16="http://schemas.microsoft.com/office/drawing/2014/main" id="{86E4329B-4774-7965-AF7F-F797DEDEAC00}"/>
-                </a:ext>
-              </a:extLst>
-            </p:cNvPr>
-            <p:cNvSpPr/>
-            <p:nvPr/>
-          </p:nvSpPr>
-          <p:spPr>
-            <a:xfrm>
-              <a:off x="3920490" y="3161937"/>
-              <a:ext cx="45719" cy="45719"/>
-            </a:xfrm>
-            <a:prstGeom prst="ellipse">
-              <a:avLst/>
-            </a:prstGeom>
-            <a:solidFill>
-              <a:schemeClr val="accent2"/>
-            </a:solidFill>
-          </p:spPr>
-          <p:style>
-            <a:lnRef idx="2">
-              <a:schemeClr val="accent1">
-                <a:shade val="15000"/>
-              </a:schemeClr>
-            </a:lnRef>
-            <a:fillRef idx="1">
-              <a:schemeClr val="accent1"/>
-            </a:fillRef>
-            <a:effectRef idx="0">
-              <a:schemeClr val="accent1"/>
-            </a:effectRef>
-            <a:fontRef idx="minor">
-              <a:schemeClr val="lt1"/>
-            </a:fontRef>
-          </p:style>
-          <p:txBody>
-            <a:bodyPr rtlCol="0" anchor="ctr"/>
-            <a:lstStyle/>
-            <a:p>
-              <a:pPr algn="ctr"/>
-              <a:endParaRPr lang="de-DE"/>
-            </a:p>
-          </p:txBody>
-        </p:sp>
-        <p:sp>
-          <p:nvSpPr>
-            <p:cNvPr id="76" name="Ellipse 75">
-              <a:extLst>
-                <a:ext uri="{FF2B5EF4-FFF2-40B4-BE49-F238E27FC236}">
-                  <a16:creationId xmlns:a16="http://schemas.microsoft.com/office/drawing/2014/main" id="{D956E10C-1201-BAB7-AC62-6981AB4A5D46}"/>
-                </a:ext>
-              </a:extLst>
-            </p:cNvPr>
-            <p:cNvSpPr/>
-            <p:nvPr/>
-          </p:nvSpPr>
-          <p:spPr>
-            <a:xfrm>
-              <a:off x="3920490" y="3258598"/>
-              <a:ext cx="45719" cy="45719"/>
-            </a:xfrm>
-            <a:prstGeom prst="ellipse">
-              <a:avLst/>
-            </a:prstGeom>
-            <a:solidFill>
-              <a:schemeClr val="accent2"/>
-            </a:solidFill>
-          </p:spPr>
-          <p:style>
-            <a:lnRef idx="2">
-              <a:schemeClr val="accent1">
-                <a:shade val="15000"/>
-              </a:schemeClr>
-            </a:lnRef>
-            <a:fillRef idx="1">
-              <a:schemeClr val="accent1"/>
-            </a:fillRef>
-            <a:effectRef idx="0">
-              <a:schemeClr val="accent1"/>
-            </a:effectRef>
-            <a:fontRef idx="minor">
-              <a:schemeClr val="lt1"/>
-            </a:fontRef>
-          </p:style>
-          <p:txBody>
-            <a:bodyPr rtlCol="0" anchor="ctr"/>
-            <a:lstStyle/>
-            <a:p>
-              <a:pPr algn="ctr"/>
-              <a:endParaRPr lang="de-DE"/>
-            </a:p>
-          </p:txBody>
-        </p:sp>
-        <p:sp>
-          <p:nvSpPr>
-            <p:cNvPr id="77" name="Ellipse 76">
-              <a:extLst>
-                <a:ext uri="{FF2B5EF4-FFF2-40B4-BE49-F238E27FC236}">
-                  <a16:creationId xmlns:a16="http://schemas.microsoft.com/office/drawing/2014/main" id="{AB599FE5-DD87-79AF-6B51-1E9270BCBF1A}"/>
-                </a:ext>
-              </a:extLst>
-            </p:cNvPr>
-            <p:cNvSpPr/>
-            <p:nvPr/>
-          </p:nvSpPr>
-          <p:spPr>
-            <a:xfrm>
-              <a:off x="2460415" y="3065276"/>
-              <a:ext cx="45719" cy="45719"/>
-            </a:xfrm>
-            <a:prstGeom prst="ellipse">
-              <a:avLst/>
-            </a:prstGeom>
-          </p:spPr>
-          <p:style>
-            <a:lnRef idx="2">
-              <a:schemeClr val="accent1">
-                <a:shade val="15000"/>
-              </a:schemeClr>
-            </a:lnRef>
-            <a:fillRef idx="1">
-              <a:schemeClr val="accent1"/>
-            </a:fillRef>
-            <a:effectRef idx="0">
-              <a:schemeClr val="accent1"/>
-            </a:effectRef>
-            <a:fontRef idx="minor">
-              <a:schemeClr val="lt1"/>
-            </a:fontRef>
-          </p:style>
-          <p:txBody>
-            <a:bodyPr rtlCol="0" anchor="ctr"/>
-            <a:lstStyle/>
-            <a:p>
-              <a:pPr algn="ctr"/>
-              <a:endParaRPr lang="de-DE"/>
-            </a:p>
-          </p:txBody>
-        </p:sp>
-        <p:sp>
-          <p:nvSpPr>
-            <p:cNvPr id="78" name="Ellipse 77">
-              <a:extLst>
-                <a:ext uri="{FF2B5EF4-FFF2-40B4-BE49-F238E27FC236}">
-                  <a16:creationId xmlns:a16="http://schemas.microsoft.com/office/drawing/2014/main" id="{51A18B46-444D-3F17-32DA-9E5F6489B67D}"/>
-                </a:ext>
-              </a:extLst>
-            </p:cNvPr>
-            <p:cNvSpPr/>
-            <p:nvPr/>
-          </p:nvSpPr>
-          <p:spPr>
-            <a:xfrm>
-              <a:off x="2460415" y="3163719"/>
-              <a:ext cx="45719" cy="45719"/>
-            </a:xfrm>
-            <a:prstGeom prst="ellipse">
-              <a:avLst/>
-            </a:prstGeom>
-          </p:spPr>
-          <p:style>
-            <a:lnRef idx="2">
-              <a:schemeClr val="accent1">
-                <a:shade val="15000"/>
-              </a:schemeClr>
-            </a:lnRef>
-            <a:fillRef idx="1">
-              <a:schemeClr val="accent1"/>
-            </a:fillRef>
-            <a:effectRef idx="0">
-              <a:schemeClr val="accent1"/>
-            </a:effectRef>
-            <a:fontRef idx="minor">
-              <a:schemeClr val="lt1"/>
-            </a:fontRef>
-          </p:style>
-          <p:txBody>
-            <a:bodyPr rtlCol="0" anchor="ctr"/>
-            <a:lstStyle/>
-            <a:p>
-              <a:pPr algn="ctr"/>
-              <a:endParaRPr lang="de-DE"/>
-            </a:p>
-          </p:txBody>
-        </p:sp>
-        <p:sp>
-          <p:nvSpPr>
-            <p:cNvPr id="79" name="Ellipse 78">
-              <a:extLst>
-                <a:ext uri="{FF2B5EF4-FFF2-40B4-BE49-F238E27FC236}">
-                  <a16:creationId xmlns:a16="http://schemas.microsoft.com/office/drawing/2014/main" id="{202DE661-4CF7-1A20-4FDD-21E8D57E1A6D}"/>
-                </a:ext>
-              </a:extLst>
-            </p:cNvPr>
-            <p:cNvSpPr/>
-            <p:nvPr/>
-          </p:nvSpPr>
-          <p:spPr>
-            <a:xfrm>
-              <a:off x="2460415" y="3253817"/>
-              <a:ext cx="45719" cy="45719"/>
-            </a:xfrm>
-            <a:prstGeom prst="ellipse">
-              <a:avLst/>
-            </a:prstGeom>
-          </p:spPr>
-          <p:style>
-            <a:lnRef idx="2">
-              <a:schemeClr val="accent1">
-                <a:shade val="15000"/>
-              </a:schemeClr>
-            </a:lnRef>
-            <a:fillRef idx="1">
-              <a:schemeClr val="accent1"/>
-            </a:fillRef>
-            <a:effectRef idx="0">
-              <a:schemeClr val="accent1"/>
-            </a:effectRef>
-            <a:fontRef idx="minor">
-              <a:schemeClr val="lt1"/>
-            </a:fontRef>
-          </p:style>
-          <p:txBody>
-            <a:bodyPr rtlCol="0" anchor="ctr"/>
-            <a:lstStyle/>
-            <a:p>
-              <a:pPr algn="ctr"/>
-              <a:endParaRPr lang="de-DE"/>
-            </a:p>
-          </p:txBody>
-        </p:sp>
-      </p:grpSp>
-      <p:grpSp>
-        <p:nvGrpSpPr>
-          <p:cNvPr id="133" name="Gruppieren 132">
-            <a:extLst>
-              <a:ext uri="{FF2B5EF4-FFF2-40B4-BE49-F238E27FC236}">
-                <a16:creationId xmlns:a16="http://schemas.microsoft.com/office/drawing/2014/main" id="{59E6539F-F222-CBCB-2D17-3B57E29C1A87}"/>
-              </a:ext>
-            </a:extLst>
-          </p:cNvPr>
-          <p:cNvGrpSpPr/>
-          <p:nvPr/>
-        </p:nvGrpSpPr>
-        <p:grpSpPr>
-          <a:xfrm rot="20401085">
-            <a:off x="7842736" y="1618777"/>
-            <a:ext cx="2536136" cy="1136166"/>
-            <a:chOff x="8073719" y="2193940"/>
-            <a:chExt cx="2536136" cy="1136166"/>
-          </a:xfrm>
-        </p:grpSpPr>
-        <p:grpSp>
-          <p:nvGrpSpPr>
-            <p:cNvPr id="80" name="Gruppieren 79">
-              <a:extLst>
-                <a:ext uri="{FF2B5EF4-FFF2-40B4-BE49-F238E27FC236}">
-                  <a16:creationId xmlns:a16="http://schemas.microsoft.com/office/drawing/2014/main" id="{FBE926FC-BBED-79E8-B1BF-0870EAA6D44B}"/>
-                </a:ext>
-              </a:extLst>
-            </p:cNvPr>
-            <p:cNvGrpSpPr/>
-            <p:nvPr/>
-          </p:nvGrpSpPr>
-          <p:grpSpPr>
-            <a:xfrm>
-              <a:off x="8073719" y="2193940"/>
-              <a:ext cx="2536136" cy="488406"/>
-              <a:chOff x="2460415" y="3039806"/>
-              <a:chExt cx="1505794" cy="289983"/>
-            </a:xfrm>
-          </p:grpSpPr>
-          <p:sp>
-            <p:nvSpPr>
-              <p:cNvPr id="81" name="Rechteck 80">
-                <a:extLst>
-                  <a:ext uri="{FF2B5EF4-FFF2-40B4-BE49-F238E27FC236}">
-                    <a16:creationId xmlns:a16="http://schemas.microsoft.com/office/drawing/2014/main" id="{CCD4DA36-128E-2993-111C-252F88895EF1}"/>
-                  </a:ext>
-                </a:extLst>
-              </p:cNvPr>
-              <p:cNvSpPr/>
-              <p:nvPr/>
-            </p:nvSpPr>
-            <p:spPr>
-              <a:xfrm>
-                <a:off x="2483275" y="3039806"/>
-                <a:ext cx="1460075" cy="289982"/>
-              </a:xfrm>
-              <a:prstGeom prst="rect">
-                <a:avLst/>
-              </a:prstGeom>
-              <a:solidFill>
-                <a:schemeClr val="bg2">
-                  <a:lumMod val="90000"/>
-                </a:schemeClr>
-              </a:solidFill>
-              <a:ln w="19050">
-                <a:solidFill>
-                  <a:schemeClr val="tx1"/>
-                </a:solidFill>
-                <a:prstDash val="solid"/>
-              </a:ln>
-            </p:spPr>
-            <p:style>
-              <a:lnRef idx="2">
-                <a:schemeClr val="accent1">
-                  <a:shade val="15000"/>
-                </a:schemeClr>
-              </a:lnRef>
-              <a:fillRef idx="1">
-                <a:schemeClr val="accent1"/>
-              </a:fillRef>
-              <a:effectRef idx="0">
-                <a:schemeClr val="accent1"/>
-              </a:effectRef>
-              <a:fontRef idx="minor">
-                <a:schemeClr val="lt1"/>
-              </a:fontRef>
-            </p:style>
-            <p:txBody>
-              <a:bodyPr rtlCol="0" anchor="ctr"/>
-              <a:lstStyle/>
-              <a:p>
-                <a:pPr algn="ctr"/>
-                <a:endParaRPr lang="de-DE"/>
-              </a:p>
-            </p:txBody>
-          </p:sp>
-          <p:sp>
-            <p:nvSpPr>
-              <p:cNvPr id="82" name="Rechteck 81">
-                <a:extLst>
-                  <a:ext uri="{FF2B5EF4-FFF2-40B4-BE49-F238E27FC236}">
-                    <a16:creationId xmlns:a16="http://schemas.microsoft.com/office/drawing/2014/main" id="{15871790-3ED4-0FAB-EC50-B6D6DDF23B81}"/>
-                  </a:ext>
-                </a:extLst>
-              </p:cNvPr>
-              <p:cNvSpPr/>
-              <p:nvPr/>
-            </p:nvSpPr>
-            <p:spPr>
-              <a:xfrm>
-                <a:off x="2483275" y="3039806"/>
-                <a:ext cx="1460075" cy="96661"/>
-              </a:xfrm>
-              <a:prstGeom prst="rect">
-                <a:avLst/>
-              </a:prstGeom>
-              <a:noFill/>
-              <a:ln>
-                <a:solidFill>
-                  <a:schemeClr val="tx1"/>
-                </a:solidFill>
-                <a:prstDash val="lgDash"/>
-              </a:ln>
-            </p:spPr>
-            <p:style>
-              <a:lnRef idx="2">
-                <a:schemeClr val="accent1">
-                  <a:shade val="15000"/>
-                </a:schemeClr>
-              </a:lnRef>
-              <a:fillRef idx="1">
-                <a:schemeClr val="accent1"/>
-              </a:fillRef>
-              <a:effectRef idx="0">
-                <a:schemeClr val="accent1"/>
-              </a:effectRef>
-              <a:fontRef idx="minor">
-                <a:schemeClr val="lt1"/>
-              </a:fontRef>
-            </p:style>
-            <p:txBody>
-              <a:bodyPr rtlCol="0" anchor="ctr"/>
-              <a:lstStyle/>
-              <a:p>
-                <a:pPr algn="ctr"/>
-                <a:endParaRPr lang="de-DE"/>
-              </a:p>
-            </p:txBody>
-          </p:sp>
-          <p:sp>
-            <p:nvSpPr>
-              <p:cNvPr id="83" name="Rechteck 82">
-                <a:extLst>
-                  <a:ext uri="{FF2B5EF4-FFF2-40B4-BE49-F238E27FC236}">
-                    <a16:creationId xmlns:a16="http://schemas.microsoft.com/office/drawing/2014/main" id="{659F21BB-047E-1B1A-A111-A46313301B1F}"/>
-                  </a:ext>
-                </a:extLst>
-              </p:cNvPr>
-              <p:cNvSpPr/>
-              <p:nvPr/>
-            </p:nvSpPr>
-            <p:spPr>
-              <a:xfrm>
-                <a:off x="2483275" y="3136467"/>
-                <a:ext cx="1460075" cy="96661"/>
-              </a:xfrm>
-              <a:prstGeom prst="rect">
-                <a:avLst/>
-              </a:prstGeom>
-              <a:noFill/>
-              <a:ln>
-                <a:noFill/>
-                <a:prstDash val="lgDash"/>
-              </a:ln>
-            </p:spPr>
-            <p:style>
-              <a:lnRef idx="2">
-                <a:schemeClr val="accent1">
-                  <a:shade val="15000"/>
-                </a:schemeClr>
-              </a:lnRef>
-              <a:fillRef idx="1">
-                <a:schemeClr val="accent1"/>
-              </a:fillRef>
-              <a:effectRef idx="0">
-                <a:schemeClr val="accent1"/>
-              </a:effectRef>
-              <a:fontRef idx="minor">
-                <a:schemeClr val="lt1"/>
-              </a:fontRef>
-            </p:style>
-            <p:txBody>
-              <a:bodyPr rtlCol="0" anchor="ctr"/>
-              <a:lstStyle/>
-              <a:p>
-                <a:pPr algn="ctr"/>
-                <a:endParaRPr lang="de-DE"/>
-              </a:p>
-            </p:txBody>
-          </p:sp>
-          <p:sp>
-            <p:nvSpPr>
-              <p:cNvPr id="84" name="Rechteck 83">
-                <a:extLst>
-                  <a:ext uri="{FF2B5EF4-FFF2-40B4-BE49-F238E27FC236}">
-                    <a16:creationId xmlns:a16="http://schemas.microsoft.com/office/drawing/2014/main" id="{8308E9A7-B20E-3D33-9CCA-AD4BF21139B2}"/>
-                  </a:ext>
-                </a:extLst>
-              </p:cNvPr>
-              <p:cNvSpPr/>
-              <p:nvPr/>
-            </p:nvSpPr>
-            <p:spPr>
-              <a:xfrm>
-                <a:off x="2483275" y="3233128"/>
-                <a:ext cx="1460075" cy="96661"/>
-              </a:xfrm>
-              <a:prstGeom prst="rect">
-                <a:avLst/>
-              </a:prstGeom>
-              <a:noFill/>
-              <a:ln>
-                <a:solidFill>
-                  <a:schemeClr val="tx1"/>
-                </a:solidFill>
-                <a:prstDash val="lgDash"/>
-              </a:ln>
-            </p:spPr>
-            <p:style>
-              <a:lnRef idx="2">
-                <a:schemeClr val="accent1">
-                  <a:shade val="15000"/>
-                </a:schemeClr>
-              </a:lnRef>
-              <a:fillRef idx="1">
-                <a:schemeClr val="accent1"/>
-              </a:fillRef>
-              <a:effectRef idx="0">
-                <a:schemeClr val="accent1"/>
-              </a:effectRef>
-              <a:fontRef idx="minor">
-                <a:schemeClr val="lt1"/>
-              </a:fontRef>
-            </p:style>
-            <p:txBody>
-              <a:bodyPr rtlCol="0" anchor="ctr"/>
-              <a:lstStyle/>
-              <a:p>
-                <a:pPr algn="ctr"/>
-                <a:endParaRPr lang="de-DE"/>
-              </a:p>
-            </p:txBody>
-          </p:sp>
-          <p:sp>
-            <p:nvSpPr>
-              <p:cNvPr id="85" name="Ellipse 84">
-                <a:extLst>
-                  <a:ext uri="{FF2B5EF4-FFF2-40B4-BE49-F238E27FC236}">
-                    <a16:creationId xmlns:a16="http://schemas.microsoft.com/office/drawing/2014/main" id="{043DE443-0129-2CAD-34F3-7D36CAEC147D}"/>
-                  </a:ext>
-                </a:extLst>
-              </p:cNvPr>
-              <p:cNvSpPr/>
-              <p:nvPr/>
-            </p:nvSpPr>
-            <p:spPr>
-              <a:xfrm>
-                <a:off x="3920490" y="3065276"/>
-                <a:ext cx="45719" cy="45719"/>
-              </a:xfrm>
-              <a:prstGeom prst="ellipse">
-                <a:avLst/>
-              </a:prstGeom>
-              <a:solidFill>
-                <a:schemeClr val="accent2"/>
-              </a:solidFill>
-            </p:spPr>
-            <p:style>
-              <a:lnRef idx="2">
-                <a:schemeClr val="accent1">
-                  <a:shade val="15000"/>
-                </a:schemeClr>
-              </a:lnRef>
-              <a:fillRef idx="1">
-                <a:schemeClr val="accent1"/>
-              </a:fillRef>
-              <a:effectRef idx="0">
-                <a:schemeClr val="accent1"/>
-              </a:effectRef>
-              <a:fontRef idx="minor">
-                <a:schemeClr val="lt1"/>
-              </a:fontRef>
-            </p:style>
-            <p:txBody>
-              <a:bodyPr rtlCol="0" anchor="ctr"/>
-              <a:lstStyle/>
-              <a:p>
-                <a:pPr algn="ctr"/>
-                <a:endParaRPr lang="de-DE"/>
-              </a:p>
-            </p:txBody>
-          </p:sp>
-          <p:sp>
-            <p:nvSpPr>
-              <p:cNvPr id="86" name="Ellipse 85">
-                <a:extLst>
-                  <a:ext uri="{FF2B5EF4-FFF2-40B4-BE49-F238E27FC236}">
-                    <a16:creationId xmlns:a16="http://schemas.microsoft.com/office/drawing/2014/main" id="{2BAC5A44-1347-5474-78B6-353A0DA9A037}"/>
-                  </a:ext>
-                </a:extLst>
-              </p:cNvPr>
-              <p:cNvSpPr/>
-              <p:nvPr/>
-            </p:nvSpPr>
-            <p:spPr>
-              <a:xfrm>
-                <a:off x="3920490" y="3161937"/>
-                <a:ext cx="45719" cy="45719"/>
-              </a:xfrm>
-              <a:prstGeom prst="ellipse">
-                <a:avLst/>
-              </a:prstGeom>
-              <a:solidFill>
-                <a:schemeClr val="accent2"/>
-              </a:solidFill>
-            </p:spPr>
-            <p:style>
-              <a:lnRef idx="2">
-                <a:schemeClr val="accent1">
-                  <a:shade val="15000"/>
-                </a:schemeClr>
-              </a:lnRef>
-              <a:fillRef idx="1">
-                <a:schemeClr val="accent1"/>
-              </a:fillRef>
-              <a:effectRef idx="0">
-                <a:schemeClr val="accent1"/>
-              </a:effectRef>
-              <a:fontRef idx="minor">
-                <a:schemeClr val="lt1"/>
-              </a:fontRef>
-            </p:style>
-            <p:txBody>
-              <a:bodyPr rtlCol="0" anchor="ctr"/>
-              <a:lstStyle/>
-              <a:p>
-                <a:pPr algn="ctr"/>
-                <a:endParaRPr lang="de-DE"/>
-              </a:p>
-            </p:txBody>
-          </p:sp>
-          <p:sp>
-            <p:nvSpPr>
-              <p:cNvPr id="87" name="Ellipse 86">
-                <a:extLst>
-                  <a:ext uri="{FF2B5EF4-FFF2-40B4-BE49-F238E27FC236}">
-                    <a16:creationId xmlns:a16="http://schemas.microsoft.com/office/drawing/2014/main" id="{C8B6625D-FBFB-C780-A9D1-73E791E07E1F}"/>
-                  </a:ext>
-                </a:extLst>
-              </p:cNvPr>
-              <p:cNvSpPr/>
-              <p:nvPr/>
-            </p:nvSpPr>
-            <p:spPr>
-              <a:xfrm>
-                <a:off x="3920490" y="3258598"/>
-                <a:ext cx="45719" cy="45719"/>
-              </a:xfrm>
-              <a:prstGeom prst="ellipse">
-                <a:avLst/>
-              </a:prstGeom>
-              <a:solidFill>
-                <a:schemeClr val="accent2"/>
-              </a:solidFill>
-            </p:spPr>
-            <p:style>
-              <a:lnRef idx="2">
-                <a:schemeClr val="accent1">
-                  <a:shade val="15000"/>
-                </a:schemeClr>
-              </a:lnRef>
-              <a:fillRef idx="1">
-                <a:schemeClr val="accent1"/>
-              </a:fillRef>
-              <a:effectRef idx="0">
-                <a:schemeClr val="accent1"/>
-              </a:effectRef>
-              <a:fontRef idx="minor">
-                <a:schemeClr val="lt1"/>
-              </a:fontRef>
-            </p:style>
-            <p:txBody>
-              <a:bodyPr rtlCol="0" anchor="ctr"/>
-              <a:lstStyle/>
-              <a:p>
-                <a:pPr algn="ctr"/>
-                <a:endParaRPr lang="de-DE"/>
-              </a:p>
-            </p:txBody>
-          </p:sp>
-          <p:sp>
-            <p:nvSpPr>
-              <p:cNvPr id="88" name="Ellipse 87">
-                <a:extLst>
-                  <a:ext uri="{FF2B5EF4-FFF2-40B4-BE49-F238E27FC236}">
-                    <a16:creationId xmlns:a16="http://schemas.microsoft.com/office/drawing/2014/main" id="{8BAB8C56-B18B-32C8-BAF2-7822EDDE6DD6}"/>
-                  </a:ext>
-                </a:extLst>
-              </p:cNvPr>
-              <p:cNvSpPr/>
-              <p:nvPr/>
-            </p:nvSpPr>
-            <p:spPr>
-              <a:xfrm>
-                <a:off x="2460415" y="3065276"/>
-                <a:ext cx="45719" cy="45719"/>
-              </a:xfrm>
-              <a:prstGeom prst="ellipse">
-                <a:avLst/>
-              </a:prstGeom>
-            </p:spPr>
-            <p:style>
-              <a:lnRef idx="2">
-                <a:schemeClr val="accent1">
-                  <a:shade val="15000"/>
-                </a:schemeClr>
-              </a:lnRef>
-              <a:fillRef idx="1">
-                <a:schemeClr val="accent1"/>
-              </a:fillRef>
-              <a:effectRef idx="0">
-                <a:schemeClr val="accent1"/>
-              </a:effectRef>
-              <a:fontRef idx="minor">
-                <a:schemeClr val="lt1"/>
-              </a:fontRef>
-            </p:style>
-            <p:txBody>
-              <a:bodyPr rtlCol="0" anchor="ctr"/>
-              <a:lstStyle/>
-              <a:p>
-                <a:pPr algn="ctr"/>
-                <a:endParaRPr lang="de-DE"/>
-              </a:p>
-            </p:txBody>
-          </p:sp>
-          <p:sp>
-            <p:nvSpPr>
-              <p:cNvPr id="89" name="Ellipse 88">
-                <a:extLst>
-                  <a:ext uri="{FF2B5EF4-FFF2-40B4-BE49-F238E27FC236}">
-                    <a16:creationId xmlns:a16="http://schemas.microsoft.com/office/drawing/2014/main" id="{3E178776-9076-66E6-D600-68016792285A}"/>
-                  </a:ext>
-                </a:extLst>
-              </p:cNvPr>
-              <p:cNvSpPr/>
-              <p:nvPr/>
-            </p:nvSpPr>
-            <p:spPr>
-              <a:xfrm>
-                <a:off x="2460415" y="3163719"/>
-                <a:ext cx="45719" cy="45719"/>
-              </a:xfrm>
-              <a:prstGeom prst="ellipse">
-                <a:avLst/>
-              </a:prstGeom>
-            </p:spPr>
-            <p:style>
-              <a:lnRef idx="2">
-                <a:schemeClr val="accent1">
-                  <a:shade val="15000"/>
-                </a:schemeClr>
-              </a:lnRef>
-              <a:fillRef idx="1">
-                <a:schemeClr val="accent1"/>
-              </a:fillRef>
-              <a:effectRef idx="0">
-                <a:schemeClr val="accent1"/>
-              </a:effectRef>
-              <a:fontRef idx="minor">
-                <a:schemeClr val="lt1"/>
-              </a:fontRef>
-            </p:style>
-            <p:txBody>
-              <a:bodyPr rtlCol="0" anchor="ctr"/>
-              <a:lstStyle/>
-              <a:p>
-                <a:pPr algn="ctr"/>
-                <a:endParaRPr lang="de-DE"/>
-              </a:p>
-            </p:txBody>
-          </p:sp>
-          <p:sp>
-            <p:nvSpPr>
-              <p:cNvPr id="90" name="Ellipse 89">
-                <a:extLst>
-                  <a:ext uri="{FF2B5EF4-FFF2-40B4-BE49-F238E27FC236}">
-                    <a16:creationId xmlns:a16="http://schemas.microsoft.com/office/drawing/2014/main" id="{13EA0CD0-805A-8F82-F6AF-2BBEBDBF533D}"/>
-                  </a:ext>
-                </a:extLst>
-              </p:cNvPr>
-              <p:cNvSpPr/>
-              <p:nvPr/>
-            </p:nvSpPr>
-            <p:spPr>
-              <a:xfrm>
-                <a:off x="2460415" y="3253817"/>
-                <a:ext cx="45719" cy="45719"/>
-              </a:xfrm>
-              <a:prstGeom prst="ellipse">
-                <a:avLst/>
-              </a:prstGeom>
-            </p:spPr>
-            <p:style>
-              <a:lnRef idx="2">
-                <a:schemeClr val="accent1">
-                  <a:shade val="15000"/>
-                </a:schemeClr>
-              </a:lnRef>
-              <a:fillRef idx="1">
-                <a:schemeClr val="accent1"/>
-              </a:fillRef>
-              <a:effectRef idx="0">
-                <a:schemeClr val="accent1"/>
-              </a:effectRef>
-              <a:fontRef idx="minor">
-                <a:schemeClr val="lt1"/>
-              </a:fontRef>
-            </p:style>
-            <p:txBody>
-              <a:bodyPr rtlCol="0" anchor="ctr"/>
-              <a:lstStyle/>
-              <a:p>
-                <a:pPr algn="ctr"/>
-                <a:endParaRPr lang="de-DE"/>
-              </a:p>
-            </p:txBody>
-          </p:sp>
-        </p:grpSp>
-        <p:grpSp>
-          <p:nvGrpSpPr>
-            <p:cNvPr id="91" name="Gruppieren 90">
-              <a:extLst>
-                <a:ext uri="{FF2B5EF4-FFF2-40B4-BE49-F238E27FC236}">
-                  <a16:creationId xmlns:a16="http://schemas.microsoft.com/office/drawing/2014/main" id="{88D2D585-2C42-2918-A5BA-DDCA1888775F}"/>
-                </a:ext>
-              </a:extLst>
-            </p:cNvPr>
-            <p:cNvGrpSpPr/>
-            <p:nvPr/>
-          </p:nvGrpSpPr>
-          <p:grpSpPr>
-            <a:xfrm>
-              <a:off x="8073719" y="2841700"/>
-              <a:ext cx="2536136" cy="488406"/>
-              <a:chOff x="2460415" y="3039806"/>
-              <a:chExt cx="1505794" cy="289983"/>
-            </a:xfrm>
-          </p:grpSpPr>
-          <p:sp>
-            <p:nvSpPr>
-              <p:cNvPr id="92" name="Rechteck 91">
-                <a:extLst>
-                  <a:ext uri="{FF2B5EF4-FFF2-40B4-BE49-F238E27FC236}">
-                    <a16:creationId xmlns:a16="http://schemas.microsoft.com/office/drawing/2014/main" id="{22D7176D-8214-B9EB-6721-82B2622F3DBC}"/>
-                  </a:ext>
-                </a:extLst>
-              </p:cNvPr>
-              <p:cNvSpPr/>
-              <p:nvPr/>
-            </p:nvSpPr>
-            <p:spPr>
-              <a:xfrm>
-                <a:off x="2483275" y="3039806"/>
-                <a:ext cx="1460075" cy="289982"/>
-              </a:xfrm>
-              <a:prstGeom prst="rect">
-                <a:avLst/>
-              </a:prstGeom>
-              <a:solidFill>
-                <a:schemeClr val="bg2">
-                  <a:lumMod val="90000"/>
-                </a:schemeClr>
-              </a:solidFill>
-              <a:ln w="19050">
-                <a:solidFill>
-                  <a:schemeClr val="tx1"/>
-                </a:solidFill>
-                <a:prstDash val="solid"/>
-              </a:ln>
-            </p:spPr>
-            <p:style>
-              <a:lnRef idx="2">
-                <a:schemeClr val="accent1">
-                  <a:shade val="15000"/>
-                </a:schemeClr>
-              </a:lnRef>
-              <a:fillRef idx="1">
-                <a:schemeClr val="accent1"/>
-              </a:fillRef>
-              <a:effectRef idx="0">
-                <a:schemeClr val="accent1"/>
-              </a:effectRef>
-              <a:fontRef idx="minor">
-                <a:schemeClr val="lt1"/>
-              </a:fontRef>
-            </p:style>
-            <p:txBody>
-              <a:bodyPr rtlCol="0" anchor="ctr"/>
-              <a:lstStyle/>
-              <a:p>
-                <a:pPr algn="ctr"/>
-                <a:endParaRPr lang="de-DE"/>
-              </a:p>
-            </p:txBody>
-          </p:sp>
-          <p:sp>
-            <p:nvSpPr>
-              <p:cNvPr id="93" name="Rechteck 92">
-                <a:extLst>
-                  <a:ext uri="{FF2B5EF4-FFF2-40B4-BE49-F238E27FC236}">
-                    <a16:creationId xmlns:a16="http://schemas.microsoft.com/office/drawing/2014/main" id="{A5A8CC77-D8AD-0CB5-9E58-62375A3EE7F1}"/>
-                  </a:ext>
-                </a:extLst>
-              </p:cNvPr>
-              <p:cNvSpPr/>
-              <p:nvPr/>
-            </p:nvSpPr>
-            <p:spPr>
-              <a:xfrm>
-                <a:off x="2483275" y="3039806"/>
-                <a:ext cx="1460075" cy="96661"/>
-              </a:xfrm>
-              <a:prstGeom prst="rect">
-                <a:avLst/>
-              </a:prstGeom>
-              <a:noFill/>
-              <a:ln>
-                <a:solidFill>
-                  <a:schemeClr val="tx1"/>
-                </a:solidFill>
-                <a:prstDash val="lgDash"/>
-              </a:ln>
-            </p:spPr>
-            <p:style>
-              <a:lnRef idx="2">
-                <a:schemeClr val="accent1">
-                  <a:shade val="15000"/>
-                </a:schemeClr>
-              </a:lnRef>
-              <a:fillRef idx="1">
-                <a:schemeClr val="accent1"/>
-              </a:fillRef>
-              <a:effectRef idx="0">
-                <a:schemeClr val="accent1"/>
-              </a:effectRef>
-              <a:fontRef idx="minor">
-                <a:schemeClr val="lt1"/>
-              </a:fontRef>
-            </p:style>
-            <p:txBody>
-              <a:bodyPr rtlCol="0" anchor="ctr"/>
-              <a:lstStyle/>
-              <a:p>
-                <a:pPr algn="ctr"/>
-                <a:endParaRPr lang="de-DE"/>
-              </a:p>
-            </p:txBody>
-          </p:sp>
-          <p:sp>
-            <p:nvSpPr>
-              <p:cNvPr id="94" name="Rechteck 93">
-                <a:extLst>
-                  <a:ext uri="{FF2B5EF4-FFF2-40B4-BE49-F238E27FC236}">
-                    <a16:creationId xmlns:a16="http://schemas.microsoft.com/office/drawing/2014/main" id="{4EA60664-0682-45D7-DD7B-1ABE90F96F7C}"/>
-                  </a:ext>
-                </a:extLst>
-              </p:cNvPr>
-              <p:cNvSpPr/>
-              <p:nvPr/>
-            </p:nvSpPr>
-            <p:spPr>
-              <a:xfrm>
-                <a:off x="2483275" y="3136467"/>
-                <a:ext cx="1460075" cy="96661"/>
-              </a:xfrm>
-              <a:prstGeom prst="rect">
-                <a:avLst/>
-              </a:prstGeom>
-              <a:noFill/>
-              <a:ln>
-                <a:noFill/>
-                <a:prstDash val="lgDash"/>
-              </a:ln>
-            </p:spPr>
-            <p:style>
-              <a:lnRef idx="2">
-                <a:schemeClr val="accent1">
-                  <a:shade val="15000"/>
-                </a:schemeClr>
-              </a:lnRef>
-              <a:fillRef idx="1">
-                <a:schemeClr val="accent1"/>
-              </a:fillRef>
-              <a:effectRef idx="0">
-                <a:schemeClr val="accent1"/>
-              </a:effectRef>
-              <a:fontRef idx="minor">
-                <a:schemeClr val="lt1"/>
-              </a:fontRef>
-            </p:style>
-            <p:txBody>
-              <a:bodyPr rtlCol="0" anchor="ctr"/>
-              <a:lstStyle/>
-              <a:p>
-                <a:pPr algn="ctr"/>
-                <a:endParaRPr lang="de-DE"/>
-              </a:p>
-            </p:txBody>
-          </p:sp>
-          <p:sp>
-            <p:nvSpPr>
-              <p:cNvPr id="95" name="Rechteck 94">
-                <a:extLst>
-                  <a:ext uri="{FF2B5EF4-FFF2-40B4-BE49-F238E27FC236}">
-                    <a16:creationId xmlns:a16="http://schemas.microsoft.com/office/drawing/2014/main" id="{F0A9A298-CB2B-597F-B415-C0D22070B8CF}"/>
-                  </a:ext>
-                </a:extLst>
-              </p:cNvPr>
-              <p:cNvSpPr/>
-              <p:nvPr/>
-            </p:nvSpPr>
-            <p:spPr>
-              <a:xfrm>
-                <a:off x="2483275" y="3233128"/>
-                <a:ext cx="1460075" cy="96661"/>
-              </a:xfrm>
-              <a:prstGeom prst="rect">
-                <a:avLst/>
-              </a:prstGeom>
-              <a:noFill/>
-              <a:ln>
-                <a:solidFill>
-                  <a:schemeClr val="tx1"/>
-                </a:solidFill>
-                <a:prstDash val="lgDash"/>
-              </a:ln>
-            </p:spPr>
-            <p:style>
-              <a:lnRef idx="2">
-                <a:schemeClr val="accent1">
-                  <a:shade val="15000"/>
-                </a:schemeClr>
-              </a:lnRef>
-              <a:fillRef idx="1">
-                <a:schemeClr val="accent1"/>
-              </a:fillRef>
-              <a:effectRef idx="0">
-                <a:schemeClr val="accent1"/>
-              </a:effectRef>
-              <a:fontRef idx="minor">
-                <a:schemeClr val="lt1"/>
-              </a:fontRef>
-            </p:style>
-            <p:txBody>
-              <a:bodyPr rtlCol="0" anchor="ctr"/>
-              <a:lstStyle/>
-              <a:p>
-                <a:pPr algn="ctr"/>
-                <a:endParaRPr lang="de-DE"/>
-              </a:p>
-            </p:txBody>
-          </p:sp>
-          <p:sp>
-            <p:nvSpPr>
-              <p:cNvPr id="96" name="Ellipse 95">
-                <a:extLst>
-                  <a:ext uri="{FF2B5EF4-FFF2-40B4-BE49-F238E27FC236}">
-                    <a16:creationId xmlns:a16="http://schemas.microsoft.com/office/drawing/2014/main" id="{FC84CA90-E3E1-9581-C0B3-A4F9DE8EBB70}"/>
-                  </a:ext>
-                </a:extLst>
-              </p:cNvPr>
-              <p:cNvSpPr/>
-              <p:nvPr/>
-            </p:nvSpPr>
-            <p:spPr>
-              <a:xfrm>
-                <a:off x="3920490" y="3065276"/>
-                <a:ext cx="45719" cy="45719"/>
-              </a:xfrm>
-              <a:prstGeom prst="ellipse">
-                <a:avLst/>
-              </a:prstGeom>
-            </p:spPr>
-            <p:style>
-              <a:lnRef idx="2">
-                <a:schemeClr val="accent1">
-                  <a:shade val="15000"/>
-                </a:schemeClr>
-              </a:lnRef>
-              <a:fillRef idx="1">
-                <a:schemeClr val="accent1"/>
-              </a:fillRef>
-              <a:effectRef idx="0">
-                <a:schemeClr val="accent1"/>
-              </a:effectRef>
-              <a:fontRef idx="minor">
-                <a:schemeClr val="lt1"/>
-              </a:fontRef>
-            </p:style>
-            <p:txBody>
-              <a:bodyPr rtlCol="0" anchor="ctr"/>
-              <a:lstStyle/>
-              <a:p>
-                <a:pPr algn="ctr"/>
-                <a:endParaRPr lang="de-DE"/>
-              </a:p>
-            </p:txBody>
-          </p:sp>
-          <p:sp>
-            <p:nvSpPr>
-              <p:cNvPr id="97" name="Ellipse 96">
-                <a:extLst>
-                  <a:ext uri="{FF2B5EF4-FFF2-40B4-BE49-F238E27FC236}">
-                    <a16:creationId xmlns:a16="http://schemas.microsoft.com/office/drawing/2014/main" id="{D0CFB1D0-673B-6D69-E221-27D6186530B0}"/>
-                  </a:ext>
-                </a:extLst>
-              </p:cNvPr>
-              <p:cNvSpPr/>
-              <p:nvPr/>
-            </p:nvSpPr>
-            <p:spPr>
-              <a:xfrm>
-                <a:off x="3920490" y="3161937"/>
-                <a:ext cx="45719" cy="45719"/>
-              </a:xfrm>
-              <a:prstGeom prst="ellipse">
-                <a:avLst/>
-              </a:prstGeom>
-            </p:spPr>
-            <p:style>
-              <a:lnRef idx="2">
-                <a:schemeClr val="accent1">
-                  <a:shade val="15000"/>
-                </a:schemeClr>
-              </a:lnRef>
-              <a:fillRef idx="1">
-                <a:schemeClr val="accent1"/>
-              </a:fillRef>
-              <a:effectRef idx="0">
-                <a:schemeClr val="accent1"/>
-              </a:effectRef>
-              <a:fontRef idx="minor">
-                <a:schemeClr val="lt1"/>
-              </a:fontRef>
-            </p:style>
-            <p:txBody>
-              <a:bodyPr rtlCol="0" anchor="ctr"/>
-              <a:lstStyle/>
-              <a:p>
-                <a:pPr algn="ctr"/>
-                <a:endParaRPr lang="de-DE"/>
-              </a:p>
-            </p:txBody>
-          </p:sp>
-          <p:sp>
-            <p:nvSpPr>
-              <p:cNvPr id="98" name="Ellipse 97">
-                <a:extLst>
-                  <a:ext uri="{FF2B5EF4-FFF2-40B4-BE49-F238E27FC236}">
-                    <a16:creationId xmlns:a16="http://schemas.microsoft.com/office/drawing/2014/main" id="{5A5F5140-3C9A-AAF3-3448-80D3C37E196E}"/>
-                  </a:ext>
-                </a:extLst>
-              </p:cNvPr>
-              <p:cNvSpPr/>
-              <p:nvPr/>
-            </p:nvSpPr>
-            <p:spPr>
-              <a:xfrm>
-                <a:off x="3920490" y="3258598"/>
-                <a:ext cx="45719" cy="45719"/>
-              </a:xfrm>
-              <a:prstGeom prst="ellipse">
-                <a:avLst/>
-              </a:prstGeom>
-            </p:spPr>
-            <p:style>
-              <a:lnRef idx="2">
-                <a:schemeClr val="accent1">
-                  <a:shade val="15000"/>
-                </a:schemeClr>
-              </a:lnRef>
-              <a:fillRef idx="1">
-                <a:schemeClr val="accent1"/>
-              </a:fillRef>
-              <a:effectRef idx="0">
-                <a:schemeClr val="accent1"/>
-              </a:effectRef>
-              <a:fontRef idx="minor">
-                <a:schemeClr val="lt1"/>
-              </a:fontRef>
-            </p:style>
-            <p:txBody>
-              <a:bodyPr rtlCol="0" anchor="ctr"/>
-              <a:lstStyle/>
-              <a:p>
-                <a:pPr algn="ctr"/>
-                <a:endParaRPr lang="de-DE"/>
-              </a:p>
-            </p:txBody>
-          </p:sp>
-          <p:sp>
-            <p:nvSpPr>
-              <p:cNvPr id="99" name="Ellipse 98">
-                <a:extLst>
-                  <a:ext uri="{FF2B5EF4-FFF2-40B4-BE49-F238E27FC236}">
-                    <a16:creationId xmlns:a16="http://schemas.microsoft.com/office/drawing/2014/main" id="{8353B486-EB69-1AE5-2958-8333E06EC7A0}"/>
-                  </a:ext>
-                </a:extLst>
-              </p:cNvPr>
-              <p:cNvSpPr/>
-              <p:nvPr/>
-            </p:nvSpPr>
-            <p:spPr>
-              <a:xfrm>
-                <a:off x="2460415" y="3065276"/>
-                <a:ext cx="45719" cy="45719"/>
-              </a:xfrm>
-              <a:prstGeom prst="ellipse">
-                <a:avLst/>
-              </a:prstGeom>
-              <a:solidFill>
-                <a:schemeClr val="accent2"/>
-              </a:solidFill>
-            </p:spPr>
-            <p:style>
-              <a:lnRef idx="2">
-                <a:schemeClr val="accent1">
-                  <a:shade val="15000"/>
-                </a:schemeClr>
-              </a:lnRef>
-              <a:fillRef idx="1">
-                <a:schemeClr val="accent1"/>
-              </a:fillRef>
-              <a:effectRef idx="0">
-                <a:schemeClr val="accent1"/>
-              </a:effectRef>
-              <a:fontRef idx="minor">
-                <a:schemeClr val="lt1"/>
-              </a:fontRef>
-            </p:style>
-            <p:txBody>
-              <a:bodyPr rtlCol="0" anchor="ctr"/>
-              <a:lstStyle/>
-              <a:p>
-                <a:pPr algn="ctr"/>
-                <a:endParaRPr lang="de-DE"/>
-              </a:p>
-            </p:txBody>
-          </p:sp>
-          <p:sp>
-            <p:nvSpPr>
-              <p:cNvPr id="100" name="Ellipse 99">
-                <a:extLst>
-                  <a:ext uri="{FF2B5EF4-FFF2-40B4-BE49-F238E27FC236}">
-                    <a16:creationId xmlns:a16="http://schemas.microsoft.com/office/drawing/2014/main" id="{95C8AF8D-C876-5232-3939-AE0A5BA5AE05}"/>
-                  </a:ext>
-                </a:extLst>
-              </p:cNvPr>
-              <p:cNvSpPr/>
-              <p:nvPr/>
-            </p:nvSpPr>
-            <p:spPr>
-              <a:xfrm>
-                <a:off x="2460415" y="3163719"/>
-                <a:ext cx="45719" cy="45719"/>
-              </a:xfrm>
-              <a:prstGeom prst="ellipse">
-                <a:avLst/>
-              </a:prstGeom>
-              <a:solidFill>
-                <a:schemeClr val="accent2"/>
-              </a:solidFill>
-            </p:spPr>
-            <p:style>
-              <a:lnRef idx="2">
-                <a:schemeClr val="accent1">
-                  <a:shade val="15000"/>
-                </a:schemeClr>
-              </a:lnRef>
-              <a:fillRef idx="1">
-                <a:schemeClr val="accent1"/>
-              </a:fillRef>
-              <a:effectRef idx="0">
-                <a:schemeClr val="accent1"/>
-              </a:effectRef>
-              <a:fontRef idx="minor">
-                <a:schemeClr val="lt1"/>
-              </a:fontRef>
-            </p:style>
-            <p:txBody>
-              <a:bodyPr rtlCol="0" anchor="ctr"/>
-              <a:lstStyle/>
-              <a:p>
-                <a:pPr algn="ctr"/>
-                <a:endParaRPr lang="de-DE"/>
-              </a:p>
-            </p:txBody>
-          </p:sp>
-          <p:sp>
-            <p:nvSpPr>
-              <p:cNvPr id="101" name="Ellipse 100">
-                <a:extLst>
-                  <a:ext uri="{FF2B5EF4-FFF2-40B4-BE49-F238E27FC236}">
-                    <a16:creationId xmlns:a16="http://schemas.microsoft.com/office/drawing/2014/main" id="{118512B6-DF72-0A7B-3073-9016604DDB1D}"/>
-                  </a:ext>
-                </a:extLst>
-              </p:cNvPr>
-              <p:cNvSpPr/>
-              <p:nvPr/>
-            </p:nvSpPr>
-            <p:spPr>
-              <a:xfrm>
-                <a:off x="2460415" y="3253817"/>
-                <a:ext cx="45719" cy="45719"/>
-              </a:xfrm>
-              <a:prstGeom prst="ellipse">
-                <a:avLst/>
-              </a:prstGeom>
-              <a:solidFill>
-                <a:schemeClr val="accent2"/>
-              </a:solidFill>
-            </p:spPr>
-            <p:style>
-              <a:lnRef idx="2">
-                <a:schemeClr val="accent1">
-                  <a:shade val="15000"/>
-                </a:schemeClr>
-              </a:lnRef>
-              <a:fillRef idx="1">
-                <a:schemeClr val="accent1"/>
-              </a:fillRef>
-              <a:effectRef idx="0">
-                <a:schemeClr val="accent1"/>
-              </a:effectRef>
-              <a:fontRef idx="minor">
-                <a:schemeClr val="lt1"/>
-              </a:fontRef>
-            </p:style>
-            <p:txBody>
-              <a:bodyPr rtlCol="0" anchor="ctr"/>
-              <a:lstStyle/>
-              <a:p>
-                <a:pPr algn="ctr"/>
-                <a:endParaRPr lang="de-DE"/>
-              </a:p>
-            </p:txBody>
-          </p:sp>
-        </p:grpSp>
-      </p:grpSp>
-      <p:cxnSp>
-        <p:nvCxnSpPr>
-          <p:cNvPr id="103" name="Gerade Verbindung mit Pfeil 102">
-            <a:extLst>
-              <a:ext uri="{FF2B5EF4-FFF2-40B4-BE49-F238E27FC236}">
-                <a16:creationId xmlns:a16="http://schemas.microsoft.com/office/drawing/2014/main" id="{1494AD3B-C9C6-3D99-B1EE-2F560396D0DD}"/>
-              </a:ext>
-            </a:extLst>
-          </p:cNvPr>
-          <p:cNvCxnSpPr>
-            <a:cxnSpLocks/>
-            <a:stCxn id="55" idx="3"/>
-            <a:endCxn id="76" idx="5"/>
-          </p:cNvCxnSpPr>
-          <p:nvPr/>
-        </p:nvCxnSpPr>
-        <p:spPr>
-          <a:xfrm flipH="1" flipV="1">
-            <a:off x="7047183" y="2808608"/>
-            <a:ext cx="52876" cy="231805"/>
-          </a:xfrm>
-          <a:prstGeom prst="straightConnector1">
-            <a:avLst/>
-          </a:prstGeom>
-          <a:ln w="19050">
-            <a:tailEnd type="stealth"/>
-          </a:ln>
-        </p:spPr>
-        <p:style>
-          <a:lnRef idx="1">
-            <a:schemeClr val="accent1"/>
-          </a:lnRef>
-          <a:fillRef idx="0">
-            <a:schemeClr val="accent1"/>
-          </a:fillRef>
-          <a:effectRef idx="0">
-            <a:schemeClr val="accent1"/>
-          </a:effectRef>
-          <a:fontRef idx="minor">
-            <a:schemeClr val="tx1"/>
-          </a:fontRef>
-        </p:style>
-      </p:cxnSp>
-      <p:cxnSp>
-        <p:nvCxnSpPr>
-          <p:cNvPr id="106" name="Gerade Verbindung mit Pfeil 105">
-            <a:extLst>
-              <a:ext uri="{FF2B5EF4-FFF2-40B4-BE49-F238E27FC236}">
-                <a16:creationId xmlns:a16="http://schemas.microsoft.com/office/drawing/2014/main" id="{F36170A9-168F-292E-F8A8-1E5C9D76278C}"/>
-              </a:ext>
-            </a:extLst>
-          </p:cNvPr>
-          <p:cNvCxnSpPr>
-            <a:cxnSpLocks/>
-            <a:stCxn id="54" idx="3"/>
-            <a:endCxn id="75" idx="5"/>
-          </p:cNvCxnSpPr>
-          <p:nvPr/>
-        </p:nvCxnSpPr>
-        <p:spPr>
-          <a:xfrm flipH="1" flipV="1">
-            <a:off x="7137124" y="2672906"/>
-            <a:ext cx="106299" cy="417249"/>
-          </a:xfrm>
-          <a:prstGeom prst="straightConnector1">
-            <a:avLst/>
-          </a:prstGeom>
-          <a:ln w="19050">
-            <a:tailEnd type="stealth"/>
-          </a:ln>
-        </p:spPr>
-        <p:style>
-          <a:lnRef idx="1">
-            <a:schemeClr val="accent1"/>
-          </a:lnRef>
-          <a:fillRef idx="0">
-            <a:schemeClr val="accent1"/>
-          </a:fillRef>
-          <a:effectRef idx="0">
-            <a:schemeClr val="accent1"/>
-          </a:effectRef>
-          <a:fontRef idx="minor">
-            <a:schemeClr val="tx1"/>
-          </a:fontRef>
-        </p:style>
-      </p:cxnSp>
-      <p:cxnSp>
-        <p:nvCxnSpPr>
-          <p:cNvPr id="109" name="Gerade Verbindung mit Pfeil 108">
-            <a:extLst>
-              <a:ext uri="{FF2B5EF4-FFF2-40B4-BE49-F238E27FC236}">
-                <a16:creationId xmlns:a16="http://schemas.microsoft.com/office/drawing/2014/main" id="{E331D632-1220-E4C4-19E6-1CDECC591787}"/>
-              </a:ext>
-            </a:extLst>
-          </p:cNvPr>
-          <p:cNvCxnSpPr>
-            <a:cxnSpLocks/>
-            <a:stCxn id="53" idx="2"/>
-            <a:endCxn id="74" idx="6"/>
-          </p:cNvCxnSpPr>
-          <p:nvPr/>
-        </p:nvCxnSpPr>
-        <p:spPr>
-          <a:xfrm flipH="1" flipV="1">
-            <a:off x="7251505" y="2520741"/>
-            <a:ext cx="177978" cy="622033"/>
-          </a:xfrm>
-          <a:prstGeom prst="straightConnector1">
-            <a:avLst/>
-          </a:prstGeom>
-          <a:ln w="19050">
-            <a:tailEnd type="stealth"/>
-          </a:ln>
-        </p:spPr>
-        <p:style>
-          <a:lnRef idx="1">
-            <a:schemeClr val="accent1"/>
-          </a:lnRef>
-          <a:fillRef idx="0">
-            <a:schemeClr val="accent1"/>
-          </a:fillRef>
-          <a:effectRef idx="0">
-            <a:schemeClr val="accent1"/>
-          </a:effectRef>
-          <a:fontRef idx="minor">
-            <a:schemeClr val="tx1"/>
-          </a:fontRef>
-        </p:style>
-      </p:cxnSp>
-      <p:cxnSp>
-        <p:nvCxnSpPr>
-          <p:cNvPr id="113" name="Verbinder: gekrümmt 112">
-            <a:extLst>
-              <a:ext uri="{FF2B5EF4-FFF2-40B4-BE49-F238E27FC236}">
-                <a16:creationId xmlns:a16="http://schemas.microsoft.com/office/drawing/2014/main" id="{028AF39F-F989-D903-32A0-CE2FA96D334E}"/>
-              </a:ext>
-            </a:extLst>
-          </p:cNvPr>
-          <p:cNvCxnSpPr>
-            <a:stCxn id="55" idx="2"/>
-            <a:endCxn id="99" idx="2"/>
-          </p:cNvCxnSpPr>
-          <p:nvPr/>
-        </p:nvCxnSpPr>
-        <p:spPr>
-          <a:xfrm rot="5400000" flipH="1" flipV="1">
-            <a:off x="7418240" y="2482807"/>
-            <a:ext cx="267113" cy="844640"/>
-          </a:xfrm>
-          <a:prstGeom prst="curvedConnector2">
-            <a:avLst/>
-          </a:prstGeom>
-          <a:ln w="19050">
-            <a:tailEnd type="stealth"/>
-          </a:ln>
-        </p:spPr>
-        <p:style>
-          <a:lnRef idx="1">
-            <a:schemeClr val="accent1"/>
-          </a:lnRef>
-          <a:fillRef idx="0">
-            <a:schemeClr val="accent1"/>
-          </a:fillRef>
-          <a:effectRef idx="0">
-            <a:schemeClr val="accent1"/>
-          </a:effectRef>
-          <a:fontRef idx="minor">
-            <a:schemeClr val="tx1"/>
-          </a:fontRef>
-        </p:style>
-      </p:cxnSp>
-      <p:cxnSp>
-        <p:nvCxnSpPr>
-          <p:cNvPr id="114" name="Verbinder: gekrümmt 113">
-            <a:extLst>
-              <a:ext uri="{FF2B5EF4-FFF2-40B4-BE49-F238E27FC236}">
-                <a16:creationId xmlns:a16="http://schemas.microsoft.com/office/drawing/2014/main" id="{76C7B4E6-CF15-9F09-ACC7-7BEA75612D70}"/>
-              </a:ext>
-            </a:extLst>
-          </p:cNvPr>
-          <p:cNvCxnSpPr>
-            <a:cxnSpLocks/>
-            <a:stCxn id="54" idx="2"/>
-            <a:endCxn id="100" idx="2"/>
-          </p:cNvCxnSpPr>
-          <p:nvPr/>
-        </p:nvCxnSpPr>
-        <p:spPr>
-          <a:xfrm rot="5400000" flipH="1" flipV="1">
-            <a:off x="7571291" y="2628942"/>
-            <a:ext cx="161033" cy="757935"/>
-          </a:xfrm>
-          <a:prstGeom prst="curvedConnector2">
-            <a:avLst/>
-          </a:prstGeom>
-          <a:ln w="19050">
-            <a:tailEnd type="stealth"/>
-          </a:ln>
-        </p:spPr>
-        <p:style>
-          <a:lnRef idx="1">
-            <a:schemeClr val="accent1"/>
-          </a:lnRef>
-          <a:fillRef idx="0">
-            <a:schemeClr val="accent1"/>
-          </a:fillRef>
-          <a:effectRef idx="0">
-            <a:schemeClr val="accent1"/>
-          </a:effectRef>
-          <a:fontRef idx="minor">
-            <a:schemeClr val="tx1"/>
-          </a:fontRef>
-        </p:style>
-      </p:cxnSp>
-      <p:cxnSp>
-        <p:nvCxnSpPr>
-          <p:cNvPr id="120" name="Verbinder: gekrümmt 119">
-            <a:extLst>
-              <a:ext uri="{FF2B5EF4-FFF2-40B4-BE49-F238E27FC236}">
-                <a16:creationId xmlns:a16="http://schemas.microsoft.com/office/drawing/2014/main" id="{EEA442A0-6E61-9A65-AAF6-BD7B92804BFD}"/>
-              </a:ext>
-            </a:extLst>
-          </p:cNvPr>
-          <p:cNvCxnSpPr>
-            <a:cxnSpLocks/>
-            <a:stCxn id="53" idx="1"/>
-            <a:endCxn id="101" idx="2"/>
-          </p:cNvCxnSpPr>
-          <p:nvPr/>
-        </p:nvCxnSpPr>
-        <p:spPr>
-          <a:xfrm flipV="1">
-            <a:off x="7451507" y="3070005"/>
-            <a:ext cx="631124" cy="92347"/>
-          </a:xfrm>
-          <a:prstGeom prst="curvedConnector3">
-            <a:avLst>
-              <a:gd name="adj1" fmla="val 50000"/>
-            </a:avLst>
-          </a:prstGeom>
-          <a:ln w="19050">
-            <a:tailEnd type="stealth"/>
-          </a:ln>
-        </p:spPr>
-        <p:style>
-          <a:lnRef idx="1">
-            <a:schemeClr val="accent1"/>
-          </a:lnRef>
-          <a:fillRef idx="0">
-            <a:schemeClr val="accent1"/>
-          </a:fillRef>
-          <a:effectRef idx="0">
-            <a:schemeClr val="accent1"/>
-          </a:effectRef>
-          <a:fontRef idx="minor">
-            <a:schemeClr val="tx1"/>
-          </a:fontRef>
-        </p:style>
-      </p:cxnSp>
-      <p:cxnSp>
-        <p:nvCxnSpPr>
-          <p:cNvPr id="124" name="Verbinder: gekrümmt 123">
-            <a:extLst>
-              <a:ext uri="{FF2B5EF4-FFF2-40B4-BE49-F238E27FC236}">
-                <a16:creationId xmlns:a16="http://schemas.microsoft.com/office/drawing/2014/main" id="{88C57E11-01E9-77DE-6634-A0561550B841}"/>
-              </a:ext>
-            </a:extLst>
-          </p:cNvPr>
-          <p:cNvCxnSpPr>
-            <a:cxnSpLocks/>
-            <a:stCxn id="90" idx="2"/>
-            <a:endCxn id="76" idx="6"/>
-          </p:cNvCxnSpPr>
-          <p:nvPr/>
-        </p:nvCxnSpPr>
-        <p:spPr>
-          <a:xfrm rot="10800000" flipV="1">
-            <a:off x="7071623" y="2461238"/>
-            <a:ext cx="789654" cy="330907"/>
-          </a:xfrm>
-          <a:prstGeom prst="curvedConnector3">
-            <a:avLst>
-              <a:gd name="adj1" fmla="val 50000"/>
-            </a:avLst>
-          </a:prstGeom>
-          <a:ln w="19050">
-            <a:tailEnd type="stealth"/>
-          </a:ln>
-        </p:spPr>
-        <p:style>
-          <a:lnRef idx="1">
-            <a:schemeClr val="accent1"/>
-          </a:lnRef>
-          <a:fillRef idx="0">
-            <a:schemeClr val="accent1"/>
-          </a:fillRef>
-          <a:effectRef idx="0">
-            <a:schemeClr val="accent1"/>
-          </a:effectRef>
-          <a:fontRef idx="minor">
-            <a:schemeClr val="tx1"/>
-          </a:fontRef>
-        </p:style>
-      </p:cxnSp>
-      <p:cxnSp>
-        <p:nvCxnSpPr>
-          <p:cNvPr id="127" name="Verbinder: gekrümmt 126">
-            <a:extLst>
-              <a:ext uri="{FF2B5EF4-FFF2-40B4-BE49-F238E27FC236}">
-                <a16:creationId xmlns:a16="http://schemas.microsoft.com/office/drawing/2014/main" id="{21F3D368-BA74-207A-2D78-7C258C29382B}"/>
-              </a:ext>
-            </a:extLst>
-          </p:cNvPr>
-          <p:cNvCxnSpPr>
-            <a:cxnSpLocks/>
-            <a:stCxn id="89" idx="2"/>
-            <a:endCxn id="75" idx="6"/>
-          </p:cNvCxnSpPr>
-          <p:nvPr/>
-        </p:nvCxnSpPr>
-        <p:spPr>
-          <a:xfrm rot="10800000" flipV="1">
-            <a:off x="7161565" y="2318626"/>
-            <a:ext cx="647857" cy="337818"/>
-          </a:xfrm>
-          <a:prstGeom prst="curvedConnector3">
-            <a:avLst>
-              <a:gd name="adj1" fmla="val 50000"/>
-            </a:avLst>
-          </a:prstGeom>
-          <a:ln w="19050">
-            <a:tailEnd type="stealth"/>
-          </a:ln>
-        </p:spPr>
-        <p:style>
-          <a:lnRef idx="1">
-            <a:schemeClr val="accent1"/>
-          </a:lnRef>
-          <a:fillRef idx="0">
-            <a:schemeClr val="accent1"/>
-          </a:fillRef>
-          <a:effectRef idx="0">
-            <a:schemeClr val="accent1"/>
-          </a:effectRef>
-          <a:fontRef idx="minor">
-            <a:schemeClr val="tx1"/>
-          </a:fontRef>
-        </p:style>
-      </p:cxnSp>
-      <p:cxnSp>
-        <p:nvCxnSpPr>
-          <p:cNvPr id="130" name="Verbinder: gekrümmt 129">
-            <a:extLst>
-              <a:ext uri="{FF2B5EF4-FFF2-40B4-BE49-F238E27FC236}">
-                <a16:creationId xmlns:a16="http://schemas.microsoft.com/office/drawing/2014/main" id="{3D119022-E7A2-CA0A-F115-DD98D4E13000}"/>
-              </a:ext>
-            </a:extLst>
-          </p:cNvPr>
-          <p:cNvCxnSpPr>
-            <a:cxnSpLocks/>
-            <a:stCxn id="88" idx="2"/>
-            <a:endCxn id="74" idx="6"/>
-          </p:cNvCxnSpPr>
-          <p:nvPr/>
-        </p:nvCxnSpPr>
-        <p:spPr>
-          <a:xfrm rot="10800000" flipV="1">
-            <a:off x="7251506" y="2162803"/>
-            <a:ext cx="501257" cy="357937"/>
-          </a:xfrm>
-          <a:prstGeom prst="curvedConnector3">
-            <a:avLst>
-              <a:gd name="adj1" fmla="val 50000"/>
-            </a:avLst>
-          </a:prstGeom>
-          <a:ln w="19050">
-            <a:tailEnd type="stealth"/>
-          </a:ln>
-        </p:spPr>
-        <p:style>
-          <a:lnRef idx="1">
-            <a:schemeClr val="accent1"/>
-          </a:lnRef>
-          <a:fillRef idx="0">
-            <a:schemeClr val="accent1"/>
-          </a:fillRef>
-          <a:effectRef idx="0">
-            <a:schemeClr val="accent1"/>
-          </a:effectRef>
-          <a:fontRef idx="minor">
-            <a:schemeClr val="tx1"/>
-          </a:fontRef>
-        </p:style>
-      </p:cxnSp>
-      <p:cxnSp>
-        <p:nvCxnSpPr>
-          <p:cNvPr id="135" name="Gerade Verbindung mit Pfeil 134">
-            <a:extLst>
-              <a:ext uri="{FF2B5EF4-FFF2-40B4-BE49-F238E27FC236}">
-                <a16:creationId xmlns:a16="http://schemas.microsoft.com/office/drawing/2014/main" id="{E7748D01-BE10-C9F7-AB6C-7EBA34D27F26}"/>
-              </a:ext>
-            </a:extLst>
-          </p:cNvPr>
-          <p:cNvCxnSpPr>
-            <a:stCxn id="36" idx="7"/>
-            <a:endCxn id="52" idx="5"/>
-          </p:cNvCxnSpPr>
-          <p:nvPr/>
-        </p:nvCxnSpPr>
-        <p:spPr>
-          <a:xfrm flipV="1">
-            <a:off x="6084723" y="5412478"/>
-            <a:ext cx="183795" cy="147379"/>
-          </a:xfrm>
-          <a:prstGeom prst="straightConnector1">
-            <a:avLst/>
-          </a:prstGeom>
-          <a:ln w="19050">
-            <a:tailEnd type="stealth"/>
-          </a:ln>
-        </p:spPr>
-        <p:style>
-          <a:lnRef idx="1">
-            <a:schemeClr val="accent1"/>
-          </a:lnRef>
-          <a:fillRef idx="0">
-            <a:schemeClr val="accent1"/>
-          </a:fillRef>
-          <a:effectRef idx="0">
-            <a:schemeClr val="accent1"/>
-          </a:effectRef>
-          <a:fontRef idx="minor">
-            <a:schemeClr val="tx1"/>
-          </a:fontRef>
-        </p:style>
-      </p:cxnSp>
-      <p:cxnSp>
-        <p:nvCxnSpPr>
-          <p:cNvPr id="137" name="Gerade Verbindung mit Pfeil 136">
-            <a:extLst>
-              <a:ext uri="{FF2B5EF4-FFF2-40B4-BE49-F238E27FC236}">
-                <a16:creationId xmlns:a16="http://schemas.microsoft.com/office/drawing/2014/main" id="{E842C2B4-57C3-209C-8BAF-6BEFD5D07C33}"/>
-              </a:ext>
-            </a:extLst>
-          </p:cNvPr>
-          <p:cNvCxnSpPr>
-            <a:stCxn id="37" idx="7"/>
-            <a:endCxn id="51" idx="5"/>
-          </p:cNvCxnSpPr>
-          <p:nvPr/>
-        </p:nvCxnSpPr>
-        <p:spPr>
-          <a:xfrm flipV="1">
-            <a:off x="6084723" y="5465843"/>
-            <a:ext cx="337602" cy="256816"/>
-          </a:xfrm>
-          <a:prstGeom prst="straightConnector1">
-            <a:avLst/>
-          </a:prstGeom>
-          <a:ln w="19050">
-            <a:tailEnd type="stealth"/>
-          </a:ln>
-        </p:spPr>
-        <p:style>
-          <a:lnRef idx="1">
-            <a:schemeClr val="accent1"/>
-          </a:lnRef>
-          <a:fillRef idx="0">
-            <a:schemeClr val="accent1"/>
-          </a:fillRef>
-          <a:effectRef idx="0">
-            <a:schemeClr val="accent1"/>
-          </a:effectRef>
-          <a:fontRef idx="minor">
-            <a:schemeClr val="tx1"/>
-          </a:fontRef>
-        </p:style>
-      </p:cxnSp>
-      <p:cxnSp>
-        <p:nvCxnSpPr>
-          <p:cNvPr id="139" name="Gerade Verbindung mit Pfeil 138">
-            <a:extLst>
-              <a:ext uri="{FF2B5EF4-FFF2-40B4-BE49-F238E27FC236}">
-                <a16:creationId xmlns:a16="http://schemas.microsoft.com/office/drawing/2014/main" id="{53317965-CD97-83FD-8AF0-148DC54E0A95}"/>
-              </a:ext>
-            </a:extLst>
-          </p:cNvPr>
-          <p:cNvCxnSpPr>
-            <a:stCxn id="38" idx="7"/>
-            <a:endCxn id="50" idx="5"/>
-          </p:cNvCxnSpPr>
-          <p:nvPr/>
-        </p:nvCxnSpPr>
-        <p:spPr>
-          <a:xfrm flipV="1">
-            <a:off x="6084723" y="5519208"/>
-            <a:ext cx="491409" cy="366253"/>
-          </a:xfrm>
-          <a:prstGeom prst="straightConnector1">
-            <a:avLst/>
-          </a:prstGeom>
-          <a:ln w="19050">
-            <a:tailEnd type="stealth"/>
-          </a:ln>
-        </p:spPr>
-        <p:style>
-          <a:lnRef idx="1">
-            <a:schemeClr val="accent1"/>
-          </a:lnRef>
-          <a:fillRef idx="0">
-            <a:schemeClr val="accent1"/>
-          </a:fillRef>
-          <a:effectRef idx="0">
-            <a:schemeClr val="accent1"/>
-          </a:effectRef>
-          <a:fontRef idx="minor">
-            <a:schemeClr val="tx1"/>
-          </a:fontRef>
-        </p:style>
-      </p:cxnSp>
-      <p:cxnSp>
-        <p:nvCxnSpPr>
-          <p:cNvPr id="141" name="Gerade Verbindung mit Pfeil 140">
-            <a:extLst>
-              <a:ext uri="{FF2B5EF4-FFF2-40B4-BE49-F238E27FC236}">
-                <a16:creationId xmlns:a16="http://schemas.microsoft.com/office/drawing/2014/main" id="{F18D1FB0-920A-BBD6-3D1D-D3E909FDB8B0}"/>
-              </a:ext>
-            </a:extLst>
-          </p:cNvPr>
-          <p:cNvCxnSpPr>
-            <a:stCxn id="79" idx="2"/>
-            <a:endCxn id="65" idx="6"/>
-          </p:cNvCxnSpPr>
-          <p:nvPr/>
-        </p:nvCxnSpPr>
-        <p:spPr>
-          <a:xfrm flipH="1">
-            <a:off x="4714427" y="1384335"/>
-            <a:ext cx="247666" cy="4040"/>
-          </a:xfrm>
-          <a:prstGeom prst="straightConnector1">
-            <a:avLst/>
-          </a:prstGeom>
-          <a:ln w="19050">
-            <a:tailEnd type="stealth"/>
-          </a:ln>
-        </p:spPr>
-        <p:style>
-          <a:lnRef idx="1">
-            <a:schemeClr val="accent1"/>
-          </a:lnRef>
-          <a:fillRef idx="0">
-            <a:schemeClr val="accent1"/>
-          </a:fillRef>
-          <a:effectRef idx="0">
-            <a:schemeClr val="accent1"/>
-          </a:effectRef>
-          <a:fontRef idx="minor">
-            <a:schemeClr val="tx1"/>
-          </a:fontRef>
-        </p:style>
-      </p:cxnSp>
-      <p:cxnSp>
-        <p:nvCxnSpPr>
-          <p:cNvPr id="143" name="Gerade Verbindung mit Pfeil 142">
-            <a:extLst>
-              <a:ext uri="{FF2B5EF4-FFF2-40B4-BE49-F238E27FC236}">
-                <a16:creationId xmlns:a16="http://schemas.microsoft.com/office/drawing/2014/main" id="{D21A9DCD-D372-1301-85FA-D4C08AF858CD}"/>
-              </a:ext>
-            </a:extLst>
-          </p:cNvPr>
-          <p:cNvCxnSpPr>
-            <a:stCxn id="78" idx="2"/>
-            <a:endCxn id="64" idx="5"/>
-          </p:cNvCxnSpPr>
-          <p:nvPr/>
-        </p:nvCxnSpPr>
-        <p:spPr>
-          <a:xfrm flipH="1" flipV="1">
-            <a:off x="4625636" y="1251918"/>
-            <a:ext cx="420291" cy="5929"/>
-          </a:xfrm>
-          <a:prstGeom prst="straightConnector1">
-            <a:avLst/>
-          </a:prstGeom>
-          <a:ln w="19050">
-            <a:tailEnd type="stealth"/>
-          </a:ln>
-        </p:spPr>
-        <p:style>
-          <a:lnRef idx="1">
-            <a:schemeClr val="accent1"/>
-          </a:lnRef>
-          <a:fillRef idx="0">
-            <a:schemeClr val="accent1"/>
-          </a:fillRef>
-          <a:effectRef idx="0">
-            <a:schemeClr val="accent1"/>
-          </a:effectRef>
-          <a:fontRef idx="minor">
-            <a:schemeClr val="tx1"/>
-          </a:fontRef>
-        </p:style>
-      </p:cxnSp>
-      <p:cxnSp>
-        <p:nvCxnSpPr>
-          <p:cNvPr id="145" name="Gerade Verbindung mit Pfeil 144">
-            <a:extLst>
-              <a:ext uri="{FF2B5EF4-FFF2-40B4-BE49-F238E27FC236}">
-                <a16:creationId xmlns:a16="http://schemas.microsoft.com/office/drawing/2014/main" id="{F765F03D-755F-86A7-7C01-6B8C173889A0}"/>
-              </a:ext>
-            </a:extLst>
-          </p:cNvPr>
-          <p:cNvCxnSpPr>
-            <a:stCxn id="77" idx="2"/>
-            <a:endCxn id="63" idx="6"/>
-          </p:cNvCxnSpPr>
-          <p:nvPr/>
-        </p:nvCxnSpPr>
-        <p:spPr>
-          <a:xfrm flipH="1" flipV="1">
-            <a:off x="4536845" y="1115461"/>
-            <a:ext cx="600680" cy="4181"/>
-          </a:xfrm>
-          <a:prstGeom prst="straightConnector1">
-            <a:avLst/>
-          </a:prstGeom>
-          <a:ln w="19050">
-            <a:tailEnd type="stealth"/>
-          </a:ln>
-        </p:spPr>
-        <p:style>
-          <a:lnRef idx="1">
-            <a:schemeClr val="accent1"/>
-          </a:lnRef>
-          <a:fillRef idx="0">
-            <a:schemeClr val="accent1"/>
-          </a:fillRef>
-          <a:effectRef idx="0">
-            <a:schemeClr val="accent1"/>
-          </a:effectRef>
-          <a:fontRef idx="minor">
-            <a:schemeClr val="tx1"/>
-          </a:fontRef>
-        </p:style>
-      </p:cxnSp>
-      <p:cxnSp>
-        <p:nvCxnSpPr>
-          <p:cNvPr id="3" name="Gerade Verbindung mit Pfeil 2">
-            <a:extLst>
-              <a:ext uri="{FF2B5EF4-FFF2-40B4-BE49-F238E27FC236}">
-                <a16:creationId xmlns:a16="http://schemas.microsoft.com/office/drawing/2014/main" id="{74EB69FB-CE3D-698E-CF2D-4D28FE48BD93}"/>
-              </a:ext>
-            </a:extLst>
-          </p:cNvPr>
-          <p:cNvCxnSpPr>
-            <a:cxnSpLocks/>
-            <a:stCxn id="66" idx="3"/>
-            <a:endCxn id="34" idx="2"/>
-          </p:cNvCxnSpPr>
-          <p:nvPr/>
-        </p:nvCxnSpPr>
-        <p:spPr>
-          <a:xfrm flipH="1">
-            <a:off x="2291600" y="2515325"/>
-            <a:ext cx="143809" cy="573938"/>
-          </a:xfrm>
-          <a:prstGeom prst="straightConnector1">
-            <a:avLst/>
-          </a:prstGeom>
-          <a:ln w="19050">
-            <a:tailEnd type="stealth"/>
-          </a:ln>
-        </p:spPr>
-        <p:style>
-          <a:lnRef idx="1">
-            <a:schemeClr val="accent1"/>
-          </a:lnRef>
-          <a:fillRef idx="0">
-            <a:schemeClr val="accent1"/>
-          </a:fillRef>
-          <a:effectRef idx="0">
-            <a:schemeClr val="accent1"/>
-          </a:effectRef>
-          <a:fontRef idx="minor">
-            <a:schemeClr val="tx1"/>
-          </a:fontRef>
-        </p:style>
-      </p:cxnSp>
-      <p:cxnSp>
-        <p:nvCxnSpPr>
-          <p:cNvPr id="6" name="Gerade Verbindung mit Pfeil 5">
-            <a:extLst>
-              <a:ext uri="{FF2B5EF4-FFF2-40B4-BE49-F238E27FC236}">
-                <a16:creationId xmlns:a16="http://schemas.microsoft.com/office/drawing/2014/main" id="{A7E7FE59-5F1D-3E04-BEA2-90CF5E720909}"/>
-              </a:ext>
-            </a:extLst>
-          </p:cNvPr>
-          <p:cNvCxnSpPr>
-            <a:stCxn id="67" idx="3"/>
-            <a:endCxn id="33" idx="2"/>
-          </p:cNvCxnSpPr>
-          <p:nvPr/>
-        </p:nvCxnSpPr>
-        <p:spPr>
-          <a:xfrm flipH="1">
-            <a:off x="2436127" y="2654298"/>
-            <a:ext cx="89711" cy="388714"/>
-          </a:xfrm>
-          <a:prstGeom prst="straightConnector1">
-            <a:avLst/>
-          </a:prstGeom>
-          <a:ln w="19050">
-            <a:tailEnd type="stealth"/>
-          </a:ln>
-        </p:spPr>
-        <p:style>
-          <a:lnRef idx="1">
-            <a:schemeClr val="accent1"/>
-          </a:lnRef>
-          <a:fillRef idx="0">
-            <a:schemeClr val="accent1"/>
-          </a:fillRef>
-          <a:effectRef idx="0">
-            <a:schemeClr val="accent1"/>
-          </a:effectRef>
-          <a:fontRef idx="minor">
-            <a:schemeClr val="tx1"/>
-          </a:fontRef>
-        </p:style>
-      </p:cxnSp>
-      <p:cxnSp>
-        <p:nvCxnSpPr>
-          <p:cNvPr id="8" name="Gerade Verbindung mit Pfeil 7">
-            <a:extLst>
-              <a:ext uri="{FF2B5EF4-FFF2-40B4-BE49-F238E27FC236}">
-                <a16:creationId xmlns:a16="http://schemas.microsoft.com/office/drawing/2014/main" id="{D349F8D1-695A-1CE4-9381-D19D3C0516B8}"/>
-              </a:ext>
-            </a:extLst>
-          </p:cNvPr>
-          <p:cNvCxnSpPr>
-            <a:stCxn id="68" idx="3"/>
-            <a:endCxn id="32" idx="2"/>
-          </p:cNvCxnSpPr>
-          <p:nvPr/>
-        </p:nvCxnSpPr>
-        <p:spPr>
-          <a:xfrm flipH="1">
-            <a:off x="2594042" y="2781490"/>
-            <a:ext cx="14559" cy="210986"/>
-          </a:xfrm>
-          <a:prstGeom prst="straightConnector1">
-            <a:avLst/>
-          </a:prstGeom>
-          <a:ln w="19050">
-            <a:tailEnd type="stealth"/>
-          </a:ln>
-        </p:spPr>
-        <p:style>
-          <a:lnRef idx="1">
-            <a:schemeClr val="accent1"/>
-          </a:lnRef>
-          <a:fillRef idx="0">
-            <a:schemeClr val="accent1"/>
-          </a:fillRef>
-          <a:effectRef idx="0">
-            <a:schemeClr val="accent1"/>
-          </a:effectRef>
-          <a:fontRef idx="minor">
-            <a:schemeClr val="tx1"/>
-          </a:fontRef>
-        </p:style>
-      </p:cxnSp>
-      <p:cxnSp>
-        <p:nvCxnSpPr>
-          <p:cNvPr id="10" name="Gerade Verbindung mit Pfeil 9">
-            <a:extLst>
-              <a:ext uri="{FF2B5EF4-FFF2-40B4-BE49-F238E27FC236}">
-                <a16:creationId xmlns:a16="http://schemas.microsoft.com/office/drawing/2014/main" id="{FE0CCD90-482F-BBA9-E561-86BC52D1A715}"/>
-              </a:ext>
-            </a:extLst>
-          </p:cNvPr>
-          <p:cNvCxnSpPr>
-            <a:stCxn id="29" idx="7"/>
-            <a:endCxn id="39" idx="1"/>
-          </p:cNvCxnSpPr>
-          <p:nvPr/>
-        </p:nvCxnSpPr>
-        <p:spPr>
-          <a:xfrm>
-            <a:off x="3389525" y="5388902"/>
-            <a:ext cx="181616" cy="170955"/>
-          </a:xfrm>
-          <a:prstGeom prst="straightConnector1">
-            <a:avLst/>
-          </a:prstGeom>
-          <a:ln w="19050">
-            <a:tailEnd type="stealth"/>
-          </a:ln>
-        </p:spPr>
-        <p:style>
-          <a:lnRef idx="1">
-            <a:schemeClr val="accent1"/>
-          </a:lnRef>
-          <a:fillRef idx="0">
-            <a:schemeClr val="accent1"/>
-          </a:fillRef>
-          <a:effectRef idx="0">
-            <a:schemeClr val="accent1"/>
-          </a:effectRef>
-          <a:fontRef idx="minor">
-            <a:schemeClr val="tx1"/>
-          </a:fontRef>
-        </p:style>
-      </p:cxnSp>
-      <p:cxnSp>
-        <p:nvCxnSpPr>
-          <p:cNvPr id="12" name="Gerade Verbindung mit Pfeil 11">
-            <a:extLst>
-              <a:ext uri="{FF2B5EF4-FFF2-40B4-BE49-F238E27FC236}">
-                <a16:creationId xmlns:a16="http://schemas.microsoft.com/office/drawing/2014/main" id="{13D08EA3-4FBF-1E75-8E5E-D9FD9E98EB99}"/>
-              </a:ext>
-            </a:extLst>
-          </p:cNvPr>
-          <p:cNvCxnSpPr>
-            <a:stCxn id="30" idx="7"/>
-            <a:endCxn id="40" idx="2"/>
-          </p:cNvCxnSpPr>
-          <p:nvPr/>
-        </p:nvCxnSpPr>
-        <p:spPr>
-          <a:xfrm>
-            <a:off x="3234469" y="5438523"/>
-            <a:ext cx="325395" cy="314362"/>
-          </a:xfrm>
-          <a:prstGeom prst="straightConnector1">
-            <a:avLst/>
-          </a:prstGeom>
-          <a:ln w="19050">
-            <a:tailEnd type="stealth"/>
-          </a:ln>
-        </p:spPr>
-        <p:style>
-          <a:lnRef idx="1">
-            <a:schemeClr val="accent1"/>
-          </a:lnRef>
-          <a:fillRef idx="0">
-            <a:schemeClr val="accent1"/>
-          </a:fillRef>
-          <a:effectRef idx="0">
-            <a:schemeClr val="accent1"/>
-          </a:effectRef>
-          <a:fontRef idx="minor">
-            <a:schemeClr val="tx1"/>
-          </a:fontRef>
-        </p:style>
-      </p:cxnSp>
-      <p:cxnSp>
-        <p:nvCxnSpPr>
-          <p:cNvPr id="14" name="Gerade Verbindung mit Pfeil 13">
-            <a:extLst>
-              <a:ext uri="{FF2B5EF4-FFF2-40B4-BE49-F238E27FC236}">
-                <a16:creationId xmlns:a16="http://schemas.microsoft.com/office/drawing/2014/main" id="{9350BB5B-0EA4-D2FC-187E-FE7E27EC6702}"/>
-              </a:ext>
-            </a:extLst>
-          </p:cNvPr>
-          <p:cNvCxnSpPr>
-            <a:stCxn id="31" idx="7"/>
-            <a:endCxn id="41" idx="2"/>
-          </p:cNvCxnSpPr>
-          <p:nvPr/>
-        </p:nvCxnSpPr>
-        <p:spPr>
-          <a:xfrm>
-            <a:off x="3079413" y="5488143"/>
-            <a:ext cx="480451" cy="416491"/>
-          </a:xfrm>
-          <a:prstGeom prst="straightConnector1">
-            <a:avLst/>
-          </a:prstGeom>
-          <a:ln w="19050">
-            <a:tailEnd type="stealth"/>
-          </a:ln>
-        </p:spPr>
-        <p:style>
-          <a:lnRef idx="1">
-            <a:schemeClr val="accent1"/>
-          </a:lnRef>
-          <a:fillRef idx="0">
-            <a:schemeClr val="accent1"/>
-          </a:fillRef>
-          <a:effectRef idx="0">
-            <a:schemeClr val="accent1"/>
-          </a:effectRef>
-          <a:fontRef idx="minor">
-            <a:schemeClr val="tx1"/>
-          </a:fontRef>
-        </p:style>
-      </p:cxnSp>
-    </p:spTree>
-    <p:extLst>
-      <p:ext uri="{BB962C8B-B14F-4D97-AF65-F5344CB8AC3E}">
-        <p14:creationId xmlns:p14="http://schemas.microsoft.com/office/powerpoint/2010/main" val="849022681"/>
-      </p:ext>
-    </p:extLst>
-  </p:cSld>
-  <p:clrMapOvr>
-    <a:masterClrMapping/>
-  </p:clrMapOvr>
-</p:sld>
-</file>
-
 <file path=ppt/theme/theme1.xml><?xml version="1.0" encoding="utf-8"?>
 <a:theme xmlns:a="http://schemas.openxmlformats.org/drawingml/2006/main" name="Office">
   <a:themeElements>

--- a/examples/UrbanTopologies.pptx
+++ b/examples/UrbanTopologies.pptx
@@ -4,6 +4,9 @@
   <p:sldMasterIdLst>
     <p:sldMasterId id="2147483648" r:id="rId1"/>
   </p:sldMasterIdLst>
+  <p:notesMasterIdLst>
+    <p:notesMasterId r:id="rId13"/>
+  </p:notesMasterIdLst>
   <p:sldIdLst>
     <p:sldId id="266" r:id="rId2"/>
     <p:sldId id="265" r:id="rId3"/>
@@ -120,6 +123,439 @@
     </p:ext>
   </p:extLst>
 </p:presentation>
+</file>
+
+<file path=ppt/notesMasters/notesMaster1.xml><?xml version="1.0" encoding="utf-8"?>
+<p:notesMaster xmlns:a="http://schemas.openxmlformats.org/drawingml/2006/main" xmlns:r="http://schemas.openxmlformats.org/officeDocument/2006/relationships" xmlns:p="http://schemas.openxmlformats.org/presentationml/2006/main">
+  <p:cSld>
+    <p:bg>
+      <p:bgRef idx="1001">
+        <a:schemeClr val="bg1"/>
+      </p:bgRef>
+    </p:bg>
+    <p:spTree>
+      <p:nvGrpSpPr>
+        <p:cNvPr id="1" name=""/>
+        <p:cNvGrpSpPr/>
+        <p:nvPr/>
+      </p:nvGrpSpPr>
+      <p:grpSpPr>
+        <a:xfrm>
+          <a:off x="0" y="0"/>
+          <a:ext cx="0" cy="0"/>
+          <a:chOff x="0" y="0"/>
+          <a:chExt cx="0" cy="0"/>
+        </a:xfrm>
+      </p:grpSpPr>
+      <p:sp>
+        <p:nvSpPr>
+          <p:cNvPr id="2" name="Kopfzeilenplatzhalter 1"/>
+          <p:cNvSpPr>
+            <a:spLocks noGrp="1"/>
+          </p:cNvSpPr>
+          <p:nvPr>
+            <p:ph type="hdr" sz="quarter"/>
+          </p:nvPr>
+        </p:nvSpPr>
+        <p:spPr>
+          <a:xfrm>
+            <a:off x="0" y="0"/>
+            <a:ext cx="2971800" cy="458788"/>
+          </a:xfrm>
+          <a:prstGeom prst="rect">
+            <a:avLst/>
+          </a:prstGeom>
+        </p:spPr>
+        <p:txBody>
+          <a:bodyPr vert="horz" lIns="91440" tIns="45720" rIns="91440" bIns="45720" rtlCol="0"/>
+          <a:lstStyle>
+            <a:lvl1pPr algn="l">
+              <a:defRPr sz="1200"/>
+            </a:lvl1pPr>
+          </a:lstStyle>
+          <a:p>
+            <a:endParaRPr lang="de-DE"/>
+          </a:p>
+        </p:txBody>
+      </p:sp>
+      <p:sp>
+        <p:nvSpPr>
+          <p:cNvPr id="3" name="Datumsplatzhalter 2"/>
+          <p:cNvSpPr>
+            <a:spLocks noGrp="1"/>
+          </p:cNvSpPr>
+          <p:nvPr>
+            <p:ph type="dt" idx="1"/>
+          </p:nvPr>
+        </p:nvSpPr>
+        <p:spPr>
+          <a:xfrm>
+            <a:off x="3884613" y="0"/>
+            <a:ext cx="2971800" cy="458788"/>
+          </a:xfrm>
+          <a:prstGeom prst="rect">
+            <a:avLst/>
+          </a:prstGeom>
+        </p:spPr>
+        <p:txBody>
+          <a:bodyPr vert="horz" lIns="91440" tIns="45720" rIns="91440" bIns="45720" rtlCol="0"/>
+          <a:lstStyle>
+            <a:lvl1pPr algn="r">
+              <a:defRPr sz="1200"/>
+            </a:lvl1pPr>
+          </a:lstStyle>
+          <a:p>
+            <a:fld id="{6C57E5E1-517F-429D-81ED-272A083D513A}" type="datetimeFigureOut">
+              <a:rPr lang="de-DE" smtClean="0"/>
+              <a:t>12.02.2025</a:t>
+            </a:fld>
+            <a:endParaRPr lang="de-DE"/>
+          </a:p>
+        </p:txBody>
+      </p:sp>
+      <p:sp>
+        <p:nvSpPr>
+          <p:cNvPr id="4" name="Folienbildplatzhalter 3"/>
+          <p:cNvSpPr>
+            <a:spLocks noGrp="1" noRot="1" noChangeAspect="1"/>
+          </p:cNvSpPr>
+          <p:nvPr>
+            <p:ph type="sldImg" idx="2"/>
+          </p:nvPr>
+        </p:nvSpPr>
+        <p:spPr>
+          <a:xfrm>
+            <a:off x="685800" y="1143000"/>
+            <a:ext cx="5486400" cy="3086100"/>
+          </a:xfrm>
+          <a:prstGeom prst="rect">
+            <a:avLst/>
+          </a:prstGeom>
+          <a:noFill/>
+          <a:ln w="12700">
+            <a:solidFill>
+              <a:prstClr val="black"/>
+            </a:solidFill>
+          </a:ln>
+        </p:spPr>
+        <p:txBody>
+          <a:bodyPr vert="horz" lIns="91440" tIns="45720" rIns="91440" bIns="45720" rtlCol="0" anchor="ctr"/>
+          <a:lstStyle/>
+          <a:p>
+            <a:endParaRPr lang="de-DE"/>
+          </a:p>
+        </p:txBody>
+      </p:sp>
+      <p:sp>
+        <p:nvSpPr>
+          <p:cNvPr id="5" name="Notizenplatzhalter 4"/>
+          <p:cNvSpPr>
+            <a:spLocks noGrp="1"/>
+          </p:cNvSpPr>
+          <p:nvPr>
+            <p:ph type="body" sz="quarter" idx="3"/>
+          </p:nvPr>
+        </p:nvSpPr>
+        <p:spPr>
+          <a:xfrm>
+            <a:off x="685800" y="4400550"/>
+            <a:ext cx="5486400" cy="3600450"/>
+          </a:xfrm>
+          <a:prstGeom prst="rect">
+            <a:avLst/>
+          </a:prstGeom>
+        </p:spPr>
+        <p:txBody>
+          <a:bodyPr vert="horz" lIns="91440" tIns="45720" rIns="91440" bIns="45720" rtlCol="0"/>
+          <a:lstStyle/>
+          <a:p>
+            <a:pPr lvl="0"/>
+            <a:r>
+              <a:rPr lang="de-DE"/>
+              <a:t>Mastertextformat bearbeiten</a:t>
+            </a:r>
+          </a:p>
+          <a:p>
+            <a:pPr lvl="1"/>
+            <a:r>
+              <a:rPr lang="de-DE"/>
+              <a:t>Zweite Ebene</a:t>
+            </a:r>
+          </a:p>
+          <a:p>
+            <a:pPr lvl="2"/>
+            <a:r>
+              <a:rPr lang="de-DE"/>
+              <a:t>Dritte Ebene</a:t>
+            </a:r>
+          </a:p>
+          <a:p>
+            <a:pPr lvl="3"/>
+            <a:r>
+              <a:rPr lang="de-DE"/>
+              <a:t>Vierte Ebene</a:t>
+            </a:r>
+          </a:p>
+          <a:p>
+            <a:pPr lvl="4"/>
+            <a:r>
+              <a:rPr lang="de-DE"/>
+              <a:t>Fünfte Ebene</a:t>
+            </a:r>
+          </a:p>
+        </p:txBody>
+      </p:sp>
+      <p:sp>
+        <p:nvSpPr>
+          <p:cNvPr id="6" name="Fußzeilenplatzhalter 5"/>
+          <p:cNvSpPr>
+            <a:spLocks noGrp="1"/>
+          </p:cNvSpPr>
+          <p:nvPr>
+            <p:ph type="ftr" sz="quarter" idx="4"/>
+          </p:nvPr>
+        </p:nvSpPr>
+        <p:spPr>
+          <a:xfrm>
+            <a:off x="0" y="8685213"/>
+            <a:ext cx="2971800" cy="458787"/>
+          </a:xfrm>
+          <a:prstGeom prst="rect">
+            <a:avLst/>
+          </a:prstGeom>
+        </p:spPr>
+        <p:txBody>
+          <a:bodyPr vert="horz" lIns="91440" tIns="45720" rIns="91440" bIns="45720" rtlCol="0" anchor="b"/>
+          <a:lstStyle>
+            <a:lvl1pPr algn="l">
+              <a:defRPr sz="1200"/>
+            </a:lvl1pPr>
+          </a:lstStyle>
+          <a:p>
+            <a:endParaRPr lang="de-DE"/>
+          </a:p>
+        </p:txBody>
+      </p:sp>
+      <p:sp>
+        <p:nvSpPr>
+          <p:cNvPr id="7" name="Foliennummernplatzhalter 6"/>
+          <p:cNvSpPr>
+            <a:spLocks noGrp="1"/>
+          </p:cNvSpPr>
+          <p:nvPr>
+            <p:ph type="sldNum" sz="quarter" idx="5"/>
+          </p:nvPr>
+        </p:nvSpPr>
+        <p:spPr>
+          <a:xfrm>
+            <a:off x="3884613" y="8685213"/>
+            <a:ext cx="2971800" cy="458787"/>
+          </a:xfrm>
+          <a:prstGeom prst="rect">
+            <a:avLst/>
+          </a:prstGeom>
+        </p:spPr>
+        <p:txBody>
+          <a:bodyPr vert="horz" lIns="91440" tIns="45720" rIns="91440" bIns="45720" rtlCol="0" anchor="b"/>
+          <a:lstStyle>
+            <a:lvl1pPr algn="r">
+              <a:defRPr sz="1200"/>
+            </a:lvl1pPr>
+          </a:lstStyle>
+          <a:p>
+            <a:fld id="{48EE41BD-4819-44BC-B5FD-3CE7342A7368}" type="slidenum">
+              <a:rPr lang="de-DE" smtClean="0"/>
+              <a:t>‹Nr.›</a:t>
+            </a:fld>
+            <a:endParaRPr lang="de-DE"/>
+          </a:p>
+        </p:txBody>
+      </p:sp>
+    </p:spTree>
+    <p:extLst>
+      <p:ext uri="{BB962C8B-B14F-4D97-AF65-F5344CB8AC3E}">
+        <p14:creationId xmlns:p14="http://schemas.microsoft.com/office/powerpoint/2010/main" val="3709288486"/>
+      </p:ext>
+    </p:extLst>
+  </p:cSld>
+  <p:clrMap bg1="lt1" tx1="dk1" bg2="lt2" tx2="dk2" accent1="accent1" accent2="accent2" accent3="accent3" accent4="accent4" accent5="accent5" accent6="accent6" hlink="hlink" folHlink="folHlink"/>
+  <p:notesStyle>
+    <a:lvl1pPr marL="0" algn="l" defTabSz="914400" rtl="0" eaLnBrk="1" latinLnBrk="0" hangingPunct="1">
+      <a:defRPr sz="1200" kern="1200">
+        <a:solidFill>
+          <a:schemeClr val="tx1"/>
+        </a:solidFill>
+        <a:latin typeface="+mn-lt"/>
+        <a:ea typeface="+mn-ea"/>
+        <a:cs typeface="+mn-cs"/>
+      </a:defRPr>
+    </a:lvl1pPr>
+    <a:lvl2pPr marL="457200" algn="l" defTabSz="914400" rtl="0" eaLnBrk="1" latinLnBrk="0" hangingPunct="1">
+      <a:defRPr sz="1200" kern="1200">
+        <a:solidFill>
+          <a:schemeClr val="tx1"/>
+        </a:solidFill>
+        <a:latin typeface="+mn-lt"/>
+        <a:ea typeface="+mn-ea"/>
+        <a:cs typeface="+mn-cs"/>
+      </a:defRPr>
+    </a:lvl2pPr>
+    <a:lvl3pPr marL="914400" algn="l" defTabSz="914400" rtl="0" eaLnBrk="1" latinLnBrk="0" hangingPunct="1">
+      <a:defRPr sz="1200" kern="1200">
+        <a:solidFill>
+          <a:schemeClr val="tx1"/>
+        </a:solidFill>
+        <a:latin typeface="+mn-lt"/>
+        <a:ea typeface="+mn-ea"/>
+        <a:cs typeface="+mn-cs"/>
+      </a:defRPr>
+    </a:lvl3pPr>
+    <a:lvl4pPr marL="1371600" algn="l" defTabSz="914400" rtl="0" eaLnBrk="1" latinLnBrk="0" hangingPunct="1">
+      <a:defRPr sz="1200" kern="1200">
+        <a:solidFill>
+          <a:schemeClr val="tx1"/>
+        </a:solidFill>
+        <a:latin typeface="+mn-lt"/>
+        <a:ea typeface="+mn-ea"/>
+        <a:cs typeface="+mn-cs"/>
+      </a:defRPr>
+    </a:lvl4pPr>
+    <a:lvl5pPr marL="1828800" algn="l" defTabSz="914400" rtl="0" eaLnBrk="1" latinLnBrk="0" hangingPunct="1">
+      <a:defRPr sz="1200" kern="1200">
+        <a:solidFill>
+          <a:schemeClr val="tx1"/>
+        </a:solidFill>
+        <a:latin typeface="+mn-lt"/>
+        <a:ea typeface="+mn-ea"/>
+        <a:cs typeface="+mn-cs"/>
+      </a:defRPr>
+    </a:lvl5pPr>
+    <a:lvl6pPr marL="2286000" algn="l" defTabSz="914400" rtl="0" eaLnBrk="1" latinLnBrk="0" hangingPunct="1">
+      <a:defRPr sz="1200" kern="1200">
+        <a:solidFill>
+          <a:schemeClr val="tx1"/>
+        </a:solidFill>
+        <a:latin typeface="+mn-lt"/>
+        <a:ea typeface="+mn-ea"/>
+        <a:cs typeface="+mn-cs"/>
+      </a:defRPr>
+    </a:lvl6pPr>
+    <a:lvl7pPr marL="2743200" algn="l" defTabSz="914400" rtl="0" eaLnBrk="1" latinLnBrk="0" hangingPunct="1">
+      <a:defRPr sz="1200" kern="1200">
+        <a:solidFill>
+          <a:schemeClr val="tx1"/>
+        </a:solidFill>
+        <a:latin typeface="+mn-lt"/>
+        <a:ea typeface="+mn-ea"/>
+        <a:cs typeface="+mn-cs"/>
+      </a:defRPr>
+    </a:lvl7pPr>
+    <a:lvl8pPr marL="3200400" algn="l" defTabSz="914400" rtl="0" eaLnBrk="1" latinLnBrk="0" hangingPunct="1">
+      <a:defRPr sz="1200" kern="1200">
+        <a:solidFill>
+          <a:schemeClr val="tx1"/>
+        </a:solidFill>
+        <a:latin typeface="+mn-lt"/>
+        <a:ea typeface="+mn-ea"/>
+        <a:cs typeface="+mn-cs"/>
+      </a:defRPr>
+    </a:lvl8pPr>
+    <a:lvl9pPr marL="3657600" algn="l" defTabSz="914400" rtl="0" eaLnBrk="1" latinLnBrk="0" hangingPunct="1">
+      <a:defRPr sz="1200" kern="1200">
+        <a:solidFill>
+          <a:schemeClr val="tx1"/>
+        </a:solidFill>
+        <a:latin typeface="+mn-lt"/>
+        <a:ea typeface="+mn-ea"/>
+        <a:cs typeface="+mn-cs"/>
+      </a:defRPr>
+    </a:lvl9pPr>
+  </p:notesStyle>
+</p:notesMaster>
+</file>
+
+<file path=ppt/notesSlides/notesSlide1.xml><?xml version="1.0" encoding="utf-8"?>
+<p:notes xmlns:a="http://schemas.openxmlformats.org/drawingml/2006/main" xmlns:r="http://schemas.openxmlformats.org/officeDocument/2006/relationships" xmlns:p="http://schemas.openxmlformats.org/presentationml/2006/main">
+  <p:cSld>
+    <p:spTree>
+      <p:nvGrpSpPr>
+        <p:cNvPr id="1" name=""/>
+        <p:cNvGrpSpPr/>
+        <p:nvPr/>
+      </p:nvGrpSpPr>
+      <p:grpSpPr>
+        <a:xfrm>
+          <a:off x="0" y="0"/>
+          <a:ext cx="0" cy="0"/>
+          <a:chOff x="0" y="0"/>
+          <a:chExt cx="0" cy="0"/>
+        </a:xfrm>
+      </p:grpSpPr>
+      <p:sp>
+        <p:nvSpPr>
+          <p:cNvPr id="2" name="Folienbildplatzhalter 1"/>
+          <p:cNvSpPr>
+            <a:spLocks noGrp="1" noRot="1" noChangeAspect="1"/>
+          </p:cNvSpPr>
+          <p:nvPr>
+            <p:ph type="sldImg"/>
+          </p:nvPr>
+        </p:nvSpPr>
+        <p:spPr/>
+      </p:sp>
+      <p:sp>
+        <p:nvSpPr>
+          <p:cNvPr id="3" name="Notizenplatzhalter 2"/>
+          <p:cNvSpPr>
+            <a:spLocks noGrp="1"/>
+          </p:cNvSpPr>
+          <p:nvPr>
+            <p:ph type="body" idx="1"/>
+          </p:nvPr>
+        </p:nvSpPr>
+        <p:spPr/>
+        <p:txBody>
+          <a:bodyPr/>
+          <a:lstStyle/>
+          <a:p>
+            <a:endParaRPr lang="de-DE" dirty="0"/>
+          </a:p>
+        </p:txBody>
+      </p:sp>
+      <p:sp>
+        <p:nvSpPr>
+          <p:cNvPr id="4" name="Foliennummernplatzhalter 3"/>
+          <p:cNvSpPr>
+            <a:spLocks noGrp="1"/>
+          </p:cNvSpPr>
+          <p:nvPr>
+            <p:ph type="sldNum" sz="quarter" idx="5"/>
+          </p:nvPr>
+        </p:nvSpPr>
+        <p:spPr/>
+        <p:txBody>
+          <a:bodyPr/>
+          <a:lstStyle/>
+          <a:p>
+            <a:fld id="{48EE41BD-4819-44BC-B5FD-3CE7342A7368}" type="slidenum">
+              <a:rPr lang="de-DE" smtClean="0"/>
+              <a:t>11</a:t>
+            </a:fld>
+            <a:endParaRPr lang="de-DE"/>
+          </a:p>
+        </p:txBody>
+      </p:sp>
+    </p:spTree>
+    <p:extLst>
+      <p:ext uri="{BB962C8B-B14F-4D97-AF65-F5344CB8AC3E}">
+        <p14:creationId xmlns:p14="http://schemas.microsoft.com/office/powerpoint/2010/main" val="2416147707"/>
+      </p:ext>
+    </p:extLst>
+  </p:cSld>
+  <p:clrMapOvr>
+    <a:masterClrMapping/>
+  </p:clrMapOvr>
+</p:notes>
 </file>
 
 <file path=ppt/slideLayouts/slideLayout1.xml><?xml version="1.0" encoding="utf-8"?>
@@ -269,7 +705,7 @@
           <a:p>
             <a:fld id="{F3EB2857-2321-4C4D-8D06-77DF79DF910F}" type="datetimeFigureOut">
               <a:rPr lang="de-DE" smtClean="0"/>
-              <a:t>29.01.2025</a:t>
+              <a:t>12.02.2025</a:t>
             </a:fld>
             <a:endParaRPr lang="de-DE"/>
           </a:p>
@@ -467,7 +903,7 @@
           <a:p>
             <a:fld id="{F3EB2857-2321-4C4D-8D06-77DF79DF910F}" type="datetimeFigureOut">
               <a:rPr lang="de-DE" smtClean="0"/>
-              <a:t>29.01.2025</a:t>
+              <a:t>12.02.2025</a:t>
             </a:fld>
             <a:endParaRPr lang="de-DE"/>
           </a:p>
@@ -675,7 +1111,7 @@
           <a:p>
             <a:fld id="{F3EB2857-2321-4C4D-8D06-77DF79DF910F}" type="datetimeFigureOut">
               <a:rPr lang="de-DE" smtClean="0"/>
-              <a:t>29.01.2025</a:t>
+              <a:t>12.02.2025</a:t>
             </a:fld>
             <a:endParaRPr lang="de-DE"/>
           </a:p>
@@ -873,7 +1309,7 @@
           <a:p>
             <a:fld id="{F3EB2857-2321-4C4D-8D06-77DF79DF910F}" type="datetimeFigureOut">
               <a:rPr lang="de-DE" smtClean="0"/>
-              <a:t>29.01.2025</a:t>
+              <a:t>12.02.2025</a:t>
             </a:fld>
             <a:endParaRPr lang="de-DE"/>
           </a:p>
@@ -1148,7 +1584,7 @@
           <a:p>
             <a:fld id="{F3EB2857-2321-4C4D-8D06-77DF79DF910F}" type="datetimeFigureOut">
               <a:rPr lang="de-DE" smtClean="0"/>
-              <a:t>29.01.2025</a:t>
+              <a:t>12.02.2025</a:t>
             </a:fld>
             <a:endParaRPr lang="de-DE"/>
           </a:p>
@@ -1413,7 +1849,7 @@
           <a:p>
             <a:fld id="{F3EB2857-2321-4C4D-8D06-77DF79DF910F}" type="datetimeFigureOut">
               <a:rPr lang="de-DE" smtClean="0"/>
-              <a:t>29.01.2025</a:t>
+              <a:t>12.02.2025</a:t>
             </a:fld>
             <a:endParaRPr lang="de-DE"/>
           </a:p>
@@ -1825,7 +2261,7 @@
           <a:p>
             <a:fld id="{F3EB2857-2321-4C4D-8D06-77DF79DF910F}" type="datetimeFigureOut">
               <a:rPr lang="de-DE" smtClean="0"/>
-              <a:t>29.01.2025</a:t>
+              <a:t>12.02.2025</a:t>
             </a:fld>
             <a:endParaRPr lang="de-DE"/>
           </a:p>
@@ -1966,7 +2402,7 @@
           <a:p>
             <a:fld id="{F3EB2857-2321-4C4D-8D06-77DF79DF910F}" type="datetimeFigureOut">
               <a:rPr lang="de-DE" smtClean="0"/>
-              <a:t>29.01.2025</a:t>
+              <a:t>12.02.2025</a:t>
             </a:fld>
             <a:endParaRPr lang="de-DE"/>
           </a:p>
@@ -2079,7 +2515,7 @@
           <a:p>
             <a:fld id="{F3EB2857-2321-4C4D-8D06-77DF79DF910F}" type="datetimeFigureOut">
               <a:rPr lang="de-DE" smtClean="0"/>
-              <a:t>29.01.2025</a:t>
+              <a:t>12.02.2025</a:t>
             </a:fld>
             <a:endParaRPr lang="de-DE"/>
           </a:p>
@@ -2390,7 +2826,7 @@
           <a:p>
             <a:fld id="{F3EB2857-2321-4C4D-8D06-77DF79DF910F}" type="datetimeFigureOut">
               <a:rPr lang="de-DE" smtClean="0"/>
-              <a:t>29.01.2025</a:t>
+              <a:t>12.02.2025</a:t>
             </a:fld>
             <a:endParaRPr lang="de-DE"/>
           </a:p>
@@ -2678,7 +3114,7 @@
           <a:p>
             <a:fld id="{F3EB2857-2321-4C4D-8D06-77DF79DF910F}" type="datetimeFigureOut">
               <a:rPr lang="de-DE" smtClean="0"/>
-              <a:t>29.01.2025</a:t>
+              <a:t>12.02.2025</a:t>
             </a:fld>
             <a:endParaRPr lang="de-DE"/>
           </a:p>
@@ -2919,7 +3355,7 @@
           <a:p>
             <a:fld id="{F3EB2857-2321-4C4D-8D06-77DF79DF910F}" type="datetimeFigureOut">
               <a:rPr lang="de-DE" smtClean="0"/>
-              <a:t>29.01.2025</a:t>
+              <a:t>12.02.2025</a:t>
             </a:fld>
             <a:endParaRPr lang="de-DE"/>
           </a:p>
@@ -8168,7 +8604,7 @@
         </p:nvGrpSpPr>
         <p:grpSpPr>
           <a:xfrm>
-            <a:off x="739141" y="2855656"/>
+            <a:off x="1454778" y="4007014"/>
             <a:ext cx="3635585" cy="289983"/>
             <a:chOff x="739141" y="3284008"/>
             <a:chExt cx="3635585" cy="289983"/>
@@ -8409,52 +8845,6 @@
         </p:grpSp>
         <p:sp>
           <p:nvSpPr>
-            <p:cNvPr id="36" name="Ellipse 35">
-              <a:extLst>
-                <a:ext uri="{FF2B5EF4-FFF2-40B4-BE49-F238E27FC236}">
-                  <a16:creationId xmlns:a16="http://schemas.microsoft.com/office/drawing/2014/main" id="{82545CBE-3C58-9DC3-95E6-EA4DD1109E43}"/>
-                </a:ext>
-              </a:extLst>
-            </p:cNvPr>
-            <p:cNvSpPr/>
-            <p:nvPr/>
-          </p:nvSpPr>
-          <p:spPr>
-            <a:xfrm>
-              <a:off x="4329007" y="3309478"/>
-              <a:ext cx="45719" cy="45719"/>
-            </a:xfrm>
-            <a:prstGeom prst="ellipse">
-              <a:avLst/>
-            </a:prstGeom>
-          </p:spPr>
-          <p:style>
-            <a:lnRef idx="2">
-              <a:schemeClr val="accent1">
-                <a:shade val="15000"/>
-              </a:schemeClr>
-            </a:lnRef>
-            <a:fillRef idx="1">
-              <a:schemeClr val="accent1"/>
-            </a:fillRef>
-            <a:effectRef idx="0">
-              <a:schemeClr val="accent1"/>
-            </a:effectRef>
-            <a:fontRef idx="minor">
-              <a:schemeClr val="lt1"/>
-            </a:fontRef>
-          </p:style>
-          <p:txBody>
-            <a:bodyPr rtlCol="0" anchor="ctr"/>
-            <a:lstStyle/>
-            <a:p>
-              <a:pPr algn="ctr"/>
-              <a:endParaRPr lang="de-DE"/>
-            </a:p>
-          </p:txBody>
-        </p:sp>
-        <p:sp>
-          <p:nvSpPr>
             <p:cNvPr id="37" name="Ellipse 36">
               <a:extLst>
                 <a:ext uri="{FF2B5EF4-FFF2-40B4-BE49-F238E27FC236}">
@@ -8473,101 +8863,6 @@
             <a:prstGeom prst="ellipse">
               <a:avLst/>
             </a:prstGeom>
-          </p:spPr>
-          <p:style>
-            <a:lnRef idx="2">
-              <a:schemeClr val="accent1">
-                <a:shade val="15000"/>
-              </a:schemeClr>
-            </a:lnRef>
-            <a:fillRef idx="1">
-              <a:schemeClr val="accent1"/>
-            </a:fillRef>
-            <a:effectRef idx="0">
-              <a:schemeClr val="accent1"/>
-            </a:effectRef>
-            <a:fontRef idx="minor">
-              <a:schemeClr val="lt1"/>
-            </a:fontRef>
-          </p:style>
-          <p:txBody>
-            <a:bodyPr rtlCol="0" anchor="ctr"/>
-            <a:lstStyle/>
-            <a:p>
-              <a:pPr algn="ctr"/>
-              <a:endParaRPr lang="de-DE"/>
-            </a:p>
-          </p:txBody>
-        </p:sp>
-        <p:sp>
-          <p:nvSpPr>
-            <p:cNvPr id="38" name="Ellipse 37">
-              <a:extLst>
-                <a:ext uri="{FF2B5EF4-FFF2-40B4-BE49-F238E27FC236}">
-                  <a16:creationId xmlns:a16="http://schemas.microsoft.com/office/drawing/2014/main" id="{4A6920F2-31EC-6EF8-6D7A-069B58D6F4A2}"/>
-                </a:ext>
-              </a:extLst>
-            </p:cNvPr>
-            <p:cNvSpPr/>
-            <p:nvPr/>
-          </p:nvSpPr>
-          <p:spPr>
-            <a:xfrm>
-              <a:off x="4329007" y="3502800"/>
-              <a:ext cx="45719" cy="45719"/>
-            </a:xfrm>
-            <a:prstGeom prst="ellipse">
-              <a:avLst/>
-            </a:prstGeom>
-          </p:spPr>
-          <p:style>
-            <a:lnRef idx="2">
-              <a:schemeClr val="accent1">
-                <a:shade val="15000"/>
-              </a:schemeClr>
-            </a:lnRef>
-            <a:fillRef idx="1">
-              <a:schemeClr val="accent1"/>
-            </a:fillRef>
-            <a:effectRef idx="0">
-              <a:schemeClr val="accent1"/>
-            </a:effectRef>
-            <a:fontRef idx="minor">
-              <a:schemeClr val="lt1"/>
-            </a:fontRef>
-          </p:style>
-          <p:txBody>
-            <a:bodyPr rtlCol="0" anchor="ctr"/>
-            <a:lstStyle/>
-            <a:p>
-              <a:pPr algn="ctr"/>
-              <a:endParaRPr lang="de-DE"/>
-            </a:p>
-          </p:txBody>
-        </p:sp>
-        <p:sp>
-          <p:nvSpPr>
-            <p:cNvPr id="39" name="Ellipse 38">
-              <a:extLst>
-                <a:ext uri="{FF2B5EF4-FFF2-40B4-BE49-F238E27FC236}">
-                  <a16:creationId xmlns:a16="http://schemas.microsoft.com/office/drawing/2014/main" id="{27C1C45E-FAC8-450E-B4BA-6D9B99A878B8}"/>
-                </a:ext>
-              </a:extLst>
-            </p:cNvPr>
-            <p:cNvSpPr/>
-            <p:nvPr/>
-          </p:nvSpPr>
-          <p:spPr>
-            <a:xfrm>
-              <a:off x="739141" y="3309478"/>
-              <a:ext cx="45719" cy="45719"/>
-            </a:xfrm>
-            <a:prstGeom prst="ellipse">
-              <a:avLst/>
-            </a:prstGeom>
-            <a:solidFill>
-              <a:schemeClr val="accent2"/>
-            </a:solidFill>
           </p:spPr>
           <p:style>
             <a:lnRef idx="2">
@@ -8643,12 +8938,266 @@
             </a:p>
           </p:txBody>
         </p:sp>
+      </p:grpSp>
+      <p:grpSp>
+        <p:nvGrpSpPr>
+          <p:cNvPr id="14" name="Gruppieren 13">
+            <a:extLst>
+              <a:ext uri="{FF2B5EF4-FFF2-40B4-BE49-F238E27FC236}">
+                <a16:creationId xmlns:a16="http://schemas.microsoft.com/office/drawing/2014/main" id="{CD57C923-D100-6AC6-B4D2-70A6FDEB9F57}"/>
+              </a:ext>
+            </a:extLst>
+          </p:cNvPr>
+          <p:cNvGrpSpPr/>
+          <p:nvPr/>
+        </p:nvGrpSpPr>
+        <p:grpSpPr>
+          <a:xfrm rot="15761263">
+            <a:off x="3647746" y="2282213"/>
+            <a:ext cx="3635585" cy="289983"/>
+            <a:chOff x="739141" y="3284008"/>
+            <a:chExt cx="3635585" cy="289983"/>
+          </a:xfrm>
+        </p:grpSpPr>
+        <p:grpSp>
+          <p:nvGrpSpPr>
+            <p:cNvPr id="15" name="Gruppieren 14">
+              <a:extLst>
+                <a:ext uri="{FF2B5EF4-FFF2-40B4-BE49-F238E27FC236}">
+                  <a16:creationId xmlns:a16="http://schemas.microsoft.com/office/drawing/2014/main" id="{B60AA5B3-6C6F-099C-EEBD-ED93C4F5E9A8}"/>
+                </a:ext>
+              </a:extLst>
+            </p:cNvPr>
+            <p:cNvGrpSpPr/>
+            <p:nvPr/>
+          </p:nvGrpSpPr>
+          <p:grpSpPr>
+            <a:xfrm>
+              <a:off x="762001" y="3284008"/>
+              <a:ext cx="3589866" cy="289983"/>
+              <a:chOff x="2032000" y="2006599"/>
+              <a:chExt cx="6096000" cy="1117600"/>
+            </a:xfrm>
+          </p:grpSpPr>
+          <p:sp>
+            <p:nvSpPr>
+              <p:cNvPr id="22" name="Rechteck 21">
+                <a:extLst>
+                  <a:ext uri="{FF2B5EF4-FFF2-40B4-BE49-F238E27FC236}">
+                    <a16:creationId xmlns:a16="http://schemas.microsoft.com/office/drawing/2014/main" id="{8A32D7E6-6A8B-4CE3-19BF-A98105FC2AB4}"/>
+                  </a:ext>
+                </a:extLst>
+              </p:cNvPr>
+              <p:cNvSpPr/>
+              <p:nvPr/>
+            </p:nvSpPr>
+            <p:spPr>
+              <a:xfrm>
+                <a:off x="2032000" y="2006599"/>
+                <a:ext cx="6096000" cy="1117598"/>
+              </a:xfrm>
+              <a:prstGeom prst="rect">
+                <a:avLst/>
+              </a:prstGeom>
+              <a:solidFill>
+                <a:srgbClr val="D0CECE"/>
+              </a:solidFill>
+              <a:ln w="19050">
+                <a:solidFill>
+                  <a:schemeClr val="tx1"/>
+                </a:solidFill>
+                <a:prstDash val="solid"/>
+              </a:ln>
+            </p:spPr>
+            <p:style>
+              <a:lnRef idx="2">
+                <a:schemeClr val="accent1">
+                  <a:shade val="15000"/>
+                </a:schemeClr>
+              </a:lnRef>
+              <a:fillRef idx="1">
+                <a:schemeClr val="accent1"/>
+              </a:fillRef>
+              <a:effectRef idx="0">
+                <a:schemeClr val="accent1"/>
+              </a:effectRef>
+              <a:fontRef idx="minor">
+                <a:schemeClr val="lt1"/>
+              </a:fontRef>
+            </p:style>
+            <p:txBody>
+              <a:bodyPr rtlCol="0" anchor="ctr"/>
+              <a:lstStyle/>
+              <a:p>
+                <a:pPr algn="ctr"/>
+                <a:endParaRPr lang="de-DE"/>
+              </a:p>
+            </p:txBody>
+          </p:sp>
+          <p:sp>
+            <p:nvSpPr>
+              <p:cNvPr id="23" name="Rechteck 22">
+                <a:extLst>
+                  <a:ext uri="{FF2B5EF4-FFF2-40B4-BE49-F238E27FC236}">
+                    <a16:creationId xmlns:a16="http://schemas.microsoft.com/office/drawing/2014/main" id="{4CACC8D0-4E07-01DC-84EA-4207EE689F84}"/>
+                  </a:ext>
+                </a:extLst>
+              </p:cNvPr>
+              <p:cNvSpPr/>
+              <p:nvPr/>
+            </p:nvSpPr>
+            <p:spPr>
+              <a:xfrm>
+                <a:off x="2032000" y="2006600"/>
+                <a:ext cx="6096000" cy="372533"/>
+              </a:xfrm>
+              <a:prstGeom prst="rect">
+                <a:avLst/>
+              </a:prstGeom>
+              <a:noFill/>
+              <a:ln>
+                <a:solidFill>
+                  <a:schemeClr val="tx1"/>
+                </a:solidFill>
+                <a:prstDash val="lgDash"/>
+              </a:ln>
+            </p:spPr>
+            <p:style>
+              <a:lnRef idx="2">
+                <a:schemeClr val="accent1">
+                  <a:shade val="15000"/>
+                </a:schemeClr>
+              </a:lnRef>
+              <a:fillRef idx="1">
+                <a:schemeClr val="accent1"/>
+              </a:fillRef>
+              <a:effectRef idx="0">
+                <a:schemeClr val="accent1"/>
+              </a:effectRef>
+              <a:fontRef idx="minor">
+                <a:schemeClr val="lt1"/>
+              </a:fontRef>
+            </p:style>
+            <p:txBody>
+              <a:bodyPr rtlCol="0" anchor="ctr"/>
+              <a:lstStyle/>
+              <a:p>
+                <a:pPr algn="ctr"/>
+                <a:endParaRPr lang="de-DE"/>
+              </a:p>
+            </p:txBody>
+          </p:sp>
+          <p:sp>
+            <p:nvSpPr>
+              <p:cNvPr id="24" name="Rechteck 23">
+                <a:extLst>
+                  <a:ext uri="{FF2B5EF4-FFF2-40B4-BE49-F238E27FC236}">
+                    <a16:creationId xmlns:a16="http://schemas.microsoft.com/office/drawing/2014/main" id="{4C5350F1-0DD7-0588-6D53-1CCADEF91AF8}"/>
+                  </a:ext>
+                </a:extLst>
+              </p:cNvPr>
+              <p:cNvSpPr/>
+              <p:nvPr/>
+            </p:nvSpPr>
+            <p:spPr>
+              <a:xfrm>
+                <a:off x="2032000" y="2379133"/>
+                <a:ext cx="6096000" cy="372533"/>
+              </a:xfrm>
+              <a:prstGeom prst="rect">
+                <a:avLst/>
+              </a:prstGeom>
+              <a:noFill/>
+              <a:ln>
+                <a:noFill/>
+                <a:prstDash val="lgDash"/>
+              </a:ln>
+            </p:spPr>
+            <p:style>
+              <a:lnRef idx="2">
+                <a:schemeClr val="accent1">
+                  <a:shade val="15000"/>
+                </a:schemeClr>
+              </a:lnRef>
+              <a:fillRef idx="1">
+                <a:schemeClr val="accent1"/>
+              </a:fillRef>
+              <a:effectRef idx="0">
+                <a:schemeClr val="accent1"/>
+              </a:effectRef>
+              <a:fontRef idx="minor">
+                <a:schemeClr val="lt1"/>
+              </a:fontRef>
+            </p:style>
+            <p:txBody>
+              <a:bodyPr rtlCol="0" anchor="ctr"/>
+              <a:lstStyle/>
+              <a:p>
+                <a:pPr algn="ctr"/>
+                <a:endParaRPr lang="de-DE"/>
+              </a:p>
+            </p:txBody>
+          </p:sp>
+          <p:sp>
+            <p:nvSpPr>
+              <p:cNvPr id="25" name="Rechteck 24">
+                <a:extLst>
+                  <a:ext uri="{FF2B5EF4-FFF2-40B4-BE49-F238E27FC236}">
+                    <a16:creationId xmlns:a16="http://schemas.microsoft.com/office/drawing/2014/main" id="{45F5F90F-4903-B13E-36D6-25B30AB35EA8}"/>
+                  </a:ext>
+                </a:extLst>
+              </p:cNvPr>
+              <p:cNvSpPr/>
+              <p:nvPr/>
+            </p:nvSpPr>
+            <p:spPr>
+              <a:xfrm>
+                <a:off x="2032000" y="2751666"/>
+                <a:ext cx="6096000" cy="372533"/>
+              </a:xfrm>
+              <a:prstGeom prst="rect">
+                <a:avLst/>
+              </a:prstGeom>
+              <a:noFill/>
+              <a:ln>
+                <a:solidFill>
+                  <a:schemeClr val="tx1"/>
+                </a:solidFill>
+                <a:prstDash val="lgDash"/>
+              </a:ln>
+            </p:spPr>
+            <p:style>
+              <a:lnRef idx="2">
+                <a:schemeClr val="accent1">
+                  <a:shade val="15000"/>
+                </a:schemeClr>
+              </a:lnRef>
+              <a:fillRef idx="1">
+                <a:schemeClr val="accent1"/>
+              </a:fillRef>
+              <a:effectRef idx="0">
+                <a:schemeClr val="accent1"/>
+              </a:effectRef>
+              <a:fontRef idx="minor">
+                <a:schemeClr val="lt1"/>
+              </a:fontRef>
+            </p:style>
+            <p:txBody>
+              <a:bodyPr rtlCol="0" anchor="ctr"/>
+              <a:lstStyle/>
+              <a:p>
+                <a:pPr algn="ctr"/>
+                <a:endParaRPr lang="de-DE"/>
+              </a:p>
+            </p:txBody>
+          </p:sp>
+        </p:grpSp>
         <p:sp>
           <p:nvSpPr>
-            <p:cNvPr id="41" name="Ellipse 40">
+            <p:cNvPr id="17" name="Ellipse 16">
               <a:extLst>
                 <a:ext uri="{FF2B5EF4-FFF2-40B4-BE49-F238E27FC236}">
-                  <a16:creationId xmlns:a16="http://schemas.microsoft.com/office/drawing/2014/main" id="{D027918D-A3CE-F74F-91E1-C7EAEC46BB23}"/>
+                  <a16:creationId xmlns:a16="http://schemas.microsoft.com/office/drawing/2014/main" id="{E14C5CB0-AF4D-6038-2046-7C2BFD2E72D5}"/>
                 </a:ext>
               </a:extLst>
             </p:cNvPr>
@@ -8657,7 +9206,1356 @@
           </p:nvSpPr>
           <p:spPr>
             <a:xfrm>
-              <a:off x="739141" y="3498019"/>
+              <a:off x="4329007" y="3406139"/>
+              <a:ext cx="45719" cy="45719"/>
+            </a:xfrm>
+            <a:prstGeom prst="ellipse">
+              <a:avLst/>
+            </a:prstGeom>
+          </p:spPr>
+          <p:style>
+            <a:lnRef idx="2">
+              <a:schemeClr val="accent1">
+                <a:shade val="15000"/>
+              </a:schemeClr>
+            </a:lnRef>
+            <a:fillRef idx="1">
+              <a:schemeClr val="accent1"/>
+            </a:fillRef>
+            <a:effectRef idx="0">
+              <a:schemeClr val="accent1"/>
+            </a:effectRef>
+            <a:fontRef idx="minor">
+              <a:schemeClr val="lt1"/>
+            </a:fontRef>
+          </p:style>
+          <p:txBody>
+            <a:bodyPr rtlCol="0" anchor="ctr"/>
+            <a:lstStyle/>
+            <a:p>
+              <a:pPr algn="ctr"/>
+              <a:endParaRPr lang="de-DE"/>
+            </a:p>
+          </p:txBody>
+        </p:sp>
+        <p:sp>
+          <p:nvSpPr>
+            <p:cNvPr id="20" name="Ellipse 19">
+              <a:extLst>
+                <a:ext uri="{FF2B5EF4-FFF2-40B4-BE49-F238E27FC236}">
+                  <a16:creationId xmlns:a16="http://schemas.microsoft.com/office/drawing/2014/main" id="{7B7BC060-F3E3-0622-94FA-7F7ADBB221DD}"/>
+                </a:ext>
+              </a:extLst>
+            </p:cNvPr>
+            <p:cNvSpPr/>
+            <p:nvPr/>
+          </p:nvSpPr>
+          <p:spPr>
+            <a:xfrm>
+              <a:off x="739141" y="3407921"/>
+              <a:ext cx="45719" cy="45719"/>
+            </a:xfrm>
+            <a:prstGeom prst="ellipse">
+              <a:avLst/>
+            </a:prstGeom>
+            <a:solidFill>
+              <a:schemeClr val="accent2"/>
+            </a:solidFill>
+          </p:spPr>
+          <p:style>
+            <a:lnRef idx="2">
+              <a:schemeClr val="accent1">
+                <a:shade val="15000"/>
+              </a:schemeClr>
+            </a:lnRef>
+            <a:fillRef idx="1">
+              <a:schemeClr val="accent1"/>
+            </a:fillRef>
+            <a:effectRef idx="0">
+              <a:schemeClr val="accent1"/>
+            </a:effectRef>
+            <a:fontRef idx="minor">
+              <a:schemeClr val="lt1"/>
+            </a:fontRef>
+          </p:style>
+          <p:txBody>
+            <a:bodyPr rtlCol="0" anchor="ctr"/>
+            <a:lstStyle/>
+            <a:p>
+              <a:pPr algn="ctr"/>
+              <a:endParaRPr lang="de-DE"/>
+            </a:p>
+          </p:txBody>
+        </p:sp>
+      </p:grpSp>
+      <p:cxnSp>
+        <p:nvCxnSpPr>
+          <p:cNvPr id="27" name="Verbinder: gekrümmt 26">
+            <a:extLst>
+              <a:ext uri="{FF2B5EF4-FFF2-40B4-BE49-F238E27FC236}">
+                <a16:creationId xmlns:a16="http://schemas.microsoft.com/office/drawing/2014/main" id="{875B0098-73D6-77C7-D3E9-2D6431033066}"/>
+              </a:ext>
+            </a:extLst>
+          </p:cNvPr>
+          <p:cNvCxnSpPr>
+            <a:cxnSpLocks/>
+            <a:stCxn id="37" idx="6"/>
+            <a:endCxn id="20" idx="2"/>
+          </p:cNvCxnSpPr>
+          <p:nvPr/>
+        </p:nvCxnSpPr>
+        <p:spPr>
+          <a:xfrm>
+            <a:off x="5090363" y="4152005"/>
+            <a:ext cx="608306" cy="77981"/>
+          </a:xfrm>
+          <a:prstGeom prst="curvedConnector4">
+            <a:avLst>
+              <a:gd name="adj1" fmla="val 47882"/>
+              <a:gd name="adj2" fmla="val 393148"/>
+            </a:avLst>
+          </a:prstGeom>
+          <a:ln>
+            <a:solidFill>
+              <a:schemeClr val="tx1"/>
+            </a:solidFill>
+            <a:tailEnd type="triangle"/>
+          </a:ln>
+        </p:spPr>
+        <p:style>
+          <a:lnRef idx="1">
+            <a:schemeClr val="accent1"/>
+          </a:lnRef>
+          <a:fillRef idx="0">
+            <a:schemeClr val="accent1"/>
+          </a:fillRef>
+          <a:effectRef idx="0">
+            <a:schemeClr val="accent1"/>
+          </a:effectRef>
+          <a:fontRef idx="minor">
+            <a:schemeClr val="tx1"/>
+          </a:fontRef>
+        </p:style>
+      </p:cxnSp>
+      <p:grpSp>
+        <p:nvGrpSpPr>
+          <p:cNvPr id="2" name="Gruppieren 1">
+            <a:extLst>
+              <a:ext uri="{FF2B5EF4-FFF2-40B4-BE49-F238E27FC236}">
+                <a16:creationId xmlns:a16="http://schemas.microsoft.com/office/drawing/2014/main" id="{760EC3E8-6C3F-4A8B-8015-C8487F9472A8}"/>
+              </a:ext>
+            </a:extLst>
+          </p:cNvPr>
+          <p:cNvGrpSpPr/>
+          <p:nvPr/>
+        </p:nvGrpSpPr>
+        <p:grpSpPr>
+          <a:xfrm rot="20119461">
+            <a:off x="2565875" y="2609334"/>
+            <a:ext cx="3635585" cy="289983"/>
+            <a:chOff x="739141" y="3284008"/>
+            <a:chExt cx="3635585" cy="289983"/>
+          </a:xfrm>
+        </p:grpSpPr>
+        <p:grpSp>
+          <p:nvGrpSpPr>
+            <p:cNvPr id="3" name="Gruppieren 2">
+              <a:extLst>
+                <a:ext uri="{FF2B5EF4-FFF2-40B4-BE49-F238E27FC236}">
+                  <a16:creationId xmlns:a16="http://schemas.microsoft.com/office/drawing/2014/main" id="{DF000084-1327-DBCB-AD05-0604580F83CA}"/>
+                </a:ext>
+              </a:extLst>
+            </p:cNvPr>
+            <p:cNvGrpSpPr/>
+            <p:nvPr/>
+          </p:nvGrpSpPr>
+          <p:grpSpPr>
+            <a:xfrm>
+              <a:off x="762001" y="3284008"/>
+              <a:ext cx="3589866" cy="289983"/>
+              <a:chOff x="2032000" y="2006599"/>
+              <a:chExt cx="6096000" cy="1117600"/>
+            </a:xfrm>
+          </p:grpSpPr>
+          <p:sp>
+            <p:nvSpPr>
+              <p:cNvPr id="10" name="Rechteck 9">
+                <a:extLst>
+                  <a:ext uri="{FF2B5EF4-FFF2-40B4-BE49-F238E27FC236}">
+                    <a16:creationId xmlns:a16="http://schemas.microsoft.com/office/drawing/2014/main" id="{2B8903AC-5D99-B357-F95F-AF3EEF33E412}"/>
+                  </a:ext>
+                </a:extLst>
+              </p:cNvPr>
+              <p:cNvSpPr/>
+              <p:nvPr/>
+            </p:nvSpPr>
+            <p:spPr>
+              <a:xfrm>
+                <a:off x="2032000" y="2006599"/>
+                <a:ext cx="6096000" cy="1117598"/>
+              </a:xfrm>
+              <a:prstGeom prst="rect">
+                <a:avLst/>
+              </a:prstGeom>
+              <a:solidFill>
+                <a:srgbClr val="D0CECE"/>
+              </a:solidFill>
+              <a:ln w="19050">
+                <a:solidFill>
+                  <a:schemeClr val="tx1"/>
+                </a:solidFill>
+                <a:prstDash val="solid"/>
+              </a:ln>
+            </p:spPr>
+            <p:style>
+              <a:lnRef idx="2">
+                <a:schemeClr val="accent1">
+                  <a:shade val="15000"/>
+                </a:schemeClr>
+              </a:lnRef>
+              <a:fillRef idx="1">
+                <a:schemeClr val="accent1"/>
+              </a:fillRef>
+              <a:effectRef idx="0">
+                <a:schemeClr val="accent1"/>
+              </a:effectRef>
+              <a:fontRef idx="minor">
+                <a:schemeClr val="lt1"/>
+              </a:fontRef>
+            </p:style>
+            <p:txBody>
+              <a:bodyPr rtlCol="0" anchor="ctr"/>
+              <a:lstStyle/>
+              <a:p>
+                <a:pPr algn="ctr"/>
+                <a:endParaRPr lang="de-DE"/>
+              </a:p>
+            </p:txBody>
+          </p:sp>
+          <p:sp>
+            <p:nvSpPr>
+              <p:cNvPr id="11" name="Rechteck 10">
+                <a:extLst>
+                  <a:ext uri="{FF2B5EF4-FFF2-40B4-BE49-F238E27FC236}">
+                    <a16:creationId xmlns:a16="http://schemas.microsoft.com/office/drawing/2014/main" id="{163CC47E-A230-95B4-4ACE-6277A6AE66F8}"/>
+                  </a:ext>
+                </a:extLst>
+              </p:cNvPr>
+              <p:cNvSpPr/>
+              <p:nvPr/>
+            </p:nvSpPr>
+            <p:spPr>
+              <a:xfrm>
+                <a:off x="2032000" y="2006600"/>
+                <a:ext cx="6096000" cy="372533"/>
+              </a:xfrm>
+              <a:prstGeom prst="rect">
+                <a:avLst/>
+              </a:prstGeom>
+              <a:noFill/>
+              <a:ln>
+                <a:solidFill>
+                  <a:schemeClr val="tx1"/>
+                </a:solidFill>
+                <a:prstDash val="lgDash"/>
+              </a:ln>
+            </p:spPr>
+            <p:style>
+              <a:lnRef idx="2">
+                <a:schemeClr val="accent1">
+                  <a:shade val="15000"/>
+                </a:schemeClr>
+              </a:lnRef>
+              <a:fillRef idx="1">
+                <a:schemeClr val="accent1"/>
+              </a:fillRef>
+              <a:effectRef idx="0">
+                <a:schemeClr val="accent1"/>
+              </a:effectRef>
+              <a:fontRef idx="minor">
+                <a:schemeClr val="lt1"/>
+              </a:fontRef>
+            </p:style>
+            <p:txBody>
+              <a:bodyPr rtlCol="0" anchor="ctr"/>
+              <a:lstStyle/>
+              <a:p>
+                <a:pPr algn="ctr"/>
+                <a:endParaRPr lang="de-DE"/>
+              </a:p>
+            </p:txBody>
+          </p:sp>
+          <p:sp>
+            <p:nvSpPr>
+              <p:cNvPr id="12" name="Rechteck 11">
+                <a:extLst>
+                  <a:ext uri="{FF2B5EF4-FFF2-40B4-BE49-F238E27FC236}">
+                    <a16:creationId xmlns:a16="http://schemas.microsoft.com/office/drawing/2014/main" id="{8B192F5D-EB0C-F4FA-5E9C-17EA4CCBE2ED}"/>
+                  </a:ext>
+                </a:extLst>
+              </p:cNvPr>
+              <p:cNvSpPr/>
+              <p:nvPr/>
+            </p:nvSpPr>
+            <p:spPr>
+              <a:xfrm>
+                <a:off x="2032000" y="2379133"/>
+                <a:ext cx="6096000" cy="372533"/>
+              </a:xfrm>
+              <a:prstGeom prst="rect">
+                <a:avLst/>
+              </a:prstGeom>
+              <a:noFill/>
+              <a:ln>
+                <a:noFill/>
+                <a:prstDash val="lgDash"/>
+              </a:ln>
+            </p:spPr>
+            <p:style>
+              <a:lnRef idx="2">
+                <a:schemeClr val="accent1">
+                  <a:shade val="15000"/>
+                </a:schemeClr>
+              </a:lnRef>
+              <a:fillRef idx="1">
+                <a:schemeClr val="accent1"/>
+              </a:fillRef>
+              <a:effectRef idx="0">
+                <a:schemeClr val="accent1"/>
+              </a:effectRef>
+              <a:fontRef idx="minor">
+                <a:schemeClr val="lt1"/>
+              </a:fontRef>
+            </p:style>
+            <p:txBody>
+              <a:bodyPr rtlCol="0" anchor="ctr"/>
+              <a:lstStyle/>
+              <a:p>
+                <a:pPr algn="ctr"/>
+                <a:endParaRPr lang="de-DE"/>
+              </a:p>
+            </p:txBody>
+          </p:sp>
+          <p:sp>
+            <p:nvSpPr>
+              <p:cNvPr id="13" name="Rechteck 12">
+                <a:extLst>
+                  <a:ext uri="{FF2B5EF4-FFF2-40B4-BE49-F238E27FC236}">
+                    <a16:creationId xmlns:a16="http://schemas.microsoft.com/office/drawing/2014/main" id="{FAD96FA4-6EDA-E4CC-6AC0-68DFBDF8C772}"/>
+                  </a:ext>
+                </a:extLst>
+              </p:cNvPr>
+              <p:cNvSpPr/>
+              <p:nvPr/>
+            </p:nvSpPr>
+            <p:spPr>
+              <a:xfrm>
+                <a:off x="2032000" y="2751666"/>
+                <a:ext cx="6096000" cy="372533"/>
+              </a:xfrm>
+              <a:prstGeom prst="rect">
+                <a:avLst/>
+              </a:prstGeom>
+              <a:noFill/>
+              <a:ln>
+                <a:solidFill>
+                  <a:schemeClr val="tx1"/>
+                </a:solidFill>
+                <a:prstDash val="lgDash"/>
+              </a:ln>
+            </p:spPr>
+            <p:style>
+              <a:lnRef idx="2">
+                <a:schemeClr val="accent1">
+                  <a:shade val="15000"/>
+                </a:schemeClr>
+              </a:lnRef>
+              <a:fillRef idx="1">
+                <a:schemeClr val="accent1"/>
+              </a:fillRef>
+              <a:effectRef idx="0">
+                <a:schemeClr val="accent1"/>
+              </a:effectRef>
+              <a:fontRef idx="minor">
+                <a:schemeClr val="lt1"/>
+              </a:fontRef>
+            </p:style>
+            <p:txBody>
+              <a:bodyPr rtlCol="0" anchor="ctr"/>
+              <a:lstStyle/>
+              <a:p>
+                <a:pPr algn="ctr"/>
+                <a:endParaRPr lang="de-DE"/>
+              </a:p>
+            </p:txBody>
+          </p:sp>
+        </p:grpSp>
+        <p:sp>
+          <p:nvSpPr>
+            <p:cNvPr id="5" name="Ellipse 4">
+              <a:extLst>
+                <a:ext uri="{FF2B5EF4-FFF2-40B4-BE49-F238E27FC236}">
+                  <a16:creationId xmlns:a16="http://schemas.microsoft.com/office/drawing/2014/main" id="{8D93CDE1-91BD-84CE-AB15-F152C967D023}"/>
+                </a:ext>
+              </a:extLst>
+            </p:cNvPr>
+            <p:cNvSpPr/>
+            <p:nvPr/>
+          </p:nvSpPr>
+          <p:spPr>
+            <a:xfrm>
+              <a:off x="4329007" y="3406139"/>
+              <a:ext cx="45719" cy="45719"/>
+            </a:xfrm>
+            <a:prstGeom prst="ellipse">
+              <a:avLst/>
+            </a:prstGeom>
+          </p:spPr>
+          <p:style>
+            <a:lnRef idx="2">
+              <a:schemeClr val="accent1">
+                <a:shade val="15000"/>
+              </a:schemeClr>
+            </a:lnRef>
+            <a:fillRef idx="1">
+              <a:schemeClr val="accent1"/>
+            </a:fillRef>
+            <a:effectRef idx="0">
+              <a:schemeClr val="accent1"/>
+            </a:effectRef>
+            <a:fontRef idx="minor">
+              <a:schemeClr val="lt1"/>
+            </a:fontRef>
+          </p:style>
+          <p:txBody>
+            <a:bodyPr rtlCol="0" anchor="ctr"/>
+            <a:lstStyle/>
+            <a:p>
+              <a:pPr algn="ctr"/>
+              <a:endParaRPr lang="de-DE"/>
+            </a:p>
+          </p:txBody>
+        </p:sp>
+        <p:sp>
+          <p:nvSpPr>
+            <p:cNvPr id="8" name="Ellipse 7">
+              <a:extLst>
+                <a:ext uri="{FF2B5EF4-FFF2-40B4-BE49-F238E27FC236}">
+                  <a16:creationId xmlns:a16="http://schemas.microsoft.com/office/drawing/2014/main" id="{6173DE96-4C6D-7213-2D26-B2467E6216E9}"/>
+                </a:ext>
+              </a:extLst>
+            </p:cNvPr>
+            <p:cNvSpPr/>
+            <p:nvPr/>
+          </p:nvSpPr>
+          <p:spPr>
+            <a:xfrm>
+              <a:off x="739141" y="3407921"/>
+              <a:ext cx="45719" cy="45719"/>
+            </a:xfrm>
+            <a:prstGeom prst="ellipse">
+              <a:avLst/>
+            </a:prstGeom>
+            <a:solidFill>
+              <a:schemeClr val="accent2"/>
+            </a:solidFill>
+          </p:spPr>
+          <p:style>
+            <a:lnRef idx="2">
+              <a:schemeClr val="accent1">
+                <a:shade val="15000"/>
+              </a:schemeClr>
+            </a:lnRef>
+            <a:fillRef idx="1">
+              <a:schemeClr val="accent1"/>
+            </a:fillRef>
+            <a:effectRef idx="0">
+              <a:schemeClr val="accent1"/>
+            </a:effectRef>
+            <a:fontRef idx="minor">
+              <a:schemeClr val="lt1"/>
+            </a:fontRef>
+          </p:style>
+          <p:txBody>
+            <a:bodyPr rtlCol="0" anchor="ctr"/>
+            <a:lstStyle/>
+            <a:p>
+              <a:pPr algn="ctr"/>
+              <a:endParaRPr lang="de-DE"/>
+            </a:p>
+          </p:txBody>
+        </p:sp>
+      </p:grpSp>
+      <p:cxnSp>
+        <p:nvCxnSpPr>
+          <p:cNvPr id="31" name="Verbinder: gekrümmt 30">
+            <a:extLst>
+              <a:ext uri="{FF2B5EF4-FFF2-40B4-BE49-F238E27FC236}">
+                <a16:creationId xmlns:a16="http://schemas.microsoft.com/office/drawing/2014/main" id="{374A6CBC-CC7B-ED79-5B4A-3D467683DC31}"/>
+              </a:ext>
+            </a:extLst>
+          </p:cNvPr>
+          <p:cNvCxnSpPr>
+            <a:cxnSpLocks/>
+            <a:stCxn id="8" idx="2"/>
+            <a:endCxn id="40" idx="2"/>
+          </p:cNvCxnSpPr>
+          <p:nvPr/>
+        </p:nvCxnSpPr>
+        <p:spPr>
+          <a:xfrm rot="10800000" flipV="1">
+            <a:off x="1454778" y="3514837"/>
+            <a:ext cx="1277832" cy="638949"/>
+          </a:xfrm>
+          <a:prstGeom prst="curvedConnector3">
+            <a:avLst>
+              <a:gd name="adj1" fmla="val 117890"/>
+            </a:avLst>
+          </a:prstGeom>
+          <a:ln>
+            <a:solidFill>
+              <a:schemeClr val="tx1"/>
+            </a:solidFill>
+            <a:tailEnd type="triangle"/>
+          </a:ln>
+        </p:spPr>
+        <p:style>
+          <a:lnRef idx="1">
+            <a:schemeClr val="accent1"/>
+          </a:lnRef>
+          <a:fillRef idx="0">
+            <a:schemeClr val="accent1"/>
+          </a:fillRef>
+          <a:effectRef idx="0">
+            <a:schemeClr val="accent1"/>
+          </a:effectRef>
+          <a:fontRef idx="minor">
+            <a:schemeClr val="tx1"/>
+          </a:fontRef>
+        </p:style>
+      </p:cxnSp>
+      <p:sp>
+        <p:nvSpPr>
+          <p:cNvPr id="33" name="Verbotsymbol 32">
+            <a:extLst>
+              <a:ext uri="{FF2B5EF4-FFF2-40B4-BE49-F238E27FC236}">
+                <a16:creationId xmlns:a16="http://schemas.microsoft.com/office/drawing/2014/main" id="{AF2D08E4-0B9F-214B-5729-0FC68735CA88}"/>
+              </a:ext>
+            </a:extLst>
+          </p:cNvPr>
+          <p:cNvSpPr/>
+          <p:nvPr/>
+        </p:nvSpPr>
+        <p:spPr>
+          <a:xfrm>
+            <a:off x="4742735" y="2340391"/>
+            <a:ext cx="326100" cy="326100"/>
+          </a:xfrm>
+          <a:prstGeom prst="noSmoking">
+            <a:avLst/>
+          </a:prstGeom>
+          <a:solidFill>
+            <a:srgbClr val="FF0000"/>
+          </a:solidFill>
+        </p:spPr>
+        <p:style>
+          <a:lnRef idx="2">
+            <a:schemeClr val="accent1">
+              <a:shade val="15000"/>
+            </a:schemeClr>
+          </a:lnRef>
+          <a:fillRef idx="1">
+            <a:schemeClr val="accent1"/>
+          </a:fillRef>
+          <a:effectRef idx="0">
+            <a:schemeClr val="accent1"/>
+          </a:effectRef>
+          <a:fontRef idx="minor">
+            <a:schemeClr val="lt1"/>
+          </a:fontRef>
+        </p:style>
+        <p:txBody>
+          <a:bodyPr rtlCol="0" anchor="ctr"/>
+          <a:lstStyle/>
+          <a:p>
+            <a:pPr algn="ctr"/>
+            <a:endParaRPr lang="de-DE">
+              <a:solidFill>
+                <a:schemeClr val="tx1"/>
+              </a:solidFill>
+            </a:endParaRPr>
+          </a:p>
+        </p:txBody>
+      </p:sp>
+      <p:sp>
+        <p:nvSpPr>
+          <p:cNvPr id="46" name="Verbotsymbol 45">
+            <a:extLst>
+              <a:ext uri="{FF2B5EF4-FFF2-40B4-BE49-F238E27FC236}">
+                <a16:creationId xmlns:a16="http://schemas.microsoft.com/office/drawing/2014/main" id="{5D7A6E2A-9664-4090-E175-170F3952A6D9}"/>
+              </a:ext>
+            </a:extLst>
+          </p:cNvPr>
+          <p:cNvSpPr/>
+          <p:nvPr/>
+        </p:nvSpPr>
+        <p:spPr>
+          <a:xfrm>
+            <a:off x="1653306" y="3423293"/>
+            <a:ext cx="326100" cy="326100"/>
+          </a:xfrm>
+          <a:prstGeom prst="noSmoking">
+            <a:avLst/>
+          </a:prstGeom>
+          <a:solidFill>
+            <a:srgbClr val="FF0000"/>
+          </a:solidFill>
+        </p:spPr>
+        <p:style>
+          <a:lnRef idx="2">
+            <a:schemeClr val="accent1">
+              <a:shade val="15000"/>
+            </a:schemeClr>
+          </a:lnRef>
+          <a:fillRef idx="1">
+            <a:schemeClr val="accent1"/>
+          </a:fillRef>
+          <a:effectRef idx="0">
+            <a:schemeClr val="accent1"/>
+          </a:effectRef>
+          <a:fontRef idx="minor">
+            <a:schemeClr val="lt1"/>
+          </a:fontRef>
+        </p:style>
+        <p:txBody>
+          <a:bodyPr rtlCol="0" anchor="ctr"/>
+          <a:lstStyle/>
+          <a:p>
+            <a:pPr algn="ctr"/>
+            <a:endParaRPr lang="de-DE">
+              <a:solidFill>
+                <a:schemeClr val="tx1"/>
+              </a:solidFill>
+            </a:endParaRPr>
+          </a:p>
+        </p:txBody>
+      </p:sp>
+      <p:sp>
+        <p:nvSpPr>
+          <p:cNvPr id="47" name="Verbotsymbol 46">
+            <a:extLst>
+              <a:ext uri="{FF2B5EF4-FFF2-40B4-BE49-F238E27FC236}">
+                <a16:creationId xmlns:a16="http://schemas.microsoft.com/office/drawing/2014/main" id="{84AE19FE-EA53-B23C-8800-6AA20DC3C231}"/>
+              </a:ext>
+            </a:extLst>
+          </p:cNvPr>
+          <p:cNvSpPr/>
+          <p:nvPr/>
+        </p:nvSpPr>
+        <p:spPr>
+          <a:xfrm>
+            <a:off x="5285021" y="4239595"/>
+            <a:ext cx="326100" cy="326100"/>
+          </a:xfrm>
+          <a:prstGeom prst="noSmoking">
+            <a:avLst/>
+          </a:prstGeom>
+          <a:solidFill>
+            <a:srgbClr val="FF0000"/>
+          </a:solidFill>
+        </p:spPr>
+        <p:style>
+          <a:lnRef idx="2">
+            <a:schemeClr val="accent1">
+              <a:shade val="15000"/>
+            </a:schemeClr>
+          </a:lnRef>
+          <a:fillRef idx="1">
+            <a:schemeClr val="accent1"/>
+          </a:fillRef>
+          <a:effectRef idx="0">
+            <a:schemeClr val="accent1"/>
+          </a:effectRef>
+          <a:fontRef idx="minor">
+            <a:schemeClr val="lt1"/>
+          </a:fontRef>
+        </p:style>
+        <p:txBody>
+          <a:bodyPr rtlCol="0" anchor="ctr"/>
+          <a:lstStyle/>
+          <a:p>
+            <a:pPr algn="ctr"/>
+            <a:endParaRPr lang="de-DE">
+              <a:solidFill>
+                <a:schemeClr val="tx1"/>
+              </a:solidFill>
+            </a:endParaRPr>
+          </a:p>
+        </p:txBody>
+      </p:sp>
+      <p:grpSp>
+        <p:nvGrpSpPr>
+          <p:cNvPr id="48" name="Gruppieren 47">
+            <a:extLst>
+              <a:ext uri="{FF2B5EF4-FFF2-40B4-BE49-F238E27FC236}">
+                <a16:creationId xmlns:a16="http://schemas.microsoft.com/office/drawing/2014/main" id="{37DBF728-D41B-7E08-2967-6922008C8798}"/>
+              </a:ext>
+            </a:extLst>
+          </p:cNvPr>
+          <p:cNvGrpSpPr/>
+          <p:nvPr/>
+        </p:nvGrpSpPr>
+        <p:grpSpPr>
+          <a:xfrm rot="20119461">
+            <a:off x="7173386" y="2358449"/>
+            <a:ext cx="3635585" cy="289983"/>
+            <a:chOff x="739141" y="3284008"/>
+            <a:chExt cx="3635585" cy="289983"/>
+          </a:xfrm>
+        </p:grpSpPr>
+        <p:grpSp>
+          <p:nvGrpSpPr>
+            <p:cNvPr id="49" name="Gruppieren 48">
+              <a:extLst>
+                <a:ext uri="{FF2B5EF4-FFF2-40B4-BE49-F238E27FC236}">
+                  <a16:creationId xmlns:a16="http://schemas.microsoft.com/office/drawing/2014/main" id="{B90CAD27-9AA5-0D72-404A-D189D1690EB0}"/>
+                </a:ext>
+              </a:extLst>
+            </p:cNvPr>
+            <p:cNvGrpSpPr/>
+            <p:nvPr/>
+          </p:nvGrpSpPr>
+          <p:grpSpPr>
+            <a:xfrm>
+              <a:off x="762001" y="3284008"/>
+              <a:ext cx="3589866" cy="289983"/>
+              <a:chOff x="2032000" y="2006599"/>
+              <a:chExt cx="6096000" cy="1117600"/>
+            </a:xfrm>
+          </p:grpSpPr>
+          <p:sp>
+            <p:nvSpPr>
+              <p:cNvPr id="52" name="Rechteck 51">
+                <a:extLst>
+                  <a:ext uri="{FF2B5EF4-FFF2-40B4-BE49-F238E27FC236}">
+                    <a16:creationId xmlns:a16="http://schemas.microsoft.com/office/drawing/2014/main" id="{28CA988F-9FB8-F63C-2DCF-8826EEF07C62}"/>
+                  </a:ext>
+                </a:extLst>
+              </p:cNvPr>
+              <p:cNvSpPr/>
+              <p:nvPr/>
+            </p:nvSpPr>
+            <p:spPr>
+              <a:xfrm>
+                <a:off x="2032000" y="2006599"/>
+                <a:ext cx="6096000" cy="1117598"/>
+              </a:xfrm>
+              <a:prstGeom prst="rect">
+                <a:avLst/>
+              </a:prstGeom>
+              <a:solidFill>
+                <a:srgbClr val="D0CECE"/>
+              </a:solidFill>
+              <a:ln w="19050">
+                <a:solidFill>
+                  <a:schemeClr val="tx1"/>
+                </a:solidFill>
+                <a:prstDash val="solid"/>
+              </a:ln>
+            </p:spPr>
+            <p:style>
+              <a:lnRef idx="2">
+                <a:schemeClr val="accent1">
+                  <a:shade val="15000"/>
+                </a:schemeClr>
+              </a:lnRef>
+              <a:fillRef idx="1">
+                <a:schemeClr val="accent1"/>
+              </a:fillRef>
+              <a:effectRef idx="0">
+                <a:schemeClr val="accent1"/>
+              </a:effectRef>
+              <a:fontRef idx="minor">
+                <a:schemeClr val="lt1"/>
+              </a:fontRef>
+            </p:style>
+            <p:txBody>
+              <a:bodyPr rtlCol="0" anchor="ctr"/>
+              <a:lstStyle/>
+              <a:p>
+                <a:pPr algn="ctr"/>
+                <a:endParaRPr lang="de-DE"/>
+              </a:p>
+            </p:txBody>
+          </p:sp>
+          <p:sp>
+            <p:nvSpPr>
+              <p:cNvPr id="53" name="Rechteck 52">
+                <a:extLst>
+                  <a:ext uri="{FF2B5EF4-FFF2-40B4-BE49-F238E27FC236}">
+                    <a16:creationId xmlns:a16="http://schemas.microsoft.com/office/drawing/2014/main" id="{7B3F20C0-6FF1-6081-C40C-BE862169923C}"/>
+                  </a:ext>
+                </a:extLst>
+              </p:cNvPr>
+              <p:cNvSpPr/>
+              <p:nvPr/>
+            </p:nvSpPr>
+            <p:spPr>
+              <a:xfrm>
+                <a:off x="2032000" y="2006600"/>
+                <a:ext cx="6096000" cy="372533"/>
+              </a:xfrm>
+              <a:prstGeom prst="rect">
+                <a:avLst/>
+              </a:prstGeom>
+              <a:noFill/>
+              <a:ln>
+                <a:solidFill>
+                  <a:schemeClr val="tx1"/>
+                </a:solidFill>
+                <a:prstDash val="lgDash"/>
+              </a:ln>
+            </p:spPr>
+            <p:style>
+              <a:lnRef idx="2">
+                <a:schemeClr val="accent1">
+                  <a:shade val="15000"/>
+                </a:schemeClr>
+              </a:lnRef>
+              <a:fillRef idx="1">
+                <a:schemeClr val="accent1"/>
+              </a:fillRef>
+              <a:effectRef idx="0">
+                <a:schemeClr val="accent1"/>
+              </a:effectRef>
+              <a:fontRef idx="minor">
+                <a:schemeClr val="lt1"/>
+              </a:fontRef>
+            </p:style>
+            <p:txBody>
+              <a:bodyPr rtlCol="0" anchor="ctr"/>
+              <a:lstStyle/>
+              <a:p>
+                <a:pPr algn="ctr"/>
+                <a:endParaRPr lang="de-DE"/>
+              </a:p>
+            </p:txBody>
+          </p:sp>
+          <p:sp>
+            <p:nvSpPr>
+              <p:cNvPr id="54" name="Rechteck 53">
+                <a:extLst>
+                  <a:ext uri="{FF2B5EF4-FFF2-40B4-BE49-F238E27FC236}">
+                    <a16:creationId xmlns:a16="http://schemas.microsoft.com/office/drawing/2014/main" id="{02E757D0-9464-3765-888E-F1F329E6877E}"/>
+                  </a:ext>
+                </a:extLst>
+              </p:cNvPr>
+              <p:cNvSpPr/>
+              <p:nvPr/>
+            </p:nvSpPr>
+            <p:spPr>
+              <a:xfrm>
+                <a:off x="2032000" y="2379133"/>
+                <a:ext cx="6096000" cy="372533"/>
+              </a:xfrm>
+              <a:prstGeom prst="rect">
+                <a:avLst/>
+              </a:prstGeom>
+              <a:noFill/>
+              <a:ln>
+                <a:noFill/>
+                <a:prstDash val="lgDash"/>
+              </a:ln>
+            </p:spPr>
+            <p:style>
+              <a:lnRef idx="2">
+                <a:schemeClr val="accent1">
+                  <a:shade val="15000"/>
+                </a:schemeClr>
+              </a:lnRef>
+              <a:fillRef idx="1">
+                <a:schemeClr val="accent1"/>
+              </a:fillRef>
+              <a:effectRef idx="0">
+                <a:schemeClr val="accent1"/>
+              </a:effectRef>
+              <a:fontRef idx="minor">
+                <a:schemeClr val="lt1"/>
+              </a:fontRef>
+            </p:style>
+            <p:txBody>
+              <a:bodyPr rtlCol="0" anchor="ctr"/>
+              <a:lstStyle/>
+              <a:p>
+                <a:pPr algn="ctr"/>
+                <a:endParaRPr lang="de-DE"/>
+              </a:p>
+            </p:txBody>
+          </p:sp>
+          <p:sp>
+            <p:nvSpPr>
+              <p:cNvPr id="55" name="Rechteck 54">
+                <a:extLst>
+                  <a:ext uri="{FF2B5EF4-FFF2-40B4-BE49-F238E27FC236}">
+                    <a16:creationId xmlns:a16="http://schemas.microsoft.com/office/drawing/2014/main" id="{CEF67E71-3564-27AA-BFBF-FDF4CB09300D}"/>
+                  </a:ext>
+                </a:extLst>
+              </p:cNvPr>
+              <p:cNvSpPr/>
+              <p:nvPr/>
+            </p:nvSpPr>
+            <p:spPr>
+              <a:xfrm>
+                <a:off x="2032000" y="2751666"/>
+                <a:ext cx="6096000" cy="372533"/>
+              </a:xfrm>
+              <a:prstGeom prst="rect">
+                <a:avLst/>
+              </a:prstGeom>
+              <a:noFill/>
+              <a:ln>
+                <a:solidFill>
+                  <a:schemeClr val="tx1"/>
+                </a:solidFill>
+                <a:prstDash val="lgDash"/>
+              </a:ln>
+            </p:spPr>
+            <p:style>
+              <a:lnRef idx="2">
+                <a:schemeClr val="accent1">
+                  <a:shade val="15000"/>
+                </a:schemeClr>
+              </a:lnRef>
+              <a:fillRef idx="1">
+                <a:schemeClr val="accent1"/>
+              </a:fillRef>
+              <a:effectRef idx="0">
+                <a:schemeClr val="accent1"/>
+              </a:effectRef>
+              <a:fontRef idx="minor">
+                <a:schemeClr val="lt1"/>
+              </a:fontRef>
+            </p:style>
+            <p:txBody>
+              <a:bodyPr rtlCol="0" anchor="ctr"/>
+              <a:lstStyle/>
+              <a:p>
+                <a:pPr algn="ctr"/>
+                <a:endParaRPr lang="de-DE"/>
+              </a:p>
+            </p:txBody>
+          </p:sp>
+        </p:grpSp>
+        <p:sp>
+          <p:nvSpPr>
+            <p:cNvPr id="50" name="Ellipse 49">
+              <a:extLst>
+                <a:ext uri="{FF2B5EF4-FFF2-40B4-BE49-F238E27FC236}">
+                  <a16:creationId xmlns:a16="http://schemas.microsoft.com/office/drawing/2014/main" id="{9391FF2F-1ADC-5C4B-F663-AA69612314FE}"/>
+                </a:ext>
+              </a:extLst>
+            </p:cNvPr>
+            <p:cNvSpPr/>
+            <p:nvPr/>
+          </p:nvSpPr>
+          <p:spPr>
+            <a:xfrm>
+              <a:off x="4329007" y="3406139"/>
+              <a:ext cx="45719" cy="45719"/>
+            </a:xfrm>
+            <a:prstGeom prst="ellipse">
+              <a:avLst/>
+            </a:prstGeom>
+          </p:spPr>
+          <p:style>
+            <a:lnRef idx="2">
+              <a:schemeClr val="accent1">
+                <a:shade val="15000"/>
+              </a:schemeClr>
+            </a:lnRef>
+            <a:fillRef idx="1">
+              <a:schemeClr val="accent1"/>
+            </a:fillRef>
+            <a:effectRef idx="0">
+              <a:schemeClr val="accent1"/>
+            </a:effectRef>
+            <a:fontRef idx="minor">
+              <a:schemeClr val="lt1"/>
+            </a:fontRef>
+          </p:style>
+          <p:txBody>
+            <a:bodyPr rtlCol="0" anchor="ctr"/>
+            <a:lstStyle/>
+            <a:p>
+              <a:pPr algn="ctr"/>
+              <a:endParaRPr lang="de-DE"/>
+            </a:p>
+          </p:txBody>
+        </p:sp>
+        <p:sp>
+          <p:nvSpPr>
+            <p:cNvPr id="51" name="Ellipse 50">
+              <a:extLst>
+                <a:ext uri="{FF2B5EF4-FFF2-40B4-BE49-F238E27FC236}">
+                  <a16:creationId xmlns:a16="http://schemas.microsoft.com/office/drawing/2014/main" id="{2F88E9EF-CB1A-884C-6915-C17B4B6A0B2C}"/>
+                </a:ext>
+              </a:extLst>
+            </p:cNvPr>
+            <p:cNvSpPr/>
+            <p:nvPr/>
+          </p:nvSpPr>
+          <p:spPr>
+            <a:xfrm>
+              <a:off x="739141" y="3407921"/>
+              <a:ext cx="45719" cy="45719"/>
+            </a:xfrm>
+            <a:prstGeom prst="ellipse">
+              <a:avLst/>
+            </a:prstGeom>
+            <a:solidFill>
+              <a:schemeClr val="accent2"/>
+            </a:solidFill>
+          </p:spPr>
+          <p:style>
+            <a:lnRef idx="2">
+              <a:schemeClr val="accent1">
+                <a:shade val="15000"/>
+              </a:schemeClr>
+            </a:lnRef>
+            <a:fillRef idx="1">
+              <a:schemeClr val="accent1"/>
+            </a:fillRef>
+            <a:effectRef idx="0">
+              <a:schemeClr val="accent1"/>
+            </a:effectRef>
+            <a:fontRef idx="minor">
+              <a:schemeClr val="lt1"/>
+            </a:fontRef>
+          </p:style>
+          <p:txBody>
+            <a:bodyPr rtlCol="0" anchor="ctr"/>
+            <a:lstStyle/>
+            <a:p>
+              <a:pPr algn="ctr"/>
+              <a:endParaRPr lang="de-DE"/>
+            </a:p>
+          </p:txBody>
+        </p:sp>
+      </p:grpSp>
+      <p:grpSp>
+        <p:nvGrpSpPr>
+          <p:cNvPr id="56" name="Gruppieren 55">
+            <a:extLst>
+              <a:ext uri="{FF2B5EF4-FFF2-40B4-BE49-F238E27FC236}">
+                <a16:creationId xmlns:a16="http://schemas.microsoft.com/office/drawing/2014/main" id="{9ACF3307-90B8-4310-CA02-392289DE27F0}"/>
+              </a:ext>
+            </a:extLst>
+          </p:cNvPr>
+          <p:cNvGrpSpPr/>
+          <p:nvPr/>
+        </p:nvGrpSpPr>
+        <p:grpSpPr>
+          <a:xfrm rot="1005941">
+            <a:off x="5710019" y="3473674"/>
+            <a:ext cx="3635585" cy="289983"/>
+            <a:chOff x="739141" y="3284008"/>
+            <a:chExt cx="3635585" cy="289983"/>
+          </a:xfrm>
+        </p:grpSpPr>
+        <p:grpSp>
+          <p:nvGrpSpPr>
+            <p:cNvPr id="57" name="Gruppieren 56">
+              <a:extLst>
+                <a:ext uri="{FF2B5EF4-FFF2-40B4-BE49-F238E27FC236}">
+                  <a16:creationId xmlns:a16="http://schemas.microsoft.com/office/drawing/2014/main" id="{4BB1986E-7C8F-C4D5-C34F-108161CEADCA}"/>
+                </a:ext>
+              </a:extLst>
+            </p:cNvPr>
+            <p:cNvGrpSpPr/>
+            <p:nvPr/>
+          </p:nvGrpSpPr>
+          <p:grpSpPr>
+            <a:xfrm>
+              <a:off x="762001" y="3284008"/>
+              <a:ext cx="3589866" cy="289983"/>
+              <a:chOff x="2032000" y="2006599"/>
+              <a:chExt cx="6096000" cy="1117600"/>
+            </a:xfrm>
+          </p:grpSpPr>
+          <p:sp>
+            <p:nvSpPr>
+              <p:cNvPr id="60" name="Rechteck 59">
+                <a:extLst>
+                  <a:ext uri="{FF2B5EF4-FFF2-40B4-BE49-F238E27FC236}">
+                    <a16:creationId xmlns:a16="http://schemas.microsoft.com/office/drawing/2014/main" id="{2121B7C9-37F3-23B8-9C8D-486E76932378}"/>
+                  </a:ext>
+                </a:extLst>
+              </p:cNvPr>
+              <p:cNvSpPr/>
+              <p:nvPr/>
+            </p:nvSpPr>
+            <p:spPr>
+              <a:xfrm>
+                <a:off x="2032000" y="2006599"/>
+                <a:ext cx="6096000" cy="1117598"/>
+              </a:xfrm>
+              <a:prstGeom prst="rect">
+                <a:avLst/>
+              </a:prstGeom>
+              <a:solidFill>
+                <a:srgbClr val="D0CECE"/>
+              </a:solidFill>
+              <a:ln w="19050">
+                <a:solidFill>
+                  <a:schemeClr val="tx1"/>
+                </a:solidFill>
+                <a:prstDash val="solid"/>
+              </a:ln>
+            </p:spPr>
+            <p:style>
+              <a:lnRef idx="2">
+                <a:schemeClr val="accent1">
+                  <a:shade val="15000"/>
+                </a:schemeClr>
+              </a:lnRef>
+              <a:fillRef idx="1">
+                <a:schemeClr val="accent1"/>
+              </a:fillRef>
+              <a:effectRef idx="0">
+                <a:schemeClr val="accent1"/>
+              </a:effectRef>
+              <a:fontRef idx="minor">
+                <a:schemeClr val="lt1"/>
+              </a:fontRef>
+            </p:style>
+            <p:txBody>
+              <a:bodyPr rtlCol="0" anchor="ctr"/>
+              <a:lstStyle/>
+              <a:p>
+                <a:pPr algn="ctr"/>
+                <a:endParaRPr lang="de-DE"/>
+              </a:p>
+            </p:txBody>
+          </p:sp>
+          <p:sp>
+            <p:nvSpPr>
+              <p:cNvPr id="61" name="Rechteck 60">
+                <a:extLst>
+                  <a:ext uri="{FF2B5EF4-FFF2-40B4-BE49-F238E27FC236}">
+                    <a16:creationId xmlns:a16="http://schemas.microsoft.com/office/drawing/2014/main" id="{DD44F19B-7319-6B6F-B2D6-1F22785A587A}"/>
+                  </a:ext>
+                </a:extLst>
+              </p:cNvPr>
+              <p:cNvSpPr/>
+              <p:nvPr/>
+            </p:nvSpPr>
+            <p:spPr>
+              <a:xfrm>
+                <a:off x="2032000" y="2006600"/>
+                <a:ext cx="6096000" cy="372533"/>
+              </a:xfrm>
+              <a:prstGeom prst="rect">
+                <a:avLst/>
+              </a:prstGeom>
+              <a:noFill/>
+              <a:ln>
+                <a:solidFill>
+                  <a:schemeClr val="tx1"/>
+                </a:solidFill>
+                <a:prstDash val="lgDash"/>
+              </a:ln>
+            </p:spPr>
+            <p:style>
+              <a:lnRef idx="2">
+                <a:schemeClr val="accent1">
+                  <a:shade val="15000"/>
+                </a:schemeClr>
+              </a:lnRef>
+              <a:fillRef idx="1">
+                <a:schemeClr val="accent1"/>
+              </a:fillRef>
+              <a:effectRef idx="0">
+                <a:schemeClr val="accent1"/>
+              </a:effectRef>
+              <a:fontRef idx="minor">
+                <a:schemeClr val="lt1"/>
+              </a:fontRef>
+            </p:style>
+            <p:txBody>
+              <a:bodyPr rtlCol="0" anchor="ctr"/>
+              <a:lstStyle/>
+              <a:p>
+                <a:pPr algn="ctr"/>
+                <a:endParaRPr lang="de-DE"/>
+              </a:p>
+            </p:txBody>
+          </p:sp>
+          <p:sp>
+            <p:nvSpPr>
+              <p:cNvPr id="62" name="Rechteck 61">
+                <a:extLst>
+                  <a:ext uri="{FF2B5EF4-FFF2-40B4-BE49-F238E27FC236}">
+                    <a16:creationId xmlns:a16="http://schemas.microsoft.com/office/drawing/2014/main" id="{B98FBEB2-66D9-F27D-E54D-1D74496FEDAB}"/>
+                  </a:ext>
+                </a:extLst>
+              </p:cNvPr>
+              <p:cNvSpPr/>
+              <p:nvPr/>
+            </p:nvSpPr>
+            <p:spPr>
+              <a:xfrm>
+                <a:off x="2032000" y="2379133"/>
+                <a:ext cx="6096000" cy="372533"/>
+              </a:xfrm>
+              <a:prstGeom prst="rect">
+                <a:avLst/>
+              </a:prstGeom>
+              <a:noFill/>
+              <a:ln>
+                <a:noFill/>
+                <a:prstDash val="lgDash"/>
+              </a:ln>
+            </p:spPr>
+            <p:style>
+              <a:lnRef idx="2">
+                <a:schemeClr val="accent1">
+                  <a:shade val="15000"/>
+                </a:schemeClr>
+              </a:lnRef>
+              <a:fillRef idx="1">
+                <a:schemeClr val="accent1"/>
+              </a:fillRef>
+              <a:effectRef idx="0">
+                <a:schemeClr val="accent1"/>
+              </a:effectRef>
+              <a:fontRef idx="minor">
+                <a:schemeClr val="lt1"/>
+              </a:fontRef>
+            </p:style>
+            <p:txBody>
+              <a:bodyPr rtlCol="0" anchor="ctr"/>
+              <a:lstStyle/>
+              <a:p>
+                <a:pPr algn="ctr"/>
+                <a:endParaRPr lang="de-DE"/>
+              </a:p>
+            </p:txBody>
+          </p:sp>
+          <p:sp>
+            <p:nvSpPr>
+              <p:cNvPr id="63" name="Rechteck 62">
+                <a:extLst>
+                  <a:ext uri="{FF2B5EF4-FFF2-40B4-BE49-F238E27FC236}">
+                    <a16:creationId xmlns:a16="http://schemas.microsoft.com/office/drawing/2014/main" id="{80699051-9CC7-C78A-BA86-171AD604C5CA}"/>
+                  </a:ext>
+                </a:extLst>
+              </p:cNvPr>
+              <p:cNvSpPr/>
+              <p:nvPr/>
+            </p:nvSpPr>
+            <p:spPr>
+              <a:xfrm>
+                <a:off x="2032000" y="2751666"/>
+                <a:ext cx="6096000" cy="372533"/>
+              </a:xfrm>
+              <a:prstGeom prst="rect">
+                <a:avLst/>
+              </a:prstGeom>
+              <a:noFill/>
+              <a:ln>
+                <a:solidFill>
+                  <a:schemeClr val="tx1"/>
+                </a:solidFill>
+                <a:prstDash val="lgDash"/>
+              </a:ln>
+            </p:spPr>
+            <p:style>
+              <a:lnRef idx="2">
+                <a:schemeClr val="accent1">
+                  <a:shade val="15000"/>
+                </a:schemeClr>
+              </a:lnRef>
+              <a:fillRef idx="1">
+                <a:schemeClr val="accent1"/>
+              </a:fillRef>
+              <a:effectRef idx="0">
+                <a:schemeClr val="accent1"/>
+              </a:effectRef>
+              <a:fontRef idx="minor">
+                <a:schemeClr val="lt1"/>
+              </a:fontRef>
+            </p:style>
+            <p:txBody>
+              <a:bodyPr rtlCol="0" anchor="ctr"/>
+              <a:lstStyle/>
+              <a:p>
+                <a:pPr algn="ctr"/>
+                <a:endParaRPr lang="de-DE"/>
+              </a:p>
+            </p:txBody>
+          </p:sp>
+        </p:grpSp>
+        <p:sp>
+          <p:nvSpPr>
+            <p:cNvPr id="58" name="Ellipse 57">
+              <a:extLst>
+                <a:ext uri="{FF2B5EF4-FFF2-40B4-BE49-F238E27FC236}">
+                  <a16:creationId xmlns:a16="http://schemas.microsoft.com/office/drawing/2014/main" id="{9E9CCE11-4582-9625-4B36-0E4763386237}"/>
+                </a:ext>
+              </a:extLst>
+            </p:cNvPr>
+            <p:cNvSpPr/>
+            <p:nvPr/>
+          </p:nvSpPr>
+          <p:spPr>
+            <a:xfrm>
+              <a:off x="4329007" y="3406139"/>
+              <a:ext cx="45719" cy="45719"/>
+            </a:xfrm>
+            <a:prstGeom prst="ellipse">
+              <a:avLst/>
+            </a:prstGeom>
+          </p:spPr>
+          <p:style>
+            <a:lnRef idx="2">
+              <a:schemeClr val="accent1">
+                <a:shade val="15000"/>
+              </a:schemeClr>
+            </a:lnRef>
+            <a:fillRef idx="1">
+              <a:schemeClr val="accent1"/>
+            </a:fillRef>
+            <a:effectRef idx="0">
+              <a:schemeClr val="accent1"/>
+            </a:effectRef>
+            <a:fontRef idx="minor">
+              <a:schemeClr val="lt1"/>
+            </a:fontRef>
+          </p:style>
+          <p:txBody>
+            <a:bodyPr rtlCol="0" anchor="ctr"/>
+            <a:lstStyle/>
+            <a:p>
+              <a:pPr algn="ctr"/>
+              <a:endParaRPr lang="de-DE"/>
+            </a:p>
+          </p:txBody>
+        </p:sp>
+        <p:sp>
+          <p:nvSpPr>
+            <p:cNvPr id="59" name="Ellipse 58">
+              <a:extLst>
+                <a:ext uri="{FF2B5EF4-FFF2-40B4-BE49-F238E27FC236}">
+                  <a16:creationId xmlns:a16="http://schemas.microsoft.com/office/drawing/2014/main" id="{3845585E-8E70-FEAC-96F4-F24DC2F3D7BC}"/>
+                </a:ext>
+              </a:extLst>
+            </p:cNvPr>
+            <p:cNvSpPr/>
+            <p:nvPr/>
+          </p:nvSpPr>
+          <p:spPr>
+            <a:xfrm>
+              <a:off x="739141" y="3407921"/>
               <a:ext cx="45719" cy="45719"/>
             </a:xfrm>
             <a:prstGeom prst="ellipse">
@@ -23709,4 +25607,299 @@
     </a:ext>
   </a:extLst>
 </a:theme>
+</file>
+
+<file path=ppt/theme/theme2.xml><?xml version="1.0" encoding="utf-8"?>
+<a:theme xmlns:a="http://schemas.openxmlformats.org/drawingml/2006/main" name="Office">
+  <a:themeElements>
+    <a:clrScheme name="Office">
+      <a:dk1>
+        <a:sysClr val="windowText" lastClr="000000"/>
+      </a:dk1>
+      <a:lt1>
+        <a:sysClr val="window" lastClr="FFFFFF"/>
+      </a:lt1>
+      <a:dk2>
+        <a:srgbClr val="44546A"/>
+      </a:dk2>
+      <a:lt2>
+        <a:srgbClr val="E7E6E6"/>
+      </a:lt2>
+      <a:accent1>
+        <a:srgbClr val="4472C4"/>
+      </a:accent1>
+      <a:accent2>
+        <a:srgbClr val="ED7D31"/>
+      </a:accent2>
+      <a:accent3>
+        <a:srgbClr val="A5A5A5"/>
+      </a:accent3>
+      <a:accent4>
+        <a:srgbClr val="FFC000"/>
+      </a:accent4>
+      <a:accent5>
+        <a:srgbClr val="5B9BD5"/>
+      </a:accent5>
+      <a:accent6>
+        <a:srgbClr val="70AD47"/>
+      </a:accent6>
+      <a:hlink>
+        <a:srgbClr val="0563C1"/>
+      </a:hlink>
+      <a:folHlink>
+        <a:srgbClr val="954F72"/>
+      </a:folHlink>
+    </a:clrScheme>
+    <a:fontScheme name="Office">
+      <a:majorFont>
+        <a:latin typeface="Calibri Light" panose="020F0302020204030204"/>
+        <a:ea typeface=""/>
+        <a:cs typeface=""/>
+        <a:font script="Jpan" typeface="游ゴシック Light"/>
+        <a:font script="Hang" typeface="맑은 고딕"/>
+        <a:font script="Hans" typeface="等线 Light"/>
+        <a:font script="Hant" typeface="新細明體"/>
+        <a:font script="Arab" typeface="Times New Roman"/>
+        <a:font script="Hebr" typeface="Times New Roman"/>
+        <a:font script="Thai" typeface="Angsana New"/>
+        <a:font script="Ethi" typeface="Nyala"/>
+        <a:font script="Beng" typeface="Vrinda"/>
+        <a:font script="Gujr" typeface="Shruti"/>
+        <a:font script="Khmr" typeface="MoolBoran"/>
+        <a:font script="Knda" typeface="Tunga"/>
+        <a:font script="Guru" typeface="Raavi"/>
+        <a:font script="Cans" typeface="Euphemia"/>
+        <a:font script="Cher" typeface="Plantagenet Cherokee"/>
+        <a:font script="Yiii" typeface="Microsoft Yi Baiti"/>
+        <a:font script="Tibt" typeface="Microsoft Himalaya"/>
+        <a:font script="Thaa" typeface="MV Boli"/>
+        <a:font script="Deva" typeface="Mangal"/>
+        <a:font script="Telu" typeface="Gautami"/>
+        <a:font script="Taml" typeface="Latha"/>
+        <a:font script="Syrc" typeface="Estrangelo Edessa"/>
+        <a:font script="Orya" typeface="Kalinga"/>
+        <a:font script="Mlym" typeface="Kartika"/>
+        <a:font script="Laoo" typeface="DokChampa"/>
+        <a:font script="Sinh" typeface="Iskoola Pota"/>
+        <a:font script="Mong" typeface="Mongolian Baiti"/>
+        <a:font script="Viet" typeface="Times New Roman"/>
+        <a:font script="Uigh" typeface="Microsoft Uighur"/>
+        <a:font script="Geor" typeface="Sylfaen"/>
+        <a:font script="Armn" typeface="Arial"/>
+        <a:font script="Bugi" typeface="Leelawadee UI"/>
+        <a:font script="Bopo" typeface="Microsoft JhengHei"/>
+        <a:font script="Java" typeface="Javanese Text"/>
+        <a:font script="Lisu" typeface="Segoe UI"/>
+        <a:font script="Mymr" typeface="Myanmar Text"/>
+        <a:font script="Nkoo" typeface="Ebrima"/>
+        <a:font script="Olck" typeface="Nirmala UI"/>
+        <a:font script="Osma" typeface="Ebrima"/>
+        <a:font script="Phag" typeface="Phagspa"/>
+        <a:font script="Syrn" typeface="Estrangelo Edessa"/>
+        <a:font script="Syrj" typeface="Estrangelo Edessa"/>
+        <a:font script="Syre" typeface="Estrangelo Edessa"/>
+        <a:font script="Sora" typeface="Nirmala UI"/>
+        <a:font script="Tale" typeface="Microsoft Tai Le"/>
+        <a:font script="Talu" typeface="Microsoft New Tai Lue"/>
+        <a:font script="Tfng" typeface="Ebrima"/>
+      </a:majorFont>
+      <a:minorFont>
+        <a:latin typeface="Calibri" panose="020F0502020204030204"/>
+        <a:ea typeface=""/>
+        <a:cs typeface=""/>
+        <a:font script="Jpan" typeface="游ゴシック"/>
+        <a:font script="Hang" typeface="맑은 고딕"/>
+        <a:font script="Hans" typeface="等线"/>
+        <a:font script="Hant" typeface="新細明體"/>
+        <a:font script="Arab" typeface="Arial"/>
+        <a:font script="Hebr" typeface="Arial"/>
+        <a:font script="Thai" typeface="Cordia New"/>
+        <a:font script="Ethi" typeface="Nyala"/>
+        <a:font script="Beng" typeface="Vrinda"/>
+        <a:font script="Gujr" typeface="Shruti"/>
+        <a:font script="Khmr" typeface="DaunPenh"/>
+        <a:font script="Knda" typeface="Tunga"/>
+        <a:font script="Guru" typeface="Raavi"/>
+        <a:font script="Cans" typeface="Euphemia"/>
+        <a:font script="Cher" typeface="Plantagenet Cherokee"/>
+        <a:font script="Yiii" typeface="Microsoft Yi Baiti"/>
+        <a:font script="Tibt" typeface="Microsoft Himalaya"/>
+        <a:font script="Thaa" typeface="MV Boli"/>
+        <a:font script="Deva" typeface="Mangal"/>
+        <a:font script="Telu" typeface="Gautami"/>
+        <a:font script="Taml" typeface="Latha"/>
+        <a:font script="Syrc" typeface="Estrangelo Edessa"/>
+        <a:font script="Orya" typeface="Kalinga"/>
+        <a:font script="Mlym" typeface="Kartika"/>
+        <a:font script="Laoo" typeface="DokChampa"/>
+        <a:font script="Sinh" typeface="Iskoola Pota"/>
+        <a:font script="Mong" typeface="Mongolian Baiti"/>
+        <a:font script="Viet" typeface="Arial"/>
+        <a:font script="Uigh" typeface="Microsoft Uighur"/>
+        <a:font script="Geor" typeface="Sylfaen"/>
+        <a:font script="Armn" typeface="Arial"/>
+        <a:font script="Bugi" typeface="Leelawadee UI"/>
+        <a:font script="Bopo" typeface="Microsoft JhengHei"/>
+        <a:font script="Java" typeface="Javanese Text"/>
+        <a:font script="Lisu" typeface="Segoe UI"/>
+        <a:font script="Mymr" typeface="Myanmar Text"/>
+        <a:font script="Nkoo" typeface="Ebrima"/>
+        <a:font script="Olck" typeface="Nirmala UI"/>
+        <a:font script="Osma" typeface="Ebrima"/>
+        <a:font script="Phag" typeface="Phagspa"/>
+        <a:font script="Syrn" typeface="Estrangelo Edessa"/>
+        <a:font script="Syrj" typeface="Estrangelo Edessa"/>
+        <a:font script="Syre" typeface="Estrangelo Edessa"/>
+        <a:font script="Sora" typeface="Nirmala UI"/>
+        <a:font script="Tale" typeface="Microsoft Tai Le"/>
+        <a:font script="Talu" typeface="Microsoft New Tai Lue"/>
+        <a:font script="Tfng" typeface="Ebrima"/>
+      </a:minorFont>
+    </a:fontScheme>
+    <a:fmtScheme name="Office">
+      <a:fillStyleLst>
+        <a:solidFill>
+          <a:schemeClr val="phClr"/>
+        </a:solidFill>
+        <a:gradFill rotWithShape="1">
+          <a:gsLst>
+            <a:gs pos="0">
+              <a:schemeClr val="phClr">
+                <a:lumMod val="110000"/>
+                <a:satMod val="105000"/>
+                <a:tint val="67000"/>
+              </a:schemeClr>
+            </a:gs>
+            <a:gs pos="50000">
+              <a:schemeClr val="phClr">
+                <a:lumMod val="105000"/>
+                <a:satMod val="103000"/>
+                <a:tint val="73000"/>
+              </a:schemeClr>
+            </a:gs>
+            <a:gs pos="100000">
+              <a:schemeClr val="phClr">
+                <a:lumMod val="105000"/>
+                <a:satMod val="109000"/>
+                <a:tint val="81000"/>
+              </a:schemeClr>
+            </a:gs>
+          </a:gsLst>
+          <a:lin ang="5400000" scaled="0"/>
+        </a:gradFill>
+        <a:gradFill rotWithShape="1">
+          <a:gsLst>
+            <a:gs pos="0">
+              <a:schemeClr val="phClr">
+                <a:satMod val="103000"/>
+                <a:lumMod val="102000"/>
+                <a:tint val="94000"/>
+              </a:schemeClr>
+            </a:gs>
+            <a:gs pos="50000">
+              <a:schemeClr val="phClr">
+                <a:satMod val="110000"/>
+                <a:lumMod val="100000"/>
+                <a:shade val="100000"/>
+              </a:schemeClr>
+            </a:gs>
+            <a:gs pos="100000">
+              <a:schemeClr val="phClr">
+                <a:lumMod val="99000"/>
+                <a:satMod val="120000"/>
+                <a:shade val="78000"/>
+              </a:schemeClr>
+            </a:gs>
+          </a:gsLst>
+          <a:lin ang="5400000" scaled="0"/>
+        </a:gradFill>
+      </a:fillStyleLst>
+      <a:lnStyleLst>
+        <a:ln w="6350" cap="flat" cmpd="sng" algn="ctr">
+          <a:solidFill>
+            <a:schemeClr val="phClr"/>
+          </a:solidFill>
+          <a:prstDash val="solid"/>
+          <a:miter lim="800000"/>
+        </a:ln>
+        <a:ln w="12700" cap="flat" cmpd="sng" algn="ctr">
+          <a:solidFill>
+            <a:schemeClr val="phClr"/>
+          </a:solidFill>
+          <a:prstDash val="solid"/>
+          <a:miter lim="800000"/>
+        </a:ln>
+        <a:ln w="19050" cap="flat" cmpd="sng" algn="ctr">
+          <a:solidFill>
+            <a:schemeClr val="phClr"/>
+          </a:solidFill>
+          <a:prstDash val="solid"/>
+          <a:miter lim="800000"/>
+        </a:ln>
+      </a:lnStyleLst>
+      <a:effectStyleLst>
+        <a:effectStyle>
+          <a:effectLst/>
+        </a:effectStyle>
+        <a:effectStyle>
+          <a:effectLst/>
+        </a:effectStyle>
+        <a:effectStyle>
+          <a:effectLst>
+            <a:outerShdw blurRad="57150" dist="19050" dir="5400000" algn="ctr" rotWithShape="0">
+              <a:srgbClr val="000000">
+                <a:alpha val="63000"/>
+              </a:srgbClr>
+            </a:outerShdw>
+          </a:effectLst>
+        </a:effectStyle>
+      </a:effectStyleLst>
+      <a:bgFillStyleLst>
+        <a:solidFill>
+          <a:schemeClr val="phClr"/>
+        </a:solidFill>
+        <a:solidFill>
+          <a:schemeClr val="phClr">
+            <a:tint val="95000"/>
+            <a:satMod val="170000"/>
+          </a:schemeClr>
+        </a:solidFill>
+        <a:gradFill rotWithShape="1">
+          <a:gsLst>
+            <a:gs pos="0">
+              <a:schemeClr val="phClr">
+                <a:tint val="93000"/>
+                <a:satMod val="150000"/>
+                <a:shade val="98000"/>
+                <a:lumMod val="102000"/>
+              </a:schemeClr>
+            </a:gs>
+            <a:gs pos="50000">
+              <a:schemeClr val="phClr">
+                <a:tint val="98000"/>
+                <a:satMod val="130000"/>
+                <a:shade val="90000"/>
+                <a:lumMod val="103000"/>
+              </a:schemeClr>
+            </a:gs>
+            <a:gs pos="100000">
+              <a:schemeClr val="phClr">
+                <a:shade val="63000"/>
+                <a:satMod val="120000"/>
+              </a:schemeClr>
+            </a:gs>
+          </a:gsLst>
+          <a:lin ang="5400000" scaled="0"/>
+        </a:gradFill>
+      </a:bgFillStyleLst>
+    </a:fmtScheme>
+  </a:themeElements>
+  <a:objectDefaults/>
+  <a:extraClrSchemeLst/>
+  <a:extLst>
+    <a:ext uri="{05A4C25C-085E-4340-85A3-A5531E510DB2}">
+      <thm15:themeFamily xmlns:thm15="http://schemas.microsoft.com/office/thememl/2012/main" name="Office Theme" id="{62F939B6-93AF-4DB8-9C6B-D6C7DFDC589F}" vid="{4A3C46E8-61CC-4603-A589-7422A47A8E4A}"/>
+    </a:ext>
+  </a:extLst>
+</a:theme>
 </file>
--- a/examples/UrbanTopologies.pptx
+++ b/examples/UrbanTopologies.pptx
@@ -3,23 +3,26 @@
 <p:presentation xmlns:a="http://schemas.openxmlformats.org/drawingml/2006/main" xmlns:r="http://schemas.openxmlformats.org/officeDocument/2006/relationships" xmlns:p="http://schemas.openxmlformats.org/presentationml/2006/main" saveSubsetFonts="1">
   <p:sldMasterIdLst>
     <p:sldMasterId id="2147483648" r:id="rId1"/>
+    <p:sldMasterId id="2147483660" r:id="rId2"/>
   </p:sldMasterIdLst>
   <p:notesMasterIdLst>
-    <p:notesMasterId r:id="rId14"/>
+    <p:notesMasterId r:id="rId17"/>
   </p:notesMasterIdLst>
   <p:sldIdLst>
-    <p:sldId id="268" r:id="rId2"/>
-    <p:sldId id="266" r:id="rId3"/>
-    <p:sldId id="265" r:id="rId4"/>
-    <p:sldId id="264" r:id="rId5"/>
-    <p:sldId id="263" r:id="rId6"/>
-    <p:sldId id="262" r:id="rId7"/>
-    <p:sldId id="261" r:id="rId8"/>
-    <p:sldId id="260" r:id="rId9"/>
-    <p:sldId id="256" r:id="rId10"/>
-    <p:sldId id="259" r:id="rId11"/>
-    <p:sldId id="257" r:id="rId12"/>
-    <p:sldId id="258" r:id="rId13"/>
+    <p:sldId id="268" r:id="rId3"/>
+    <p:sldId id="266" r:id="rId4"/>
+    <p:sldId id="265" r:id="rId5"/>
+    <p:sldId id="264" r:id="rId6"/>
+    <p:sldId id="263" r:id="rId7"/>
+    <p:sldId id="262" r:id="rId8"/>
+    <p:sldId id="261" r:id="rId9"/>
+    <p:sldId id="260" r:id="rId10"/>
+    <p:sldId id="256" r:id="rId11"/>
+    <p:sldId id="259" r:id="rId12"/>
+    <p:sldId id="257" r:id="rId13"/>
+    <p:sldId id="258" r:id="rId14"/>
+    <p:sldId id="269" r:id="rId15"/>
+    <p:sldId id="270" r:id="rId16"/>
   </p:sldIdLst>
   <p:sldSz cx="12192000" cy="6858000"/>
   <p:notesSz cx="6858000" cy="9144000"/>
@@ -208,7 +211,7 @@
           <a:p>
             <a:fld id="{6C57E5E1-517F-429D-81ED-272A083D513A}" type="datetimeFigureOut">
               <a:rPr lang="de-DE" smtClean="0"/>
-              <a:t>26.02.2025</a:t>
+              <a:t>28.04.2025</a:t>
             </a:fld>
             <a:endParaRPr lang="de-DE"/>
           </a:p>
@@ -706,7 +709,7 @@
           <a:p>
             <a:fld id="{F3EB2857-2321-4C4D-8D06-77DF79DF910F}" type="datetimeFigureOut">
               <a:rPr lang="de-DE" smtClean="0"/>
-              <a:t>26.02.2025</a:t>
+              <a:t>28.04.2025</a:t>
             </a:fld>
             <a:endParaRPr lang="de-DE"/>
           </a:p>
@@ -904,7 +907,7 @@
           <a:p>
             <a:fld id="{F3EB2857-2321-4C4D-8D06-77DF79DF910F}" type="datetimeFigureOut">
               <a:rPr lang="de-DE" smtClean="0"/>
-              <a:t>26.02.2025</a:t>
+              <a:t>28.04.2025</a:t>
             </a:fld>
             <a:endParaRPr lang="de-DE"/>
           </a:p>
@@ -1112,7 +1115,7 @@
           <a:p>
             <a:fld id="{F3EB2857-2321-4C4D-8D06-77DF79DF910F}" type="datetimeFigureOut">
               <a:rPr lang="de-DE" smtClean="0"/>
-              <a:t>26.02.2025</a:t>
+              <a:t>28.04.2025</a:t>
             </a:fld>
             <a:endParaRPr lang="de-DE"/>
           </a:p>
@@ -1176,6 +1179,1941 @@
     <p:extLst>
       <p:ext uri="{BB962C8B-B14F-4D97-AF65-F5344CB8AC3E}">
         <p14:creationId xmlns:p14="http://schemas.microsoft.com/office/powerpoint/2010/main" val="2262186208"/>
+      </p:ext>
+    </p:extLst>
+  </p:cSld>
+  <p:clrMapOvr>
+    <a:masterClrMapping/>
+  </p:clrMapOvr>
+</p:sldLayout>
+</file>
+
+<file path=ppt/slideLayouts/slideLayout12.xml><?xml version="1.0" encoding="utf-8"?>
+<p:sldLayout xmlns:a="http://schemas.openxmlformats.org/drawingml/2006/main" xmlns:r="http://schemas.openxmlformats.org/officeDocument/2006/relationships" xmlns:p="http://schemas.openxmlformats.org/presentationml/2006/main" type="title" preserve="1">
+  <p:cSld name="Titelfolie">
+    <p:spTree>
+      <p:nvGrpSpPr>
+        <p:cNvPr id="1" name=""/>
+        <p:cNvGrpSpPr/>
+        <p:nvPr/>
+      </p:nvGrpSpPr>
+      <p:grpSpPr>
+        <a:xfrm>
+          <a:off x="0" y="0"/>
+          <a:ext cx="0" cy="0"/>
+          <a:chOff x="0" y="0"/>
+          <a:chExt cx="0" cy="0"/>
+        </a:xfrm>
+      </p:grpSpPr>
+      <p:sp>
+        <p:nvSpPr>
+          <p:cNvPr id="2" name="Titel 1">
+            <a:extLst>
+              <a:ext uri="{FF2B5EF4-FFF2-40B4-BE49-F238E27FC236}">
+                <a16:creationId xmlns:a16="http://schemas.microsoft.com/office/drawing/2014/main" id="{FE7946CE-F724-D239-6EC6-9E93DBEBF0AC}"/>
+              </a:ext>
+            </a:extLst>
+          </p:cNvPr>
+          <p:cNvSpPr>
+            <a:spLocks noGrp="1"/>
+          </p:cNvSpPr>
+          <p:nvPr>
+            <p:ph type="ctrTitle"/>
+          </p:nvPr>
+        </p:nvSpPr>
+        <p:spPr>
+          <a:xfrm>
+            <a:off x="1524000" y="1122363"/>
+            <a:ext cx="9144000" cy="2387600"/>
+          </a:xfrm>
+        </p:spPr>
+        <p:txBody>
+          <a:bodyPr anchor="b"/>
+          <a:lstStyle>
+            <a:lvl1pPr algn="ctr">
+              <a:defRPr sz="6000"/>
+            </a:lvl1pPr>
+          </a:lstStyle>
+          <a:p>
+            <a:r>
+              <a:rPr lang="de-DE"/>
+              <a:t>Mastertitelformat bearbeiten</a:t>
+            </a:r>
+          </a:p>
+        </p:txBody>
+      </p:sp>
+      <p:sp>
+        <p:nvSpPr>
+          <p:cNvPr id="3" name="Untertitel 2">
+            <a:extLst>
+              <a:ext uri="{FF2B5EF4-FFF2-40B4-BE49-F238E27FC236}">
+                <a16:creationId xmlns:a16="http://schemas.microsoft.com/office/drawing/2014/main" id="{07344307-BCDD-19F9-2234-925A996595E5}"/>
+              </a:ext>
+            </a:extLst>
+          </p:cNvPr>
+          <p:cNvSpPr>
+            <a:spLocks noGrp="1"/>
+          </p:cNvSpPr>
+          <p:nvPr>
+            <p:ph type="subTitle" idx="1"/>
+          </p:nvPr>
+        </p:nvSpPr>
+        <p:spPr>
+          <a:xfrm>
+            <a:off x="1524000" y="3602038"/>
+            <a:ext cx="9144000" cy="1655762"/>
+          </a:xfrm>
+        </p:spPr>
+        <p:txBody>
+          <a:bodyPr/>
+          <a:lstStyle>
+            <a:lvl1pPr marL="0" indent="0" algn="ctr">
+              <a:buNone/>
+              <a:defRPr sz="2400"/>
+            </a:lvl1pPr>
+            <a:lvl2pPr marL="457200" indent="0" algn="ctr">
+              <a:buNone/>
+              <a:defRPr sz="2000"/>
+            </a:lvl2pPr>
+            <a:lvl3pPr marL="914400" indent="0" algn="ctr">
+              <a:buNone/>
+              <a:defRPr sz="1800"/>
+            </a:lvl3pPr>
+            <a:lvl4pPr marL="1371600" indent="0" algn="ctr">
+              <a:buNone/>
+              <a:defRPr sz="1600"/>
+            </a:lvl4pPr>
+            <a:lvl5pPr marL="1828800" indent="0" algn="ctr">
+              <a:buNone/>
+              <a:defRPr sz="1600"/>
+            </a:lvl5pPr>
+            <a:lvl6pPr marL="2286000" indent="0" algn="ctr">
+              <a:buNone/>
+              <a:defRPr sz="1600"/>
+            </a:lvl6pPr>
+            <a:lvl7pPr marL="2743200" indent="0" algn="ctr">
+              <a:buNone/>
+              <a:defRPr sz="1600"/>
+            </a:lvl7pPr>
+            <a:lvl8pPr marL="3200400" indent="0" algn="ctr">
+              <a:buNone/>
+              <a:defRPr sz="1600"/>
+            </a:lvl8pPr>
+            <a:lvl9pPr marL="3657600" indent="0" algn="ctr">
+              <a:buNone/>
+              <a:defRPr sz="1600"/>
+            </a:lvl9pPr>
+          </a:lstStyle>
+          <a:p>
+            <a:r>
+              <a:rPr lang="de-DE"/>
+              <a:t>Master-Untertitelformat bearbeiten</a:t>
+            </a:r>
+          </a:p>
+        </p:txBody>
+      </p:sp>
+      <p:sp>
+        <p:nvSpPr>
+          <p:cNvPr id="4" name="Datumsplatzhalter 3">
+            <a:extLst>
+              <a:ext uri="{FF2B5EF4-FFF2-40B4-BE49-F238E27FC236}">
+                <a16:creationId xmlns:a16="http://schemas.microsoft.com/office/drawing/2014/main" id="{810E297A-F0C2-5D39-FC8F-B048B2C2106F}"/>
+              </a:ext>
+            </a:extLst>
+          </p:cNvPr>
+          <p:cNvSpPr>
+            <a:spLocks noGrp="1"/>
+          </p:cNvSpPr>
+          <p:nvPr>
+            <p:ph type="dt" sz="half" idx="10"/>
+          </p:nvPr>
+        </p:nvSpPr>
+        <p:spPr/>
+        <p:txBody>
+          <a:bodyPr/>
+          <a:lstStyle/>
+          <a:p>
+            <a:fld id="{93318F87-FAB0-47FE-97DA-44085A772572}" type="datetimeFigureOut">
+              <a:rPr lang="de-DE" smtClean="0"/>
+              <a:t>28.04.2025</a:t>
+            </a:fld>
+            <a:endParaRPr lang="de-DE"/>
+          </a:p>
+        </p:txBody>
+      </p:sp>
+      <p:sp>
+        <p:nvSpPr>
+          <p:cNvPr id="5" name="Fußzeilenplatzhalter 4">
+            <a:extLst>
+              <a:ext uri="{FF2B5EF4-FFF2-40B4-BE49-F238E27FC236}">
+                <a16:creationId xmlns:a16="http://schemas.microsoft.com/office/drawing/2014/main" id="{C538E26B-F158-D3B1-2849-2014BB04563A}"/>
+              </a:ext>
+            </a:extLst>
+          </p:cNvPr>
+          <p:cNvSpPr>
+            <a:spLocks noGrp="1"/>
+          </p:cNvSpPr>
+          <p:nvPr>
+            <p:ph type="ftr" sz="quarter" idx="11"/>
+          </p:nvPr>
+        </p:nvSpPr>
+        <p:spPr/>
+        <p:txBody>
+          <a:bodyPr/>
+          <a:lstStyle/>
+          <a:p>
+            <a:endParaRPr lang="de-DE"/>
+          </a:p>
+        </p:txBody>
+      </p:sp>
+      <p:sp>
+        <p:nvSpPr>
+          <p:cNvPr id="6" name="Foliennummernplatzhalter 5">
+            <a:extLst>
+              <a:ext uri="{FF2B5EF4-FFF2-40B4-BE49-F238E27FC236}">
+                <a16:creationId xmlns:a16="http://schemas.microsoft.com/office/drawing/2014/main" id="{E7EF1A28-38E8-D6BE-1F8A-8369D5657FC1}"/>
+              </a:ext>
+            </a:extLst>
+          </p:cNvPr>
+          <p:cNvSpPr>
+            <a:spLocks noGrp="1"/>
+          </p:cNvSpPr>
+          <p:nvPr>
+            <p:ph type="sldNum" sz="quarter" idx="12"/>
+          </p:nvPr>
+        </p:nvSpPr>
+        <p:spPr/>
+        <p:txBody>
+          <a:bodyPr/>
+          <a:lstStyle/>
+          <a:p>
+            <a:fld id="{1BEC5E2C-E227-4899-ADAA-E690CC0A002B}" type="slidenum">
+              <a:rPr lang="de-DE" smtClean="0"/>
+              <a:t>‹Nr.›</a:t>
+            </a:fld>
+            <a:endParaRPr lang="de-DE"/>
+          </a:p>
+        </p:txBody>
+      </p:sp>
+    </p:spTree>
+    <p:extLst>
+      <p:ext uri="{BB962C8B-B14F-4D97-AF65-F5344CB8AC3E}">
+        <p14:creationId xmlns:p14="http://schemas.microsoft.com/office/powerpoint/2010/main" val="2038583909"/>
+      </p:ext>
+    </p:extLst>
+  </p:cSld>
+  <p:clrMapOvr>
+    <a:masterClrMapping/>
+  </p:clrMapOvr>
+</p:sldLayout>
+</file>
+
+<file path=ppt/slideLayouts/slideLayout13.xml><?xml version="1.0" encoding="utf-8"?>
+<p:sldLayout xmlns:a="http://schemas.openxmlformats.org/drawingml/2006/main" xmlns:r="http://schemas.openxmlformats.org/officeDocument/2006/relationships" xmlns:p="http://schemas.openxmlformats.org/presentationml/2006/main" type="obj" preserve="1">
+  <p:cSld name="Titel und Inhalt">
+    <p:spTree>
+      <p:nvGrpSpPr>
+        <p:cNvPr id="1" name=""/>
+        <p:cNvGrpSpPr/>
+        <p:nvPr/>
+      </p:nvGrpSpPr>
+      <p:grpSpPr>
+        <a:xfrm>
+          <a:off x="0" y="0"/>
+          <a:ext cx="0" cy="0"/>
+          <a:chOff x="0" y="0"/>
+          <a:chExt cx="0" cy="0"/>
+        </a:xfrm>
+      </p:grpSpPr>
+      <p:sp>
+        <p:nvSpPr>
+          <p:cNvPr id="2" name="Titel 1">
+            <a:extLst>
+              <a:ext uri="{FF2B5EF4-FFF2-40B4-BE49-F238E27FC236}">
+                <a16:creationId xmlns:a16="http://schemas.microsoft.com/office/drawing/2014/main" id="{5D9C41E8-5500-28C2-CFBF-CD1D3EB2F04F}"/>
+              </a:ext>
+            </a:extLst>
+          </p:cNvPr>
+          <p:cNvSpPr>
+            <a:spLocks noGrp="1"/>
+          </p:cNvSpPr>
+          <p:nvPr>
+            <p:ph type="title"/>
+          </p:nvPr>
+        </p:nvSpPr>
+        <p:spPr/>
+        <p:txBody>
+          <a:bodyPr/>
+          <a:lstStyle/>
+          <a:p>
+            <a:r>
+              <a:rPr lang="de-DE"/>
+              <a:t>Mastertitelformat bearbeiten</a:t>
+            </a:r>
+          </a:p>
+        </p:txBody>
+      </p:sp>
+      <p:sp>
+        <p:nvSpPr>
+          <p:cNvPr id="3" name="Inhaltsplatzhalter 2">
+            <a:extLst>
+              <a:ext uri="{FF2B5EF4-FFF2-40B4-BE49-F238E27FC236}">
+                <a16:creationId xmlns:a16="http://schemas.microsoft.com/office/drawing/2014/main" id="{167F6BCD-0653-E48C-89E0-3C6AD8593C0E}"/>
+              </a:ext>
+            </a:extLst>
+          </p:cNvPr>
+          <p:cNvSpPr>
+            <a:spLocks noGrp="1"/>
+          </p:cNvSpPr>
+          <p:nvPr>
+            <p:ph idx="1"/>
+          </p:nvPr>
+        </p:nvSpPr>
+        <p:spPr/>
+        <p:txBody>
+          <a:bodyPr/>
+          <a:lstStyle/>
+          <a:p>
+            <a:pPr lvl="0"/>
+            <a:r>
+              <a:rPr lang="de-DE"/>
+              <a:t>Mastertextformat bearbeiten</a:t>
+            </a:r>
+          </a:p>
+          <a:p>
+            <a:pPr lvl="1"/>
+            <a:r>
+              <a:rPr lang="de-DE"/>
+              <a:t>Zweite Ebene</a:t>
+            </a:r>
+          </a:p>
+          <a:p>
+            <a:pPr lvl="2"/>
+            <a:r>
+              <a:rPr lang="de-DE"/>
+              <a:t>Dritte Ebene</a:t>
+            </a:r>
+          </a:p>
+          <a:p>
+            <a:pPr lvl="3"/>
+            <a:r>
+              <a:rPr lang="de-DE"/>
+              <a:t>Vierte Ebene</a:t>
+            </a:r>
+          </a:p>
+          <a:p>
+            <a:pPr lvl="4"/>
+            <a:r>
+              <a:rPr lang="de-DE"/>
+              <a:t>Fünfte Ebene</a:t>
+            </a:r>
+          </a:p>
+        </p:txBody>
+      </p:sp>
+      <p:sp>
+        <p:nvSpPr>
+          <p:cNvPr id="4" name="Datumsplatzhalter 3">
+            <a:extLst>
+              <a:ext uri="{FF2B5EF4-FFF2-40B4-BE49-F238E27FC236}">
+                <a16:creationId xmlns:a16="http://schemas.microsoft.com/office/drawing/2014/main" id="{520B1EB6-1EBB-395D-C916-EC497FB4A156}"/>
+              </a:ext>
+            </a:extLst>
+          </p:cNvPr>
+          <p:cNvSpPr>
+            <a:spLocks noGrp="1"/>
+          </p:cNvSpPr>
+          <p:nvPr>
+            <p:ph type="dt" sz="half" idx="10"/>
+          </p:nvPr>
+        </p:nvSpPr>
+        <p:spPr/>
+        <p:txBody>
+          <a:bodyPr/>
+          <a:lstStyle/>
+          <a:p>
+            <a:fld id="{93318F87-FAB0-47FE-97DA-44085A772572}" type="datetimeFigureOut">
+              <a:rPr lang="de-DE" smtClean="0"/>
+              <a:t>28.04.2025</a:t>
+            </a:fld>
+            <a:endParaRPr lang="de-DE"/>
+          </a:p>
+        </p:txBody>
+      </p:sp>
+      <p:sp>
+        <p:nvSpPr>
+          <p:cNvPr id="5" name="Fußzeilenplatzhalter 4">
+            <a:extLst>
+              <a:ext uri="{FF2B5EF4-FFF2-40B4-BE49-F238E27FC236}">
+                <a16:creationId xmlns:a16="http://schemas.microsoft.com/office/drawing/2014/main" id="{FC66F8CC-2803-C915-AC14-3DF2FF472F47}"/>
+              </a:ext>
+            </a:extLst>
+          </p:cNvPr>
+          <p:cNvSpPr>
+            <a:spLocks noGrp="1"/>
+          </p:cNvSpPr>
+          <p:nvPr>
+            <p:ph type="ftr" sz="quarter" idx="11"/>
+          </p:nvPr>
+        </p:nvSpPr>
+        <p:spPr/>
+        <p:txBody>
+          <a:bodyPr/>
+          <a:lstStyle/>
+          <a:p>
+            <a:endParaRPr lang="de-DE"/>
+          </a:p>
+        </p:txBody>
+      </p:sp>
+      <p:sp>
+        <p:nvSpPr>
+          <p:cNvPr id="6" name="Foliennummernplatzhalter 5">
+            <a:extLst>
+              <a:ext uri="{FF2B5EF4-FFF2-40B4-BE49-F238E27FC236}">
+                <a16:creationId xmlns:a16="http://schemas.microsoft.com/office/drawing/2014/main" id="{0D4BEE5E-2AE7-EF3B-18FA-28A3AE9DD3E0}"/>
+              </a:ext>
+            </a:extLst>
+          </p:cNvPr>
+          <p:cNvSpPr>
+            <a:spLocks noGrp="1"/>
+          </p:cNvSpPr>
+          <p:nvPr>
+            <p:ph type="sldNum" sz="quarter" idx="12"/>
+          </p:nvPr>
+        </p:nvSpPr>
+        <p:spPr/>
+        <p:txBody>
+          <a:bodyPr/>
+          <a:lstStyle/>
+          <a:p>
+            <a:fld id="{1BEC5E2C-E227-4899-ADAA-E690CC0A002B}" type="slidenum">
+              <a:rPr lang="de-DE" smtClean="0"/>
+              <a:t>‹Nr.›</a:t>
+            </a:fld>
+            <a:endParaRPr lang="de-DE"/>
+          </a:p>
+        </p:txBody>
+      </p:sp>
+    </p:spTree>
+    <p:extLst>
+      <p:ext uri="{BB962C8B-B14F-4D97-AF65-F5344CB8AC3E}">
+        <p14:creationId xmlns:p14="http://schemas.microsoft.com/office/powerpoint/2010/main" val="2153539373"/>
+      </p:ext>
+    </p:extLst>
+  </p:cSld>
+  <p:clrMapOvr>
+    <a:masterClrMapping/>
+  </p:clrMapOvr>
+</p:sldLayout>
+</file>
+
+<file path=ppt/slideLayouts/slideLayout14.xml><?xml version="1.0" encoding="utf-8"?>
+<p:sldLayout xmlns:a="http://schemas.openxmlformats.org/drawingml/2006/main" xmlns:r="http://schemas.openxmlformats.org/officeDocument/2006/relationships" xmlns:p="http://schemas.openxmlformats.org/presentationml/2006/main" type="secHead" preserve="1">
+  <p:cSld name="Abschnitts-&#10;überschrift">
+    <p:spTree>
+      <p:nvGrpSpPr>
+        <p:cNvPr id="1" name=""/>
+        <p:cNvGrpSpPr/>
+        <p:nvPr/>
+      </p:nvGrpSpPr>
+      <p:grpSpPr>
+        <a:xfrm>
+          <a:off x="0" y="0"/>
+          <a:ext cx="0" cy="0"/>
+          <a:chOff x="0" y="0"/>
+          <a:chExt cx="0" cy="0"/>
+        </a:xfrm>
+      </p:grpSpPr>
+      <p:sp>
+        <p:nvSpPr>
+          <p:cNvPr id="2" name="Titel 1">
+            <a:extLst>
+              <a:ext uri="{FF2B5EF4-FFF2-40B4-BE49-F238E27FC236}">
+                <a16:creationId xmlns:a16="http://schemas.microsoft.com/office/drawing/2014/main" id="{EA638C27-D114-CFDD-090D-CDD26FC39E4C}"/>
+              </a:ext>
+            </a:extLst>
+          </p:cNvPr>
+          <p:cNvSpPr>
+            <a:spLocks noGrp="1"/>
+          </p:cNvSpPr>
+          <p:nvPr>
+            <p:ph type="title"/>
+          </p:nvPr>
+        </p:nvSpPr>
+        <p:spPr>
+          <a:xfrm>
+            <a:off x="831850" y="1709738"/>
+            <a:ext cx="10515600" cy="2852737"/>
+          </a:xfrm>
+        </p:spPr>
+        <p:txBody>
+          <a:bodyPr anchor="b"/>
+          <a:lstStyle>
+            <a:lvl1pPr>
+              <a:defRPr sz="6000"/>
+            </a:lvl1pPr>
+          </a:lstStyle>
+          <a:p>
+            <a:r>
+              <a:rPr lang="de-DE"/>
+              <a:t>Mastertitelformat bearbeiten</a:t>
+            </a:r>
+          </a:p>
+        </p:txBody>
+      </p:sp>
+      <p:sp>
+        <p:nvSpPr>
+          <p:cNvPr id="3" name="Textplatzhalter 2">
+            <a:extLst>
+              <a:ext uri="{FF2B5EF4-FFF2-40B4-BE49-F238E27FC236}">
+                <a16:creationId xmlns:a16="http://schemas.microsoft.com/office/drawing/2014/main" id="{AEADF6B9-BC23-A29B-14AF-2C43622BBB20}"/>
+              </a:ext>
+            </a:extLst>
+          </p:cNvPr>
+          <p:cNvSpPr>
+            <a:spLocks noGrp="1"/>
+          </p:cNvSpPr>
+          <p:nvPr>
+            <p:ph type="body" idx="1"/>
+          </p:nvPr>
+        </p:nvSpPr>
+        <p:spPr>
+          <a:xfrm>
+            <a:off x="831850" y="4589463"/>
+            <a:ext cx="10515600" cy="1500187"/>
+          </a:xfrm>
+        </p:spPr>
+        <p:txBody>
+          <a:bodyPr/>
+          <a:lstStyle>
+            <a:lvl1pPr marL="0" indent="0">
+              <a:buNone/>
+              <a:defRPr sz="2400">
+                <a:solidFill>
+                  <a:schemeClr val="tx1">
+                    <a:tint val="82000"/>
+                  </a:schemeClr>
+                </a:solidFill>
+              </a:defRPr>
+            </a:lvl1pPr>
+            <a:lvl2pPr marL="457200" indent="0">
+              <a:buNone/>
+              <a:defRPr sz="2000">
+                <a:solidFill>
+                  <a:schemeClr val="tx1">
+                    <a:tint val="82000"/>
+                  </a:schemeClr>
+                </a:solidFill>
+              </a:defRPr>
+            </a:lvl2pPr>
+            <a:lvl3pPr marL="914400" indent="0">
+              <a:buNone/>
+              <a:defRPr sz="1800">
+                <a:solidFill>
+                  <a:schemeClr val="tx1">
+                    <a:tint val="82000"/>
+                  </a:schemeClr>
+                </a:solidFill>
+              </a:defRPr>
+            </a:lvl3pPr>
+            <a:lvl4pPr marL="1371600" indent="0">
+              <a:buNone/>
+              <a:defRPr sz="1600">
+                <a:solidFill>
+                  <a:schemeClr val="tx1">
+                    <a:tint val="82000"/>
+                  </a:schemeClr>
+                </a:solidFill>
+              </a:defRPr>
+            </a:lvl4pPr>
+            <a:lvl5pPr marL="1828800" indent="0">
+              <a:buNone/>
+              <a:defRPr sz="1600">
+                <a:solidFill>
+                  <a:schemeClr val="tx1">
+                    <a:tint val="82000"/>
+                  </a:schemeClr>
+                </a:solidFill>
+              </a:defRPr>
+            </a:lvl5pPr>
+            <a:lvl6pPr marL="2286000" indent="0">
+              <a:buNone/>
+              <a:defRPr sz="1600">
+                <a:solidFill>
+                  <a:schemeClr val="tx1">
+                    <a:tint val="82000"/>
+                  </a:schemeClr>
+                </a:solidFill>
+              </a:defRPr>
+            </a:lvl6pPr>
+            <a:lvl7pPr marL="2743200" indent="0">
+              <a:buNone/>
+              <a:defRPr sz="1600">
+                <a:solidFill>
+                  <a:schemeClr val="tx1">
+                    <a:tint val="82000"/>
+                  </a:schemeClr>
+                </a:solidFill>
+              </a:defRPr>
+            </a:lvl7pPr>
+            <a:lvl8pPr marL="3200400" indent="0">
+              <a:buNone/>
+              <a:defRPr sz="1600">
+                <a:solidFill>
+                  <a:schemeClr val="tx1">
+                    <a:tint val="82000"/>
+                  </a:schemeClr>
+                </a:solidFill>
+              </a:defRPr>
+            </a:lvl8pPr>
+            <a:lvl9pPr marL="3657600" indent="0">
+              <a:buNone/>
+              <a:defRPr sz="1600">
+                <a:solidFill>
+                  <a:schemeClr val="tx1">
+                    <a:tint val="82000"/>
+                  </a:schemeClr>
+                </a:solidFill>
+              </a:defRPr>
+            </a:lvl9pPr>
+          </a:lstStyle>
+          <a:p>
+            <a:pPr lvl="0"/>
+            <a:r>
+              <a:rPr lang="de-DE"/>
+              <a:t>Mastertextformat bearbeiten</a:t>
+            </a:r>
+          </a:p>
+        </p:txBody>
+      </p:sp>
+      <p:sp>
+        <p:nvSpPr>
+          <p:cNvPr id="4" name="Datumsplatzhalter 3">
+            <a:extLst>
+              <a:ext uri="{FF2B5EF4-FFF2-40B4-BE49-F238E27FC236}">
+                <a16:creationId xmlns:a16="http://schemas.microsoft.com/office/drawing/2014/main" id="{327AEE7A-2D1E-582A-F5AF-5D56289FF804}"/>
+              </a:ext>
+            </a:extLst>
+          </p:cNvPr>
+          <p:cNvSpPr>
+            <a:spLocks noGrp="1"/>
+          </p:cNvSpPr>
+          <p:nvPr>
+            <p:ph type="dt" sz="half" idx="10"/>
+          </p:nvPr>
+        </p:nvSpPr>
+        <p:spPr/>
+        <p:txBody>
+          <a:bodyPr/>
+          <a:lstStyle/>
+          <a:p>
+            <a:fld id="{93318F87-FAB0-47FE-97DA-44085A772572}" type="datetimeFigureOut">
+              <a:rPr lang="de-DE" smtClean="0"/>
+              <a:t>28.04.2025</a:t>
+            </a:fld>
+            <a:endParaRPr lang="de-DE"/>
+          </a:p>
+        </p:txBody>
+      </p:sp>
+      <p:sp>
+        <p:nvSpPr>
+          <p:cNvPr id="5" name="Fußzeilenplatzhalter 4">
+            <a:extLst>
+              <a:ext uri="{FF2B5EF4-FFF2-40B4-BE49-F238E27FC236}">
+                <a16:creationId xmlns:a16="http://schemas.microsoft.com/office/drawing/2014/main" id="{D86B95C9-A08F-7BC7-6D21-8F7039AA7E8D}"/>
+              </a:ext>
+            </a:extLst>
+          </p:cNvPr>
+          <p:cNvSpPr>
+            <a:spLocks noGrp="1"/>
+          </p:cNvSpPr>
+          <p:nvPr>
+            <p:ph type="ftr" sz="quarter" idx="11"/>
+          </p:nvPr>
+        </p:nvSpPr>
+        <p:spPr/>
+        <p:txBody>
+          <a:bodyPr/>
+          <a:lstStyle/>
+          <a:p>
+            <a:endParaRPr lang="de-DE"/>
+          </a:p>
+        </p:txBody>
+      </p:sp>
+      <p:sp>
+        <p:nvSpPr>
+          <p:cNvPr id="6" name="Foliennummernplatzhalter 5">
+            <a:extLst>
+              <a:ext uri="{FF2B5EF4-FFF2-40B4-BE49-F238E27FC236}">
+                <a16:creationId xmlns:a16="http://schemas.microsoft.com/office/drawing/2014/main" id="{2DA5BBD9-357C-82E0-F87E-DA34BA653B09}"/>
+              </a:ext>
+            </a:extLst>
+          </p:cNvPr>
+          <p:cNvSpPr>
+            <a:spLocks noGrp="1"/>
+          </p:cNvSpPr>
+          <p:nvPr>
+            <p:ph type="sldNum" sz="quarter" idx="12"/>
+          </p:nvPr>
+        </p:nvSpPr>
+        <p:spPr/>
+        <p:txBody>
+          <a:bodyPr/>
+          <a:lstStyle/>
+          <a:p>
+            <a:fld id="{1BEC5E2C-E227-4899-ADAA-E690CC0A002B}" type="slidenum">
+              <a:rPr lang="de-DE" smtClean="0"/>
+              <a:t>‹Nr.›</a:t>
+            </a:fld>
+            <a:endParaRPr lang="de-DE"/>
+          </a:p>
+        </p:txBody>
+      </p:sp>
+    </p:spTree>
+    <p:extLst>
+      <p:ext uri="{BB962C8B-B14F-4D97-AF65-F5344CB8AC3E}">
+        <p14:creationId xmlns:p14="http://schemas.microsoft.com/office/powerpoint/2010/main" val="3183472723"/>
+      </p:ext>
+    </p:extLst>
+  </p:cSld>
+  <p:clrMapOvr>
+    <a:masterClrMapping/>
+  </p:clrMapOvr>
+</p:sldLayout>
+</file>
+
+<file path=ppt/slideLayouts/slideLayout15.xml><?xml version="1.0" encoding="utf-8"?>
+<p:sldLayout xmlns:a="http://schemas.openxmlformats.org/drawingml/2006/main" xmlns:r="http://schemas.openxmlformats.org/officeDocument/2006/relationships" xmlns:p="http://schemas.openxmlformats.org/presentationml/2006/main" type="twoObj" preserve="1">
+  <p:cSld name="Zwei Inhalte">
+    <p:spTree>
+      <p:nvGrpSpPr>
+        <p:cNvPr id="1" name=""/>
+        <p:cNvGrpSpPr/>
+        <p:nvPr/>
+      </p:nvGrpSpPr>
+      <p:grpSpPr>
+        <a:xfrm>
+          <a:off x="0" y="0"/>
+          <a:ext cx="0" cy="0"/>
+          <a:chOff x="0" y="0"/>
+          <a:chExt cx="0" cy="0"/>
+        </a:xfrm>
+      </p:grpSpPr>
+      <p:sp>
+        <p:nvSpPr>
+          <p:cNvPr id="2" name="Titel 1">
+            <a:extLst>
+              <a:ext uri="{FF2B5EF4-FFF2-40B4-BE49-F238E27FC236}">
+                <a16:creationId xmlns:a16="http://schemas.microsoft.com/office/drawing/2014/main" id="{ADB901B6-DC29-7025-E57B-97B12F3D95C5}"/>
+              </a:ext>
+            </a:extLst>
+          </p:cNvPr>
+          <p:cNvSpPr>
+            <a:spLocks noGrp="1"/>
+          </p:cNvSpPr>
+          <p:nvPr>
+            <p:ph type="title"/>
+          </p:nvPr>
+        </p:nvSpPr>
+        <p:spPr/>
+        <p:txBody>
+          <a:bodyPr/>
+          <a:lstStyle/>
+          <a:p>
+            <a:r>
+              <a:rPr lang="de-DE"/>
+              <a:t>Mastertitelformat bearbeiten</a:t>
+            </a:r>
+          </a:p>
+        </p:txBody>
+      </p:sp>
+      <p:sp>
+        <p:nvSpPr>
+          <p:cNvPr id="3" name="Inhaltsplatzhalter 2">
+            <a:extLst>
+              <a:ext uri="{FF2B5EF4-FFF2-40B4-BE49-F238E27FC236}">
+                <a16:creationId xmlns:a16="http://schemas.microsoft.com/office/drawing/2014/main" id="{68F5FD5E-6F6D-DE43-1DC4-DAC84A45F21B}"/>
+              </a:ext>
+            </a:extLst>
+          </p:cNvPr>
+          <p:cNvSpPr>
+            <a:spLocks noGrp="1"/>
+          </p:cNvSpPr>
+          <p:nvPr>
+            <p:ph sz="half" idx="1"/>
+          </p:nvPr>
+        </p:nvSpPr>
+        <p:spPr>
+          <a:xfrm>
+            <a:off x="838200" y="1825625"/>
+            <a:ext cx="5181600" cy="4351338"/>
+          </a:xfrm>
+        </p:spPr>
+        <p:txBody>
+          <a:bodyPr/>
+          <a:lstStyle/>
+          <a:p>
+            <a:pPr lvl="0"/>
+            <a:r>
+              <a:rPr lang="de-DE"/>
+              <a:t>Mastertextformat bearbeiten</a:t>
+            </a:r>
+          </a:p>
+          <a:p>
+            <a:pPr lvl="1"/>
+            <a:r>
+              <a:rPr lang="de-DE"/>
+              <a:t>Zweite Ebene</a:t>
+            </a:r>
+          </a:p>
+          <a:p>
+            <a:pPr lvl="2"/>
+            <a:r>
+              <a:rPr lang="de-DE"/>
+              <a:t>Dritte Ebene</a:t>
+            </a:r>
+          </a:p>
+          <a:p>
+            <a:pPr lvl="3"/>
+            <a:r>
+              <a:rPr lang="de-DE"/>
+              <a:t>Vierte Ebene</a:t>
+            </a:r>
+          </a:p>
+          <a:p>
+            <a:pPr lvl="4"/>
+            <a:r>
+              <a:rPr lang="de-DE"/>
+              <a:t>Fünfte Ebene</a:t>
+            </a:r>
+          </a:p>
+        </p:txBody>
+      </p:sp>
+      <p:sp>
+        <p:nvSpPr>
+          <p:cNvPr id="4" name="Inhaltsplatzhalter 3">
+            <a:extLst>
+              <a:ext uri="{FF2B5EF4-FFF2-40B4-BE49-F238E27FC236}">
+                <a16:creationId xmlns:a16="http://schemas.microsoft.com/office/drawing/2014/main" id="{2AF1CE43-7CB8-9C42-42E4-F250EA5FAA04}"/>
+              </a:ext>
+            </a:extLst>
+          </p:cNvPr>
+          <p:cNvSpPr>
+            <a:spLocks noGrp="1"/>
+          </p:cNvSpPr>
+          <p:nvPr>
+            <p:ph sz="half" idx="2"/>
+          </p:nvPr>
+        </p:nvSpPr>
+        <p:spPr>
+          <a:xfrm>
+            <a:off x="6172200" y="1825625"/>
+            <a:ext cx="5181600" cy="4351338"/>
+          </a:xfrm>
+        </p:spPr>
+        <p:txBody>
+          <a:bodyPr/>
+          <a:lstStyle/>
+          <a:p>
+            <a:pPr lvl="0"/>
+            <a:r>
+              <a:rPr lang="de-DE"/>
+              <a:t>Mastertextformat bearbeiten</a:t>
+            </a:r>
+          </a:p>
+          <a:p>
+            <a:pPr lvl="1"/>
+            <a:r>
+              <a:rPr lang="de-DE"/>
+              <a:t>Zweite Ebene</a:t>
+            </a:r>
+          </a:p>
+          <a:p>
+            <a:pPr lvl="2"/>
+            <a:r>
+              <a:rPr lang="de-DE"/>
+              <a:t>Dritte Ebene</a:t>
+            </a:r>
+          </a:p>
+          <a:p>
+            <a:pPr lvl="3"/>
+            <a:r>
+              <a:rPr lang="de-DE"/>
+              <a:t>Vierte Ebene</a:t>
+            </a:r>
+          </a:p>
+          <a:p>
+            <a:pPr lvl="4"/>
+            <a:r>
+              <a:rPr lang="de-DE"/>
+              <a:t>Fünfte Ebene</a:t>
+            </a:r>
+          </a:p>
+        </p:txBody>
+      </p:sp>
+      <p:sp>
+        <p:nvSpPr>
+          <p:cNvPr id="5" name="Datumsplatzhalter 4">
+            <a:extLst>
+              <a:ext uri="{FF2B5EF4-FFF2-40B4-BE49-F238E27FC236}">
+                <a16:creationId xmlns:a16="http://schemas.microsoft.com/office/drawing/2014/main" id="{1D2B9BFA-FF3A-EBB8-567D-A3CA91AB8A61}"/>
+              </a:ext>
+            </a:extLst>
+          </p:cNvPr>
+          <p:cNvSpPr>
+            <a:spLocks noGrp="1"/>
+          </p:cNvSpPr>
+          <p:nvPr>
+            <p:ph type="dt" sz="half" idx="10"/>
+          </p:nvPr>
+        </p:nvSpPr>
+        <p:spPr/>
+        <p:txBody>
+          <a:bodyPr/>
+          <a:lstStyle/>
+          <a:p>
+            <a:fld id="{93318F87-FAB0-47FE-97DA-44085A772572}" type="datetimeFigureOut">
+              <a:rPr lang="de-DE" smtClean="0"/>
+              <a:t>28.04.2025</a:t>
+            </a:fld>
+            <a:endParaRPr lang="de-DE"/>
+          </a:p>
+        </p:txBody>
+      </p:sp>
+      <p:sp>
+        <p:nvSpPr>
+          <p:cNvPr id="6" name="Fußzeilenplatzhalter 5">
+            <a:extLst>
+              <a:ext uri="{FF2B5EF4-FFF2-40B4-BE49-F238E27FC236}">
+                <a16:creationId xmlns:a16="http://schemas.microsoft.com/office/drawing/2014/main" id="{6611DF31-35BF-F35B-B72E-70ACD3648F32}"/>
+              </a:ext>
+            </a:extLst>
+          </p:cNvPr>
+          <p:cNvSpPr>
+            <a:spLocks noGrp="1"/>
+          </p:cNvSpPr>
+          <p:nvPr>
+            <p:ph type="ftr" sz="quarter" idx="11"/>
+          </p:nvPr>
+        </p:nvSpPr>
+        <p:spPr/>
+        <p:txBody>
+          <a:bodyPr/>
+          <a:lstStyle/>
+          <a:p>
+            <a:endParaRPr lang="de-DE"/>
+          </a:p>
+        </p:txBody>
+      </p:sp>
+      <p:sp>
+        <p:nvSpPr>
+          <p:cNvPr id="7" name="Foliennummernplatzhalter 6">
+            <a:extLst>
+              <a:ext uri="{FF2B5EF4-FFF2-40B4-BE49-F238E27FC236}">
+                <a16:creationId xmlns:a16="http://schemas.microsoft.com/office/drawing/2014/main" id="{A47B1D25-5B07-9183-2F9C-CFA4BCF560C3}"/>
+              </a:ext>
+            </a:extLst>
+          </p:cNvPr>
+          <p:cNvSpPr>
+            <a:spLocks noGrp="1"/>
+          </p:cNvSpPr>
+          <p:nvPr>
+            <p:ph type="sldNum" sz="quarter" idx="12"/>
+          </p:nvPr>
+        </p:nvSpPr>
+        <p:spPr/>
+        <p:txBody>
+          <a:bodyPr/>
+          <a:lstStyle/>
+          <a:p>
+            <a:fld id="{1BEC5E2C-E227-4899-ADAA-E690CC0A002B}" type="slidenum">
+              <a:rPr lang="de-DE" smtClean="0"/>
+              <a:t>‹Nr.›</a:t>
+            </a:fld>
+            <a:endParaRPr lang="de-DE"/>
+          </a:p>
+        </p:txBody>
+      </p:sp>
+    </p:spTree>
+    <p:extLst>
+      <p:ext uri="{BB962C8B-B14F-4D97-AF65-F5344CB8AC3E}">
+        <p14:creationId xmlns:p14="http://schemas.microsoft.com/office/powerpoint/2010/main" val="2419735262"/>
+      </p:ext>
+    </p:extLst>
+  </p:cSld>
+  <p:clrMapOvr>
+    <a:masterClrMapping/>
+  </p:clrMapOvr>
+</p:sldLayout>
+</file>
+
+<file path=ppt/slideLayouts/slideLayout16.xml><?xml version="1.0" encoding="utf-8"?>
+<p:sldLayout xmlns:a="http://schemas.openxmlformats.org/drawingml/2006/main" xmlns:r="http://schemas.openxmlformats.org/officeDocument/2006/relationships" xmlns:p="http://schemas.openxmlformats.org/presentationml/2006/main" type="twoTxTwoObj" preserve="1">
+  <p:cSld name="Vergleich">
+    <p:spTree>
+      <p:nvGrpSpPr>
+        <p:cNvPr id="1" name=""/>
+        <p:cNvGrpSpPr/>
+        <p:nvPr/>
+      </p:nvGrpSpPr>
+      <p:grpSpPr>
+        <a:xfrm>
+          <a:off x="0" y="0"/>
+          <a:ext cx="0" cy="0"/>
+          <a:chOff x="0" y="0"/>
+          <a:chExt cx="0" cy="0"/>
+        </a:xfrm>
+      </p:grpSpPr>
+      <p:sp>
+        <p:nvSpPr>
+          <p:cNvPr id="2" name="Titel 1">
+            <a:extLst>
+              <a:ext uri="{FF2B5EF4-FFF2-40B4-BE49-F238E27FC236}">
+                <a16:creationId xmlns:a16="http://schemas.microsoft.com/office/drawing/2014/main" id="{B267DA09-F185-E53F-174E-F8DC92C8B280}"/>
+              </a:ext>
+            </a:extLst>
+          </p:cNvPr>
+          <p:cNvSpPr>
+            <a:spLocks noGrp="1"/>
+          </p:cNvSpPr>
+          <p:nvPr>
+            <p:ph type="title"/>
+          </p:nvPr>
+        </p:nvSpPr>
+        <p:spPr>
+          <a:xfrm>
+            <a:off x="839788" y="365125"/>
+            <a:ext cx="10515600" cy="1325563"/>
+          </a:xfrm>
+        </p:spPr>
+        <p:txBody>
+          <a:bodyPr/>
+          <a:lstStyle/>
+          <a:p>
+            <a:r>
+              <a:rPr lang="de-DE"/>
+              <a:t>Mastertitelformat bearbeiten</a:t>
+            </a:r>
+          </a:p>
+        </p:txBody>
+      </p:sp>
+      <p:sp>
+        <p:nvSpPr>
+          <p:cNvPr id="3" name="Textplatzhalter 2">
+            <a:extLst>
+              <a:ext uri="{FF2B5EF4-FFF2-40B4-BE49-F238E27FC236}">
+                <a16:creationId xmlns:a16="http://schemas.microsoft.com/office/drawing/2014/main" id="{32DFA5B3-59A9-D50F-0F83-7DAAFD07BF6E}"/>
+              </a:ext>
+            </a:extLst>
+          </p:cNvPr>
+          <p:cNvSpPr>
+            <a:spLocks noGrp="1"/>
+          </p:cNvSpPr>
+          <p:nvPr>
+            <p:ph type="body" idx="1"/>
+          </p:nvPr>
+        </p:nvSpPr>
+        <p:spPr>
+          <a:xfrm>
+            <a:off x="839788" y="1681163"/>
+            <a:ext cx="5157787" cy="823912"/>
+          </a:xfrm>
+        </p:spPr>
+        <p:txBody>
+          <a:bodyPr anchor="b"/>
+          <a:lstStyle>
+            <a:lvl1pPr marL="0" indent="0">
+              <a:buNone/>
+              <a:defRPr sz="2400" b="1"/>
+            </a:lvl1pPr>
+            <a:lvl2pPr marL="457200" indent="0">
+              <a:buNone/>
+              <a:defRPr sz="2000" b="1"/>
+            </a:lvl2pPr>
+            <a:lvl3pPr marL="914400" indent="0">
+              <a:buNone/>
+              <a:defRPr sz="1800" b="1"/>
+            </a:lvl3pPr>
+            <a:lvl4pPr marL="1371600" indent="0">
+              <a:buNone/>
+              <a:defRPr sz="1600" b="1"/>
+            </a:lvl4pPr>
+            <a:lvl5pPr marL="1828800" indent="0">
+              <a:buNone/>
+              <a:defRPr sz="1600" b="1"/>
+            </a:lvl5pPr>
+            <a:lvl6pPr marL="2286000" indent="0">
+              <a:buNone/>
+              <a:defRPr sz="1600" b="1"/>
+            </a:lvl6pPr>
+            <a:lvl7pPr marL="2743200" indent="0">
+              <a:buNone/>
+              <a:defRPr sz="1600" b="1"/>
+            </a:lvl7pPr>
+            <a:lvl8pPr marL="3200400" indent="0">
+              <a:buNone/>
+              <a:defRPr sz="1600" b="1"/>
+            </a:lvl8pPr>
+            <a:lvl9pPr marL="3657600" indent="0">
+              <a:buNone/>
+              <a:defRPr sz="1600" b="1"/>
+            </a:lvl9pPr>
+          </a:lstStyle>
+          <a:p>
+            <a:pPr lvl="0"/>
+            <a:r>
+              <a:rPr lang="de-DE"/>
+              <a:t>Mastertextformat bearbeiten</a:t>
+            </a:r>
+          </a:p>
+        </p:txBody>
+      </p:sp>
+      <p:sp>
+        <p:nvSpPr>
+          <p:cNvPr id="4" name="Inhaltsplatzhalter 3">
+            <a:extLst>
+              <a:ext uri="{FF2B5EF4-FFF2-40B4-BE49-F238E27FC236}">
+                <a16:creationId xmlns:a16="http://schemas.microsoft.com/office/drawing/2014/main" id="{0329E31D-448A-2686-A8A9-D5018C6D456F}"/>
+              </a:ext>
+            </a:extLst>
+          </p:cNvPr>
+          <p:cNvSpPr>
+            <a:spLocks noGrp="1"/>
+          </p:cNvSpPr>
+          <p:nvPr>
+            <p:ph sz="half" idx="2"/>
+          </p:nvPr>
+        </p:nvSpPr>
+        <p:spPr>
+          <a:xfrm>
+            <a:off x="839788" y="2505075"/>
+            <a:ext cx="5157787" cy="3684588"/>
+          </a:xfrm>
+        </p:spPr>
+        <p:txBody>
+          <a:bodyPr/>
+          <a:lstStyle/>
+          <a:p>
+            <a:pPr lvl="0"/>
+            <a:r>
+              <a:rPr lang="de-DE"/>
+              <a:t>Mastertextformat bearbeiten</a:t>
+            </a:r>
+          </a:p>
+          <a:p>
+            <a:pPr lvl="1"/>
+            <a:r>
+              <a:rPr lang="de-DE"/>
+              <a:t>Zweite Ebene</a:t>
+            </a:r>
+          </a:p>
+          <a:p>
+            <a:pPr lvl="2"/>
+            <a:r>
+              <a:rPr lang="de-DE"/>
+              <a:t>Dritte Ebene</a:t>
+            </a:r>
+          </a:p>
+          <a:p>
+            <a:pPr lvl="3"/>
+            <a:r>
+              <a:rPr lang="de-DE"/>
+              <a:t>Vierte Ebene</a:t>
+            </a:r>
+          </a:p>
+          <a:p>
+            <a:pPr lvl="4"/>
+            <a:r>
+              <a:rPr lang="de-DE"/>
+              <a:t>Fünfte Ebene</a:t>
+            </a:r>
+          </a:p>
+        </p:txBody>
+      </p:sp>
+      <p:sp>
+        <p:nvSpPr>
+          <p:cNvPr id="5" name="Textplatzhalter 4">
+            <a:extLst>
+              <a:ext uri="{FF2B5EF4-FFF2-40B4-BE49-F238E27FC236}">
+                <a16:creationId xmlns:a16="http://schemas.microsoft.com/office/drawing/2014/main" id="{D515B91B-CA04-4EBA-1A44-2706DC1472FF}"/>
+              </a:ext>
+            </a:extLst>
+          </p:cNvPr>
+          <p:cNvSpPr>
+            <a:spLocks noGrp="1"/>
+          </p:cNvSpPr>
+          <p:nvPr>
+            <p:ph type="body" sz="quarter" idx="3"/>
+          </p:nvPr>
+        </p:nvSpPr>
+        <p:spPr>
+          <a:xfrm>
+            <a:off x="6172200" y="1681163"/>
+            <a:ext cx="5183188" cy="823912"/>
+          </a:xfrm>
+        </p:spPr>
+        <p:txBody>
+          <a:bodyPr anchor="b"/>
+          <a:lstStyle>
+            <a:lvl1pPr marL="0" indent="0">
+              <a:buNone/>
+              <a:defRPr sz="2400" b="1"/>
+            </a:lvl1pPr>
+            <a:lvl2pPr marL="457200" indent="0">
+              <a:buNone/>
+              <a:defRPr sz="2000" b="1"/>
+            </a:lvl2pPr>
+            <a:lvl3pPr marL="914400" indent="0">
+              <a:buNone/>
+              <a:defRPr sz="1800" b="1"/>
+            </a:lvl3pPr>
+            <a:lvl4pPr marL="1371600" indent="0">
+              <a:buNone/>
+              <a:defRPr sz="1600" b="1"/>
+            </a:lvl4pPr>
+            <a:lvl5pPr marL="1828800" indent="0">
+              <a:buNone/>
+              <a:defRPr sz="1600" b="1"/>
+            </a:lvl5pPr>
+            <a:lvl6pPr marL="2286000" indent="0">
+              <a:buNone/>
+              <a:defRPr sz="1600" b="1"/>
+            </a:lvl6pPr>
+            <a:lvl7pPr marL="2743200" indent="0">
+              <a:buNone/>
+              <a:defRPr sz="1600" b="1"/>
+            </a:lvl7pPr>
+            <a:lvl8pPr marL="3200400" indent="0">
+              <a:buNone/>
+              <a:defRPr sz="1600" b="1"/>
+            </a:lvl8pPr>
+            <a:lvl9pPr marL="3657600" indent="0">
+              <a:buNone/>
+              <a:defRPr sz="1600" b="1"/>
+            </a:lvl9pPr>
+          </a:lstStyle>
+          <a:p>
+            <a:pPr lvl="0"/>
+            <a:r>
+              <a:rPr lang="de-DE"/>
+              <a:t>Mastertextformat bearbeiten</a:t>
+            </a:r>
+          </a:p>
+        </p:txBody>
+      </p:sp>
+      <p:sp>
+        <p:nvSpPr>
+          <p:cNvPr id="6" name="Inhaltsplatzhalter 5">
+            <a:extLst>
+              <a:ext uri="{FF2B5EF4-FFF2-40B4-BE49-F238E27FC236}">
+                <a16:creationId xmlns:a16="http://schemas.microsoft.com/office/drawing/2014/main" id="{8B290D2F-3BC8-18A1-14F1-B8A57307A741}"/>
+              </a:ext>
+            </a:extLst>
+          </p:cNvPr>
+          <p:cNvSpPr>
+            <a:spLocks noGrp="1"/>
+          </p:cNvSpPr>
+          <p:nvPr>
+            <p:ph sz="quarter" idx="4"/>
+          </p:nvPr>
+        </p:nvSpPr>
+        <p:spPr>
+          <a:xfrm>
+            <a:off x="6172200" y="2505075"/>
+            <a:ext cx="5183188" cy="3684588"/>
+          </a:xfrm>
+        </p:spPr>
+        <p:txBody>
+          <a:bodyPr/>
+          <a:lstStyle/>
+          <a:p>
+            <a:pPr lvl="0"/>
+            <a:r>
+              <a:rPr lang="de-DE"/>
+              <a:t>Mastertextformat bearbeiten</a:t>
+            </a:r>
+          </a:p>
+          <a:p>
+            <a:pPr lvl="1"/>
+            <a:r>
+              <a:rPr lang="de-DE"/>
+              <a:t>Zweite Ebene</a:t>
+            </a:r>
+          </a:p>
+          <a:p>
+            <a:pPr lvl="2"/>
+            <a:r>
+              <a:rPr lang="de-DE"/>
+              <a:t>Dritte Ebene</a:t>
+            </a:r>
+          </a:p>
+          <a:p>
+            <a:pPr lvl="3"/>
+            <a:r>
+              <a:rPr lang="de-DE"/>
+              <a:t>Vierte Ebene</a:t>
+            </a:r>
+          </a:p>
+          <a:p>
+            <a:pPr lvl="4"/>
+            <a:r>
+              <a:rPr lang="de-DE"/>
+              <a:t>Fünfte Ebene</a:t>
+            </a:r>
+          </a:p>
+        </p:txBody>
+      </p:sp>
+      <p:sp>
+        <p:nvSpPr>
+          <p:cNvPr id="7" name="Datumsplatzhalter 6">
+            <a:extLst>
+              <a:ext uri="{FF2B5EF4-FFF2-40B4-BE49-F238E27FC236}">
+                <a16:creationId xmlns:a16="http://schemas.microsoft.com/office/drawing/2014/main" id="{CD8B9777-AC06-5DE1-5DE8-DCC613A08075}"/>
+              </a:ext>
+            </a:extLst>
+          </p:cNvPr>
+          <p:cNvSpPr>
+            <a:spLocks noGrp="1"/>
+          </p:cNvSpPr>
+          <p:nvPr>
+            <p:ph type="dt" sz="half" idx="10"/>
+          </p:nvPr>
+        </p:nvSpPr>
+        <p:spPr/>
+        <p:txBody>
+          <a:bodyPr/>
+          <a:lstStyle/>
+          <a:p>
+            <a:fld id="{93318F87-FAB0-47FE-97DA-44085A772572}" type="datetimeFigureOut">
+              <a:rPr lang="de-DE" smtClean="0"/>
+              <a:t>28.04.2025</a:t>
+            </a:fld>
+            <a:endParaRPr lang="de-DE"/>
+          </a:p>
+        </p:txBody>
+      </p:sp>
+      <p:sp>
+        <p:nvSpPr>
+          <p:cNvPr id="8" name="Fußzeilenplatzhalter 7">
+            <a:extLst>
+              <a:ext uri="{FF2B5EF4-FFF2-40B4-BE49-F238E27FC236}">
+                <a16:creationId xmlns:a16="http://schemas.microsoft.com/office/drawing/2014/main" id="{7CDEF449-D050-DB82-5FA9-8680F9850E30}"/>
+              </a:ext>
+            </a:extLst>
+          </p:cNvPr>
+          <p:cNvSpPr>
+            <a:spLocks noGrp="1"/>
+          </p:cNvSpPr>
+          <p:nvPr>
+            <p:ph type="ftr" sz="quarter" idx="11"/>
+          </p:nvPr>
+        </p:nvSpPr>
+        <p:spPr/>
+        <p:txBody>
+          <a:bodyPr/>
+          <a:lstStyle/>
+          <a:p>
+            <a:endParaRPr lang="de-DE"/>
+          </a:p>
+        </p:txBody>
+      </p:sp>
+      <p:sp>
+        <p:nvSpPr>
+          <p:cNvPr id="9" name="Foliennummernplatzhalter 8">
+            <a:extLst>
+              <a:ext uri="{FF2B5EF4-FFF2-40B4-BE49-F238E27FC236}">
+                <a16:creationId xmlns:a16="http://schemas.microsoft.com/office/drawing/2014/main" id="{4D0D45AB-7B67-2D7B-5825-C87BFB302B0F}"/>
+              </a:ext>
+            </a:extLst>
+          </p:cNvPr>
+          <p:cNvSpPr>
+            <a:spLocks noGrp="1"/>
+          </p:cNvSpPr>
+          <p:nvPr>
+            <p:ph type="sldNum" sz="quarter" idx="12"/>
+          </p:nvPr>
+        </p:nvSpPr>
+        <p:spPr/>
+        <p:txBody>
+          <a:bodyPr/>
+          <a:lstStyle/>
+          <a:p>
+            <a:fld id="{1BEC5E2C-E227-4899-ADAA-E690CC0A002B}" type="slidenum">
+              <a:rPr lang="de-DE" smtClean="0"/>
+              <a:t>‹Nr.›</a:t>
+            </a:fld>
+            <a:endParaRPr lang="de-DE"/>
+          </a:p>
+        </p:txBody>
+      </p:sp>
+    </p:spTree>
+    <p:extLst>
+      <p:ext uri="{BB962C8B-B14F-4D97-AF65-F5344CB8AC3E}">
+        <p14:creationId xmlns:p14="http://schemas.microsoft.com/office/powerpoint/2010/main" val="4039027344"/>
+      </p:ext>
+    </p:extLst>
+  </p:cSld>
+  <p:clrMapOvr>
+    <a:masterClrMapping/>
+  </p:clrMapOvr>
+</p:sldLayout>
+</file>
+
+<file path=ppt/slideLayouts/slideLayout17.xml><?xml version="1.0" encoding="utf-8"?>
+<p:sldLayout xmlns:a="http://schemas.openxmlformats.org/drawingml/2006/main" xmlns:r="http://schemas.openxmlformats.org/officeDocument/2006/relationships" xmlns:p="http://schemas.openxmlformats.org/presentationml/2006/main" type="titleOnly" preserve="1">
+  <p:cSld name="Nur Titel">
+    <p:spTree>
+      <p:nvGrpSpPr>
+        <p:cNvPr id="1" name=""/>
+        <p:cNvGrpSpPr/>
+        <p:nvPr/>
+      </p:nvGrpSpPr>
+      <p:grpSpPr>
+        <a:xfrm>
+          <a:off x="0" y="0"/>
+          <a:ext cx="0" cy="0"/>
+          <a:chOff x="0" y="0"/>
+          <a:chExt cx="0" cy="0"/>
+        </a:xfrm>
+      </p:grpSpPr>
+      <p:sp>
+        <p:nvSpPr>
+          <p:cNvPr id="2" name="Titel 1">
+            <a:extLst>
+              <a:ext uri="{FF2B5EF4-FFF2-40B4-BE49-F238E27FC236}">
+                <a16:creationId xmlns:a16="http://schemas.microsoft.com/office/drawing/2014/main" id="{68CA4A81-734B-D089-3ECA-C356B1B2E36E}"/>
+              </a:ext>
+            </a:extLst>
+          </p:cNvPr>
+          <p:cNvSpPr>
+            <a:spLocks noGrp="1"/>
+          </p:cNvSpPr>
+          <p:nvPr>
+            <p:ph type="title"/>
+          </p:nvPr>
+        </p:nvSpPr>
+        <p:spPr/>
+        <p:txBody>
+          <a:bodyPr/>
+          <a:lstStyle/>
+          <a:p>
+            <a:r>
+              <a:rPr lang="de-DE"/>
+              <a:t>Mastertitelformat bearbeiten</a:t>
+            </a:r>
+          </a:p>
+        </p:txBody>
+      </p:sp>
+      <p:sp>
+        <p:nvSpPr>
+          <p:cNvPr id="3" name="Datumsplatzhalter 2">
+            <a:extLst>
+              <a:ext uri="{FF2B5EF4-FFF2-40B4-BE49-F238E27FC236}">
+                <a16:creationId xmlns:a16="http://schemas.microsoft.com/office/drawing/2014/main" id="{A1DFF0D9-B144-0C2F-0153-5017A342C214}"/>
+              </a:ext>
+            </a:extLst>
+          </p:cNvPr>
+          <p:cNvSpPr>
+            <a:spLocks noGrp="1"/>
+          </p:cNvSpPr>
+          <p:nvPr>
+            <p:ph type="dt" sz="half" idx="10"/>
+          </p:nvPr>
+        </p:nvSpPr>
+        <p:spPr/>
+        <p:txBody>
+          <a:bodyPr/>
+          <a:lstStyle/>
+          <a:p>
+            <a:fld id="{93318F87-FAB0-47FE-97DA-44085A772572}" type="datetimeFigureOut">
+              <a:rPr lang="de-DE" smtClean="0"/>
+              <a:t>28.04.2025</a:t>
+            </a:fld>
+            <a:endParaRPr lang="de-DE"/>
+          </a:p>
+        </p:txBody>
+      </p:sp>
+      <p:sp>
+        <p:nvSpPr>
+          <p:cNvPr id="4" name="Fußzeilenplatzhalter 3">
+            <a:extLst>
+              <a:ext uri="{FF2B5EF4-FFF2-40B4-BE49-F238E27FC236}">
+                <a16:creationId xmlns:a16="http://schemas.microsoft.com/office/drawing/2014/main" id="{B7A0EA2B-E6FC-59DC-030D-41F9C27E544D}"/>
+              </a:ext>
+            </a:extLst>
+          </p:cNvPr>
+          <p:cNvSpPr>
+            <a:spLocks noGrp="1"/>
+          </p:cNvSpPr>
+          <p:nvPr>
+            <p:ph type="ftr" sz="quarter" idx="11"/>
+          </p:nvPr>
+        </p:nvSpPr>
+        <p:spPr/>
+        <p:txBody>
+          <a:bodyPr/>
+          <a:lstStyle/>
+          <a:p>
+            <a:endParaRPr lang="de-DE"/>
+          </a:p>
+        </p:txBody>
+      </p:sp>
+      <p:sp>
+        <p:nvSpPr>
+          <p:cNvPr id="5" name="Foliennummernplatzhalter 4">
+            <a:extLst>
+              <a:ext uri="{FF2B5EF4-FFF2-40B4-BE49-F238E27FC236}">
+                <a16:creationId xmlns:a16="http://schemas.microsoft.com/office/drawing/2014/main" id="{21BD8D52-FCDC-95EA-29D7-DB285C80D643}"/>
+              </a:ext>
+            </a:extLst>
+          </p:cNvPr>
+          <p:cNvSpPr>
+            <a:spLocks noGrp="1"/>
+          </p:cNvSpPr>
+          <p:nvPr>
+            <p:ph type="sldNum" sz="quarter" idx="12"/>
+          </p:nvPr>
+        </p:nvSpPr>
+        <p:spPr/>
+        <p:txBody>
+          <a:bodyPr/>
+          <a:lstStyle/>
+          <a:p>
+            <a:fld id="{1BEC5E2C-E227-4899-ADAA-E690CC0A002B}" type="slidenum">
+              <a:rPr lang="de-DE" smtClean="0"/>
+              <a:t>‹Nr.›</a:t>
+            </a:fld>
+            <a:endParaRPr lang="de-DE"/>
+          </a:p>
+        </p:txBody>
+      </p:sp>
+    </p:spTree>
+    <p:extLst>
+      <p:ext uri="{BB962C8B-B14F-4D97-AF65-F5344CB8AC3E}">
+        <p14:creationId xmlns:p14="http://schemas.microsoft.com/office/powerpoint/2010/main" val="3427684324"/>
+      </p:ext>
+    </p:extLst>
+  </p:cSld>
+  <p:clrMapOvr>
+    <a:masterClrMapping/>
+  </p:clrMapOvr>
+</p:sldLayout>
+</file>
+
+<file path=ppt/slideLayouts/slideLayout18.xml><?xml version="1.0" encoding="utf-8"?>
+<p:sldLayout xmlns:a="http://schemas.openxmlformats.org/drawingml/2006/main" xmlns:r="http://schemas.openxmlformats.org/officeDocument/2006/relationships" xmlns:p="http://schemas.openxmlformats.org/presentationml/2006/main" type="blank" preserve="1">
+  <p:cSld name="Leer">
+    <p:spTree>
+      <p:nvGrpSpPr>
+        <p:cNvPr id="1" name=""/>
+        <p:cNvGrpSpPr/>
+        <p:nvPr/>
+      </p:nvGrpSpPr>
+      <p:grpSpPr>
+        <a:xfrm>
+          <a:off x="0" y="0"/>
+          <a:ext cx="0" cy="0"/>
+          <a:chOff x="0" y="0"/>
+          <a:chExt cx="0" cy="0"/>
+        </a:xfrm>
+      </p:grpSpPr>
+      <p:sp>
+        <p:nvSpPr>
+          <p:cNvPr id="2" name="Datumsplatzhalter 1">
+            <a:extLst>
+              <a:ext uri="{FF2B5EF4-FFF2-40B4-BE49-F238E27FC236}">
+                <a16:creationId xmlns:a16="http://schemas.microsoft.com/office/drawing/2014/main" id="{07A6AA44-DD69-C39D-F34A-D3853E5C0282}"/>
+              </a:ext>
+            </a:extLst>
+          </p:cNvPr>
+          <p:cNvSpPr>
+            <a:spLocks noGrp="1"/>
+          </p:cNvSpPr>
+          <p:nvPr>
+            <p:ph type="dt" sz="half" idx="10"/>
+          </p:nvPr>
+        </p:nvSpPr>
+        <p:spPr/>
+        <p:txBody>
+          <a:bodyPr/>
+          <a:lstStyle/>
+          <a:p>
+            <a:fld id="{93318F87-FAB0-47FE-97DA-44085A772572}" type="datetimeFigureOut">
+              <a:rPr lang="de-DE" smtClean="0"/>
+              <a:t>28.04.2025</a:t>
+            </a:fld>
+            <a:endParaRPr lang="de-DE"/>
+          </a:p>
+        </p:txBody>
+      </p:sp>
+      <p:sp>
+        <p:nvSpPr>
+          <p:cNvPr id="3" name="Fußzeilenplatzhalter 2">
+            <a:extLst>
+              <a:ext uri="{FF2B5EF4-FFF2-40B4-BE49-F238E27FC236}">
+                <a16:creationId xmlns:a16="http://schemas.microsoft.com/office/drawing/2014/main" id="{9A9FBEBC-912D-9975-6904-0C08BB1EEB76}"/>
+              </a:ext>
+            </a:extLst>
+          </p:cNvPr>
+          <p:cNvSpPr>
+            <a:spLocks noGrp="1"/>
+          </p:cNvSpPr>
+          <p:nvPr>
+            <p:ph type="ftr" sz="quarter" idx="11"/>
+          </p:nvPr>
+        </p:nvSpPr>
+        <p:spPr/>
+        <p:txBody>
+          <a:bodyPr/>
+          <a:lstStyle/>
+          <a:p>
+            <a:endParaRPr lang="de-DE"/>
+          </a:p>
+        </p:txBody>
+      </p:sp>
+      <p:sp>
+        <p:nvSpPr>
+          <p:cNvPr id="4" name="Foliennummernplatzhalter 3">
+            <a:extLst>
+              <a:ext uri="{FF2B5EF4-FFF2-40B4-BE49-F238E27FC236}">
+                <a16:creationId xmlns:a16="http://schemas.microsoft.com/office/drawing/2014/main" id="{026FFE9D-8B25-87A0-0888-CB248D35BBB3}"/>
+              </a:ext>
+            </a:extLst>
+          </p:cNvPr>
+          <p:cNvSpPr>
+            <a:spLocks noGrp="1"/>
+          </p:cNvSpPr>
+          <p:nvPr>
+            <p:ph type="sldNum" sz="quarter" idx="12"/>
+          </p:nvPr>
+        </p:nvSpPr>
+        <p:spPr/>
+        <p:txBody>
+          <a:bodyPr/>
+          <a:lstStyle/>
+          <a:p>
+            <a:fld id="{1BEC5E2C-E227-4899-ADAA-E690CC0A002B}" type="slidenum">
+              <a:rPr lang="de-DE" smtClean="0"/>
+              <a:t>‹Nr.›</a:t>
+            </a:fld>
+            <a:endParaRPr lang="de-DE"/>
+          </a:p>
+        </p:txBody>
+      </p:sp>
+    </p:spTree>
+    <p:extLst>
+      <p:ext uri="{BB962C8B-B14F-4D97-AF65-F5344CB8AC3E}">
+        <p14:creationId xmlns:p14="http://schemas.microsoft.com/office/powerpoint/2010/main" val="2887366277"/>
+      </p:ext>
+    </p:extLst>
+  </p:cSld>
+  <p:clrMapOvr>
+    <a:masterClrMapping/>
+  </p:clrMapOvr>
+</p:sldLayout>
+</file>
+
+<file path=ppt/slideLayouts/slideLayout19.xml><?xml version="1.0" encoding="utf-8"?>
+<p:sldLayout xmlns:a="http://schemas.openxmlformats.org/drawingml/2006/main" xmlns:r="http://schemas.openxmlformats.org/officeDocument/2006/relationships" xmlns:p="http://schemas.openxmlformats.org/presentationml/2006/main" type="objTx" preserve="1">
+  <p:cSld name="Inhalt mit Überschrift">
+    <p:spTree>
+      <p:nvGrpSpPr>
+        <p:cNvPr id="1" name=""/>
+        <p:cNvGrpSpPr/>
+        <p:nvPr/>
+      </p:nvGrpSpPr>
+      <p:grpSpPr>
+        <a:xfrm>
+          <a:off x="0" y="0"/>
+          <a:ext cx="0" cy="0"/>
+          <a:chOff x="0" y="0"/>
+          <a:chExt cx="0" cy="0"/>
+        </a:xfrm>
+      </p:grpSpPr>
+      <p:sp>
+        <p:nvSpPr>
+          <p:cNvPr id="2" name="Titel 1">
+            <a:extLst>
+              <a:ext uri="{FF2B5EF4-FFF2-40B4-BE49-F238E27FC236}">
+                <a16:creationId xmlns:a16="http://schemas.microsoft.com/office/drawing/2014/main" id="{2C3490EC-F732-D43E-70D1-51B3541FE1BC}"/>
+              </a:ext>
+            </a:extLst>
+          </p:cNvPr>
+          <p:cNvSpPr>
+            <a:spLocks noGrp="1"/>
+          </p:cNvSpPr>
+          <p:nvPr>
+            <p:ph type="title"/>
+          </p:nvPr>
+        </p:nvSpPr>
+        <p:spPr>
+          <a:xfrm>
+            <a:off x="839788" y="457200"/>
+            <a:ext cx="3932237" cy="1600200"/>
+          </a:xfrm>
+        </p:spPr>
+        <p:txBody>
+          <a:bodyPr anchor="b"/>
+          <a:lstStyle>
+            <a:lvl1pPr>
+              <a:defRPr sz="3200"/>
+            </a:lvl1pPr>
+          </a:lstStyle>
+          <a:p>
+            <a:r>
+              <a:rPr lang="de-DE"/>
+              <a:t>Mastertitelformat bearbeiten</a:t>
+            </a:r>
+          </a:p>
+        </p:txBody>
+      </p:sp>
+      <p:sp>
+        <p:nvSpPr>
+          <p:cNvPr id="3" name="Inhaltsplatzhalter 2">
+            <a:extLst>
+              <a:ext uri="{FF2B5EF4-FFF2-40B4-BE49-F238E27FC236}">
+                <a16:creationId xmlns:a16="http://schemas.microsoft.com/office/drawing/2014/main" id="{1AA5C017-F12F-991B-79F0-D6F33B3346B4}"/>
+              </a:ext>
+            </a:extLst>
+          </p:cNvPr>
+          <p:cNvSpPr>
+            <a:spLocks noGrp="1"/>
+          </p:cNvSpPr>
+          <p:nvPr>
+            <p:ph idx="1"/>
+          </p:nvPr>
+        </p:nvSpPr>
+        <p:spPr>
+          <a:xfrm>
+            <a:off x="5183188" y="987425"/>
+            <a:ext cx="6172200" cy="4873625"/>
+          </a:xfrm>
+        </p:spPr>
+        <p:txBody>
+          <a:bodyPr/>
+          <a:lstStyle>
+            <a:lvl1pPr>
+              <a:defRPr sz="3200"/>
+            </a:lvl1pPr>
+            <a:lvl2pPr>
+              <a:defRPr sz="2800"/>
+            </a:lvl2pPr>
+            <a:lvl3pPr>
+              <a:defRPr sz="2400"/>
+            </a:lvl3pPr>
+            <a:lvl4pPr>
+              <a:defRPr sz="2000"/>
+            </a:lvl4pPr>
+            <a:lvl5pPr>
+              <a:defRPr sz="2000"/>
+            </a:lvl5pPr>
+            <a:lvl6pPr>
+              <a:defRPr sz="2000"/>
+            </a:lvl6pPr>
+            <a:lvl7pPr>
+              <a:defRPr sz="2000"/>
+            </a:lvl7pPr>
+            <a:lvl8pPr>
+              <a:defRPr sz="2000"/>
+            </a:lvl8pPr>
+            <a:lvl9pPr>
+              <a:defRPr sz="2000"/>
+            </a:lvl9pPr>
+          </a:lstStyle>
+          <a:p>
+            <a:pPr lvl="0"/>
+            <a:r>
+              <a:rPr lang="de-DE"/>
+              <a:t>Mastertextformat bearbeiten</a:t>
+            </a:r>
+          </a:p>
+          <a:p>
+            <a:pPr lvl="1"/>
+            <a:r>
+              <a:rPr lang="de-DE"/>
+              <a:t>Zweite Ebene</a:t>
+            </a:r>
+          </a:p>
+          <a:p>
+            <a:pPr lvl="2"/>
+            <a:r>
+              <a:rPr lang="de-DE"/>
+              <a:t>Dritte Ebene</a:t>
+            </a:r>
+          </a:p>
+          <a:p>
+            <a:pPr lvl="3"/>
+            <a:r>
+              <a:rPr lang="de-DE"/>
+              <a:t>Vierte Ebene</a:t>
+            </a:r>
+          </a:p>
+          <a:p>
+            <a:pPr lvl="4"/>
+            <a:r>
+              <a:rPr lang="de-DE"/>
+              <a:t>Fünfte Ebene</a:t>
+            </a:r>
+          </a:p>
+        </p:txBody>
+      </p:sp>
+      <p:sp>
+        <p:nvSpPr>
+          <p:cNvPr id="4" name="Textplatzhalter 3">
+            <a:extLst>
+              <a:ext uri="{FF2B5EF4-FFF2-40B4-BE49-F238E27FC236}">
+                <a16:creationId xmlns:a16="http://schemas.microsoft.com/office/drawing/2014/main" id="{C80AEE16-CF15-2259-7ED8-CA2619FF9F9E}"/>
+              </a:ext>
+            </a:extLst>
+          </p:cNvPr>
+          <p:cNvSpPr>
+            <a:spLocks noGrp="1"/>
+          </p:cNvSpPr>
+          <p:nvPr>
+            <p:ph type="body" sz="half" idx="2"/>
+          </p:nvPr>
+        </p:nvSpPr>
+        <p:spPr>
+          <a:xfrm>
+            <a:off x="839788" y="2057400"/>
+            <a:ext cx="3932237" cy="3811588"/>
+          </a:xfrm>
+        </p:spPr>
+        <p:txBody>
+          <a:bodyPr/>
+          <a:lstStyle>
+            <a:lvl1pPr marL="0" indent="0">
+              <a:buNone/>
+              <a:defRPr sz="1600"/>
+            </a:lvl1pPr>
+            <a:lvl2pPr marL="457200" indent="0">
+              <a:buNone/>
+              <a:defRPr sz="1400"/>
+            </a:lvl2pPr>
+            <a:lvl3pPr marL="914400" indent="0">
+              <a:buNone/>
+              <a:defRPr sz="1200"/>
+            </a:lvl3pPr>
+            <a:lvl4pPr marL="1371600" indent="0">
+              <a:buNone/>
+              <a:defRPr sz="1000"/>
+            </a:lvl4pPr>
+            <a:lvl5pPr marL="1828800" indent="0">
+              <a:buNone/>
+              <a:defRPr sz="1000"/>
+            </a:lvl5pPr>
+            <a:lvl6pPr marL="2286000" indent="0">
+              <a:buNone/>
+              <a:defRPr sz="1000"/>
+            </a:lvl6pPr>
+            <a:lvl7pPr marL="2743200" indent="0">
+              <a:buNone/>
+              <a:defRPr sz="1000"/>
+            </a:lvl7pPr>
+            <a:lvl8pPr marL="3200400" indent="0">
+              <a:buNone/>
+              <a:defRPr sz="1000"/>
+            </a:lvl8pPr>
+            <a:lvl9pPr marL="3657600" indent="0">
+              <a:buNone/>
+              <a:defRPr sz="1000"/>
+            </a:lvl9pPr>
+          </a:lstStyle>
+          <a:p>
+            <a:pPr lvl="0"/>
+            <a:r>
+              <a:rPr lang="de-DE"/>
+              <a:t>Mastertextformat bearbeiten</a:t>
+            </a:r>
+          </a:p>
+        </p:txBody>
+      </p:sp>
+      <p:sp>
+        <p:nvSpPr>
+          <p:cNvPr id="5" name="Datumsplatzhalter 4">
+            <a:extLst>
+              <a:ext uri="{FF2B5EF4-FFF2-40B4-BE49-F238E27FC236}">
+                <a16:creationId xmlns:a16="http://schemas.microsoft.com/office/drawing/2014/main" id="{C14F2C25-6CE7-1658-2FBA-E6961CA2BF2A}"/>
+              </a:ext>
+            </a:extLst>
+          </p:cNvPr>
+          <p:cNvSpPr>
+            <a:spLocks noGrp="1"/>
+          </p:cNvSpPr>
+          <p:nvPr>
+            <p:ph type="dt" sz="half" idx="10"/>
+          </p:nvPr>
+        </p:nvSpPr>
+        <p:spPr/>
+        <p:txBody>
+          <a:bodyPr/>
+          <a:lstStyle/>
+          <a:p>
+            <a:fld id="{93318F87-FAB0-47FE-97DA-44085A772572}" type="datetimeFigureOut">
+              <a:rPr lang="de-DE" smtClean="0"/>
+              <a:t>28.04.2025</a:t>
+            </a:fld>
+            <a:endParaRPr lang="de-DE"/>
+          </a:p>
+        </p:txBody>
+      </p:sp>
+      <p:sp>
+        <p:nvSpPr>
+          <p:cNvPr id="6" name="Fußzeilenplatzhalter 5">
+            <a:extLst>
+              <a:ext uri="{FF2B5EF4-FFF2-40B4-BE49-F238E27FC236}">
+                <a16:creationId xmlns:a16="http://schemas.microsoft.com/office/drawing/2014/main" id="{582F9E81-3BF0-3C7C-640F-7BFCBBF37155}"/>
+              </a:ext>
+            </a:extLst>
+          </p:cNvPr>
+          <p:cNvSpPr>
+            <a:spLocks noGrp="1"/>
+          </p:cNvSpPr>
+          <p:nvPr>
+            <p:ph type="ftr" sz="quarter" idx="11"/>
+          </p:nvPr>
+        </p:nvSpPr>
+        <p:spPr/>
+        <p:txBody>
+          <a:bodyPr/>
+          <a:lstStyle/>
+          <a:p>
+            <a:endParaRPr lang="de-DE"/>
+          </a:p>
+        </p:txBody>
+      </p:sp>
+      <p:sp>
+        <p:nvSpPr>
+          <p:cNvPr id="7" name="Foliennummernplatzhalter 6">
+            <a:extLst>
+              <a:ext uri="{FF2B5EF4-FFF2-40B4-BE49-F238E27FC236}">
+                <a16:creationId xmlns:a16="http://schemas.microsoft.com/office/drawing/2014/main" id="{F9C5E995-F5BE-B832-1099-807D568E90F8}"/>
+              </a:ext>
+            </a:extLst>
+          </p:cNvPr>
+          <p:cNvSpPr>
+            <a:spLocks noGrp="1"/>
+          </p:cNvSpPr>
+          <p:nvPr>
+            <p:ph type="sldNum" sz="quarter" idx="12"/>
+          </p:nvPr>
+        </p:nvSpPr>
+        <p:spPr/>
+        <p:txBody>
+          <a:bodyPr/>
+          <a:lstStyle/>
+          <a:p>
+            <a:fld id="{1BEC5E2C-E227-4899-ADAA-E690CC0A002B}" type="slidenum">
+              <a:rPr lang="de-DE" smtClean="0"/>
+              <a:t>‹Nr.›</a:t>
+            </a:fld>
+            <a:endParaRPr lang="de-DE"/>
+          </a:p>
+        </p:txBody>
+      </p:sp>
+    </p:spTree>
+    <p:extLst>
+      <p:ext uri="{BB962C8B-B14F-4D97-AF65-F5344CB8AC3E}">
+        <p14:creationId xmlns:p14="http://schemas.microsoft.com/office/powerpoint/2010/main" val="545961220"/>
       </p:ext>
     </p:extLst>
   </p:cSld>
@@ -1310,7 +3248,7 @@
           <a:p>
             <a:fld id="{F3EB2857-2321-4C4D-8D06-77DF79DF910F}" type="datetimeFigureOut">
               <a:rPr lang="de-DE" smtClean="0"/>
-              <a:t>26.02.2025</a:t>
+              <a:t>28.04.2025</a:t>
             </a:fld>
             <a:endParaRPr lang="de-DE"/>
           </a:p>
@@ -1374,6 +3312,700 @@
     <p:extLst>
       <p:ext uri="{BB962C8B-B14F-4D97-AF65-F5344CB8AC3E}">
         <p14:creationId xmlns:p14="http://schemas.microsoft.com/office/powerpoint/2010/main" val="1536614544"/>
+      </p:ext>
+    </p:extLst>
+  </p:cSld>
+  <p:clrMapOvr>
+    <a:masterClrMapping/>
+  </p:clrMapOvr>
+</p:sldLayout>
+</file>
+
+<file path=ppt/slideLayouts/slideLayout20.xml><?xml version="1.0" encoding="utf-8"?>
+<p:sldLayout xmlns:a="http://schemas.openxmlformats.org/drawingml/2006/main" xmlns:r="http://schemas.openxmlformats.org/officeDocument/2006/relationships" xmlns:p="http://schemas.openxmlformats.org/presentationml/2006/main" type="picTx" preserve="1">
+  <p:cSld name="Bild mit Überschrift">
+    <p:spTree>
+      <p:nvGrpSpPr>
+        <p:cNvPr id="1" name=""/>
+        <p:cNvGrpSpPr/>
+        <p:nvPr/>
+      </p:nvGrpSpPr>
+      <p:grpSpPr>
+        <a:xfrm>
+          <a:off x="0" y="0"/>
+          <a:ext cx="0" cy="0"/>
+          <a:chOff x="0" y="0"/>
+          <a:chExt cx="0" cy="0"/>
+        </a:xfrm>
+      </p:grpSpPr>
+      <p:sp>
+        <p:nvSpPr>
+          <p:cNvPr id="2" name="Titel 1">
+            <a:extLst>
+              <a:ext uri="{FF2B5EF4-FFF2-40B4-BE49-F238E27FC236}">
+                <a16:creationId xmlns:a16="http://schemas.microsoft.com/office/drawing/2014/main" id="{BDEFFFE2-52CB-E7A8-114F-6050A110B3D8}"/>
+              </a:ext>
+            </a:extLst>
+          </p:cNvPr>
+          <p:cNvSpPr>
+            <a:spLocks noGrp="1"/>
+          </p:cNvSpPr>
+          <p:nvPr>
+            <p:ph type="title"/>
+          </p:nvPr>
+        </p:nvSpPr>
+        <p:spPr>
+          <a:xfrm>
+            <a:off x="839788" y="457200"/>
+            <a:ext cx="3932237" cy="1600200"/>
+          </a:xfrm>
+        </p:spPr>
+        <p:txBody>
+          <a:bodyPr anchor="b"/>
+          <a:lstStyle>
+            <a:lvl1pPr>
+              <a:defRPr sz="3200"/>
+            </a:lvl1pPr>
+          </a:lstStyle>
+          <a:p>
+            <a:r>
+              <a:rPr lang="de-DE"/>
+              <a:t>Mastertitelformat bearbeiten</a:t>
+            </a:r>
+          </a:p>
+        </p:txBody>
+      </p:sp>
+      <p:sp>
+        <p:nvSpPr>
+          <p:cNvPr id="3" name="Bildplatzhalter 2">
+            <a:extLst>
+              <a:ext uri="{FF2B5EF4-FFF2-40B4-BE49-F238E27FC236}">
+                <a16:creationId xmlns:a16="http://schemas.microsoft.com/office/drawing/2014/main" id="{72307BD7-E168-AE6C-FC29-4EFA891DEFF4}"/>
+              </a:ext>
+            </a:extLst>
+          </p:cNvPr>
+          <p:cNvSpPr>
+            <a:spLocks noGrp="1"/>
+          </p:cNvSpPr>
+          <p:nvPr>
+            <p:ph type="pic" idx="1"/>
+          </p:nvPr>
+        </p:nvSpPr>
+        <p:spPr>
+          <a:xfrm>
+            <a:off x="5183188" y="987425"/>
+            <a:ext cx="6172200" cy="4873625"/>
+          </a:xfrm>
+        </p:spPr>
+        <p:txBody>
+          <a:bodyPr/>
+          <a:lstStyle>
+            <a:lvl1pPr marL="0" indent="0">
+              <a:buNone/>
+              <a:defRPr sz="3200"/>
+            </a:lvl1pPr>
+            <a:lvl2pPr marL="457200" indent="0">
+              <a:buNone/>
+              <a:defRPr sz="2800"/>
+            </a:lvl2pPr>
+            <a:lvl3pPr marL="914400" indent="0">
+              <a:buNone/>
+              <a:defRPr sz="2400"/>
+            </a:lvl3pPr>
+            <a:lvl4pPr marL="1371600" indent="0">
+              <a:buNone/>
+              <a:defRPr sz="2000"/>
+            </a:lvl4pPr>
+            <a:lvl5pPr marL="1828800" indent="0">
+              <a:buNone/>
+              <a:defRPr sz="2000"/>
+            </a:lvl5pPr>
+            <a:lvl6pPr marL="2286000" indent="0">
+              <a:buNone/>
+              <a:defRPr sz="2000"/>
+            </a:lvl6pPr>
+            <a:lvl7pPr marL="2743200" indent="0">
+              <a:buNone/>
+              <a:defRPr sz="2000"/>
+            </a:lvl7pPr>
+            <a:lvl8pPr marL="3200400" indent="0">
+              <a:buNone/>
+              <a:defRPr sz="2000"/>
+            </a:lvl8pPr>
+            <a:lvl9pPr marL="3657600" indent="0">
+              <a:buNone/>
+              <a:defRPr sz="2000"/>
+            </a:lvl9pPr>
+          </a:lstStyle>
+          <a:p>
+            <a:endParaRPr lang="de-DE"/>
+          </a:p>
+        </p:txBody>
+      </p:sp>
+      <p:sp>
+        <p:nvSpPr>
+          <p:cNvPr id="4" name="Textplatzhalter 3">
+            <a:extLst>
+              <a:ext uri="{FF2B5EF4-FFF2-40B4-BE49-F238E27FC236}">
+                <a16:creationId xmlns:a16="http://schemas.microsoft.com/office/drawing/2014/main" id="{E5270F09-CFF9-55A9-19AD-DE70F40A1D8E}"/>
+              </a:ext>
+            </a:extLst>
+          </p:cNvPr>
+          <p:cNvSpPr>
+            <a:spLocks noGrp="1"/>
+          </p:cNvSpPr>
+          <p:nvPr>
+            <p:ph type="body" sz="half" idx="2"/>
+          </p:nvPr>
+        </p:nvSpPr>
+        <p:spPr>
+          <a:xfrm>
+            <a:off x="839788" y="2057400"/>
+            <a:ext cx="3932237" cy="3811588"/>
+          </a:xfrm>
+        </p:spPr>
+        <p:txBody>
+          <a:bodyPr/>
+          <a:lstStyle>
+            <a:lvl1pPr marL="0" indent="0">
+              <a:buNone/>
+              <a:defRPr sz="1600"/>
+            </a:lvl1pPr>
+            <a:lvl2pPr marL="457200" indent="0">
+              <a:buNone/>
+              <a:defRPr sz="1400"/>
+            </a:lvl2pPr>
+            <a:lvl3pPr marL="914400" indent="0">
+              <a:buNone/>
+              <a:defRPr sz="1200"/>
+            </a:lvl3pPr>
+            <a:lvl4pPr marL="1371600" indent="0">
+              <a:buNone/>
+              <a:defRPr sz="1000"/>
+            </a:lvl4pPr>
+            <a:lvl5pPr marL="1828800" indent="0">
+              <a:buNone/>
+              <a:defRPr sz="1000"/>
+            </a:lvl5pPr>
+            <a:lvl6pPr marL="2286000" indent="0">
+              <a:buNone/>
+              <a:defRPr sz="1000"/>
+            </a:lvl6pPr>
+            <a:lvl7pPr marL="2743200" indent="0">
+              <a:buNone/>
+              <a:defRPr sz="1000"/>
+            </a:lvl7pPr>
+            <a:lvl8pPr marL="3200400" indent="0">
+              <a:buNone/>
+              <a:defRPr sz="1000"/>
+            </a:lvl8pPr>
+            <a:lvl9pPr marL="3657600" indent="0">
+              <a:buNone/>
+              <a:defRPr sz="1000"/>
+            </a:lvl9pPr>
+          </a:lstStyle>
+          <a:p>
+            <a:pPr lvl="0"/>
+            <a:r>
+              <a:rPr lang="de-DE"/>
+              <a:t>Mastertextformat bearbeiten</a:t>
+            </a:r>
+          </a:p>
+        </p:txBody>
+      </p:sp>
+      <p:sp>
+        <p:nvSpPr>
+          <p:cNvPr id="5" name="Datumsplatzhalter 4">
+            <a:extLst>
+              <a:ext uri="{FF2B5EF4-FFF2-40B4-BE49-F238E27FC236}">
+                <a16:creationId xmlns:a16="http://schemas.microsoft.com/office/drawing/2014/main" id="{C77EE413-546D-2FBF-3B91-79AC1FCE91F6}"/>
+              </a:ext>
+            </a:extLst>
+          </p:cNvPr>
+          <p:cNvSpPr>
+            <a:spLocks noGrp="1"/>
+          </p:cNvSpPr>
+          <p:nvPr>
+            <p:ph type="dt" sz="half" idx="10"/>
+          </p:nvPr>
+        </p:nvSpPr>
+        <p:spPr/>
+        <p:txBody>
+          <a:bodyPr/>
+          <a:lstStyle/>
+          <a:p>
+            <a:fld id="{93318F87-FAB0-47FE-97DA-44085A772572}" type="datetimeFigureOut">
+              <a:rPr lang="de-DE" smtClean="0"/>
+              <a:t>28.04.2025</a:t>
+            </a:fld>
+            <a:endParaRPr lang="de-DE"/>
+          </a:p>
+        </p:txBody>
+      </p:sp>
+      <p:sp>
+        <p:nvSpPr>
+          <p:cNvPr id="6" name="Fußzeilenplatzhalter 5">
+            <a:extLst>
+              <a:ext uri="{FF2B5EF4-FFF2-40B4-BE49-F238E27FC236}">
+                <a16:creationId xmlns:a16="http://schemas.microsoft.com/office/drawing/2014/main" id="{1BFCCCA3-110B-C570-9958-CD7B22474C4A}"/>
+              </a:ext>
+            </a:extLst>
+          </p:cNvPr>
+          <p:cNvSpPr>
+            <a:spLocks noGrp="1"/>
+          </p:cNvSpPr>
+          <p:nvPr>
+            <p:ph type="ftr" sz="quarter" idx="11"/>
+          </p:nvPr>
+        </p:nvSpPr>
+        <p:spPr/>
+        <p:txBody>
+          <a:bodyPr/>
+          <a:lstStyle/>
+          <a:p>
+            <a:endParaRPr lang="de-DE"/>
+          </a:p>
+        </p:txBody>
+      </p:sp>
+      <p:sp>
+        <p:nvSpPr>
+          <p:cNvPr id="7" name="Foliennummernplatzhalter 6">
+            <a:extLst>
+              <a:ext uri="{FF2B5EF4-FFF2-40B4-BE49-F238E27FC236}">
+                <a16:creationId xmlns:a16="http://schemas.microsoft.com/office/drawing/2014/main" id="{1A5666CD-B92A-8689-48E8-38F48F7EAA03}"/>
+              </a:ext>
+            </a:extLst>
+          </p:cNvPr>
+          <p:cNvSpPr>
+            <a:spLocks noGrp="1"/>
+          </p:cNvSpPr>
+          <p:nvPr>
+            <p:ph type="sldNum" sz="quarter" idx="12"/>
+          </p:nvPr>
+        </p:nvSpPr>
+        <p:spPr/>
+        <p:txBody>
+          <a:bodyPr/>
+          <a:lstStyle/>
+          <a:p>
+            <a:fld id="{1BEC5E2C-E227-4899-ADAA-E690CC0A002B}" type="slidenum">
+              <a:rPr lang="de-DE" smtClean="0"/>
+              <a:t>‹Nr.›</a:t>
+            </a:fld>
+            <a:endParaRPr lang="de-DE"/>
+          </a:p>
+        </p:txBody>
+      </p:sp>
+    </p:spTree>
+    <p:extLst>
+      <p:ext uri="{BB962C8B-B14F-4D97-AF65-F5344CB8AC3E}">
+        <p14:creationId xmlns:p14="http://schemas.microsoft.com/office/powerpoint/2010/main" val="1415604776"/>
+      </p:ext>
+    </p:extLst>
+  </p:cSld>
+  <p:clrMapOvr>
+    <a:masterClrMapping/>
+  </p:clrMapOvr>
+</p:sldLayout>
+</file>
+
+<file path=ppt/slideLayouts/slideLayout21.xml><?xml version="1.0" encoding="utf-8"?>
+<p:sldLayout xmlns:a="http://schemas.openxmlformats.org/drawingml/2006/main" xmlns:r="http://schemas.openxmlformats.org/officeDocument/2006/relationships" xmlns:p="http://schemas.openxmlformats.org/presentationml/2006/main" type="vertTx" preserve="1">
+  <p:cSld name="Titel und vertikaler Text">
+    <p:spTree>
+      <p:nvGrpSpPr>
+        <p:cNvPr id="1" name=""/>
+        <p:cNvGrpSpPr/>
+        <p:nvPr/>
+      </p:nvGrpSpPr>
+      <p:grpSpPr>
+        <a:xfrm>
+          <a:off x="0" y="0"/>
+          <a:ext cx="0" cy="0"/>
+          <a:chOff x="0" y="0"/>
+          <a:chExt cx="0" cy="0"/>
+        </a:xfrm>
+      </p:grpSpPr>
+      <p:sp>
+        <p:nvSpPr>
+          <p:cNvPr id="2" name="Titel 1">
+            <a:extLst>
+              <a:ext uri="{FF2B5EF4-FFF2-40B4-BE49-F238E27FC236}">
+                <a16:creationId xmlns:a16="http://schemas.microsoft.com/office/drawing/2014/main" id="{173F4559-00C3-0ECF-830F-E2894966A0F6}"/>
+              </a:ext>
+            </a:extLst>
+          </p:cNvPr>
+          <p:cNvSpPr>
+            <a:spLocks noGrp="1"/>
+          </p:cNvSpPr>
+          <p:nvPr>
+            <p:ph type="title"/>
+          </p:nvPr>
+        </p:nvSpPr>
+        <p:spPr/>
+        <p:txBody>
+          <a:bodyPr/>
+          <a:lstStyle/>
+          <a:p>
+            <a:r>
+              <a:rPr lang="de-DE"/>
+              <a:t>Mastertitelformat bearbeiten</a:t>
+            </a:r>
+          </a:p>
+        </p:txBody>
+      </p:sp>
+      <p:sp>
+        <p:nvSpPr>
+          <p:cNvPr id="3" name="Vertikaler Textplatzhalter 2">
+            <a:extLst>
+              <a:ext uri="{FF2B5EF4-FFF2-40B4-BE49-F238E27FC236}">
+                <a16:creationId xmlns:a16="http://schemas.microsoft.com/office/drawing/2014/main" id="{9FCC862A-D4A1-AD96-1419-51FDCF09C877}"/>
+              </a:ext>
+            </a:extLst>
+          </p:cNvPr>
+          <p:cNvSpPr>
+            <a:spLocks noGrp="1"/>
+          </p:cNvSpPr>
+          <p:nvPr>
+            <p:ph type="body" orient="vert" idx="1"/>
+          </p:nvPr>
+        </p:nvSpPr>
+        <p:spPr/>
+        <p:txBody>
+          <a:bodyPr vert="eaVert"/>
+          <a:lstStyle/>
+          <a:p>
+            <a:pPr lvl="0"/>
+            <a:r>
+              <a:rPr lang="de-DE"/>
+              <a:t>Mastertextformat bearbeiten</a:t>
+            </a:r>
+          </a:p>
+          <a:p>
+            <a:pPr lvl="1"/>
+            <a:r>
+              <a:rPr lang="de-DE"/>
+              <a:t>Zweite Ebene</a:t>
+            </a:r>
+          </a:p>
+          <a:p>
+            <a:pPr lvl="2"/>
+            <a:r>
+              <a:rPr lang="de-DE"/>
+              <a:t>Dritte Ebene</a:t>
+            </a:r>
+          </a:p>
+          <a:p>
+            <a:pPr lvl="3"/>
+            <a:r>
+              <a:rPr lang="de-DE"/>
+              <a:t>Vierte Ebene</a:t>
+            </a:r>
+          </a:p>
+          <a:p>
+            <a:pPr lvl="4"/>
+            <a:r>
+              <a:rPr lang="de-DE"/>
+              <a:t>Fünfte Ebene</a:t>
+            </a:r>
+          </a:p>
+        </p:txBody>
+      </p:sp>
+      <p:sp>
+        <p:nvSpPr>
+          <p:cNvPr id="4" name="Datumsplatzhalter 3">
+            <a:extLst>
+              <a:ext uri="{FF2B5EF4-FFF2-40B4-BE49-F238E27FC236}">
+                <a16:creationId xmlns:a16="http://schemas.microsoft.com/office/drawing/2014/main" id="{18C33B50-3125-700F-4622-017B34405816}"/>
+              </a:ext>
+            </a:extLst>
+          </p:cNvPr>
+          <p:cNvSpPr>
+            <a:spLocks noGrp="1"/>
+          </p:cNvSpPr>
+          <p:nvPr>
+            <p:ph type="dt" sz="half" idx="10"/>
+          </p:nvPr>
+        </p:nvSpPr>
+        <p:spPr/>
+        <p:txBody>
+          <a:bodyPr/>
+          <a:lstStyle/>
+          <a:p>
+            <a:fld id="{93318F87-FAB0-47FE-97DA-44085A772572}" type="datetimeFigureOut">
+              <a:rPr lang="de-DE" smtClean="0"/>
+              <a:t>28.04.2025</a:t>
+            </a:fld>
+            <a:endParaRPr lang="de-DE"/>
+          </a:p>
+        </p:txBody>
+      </p:sp>
+      <p:sp>
+        <p:nvSpPr>
+          <p:cNvPr id="5" name="Fußzeilenplatzhalter 4">
+            <a:extLst>
+              <a:ext uri="{FF2B5EF4-FFF2-40B4-BE49-F238E27FC236}">
+                <a16:creationId xmlns:a16="http://schemas.microsoft.com/office/drawing/2014/main" id="{9CE542EE-68CF-FB4C-9D5E-2E9D25A325BE}"/>
+              </a:ext>
+            </a:extLst>
+          </p:cNvPr>
+          <p:cNvSpPr>
+            <a:spLocks noGrp="1"/>
+          </p:cNvSpPr>
+          <p:nvPr>
+            <p:ph type="ftr" sz="quarter" idx="11"/>
+          </p:nvPr>
+        </p:nvSpPr>
+        <p:spPr/>
+        <p:txBody>
+          <a:bodyPr/>
+          <a:lstStyle/>
+          <a:p>
+            <a:endParaRPr lang="de-DE"/>
+          </a:p>
+        </p:txBody>
+      </p:sp>
+      <p:sp>
+        <p:nvSpPr>
+          <p:cNvPr id="6" name="Foliennummernplatzhalter 5">
+            <a:extLst>
+              <a:ext uri="{FF2B5EF4-FFF2-40B4-BE49-F238E27FC236}">
+                <a16:creationId xmlns:a16="http://schemas.microsoft.com/office/drawing/2014/main" id="{6D368D59-8E1F-348C-929B-C983D1873F7A}"/>
+              </a:ext>
+            </a:extLst>
+          </p:cNvPr>
+          <p:cNvSpPr>
+            <a:spLocks noGrp="1"/>
+          </p:cNvSpPr>
+          <p:nvPr>
+            <p:ph type="sldNum" sz="quarter" idx="12"/>
+          </p:nvPr>
+        </p:nvSpPr>
+        <p:spPr/>
+        <p:txBody>
+          <a:bodyPr/>
+          <a:lstStyle/>
+          <a:p>
+            <a:fld id="{1BEC5E2C-E227-4899-ADAA-E690CC0A002B}" type="slidenum">
+              <a:rPr lang="de-DE" smtClean="0"/>
+              <a:t>‹Nr.›</a:t>
+            </a:fld>
+            <a:endParaRPr lang="de-DE"/>
+          </a:p>
+        </p:txBody>
+      </p:sp>
+    </p:spTree>
+    <p:extLst>
+      <p:ext uri="{BB962C8B-B14F-4D97-AF65-F5344CB8AC3E}">
+        <p14:creationId xmlns:p14="http://schemas.microsoft.com/office/powerpoint/2010/main" val="1286613599"/>
+      </p:ext>
+    </p:extLst>
+  </p:cSld>
+  <p:clrMapOvr>
+    <a:masterClrMapping/>
+  </p:clrMapOvr>
+</p:sldLayout>
+</file>
+
+<file path=ppt/slideLayouts/slideLayout22.xml><?xml version="1.0" encoding="utf-8"?>
+<p:sldLayout xmlns:a="http://schemas.openxmlformats.org/drawingml/2006/main" xmlns:r="http://schemas.openxmlformats.org/officeDocument/2006/relationships" xmlns:p="http://schemas.openxmlformats.org/presentationml/2006/main" type="vertTitleAndTx" preserve="1">
+  <p:cSld name="Vertikaler Titel und Text">
+    <p:spTree>
+      <p:nvGrpSpPr>
+        <p:cNvPr id="1" name=""/>
+        <p:cNvGrpSpPr/>
+        <p:nvPr/>
+      </p:nvGrpSpPr>
+      <p:grpSpPr>
+        <a:xfrm>
+          <a:off x="0" y="0"/>
+          <a:ext cx="0" cy="0"/>
+          <a:chOff x="0" y="0"/>
+          <a:chExt cx="0" cy="0"/>
+        </a:xfrm>
+      </p:grpSpPr>
+      <p:sp>
+        <p:nvSpPr>
+          <p:cNvPr id="2" name="Vertikaler Titel 1">
+            <a:extLst>
+              <a:ext uri="{FF2B5EF4-FFF2-40B4-BE49-F238E27FC236}">
+                <a16:creationId xmlns:a16="http://schemas.microsoft.com/office/drawing/2014/main" id="{7217C9E6-63B0-0074-4FBC-8A5C5FD5A836}"/>
+              </a:ext>
+            </a:extLst>
+          </p:cNvPr>
+          <p:cNvSpPr>
+            <a:spLocks noGrp="1"/>
+          </p:cNvSpPr>
+          <p:nvPr>
+            <p:ph type="title" orient="vert"/>
+          </p:nvPr>
+        </p:nvSpPr>
+        <p:spPr>
+          <a:xfrm>
+            <a:off x="8724900" y="365125"/>
+            <a:ext cx="2628900" cy="5811838"/>
+          </a:xfrm>
+        </p:spPr>
+        <p:txBody>
+          <a:bodyPr vert="eaVert"/>
+          <a:lstStyle/>
+          <a:p>
+            <a:r>
+              <a:rPr lang="de-DE"/>
+              <a:t>Mastertitelformat bearbeiten</a:t>
+            </a:r>
+          </a:p>
+        </p:txBody>
+      </p:sp>
+      <p:sp>
+        <p:nvSpPr>
+          <p:cNvPr id="3" name="Vertikaler Textplatzhalter 2">
+            <a:extLst>
+              <a:ext uri="{FF2B5EF4-FFF2-40B4-BE49-F238E27FC236}">
+                <a16:creationId xmlns:a16="http://schemas.microsoft.com/office/drawing/2014/main" id="{3359DBF9-5943-BC6B-9855-158E09DCC3F0}"/>
+              </a:ext>
+            </a:extLst>
+          </p:cNvPr>
+          <p:cNvSpPr>
+            <a:spLocks noGrp="1"/>
+          </p:cNvSpPr>
+          <p:nvPr>
+            <p:ph type="body" orient="vert" idx="1"/>
+          </p:nvPr>
+        </p:nvSpPr>
+        <p:spPr>
+          <a:xfrm>
+            <a:off x="838200" y="365125"/>
+            <a:ext cx="7734300" cy="5811838"/>
+          </a:xfrm>
+        </p:spPr>
+        <p:txBody>
+          <a:bodyPr vert="eaVert"/>
+          <a:lstStyle/>
+          <a:p>
+            <a:pPr lvl="0"/>
+            <a:r>
+              <a:rPr lang="de-DE"/>
+              <a:t>Mastertextformat bearbeiten</a:t>
+            </a:r>
+          </a:p>
+          <a:p>
+            <a:pPr lvl="1"/>
+            <a:r>
+              <a:rPr lang="de-DE"/>
+              <a:t>Zweite Ebene</a:t>
+            </a:r>
+          </a:p>
+          <a:p>
+            <a:pPr lvl="2"/>
+            <a:r>
+              <a:rPr lang="de-DE"/>
+              <a:t>Dritte Ebene</a:t>
+            </a:r>
+          </a:p>
+          <a:p>
+            <a:pPr lvl="3"/>
+            <a:r>
+              <a:rPr lang="de-DE"/>
+              <a:t>Vierte Ebene</a:t>
+            </a:r>
+          </a:p>
+          <a:p>
+            <a:pPr lvl="4"/>
+            <a:r>
+              <a:rPr lang="de-DE"/>
+              <a:t>Fünfte Ebene</a:t>
+            </a:r>
+          </a:p>
+        </p:txBody>
+      </p:sp>
+      <p:sp>
+        <p:nvSpPr>
+          <p:cNvPr id="4" name="Datumsplatzhalter 3">
+            <a:extLst>
+              <a:ext uri="{FF2B5EF4-FFF2-40B4-BE49-F238E27FC236}">
+                <a16:creationId xmlns:a16="http://schemas.microsoft.com/office/drawing/2014/main" id="{11527843-71F9-8736-B530-EEBEAC1CEFBA}"/>
+              </a:ext>
+            </a:extLst>
+          </p:cNvPr>
+          <p:cNvSpPr>
+            <a:spLocks noGrp="1"/>
+          </p:cNvSpPr>
+          <p:nvPr>
+            <p:ph type="dt" sz="half" idx="10"/>
+          </p:nvPr>
+        </p:nvSpPr>
+        <p:spPr/>
+        <p:txBody>
+          <a:bodyPr/>
+          <a:lstStyle/>
+          <a:p>
+            <a:fld id="{93318F87-FAB0-47FE-97DA-44085A772572}" type="datetimeFigureOut">
+              <a:rPr lang="de-DE" smtClean="0"/>
+              <a:t>28.04.2025</a:t>
+            </a:fld>
+            <a:endParaRPr lang="de-DE"/>
+          </a:p>
+        </p:txBody>
+      </p:sp>
+      <p:sp>
+        <p:nvSpPr>
+          <p:cNvPr id="5" name="Fußzeilenplatzhalter 4">
+            <a:extLst>
+              <a:ext uri="{FF2B5EF4-FFF2-40B4-BE49-F238E27FC236}">
+                <a16:creationId xmlns:a16="http://schemas.microsoft.com/office/drawing/2014/main" id="{A5F38C90-C0FD-F82C-779F-85E3AF7F6FE9}"/>
+              </a:ext>
+            </a:extLst>
+          </p:cNvPr>
+          <p:cNvSpPr>
+            <a:spLocks noGrp="1"/>
+          </p:cNvSpPr>
+          <p:nvPr>
+            <p:ph type="ftr" sz="quarter" idx="11"/>
+          </p:nvPr>
+        </p:nvSpPr>
+        <p:spPr/>
+        <p:txBody>
+          <a:bodyPr/>
+          <a:lstStyle/>
+          <a:p>
+            <a:endParaRPr lang="de-DE"/>
+          </a:p>
+        </p:txBody>
+      </p:sp>
+      <p:sp>
+        <p:nvSpPr>
+          <p:cNvPr id="6" name="Foliennummernplatzhalter 5">
+            <a:extLst>
+              <a:ext uri="{FF2B5EF4-FFF2-40B4-BE49-F238E27FC236}">
+                <a16:creationId xmlns:a16="http://schemas.microsoft.com/office/drawing/2014/main" id="{68F0F197-9D5D-C9D2-5FC4-D177CCC91971}"/>
+              </a:ext>
+            </a:extLst>
+          </p:cNvPr>
+          <p:cNvSpPr>
+            <a:spLocks noGrp="1"/>
+          </p:cNvSpPr>
+          <p:nvPr>
+            <p:ph type="sldNum" sz="quarter" idx="12"/>
+          </p:nvPr>
+        </p:nvSpPr>
+        <p:spPr/>
+        <p:txBody>
+          <a:bodyPr/>
+          <a:lstStyle/>
+          <a:p>
+            <a:fld id="{1BEC5E2C-E227-4899-ADAA-E690CC0A002B}" type="slidenum">
+              <a:rPr lang="de-DE" smtClean="0"/>
+              <a:t>‹Nr.›</a:t>
+            </a:fld>
+            <a:endParaRPr lang="de-DE"/>
+          </a:p>
+        </p:txBody>
+      </p:sp>
+    </p:spTree>
+    <p:extLst>
+      <p:ext uri="{BB962C8B-B14F-4D97-AF65-F5344CB8AC3E}">
+        <p14:creationId xmlns:p14="http://schemas.microsoft.com/office/powerpoint/2010/main" val="1500376165"/>
       </p:ext>
     </p:extLst>
   </p:cSld>
@@ -1585,7 +4217,7 @@
           <a:p>
             <a:fld id="{F3EB2857-2321-4C4D-8D06-77DF79DF910F}" type="datetimeFigureOut">
               <a:rPr lang="de-DE" smtClean="0"/>
-              <a:t>26.02.2025</a:t>
+              <a:t>28.04.2025</a:t>
             </a:fld>
             <a:endParaRPr lang="de-DE"/>
           </a:p>
@@ -1850,7 +4482,7 @@
           <a:p>
             <a:fld id="{F3EB2857-2321-4C4D-8D06-77DF79DF910F}" type="datetimeFigureOut">
               <a:rPr lang="de-DE" smtClean="0"/>
-              <a:t>26.02.2025</a:t>
+              <a:t>28.04.2025</a:t>
             </a:fld>
             <a:endParaRPr lang="de-DE"/>
           </a:p>
@@ -2262,7 +4894,7 @@
           <a:p>
             <a:fld id="{F3EB2857-2321-4C4D-8D06-77DF79DF910F}" type="datetimeFigureOut">
               <a:rPr lang="de-DE" smtClean="0"/>
-              <a:t>26.02.2025</a:t>
+              <a:t>28.04.2025</a:t>
             </a:fld>
             <a:endParaRPr lang="de-DE"/>
           </a:p>
@@ -2403,7 +5035,7 @@
           <a:p>
             <a:fld id="{F3EB2857-2321-4C4D-8D06-77DF79DF910F}" type="datetimeFigureOut">
               <a:rPr lang="de-DE" smtClean="0"/>
-              <a:t>26.02.2025</a:t>
+              <a:t>28.04.2025</a:t>
             </a:fld>
             <a:endParaRPr lang="de-DE"/>
           </a:p>
@@ -2516,7 +5148,7 @@
           <a:p>
             <a:fld id="{F3EB2857-2321-4C4D-8D06-77DF79DF910F}" type="datetimeFigureOut">
               <a:rPr lang="de-DE" smtClean="0"/>
-              <a:t>26.02.2025</a:t>
+              <a:t>28.04.2025</a:t>
             </a:fld>
             <a:endParaRPr lang="de-DE"/>
           </a:p>
@@ -2827,7 +5459,7 @@
           <a:p>
             <a:fld id="{F3EB2857-2321-4C4D-8D06-77DF79DF910F}" type="datetimeFigureOut">
               <a:rPr lang="de-DE" smtClean="0"/>
-              <a:t>26.02.2025</a:t>
+              <a:t>28.04.2025</a:t>
             </a:fld>
             <a:endParaRPr lang="de-DE"/>
           </a:p>
@@ -3115,7 +5747,7 @@
           <a:p>
             <a:fld id="{F3EB2857-2321-4C4D-8D06-77DF79DF910F}" type="datetimeFigureOut">
               <a:rPr lang="de-DE" smtClean="0"/>
-              <a:t>26.02.2025</a:t>
+              <a:t>28.04.2025</a:t>
             </a:fld>
             <a:endParaRPr lang="de-DE"/>
           </a:p>
@@ -3356,7 +5988,7 @@
           <a:p>
             <a:fld id="{F3EB2857-2321-4C4D-8D06-77DF79DF910F}" type="datetimeFigureOut">
               <a:rPr lang="de-DE" smtClean="0"/>
-              <a:t>26.02.2025</a:t>
+              <a:t>28.04.2025</a:t>
             </a:fld>
             <a:endParaRPr lang="de-DE"/>
           </a:p>
@@ -3472,6 +6104,574 @@
     <p:sldLayoutId id="2147483657" r:id="rId9"/>
     <p:sldLayoutId id="2147483658" r:id="rId10"/>
     <p:sldLayoutId id="2147483659" r:id="rId11"/>
+  </p:sldLayoutIdLst>
+  <p:txStyles>
+    <p:titleStyle>
+      <a:lvl1pPr algn="l" defTabSz="914400" rtl="0" eaLnBrk="1" latinLnBrk="0" hangingPunct="1">
+        <a:lnSpc>
+          <a:spcPct val="90000"/>
+        </a:lnSpc>
+        <a:spcBef>
+          <a:spcPct val="0"/>
+        </a:spcBef>
+        <a:buNone/>
+        <a:defRPr sz="4400" kern="1200">
+          <a:solidFill>
+            <a:schemeClr val="tx1"/>
+          </a:solidFill>
+          <a:latin typeface="+mj-lt"/>
+          <a:ea typeface="+mj-ea"/>
+          <a:cs typeface="+mj-cs"/>
+        </a:defRPr>
+      </a:lvl1pPr>
+    </p:titleStyle>
+    <p:bodyStyle>
+      <a:lvl1pPr marL="228600" indent="-228600" algn="l" defTabSz="914400" rtl="0" eaLnBrk="1" latinLnBrk="0" hangingPunct="1">
+        <a:lnSpc>
+          <a:spcPct val="90000"/>
+        </a:lnSpc>
+        <a:spcBef>
+          <a:spcPts val="1000"/>
+        </a:spcBef>
+        <a:buFont typeface="Arial" panose="020B0604020202020204" pitchFamily="34" charset="0"/>
+        <a:buChar char="•"/>
+        <a:defRPr sz="2800" kern="1200">
+          <a:solidFill>
+            <a:schemeClr val="tx1"/>
+          </a:solidFill>
+          <a:latin typeface="+mn-lt"/>
+          <a:ea typeface="+mn-ea"/>
+          <a:cs typeface="+mn-cs"/>
+        </a:defRPr>
+      </a:lvl1pPr>
+      <a:lvl2pPr marL="685800" indent="-228600" algn="l" defTabSz="914400" rtl="0" eaLnBrk="1" latinLnBrk="0" hangingPunct="1">
+        <a:lnSpc>
+          <a:spcPct val="90000"/>
+        </a:lnSpc>
+        <a:spcBef>
+          <a:spcPts val="500"/>
+        </a:spcBef>
+        <a:buFont typeface="Arial" panose="020B0604020202020204" pitchFamily="34" charset="0"/>
+        <a:buChar char="•"/>
+        <a:defRPr sz="2400" kern="1200">
+          <a:solidFill>
+            <a:schemeClr val="tx1"/>
+          </a:solidFill>
+          <a:latin typeface="+mn-lt"/>
+          <a:ea typeface="+mn-ea"/>
+          <a:cs typeface="+mn-cs"/>
+        </a:defRPr>
+      </a:lvl2pPr>
+      <a:lvl3pPr marL="1143000" indent="-228600" algn="l" defTabSz="914400" rtl="0" eaLnBrk="1" latinLnBrk="0" hangingPunct="1">
+        <a:lnSpc>
+          <a:spcPct val="90000"/>
+        </a:lnSpc>
+        <a:spcBef>
+          <a:spcPts val="500"/>
+        </a:spcBef>
+        <a:buFont typeface="Arial" panose="020B0604020202020204" pitchFamily="34" charset="0"/>
+        <a:buChar char="•"/>
+        <a:defRPr sz="2000" kern="1200">
+          <a:solidFill>
+            <a:schemeClr val="tx1"/>
+          </a:solidFill>
+          <a:latin typeface="+mn-lt"/>
+          <a:ea typeface="+mn-ea"/>
+          <a:cs typeface="+mn-cs"/>
+        </a:defRPr>
+      </a:lvl3pPr>
+      <a:lvl4pPr marL="1600200" indent="-228600" algn="l" defTabSz="914400" rtl="0" eaLnBrk="1" latinLnBrk="0" hangingPunct="1">
+        <a:lnSpc>
+          <a:spcPct val="90000"/>
+        </a:lnSpc>
+        <a:spcBef>
+          <a:spcPts val="500"/>
+        </a:spcBef>
+        <a:buFont typeface="Arial" panose="020B0604020202020204" pitchFamily="34" charset="0"/>
+        <a:buChar char="•"/>
+        <a:defRPr sz="1800" kern="1200">
+          <a:solidFill>
+            <a:schemeClr val="tx1"/>
+          </a:solidFill>
+          <a:latin typeface="+mn-lt"/>
+          <a:ea typeface="+mn-ea"/>
+          <a:cs typeface="+mn-cs"/>
+        </a:defRPr>
+      </a:lvl4pPr>
+      <a:lvl5pPr marL="2057400" indent="-228600" algn="l" defTabSz="914400" rtl="0" eaLnBrk="1" latinLnBrk="0" hangingPunct="1">
+        <a:lnSpc>
+          <a:spcPct val="90000"/>
+        </a:lnSpc>
+        <a:spcBef>
+          <a:spcPts val="500"/>
+        </a:spcBef>
+        <a:buFont typeface="Arial" panose="020B0604020202020204" pitchFamily="34" charset="0"/>
+        <a:buChar char="•"/>
+        <a:defRPr sz="1800" kern="1200">
+          <a:solidFill>
+            <a:schemeClr val="tx1"/>
+          </a:solidFill>
+          <a:latin typeface="+mn-lt"/>
+          <a:ea typeface="+mn-ea"/>
+          <a:cs typeface="+mn-cs"/>
+        </a:defRPr>
+      </a:lvl5pPr>
+      <a:lvl6pPr marL="2514600" indent="-228600" algn="l" defTabSz="914400" rtl="0" eaLnBrk="1" latinLnBrk="0" hangingPunct="1">
+        <a:lnSpc>
+          <a:spcPct val="90000"/>
+        </a:lnSpc>
+        <a:spcBef>
+          <a:spcPts val="500"/>
+        </a:spcBef>
+        <a:buFont typeface="Arial" panose="020B0604020202020204" pitchFamily="34" charset="0"/>
+        <a:buChar char="•"/>
+        <a:defRPr sz="1800" kern="1200">
+          <a:solidFill>
+            <a:schemeClr val="tx1"/>
+          </a:solidFill>
+          <a:latin typeface="+mn-lt"/>
+          <a:ea typeface="+mn-ea"/>
+          <a:cs typeface="+mn-cs"/>
+        </a:defRPr>
+      </a:lvl6pPr>
+      <a:lvl7pPr marL="2971800" indent="-228600" algn="l" defTabSz="914400" rtl="0" eaLnBrk="1" latinLnBrk="0" hangingPunct="1">
+        <a:lnSpc>
+          <a:spcPct val="90000"/>
+        </a:lnSpc>
+        <a:spcBef>
+          <a:spcPts val="500"/>
+        </a:spcBef>
+        <a:buFont typeface="Arial" panose="020B0604020202020204" pitchFamily="34" charset="0"/>
+        <a:buChar char="•"/>
+        <a:defRPr sz="1800" kern="1200">
+          <a:solidFill>
+            <a:schemeClr val="tx1"/>
+          </a:solidFill>
+          <a:latin typeface="+mn-lt"/>
+          <a:ea typeface="+mn-ea"/>
+          <a:cs typeface="+mn-cs"/>
+        </a:defRPr>
+      </a:lvl7pPr>
+      <a:lvl8pPr marL="3429000" indent="-228600" algn="l" defTabSz="914400" rtl="0" eaLnBrk="1" latinLnBrk="0" hangingPunct="1">
+        <a:lnSpc>
+          <a:spcPct val="90000"/>
+        </a:lnSpc>
+        <a:spcBef>
+          <a:spcPts val="500"/>
+        </a:spcBef>
+        <a:buFont typeface="Arial" panose="020B0604020202020204" pitchFamily="34" charset="0"/>
+        <a:buChar char="•"/>
+        <a:defRPr sz="1800" kern="1200">
+          <a:solidFill>
+            <a:schemeClr val="tx1"/>
+          </a:solidFill>
+          <a:latin typeface="+mn-lt"/>
+          <a:ea typeface="+mn-ea"/>
+          <a:cs typeface="+mn-cs"/>
+        </a:defRPr>
+      </a:lvl8pPr>
+      <a:lvl9pPr marL="3886200" indent="-228600" algn="l" defTabSz="914400" rtl="0" eaLnBrk="1" latinLnBrk="0" hangingPunct="1">
+        <a:lnSpc>
+          <a:spcPct val="90000"/>
+        </a:lnSpc>
+        <a:spcBef>
+          <a:spcPts val="500"/>
+        </a:spcBef>
+        <a:buFont typeface="Arial" panose="020B0604020202020204" pitchFamily="34" charset="0"/>
+        <a:buChar char="•"/>
+        <a:defRPr sz="1800" kern="1200">
+          <a:solidFill>
+            <a:schemeClr val="tx1"/>
+          </a:solidFill>
+          <a:latin typeface="+mn-lt"/>
+          <a:ea typeface="+mn-ea"/>
+          <a:cs typeface="+mn-cs"/>
+        </a:defRPr>
+      </a:lvl9pPr>
+    </p:bodyStyle>
+    <p:otherStyle>
+      <a:defPPr>
+        <a:defRPr lang="de-DE"/>
+      </a:defPPr>
+      <a:lvl1pPr marL="0" algn="l" defTabSz="914400" rtl="0" eaLnBrk="1" latinLnBrk="0" hangingPunct="1">
+        <a:defRPr sz="1800" kern="1200">
+          <a:solidFill>
+            <a:schemeClr val="tx1"/>
+          </a:solidFill>
+          <a:latin typeface="+mn-lt"/>
+          <a:ea typeface="+mn-ea"/>
+          <a:cs typeface="+mn-cs"/>
+        </a:defRPr>
+      </a:lvl1pPr>
+      <a:lvl2pPr marL="457200" algn="l" defTabSz="914400" rtl="0" eaLnBrk="1" latinLnBrk="0" hangingPunct="1">
+        <a:defRPr sz="1800" kern="1200">
+          <a:solidFill>
+            <a:schemeClr val="tx1"/>
+          </a:solidFill>
+          <a:latin typeface="+mn-lt"/>
+          <a:ea typeface="+mn-ea"/>
+          <a:cs typeface="+mn-cs"/>
+        </a:defRPr>
+      </a:lvl2pPr>
+      <a:lvl3pPr marL="914400" algn="l" defTabSz="914400" rtl="0" eaLnBrk="1" latinLnBrk="0" hangingPunct="1">
+        <a:defRPr sz="1800" kern="1200">
+          <a:solidFill>
+            <a:schemeClr val="tx1"/>
+          </a:solidFill>
+          <a:latin typeface="+mn-lt"/>
+          <a:ea typeface="+mn-ea"/>
+          <a:cs typeface="+mn-cs"/>
+        </a:defRPr>
+      </a:lvl3pPr>
+      <a:lvl4pPr marL="1371600" algn="l" defTabSz="914400" rtl="0" eaLnBrk="1" latinLnBrk="0" hangingPunct="1">
+        <a:defRPr sz="1800" kern="1200">
+          <a:solidFill>
+            <a:schemeClr val="tx1"/>
+          </a:solidFill>
+          <a:latin typeface="+mn-lt"/>
+          <a:ea typeface="+mn-ea"/>
+          <a:cs typeface="+mn-cs"/>
+        </a:defRPr>
+      </a:lvl4pPr>
+      <a:lvl5pPr marL="1828800" algn="l" defTabSz="914400" rtl="0" eaLnBrk="1" latinLnBrk="0" hangingPunct="1">
+        <a:defRPr sz="1800" kern="1200">
+          <a:solidFill>
+            <a:schemeClr val="tx1"/>
+          </a:solidFill>
+          <a:latin typeface="+mn-lt"/>
+          <a:ea typeface="+mn-ea"/>
+          <a:cs typeface="+mn-cs"/>
+        </a:defRPr>
+      </a:lvl5pPr>
+      <a:lvl6pPr marL="2286000" algn="l" defTabSz="914400" rtl="0" eaLnBrk="1" latinLnBrk="0" hangingPunct="1">
+        <a:defRPr sz="1800" kern="1200">
+          <a:solidFill>
+            <a:schemeClr val="tx1"/>
+          </a:solidFill>
+          <a:latin typeface="+mn-lt"/>
+          <a:ea typeface="+mn-ea"/>
+          <a:cs typeface="+mn-cs"/>
+        </a:defRPr>
+      </a:lvl6pPr>
+      <a:lvl7pPr marL="2743200" algn="l" defTabSz="914400" rtl="0" eaLnBrk="1" latinLnBrk="0" hangingPunct="1">
+        <a:defRPr sz="1800" kern="1200">
+          <a:solidFill>
+            <a:schemeClr val="tx1"/>
+          </a:solidFill>
+          <a:latin typeface="+mn-lt"/>
+          <a:ea typeface="+mn-ea"/>
+          <a:cs typeface="+mn-cs"/>
+        </a:defRPr>
+      </a:lvl7pPr>
+      <a:lvl8pPr marL="3200400" algn="l" defTabSz="914400" rtl="0" eaLnBrk="1" latinLnBrk="0" hangingPunct="1">
+        <a:defRPr sz="1800" kern="1200">
+          <a:solidFill>
+            <a:schemeClr val="tx1"/>
+          </a:solidFill>
+          <a:latin typeface="+mn-lt"/>
+          <a:ea typeface="+mn-ea"/>
+          <a:cs typeface="+mn-cs"/>
+        </a:defRPr>
+      </a:lvl8pPr>
+      <a:lvl9pPr marL="3657600" algn="l" defTabSz="914400" rtl="0" eaLnBrk="1" latinLnBrk="0" hangingPunct="1">
+        <a:defRPr sz="1800" kern="1200">
+          <a:solidFill>
+            <a:schemeClr val="tx1"/>
+          </a:solidFill>
+          <a:latin typeface="+mn-lt"/>
+          <a:ea typeface="+mn-ea"/>
+          <a:cs typeface="+mn-cs"/>
+        </a:defRPr>
+      </a:lvl9pPr>
+    </p:otherStyle>
+  </p:txStyles>
+</p:sldMaster>
+</file>
+
+<file path=ppt/slideMasters/slideMaster2.xml><?xml version="1.0" encoding="utf-8"?>
+<p:sldMaster xmlns:a="http://schemas.openxmlformats.org/drawingml/2006/main" xmlns:r="http://schemas.openxmlformats.org/officeDocument/2006/relationships" xmlns:p="http://schemas.openxmlformats.org/presentationml/2006/main">
+  <p:cSld>
+    <p:bg>
+      <p:bgRef idx="1001">
+        <a:schemeClr val="bg1"/>
+      </p:bgRef>
+    </p:bg>
+    <p:spTree>
+      <p:nvGrpSpPr>
+        <p:cNvPr id="1" name=""/>
+        <p:cNvGrpSpPr/>
+        <p:nvPr/>
+      </p:nvGrpSpPr>
+      <p:grpSpPr>
+        <a:xfrm>
+          <a:off x="0" y="0"/>
+          <a:ext cx="0" cy="0"/>
+          <a:chOff x="0" y="0"/>
+          <a:chExt cx="0" cy="0"/>
+        </a:xfrm>
+      </p:grpSpPr>
+      <p:sp>
+        <p:nvSpPr>
+          <p:cNvPr id="2" name="Titelplatzhalter 1">
+            <a:extLst>
+              <a:ext uri="{FF2B5EF4-FFF2-40B4-BE49-F238E27FC236}">
+                <a16:creationId xmlns:a16="http://schemas.microsoft.com/office/drawing/2014/main" id="{71C5168C-A70C-4F55-DE34-26C5D3B83156}"/>
+              </a:ext>
+            </a:extLst>
+          </p:cNvPr>
+          <p:cNvSpPr>
+            <a:spLocks noGrp="1"/>
+          </p:cNvSpPr>
+          <p:nvPr>
+            <p:ph type="title"/>
+          </p:nvPr>
+        </p:nvSpPr>
+        <p:spPr>
+          <a:xfrm>
+            <a:off x="838200" y="365125"/>
+            <a:ext cx="10515600" cy="1325563"/>
+          </a:xfrm>
+          <a:prstGeom prst="rect">
+            <a:avLst/>
+          </a:prstGeom>
+        </p:spPr>
+        <p:txBody>
+          <a:bodyPr vert="horz" lIns="91440" tIns="45720" rIns="91440" bIns="45720" rtlCol="0" anchor="ctr">
+            <a:normAutofit/>
+          </a:bodyPr>
+          <a:lstStyle/>
+          <a:p>
+            <a:r>
+              <a:rPr lang="de-DE"/>
+              <a:t>Mastertitelformat bearbeiten</a:t>
+            </a:r>
+          </a:p>
+        </p:txBody>
+      </p:sp>
+      <p:sp>
+        <p:nvSpPr>
+          <p:cNvPr id="3" name="Textplatzhalter 2">
+            <a:extLst>
+              <a:ext uri="{FF2B5EF4-FFF2-40B4-BE49-F238E27FC236}">
+                <a16:creationId xmlns:a16="http://schemas.microsoft.com/office/drawing/2014/main" id="{D5E0A7E1-F04A-4CC3-FD65-0E43B4F007BE}"/>
+              </a:ext>
+            </a:extLst>
+          </p:cNvPr>
+          <p:cNvSpPr>
+            <a:spLocks noGrp="1"/>
+          </p:cNvSpPr>
+          <p:nvPr>
+            <p:ph type="body" idx="1"/>
+          </p:nvPr>
+        </p:nvSpPr>
+        <p:spPr>
+          <a:xfrm>
+            <a:off x="838200" y="1825625"/>
+            <a:ext cx="10515600" cy="4351338"/>
+          </a:xfrm>
+          <a:prstGeom prst="rect">
+            <a:avLst/>
+          </a:prstGeom>
+        </p:spPr>
+        <p:txBody>
+          <a:bodyPr vert="horz" lIns="91440" tIns="45720" rIns="91440" bIns="45720" rtlCol="0">
+            <a:normAutofit/>
+          </a:bodyPr>
+          <a:lstStyle/>
+          <a:p>
+            <a:pPr lvl="0"/>
+            <a:r>
+              <a:rPr lang="de-DE"/>
+              <a:t>Mastertextformat bearbeiten</a:t>
+            </a:r>
+          </a:p>
+          <a:p>
+            <a:pPr lvl="1"/>
+            <a:r>
+              <a:rPr lang="de-DE"/>
+              <a:t>Zweite Ebene</a:t>
+            </a:r>
+          </a:p>
+          <a:p>
+            <a:pPr lvl="2"/>
+            <a:r>
+              <a:rPr lang="de-DE"/>
+              <a:t>Dritte Ebene</a:t>
+            </a:r>
+          </a:p>
+          <a:p>
+            <a:pPr lvl="3"/>
+            <a:r>
+              <a:rPr lang="de-DE"/>
+              <a:t>Vierte Ebene</a:t>
+            </a:r>
+          </a:p>
+          <a:p>
+            <a:pPr lvl="4"/>
+            <a:r>
+              <a:rPr lang="de-DE"/>
+              <a:t>Fünfte Ebene</a:t>
+            </a:r>
+          </a:p>
+        </p:txBody>
+      </p:sp>
+      <p:sp>
+        <p:nvSpPr>
+          <p:cNvPr id="4" name="Datumsplatzhalter 3">
+            <a:extLst>
+              <a:ext uri="{FF2B5EF4-FFF2-40B4-BE49-F238E27FC236}">
+                <a16:creationId xmlns:a16="http://schemas.microsoft.com/office/drawing/2014/main" id="{1248A3FB-08CD-6F5D-7BC7-CCDFD1457A7E}"/>
+              </a:ext>
+            </a:extLst>
+          </p:cNvPr>
+          <p:cNvSpPr>
+            <a:spLocks noGrp="1"/>
+          </p:cNvSpPr>
+          <p:nvPr>
+            <p:ph type="dt" sz="half" idx="2"/>
+          </p:nvPr>
+        </p:nvSpPr>
+        <p:spPr>
+          <a:xfrm>
+            <a:off x="838200" y="6356350"/>
+            <a:ext cx="2743200" cy="365125"/>
+          </a:xfrm>
+          <a:prstGeom prst="rect">
+            <a:avLst/>
+          </a:prstGeom>
+        </p:spPr>
+        <p:txBody>
+          <a:bodyPr vert="horz" lIns="91440" tIns="45720" rIns="91440" bIns="45720" rtlCol="0" anchor="ctr"/>
+          <a:lstStyle>
+            <a:lvl1pPr algn="l">
+              <a:defRPr sz="1200">
+                <a:solidFill>
+                  <a:schemeClr val="tx1">
+                    <a:tint val="82000"/>
+                  </a:schemeClr>
+                </a:solidFill>
+              </a:defRPr>
+            </a:lvl1pPr>
+          </a:lstStyle>
+          <a:p>
+            <a:fld id="{93318F87-FAB0-47FE-97DA-44085A772572}" type="datetimeFigureOut">
+              <a:rPr lang="de-DE" smtClean="0"/>
+              <a:t>28.04.2025</a:t>
+            </a:fld>
+            <a:endParaRPr lang="de-DE"/>
+          </a:p>
+        </p:txBody>
+      </p:sp>
+      <p:sp>
+        <p:nvSpPr>
+          <p:cNvPr id="5" name="Fußzeilenplatzhalter 4">
+            <a:extLst>
+              <a:ext uri="{FF2B5EF4-FFF2-40B4-BE49-F238E27FC236}">
+                <a16:creationId xmlns:a16="http://schemas.microsoft.com/office/drawing/2014/main" id="{2AD5D490-D263-E359-53B1-387678A8DF40}"/>
+              </a:ext>
+            </a:extLst>
+          </p:cNvPr>
+          <p:cNvSpPr>
+            <a:spLocks noGrp="1"/>
+          </p:cNvSpPr>
+          <p:nvPr>
+            <p:ph type="ftr" sz="quarter" idx="3"/>
+          </p:nvPr>
+        </p:nvSpPr>
+        <p:spPr>
+          <a:xfrm>
+            <a:off x="4038600" y="6356350"/>
+            <a:ext cx="4114800" cy="365125"/>
+          </a:xfrm>
+          <a:prstGeom prst="rect">
+            <a:avLst/>
+          </a:prstGeom>
+        </p:spPr>
+        <p:txBody>
+          <a:bodyPr vert="horz" lIns="91440" tIns="45720" rIns="91440" bIns="45720" rtlCol="0" anchor="ctr"/>
+          <a:lstStyle>
+            <a:lvl1pPr algn="ctr">
+              <a:defRPr sz="1200">
+                <a:solidFill>
+                  <a:schemeClr val="tx1">
+                    <a:tint val="82000"/>
+                  </a:schemeClr>
+                </a:solidFill>
+              </a:defRPr>
+            </a:lvl1pPr>
+          </a:lstStyle>
+          <a:p>
+            <a:endParaRPr lang="de-DE"/>
+          </a:p>
+        </p:txBody>
+      </p:sp>
+      <p:sp>
+        <p:nvSpPr>
+          <p:cNvPr id="6" name="Foliennummernplatzhalter 5">
+            <a:extLst>
+              <a:ext uri="{FF2B5EF4-FFF2-40B4-BE49-F238E27FC236}">
+                <a16:creationId xmlns:a16="http://schemas.microsoft.com/office/drawing/2014/main" id="{DCD8DAF5-845D-B177-F01C-C7B2BA2C68B9}"/>
+              </a:ext>
+            </a:extLst>
+          </p:cNvPr>
+          <p:cNvSpPr>
+            <a:spLocks noGrp="1"/>
+          </p:cNvSpPr>
+          <p:nvPr>
+            <p:ph type="sldNum" sz="quarter" idx="4"/>
+          </p:nvPr>
+        </p:nvSpPr>
+        <p:spPr>
+          <a:xfrm>
+            <a:off x="8610600" y="6356350"/>
+            <a:ext cx="2743200" cy="365125"/>
+          </a:xfrm>
+          <a:prstGeom prst="rect">
+            <a:avLst/>
+          </a:prstGeom>
+        </p:spPr>
+        <p:txBody>
+          <a:bodyPr vert="horz" lIns="91440" tIns="45720" rIns="91440" bIns="45720" rtlCol="0" anchor="ctr"/>
+          <a:lstStyle>
+            <a:lvl1pPr algn="r">
+              <a:defRPr sz="1200">
+                <a:solidFill>
+                  <a:schemeClr val="tx1">
+                    <a:tint val="82000"/>
+                  </a:schemeClr>
+                </a:solidFill>
+              </a:defRPr>
+            </a:lvl1pPr>
+          </a:lstStyle>
+          <a:p>
+            <a:fld id="{1BEC5E2C-E227-4899-ADAA-E690CC0A002B}" type="slidenum">
+              <a:rPr lang="de-DE" smtClean="0"/>
+              <a:t>‹Nr.›</a:t>
+            </a:fld>
+            <a:endParaRPr lang="de-DE"/>
+          </a:p>
+        </p:txBody>
+      </p:sp>
+    </p:spTree>
+    <p:extLst>
+      <p:ext uri="{BB962C8B-B14F-4D97-AF65-F5344CB8AC3E}">
+        <p14:creationId xmlns:p14="http://schemas.microsoft.com/office/powerpoint/2010/main" val="662681738"/>
+      </p:ext>
+    </p:extLst>
+  </p:cSld>
+  <p:clrMap bg1="lt1" tx1="dk1" bg2="lt2" tx2="dk2" accent1="accent1" accent2="accent2" accent3="accent3" accent4="accent4" accent5="accent5" accent6="accent6" hlink="hlink" folHlink="folHlink"/>
+  <p:sldLayoutIdLst>
+    <p:sldLayoutId id="2147483661" r:id="rId1"/>
+    <p:sldLayoutId id="2147483662" r:id="rId2"/>
+    <p:sldLayoutId id="2147483663" r:id="rId3"/>
+    <p:sldLayoutId id="2147483664" r:id="rId4"/>
+    <p:sldLayoutId id="2147483665" r:id="rId5"/>
+    <p:sldLayoutId id="2147483666" r:id="rId6"/>
+    <p:sldLayoutId id="2147483667" r:id="rId7"/>
+    <p:sldLayoutId id="2147483668" r:id="rId8"/>
+    <p:sldLayoutId id="2147483669" r:id="rId9"/>
+    <p:sldLayoutId id="2147483670" r:id="rId10"/>
+    <p:sldLayoutId id="2147483671" r:id="rId11"/>
   </p:sldLayoutIdLst>
   <p:txStyles>
     <p:titleStyle>
@@ -13928,8 +17128,8 @@
           <p:nvPr/>
         </p:nvGrpSpPr>
         <p:grpSpPr>
-          <a:xfrm rot="15761263">
-            <a:off x="3647746" y="2282213"/>
+          <a:xfrm rot="15148075">
+            <a:off x="3249710" y="1912605"/>
             <a:ext cx="3635585" cy="289983"/>
             <a:chOff x="739141" y="3284008"/>
             <a:chExt cx="3635585" cy="289983"/>
@@ -14281,21 +17481,18 @@
           <p:nvPr/>
         </p:nvCxnSpPr>
         <p:spPr>
-          <a:xfrm>
-            <a:off x="5090363" y="4152005"/>
-            <a:ext cx="608306" cy="77981"/>
+          <a:xfrm flipV="1">
+            <a:off x="5090363" y="3790413"/>
+            <a:ext cx="526430" cy="361592"/>
           </a:xfrm>
-          <a:prstGeom prst="curvedConnector4">
-            <a:avLst>
-              <a:gd name="adj1" fmla="val 47882"/>
-              <a:gd name="adj2" fmla="val 393148"/>
-            </a:avLst>
+          <a:prstGeom prst="curvedConnector2">
+            <a:avLst/>
           </a:prstGeom>
-          <a:ln>
+          <a:ln w="19050">
             <a:solidFill>
               <a:schemeClr val="tx1"/>
             </a:solidFill>
-            <a:tailEnd type="triangle"/>
+            <a:tailEnd type="triangle" w="lg" len="lg"/>
           </a:ln>
         </p:spPr>
         <p:style>
@@ -14313,355 +17510,6 @@
           </a:fontRef>
         </p:style>
       </p:cxnSp>
-      <p:grpSp>
-        <p:nvGrpSpPr>
-          <p:cNvPr id="2" name="Gruppieren 1">
-            <a:extLst>
-              <a:ext uri="{FF2B5EF4-FFF2-40B4-BE49-F238E27FC236}">
-                <a16:creationId xmlns:a16="http://schemas.microsoft.com/office/drawing/2014/main" id="{760EC3E8-6C3F-4A8B-8015-C8487F9472A8}"/>
-              </a:ext>
-            </a:extLst>
-          </p:cNvPr>
-          <p:cNvGrpSpPr/>
-          <p:nvPr/>
-        </p:nvGrpSpPr>
-        <p:grpSpPr>
-          <a:xfrm rot="20119461">
-            <a:off x="2565875" y="2609334"/>
-            <a:ext cx="3635585" cy="289983"/>
-            <a:chOff x="739141" y="3284008"/>
-            <a:chExt cx="3635585" cy="289983"/>
-          </a:xfrm>
-        </p:grpSpPr>
-        <p:grpSp>
-          <p:nvGrpSpPr>
-            <p:cNvPr id="3" name="Gruppieren 2">
-              <a:extLst>
-                <a:ext uri="{FF2B5EF4-FFF2-40B4-BE49-F238E27FC236}">
-                  <a16:creationId xmlns:a16="http://schemas.microsoft.com/office/drawing/2014/main" id="{DF000084-1327-DBCB-AD05-0604580F83CA}"/>
-                </a:ext>
-              </a:extLst>
-            </p:cNvPr>
-            <p:cNvGrpSpPr/>
-            <p:nvPr/>
-          </p:nvGrpSpPr>
-          <p:grpSpPr>
-            <a:xfrm>
-              <a:off x="762001" y="3284008"/>
-              <a:ext cx="3589866" cy="289983"/>
-              <a:chOff x="2032000" y="2006599"/>
-              <a:chExt cx="6096000" cy="1117600"/>
-            </a:xfrm>
-          </p:grpSpPr>
-          <p:sp>
-            <p:nvSpPr>
-              <p:cNvPr id="10" name="Rechteck 9">
-                <a:extLst>
-                  <a:ext uri="{FF2B5EF4-FFF2-40B4-BE49-F238E27FC236}">
-                    <a16:creationId xmlns:a16="http://schemas.microsoft.com/office/drawing/2014/main" id="{2B8903AC-5D99-B357-F95F-AF3EEF33E412}"/>
-                  </a:ext>
-                </a:extLst>
-              </p:cNvPr>
-              <p:cNvSpPr/>
-              <p:nvPr/>
-            </p:nvSpPr>
-            <p:spPr>
-              <a:xfrm>
-                <a:off x="2032000" y="2006599"/>
-                <a:ext cx="6096000" cy="1117598"/>
-              </a:xfrm>
-              <a:prstGeom prst="rect">
-                <a:avLst/>
-              </a:prstGeom>
-              <a:solidFill>
-                <a:srgbClr val="D0CECE"/>
-              </a:solidFill>
-              <a:ln w="19050">
-                <a:solidFill>
-                  <a:schemeClr val="tx1"/>
-                </a:solidFill>
-                <a:prstDash val="solid"/>
-              </a:ln>
-            </p:spPr>
-            <p:style>
-              <a:lnRef idx="2">
-                <a:schemeClr val="accent1">
-                  <a:shade val="15000"/>
-                </a:schemeClr>
-              </a:lnRef>
-              <a:fillRef idx="1">
-                <a:schemeClr val="accent1"/>
-              </a:fillRef>
-              <a:effectRef idx="0">
-                <a:schemeClr val="accent1"/>
-              </a:effectRef>
-              <a:fontRef idx="minor">
-                <a:schemeClr val="lt1"/>
-              </a:fontRef>
-            </p:style>
-            <p:txBody>
-              <a:bodyPr rtlCol="0" anchor="ctr"/>
-              <a:lstStyle/>
-              <a:p>
-                <a:pPr algn="ctr"/>
-                <a:endParaRPr lang="de-DE"/>
-              </a:p>
-            </p:txBody>
-          </p:sp>
-          <p:sp>
-            <p:nvSpPr>
-              <p:cNvPr id="11" name="Rechteck 10">
-                <a:extLst>
-                  <a:ext uri="{FF2B5EF4-FFF2-40B4-BE49-F238E27FC236}">
-                    <a16:creationId xmlns:a16="http://schemas.microsoft.com/office/drawing/2014/main" id="{163CC47E-A230-95B4-4ACE-6277A6AE66F8}"/>
-                  </a:ext>
-                </a:extLst>
-              </p:cNvPr>
-              <p:cNvSpPr/>
-              <p:nvPr/>
-            </p:nvSpPr>
-            <p:spPr>
-              <a:xfrm>
-                <a:off x="2032000" y="2006600"/>
-                <a:ext cx="6096000" cy="372533"/>
-              </a:xfrm>
-              <a:prstGeom prst="rect">
-                <a:avLst/>
-              </a:prstGeom>
-              <a:noFill/>
-              <a:ln>
-                <a:solidFill>
-                  <a:schemeClr val="tx1"/>
-                </a:solidFill>
-                <a:prstDash val="lgDash"/>
-              </a:ln>
-            </p:spPr>
-            <p:style>
-              <a:lnRef idx="2">
-                <a:schemeClr val="accent1">
-                  <a:shade val="15000"/>
-                </a:schemeClr>
-              </a:lnRef>
-              <a:fillRef idx="1">
-                <a:schemeClr val="accent1"/>
-              </a:fillRef>
-              <a:effectRef idx="0">
-                <a:schemeClr val="accent1"/>
-              </a:effectRef>
-              <a:fontRef idx="minor">
-                <a:schemeClr val="lt1"/>
-              </a:fontRef>
-            </p:style>
-            <p:txBody>
-              <a:bodyPr rtlCol="0" anchor="ctr"/>
-              <a:lstStyle/>
-              <a:p>
-                <a:pPr algn="ctr"/>
-                <a:endParaRPr lang="de-DE"/>
-              </a:p>
-            </p:txBody>
-          </p:sp>
-          <p:sp>
-            <p:nvSpPr>
-              <p:cNvPr id="12" name="Rechteck 11">
-                <a:extLst>
-                  <a:ext uri="{FF2B5EF4-FFF2-40B4-BE49-F238E27FC236}">
-                    <a16:creationId xmlns:a16="http://schemas.microsoft.com/office/drawing/2014/main" id="{8B192F5D-EB0C-F4FA-5E9C-17EA4CCBE2ED}"/>
-                  </a:ext>
-                </a:extLst>
-              </p:cNvPr>
-              <p:cNvSpPr/>
-              <p:nvPr/>
-            </p:nvSpPr>
-            <p:spPr>
-              <a:xfrm>
-                <a:off x="2032000" y="2379133"/>
-                <a:ext cx="6096000" cy="372533"/>
-              </a:xfrm>
-              <a:prstGeom prst="rect">
-                <a:avLst/>
-              </a:prstGeom>
-              <a:noFill/>
-              <a:ln>
-                <a:noFill/>
-                <a:prstDash val="lgDash"/>
-              </a:ln>
-            </p:spPr>
-            <p:style>
-              <a:lnRef idx="2">
-                <a:schemeClr val="accent1">
-                  <a:shade val="15000"/>
-                </a:schemeClr>
-              </a:lnRef>
-              <a:fillRef idx="1">
-                <a:schemeClr val="accent1"/>
-              </a:fillRef>
-              <a:effectRef idx="0">
-                <a:schemeClr val="accent1"/>
-              </a:effectRef>
-              <a:fontRef idx="minor">
-                <a:schemeClr val="lt1"/>
-              </a:fontRef>
-            </p:style>
-            <p:txBody>
-              <a:bodyPr rtlCol="0" anchor="ctr"/>
-              <a:lstStyle/>
-              <a:p>
-                <a:pPr algn="ctr"/>
-                <a:endParaRPr lang="de-DE"/>
-              </a:p>
-            </p:txBody>
-          </p:sp>
-          <p:sp>
-            <p:nvSpPr>
-              <p:cNvPr id="13" name="Rechteck 12">
-                <a:extLst>
-                  <a:ext uri="{FF2B5EF4-FFF2-40B4-BE49-F238E27FC236}">
-                    <a16:creationId xmlns:a16="http://schemas.microsoft.com/office/drawing/2014/main" id="{FAD96FA4-6EDA-E4CC-6AC0-68DFBDF8C772}"/>
-                  </a:ext>
-                </a:extLst>
-              </p:cNvPr>
-              <p:cNvSpPr/>
-              <p:nvPr/>
-            </p:nvSpPr>
-            <p:spPr>
-              <a:xfrm>
-                <a:off x="2032000" y="2751666"/>
-                <a:ext cx="6096000" cy="372533"/>
-              </a:xfrm>
-              <a:prstGeom prst="rect">
-                <a:avLst/>
-              </a:prstGeom>
-              <a:noFill/>
-              <a:ln>
-                <a:solidFill>
-                  <a:schemeClr val="tx1"/>
-                </a:solidFill>
-                <a:prstDash val="lgDash"/>
-              </a:ln>
-            </p:spPr>
-            <p:style>
-              <a:lnRef idx="2">
-                <a:schemeClr val="accent1">
-                  <a:shade val="15000"/>
-                </a:schemeClr>
-              </a:lnRef>
-              <a:fillRef idx="1">
-                <a:schemeClr val="accent1"/>
-              </a:fillRef>
-              <a:effectRef idx="0">
-                <a:schemeClr val="accent1"/>
-              </a:effectRef>
-              <a:fontRef idx="minor">
-                <a:schemeClr val="lt1"/>
-              </a:fontRef>
-            </p:style>
-            <p:txBody>
-              <a:bodyPr rtlCol="0" anchor="ctr"/>
-              <a:lstStyle/>
-              <a:p>
-                <a:pPr algn="ctr"/>
-                <a:endParaRPr lang="de-DE"/>
-              </a:p>
-            </p:txBody>
-          </p:sp>
-        </p:grpSp>
-        <p:sp>
-          <p:nvSpPr>
-            <p:cNvPr id="5" name="Ellipse 4">
-              <a:extLst>
-                <a:ext uri="{FF2B5EF4-FFF2-40B4-BE49-F238E27FC236}">
-                  <a16:creationId xmlns:a16="http://schemas.microsoft.com/office/drawing/2014/main" id="{8D93CDE1-91BD-84CE-AB15-F152C967D023}"/>
-                </a:ext>
-              </a:extLst>
-            </p:cNvPr>
-            <p:cNvSpPr/>
-            <p:nvPr/>
-          </p:nvSpPr>
-          <p:spPr>
-            <a:xfrm>
-              <a:off x="4329007" y="3406139"/>
-              <a:ext cx="45719" cy="45719"/>
-            </a:xfrm>
-            <a:prstGeom prst="ellipse">
-              <a:avLst/>
-            </a:prstGeom>
-          </p:spPr>
-          <p:style>
-            <a:lnRef idx="2">
-              <a:schemeClr val="accent1">
-                <a:shade val="15000"/>
-              </a:schemeClr>
-            </a:lnRef>
-            <a:fillRef idx="1">
-              <a:schemeClr val="accent1"/>
-            </a:fillRef>
-            <a:effectRef idx="0">
-              <a:schemeClr val="accent1"/>
-            </a:effectRef>
-            <a:fontRef idx="minor">
-              <a:schemeClr val="lt1"/>
-            </a:fontRef>
-          </p:style>
-          <p:txBody>
-            <a:bodyPr rtlCol="0" anchor="ctr"/>
-            <a:lstStyle/>
-            <a:p>
-              <a:pPr algn="ctr"/>
-              <a:endParaRPr lang="de-DE"/>
-            </a:p>
-          </p:txBody>
-        </p:sp>
-        <p:sp>
-          <p:nvSpPr>
-            <p:cNvPr id="8" name="Ellipse 7">
-              <a:extLst>
-                <a:ext uri="{FF2B5EF4-FFF2-40B4-BE49-F238E27FC236}">
-                  <a16:creationId xmlns:a16="http://schemas.microsoft.com/office/drawing/2014/main" id="{6173DE96-4C6D-7213-2D26-B2467E6216E9}"/>
-                </a:ext>
-              </a:extLst>
-            </p:cNvPr>
-            <p:cNvSpPr/>
-            <p:nvPr/>
-          </p:nvSpPr>
-          <p:spPr>
-            <a:xfrm>
-              <a:off x="739141" y="3407921"/>
-              <a:ext cx="45719" cy="45719"/>
-            </a:xfrm>
-            <a:prstGeom prst="ellipse">
-              <a:avLst/>
-            </a:prstGeom>
-            <a:solidFill>
-              <a:schemeClr val="accent2"/>
-            </a:solidFill>
-          </p:spPr>
-          <p:style>
-            <a:lnRef idx="2">
-              <a:schemeClr val="accent1">
-                <a:shade val="15000"/>
-              </a:schemeClr>
-            </a:lnRef>
-            <a:fillRef idx="1">
-              <a:schemeClr val="accent1"/>
-            </a:fillRef>
-            <a:effectRef idx="0">
-              <a:schemeClr val="accent1"/>
-            </a:effectRef>
-            <a:fontRef idx="minor">
-              <a:schemeClr val="lt1"/>
-            </a:fontRef>
-          </p:style>
-          <p:txBody>
-            <a:bodyPr rtlCol="0" anchor="ctr"/>
-            <a:lstStyle/>
-            <a:p>
-              <a:pPr algn="ctr"/>
-              <a:endParaRPr lang="de-DE"/>
-            </a:p>
-          </p:txBody>
-        </p:sp>
-      </p:grpSp>
       <p:cxnSp>
         <p:nvCxnSpPr>
           <p:cNvPr id="31" name="Verbinder: gekrümmt 30">
@@ -14679,20 +17527,21 @@
           <p:nvPr/>
         </p:nvCxnSpPr>
         <p:spPr>
-          <a:xfrm rot="10800000" flipV="1">
-            <a:off x="1454778" y="3514837"/>
-            <a:ext cx="1277832" cy="638949"/>
+          <a:xfrm rot="5400000">
+            <a:off x="1755016" y="3215231"/>
+            <a:ext cx="638319" cy="1238793"/>
           </a:xfrm>
-          <a:prstGeom prst="curvedConnector3">
+          <a:prstGeom prst="curvedConnector4">
             <a:avLst>
-              <a:gd name="adj1" fmla="val 117890"/>
+              <a:gd name="adj1" fmla="val 47748"/>
+              <a:gd name="adj2" fmla="val 118453"/>
             </a:avLst>
           </a:prstGeom>
-          <a:ln>
+          <a:ln w="19050">
             <a:solidFill>
               <a:schemeClr val="tx1"/>
             </a:solidFill>
-            <a:tailEnd type="triangle"/>
+            <a:tailEnd type="triangle" w="lg" len="lg"/>
           </a:ln>
         </p:spPr>
         <p:style>
@@ -14712,59 +17561,6 @@
       </p:cxnSp>
       <p:sp>
         <p:nvSpPr>
-          <p:cNvPr id="33" name="Verbotsymbol 32">
-            <a:extLst>
-              <a:ext uri="{FF2B5EF4-FFF2-40B4-BE49-F238E27FC236}">
-                <a16:creationId xmlns:a16="http://schemas.microsoft.com/office/drawing/2014/main" id="{AF2D08E4-0B9F-214B-5729-0FC68735CA88}"/>
-              </a:ext>
-            </a:extLst>
-          </p:cNvPr>
-          <p:cNvSpPr/>
-          <p:nvPr/>
-        </p:nvSpPr>
-        <p:spPr>
-          <a:xfrm>
-            <a:off x="4742735" y="2340391"/>
-            <a:ext cx="326100" cy="326100"/>
-          </a:xfrm>
-          <a:prstGeom prst="noSmoking">
-            <a:avLst/>
-          </a:prstGeom>
-          <a:solidFill>
-            <a:srgbClr val="FF0000"/>
-          </a:solidFill>
-        </p:spPr>
-        <p:style>
-          <a:lnRef idx="2">
-            <a:schemeClr val="accent1">
-              <a:shade val="15000"/>
-            </a:schemeClr>
-          </a:lnRef>
-          <a:fillRef idx="1">
-            <a:schemeClr val="accent1"/>
-          </a:fillRef>
-          <a:effectRef idx="0">
-            <a:schemeClr val="accent1"/>
-          </a:effectRef>
-          <a:fontRef idx="minor">
-            <a:schemeClr val="lt1"/>
-          </a:fontRef>
-        </p:style>
-        <p:txBody>
-          <a:bodyPr rtlCol="0" anchor="ctr"/>
-          <a:lstStyle/>
-          <a:p>
-            <a:pPr algn="ctr"/>
-            <a:endParaRPr lang="de-DE">
-              <a:solidFill>
-                <a:schemeClr val="tx1"/>
-              </a:solidFill>
-            </a:endParaRPr>
-          </a:p>
-        </p:txBody>
-      </p:sp>
-      <p:sp>
-        <p:nvSpPr>
           <p:cNvPr id="46" name="Verbotsymbol 45">
             <a:extLst>
               <a:ext uri="{FF2B5EF4-FFF2-40B4-BE49-F238E27FC236}">
@@ -14777,7 +17573,7 @@
         </p:nvSpPr>
         <p:spPr>
           <a:xfrm>
-            <a:off x="1653306" y="3423293"/>
+            <a:off x="1639506" y="3405657"/>
             <a:ext cx="326100" cy="326100"/>
           </a:xfrm>
           <a:prstGeom prst="noSmoking">
@@ -14830,7 +17626,7 @@
         </p:nvSpPr>
         <p:spPr>
           <a:xfrm>
-            <a:off x="5285021" y="4239595"/>
+            <a:off x="3652898" y="763651"/>
             <a:ext cx="326100" cy="326100"/>
           </a:xfrm>
           <a:prstGeom prst="noSmoking">
@@ -14883,7 +17679,7 @@
         </p:nvGrpSpPr>
         <p:grpSpPr>
           <a:xfrm rot="20119461">
-            <a:off x="7173386" y="2358449"/>
+            <a:off x="7931916" y="2210056"/>
             <a:ext cx="3635585" cy="289983"/>
             <a:chOff x="739141" y="3284008"/>
             <a:chExt cx="3635585" cy="289983"/>
@@ -15232,7 +18028,7 @@
         </p:nvGrpSpPr>
         <p:grpSpPr>
           <a:xfrm rot="1005941">
-            <a:off x="5710019" y="3473674"/>
+            <a:off x="7980044" y="5434556"/>
             <a:ext cx="3635585" cy="289983"/>
             <a:chOff x="739141" y="3284008"/>
             <a:chExt cx="3635585" cy="289983"/>
@@ -15567,10 +18363,2558 @@
           </p:txBody>
         </p:sp>
       </p:grpSp>
+      <p:cxnSp>
+        <p:nvCxnSpPr>
+          <p:cNvPr id="4" name="Verbinder: gekrümmt 3">
+            <a:extLst>
+              <a:ext uri="{FF2B5EF4-FFF2-40B4-BE49-F238E27FC236}">
+                <a16:creationId xmlns:a16="http://schemas.microsoft.com/office/drawing/2014/main" id="{A16884A9-F2B6-B8C1-459D-5DC7DD8A51AF}"/>
+              </a:ext>
+            </a:extLst>
+          </p:cNvPr>
+          <p:cNvCxnSpPr>
+            <a:cxnSpLocks/>
+            <a:stCxn id="17" idx="6"/>
+            <a:endCxn id="5" idx="6"/>
+          </p:cNvCxnSpPr>
+          <p:nvPr/>
+        </p:nvCxnSpPr>
+        <p:spPr>
+          <a:xfrm rot="16200000" flipH="1" flipV="1">
+            <a:off x="3513589" y="926166"/>
+            <a:ext cx="1608245" cy="404399"/>
+          </a:xfrm>
+          <a:prstGeom prst="curvedConnector3">
+            <a:avLst>
+              <a:gd name="adj1" fmla="val -14280"/>
+            </a:avLst>
+          </a:prstGeom>
+          <a:ln w="19050">
+            <a:solidFill>
+              <a:schemeClr val="tx1"/>
+            </a:solidFill>
+            <a:tailEnd type="triangle" w="lg" len="lg"/>
+          </a:ln>
+        </p:spPr>
+        <p:style>
+          <a:lnRef idx="1">
+            <a:schemeClr val="accent1"/>
+          </a:lnRef>
+          <a:fillRef idx="0">
+            <a:schemeClr val="accent1"/>
+          </a:fillRef>
+          <a:effectRef idx="0">
+            <a:schemeClr val="accent1"/>
+          </a:effectRef>
+          <a:fontRef idx="minor">
+            <a:schemeClr val="tx1"/>
+          </a:fontRef>
+        </p:style>
+      </p:cxnSp>
+      <p:grpSp>
+        <p:nvGrpSpPr>
+          <p:cNvPr id="21" name="Gruppieren 20">
+            <a:extLst>
+              <a:ext uri="{FF2B5EF4-FFF2-40B4-BE49-F238E27FC236}">
+                <a16:creationId xmlns:a16="http://schemas.microsoft.com/office/drawing/2014/main" id="{022AF2C3-8DF1-66A3-C8E7-79E5211A482E}"/>
+              </a:ext>
+            </a:extLst>
+          </p:cNvPr>
+          <p:cNvGrpSpPr/>
+          <p:nvPr/>
+        </p:nvGrpSpPr>
+        <p:grpSpPr>
+          <a:xfrm>
+            <a:off x="1821656" y="1660356"/>
+            <a:ext cx="1728209" cy="2746452"/>
+            <a:chOff x="1821656" y="1660356"/>
+            <a:chExt cx="1728209" cy="2746452"/>
+          </a:xfrm>
+        </p:grpSpPr>
+        <p:grpSp>
+          <p:nvGrpSpPr>
+            <p:cNvPr id="2" name="Gruppieren 1">
+              <a:extLst>
+                <a:ext uri="{FF2B5EF4-FFF2-40B4-BE49-F238E27FC236}">
+                  <a16:creationId xmlns:a16="http://schemas.microsoft.com/office/drawing/2014/main" id="{760EC3E8-6C3F-4A8B-8015-C8487F9472A8}"/>
+                </a:ext>
+              </a:extLst>
+            </p:cNvPr>
+            <p:cNvGrpSpPr/>
+            <p:nvPr/>
+          </p:nvGrpSpPr>
+          <p:grpSpPr>
+            <a:xfrm rot="18723138">
+              <a:off x="2340952" y="2579286"/>
+              <a:ext cx="2127843" cy="289983"/>
+              <a:chOff x="739141" y="3284009"/>
+              <a:chExt cx="2127843" cy="289983"/>
+            </a:xfrm>
+          </p:grpSpPr>
+          <p:grpSp>
+            <p:nvGrpSpPr>
+              <p:cNvPr id="3" name="Gruppieren 2">
+                <a:extLst>
+                  <a:ext uri="{FF2B5EF4-FFF2-40B4-BE49-F238E27FC236}">
+                    <a16:creationId xmlns:a16="http://schemas.microsoft.com/office/drawing/2014/main" id="{DF000084-1327-DBCB-AD05-0604580F83CA}"/>
+                  </a:ext>
+                </a:extLst>
+              </p:cNvPr>
+              <p:cNvGrpSpPr/>
+              <p:nvPr/>
+            </p:nvGrpSpPr>
+            <p:grpSpPr>
+              <a:xfrm>
+                <a:off x="762001" y="3284009"/>
+                <a:ext cx="2080611" cy="289983"/>
+                <a:chOff x="2032000" y="2006595"/>
+                <a:chExt cx="3533114" cy="1117597"/>
+              </a:xfrm>
+            </p:grpSpPr>
+            <p:sp>
+              <p:nvSpPr>
+                <p:cNvPr id="10" name="Rechteck 9">
+                  <a:extLst>
+                    <a:ext uri="{FF2B5EF4-FFF2-40B4-BE49-F238E27FC236}">
+                      <a16:creationId xmlns:a16="http://schemas.microsoft.com/office/drawing/2014/main" id="{2B8903AC-5D99-B357-F95F-AF3EEF33E412}"/>
+                    </a:ext>
+                  </a:extLst>
+                </p:cNvPr>
+                <p:cNvSpPr/>
+                <p:nvPr/>
+              </p:nvSpPr>
+              <p:spPr>
+                <a:xfrm>
+                  <a:off x="2032003" y="2006597"/>
+                  <a:ext cx="3533108" cy="1117595"/>
+                </a:xfrm>
+                <a:prstGeom prst="rect">
+                  <a:avLst/>
+                </a:prstGeom>
+                <a:solidFill>
+                  <a:srgbClr val="D0CECE"/>
+                </a:solidFill>
+                <a:ln w="19050">
+                  <a:solidFill>
+                    <a:schemeClr val="tx1"/>
+                  </a:solidFill>
+                  <a:prstDash val="solid"/>
+                </a:ln>
+              </p:spPr>
+              <p:style>
+                <a:lnRef idx="2">
+                  <a:schemeClr val="accent1">
+                    <a:shade val="15000"/>
+                  </a:schemeClr>
+                </a:lnRef>
+                <a:fillRef idx="1">
+                  <a:schemeClr val="accent1"/>
+                </a:fillRef>
+                <a:effectRef idx="0">
+                  <a:schemeClr val="accent1"/>
+                </a:effectRef>
+                <a:fontRef idx="minor">
+                  <a:schemeClr val="lt1"/>
+                </a:fontRef>
+              </p:style>
+              <p:txBody>
+                <a:bodyPr rtlCol="0" anchor="ctr"/>
+                <a:lstStyle/>
+                <a:p>
+                  <a:pPr algn="ctr"/>
+                  <a:endParaRPr lang="de-DE"/>
+                </a:p>
+              </p:txBody>
+            </p:sp>
+            <p:sp>
+              <p:nvSpPr>
+                <p:cNvPr id="11" name="Rechteck 10">
+                  <a:extLst>
+                    <a:ext uri="{FF2B5EF4-FFF2-40B4-BE49-F238E27FC236}">
+                      <a16:creationId xmlns:a16="http://schemas.microsoft.com/office/drawing/2014/main" id="{163CC47E-A230-95B4-4ACE-6277A6AE66F8}"/>
+                    </a:ext>
+                  </a:extLst>
+                </p:cNvPr>
+                <p:cNvSpPr/>
+                <p:nvPr/>
+              </p:nvSpPr>
+              <p:spPr>
+                <a:xfrm>
+                  <a:off x="2032003" y="2006595"/>
+                  <a:ext cx="3533109" cy="372533"/>
+                </a:xfrm>
+                <a:prstGeom prst="rect">
+                  <a:avLst/>
+                </a:prstGeom>
+                <a:noFill/>
+                <a:ln>
+                  <a:solidFill>
+                    <a:schemeClr val="tx1"/>
+                  </a:solidFill>
+                  <a:prstDash val="lgDash"/>
+                </a:ln>
+              </p:spPr>
+              <p:style>
+                <a:lnRef idx="2">
+                  <a:schemeClr val="accent1">
+                    <a:shade val="15000"/>
+                  </a:schemeClr>
+                </a:lnRef>
+                <a:fillRef idx="1">
+                  <a:schemeClr val="accent1"/>
+                </a:fillRef>
+                <a:effectRef idx="0">
+                  <a:schemeClr val="accent1"/>
+                </a:effectRef>
+                <a:fontRef idx="minor">
+                  <a:schemeClr val="lt1"/>
+                </a:fontRef>
+              </p:style>
+              <p:txBody>
+                <a:bodyPr rtlCol="0" anchor="ctr"/>
+                <a:lstStyle/>
+                <a:p>
+                  <a:pPr algn="ctr"/>
+                  <a:endParaRPr lang="de-DE"/>
+                </a:p>
+              </p:txBody>
+            </p:sp>
+            <p:sp>
+              <p:nvSpPr>
+                <p:cNvPr id="12" name="Rechteck 11">
+                  <a:extLst>
+                    <a:ext uri="{FF2B5EF4-FFF2-40B4-BE49-F238E27FC236}">
+                      <a16:creationId xmlns:a16="http://schemas.microsoft.com/office/drawing/2014/main" id="{8B192F5D-EB0C-F4FA-5E9C-17EA4CCBE2ED}"/>
+                    </a:ext>
+                  </a:extLst>
+                </p:cNvPr>
+                <p:cNvSpPr/>
+                <p:nvPr/>
+              </p:nvSpPr>
+              <p:spPr>
+                <a:xfrm>
+                  <a:off x="2032000" y="2379131"/>
+                  <a:ext cx="3530947" cy="372532"/>
+                </a:xfrm>
+                <a:prstGeom prst="rect">
+                  <a:avLst/>
+                </a:prstGeom>
+                <a:noFill/>
+                <a:ln>
+                  <a:noFill/>
+                  <a:prstDash val="lgDash"/>
+                </a:ln>
+              </p:spPr>
+              <p:style>
+                <a:lnRef idx="2">
+                  <a:schemeClr val="accent1">
+                    <a:shade val="15000"/>
+                  </a:schemeClr>
+                </a:lnRef>
+                <a:fillRef idx="1">
+                  <a:schemeClr val="accent1"/>
+                </a:fillRef>
+                <a:effectRef idx="0">
+                  <a:schemeClr val="accent1"/>
+                </a:effectRef>
+                <a:fontRef idx="minor">
+                  <a:schemeClr val="lt1"/>
+                </a:fontRef>
+              </p:style>
+              <p:txBody>
+                <a:bodyPr rtlCol="0" anchor="ctr"/>
+                <a:lstStyle/>
+                <a:p>
+                  <a:pPr algn="ctr"/>
+                  <a:endParaRPr lang="de-DE"/>
+                </a:p>
+              </p:txBody>
+            </p:sp>
+            <p:sp>
+              <p:nvSpPr>
+                <p:cNvPr id="13" name="Rechteck 12">
+                  <a:extLst>
+                    <a:ext uri="{FF2B5EF4-FFF2-40B4-BE49-F238E27FC236}">
+                      <a16:creationId xmlns:a16="http://schemas.microsoft.com/office/drawing/2014/main" id="{FAD96FA4-6EDA-E4CC-6AC0-68DFBDF8C772}"/>
+                    </a:ext>
+                  </a:extLst>
+                </p:cNvPr>
+                <p:cNvSpPr/>
+                <p:nvPr/>
+              </p:nvSpPr>
+              <p:spPr>
+                <a:xfrm>
+                  <a:off x="2032005" y="2751659"/>
+                  <a:ext cx="3533109" cy="372532"/>
+                </a:xfrm>
+                <a:prstGeom prst="rect">
+                  <a:avLst/>
+                </a:prstGeom>
+                <a:noFill/>
+                <a:ln>
+                  <a:solidFill>
+                    <a:schemeClr val="tx1"/>
+                  </a:solidFill>
+                  <a:prstDash val="lgDash"/>
+                </a:ln>
+              </p:spPr>
+              <p:style>
+                <a:lnRef idx="2">
+                  <a:schemeClr val="accent1">
+                    <a:shade val="15000"/>
+                  </a:schemeClr>
+                </a:lnRef>
+                <a:fillRef idx="1">
+                  <a:schemeClr val="accent1"/>
+                </a:fillRef>
+                <a:effectRef idx="0">
+                  <a:schemeClr val="accent1"/>
+                </a:effectRef>
+                <a:fontRef idx="minor">
+                  <a:schemeClr val="lt1"/>
+                </a:fontRef>
+              </p:style>
+              <p:txBody>
+                <a:bodyPr rtlCol="0" anchor="ctr"/>
+                <a:lstStyle/>
+                <a:p>
+                  <a:pPr algn="ctr"/>
+                  <a:endParaRPr lang="de-DE"/>
+                </a:p>
+              </p:txBody>
+            </p:sp>
+          </p:grpSp>
+          <p:sp>
+            <p:nvSpPr>
+              <p:cNvPr id="5" name="Ellipse 4">
+                <a:extLst>
+                  <a:ext uri="{FF2B5EF4-FFF2-40B4-BE49-F238E27FC236}">
+                    <a16:creationId xmlns:a16="http://schemas.microsoft.com/office/drawing/2014/main" id="{8D93CDE1-91BD-84CE-AB15-F152C967D023}"/>
+                  </a:ext>
+                </a:extLst>
+              </p:cNvPr>
+              <p:cNvSpPr/>
+              <p:nvPr/>
+            </p:nvSpPr>
+            <p:spPr>
+              <a:xfrm>
+                <a:off x="2821265" y="3403467"/>
+                <a:ext cx="45719" cy="45719"/>
+              </a:xfrm>
+              <a:prstGeom prst="ellipse">
+                <a:avLst/>
+              </a:prstGeom>
+            </p:spPr>
+            <p:style>
+              <a:lnRef idx="2">
+                <a:schemeClr val="accent1">
+                  <a:shade val="15000"/>
+                </a:schemeClr>
+              </a:lnRef>
+              <a:fillRef idx="1">
+                <a:schemeClr val="accent1"/>
+              </a:fillRef>
+              <a:effectRef idx="0">
+                <a:schemeClr val="accent1"/>
+              </a:effectRef>
+              <a:fontRef idx="minor">
+                <a:schemeClr val="lt1"/>
+              </a:fontRef>
+            </p:style>
+            <p:txBody>
+              <a:bodyPr rtlCol="0" anchor="ctr"/>
+              <a:lstStyle/>
+              <a:p>
+                <a:pPr algn="ctr"/>
+                <a:endParaRPr lang="de-DE"/>
+              </a:p>
+            </p:txBody>
+          </p:sp>
+          <p:sp>
+            <p:nvSpPr>
+              <p:cNvPr id="8" name="Ellipse 7">
+                <a:extLst>
+                  <a:ext uri="{FF2B5EF4-FFF2-40B4-BE49-F238E27FC236}">
+                    <a16:creationId xmlns:a16="http://schemas.microsoft.com/office/drawing/2014/main" id="{6173DE96-4C6D-7213-2D26-B2467E6216E9}"/>
+                  </a:ext>
+                </a:extLst>
+              </p:cNvPr>
+              <p:cNvSpPr/>
+              <p:nvPr/>
+            </p:nvSpPr>
+            <p:spPr>
+              <a:xfrm>
+                <a:off x="739141" y="3407921"/>
+                <a:ext cx="45719" cy="45719"/>
+              </a:xfrm>
+              <a:prstGeom prst="ellipse">
+                <a:avLst/>
+              </a:prstGeom>
+              <a:solidFill>
+                <a:schemeClr val="accent2"/>
+              </a:solidFill>
+            </p:spPr>
+            <p:style>
+              <a:lnRef idx="2">
+                <a:schemeClr val="accent1">
+                  <a:shade val="15000"/>
+                </a:schemeClr>
+              </a:lnRef>
+              <a:fillRef idx="1">
+                <a:schemeClr val="accent1"/>
+              </a:fillRef>
+              <a:effectRef idx="0">
+                <a:schemeClr val="accent1"/>
+              </a:effectRef>
+              <a:fontRef idx="minor">
+                <a:schemeClr val="lt1"/>
+              </a:fontRef>
+            </p:style>
+            <p:txBody>
+              <a:bodyPr rtlCol="0" anchor="ctr"/>
+              <a:lstStyle/>
+              <a:p>
+                <a:pPr algn="ctr"/>
+                <a:endParaRPr lang="de-DE"/>
+              </a:p>
+            </p:txBody>
+          </p:sp>
+        </p:grpSp>
+        <p:cxnSp>
+          <p:nvCxnSpPr>
+            <p:cNvPr id="16" name="Gerader Verbinder 15">
+              <a:extLst>
+                <a:ext uri="{FF2B5EF4-FFF2-40B4-BE49-F238E27FC236}">
+                  <a16:creationId xmlns:a16="http://schemas.microsoft.com/office/drawing/2014/main" id="{F551658D-D0EE-BE09-BD73-D7A05E443D6E}"/>
+                </a:ext>
+              </a:extLst>
+            </p:cNvPr>
+            <p:cNvCxnSpPr>
+              <a:cxnSpLocks/>
+              <a:stCxn id="8" idx="2"/>
+            </p:cNvCxnSpPr>
+            <p:nvPr/>
+          </p:nvCxnSpPr>
+          <p:spPr>
+            <a:xfrm flipH="1">
+              <a:off x="1821656" y="3515468"/>
+              <a:ext cx="871915" cy="891340"/>
+            </a:xfrm>
+            <a:prstGeom prst="line">
+              <a:avLst/>
+            </a:prstGeom>
+            <a:ln w="38100">
+              <a:solidFill>
+                <a:srgbClr val="FF0000"/>
+              </a:solidFill>
+            </a:ln>
+          </p:spPr>
+          <p:style>
+            <a:lnRef idx="1">
+              <a:schemeClr val="accent1"/>
+            </a:lnRef>
+            <a:fillRef idx="0">
+              <a:schemeClr val="accent1"/>
+            </a:fillRef>
+            <a:effectRef idx="0">
+              <a:schemeClr val="accent1"/>
+            </a:effectRef>
+            <a:fontRef idx="minor">
+              <a:schemeClr val="tx1"/>
+            </a:fontRef>
+          </p:style>
+        </p:cxnSp>
+      </p:grpSp>
+      <p:cxnSp>
+        <p:nvCxnSpPr>
+          <p:cNvPr id="26" name="Gerader Verbinder 25">
+            <a:extLst>
+              <a:ext uri="{FF2B5EF4-FFF2-40B4-BE49-F238E27FC236}">
+                <a16:creationId xmlns:a16="http://schemas.microsoft.com/office/drawing/2014/main" id="{D13378B4-167B-16A9-CF34-1200343B875E}"/>
+              </a:ext>
+            </a:extLst>
+          </p:cNvPr>
+          <p:cNvCxnSpPr>
+            <a:cxnSpLocks/>
+            <a:endCxn id="37" idx="6"/>
+          </p:cNvCxnSpPr>
+          <p:nvPr/>
+        </p:nvCxnSpPr>
+        <p:spPr>
+          <a:xfrm flipH="1">
+            <a:off x="5090363" y="4152005"/>
+            <a:ext cx="1042757" cy="0"/>
+          </a:xfrm>
+          <a:prstGeom prst="line">
+            <a:avLst/>
+          </a:prstGeom>
+          <a:ln w="38100">
+            <a:solidFill>
+              <a:srgbClr val="FF0000"/>
+            </a:solidFill>
+          </a:ln>
+        </p:spPr>
+        <p:style>
+          <a:lnRef idx="1">
+            <a:schemeClr val="accent1"/>
+          </a:lnRef>
+          <a:fillRef idx="0">
+            <a:schemeClr val="accent1"/>
+          </a:fillRef>
+          <a:effectRef idx="0">
+            <a:schemeClr val="accent1"/>
+          </a:effectRef>
+          <a:fontRef idx="minor">
+            <a:schemeClr val="tx1"/>
+          </a:fontRef>
+        </p:style>
+      </p:cxnSp>
+      <p:cxnSp>
+        <p:nvCxnSpPr>
+          <p:cNvPr id="32" name="Gerader Verbinder 31">
+            <a:extLst>
+              <a:ext uri="{FF2B5EF4-FFF2-40B4-BE49-F238E27FC236}">
+                <a16:creationId xmlns:a16="http://schemas.microsoft.com/office/drawing/2014/main" id="{9EF0D2FA-50EC-3829-D34D-7F3122AEBA8C}"/>
+              </a:ext>
+            </a:extLst>
+          </p:cNvPr>
+          <p:cNvCxnSpPr>
+            <a:cxnSpLocks/>
+            <a:endCxn id="20" idx="2"/>
+          </p:cNvCxnSpPr>
+          <p:nvPr/>
+        </p:nvCxnSpPr>
+        <p:spPr>
+          <a:xfrm flipH="1" flipV="1">
+            <a:off x="5616793" y="3790413"/>
+            <a:ext cx="218357" cy="662525"/>
+          </a:xfrm>
+          <a:prstGeom prst="line">
+            <a:avLst/>
+          </a:prstGeom>
+          <a:ln w="38100">
+            <a:solidFill>
+              <a:srgbClr val="FF0000"/>
+            </a:solidFill>
+          </a:ln>
+        </p:spPr>
+        <p:style>
+          <a:lnRef idx="1">
+            <a:schemeClr val="accent1"/>
+          </a:lnRef>
+          <a:fillRef idx="0">
+            <a:schemeClr val="accent1"/>
+          </a:fillRef>
+          <a:effectRef idx="0">
+            <a:schemeClr val="accent1"/>
+          </a:effectRef>
+          <a:fontRef idx="minor">
+            <a:schemeClr val="tx1"/>
+          </a:fontRef>
+        </p:style>
+      </p:cxnSp>
+      <p:cxnSp>
+        <p:nvCxnSpPr>
+          <p:cNvPr id="41" name="Gerader Verbinder 40">
+            <a:extLst>
+              <a:ext uri="{FF2B5EF4-FFF2-40B4-BE49-F238E27FC236}">
+                <a16:creationId xmlns:a16="http://schemas.microsoft.com/office/drawing/2014/main" id="{04172A83-E245-CD42-35E4-DB601062B122}"/>
+              </a:ext>
+            </a:extLst>
+          </p:cNvPr>
+          <p:cNvCxnSpPr>
+            <a:cxnSpLocks/>
+            <a:endCxn id="5" idx="6"/>
+          </p:cNvCxnSpPr>
+          <p:nvPr/>
+        </p:nvCxnSpPr>
+        <p:spPr>
+          <a:xfrm flipH="1">
+            <a:off x="4115512" y="996316"/>
+            <a:ext cx="909217" cy="936173"/>
+          </a:xfrm>
+          <a:prstGeom prst="line">
+            <a:avLst/>
+          </a:prstGeom>
+          <a:ln w="38100">
+            <a:solidFill>
+              <a:srgbClr val="FF0000"/>
+            </a:solidFill>
+          </a:ln>
+        </p:spPr>
+        <p:style>
+          <a:lnRef idx="1">
+            <a:schemeClr val="accent1"/>
+          </a:lnRef>
+          <a:fillRef idx="0">
+            <a:schemeClr val="accent1"/>
+          </a:fillRef>
+          <a:effectRef idx="0">
+            <a:schemeClr val="accent1"/>
+          </a:effectRef>
+          <a:fontRef idx="minor">
+            <a:schemeClr val="tx1"/>
+          </a:fontRef>
+        </p:style>
+      </p:cxnSp>
+      <p:sp>
+        <p:nvSpPr>
+          <p:cNvPr id="66" name="Gewitterblitz 65">
+            <a:extLst>
+              <a:ext uri="{FF2B5EF4-FFF2-40B4-BE49-F238E27FC236}">
+                <a16:creationId xmlns:a16="http://schemas.microsoft.com/office/drawing/2014/main" id="{669ADB9A-D45A-E054-148C-95A5D0298B4F}"/>
+              </a:ext>
+            </a:extLst>
+          </p:cNvPr>
+          <p:cNvSpPr/>
+          <p:nvPr/>
+        </p:nvSpPr>
+        <p:spPr>
+          <a:xfrm rot="21144616" flipH="1">
+            <a:off x="4639273" y="754599"/>
+            <a:ext cx="307333" cy="425198"/>
+          </a:xfrm>
+          <a:prstGeom prst="lightningBolt">
+            <a:avLst/>
+          </a:prstGeom>
+        </p:spPr>
+        <p:style>
+          <a:lnRef idx="2">
+            <a:schemeClr val="accent4">
+              <a:shade val="15000"/>
+            </a:schemeClr>
+          </a:lnRef>
+          <a:fillRef idx="1">
+            <a:schemeClr val="accent4"/>
+          </a:fillRef>
+          <a:effectRef idx="0">
+            <a:schemeClr val="accent4"/>
+          </a:effectRef>
+          <a:fontRef idx="minor">
+            <a:schemeClr val="lt1"/>
+          </a:fontRef>
+        </p:style>
+        <p:txBody>
+          <a:bodyPr rtlCol="0" anchor="ctr"/>
+          <a:lstStyle/>
+          <a:p>
+            <a:pPr algn="ctr"/>
+            <a:endParaRPr lang="de-DE"/>
+          </a:p>
+        </p:txBody>
+      </p:sp>
+      <p:sp>
+        <p:nvSpPr>
+          <p:cNvPr id="67" name="Gewitterblitz 66">
+            <a:extLst>
+              <a:ext uri="{FF2B5EF4-FFF2-40B4-BE49-F238E27FC236}">
+                <a16:creationId xmlns:a16="http://schemas.microsoft.com/office/drawing/2014/main" id="{3764B454-464E-E916-6ED0-E3B8E0BBAC57}"/>
+              </a:ext>
+            </a:extLst>
+          </p:cNvPr>
+          <p:cNvSpPr/>
+          <p:nvPr/>
+        </p:nvSpPr>
+        <p:spPr>
+          <a:xfrm rot="21144616" flipH="1">
+            <a:off x="2202903" y="3952432"/>
+            <a:ext cx="307333" cy="425198"/>
+          </a:xfrm>
+          <a:prstGeom prst="lightningBolt">
+            <a:avLst/>
+          </a:prstGeom>
+        </p:spPr>
+        <p:style>
+          <a:lnRef idx="2">
+            <a:schemeClr val="accent4">
+              <a:shade val="15000"/>
+            </a:schemeClr>
+          </a:lnRef>
+          <a:fillRef idx="1">
+            <a:schemeClr val="accent4"/>
+          </a:fillRef>
+          <a:effectRef idx="0">
+            <a:schemeClr val="accent4"/>
+          </a:effectRef>
+          <a:fontRef idx="minor">
+            <a:schemeClr val="lt1"/>
+          </a:fontRef>
+        </p:style>
+        <p:txBody>
+          <a:bodyPr rtlCol="0" anchor="ctr"/>
+          <a:lstStyle/>
+          <a:p>
+            <a:pPr algn="ctr"/>
+            <a:endParaRPr lang="de-DE"/>
+          </a:p>
+        </p:txBody>
+      </p:sp>
+      <p:sp>
+        <p:nvSpPr>
+          <p:cNvPr id="68" name="Textfeld 67">
+            <a:extLst>
+              <a:ext uri="{FF2B5EF4-FFF2-40B4-BE49-F238E27FC236}">
+                <a16:creationId xmlns:a16="http://schemas.microsoft.com/office/drawing/2014/main" id="{0B6DEB49-8AAF-AED5-8C0D-9A413B8D7656}"/>
+              </a:ext>
+            </a:extLst>
+          </p:cNvPr>
+          <p:cNvSpPr txBox="1"/>
+          <p:nvPr/>
+        </p:nvSpPr>
+        <p:spPr>
+          <a:xfrm>
+            <a:off x="5634866" y="3786543"/>
+            <a:ext cx="502061" cy="369332"/>
+          </a:xfrm>
+          <a:prstGeom prst="rect">
+            <a:avLst/>
+          </a:prstGeom>
+          <a:noFill/>
+        </p:spPr>
+        <p:txBody>
+          <a:bodyPr wrap="none" rtlCol="0">
+            <a:spAutoFit/>
+          </a:bodyPr>
+          <a:lstStyle/>
+          <a:p>
+            <a:r>
+              <a:rPr lang="de-DE" dirty="0"/>
+              <a:t>👍</a:t>
+            </a:r>
+          </a:p>
+        </p:txBody>
+      </p:sp>
     </p:spTree>
     <p:extLst>
       <p:ext uri="{BB962C8B-B14F-4D97-AF65-F5344CB8AC3E}">
         <p14:creationId xmlns:p14="http://schemas.microsoft.com/office/powerpoint/2010/main" val="3294407545"/>
+      </p:ext>
+    </p:extLst>
+  </p:cSld>
+  <p:clrMapOvr>
+    <a:masterClrMapping/>
+  </p:clrMapOvr>
+</p:sld>
+</file>
+
+<file path=ppt/slides/slide13.xml><?xml version="1.0" encoding="utf-8"?>
+<p:sld xmlns:a="http://schemas.openxmlformats.org/drawingml/2006/main" xmlns:r="http://schemas.openxmlformats.org/officeDocument/2006/relationships" xmlns:p="http://schemas.openxmlformats.org/presentationml/2006/main">
+  <p:cSld>
+    <p:spTree>
+      <p:nvGrpSpPr>
+        <p:cNvPr id="1" name=""/>
+        <p:cNvGrpSpPr/>
+        <p:nvPr/>
+      </p:nvGrpSpPr>
+      <p:grpSpPr>
+        <a:xfrm>
+          <a:off x="0" y="0"/>
+          <a:ext cx="0" cy="0"/>
+          <a:chOff x="0" y="0"/>
+          <a:chExt cx="0" cy="0"/>
+        </a:xfrm>
+      </p:grpSpPr>
+      <p:grpSp>
+        <p:nvGrpSpPr>
+          <p:cNvPr id="2" name="Gruppieren 1">
+            <a:extLst>
+              <a:ext uri="{FF2B5EF4-FFF2-40B4-BE49-F238E27FC236}">
+                <a16:creationId xmlns:a16="http://schemas.microsoft.com/office/drawing/2014/main" id="{C0C9526E-55B5-100F-60DB-758F1A2E32B7}"/>
+              </a:ext>
+            </a:extLst>
+          </p:cNvPr>
+          <p:cNvGrpSpPr/>
+          <p:nvPr/>
+        </p:nvGrpSpPr>
+        <p:grpSpPr>
+          <a:xfrm rot="708255">
+            <a:off x="500332" y="42428"/>
+            <a:ext cx="11378242" cy="7273893"/>
+            <a:chOff x="500332" y="42428"/>
+            <a:chExt cx="11378242" cy="7273893"/>
+          </a:xfrm>
+        </p:grpSpPr>
+        <p:sp>
+          <p:nvSpPr>
+            <p:cNvPr id="4" name="Rechteck 3">
+              <a:extLst>
+                <a:ext uri="{FF2B5EF4-FFF2-40B4-BE49-F238E27FC236}">
+                  <a16:creationId xmlns:a16="http://schemas.microsoft.com/office/drawing/2014/main" id="{088EF1E8-950B-4198-36A1-0851F70C77FF}"/>
+                </a:ext>
+              </a:extLst>
+            </p:cNvPr>
+            <p:cNvSpPr/>
+            <p:nvPr/>
+          </p:nvSpPr>
+          <p:spPr>
+            <a:xfrm>
+              <a:off x="500332" y="2096219"/>
+              <a:ext cx="3795622" cy="785003"/>
+            </a:xfrm>
+            <a:prstGeom prst="rect">
+              <a:avLst/>
+            </a:prstGeom>
+          </p:spPr>
+          <p:style>
+            <a:lnRef idx="2">
+              <a:schemeClr val="accent2">
+                <a:shade val="15000"/>
+              </a:schemeClr>
+            </a:lnRef>
+            <a:fillRef idx="1">
+              <a:schemeClr val="accent2"/>
+            </a:fillRef>
+            <a:effectRef idx="0">
+              <a:schemeClr val="accent2"/>
+            </a:effectRef>
+            <a:fontRef idx="minor">
+              <a:schemeClr val="lt1"/>
+            </a:fontRef>
+          </p:style>
+          <p:txBody>
+            <a:bodyPr rtlCol="0" anchor="ctr"/>
+            <a:lstStyle/>
+            <a:p>
+              <a:pPr marL="0" marR="0" lvl="0" indent="0" algn="ctr" defTabSz="914400" rtl="0" eaLnBrk="1" fontAlgn="auto" latinLnBrk="0" hangingPunct="1">
+                <a:lnSpc>
+                  <a:spcPct val="100000"/>
+                </a:lnSpc>
+                <a:spcBef>
+                  <a:spcPts val="0"/>
+                </a:spcBef>
+                <a:spcAft>
+                  <a:spcPts val="0"/>
+                </a:spcAft>
+                <a:buClrTx/>
+                <a:buSzTx/>
+                <a:buFontTx/>
+                <a:buNone/>
+                <a:tabLst/>
+                <a:defRPr/>
+              </a:pPr>
+              <a:endParaRPr kumimoji="0" lang="de-DE" sz="1800" b="0" i="0" u="none" strike="noStrike" kern="1200" cap="none" spc="0" normalizeH="0" baseline="0" noProof="0">
+                <a:ln>
+                  <a:noFill/>
+                </a:ln>
+                <a:solidFill>
+                  <a:prstClr val="white"/>
+                </a:solidFill>
+                <a:effectLst/>
+                <a:uLnTx/>
+                <a:uFillTx/>
+                <a:latin typeface="Aptos" panose="02110004020202020204"/>
+                <a:ea typeface="+mn-ea"/>
+                <a:cs typeface="+mn-cs"/>
+              </a:endParaRPr>
+            </a:p>
+          </p:txBody>
+        </p:sp>
+        <p:sp>
+          <p:nvSpPr>
+            <p:cNvPr id="5" name="Rechteck 4">
+              <a:extLst>
+                <a:ext uri="{FF2B5EF4-FFF2-40B4-BE49-F238E27FC236}">
+                  <a16:creationId xmlns:a16="http://schemas.microsoft.com/office/drawing/2014/main" id="{A3D2FA6C-EE52-0804-D247-2CBF77AB40E6}"/>
+                </a:ext>
+              </a:extLst>
+            </p:cNvPr>
+            <p:cNvSpPr/>
+            <p:nvPr/>
+          </p:nvSpPr>
+          <p:spPr>
+            <a:xfrm rot="19991788">
+              <a:off x="7001774" y="535344"/>
+              <a:ext cx="3795622" cy="785003"/>
+            </a:xfrm>
+            <a:prstGeom prst="rect">
+              <a:avLst/>
+            </a:prstGeom>
+          </p:spPr>
+          <p:style>
+            <a:lnRef idx="2">
+              <a:schemeClr val="accent1">
+                <a:shade val="15000"/>
+              </a:schemeClr>
+            </a:lnRef>
+            <a:fillRef idx="1">
+              <a:schemeClr val="accent1"/>
+            </a:fillRef>
+            <a:effectRef idx="0">
+              <a:schemeClr val="accent1"/>
+            </a:effectRef>
+            <a:fontRef idx="minor">
+              <a:schemeClr val="lt1"/>
+            </a:fontRef>
+          </p:style>
+          <p:txBody>
+            <a:bodyPr rtlCol="0" anchor="ctr"/>
+            <a:lstStyle/>
+            <a:p>
+              <a:pPr marL="0" marR="0" lvl="0" indent="0" algn="ctr" defTabSz="914400" rtl="0" eaLnBrk="1" fontAlgn="auto" latinLnBrk="0" hangingPunct="1">
+                <a:lnSpc>
+                  <a:spcPct val="100000"/>
+                </a:lnSpc>
+                <a:spcBef>
+                  <a:spcPts val="0"/>
+                </a:spcBef>
+                <a:spcAft>
+                  <a:spcPts val="0"/>
+                </a:spcAft>
+                <a:buClrTx/>
+                <a:buSzTx/>
+                <a:buFontTx/>
+                <a:buNone/>
+                <a:tabLst/>
+                <a:defRPr/>
+              </a:pPr>
+              <a:endParaRPr kumimoji="0" lang="de-DE" sz="1800" b="0" i="0" u="none" strike="noStrike" kern="1200" cap="none" spc="0" normalizeH="0" baseline="0" noProof="0" dirty="0">
+                <a:ln>
+                  <a:noFill/>
+                </a:ln>
+                <a:solidFill>
+                  <a:prstClr val="white"/>
+                </a:solidFill>
+                <a:effectLst/>
+                <a:uLnTx/>
+                <a:uFillTx/>
+                <a:latin typeface="Aptos" panose="02110004020202020204"/>
+                <a:ea typeface="+mn-ea"/>
+                <a:cs typeface="+mn-cs"/>
+              </a:endParaRPr>
+            </a:p>
+          </p:txBody>
+        </p:sp>
+        <p:sp>
+          <p:nvSpPr>
+            <p:cNvPr id="6" name="Rechteck 5">
+              <a:extLst>
+                <a:ext uri="{FF2B5EF4-FFF2-40B4-BE49-F238E27FC236}">
+                  <a16:creationId xmlns:a16="http://schemas.microsoft.com/office/drawing/2014/main" id="{197050F4-F3C5-6E29-BBC4-B56567053578}"/>
+                </a:ext>
+              </a:extLst>
+            </p:cNvPr>
+            <p:cNvSpPr/>
+            <p:nvPr/>
+          </p:nvSpPr>
+          <p:spPr>
+            <a:xfrm rot="4656869">
+              <a:off x="4542288" y="5026008"/>
+              <a:ext cx="3795622" cy="785003"/>
+            </a:xfrm>
+            <a:prstGeom prst="rect">
+              <a:avLst/>
+            </a:prstGeom>
+          </p:spPr>
+          <p:style>
+            <a:lnRef idx="2">
+              <a:schemeClr val="accent1">
+                <a:shade val="15000"/>
+              </a:schemeClr>
+            </a:lnRef>
+            <a:fillRef idx="1">
+              <a:schemeClr val="accent1"/>
+            </a:fillRef>
+            <a:effectRef idx="0">
+              <a:schemeClr val="accent1"/>
+            </a:effectRef>
+            <a:fontRef idx="minor">
+              <a:schemeClr val="lt1"/>
+            </a:fontRef>
+          </p:style>
+          <p:txBody>
+            <a:bodyPr rtlCol="0" anchor="ctr"/>
+            <a:lstStyle/>
+            <a:p>
+              <a:pPr marL="0" marR="0" lvl="0" indent="0" algn="ctr" defTabSz="914400" rtl="0" eaLnBrk="1" fontAlgn="auto" latinLnBrk="0" hangingPunct="1">
+                <a:lnSpc>
+                  <a:spcPct val="100000"/>
+                </a:lnSpc>
+                <a:spcBef>
+                  <a:spcPts val="0"/>
+                </a:spcBef>
+                <a:spcAft>
+                  <a:spcPts val="0"/>
+                </a:spcAft>
+                <a:buClrTx/>
+                <a:buSzTx/>
+                <a:buFontTx/>
+                <a:buNone/>
+                <a:tabLst/>
+                <a:defRPr/>
+              </a:pPr>
+              <a:endParaRPr kumimoji="0" lang="de-DE" sz="1800" b="0" i="0" u="none" strike="noStrike" kern="1200" cap="none" spc="0" normalizeH="0" baseline="0" noProof="0">
+                <a:ln>
+                  <a:noFill/>
+                </a:ln>
+                <a:solidFill>
+                  <a:prstClr val="white"/>
+                </a:solidFill>
+                <a:effectLst/>
+                <a:uLnTx/>
+                <a:uFillTx/>
+                <a:latin typeface="Aptos" panose="02110004020202020204"/>
+                <a:ea typeface="+mn-ea"/>
+                <a:cs typeface="+mn-cs"/>
+              </a:endParaRPr>
+            </a:p>
+          </p:txBody>
+        </p:sp>
+        <p:sp>
+          <p:nvSpPr>
+            <p:cNvPr id="7" name="Rechteck 6">
+              <a:extLst>
+                <a:ext uri="{FF2B5EF4-FFF2-40B4-BE49-F238E27FC236}">
+                  <a16:creationId xmlns:a16="http://schemas.microsoft.com/office/drawing/2014/main" id="{A7FB1C28-C2C0-321E-5F02-136B537EE792}"/>
+                </a:ext>
+              </a:extLst>
+            </p:cNvPr>
+            <p:cNvSpPr/>
+            <p:nvPr/>
+          </p:nvSpPr>
+          <p:spPr>
+            <a:xfrm rot="812659">
+              <a:off x="7205852" y="2921575"/>
+              <a:ext cx="3795622" cy="785003"/>
+            </a:xfrm>
+            <a:prstGeom prst="rect">
+              <a:avLst/>
+            </a:prstGeom>
+          </p:spPr>
+          <p:style>
+            <a:lnRef idx="2">
+              <a:schemeClr val="accent1">
+                <a:shade val="15000"/>
+              </a:schemeClr>
+            </a:lnRef>
+            <a:fillRef idx="1">
+              <a:schemeClr val="accent1"/>
+            </a:fillRef>
+            <a:effectRef idx="0">
+              <a:schemeClr val="accent1"/>
+            </a:effectRef>
+            <a:fontRef idx="minor">
+              <a:schemeClr val="lt1"/>
+            </a:fontRef>
+          </p:style>
+          <p:txBody>
+            <a:bodyPr rtlCol="0" anchor="ctr"/>
+            <a:lstStyle/>
+            <a:p>
+              <a:pPr marL="0" marR="0" lvl="0" indent="0" algn="ctr" defTabSz="914400" rtl="0" eaLnBrk="1" fontAlgn="auto" latinLnBrk="0" hangingPunct="1">
+                <a:lnSpc>
+                  <a:spcPct val="100000"/>
+                </a:lnSpc>
+                <a:spcBef>
+                  <a:spcPts val="0"/>
+                </a:spcBef>
+                <a:spcAft>
+                  <a:spcPts val="0"/>
+                </a:spcAft>
+                <a:buClrTx/>
+                <a:buSzTx/>
+                <a:buFontTx/>
+                <a:buNone/>
+                <a:tabLst/>
+                <a:defRPr/>
+              </a:pPr>
+              <a:endParaRPr kumimoji="0" lang="de-DE" sz="1800" b="0" i="0" u="none" strike="noStrike" kern="1200" cap="none" spc="0" normalizeH="0" baseline="0" noProof="0">
+                <a:ln>
+                  <a:noFill/>
+                </a:ln>
+                <a:solidFill>
+                  <a:prstClr val="white"/>
+                </a:solidFill>
+                <a:effectLst/>
+                <a:uLnTx/>
+                <a:uFillTx/>
+                <a:latin typeface="Aptos" panose="02110004020202020204"/>
+                <a:ea typeface="+mn-ea"/>
+                <a:cs typeface="+mn-cs"/>
+              </a:endParaRPr>
+            </a:p>
+          </p:txBody>
+        </p:sp>
+        <p:cxnSp>
+          <p:nvCxnSpPr>
+            <p:cNvPr id="9" name="Gerade Verbindung mit Pfeil 8">
+              <a:extLst>
+                <a:ext uri="{FF2B5EF4-FFF2-40B4-BE49-F238E27FC236}">
+                  <a16:creationId xmlns:a16="http://schemas.microsoft.com/office/drawing/2014/main" id="{D81CCDD3-464D-B28F-4891-0FDF0C035812}"/>
+                </a:ext>
+              </a:extLst>
+            </p:cNvPr>
+            <p:cNvCxnSpPr>
+              <a:stCxn id="4" idx="1"/>
+            </p:cNvCxnSpPr>
+            <p:nvPr/>
+          </p:nvCxnSpPr>
+          <p:spPr>
+            <a:xfrm flipV="1">
+              <a:off x="500332" y="2488720"/>
+              <a:ext cx="11378242" cy="1"/>
+            </a:xfrm>
+            <a:prstGeom prst="straightConnector1">
+              <a:avLst/>
+            </a:prstGeom>
+            <a:ln>
+              <a:tailEnd type="triangle"/>
+            </a:ln>
+          </p:spPr>
+          <p:style>
+            <a:lnRef idx="2">
+              <a:schemeClr val="accent1"/>
+            </a:lnRef>
+            <a:fillRef idx="0">
+              <a:schemeClr val="accent1"/>
+            </a:fillRef>
+            <a:effectRef idx="1">
+              <a:schemeClr val="accent1"/>
+            </a:effectRef>
+            <a:fontRef idx="minor">
+              <a:schemeClr val="tx1"/>
+            </a:fontRef>
+          </p:style>
+        </p:cxnSp>
+        <p:cxnSp>
+          <p:nvCxnSpPr>
+            <p:cNvPr id="10" name="Gerade Verbindung mit Pfeil 9">
+              <a:extLst>
+                <a:ext uri="{FF2B5EF4-FFF2-40B4-BE49-F238E27FC236}">
+                  <a16:creationId xmlns:a16="http://schemas.microsoft.com/office/drawing/2014/main" id="{34B8739E-4920-8FD1-F04A-234D1C2848EB}"/>
+                </a:ext>
+              </a:extLst>
+            </p:cNvPr>
+            <p:cNvCxnSpPr>
+              <a:cxnSpLocks/>
+              <a:endCxn id="5" idx="3"/>
+            </p:cNvCxnSpPr>
+            <p:nvPr/>
+          </p:nvCxnSpPr>
+          <p:spPr>
+            <a:xfrm flipV="1">
+              <a:off x="2840710" y="72061"/>
+              <a:ext cx="7752782" cy="3904717"/>
+            </a:xfrm>
+            <a:prstGeom prst="straightConnector1">
+              <a:avLst/>
+            </a:prstGeom>
+            <a:ln>
+              <a:tailEnd type="triangle"/>
+            </a:ln>
+          </p:spPr>
+          <p:style>
+            <a:lnRef idx="2">
+              <a:schemeClr val="accent2"/>
+            </a:lnRef>
+            <a:fillRef idx="0">
+              <a:schemeClr val="accent2"/>
+            </a:fillRef>
+            <a:effectRef idx="1">
+              <a:schemeClr val="accent2"/>
+            </a:effectRef>
+            <a:fontRef idx="minor">
+              <a:schemeClr val="tx1"/>
+            </a:fontRef>
+          </p:style>
+        </p:cxnSp>
+        <p:cxnSp>
+          <p:nvCxnSpPr>
+            <p:cNvPr id="13" name="Gerade Verbindung mit Pfeil 12">
+              <a:extLst>
+                <a:ext uri="{FF2B5EF4-FFF2-40B4-BE49-F238E27FC236}">
+                  <a16:creationId xmlns:a16="http://schemas.microsoft.com/office/drawing/2014/main" id="{3455A3E2-A8AE-736C-89E7-BBACFD166F3F}"/>
+                </a:ext>
+              </a:extLst>
+            </p:cNvPr>
+            <p:cNvCxnSpPr>
+              <a:cxnSpLocks/>
+              <a:endCxn id="7" idx="3"/>
+            </p:cNvCxnSpPr>
+            <p:nvPr/>
+          </p:nvCxnSpPr>
+          <p:spPr>
+            <a:xfrm>
+              <a:off x="2669631" y="1706270"/>
+              <a:ext cx="8279063" cy="2052269"/>
+            </a:xfrm>
+            <a:prstGeom prst="straightConnector1">
+              <a:avLst/>
+            </a:prstGeom>
+            <a:ln>
+              <a:tailEnd type="triangle"/>
+            </a:ln>
+          </p:spPr>
+          <p:style>
+            <a:lnRef idx="2">
+              <a:schemeClr val="accent2"/>
+            </a:lnRef>
+            <a:fillRef idx="0">
+              <a:schemeClr val="accent2"/>
+            </a:fillRef>
+            <a:effectRef idx="1">
+              <a:schemeClr val="accent2"/>
+            </a:effectRef>
+            <a:fontRef idx="minor">
+              <a:schemeClr val="tx1"/>
+            </a:fontRef>
+          </p:style>
+        </p:cxnSp>
+        <p:cxnSp>
+          <p:nvCxnSpPr>
+            <p:cNvPr id="16" name="Gerade Verbindung mit Pfeil 15">
+              <a:extLst>
+                <a:ext uri="{FF2B5EF4-FFF2-40B4-BE49-F238E27FC236}">
+                  <a16:creationId xmlns:a16="http://schemas.microsoft.com/office/drawing/2014/main" id="{1519C54D-B273-F8BD-F7A1-FF336B8BF68C}"/>
+                </a:ext>
+              </a:extLst>
+            </p:cNvPr>
+            <p:cNvCxnSpPr>
+              <a:cxnSpLocks/>
+              <a:endCxn id="6" idx="3"/>
+            </p:cNvCxnSpPr>
+            <p:nvPr/>
+          </p:nvCxnSpPr>
+          <p:spPr>
+            <a:xfrm>
+              <a:off x="5255782" y="42428"/>
+              <a:ext cx="1591375" cy="7229724"/>
+            </a:xfrm>
+            <a:prstGeom prst="straightConnector1">
+              <a:avLst/>
+            </a:prstGeom>
+            <a:ln>
+              <a:tailEnd type="triangle"/>
+            </a:ln>
+          </p:spPr>
+          <p:style>
+            <a:lnRef idx="2">
+              <a:schemeClr val="accent2"/>
+            </a:lnRef>
+            <a:fillRef idx="0">
+              <a:schemeClr val="accent2"/>
+            </a:fillRef>
+            <a:effectRef idx="1">
+              <a:schemeClr val="accent2"/>
+            </a:effectRef>
+            <a:fontRef idx="minor">
+              <a:schemeClr val="tx1"/>
+            </a:fontRef>
+          </p:style>
+        </p:cxnSp>
+        <p:sp>
+          <p:nvSpPr>
+            <p:cNvPr id="19" name="Textfeld 18">
+              <a:extLst>
+                <a:ext uri="{FF2B5EF4-FFF2-40B4-BE49-F238E27FC236}">
+                  <a16:creationId xmlns:a16="http://schemas.microsoft.com/office/drawing/2014/main" id="{B4DD3D2C-6E82-42EB-FD47-ECB1DFF680BC}"/>
+                </a:ext>
+              </a:extLst>
+            </p:cNvPr>
+            <p:cNvSpPr txBox="1"/>
+            <p:nvPr/>
+          </p:nvSpPr>
+          <p:spPr>
+            <a:xfrm>
+              <a:off x="4482612" y="2421223"/>
+              <a:ext cx="556563" cy="369332"/>
+            </a:xfrm>
+            <a:prstGeom prst="rect">
+              <a:avLst/>
+            </a:prstGeom>
+            <a:noFill/>
+          </p:spPr>
+          <p:txBody>
+            <a:bodyPr wrap="none" rtlCol="0">
+              <a:spAutoFit/>
+            </a:bodyPr>
+            <a:lstStyle/>
+            <a:p>
+              <a:pPr marL="0" marR="0" lvl="0" indent="0" algn="l" defTabSz="914400" rtl="0" eaLnBrk="1" fontAlgn="auto" latinLnBrk="0" hangingPunct="1">
+                <a:lnSpc>
+                  <a:spcPct val="100000"/>
+                </a:lnSpc>
+                <a:spcBef>
+                  <a:spcPts val="0"/>
+                </a:spcBef>
+                <a:spcAft>
+                  <a:spcPts val="0"/>
+                </a:spcAft>
+                <a:buClrTx/>
+                <a:buSzTx/>
+                <a:buFontTx/>
+                <a:buNone/>
+                <a:tabLst/>
+                <a:defRPr/>
+              </a:pPr>
+              <a:r>
+                <a:rPr kumimoji="0" lang="de-DE" sz="1800" b="0" i="1" u="none" strike="noStrike" kern="1200" cap="none" spc="0" normalizeH="0" baseline="0" noProof="0" dirty="0">
+                  <a:ln>
+                    <a:noFill/>
+                  </a:ln>
+                  <a:solidFill>
+                    <a:prstClr val="black"/>
+                  </a:solidFill>
+                  <a:effectLst/>
+                  <a:uLnTx/>
+                  <a:uFillTx/>
+                  <a:latin typeface="Aptos" panose="02110004020202020204"/>
+                  <a:ea typeface="+mn-ea"/>
+                  <a:cs typeface="+mn-cs"/>
+                </a:rPr>
+                <a:t>X</a:t>
+              </a:r>
+              <a:r>
+                <a:rPr kumimoji="0" lang="de-DE" sz="1800" b="0" i="0" u="none" strike="noStrike" kern="1200" cap="none" spc="0" normalizeH="0" baseline="0" noProof="0" dirty="0">
+                  <a:ln>
+                    <a:noFill/>
+                  </a:ln>
+                  <a:solidFill>
+                    <a:prstClr val="black"/>
+                  </a:solidFill>
+                  <a:effectLst/>
+                  <a:uLnTx/>
+                  <a:uFillTx/>
+                  <a:latin typeface="Aptos" panose="02110004020202020204"/>
+                  <a:ea typeface="+mn-ea"/>
+                  <a:cs typeface="+mn-cs"/>
+                </a:rPr>
+                <a:t> m</a:t>
+              </a:r>
+            </a:p>
+          </p:txBody>
+        </p:sp>
+        <p:sp>
+          <p:nvSpPr>
+            <p:cNvPr id="22" name="Textfeld 21">
+              <a:extLst>
+                <a:ext uri="{FF2B5EF4-FFF2-40B4-BE49-F238E27FC236}">
+                  <a16:creationId xmlns:a16="http://schemas.microsoft.com/office/drawing/2014/main" id="{12F7DA1B-E0F2-DED8-297C-E833976264A5}"/>
+                </a:ext>
+              </a:extLst>
+            </p:cNvPr>
+            <p:cNvSpPr txBox="1"/>
+            <p:nvPr/>
+          </p:nvSpPr>
+          <p:spPr>
+            <a:xfrm>
+              <a:off x="6160538" y="1696002"/>
+              <a:ext cx="556563" cy="369332"/>
+            </a:xfrm>
+            <a:prstGeom prst="rect">
+              <a:avLst/>
+            </a:prstGeom>
+            <a:noFill/>
+          </p:spPr>
+          <p:txBody>
+            <a:bodyPr wrap="none" rtlCol="0">
+              <a:spAutoFit/>
+            </a:bodyPr>
+            <a:lstStyle/>
+            <a:p>
+              <a:pPr marL="0" marR="0" lvl="0" indent="0" algn="l" defTabSz="914400" rtl="0" eaLnBrk="1" fontAlgn="auto" latinLnBrk="0" hangingPunct="1">
+                <a:lnSpc>
+                  <a:spcPct val="100000"/>
+                </a:lnSpc>
+                <a:spcBef>
+                  <a:spcPts val="0"/>
+                </a:spcBef>
+                <a:spcAft>
+                  <a:spcPts val="0"/>
+                </a:spcAft>
+                <a:buClrTx/>
+                <a:buSzTx/>
+                <a:buFontTx/>
+                <a:buNone/>
+                <a:tabLst/>
+                <a:defRPr/>
+              </a:pPr>
+              <a:r>
+                <a:rPr kumimoji="0" lang="de-DE" sz="1800" b="0" i="1" u="none" strike="noStrike" kern="1200" cap="none" spc="0" normalizeH="0" baseline="0" noProof="0" dirty="0">
+                  <a:ln>
+                    <a:noFill/>
+                  </a:ln>
+                  <a:solidFill>
+                    <a:prstClr val="black"/>
+                  </a:solidFill>
+                  <a:effectLst/>
+                  <a:uLnTx/>
+                  <a:uFillTx/>
+                  <a:latin typeface="Aptos" panose="02110004020202020204"/>
+                  <a:ea typeface="+mn-ea"/>
+                  <a:cs typeface="+mn-cs"/>
+                </a:rPr>
+                <a:t>X</a:t>
+              </a:r>
+              <a:r>
+                <a:rPr kumimoji="0" lang="de-DE" sz="1800" b="0" i="0" u="none" strike="noStrike" kern="1200" cap="none" spc="0" normalizeH="0" baseline="0" noProof="0" dirty="0">
+                  <a:ln>
+                    <a:noFill/>
+                  </a:ln>
+                  <a:solidFill>
+                    <a:prstClr val="black"/>
+                  </a:solidFill>
+                  <a:effectLst/>
+                  <a:uLnTx/>
+                  <a:uFillTx/>
+                  <a:latin typeface="Aptos" panose="02110004020202020204"/>
+                  <a:ea typeface="+mn-ea"/>
+                  <a:cs typeface="+mn-cs"/>
+                </a:rPr>
+                <a:t> m</a:t>
+              </a:r>
+            </a:p>
+          </p:txBody>
+        </p:sp>
+        <p:sp>
+          <p:nvSpPr>
+            <p:cNvPr id="23" name="Textfeld 22">
+              <a:extLst>
+                <a:ext uri="{FF2B5EF4-FFF2-40B4-BE49-F238E27FC236}">
+                  <a16:creationId xmlns:a16="http://schemas.microsoft.com/office/drawing/2014/main" id="{8B5D1958-7564-B59E-6525-2D6B3DD53BDE}"/>
+                </a:ext>
+              </a:extLst>
+            </p:cNvPr>
+            <p:cNvSpPr txBox="1"/>
+            <p:nvPr/>
+          </p:nvSpPr>
+          <p:spPr>
+            <a:xfrm>
+              <a:off x="6254944" y="2654386"/>
+              <a:ext cx="556563" cy="369332"/>
+            </a:xfrm>
+            <a:prstGeom prst="rect">
+              <a:avLst/>
+            </a:prstGeom>
+            <a:noFill/>
+          </p:spPr>
+          <p:txBody>
+            <a:bodyPr wrap="none" rtlCol="0">
+              <a:spAutoFit/>
+            </a:bodyPr>
+            <a:lstStyle/>
+            <a:p>
+              <a:pPr marL="0" marR="0" lvl="0" indent="0" algn="l" defTabSz="914400" rtl="0" eaLnBrk="1" fontAlgn="auto" latinLnBrk="0" hangingPunct="1">
+                <a:lnSpc>
+                  <a:spcPct val="100000"/>
+                </a:lnSpc>
+                <a:spcBef>
+                  <a:spcPts val="0"/>
+                </a:spcBef>
+                <a:spcAft>
+                  <a:spcPts val="0"/>
+                </a:spcAft>
+                <a:buClrTx/>
+                <a:buSzTx/>
+                <a:buFontTx/>
+                <a:buNone/>
+                <a:tabLst/>
+                <a:defRPr/>
+              </a:pPr>
+              <a:r>
+                <a:rPr kumimoji="0" lang="de-DE" sz="1800" b="0" i="1" u="none" strike="noStrike" kern="1200" cap="none" spc="0" normalizeH="0" baseline="0" noProof="0" dirty="0">
+                  <a:ln>
+                    <a:noFill/>
+                  </a:ln>
+                  <a:solidFill>
+                    <a:prstClr val="black"/>
+                  </a:solidFill>
+                  <a:effectLst/>
+                  <a:uLnTx/>
+                  <a:uFillTx/>
+                  <a:latin typeface="Aptos" panose="02110004020202020204"/>
+                  <a:ea typeface="+mn-ea"/>
+                  <a:cs typeface="+mn-cs"/>
+                </a:rPr>
+                <a:t>X</a:t>
+              </a:r>
+              <a:r>
+                <a:rPr kumimoji="0" lang="de-DE" sz="1800" b="0" i="0" u="none" strike="noStrike" kern="1200" cap="none" spc="0" normalizeH="0" baseline="0" noProof="0" dirty="0">
+                  <a:ln>
+                    <a:noFill/>
+                  </a:ln>
+                  <a:solidFill>
+                    <a:prstClr val="black"/>
+                  </a:solidFill>
+                  <a:effectLst/>
+                  <a:uLnTx/>
+                  <a:uFillTx/>
+                  <a:latin typeface="Aptos" panose="02110004020202020204"/>
+                  <a:ea typeface="+mn-ea"/>
+                  <a:cs typeface="+mn-cs"/>
+                </a:rPr>
+                <a:t> m</a:t>
+              </a:r>
+            </a:p>
+          </p:txBody>
+        </p:sp>
+        <p:sp>
+          <p:nvSpPr>
+            <p:cNvPr id="24" name="Textfeld 23">
+              <a:extLst>
+                <a:ext uri="{FF2B5EF4-FFF2-40B4-BE49-F238E27FC236}">
+                  <a16:creationId xmlns:a16="http://schemas.microsoft.com/office/drawing/2014/main" id="{DBED2557-F8DE-FE67-0CD8-381B5D8CFA9B}"/>
+                </a:ext>
+              </a:extLst>
+            </p:cNvPr>
+            <p:cNvSpPr txBox="1"/>
+            <p:nvPr/>
+          </p:nvSpPr>
+          <p:spPr>
+            <a:xfrm>
+              <a:off x="5334277" y="2860528"/>
+              <a:ext cx="556563" cy="369332"/>
+            </a:xfrm>
+            <a:prstGeom prst="rect">
+              <a:avLst/>
+            </a:prstGeom>
+            <a:noFill/>
+          </p:spPr>
+          <p:txBody>
+            <a:bodyPr wrap="none" rtlCol="0">
+              <a:spAutoFit/>
+            </a:bodyPr>
+            <a:lstStyle/>
+            <a:p>
+              <a:pPr marL="0" marR="0" lvl="0" indent="0" algn="l" defTabSz="914400" rtl="0" eaLnBrk="1" fontAlgn="auto" latinLnBrk="0" hangingPunct="1">
+                <a:lnSpc>
+                  <a:spcPct val="100000"/>
+                </a:lnSpc>
+                <a:spcBef>
+                  <a:spcPts val="0"/>
+                </a:spcBef>
+                <a:spcAft>
+                  <a:spcPts val="0"/>
+                </a:spcAft>
+                <a:buClrTx/>
+                <a:buSzTx/>
+                <a:buFontTx/>
+                <a:buNone/>
+                <a:tabLst/>
+                <a:defRPr/>
+              </a:pPr>
+              <a:r>
+                <a:rPr kumimoji="0" lang="de-DE" sz="1800" b="0" i="1" u="none" strike="noStrike" kern="1200" cap="none" spc="0" normalizeH="0" baseline="0" noProof="0" dirty="0">
+                  <a:ln>
+                    <a:noFill/>
+                  </a:ln>
+                  <a:solidFill>
+                    <a:prstClr val="black"/>
+                  </a:solidFill>
+                  <a:effectLst/>
+                  <a:uLnTx/>
+                  <a:uFillTx/>
+                  <a:latin typeface="Aptos" panose="02110004020202020204"/>
+                  <a:ea typeface="+mn-ea"/>
+                  <a:cs typeface="+mn-cs"/>
+                </a:rPr>
+                <a:t>X</a:t>
+              </a:r>
+              <a:r>
+                <a:rPr kumimoji="0" lang="de-DE" sz="1800" b="0" i="0" u="none" strike="noStrike" kern="1200" cap="none" spc="0" normalizeH="0" baseline="0" noProof="0" dirty="0">
+                  <a:ln>
+                    <a:noFill/>
+                  </a:ln>
+                  <a:solidFill>
+                    <a:prstClr val="black"/>
+                  </a:solidFill>
+                  <a:effectLst/>
+                  <a:uLnTx/>
+                  <a:uFillTx/>
+                  <a:latin typeface="Aptos" panose="02110004020202020204"/>
+                  <a:ea typeface="+mn-ea"/>
+                  <a:cs typeface="+mn-cs"/>
+                </a:rPr>
+                <a:t> m</a:t>
+              </a:r>
+            </a:p>
+          </p:txBody>
+        </p:sp>
+      </p:grpSp>
+    </p:spTree>
+    <p:extLst>
+      <p:ext uri="{BB962C8B-B14F-4D97-AF65-F5344CB8AC3E}">
+        <p14:creationId xmlns:p14="http://schemas.microsoft.com/office/powerpoint/2010/main" val="4218284555"/>
+      </p:ext>
+    </p:extLst>
+  </p:cSld>
+  <p:clrMapOvr>
+    <a:masterClrMapping/>
+  </p:clrMapOvr>
+</p:sld>
+</file>
+
+<file path=ppt/slides/slide14.xml><?xml version="1.0" encoding="utf-8"?>
+<p:sld xmlns:a="http://schemas.openxmlformats.org/drawingml/2006/main" xmlns:r="http://schemas.openxmlformats.org/officeDocument/2006/relationships" xmlns:p="http://schemas.openxmlformats.org/presentationml/2006/main">
+  <p:cSld>
+    <p:spTree>
+      <p:nvGrpSpPr>
+        <p:cNvPr id="1" name=""/>
+        <p:cNvGrpSpPr/>
+        <p:nvPr/>
+      </p:nvGrpSpPr>
+      <p:grpSpPr>
+        <a:xfrm>
+          <a:off x="0" y="0"/>
+          <a:ext cx="0" cy="0"/>
+          <a:chOff x="0" y="0"/>
+          <a:chExt cx="0" cy="0"/>
+        </a:xfrm>
+      </p:grpSpPr>
+      <p:sp>
+        <p:nvSpPr>
+          <p:cNvPr id="4" name="Rechteck 3">
+            <a:extLst>
+              <a:ext uri="{FF2B5EF4-FFF2-40B4-BE49-F238E27FC236}">
+                <a16:creationId xmlns:a16="http://schemas.microsoft.com/office/drawing/2014/main" id="{088EF1E8-950B-4198-36A1-0851F70C77FF}"/>
+              </a:ext>
+            </a:extLst>
+          </p:cNvPr>
+          <p:cNvSpPr/>
+          <p:nvPr/>
+        </p:nvSpPr>
+        <p:spPr>
+          <a:xfrm rot="708255">
+            <a:off x="824080" y="1345815"/>
+            <a:ext cx="3795622" cy="785003"/>
+          </a:xfrm>
+          <a:prstGeom prst="rect">
+            <a:avLst/>
+          </a:prstGeom>
+        </p:spPr>
+        <p:style>
+          <a:lnRef idx="2">
+            <a:schemeClr val="accent2">
+              <a:shade val="15000"/>
+            </a:schemeClr>
+          </a:lnRef>
+          <a:fillRef idx="1">
+            <a:schemeClr val="accent2"/>
+          </a:fillRef>
+          <a:effectRef idx="0">
+            <a:schemeClr val="accent2"/>
+          </a:effectRef>
+          <a:fontRef idx="minor">
+            <a:schemeClr val="lt1"/>
+          </a:fontRef>
+        </p:style>
+        <p:txBody>
+          <a:bodyPr rtlCol="0" anchor="ctr"/>
+          <a:lstStyle/>
+          <a:p>
+            <a:pPr marL="0" marR="0" lvl="0" indent="0" algn="ctr" defTabSz="914400" rtl="0" eaLnBrk="1" fontAlgn="auto" latinLnBrk="0" hangingPunct="1">
+              <a:lnSpc>
+                <a:spcPct val="100000"/>
+              </a:lnSpc>
+              <a:spcBef>
+                <a:spcPts val="0"/>
+              </a:spcBef>
+              <a:spcAft>
+                <a:spcPts val="0"/>
+              </a:spcAft>
+              <a:buClrTx/>
+              <a:buSzTx/>
+              <a:buFontTx/>
+              <a:buNone/>
+              <a:tabLst/>
+              <a:defRPr/>
+            </a:pPr>
+            <a:endParaRPr kumimoji="0" lang="de-DE" sz="1800" b="0" i="0" u="none" strike="noStrike" kern="1200" cap="none" spc="0" normalizeH="0" baseline="0" noProof="0">
+              <a:ln>
+                <a:noFill/>
+              </a:ln>
+              <a:solidFill>
+                <a:prstClr val="white"/>
+              </a:solidFill>
+              <a:effectLst/>
+              <a:uLnTx/>
+              <a:uFillTx/>
+              <a:latin typeface="Aptos" panose="02110004020202020204"/>
+              <a:ea typeface="+mn-ea"/>
+              <a:cs typeface="+mn-cs"/>
+            </a:endParaRPr>
+          </a:p>
+        </p:txBody>
+      </p:sp>
+      <p:sp>
+        <p:nvSpPr>
+          <p:cNvPr id="5" name="Rechteck 4">
+            <a:extLst>
+              <a:ext uri="{FF2B5EF4-FFF2-40B4-BE49-F238E27FC236}">
+                <a16:creationId xmlns:a16="http://schemas.microsoft.com/office/drawing/2014/main" id="{A3D2FA6C-EE52-0804-D247-2CBF77AB40E6}"/>
+              </a:ext>
+            </a:extLst>
+          </p:cNvPr>
+          <p:cNvSpPr/>
+          <p:nvPr/>
+        </p:nvSpPr>
+        <p:spPr>
+          <a:xfrm rot="10800000">
+            <a:off x="4741455" y="875434"/>
+            <a:ext cx="784800" cy="785003"/>
+          </a:xfrm>
+          <a:prstGeom prst="rect">
+            <a:avLst/>
+          </a:prstGeom>
+        </p:spPr>
+        <p:style>
+          <a:lnRef idx="2">
+            <a:schemeClr val="accent1">
+              <a:shade val="15000"/>
+            </a:schemeClr>
+          </a:lnRef>
+          <a:fillRef idx="1">
+            <a:schemeClr val="accent1"/>
+          </a:fillRef>
+          <a:effectRef idx="0">
+            <a:schemeClr val="accent1"/>
+          </a:effectRef>
+          <a:fontRef idx="minor">
+            <a:schemeClr val="lt1"/>
+          </a:fontRef>
+        </p:style>
+        <p:txBody>
+          <a:bodyPr rtlCol="0" anchor="ctr"/>
+          <a:lstStyle/>
+          <a:p>
+            <a:pPr marL="0" marR="0" lvl="0" indent="0" algn="ctr" defTabSz="914400" rtl="0" eaLnBrk="1" fontAlgn="auto" latinLnBrk="0" hangingPunct="1">
+              <a:lnSpc>
+                <a:spcPct val="100000"/>
+              </a:lnSpc>
+              <a:spcBef>
+                <a:spcPts val="0"/>
+              </a:spcBef>
+              <a:spcAft>
+                <a:spcPts val="0"/>
+              </a:spcAft>
+              <a:buClrTx/>
+              <a:buSzTx/>
+              <a:buFontTx/>
+              <a:buNone/>
+              <a:tabLst/>
+              <a:defRPr/>
+            </a:pPr>
+            <a:endParaRPr kumimoji="0" lang="de-DE" sz="1800" b="0" i="0" u="none" strike="noStrike" kern="1200" cap="none" spc="0" normalizeH="0" baseline="0" noProof="0" dirty="0">
+              <a:ln>
+                <a:noFill/>
+              </a:ln>
+              <a:solidFill>
+                <a:prstClr val="white"/>
+              </a:solidFill>
+              <a:effectLst/>
+              <a:uLnTx/>
+              <a:uFillTx/>
+              <a:latin typeface="Aptos" panose="02110004020202020204"/>
+              <a:ea typeface="+mn-ea"/>
+              <a:cs typeface="+mn-cs"/>
+            </a:endParaRPr>
+          </a:p>
+        </p:txBody>
+      </p:sp>
+      <p:sp>
+        <p:nvSpPr>
+          <p:cNvPr id="3" name="Rechteck 2">
+            <a:extLst>
+              <a:ext uri="{FF2B5EF4-FFF2-40B4-BE49-F238E27FC236}">
+                <a16:creationId xmlns:a16="http://schemas.microsoft.com/office/drawing/2014/main" id="{A02BB0DD-AA1C-7980-9687-8D2F796DE0D8}"/>
+              </a:ext>
+            </a:extLst>
+          </p:cNvPr>
+          <p:cNvSpPr/>
+          <p:nvPr/>
+        </p:nvSpPr>
+        <p:spPr>
+          <a:xfrm rot="16200000">
+            <a:off x="5595778" y="-13471"/>
+            <a:ext cx="784800" cy="785003"/>
+          </a:xfrm>
+          <a:prstGeom prst="rect">
+            <a:avLst/>
+          </a:prstGeom>
+        </p:spPr>
+        <p:style>
+          <a:lnRef idx="2">
+            <a:schemeClr val="accent1">
+              <a:shade val="15000"/>
+            </a:schemeClr>
+          </a:lnRef>
+          <a:fillRef idx="1">
+            <a:schemeClr val="accent1"/>
+          </a:fillRef>
+          <a:effectRef idx="0">
+            <a:schemeClr val="accent1"/>
+          </a:effectRef>
+          <a:fontRef idx="minor">
+            <a:schemeClr val="lt1"/>
+          </a:fontRef>
+        </p:style>
+        <p:txBody>
+          <a:bodyPr rtlCol="0" anchor="ctr"/>
+          <a:lstStyle/>
+          <a:p>
+            <a:pPr marL="0" marR="0" lvl="0" indent="0" algn="ctr" defTabSz="914400" rtl="0" eaLnBrk="1" fontAlgn="auto" latinLnBrk="0" hangingPunct="1">
+              <a:lnSpc>
+                <a:spcPct val="100000"/>
+              </a:lnSpc>
+              <a:spcBef>
+                <a:spcPts val="0"/>
+              </a:spcBef>
+              <a:spcAft>
+                <a:spcPts val="0"/>
+              </a:spcAft>
+              <a:buClrTx/>
+              <a:buSzTx/>
+              <a:buFontTx/>
+              <a:buNone/>
+              <a:tabLst/>
+              <a:defRPr/>
+            </a:pPr>
+            <a:endParaRPr kumimoji="0" lang="de-DE" sz="1800" b="0" i="0" u="none" strike="noStrike" kern="1200" cap="none" spc="0" normalizeH="0" baseline="0" noProof="0" dirty="0">
+              <a:ln>
+                <a:noFill/>
+              </a:ln>
+              <a:solidFill>
+                <a:prstClr val="white"/>
+              </a:solidFill>
+              <a:effectLst/>
+              <a:uLnTx/>
+              <a:uFillTx/>
+              <a:latin typeface="Aptos" panose="02110004020202020204"/>
+              <a:ea typeface="+mn-ea"/>
+              <a:cs typeface="+mn-cs"/>
+            </a:endParaRPr>
+          </a:p>
+        </p:txBody>
+      </p:sp>
+      <p:sp>
+        <p:nvSpPr>
+          <p:cNvPr id="8" name="Rechteck 7">
+            <a:extLst>
+              <a:ext uri="{FF2B5EF4-FFF2-40B4-BE49-F238E27FC236}">
+                <a16:creationId xmlns:a16="http://schemas.microsoft.com/office/drawing/2014/main" id="{470D6011-3A9D-D3B9-75B6-0805369E3F8F}"/>
+              </a:ext>
+            </a:extLst>
+          </p:cNvPr>
+          <p:cNvSpPr/>
+          <p:nvPr/>
+        </p:nvSpPr>
+        <p:spPr>
+          <a:xfrm>
+            <a:off x="6490761" y="866173"/>
+            <a:ext cx="784800" cy="1307684"/>
+          </a:xfrm>
+          <a:prstGeom prst="rect">
+            <a:avLst/>
+          </a:prstGeom>
+        </p:spPr>
+        <p:style>
+          <a:lnRef idx="2">
+            <a:schemeClr val="accent1">
+              <a:shade val="15000"/>
+            </a:schemeClr>
+          </a:lnRef>
+          <a:fillRef idx="1">
+            <a:schemeClr val="accent1"/>
+          </a:fillRef>
+          <a:effectRef idx="0">
+            <a:schemeClr val="accent1"/>
+          </a:effectRef>
+          <a:fontRef idx="minor">
+            <a:schemeClr val="lt1"/>
+          </a:fontRef>
+        </p:style>
+        <p:txBody>
+          <a:bodyPr rtlCol="0" anchor="ctr"/>
+          <a:lstStyle/>
+          <a:p>
+            <a:pPr marL="0" marR="0" lvl="0" indent="0" algn="ctr" defTabSz="914400" rtl="0" eaLnBrk="1" fontAlgn="auto" latinLnBrk="0" hangingPunct="1">
+              <a:lnSpc>
+                <a:spcPct val="100000"/>
+              </a:lnSpc>
+              <a:spcBef>
+                <a:spcPts val="0"/>
+              </a:spcBef>
+              <a:spcAft>
+                <a:spcPts val="0"/>
+              </a:spcAft>
+              <a:buClrTx/>
+              <a:buSzTx/>
+              <a:buFontTx/>
+              <a:buNone/>
+              <a:tabLst/>
+              <a:defRPr/>
+            </a:pPr>
+            <a:endParaRPr kumimoji="0" lang="de-DE" sz="1800" b="0" i="0" u="none" strike="noStrike" kern="1200" cap="none" spc="0" normalizeH="0" baseline="0" noProof="0" dirty="0">
+              <a:ln>
+                <a:noFill/>
+              </a:ln>
+              <a:solidFill>
+                <a:prstClr val="white"/>
+              </a:solidFill>
+              <a:effectLst/>
+              <a:uLnTx/>
+              <a:uFillTx/>
+              <a:latin typeface="Aptos" panose="02110004020202020204"/>
+              <a:ea typeface="+mn-ea"/>
+              <a:cs typeface="+mn-cs"/>
+            </a:endParaRPr>
+          </a:p>
+        </p:txBody>
+      </p:sp>
+      <p:sp>
+        <p:nvSpPr>
+          <p:cNvPr id="11" name="Rechteck 10">
+            <a:extLst>
+              <a:ext uri="{FF2B5EF4-FFF2-40B4-BE49-F238E27FC236}">
+                <a16:creationId xmlns:a16="http://schemas.microsoft.com/office/drawing/2014/main" id="{3D1C6101-EE9E-F7EC-5FEC-C5969C507E13}"/>
+              </a:ext>
+            </a:extLst>
+          </p:cNvPr>
+          <p:cNvSpPr/>
+          <p:nvPr/>
+        </p:nvSpPr>
+        <p:spPr>
+          <a:xfrm rot="1520914">
+            <a:off x="7218951" y="3525456"/>
+            <a:ext cx="3795622" cy="785003"/>
+          </a:xfrm>
+          <a:prstGeom prst="rect">
+            <a:avLst/>
+          </a:prstGeom>
+        </p:spPr>
+        <p:style>
+          <a:lnRef idx="2">
+            <a:schemeClr val="accent1">
+              <a:shade val="15000"/>
+            </a:schemeClr>
+          </a:lnRef>
+          <a:fillRef idx="1">
+            <a:schemeClr val="accent1"/>
+          </a:fillRef>
+          <a:effectRef idx="0">
+            <a:schemeClr val="accent1"/>
+          </a:effectRef>
+          <a:fontRef idx="minor">
+            <a:schemeClr val="lt1"/>
+          </a:fontRef>
+        </p:style>
+        <p:txBody>
+          <a:bodyPr rtlCol="0" anchor="ctr"/>
+          <a:lstStyle/>
+          <a:p>
+            <a:pPr marL="0" marR="0" lvl="0" indent="0" algn="ctr" defTabSz="914400" rtl="0" eaLnBrk="1" fontAlgn="auto" latinLnBrk="0" hangingPunct="1">
+              <a:lnSpc>
+                <a:spcPct val="100000"/>
+              </a:lnSpc>
+              <a:spcBef>
+                <a:spcPts val="0"/>
+              </a:spcBef>
+              <a:spcAft>
+                <a:spcPts val="0"/>
+              </a:spcAft>
+              <a:buClrTx/>
+              <a:buSzTx/>
+              <a:buFontTx/>
+              <a:buNone/>
+              <a:tabLst/>
+              <a:defRPr/>
+            </a:pPr>
+            <a:endParaRPr kumimoji="0" lang="de-DE" sz="1800" b="0" i="0" u="none" strike="noStrike" kern="1200" cap="none" spc="0" normalizeH="0" baseline="0" noProof="0">
+              <a:ln>
+                <a:noFill/>
+              </a:ln>
+              <a:solidFill>
+                <a:prstClr val="white"/>
+              </a:solidFill>
+              <a:effectLst/>
+              <a:uLnTx/>
+              <a:uFillTx/>
+              <a:latin typeface="Aptos" panose="02110004020202020204"/>
+              <a:ea typeface="+mn-ea"/>
+              <a:cs typeface="+mn-cs"/>
+            </a:endParaRPr>
+          </a:p>
+        </p:txBody>
+      </p:sp>
+      <p:cxnSp>
+        <p:nvCxnSpPr>
+          <p:cNvPr id="12" name="Gerade Verbindung mit Pfeil 11">
+            <a:extLst>
+              <a:ext uri="{FF2B5EF4-FFF2-40B4-BE49-F238E27FC236}">
+                <a16:creationId xmlns:a16="http://schemas.microsoft.com/office/drawing/2014/main" id="{D3F41988-CC70-38B1-54F6-F1C5D30DF36C}"/>
+              </a:ext>
+            </a:extLst>
+          </p:cNvPr>
+          <p:cNvCxnSpPr>
+            <a:cxnSpLocks/>
+            <a:endCxn id="11" idx="3"/>
+          </p:cNvCxnSpPr>
+          <p:nvPr/>
+        </p:nvCxnSpPr>
+        <p:spPr>
+          <a:xfrm>
+            <a:off x="5900468" y="2389517"/>
+            <a:ext cx="4931383" cy="2340939"/>
+          </a:xfrm>
+          <a:prstGeom prst="straightConnector1">
+            <a:avLst/>
+          </a:prstGeom>
+          <a:ln>
+            <a:tailEnd type="triangle"/>
+          </a:ln>
+        </p:spPr>
+        <p:style>
+          <a:lnRef idx="2">
+            <a:schemeClr val="accent2"/>
+          </a:lnRef>
+          <a:fillRef idx="0">
+            <a:schemeClr val="accent2"/>
+          </a:fillRef>
+          <a:effectRef idx="1">
+            <a:schemeClr val="accent2"/>
+          </a:effectRef>
+          <a:fontRef idx="minor">
+            <a:schemeClr val="tx1"/>
+          </a:fontRef>
+        </p:style>
+      </p:cxnSp>
+      <p:cxnSp>
+        <p:nvCxnSpPr>
+          <p:cNvPr id="14" name="Gerade Verbindung mit Pfeil 13">
+            <a:extLst>
+              <a:ext uri="{FF2B5EF4-FFF2-40B4-BE49-F238E27FC236}">
+                <a16:creationId xmlns:a16="http://schemas.microsoft.com/office/drawing/2014/main" id="{7A9A13B2-9281-7855-1EB7-80AA4ECCC0AD}"/>
+              </a:ext>
+            </a:extLst>
+          </p:cNvPr>
+          <p:cNvCxnSpPr>
+            <a:cxnSpLocks/>
+          </p:cNvCxnSpPr>
+          <p:nvPr/>
+        </p:nvCxnSpPr>
+        <p:spPr>
+          <a:xfrm>
+            <a:off x="864214" y="1350085"/>
+            <a:ext cx="5036254" cy="1039431"/>
+          </a:xfrm>
+          <a:prstGeom prst="straightConnector1">
+            <a:avLst/>
+          </a:prstGeom>
+          <a:ln>
+            <a:tailEnd type="triangle"/>
+          </a:ln>
+        </p:spPr>
+        <p:style>
+          <a:lnRef idx="2">
+            <a:schemeClr val="accent1"/>
+          </a:lnRef>
+          <a:fillRef idx="0">
+            <a:schemeClr val="accent1"/>
+          </a:fillRef>
+          <a:effectRef idx="1">
+            <a:schemeClr val="accent1"/>
+          </a:effectRef>
+          <a:fontRef idx="minor">
+            <a:schemeClr val="tx1"/>
+          </a:fontRef>
+        </p:style>
+      </p:cxnSp>
+      <p:sp>
+        <p:nvSpPr>
+          <p:cNvPr id="25" name="Freihandform: Form 24">
+            <a:extLst>
+              <a:ext uri="{FF2B5EF4-FFF2-40B4-BE49-F238E27FC236}">
+                <a16:creationId xmlns:a16="http://schemas.microsoft.com/office/drawing/2014/main" id="{575E0765-65B4-F1B3-B2A5-803E4913D817}"/>
+              </a:ext>
+            </a:extLst>
+          </p:cNvPr>
+          <p:cNvSpPr/>
+          <p:nvPr/>
+        </p:nvSpPr>
+        <p:spPr>
+          <a:xfrm>
+            <a:off x="4597879" y="373068"/>
+            <a:ext cx="2984740" cy="2787888"/>
+          </a:xfrm>
+          <a:custGeom>
+            <a:avLst/>
+            <a:gdLst>
+              <a:gd name="connsiteX0" fmla="*/ 0 w 2984740"/>
+              <a:gd name="connsiteY0" fmla="*/ 1740404 h 2787888"/>
+              <a:gd name="connsiteX1" fmla="*/ 43132 w 2984740"/>
+              <a:gd name="connsiteY1" fmla="*/ 1723151 h 2787888"/>
+              <a:gd name="connsiteX2" fmla="*/ 129396 w 2984740"/>
+              <a:gd name="connsiteY2" fmla="*/ 1714524 h 2787888"/>
+              <a:gd name="connsiteX3" fmla="*/ 198408 w 2984740"/>
+              <a:gd name="connsiteY3" fmla="*/ 1705898 h 2787888"/>
+              <a:gd name="connsiteX4" fmla="*/ 319178 w 2984740"/>
+              <a:gd name="connsiteY4" fmla="*/ 1636887 h 2787888"/>
+              <a:gd name="connsiteX5" fmla="*/ 379563 w 2984740"/>
+              <a:gd name="connsiteY5" fmla="*/ 1585128 h 2787888"/>
+              <a:gd name="connsiteX6" fmla="*/ 483079 w 2984740"/>
+              <a:gd name="connsiteY6" fmla="*/ 1395347 h 2787888"/>
+              <a:gd name="connsiteX7" fmla="*/ 517585 w 2984740"/>
+              <a:gd name="connsiteY7" fmla="*/ 1343589 h 2787888"/>
+              <a:gd name="connsiteX8" fmla="*/ 552091 w 2984740"/>
+              <a:gd name="connsiteY8" fmla="*/ 1291830 h 2787888"/>
+              <a:gd name="connsiteX9" fmla="*/ 595223 w 2984740"/>
+              <a:gd name="connsiteY9" fmla="*/ 1171060 h 2787888"/>
+              <a:gd name="connsiteX10" fmla="*/ 733246 w 2984740"/>
+              <a:gd name="connsiteY10" fmla="*/ 869136 h 2787888"/>
+              <a:gd name="connsiteX11" fmla="*/ 785004 w 2984740"/>
+              <a:gd name="connsiteY11" fmla="*/ 774245 h 2787888"/>
+              <a:gd name="connsiteX12" fmla="*/ 828136 w 2984740"/>
+              <a:gd name="connsiteY12" fmla="*/ 696607 h 2787888"/>
+              <a:gd name="connsiteX13" fmla="*/ 871268 w 2984740"/>
+              <a:gd name="connsiteY13" fmla="*/ 636223 h 2787888"/>
+              <a:gd name="connsiteX14" fmla="*/ 897147 w 2984740"/>
+              <a:gd name="connsiteY14" fmla="*/ 575838 h 2787888"/>
+              <a:gd name="connsiteX15" fmla="*/ 957532 w 2984740"/>
+              <a:gd name="connsiteY15" fmla="*/ 498200 h 2787888"/>
+              <a:gd name="connsiteX16" fmla="*/ 1026544 w 2984740"/>
+              <a:gd name="connsiteY16" fmla="*/ 411936 h 2787888"/>
+              <a:gd name="connsiteX17" fmla="*/ 1069676 w 2984740"/>
+              <a:gd name="connsiteY17" fmla="*/ 360177 h 2787888"/>
+              <a:gd name="connsiteX18" fmla="*/ 1095555 w 2984740"/>
+              <a:gd name="connsiteY18" fmla="*/ 317045 h 2787888"/>
+              <a:gd name="connsiteX19" fmla="*/ 1138687 w 2984740"/>
+              <a:gd name="connsiteY19" fmla="*/ 282540 h 2787888"/>
+              <a:gd name="connsiteX20" fmla="*/ 1319842 w 2984740"/>
+              <a:gd name="connsiteY20" fmla="*/ 92758 h 2787888"/>
+              <a:gd name="connsiteX21" fmla="*/ 1380227 w 2984740"/>
+              <a:gd name="connsiteY21" fmla="*/ 58253 h 2787888"/>
+              <a:gd name="connsiteX22" fmla="*/ 1431985 w 2984740"/>
+              <a:gd name="connsiteY22" fmla="*/ 32374 h 2787888"/>
+              <a:gd name="connsiteX23" fmla="*/ 1570008 w 2984740"/>
+              <a:gd name="connsiteY23" fmla="*/ 23747 h 2787888"/>
+              <a:gd name="connsiteX24" fmla="*/ 2044461 w 2984740"/>
+              <a:gd name="connsiteY24" fmla="*/ 75506 h 2787888"/>
+              <a:gd name="connsiteX25" fmla="*/ 2078966 w 2984740"/>
+              <a:gd name="connsiteY25" fmla="*/ 127264 h 2787888"/>
+              <a:gd name="connsiteX26" fmla="*/ 2104846 w 2984740"/>
+              <a:gd name="connsiteY26" fmla="*/ 187649 h 2787888"/>
+              <a:gd name="connsiteX27" fmla="*/ 2130725 w 2984740"/>
+              <a:gd name="connsiteY27" fmla="*/ 377430 h 2787888"/>
+              <a:gd name="connsiteX28" fmla="*/ 2147978 w 2984740"/>
+              <a:gd name="connsiteY28" fmla="*/ 498200 h 2787888"/>
+              <a:gd name="connsiteX29" fmla="*/ 2156604 w 2984740"/>
+              <a:gd name="connsiteY29" fmla="*/ 653475 h 2787888"/>
+              <a:gd name="connsiteX30" fmla="*/ 2165230 w 2984740"/>
+              <a:gd name="connsiteY30" fmla="*/ 731113 h 2787888"/>
+              <a:gd name="connsiteX31" fmla="*/ 2173857 w 2984740"/>
+              <a:gd name="connsiteY31" fmla="*/ 1033038 h 2787888"/>
+              <a:gd name="connsiteX32" fmla="*/ 2165230 w 2984740"/>
+              <a:gd name="connsiteY32" fmla="*/ 1205566 h 2787888"/>
+              <a:gd name="connsiteX33" fmla="*/ 2130725 w 2984740"/>
+              <a:gd name="connsiteY33" fmla="*/ 1343589 h 2787888"/>
+              <a:gd name="connsiteX34" fmla="*/ 2139351 w 2984740"/>
+              <a:gd name="connsiteY34" fmla="*/ 1999196 h 2787888"/>
+              <a:gd name="connsiteX35" fmla="*/ 2182483 w 2984740"/>
+              <a:gd name="connsiteY35" fmla="*/ 2102713 h 2787888"/>
+              <a:gd name="connsiteX36" fmla="*/ 2251495 w 2984740"/>
+              <a:gd name="connsiteY36" fmla="*/ 2309747 h 2787888"/>
+              <a:gd name="connsiteX37" fmla="*/ 2277374 w 2984740"/>
+              <a:gd name="connsiteY37" fmla="*/ 2387385 h 2787888"/>
+              <a:gd name="connsiteX38" fmla="*/ 2303253 w 2984740"/>
+              <a:gd name="connsiteY38" fmla="*/ 2473649 h 2787888"/>
+              <a:gd name="connsiteX39" fmla="*/ 2355012 w 2984740"/>
+              <a:gd name="connsiteY39" fmla="*/ 2594419 h 2787888"/>
+              <a:gd name="connsiteX40" fmla="*/ 2389517 w 2984740"/>
+              <a:gd name="connsiteY40" fmla="*/ 2628924 h 2787888"/>
+              <a:gd name="connsiteX41" fmla="*/ 2493034 w 2984740"/>
+              <a:gd name="connsiteY41" fmla="*/ 2732441 h 2787888"/>
+              <a:gd name="connsiteX42" fmla="*/ 2544793 w 2984740"/>
+              <a:gd name="connsiteY42" fmla="*/ 2766947 h 2787888"/>
+              <a:gd name="connsiteX43" fmla="*/ 2984740 w 2984740"/>
+              <a:gd name="connsiteY43" fmla="*/ 2775574 h 2787888"/>
+            </a:gdLst>
+            <a:ahLst/>
+            <a:cxnLst>
+              <a:cxn ang="0">
+                <a:pos x="connsiteX0" y="connsiteY0"/>
+              </a:cxn>
+              <a:cxn ang="0">
+                <a:pos x="connsiteX1" y="connsiteY1"/>
+              </a:cxn>
+              <a:cxn ang="0">
+                <a:pos x="connsiteX2" y="connsiteY2"/>
+              </a:cxn>
+              <a:cxn ang="0">
+                <a:pos x="connsiteX3" y="connsiteY3"/>
+              </a:cxn>
+              <a:cxn ang="0">
+                <a:pos x="connsiteX4" y="connsiteY4"/>
+              </a:cxn>
+              <a:cxn ang="0">
+                <a:pos x="connsiteX5" y="connsiteY5"/>
+              </a:cxn>
+              <a:cxn ang="0">
+                <a:pos x="connsiteX6" y="connsiteY6"/>
+              </a:cxn>
+              <a:cxn ang="0">
+                <a:pos x="connsiteX7" y="connsiteY7"/>
+              </a:cxn>
+              <a:cxn ang="0">
+                <a:pos x="connsiteX8" y="connsiteY8"/>
+              </a:cxn>
+              <a:cxn ang="0">
+                <a:pos x="connsiteX9" y="connsiteY9"/>
+              </a:cxn>
+              <a:cxn ang="0">
+                <a:pos x="connsiteX10" y="connsiteY10"/>
+              </a:cxn>
+              <a:cxn ang="0">
+                <a:pos x="connsiteX11" y="connsiteY11"/>
+              </a:cxn>
+              <a:cxn ang="0">
+                <a:pos x="connsiteX12" y="connsiteY12"/>
+              </a:cxn>
+              <a:cxn ang="0">
+                <a:pos x="connsiteX13" y="connsiteY13"/>
+              </a:cxn>
+              <a:cxn ang="0">
+                <a:pos x="connsiteX14" y="connsiteY14"/>
+              </a:cxn>
+              <a:cxn ang="0">
+                <a:pos x="connsiteX15" y="connsiteY15"/>
+              </a:cxn>
+              <a:cxn ang="0">
+                <a:pos x="connsiteX16" y="connsiteY16"/>
+              </a:cxn>
+              <a:cxn ang="0">
+                <a:pos x="connsiteX17" y="connsiteY17"/>
+              </a:cxn>
+              <a:cxn ang="0">
+                <a:pos x="connsiteX18" y="connsiteY18"/>
+              </a:cxn>
+              <a:cxn ang="0">
+                <a:pos x="connsiteX19" y="connsiteY19"/>
+              </a:cxn>
+              <a:cxn ang="0">
+                <a:pos x="connsiteX20" y="connsiteY20"/>
+              </a:cxn>
+              <a:cxn ang="0">
+                <a:pos x="connsiteX21" y="connsiteY21"/>
+              </a:cxn>
+              <a:cxn ang="0">
+                <a:pos x="connsiteX22" y="connsiteY22"/>
+              </a:cxn>
+              <a:cxn ang="0">
+                <a:pos x="connsiteX23" y="connsiteY23"/>
+              </a:cxn>
+              <a:cxn ang="0">
+                <a:pos x="connsiteX24" y="connsiteY24"/>
+              </a:cxn>
+              <a:cxn ang="0">
+                <a:pos x="connsiteX25" y="connsiteY25"/>
+              </a:cxn>
+              <a:cxn ang="0">
+                <a:pos x="connsiteX26" y="connsiteY26"/>
+              </a:cxn>
+              <a:cxn ang="0">
+                <a:pos x="connsiteX27" y="connsiteY27"/>
+              </a:cxn>
+              <a:cxn ang="0">
+                <a:pos x="connsiteX28" y="connsiteY28"/>
+              </a:cxn>
+              <a:cxn ang="0">
+                <a:pos x="connsiteX29" y="connsiteY29"/>
+              </a:cxn>
+              <a:cxn ang="0">
+                <a:pos x="connsiteX30" y="connsiteY30"/>
+              </a:cxn>
+              <a:cxn ang="0">
+                <a:pos x="connsiteX31" y="connsiteY31"/>
+              </a:cxn>
+              <a:cxn ang="0">
+                <a:pos x="connsiteX32" y="connsiteY32"/>
+              </a:cxn>
+              <a:cxn ang="0">
+                <a:pos x="connsiteX33" y="connsiteY33"/>
+              </a:cxn>
+              <a:cxn ang="0">
+                <a:pos x="connsiteX34" y="connsiteY34"/>
+              </a:cxn>
+              <a:cxn ang="0">
+                <a:pos x="connsiteX35" y="connsiteY35"/>
+              </a:cxn>
+              <a:cxn ang="0">
+                <a:pos x="connsiteX36" y="connsiteY36"/>
+              </a:cxn>
+              <a:cxn ang="0">
+                <a:pos x="connsiteX37" y="connsiteY37"/>
+              </a:cxn>
+              <a:cxn ang="0">
+                <a:pos x="connsiteX38" y="connsiteY38"/>
+              </a:cxn>
+              <a:cxn ang="0">
+                <a:pos x="connsiteX39" y="connsiteY39"/>
+              </a:cxn>
+              <a:cxn ang="0">
+                <a:pos x="connsiteX40" y="connsiteY40"/>
+              </a:cxn>
+              <a:cxn ang="0">
+                <a:pos x="connsiteX41" y="connsiteY41"/>
+              </a:cxn>
+              <a:cxn ang="0">
+                <a:pos x="connsiteX42" y="connsiteY42"/>
+              </a:cxn>
+              <a:cxn ang="0">
+                <a:pos x="connsiteX43" y="connsiteY43"/>
+              </a:cxn>
+            </a:cxnLst>
+            <a:rect l="l" t="t" r="r" b="b"/>
+            <a:pathLst>
+              <a:path w="2984740" h="2787888">
+                <a:moveTo>
+                  <a:pt x="0" y="1740404"/>
+                </a:moveTo>
+                <a:cubicBezTo>
+                  <a:pt x="14377" y="1734653"/>
+                  <a:pt x="27948" y="1726188"/>
+                  <a:pt x="43132" y="1723151"/>
+                </a:cubicBezTo>
+                <a:cubicBezTo>
+                  <a:pt x="71469" y="1717483"/>
+                  <a:pt x="100675" y="1717715"/>
+                  <a:pt x="129396" y="1714524"/>
+                </a:cubicBezTo>
+                <a:cubicBezTo>
+                  <a:pt x="152437" y="1711964"/>
+                  <a:pt x="175404" y="1708773"/>
+                  <a:pt x="198408" y="1705898"/>
+                </a:cubicBezTo>
+                <a:cubicBezTo>
+                  <a:pt x="246244" y="1681980"/>
+                  <a:pt x="273447" y="1670423"/>
+                  <a:pt x="319178" y="1636887"/>
+                </a:cubicBezTo>
+                <a:cubicBezTo>
+                  <a:pt x="340556" y="1621210"/>
+                  <a:pt x="359435" y="1602381"/>
+                  <a:pt x="379563" y="1585128"/>
+                </a:cubicBezTo>
+                <a:cubicBezTo>
+                  <a:pt x="428512" y="1474991"/>
+                  <a:pt x="404467" y="1519815"/>
+                  <a:pt x="483079" y="1395347"/>
+                </a:cubicBezTo>
+                <a:cubicBezTo>
+                  <a:pt x="494152" y="1377816"/>
+                  <a:pt x="506083" y="1360842"/>
+                  <a:pt x="517585" y="1343589"/>
+                </a:cubicBezTo>
+                <a:lnTo>
+                  <a:pt x="552091" y="1291830"/>
+                </a:lnTo>
+                <a:cubicBezTo>
+                  <a:pt x="581496" y="1174211"/>
+                  <a:pt x="552660" y="1268347"/>
+                  <a:pt x="595223" y="1171060"/>
+                </a:cubicBezTo>
+                <a:cubicBezTo>
+                  <a:pt x="694185" y="944861"/>
+                  <a:pt x="526621" y="1282388"/>
+                  <a:pt x="733246" y="869136"/>
+                </a:cubicBezTo>
+                <a:cubicBezTo>
+                  <a:pt x="749359" y="836910"/>
+                  <a:pt x="767641" y="805815"/>
+                  <a:pt x="785004" y="774245"/>
+                </a:cubicBezTo>
+                <a:cubicBezTo>
+                  <a:pt x="799271" y="748305"/>
+                  <a:pt x="810928" y="720697"/>
+                  <a:pt x="828136" y="696607"/>
+                </a:cubicBezTo>
+                <a:cubicBezTo>
+                  <a:pt x="842513" y="676479"/>
+                  <a:pt x="858996" y="657699"/>
+                  <a:pt x="871268" y="636223"/>
+                </a:cubicBezTo>
+                <a:cubicBezTo>
+                  <a:pt x="882133" y="617209"/>
+                  <a:pt x="885541" y="594408"/>
+                  <a:pt x="897147" y="575838"/>
+                </a:cubicBezTo>
+                <a:cubicBezTo>
+                  <a:pt x="914523" y="548036"/>
+                  <a:pt x="937542" y="524187"/>
+                  <a:pt x="957532" y="498200"/>
+                </a:cubicBezTo>
+                <a:cubicBezTo>
+                  <a:pt x="1010002" y="429989"/>
+                  <a:pt x="953721" y="499324"/>
+                  <a:pt x="1026544" y="411936"/>
+                </a:cubicBezTo>
+                <a:cubicBezTo>
+                  <a:pt x="1040921" y="394683"/>
+                  <a:pt x="1058121" y="379435"/>
+                  <a:pt x="1069676" y="360177"/>
+                </a:cubicBezTo>
+                <a:cubicBezTo>
+                  <a:pt x="1078302" y="345800"/>
+                  <a:pt x="1084416" y="329577"/>
+                  <a:pt x="1095555" y="317045"/>
+                </a:cubicBezTo>
+                <a:cubicBezTo>
+                  <a:pt x="1107787" y="303284"/>
+                  <a:pt x="1125668" y="295559"/>
+                  <a:pt x="1138687" y="282540"/>
+                </a:cubicBezTo>
+                <a:cubicBezTo>
+                  <a:pt x="1183705" y="237522"/>
+                  <a:pt x="1273469" y="119257"/>
+                  <a:pt x="1319842" y="92758"/>
+                </a:cubicBezTo>
+                <a:cubicBezTo>
+                  <a:pt x="1339970" y="81256"/>
+                  <a:pt x="1359815" y="69244"/>
+                  <a:pt x="1380227" y="58253"/>
+                </a:cubicBezTo>
+                <a:cubicBezTo>
+                  <a:pt x="1397211" y="49108"/>
+                  <a:pt x="1413007" y="35825"/>
+                  <a:pt x="1431985" y="32374"/>
+                </a:cubicBezTo>
+                <a:cubicBezTo>
+                  <a:pt x="1477339" y="24128"/>
+                  <a:pt x="1524000" y="26623"/>
+                  <a:pt x="1570008" y="23747"/>
+                </a:cubicBezTo>
+                <a:cubicBezTo>
+                  <a:pt x="1768595" y="31535"/>
+                  <a:pt x="1934731" y="-61656"/>
+                  <a:pt x="2044461" y="75506"/>
+                </a:cubicBezTo>
+                <a:cubicBezTo>
+                  <a:pt x="2057414" y="91697"/>
+                  <a:pt x="2069135" y="109007"/>
+                  <a:pt x="2078966" y="127264"/>
+                </a:cubicBezTo>
+                <a:cubicBezTo>
+                  <a:pt x="2089348" y="146545"/>
+                  <a:pt x="2096219" y="167521"/>
+                  <a:pt x="2104846" y="187649"/>
+                </a:cubicBezTo>
+                <a:cubicBezTo>
+                  <a:pt x="2123537" y="299799"/>
+                  <a:pt x="2104827" y="183198"/>
+                  <a:pt x="2130725" y="377430"/>
+                </a:cubicBezTo>
+                <a:cubicBezTo>
+                  <a:pt x="2136100" y="417739"/>
+                  <a:pt x="2142227" y="457943"/>
+                  <a:pt x="2147978" y="498200"/>
+                </a:cubicBezTo>
+                <a:cubicBezTo>
+                  <a:pt x="2150853" y="549958"/>
+                  <a:pt x="2152775" y="601778"/>
+                  <a:pt x="2156604" y="653475"/>
+                </a:cubicBezTo>
+                <a:cubicBezTo>
+                  <a:pt x="2158527" y="679442"/>
+                  <a:pt x="2164048" y="705101"/>
+                  <a:pt x="2165230" y="731113"/>
+                </a:cubicBezTo>
+                <a:cubicBezTo>
+                  <a:pt x="2169802" y="831692"/>
+                  <a:pt x="2170981" y="932396"/>
+                  <a:pt x="2173857" y="1033038"/>
+                </a:cubicBezTo>
+                <a:cubicBezTo>
+                  <a:pt x="2170981" y="1090547"/>
+                  <a:pt x="2171155" y="1148290"/>
+                  <a:pt x="2165230" y="1205566"/>
+                </a:cubicBezTo>
+                <a:cubicBezTo>
+                  <a:pt x="2161695" y="1239736"/>
+                  <a:pt x="2140844" y="1308174"/>
+                  <a:pt x="2130725" y="1343589"/>
+                </a:cubicBezTo>
+                <a:cubicBezTo>
+                  <a:pt x="2133600" y="1562125"/>
+                  <a:pt x="2124484" y="1781148"/>
+                  <a:pt x="2139351" y="1999196"/>
+                </a:cubicBezTo>
+                <a:cubicBezTo>
+                  <a:pt x="2141894" y="2036491"/>
+                  <a:pt x="2169787" y="2067554"/>
+                  <a:pt x="2182483" y="2102713"/>
+                </a:cubicBezTo>
+                <a:cubicBezTo>
+                  <a:pt x="2207190" y="2171133"/>
+                  <a:pt x="2228491" y="2240736"/>
+                  <a:pt x="2251495" y="2309747"/>
+                </a:cubicBezTo>
+                <a:cubicBezTo>
+                  <a:pt x="2260121" y="2335626"/>
+                  <a:pt x="2269535" y="2361256"/>
+                  <a:pt x="2277374" y="2387385"/>
+                </a:cubicBezTo>
+                <a:cubicBezTo>
+                  <a:pt x="2286000" y="2416140"/>
+                  <a:pt x="2294299" y="2444995"/>
+                  <a:pt x="2303253" y="2473649"/>
+                </a:cubicBezTo>
+                <a:cubicBezTo>
+                  <a:pt x="2316784" y="2516949"/>
+                  <a:pt x="2329139" y="2555609"/>
+                  <a:pt x="2355012" y="2594419"/>
+                </a:cubicBezTo>
+                <a:cubicBezTo>
+                  <a:pt x="2364035" y="2607953"/>
+                  <a:pt x="2378806" y="2616683"/>
+                  <a:pt x="2389517" y="2628924"/>
+                </a:cubicBezTo>
+                <a:cubicBezTo>
+                  <a:pt x="2452576" y="2700993"/>
+                  <a:pt x="2365141" y="2630127"/>
+                  <a:pt x="2493034" y="2732441"/>
+                </a:cubicBezTo>
+                <a:cubicBezTo>
+                  <a:pt x="2509226" y="2745394"/>
+                  <a:pt x="2524677" y="2761917"/>
+                  <a:pt x="2544793" y="2766947"/>
+                </a:cubicBezTo>
+                <a:cubicBezTo>
+                  <a:pt x="2710410" y="2808355"/>
+                  <a:pt x="2567442" y="2775574"/>
+                  <a:pt x="2984740" y="2775574"/>
+                </a:cubicBezTo>
+              </a:path>
+            </a:pathLst>
+          </a:custGeom>
+          <a:noFill/>
+        </p:spPr>
+        <p:style>
+          <a:lnRef idx="2">
+            <a:schemeClr val="accent1">
+              <a:shade val="15000"/>
+            </a:schemeClr>
+          </a:lnRef>
+          <a:fillRef idx="1">
+            <a:schemeClr val="accent1"/>
+          </a:fillRef>
+          <a:effectRef idx="0">
+            <a:schemeClr val="accent1"/>
+          </a:effectRef>
+          <a:fontRef idx="minor">
+            <a:schemeClr val="lt1"/>
+          </a:fontRef>
+        </p:style>
+        <p:txBody>
+          <a:bodyPr rtlCol="0" anchor="ctr"/>
+          <a:lstStyle/>
+          <a:p>
+            <a:pPr algn="ctr"/>
+            <a:endParaRPr lang="de-DE"/>
+          </a:p>
+        </p:txBody>
+      </p:sp>
+    </p:spTree>
+    <p:extLst>
+      <p:ext uri="{BB962C8B-B14F-4D97-AF65-F5344CB8AC3E}">
+        <p14:creationId xmlns:p14="http://schemas.microsoft.com/office/powerpoint/2010/main" val="3295357538"/>
       </p:ext>
     </p:extLst>
   </p:cSld>
@@ -26426,6 +31770,321 @@
 </file>
 
 <file path=ppt/theme/theme2.xml><?xml version="1.0" encoding="utf-8"?>
+<a:theme xmlns:a="http://schemas.openxmlformats.org/drawingml/2006/main" name="1_Office">
+  <a:themeElements>
+    <a:clrScheme name="Office">
+      <a:dk1>
+        <a:sysClr val="windowText" lastClr="000000"/>
+      </a:dk1>
+      <a:lt1>
+        <a:sysClr val="window" lastClr="FFFFFF"/>
+      </a:lt1>
+      <a:dk2>
+        <a:srgbClr val="0E2841"/>
+      </a:dk2>
+      <a:lt2>
+        <a:srgbClr val="E8E8E8"/>
+      </a:lt2>
+      <a:accent1>
+        <a:srgbClr val="156082"/>
+      </a:accent1>
+      <a:accent2>
+        <a:srgbClr val="E97132"/>
+      </a:accent2>
+      <a:accent3>
+        <a:srgbClr val="196B24"/>
+      </a:accent3>
+      <a:accent4>
+        <a:srgbClr val="0F9ED5"/>
+      </a:accent4>
+      <a:accent5>
+        <a:srgbClr val="A02B93"/>
+      </a:accent5>
+      <a:accent6>
+        <a:srgbClr val="4EA72E"/>
+      </a:accent6>
+      <a:hlink>
+        <a:srgbClr val="467886"/>
+      </a:hlink>
+      <a:folHlink>
+        <a:srgbClr val="96607D"/>
+      </a:folHlink>
+    </a:clrScheme>
+    <a:fontScheme name="Office">
+      <a:majorFont>
+        <a:latin typeface="Aptos Display" panose="02110004020202020204"/>
+        <a:ea typeface=""/>
+        <a:cs typeface=""/>
+        <a:font script="Jpan" typeface="游ゴシック Light"/>
+        <a:font script="Hang" typeface="맑은 고딕"/>
+        <a:font script="Hans" typeface="等线 Light"/>
+        <a:font script="Hant" typeface="新細明體"/>
+        <a:font script="Arab" typeface="Times New Roman"/>
+        <a:font script="Hebr" typeface="Times New Roman"/>
+        <a:font script="Thai" typeface="Angsana New"/>
+        <a:font script="Ethi" typeface="Nyala"/>
+        <a:font script="Beng" typeface="Vrinda"/>
+        <a:font script="Gujr" typeface="Shruti"/>
+        <a:font script="Khmr" typeface="MoolBoran"/>
+        <a:font script="Knda" typeface="Tunga"/>
+        <a:font script="Guru" typeface="Raavi"/>
+        <a:font script="Cans" typeface="Euphemia"/>
+        <a:font script="Cher" typeface="Plantagenet Cherokee"/>
+        <a:font script="Yiii" typeface="Microsoft Yi Baiti"/>
+        <a:font script="Tibt" typeface="Microsoft Himalaya"/>
+        <a:font script="Thaa" typeface="MV Boli"/>
+        <a:font script="Deva" typeface="Mangal"/>
+        <a:font script="Telu" typeface="Gautami"/>
+        <a:font script="Taml" typeface="Latha"/>
+        <a:font script="Syrc" typeface="Estrangelo Edessa"/>
+        <a:font script="Orya" typeface="Kalinga"/>
+        <a:font script="Mlym" typeface="Kartika"/>
+        <a:font script="Laoo" typeface="DokChampa"/>
+        <a:font script="Sinh" typeface="Iskoola Pota"/>
+        <a:font script="Mong" typeface="Mongolian Baiti"/>
+        <a:font script="Viet" typeface="Times New Roman"/>
+        <a:font script="Uigh" typeface="Microsoft Uighur"/>
+        <a:font script="Geor" typeface="Sylfaen"/>
+        <a:font script="Armn" typeface="Arial"/>
+        <a:font script="Bugi" typeface="Leelawadee UI"/>
+        <a:font script="Bopo" typeface="Microsoft JhengHei"/>
+        <a:font script="Java" typeface="Javanese Text"/>
+        <a:font script="Lisu" typeface="Segoe UI"/>
+        <a:font script="Mymr" typeface="Myanmar Text"/>
+        <a:font script="Nkoo" typeface="Ebrima"/>
+        <a:font script="Olck" typeface="Nirmala UI"/>
+        <a:font script="Osma" typeface="Ebrima"/>
+        <a:font script="Phag" typeface="Phagspa"/>
+        <a:font script="Syrn" typeface="Estrangelo Edessa"/>
+        <a:font script="Syrj" typeface="Estrangelo Edessa"/>
+        <a:font script="Syre" typeface="Estrangelo Edessa"/>
+        <a:font script="Sora" typeface="Nirmala UI"/>
+        <a:font script="Tale" typeface="Microsoft Tai Le"/>
+        <a:font script="Talu" typeface="Microsoft New Tai Lue"/>
+        <a:font script="Tfng" typeface="Ebrima"/>
+      </a:majorFont>
+      <a:minorFont>
+        <a:latin typeface="Aptos" panose="02110004020202020204"/>
+        <a:ea typeface=""/>
+        <a:cs typeface=""/>
+        <a:font script="Jpan" typeface="游ゴシック"/>
+        <a:font script="Hang" typeface="맑은 고딕"/>
+        <a:font script="Hans" typeface="等线"/>
+        <a:font script="Hant" typeface="新細明體"/>
+        <a:font script="Arab" typeface="Arial"/>
+        <a:font script="Hebr" typeface="Arial"/>
+        <a:font script="Thai" typeface="Cordia New"/>
+        <a:font script="Ethi" typeface="Nyala"/>
+        <a:font script="Beng" typeface="Vrinda"/>
+        <a:font script="Gujr" typeface="Shruti"/>
+        <a:font script="Khmr" typeface="DaunPenh"/>
+        <a:font script="Knda" typeface="Tunga"/>
+        <a:font script="Guru" typeface="Raavi"/>
+        <a:font script="Cans" typeface="Euphemia"/>
+        <a:font script="Cher" typeface="Plantagenet Cherokee"/>
+        <a:font script="Yiii" typeface="Microsoft Yi Baiti"/>
+        <a:font script="Tibt" typeface="Microsoft Himalaya"/>
+        <a:font script="Thaa" typeface="MV Boli"/>
+        <a:font script="Deva" typeface="Mangal"/>
+        <a:font script="Telu" typeface="Gautami"/>
+        <a:font script="Taml" typeface="Latha"/>
+        <a:font script="Syrc" typeface="Estrangelo Edessa"/>
+        <a:font script="Orya" typeface="Kalinga"/>
+        <a:font script="Mlym" typeface="Kartika"/>
+        <a:font script="Laoo" typeface="DokChampa"/>
+        <a:font script="Sinh" typeface="Iskoola Pota"/>
+        <a:font script="Mong" typeface="Mongolian Baiti"/>
+        <a:font script="Viet" typeface="Arial"/>
+        <a:font script="Uigh" typeface="Microsoft Uighur"/>
+        <a:font script="Geor" typeface="Sylfaen"/>
+        <a:font script="Armn" typeface="Arial"/>
+        <a:font script="Bugi" typeface="Leelawadee UI"/>
+        <a:font script="Bopo" typeface="Microsoft JhengHei"/>
+        <a:font script="Java" typeface="Javanese Text"/>
+        <a:font script="Lisu" typeface="Segoe UI"/>
+        <a:font script="Mymr" typeface="Myanmar Text"/>
+        <a:font script="Nkoo" typeface="Ebrima"/>
+        <a:font script="Olck" typeface="Nirmala UI"/>
+        <a:font script="Osma" typeface="Ebrima"/>
+        <a:font script="Phag" typeface="Phagspa"/>
+        <a:font script="Syrn" typeface="Estrangelo Edessa"/>
+        <a:font script="Syrj" typeface="Estrangelo Edessa"/>
+        <a:font script="Syre" typeface="Estrangelo Edessa"/>
+        <a:font script="Sora" typeface="Nirmala UI"/>
+        <a:font script="Tale" typeface="Microsoft Tai Le"/>
+        <a:font script="Talu" typeface="Microsoft New Tai Lue"/>
+        <a:font script="Tfng" typeface="Ebrima"/>
+      </a:minorFont>
+    </a:fontScheme>
+    <a:fmtScheme name="Office">
+      <a:fillStyleLst>
+        <a:solidFill>
+          <a:schemeClr val="phClr"/>
+        </a:solidFill>
+        <a:gradFill rotWithShape="1">
+          <a:gsLst>
+            <a:gs pos="0">
+              <a:schemeClr val="phClr">
+                <a:lumMod val="110000"/>
+                <a:satMod val="105000"/>
+                <a:tint val="67000"/>
+              </a:schemeClr>
+            </a:gs>
+            <a:gs pos="50000">
+              <a:schemeClr val="phClr">
+                <a:lumMod val="105000"/>
+                <a:satMod val="103000"/>
+                <a:tint val="73000"/>
+              </a:schemeClr>
+            </a:gs>
+            <a:gs pos="100000">
+              <a:schemeClr val="phClr">
+                <a:lumMod val="105000"/>
+                <a:satMod val="109000"/>
+                <a:tint val="81000"/>
+              </a:schemeClr>
+            </a:gs>
+          </a:gsLst>
+          <a:lin ang="5400000" scaled="0"/>
+        </a:gradFill>
+        <a:gradFill rotWithShape="1">
+          <a:gsLst>
+            <a:gs pos="0">
+              <a:schemeClr val="phClr">
+                <a:satMod val="103000"/>
+                <a:lumMod val="102000"/>
+                <a:tint val="94000"/>
+              </a:schemeClr>
+            </a:gs>
+            <a:gs pos="50000">
+              <a:schemeClr val="phClr">
+                <a:satMod val="110000"/>
+                <a:lumMod val="100000"/>
+                <a:shade val="100000"/>
+              </a:schemeClr>
+            </a:gs>
+            <a:gs pos="100000">
+              <a:schemeClr val="phClr">
+                <a:lumMod val="99000"/>
+                <a:satMod val="120000"/>
+                <a:shade val="78000"/>
+              </a:schemeClr>
+            </a:gs>
+          </a:gsLst>
+          <a:lin ang="5400000" scaled="0"/>
+        </a:gradFill>
+      </a:fillStyleLst>
+      <a:lnStyleLst>
+        <a:ln w="12700" cap="flat" cmpd="sng" algn="ctr">
+          <a:solidFill>
+            <a:schemeClr val="phClr"/>
+          </a:solidFill>
+          <a:prstDash val="solid"/>
+          <a:miter lim="800000"/>
+        </a:ln>
+        <a:ln w="19050" cap="flat" cmpd="sng" algn="ctr">
+          <a:solidFill>
+            <a:schemeClr val="phClr"/>
+          </a:solidFill>
+          <a:prstDash val="solid"/>
+          <a:miter lim="800000"/>
+        </a:ln>
+        <a:ln w="25400" cap="flat" cmpd="sng" algn="ctr">
+          <a:solidFill>
+            <a:schemeClr val="phClr"/>
+          </a:solidFill>
+          <a:prstDash val="solid"/>
+          <a:miter lim="800000"/>
+        </a:ln>
+      </a:lnStyleLst>
+      <a:effectStyleLst>
+        <a:effectStyle>
+          <a:effectLst/>
+        </a:effectStyle>
+        <a:effectStyle>
+          <a:effectLst/>
+        </a:effectStyle>
+        <a:effectStyle>
+          <a:effectLst>
+            <a:outerShdw blurRad="57150" dist="19050" dir="5400000" algn="ctr" rotWithShape="0">
+              <a:srgbClr val="000000">
+                <a:alpha val="63000"/>
+              </a:srgbClr>
+            </a:outerShdw>
+          </a:effectLst>
+        </a:effectStyle>
+      </a:effectStyleLst>
+      <a:bgFillStyleLst>
+        <a:solidFill>
+          <a:schemeClr val="phClr"/>
+        </a:solidFill>
+        <a:solidFill>
+          <a:schemeClr val="phClr">
+            <a:tint val="95000"/>
+            <a:satMod val="170000"/>
+          </a:schemeClr>
+        </a:solidFill>
+        <a:gradFill rotWithShape="1">
+          <a:gsLst>
+            <a:gs pos="0">
+              <a:schemeClr val="phClr">
+                <a:tint val="93000"/>
+                <a:satMod val="150000"/>
+                <a:shade val="98000"/>
+                <a:lumMod val="102000"/>
+              </a:schemeClr>
+            </a:gs>
+            <a:gs pos="50000">
+              <a:schemeClr val="phClr">
+                <a:tint val="98000"/>
+                <a:satMod val="130000"/>
+                <a:shade val="90000"/>
+                <a:lumMod val="103000"/>
+              </a:schemeClr>
+            </a:gs>
+            <a:gs pos="100000">
+              <a:schemeClr val="phClr">
+                <a:shade val="63000"/>
+                <a:satMod val="120000"/>
+              </a:schemeClr>
+            </a:gs>
+          </a:gsLst>
+          <a:lin ang="5400000" scaled="0"/>
+        </a:gradFill>
+      </a:bgFillStyleLst>
+    </a:fmtScheme>
+  </a:themeElements>
+  <a:objectDefaults>
+    <a:lnDef>
+      <a:spPr/>
+      <a:bodyPr/>
+      <a:lstStyle/>
+      <a:style>
+        <a:lnRef idx="2">
+          <a:schemeClr val="accent1"/>
+        </a:lnRef>
+        <a:fillRef idx="0">
+          <a:schemeClr val="accent1"/>
+        </a:fillRef>
+        <a:effectRef idx="1">
+          <a:schemeClr val="accent1"/>
+        </a:effectRef>
+        <a:fontRef idx="minor">
+          <a:schemeClr val="tx1"/>
+        </a:fontRef>
+      </a:style>
+    </a:lnDef>
+  </a:objectDefaults>
+  <a:extraClrSchemeLst/>
+  <a:extLst>
+    <a:ext uri="{05A4C25C-085E-4340-85A3-A5531E510DB2}">
+      <thm15:themeFamily xmlns:thm15="http://schemas.microsoft.com/office/thememl/2012/main" name="Office Theme" id="{2E142A2C-CD16-42D6-873A-C26D2A0506FA}" vid="{1BDDFF52-6CD6-40A5-AB3C-68EB2F1E4D0A}"/>
+    </a:ext>
+  </a:extLst>
+</a:theme>
+</file>
+
+<file path=ppt/theme/theme3.xml><?xml version="1.0" encoding="utf-8"?>
 <a:theme xmlns:a="http://schemas.openxmlformats.org/drawingml/2006/main" name="Office">
   <a:themeElements>
     <a:clrScheme name="Office">

--- a/examples/UrbanTopologies.pptx
+++ b/examples/UrbanTopologies.pptx
@@ -6,7 +6,7 @@
     <p:sldMasterId id="2147483660" r:id="rId2"/>
   </p:sldMasterIdLst>
   <p:notesMasterIdLst>
-    <p:notesMasterId r:id="rId17"/>
+    <p:notesMasterId r:id="rId18"/>
   </p:notesMasterIdLst>
   <p:sldIdLst>
     <p:sldId id="268" r:id="rId3"/>
@@ -23,6 +23,7 @@
     <p:sldId id="258" r:id="rId14"/>
     <p:sldId id="269" r:id="rId15"/>
     <p:sldId id="270" r:id="rId16"/>
+    <p:sldId id="271" r:id="rId17"/>
   </p:sldIdLst>
   <p:sldSz cx="12192000" cy="6858000"/>
   <p:notesSz cx="6858000" cy="9144000"/>
@@ -211,7 +212,7 @@
           <a:p>
             <a:fld id="{6C57E5E1-517F-429D-81ED-272A083D513A}" type="datetimeFigureOut">
               <a:rPr lang="de-DE" smtClean="0"/>
-              <a:t>28.04.2025</a:t>
+              <a:t>12.05.2025</a:t>
             </a:fld>
             <a:endParaRPr lang="de-DE"/>
           </a:p>
@@ -709,7 +710,7 @@
           <a:p>
             <a:fld id="{F3EB2857-2321-4C4D-8D06-77DF79DF910F}" type="datetimeFigureOut">
               <a:rPr lang="de-DE" smtClean="0"/>
-              <a:t>28.04.2025</a:t>
+              <a:t>12.05.2025</a:t>
             </a:fld>
             <a:endParaRPr lang="de-DE"/>
           </a:p>
@@ -907,7 +908,7 @@
           <a:p>
             <a:fld id="{F3EB2857-2321-4C4D-8D06-77DF79DF910F}" type="datetimeFigureOut">
               <a:rPr lang="de-DE" smtClean="0"/>
-              <a:t>28.04.2025</a:t>
+              <a:t>12.05.2025</a:t>
             </a:fld>
             <a:endParaRPr lang="de-DE"/>
           </a:p>
@@ -1115,7 +1116,7 @@
           <a:p>
             <a:fld id="{F3EB2857-2321-4C4D-8D06-77DF79DF910F}" type="datetimeFigureOut">
               <a:rPr lang="de-DE" smtClean="0"/>
-              <a:t>28.04.2025</a:t>
+              <a:t>12.05.2025</a:t>
             </a:fld>
             <a:endParaRPr lang="de-DE"/>
           </a:p>
@@ -1335,7 +1336,7 @@
           <a:p>
             <a:fld id="{93318F87-FAB0-47FE-97DA-44085A772572}" type="datetimeFigureOut">
               <a:rPr lang="de-DE" smtClean="0"/>
-              <a:t>28.04.2025</a:t>
+              <a:t>12.05.2025</a:t>
             </a:fld>
             <a:endParaRPr lang="de-DE"/>
           </a:p>
@@ -1533,7 +1534,7 @@
           <a:p>
             <a:fld id="{93318F87-FAB0-47FE-97DA-44085A772572}" type="datetimeFigureOut">
               <a:rPr lang="de-DE" smtClean="0"/>
-              <a:t>28.04.2025</a:t>
+              <a:t>12.05.2025</a:t>
             </a:fld>
             <a:endParaRPr lang="de-DE"/>
           </a:p>
@@ -1808,7 +1809,7 @@
           <a:p>
             <a:fld id="{93318F87-FAB0-47FE-97DA-44085A772572}" type="datetimeFigureOut">
               <a:rPr lang="de-DE" smtClean="0"/>
-              <a:t>28.04.2025</a:t>
+              <a:t>12.05.2025</a:t>
             </a:fld>
             <a:endParaRPr lang="de-DE"/>
           </a:p>
@@ -2073,7 +2074,7 @@
           <a:p>
             <a:fld id="{93318F87-FAB0-47FE-97DA-44085A772572}" type="datetimeFigureOut">
               <a:rPr lang="de-DE" smtClean="0"/>
-              <a:t>28.04.2025</a:t>
+              <a:t>12.05.2025</a:t>
             </a:fld>
             <a:endParaRPr lang="de-DE"/>
           </a:p>
@@ -2485,7 +2486,7 @@
           <a:p>
             <a:fld id="{93318F87-FAB0-47FE-97DA-44085A772572}" type="datetimeFigureOut">
               <a:rPr lang="de-DE" smtClean="0"/>
-              <a:t>28.04.2025</a:t>
+              <a:t>12.05.2025</a:t>
             </a:fld>
             <a:endParaRPr lang="de-DE"/>
           </a:p>
@@ -2626,7 +2627,7 @@
           <a:p>
             <a:fld id="{93318F87-FAB0-47FE-97DA-44085A772572}" type="datetimeFigureOut">
               <a:rPr lang="de-DE" smtClean="0"/>
-              <a:t>28.04.2025</a:t>
+              <a:t>12.05.2025</a:t>
             </a:fld>
             <a:endParaRPr lang="de-DE"/>
           </a:p>
@@ -2739,7 +2740,7 @@
           <a:p>
             <a:fld id="{93318F87-FAB0-47FE-97DA-44085A772572}" type="datetimeFigureOut">
               <a:rPr lang="de-DE" smtClean="0"/>
-              <a:t>28.04.2025</a:t>
+              <a:t>12.05.2025</a:t>
             </a:fld>
             <a:endParaRPr lang="de-DE"/>
           </a:p>
@@ -3050,7 +3051,7 @@
           <a:p>
             <a:fld id="{93318F87-FAB0-47FE-97DA-44085A772572}" type="datetimeFigureOut">
               <a:rPr lang="de-DE" smtClean="0"/>
-              <a:t>28.04.2025</a:t>
+              <a:t>12.05.2025</a:t>
             </a:fld>
             <a:endParaRPr lang="de-DE"/>
           </a:p>
@@ -3248,7 +3249,7 @@
           <a:p>
             <a:fld id="{F3EB2857-2321-4C4D-8D06-77DF79DF910F}" type="datetimeFigureOut">
               <a:rPr lang="de-DE" smtClean="0"/>
-              <a:t>28.04.2025</a:t>
+              <a:t>12.05.2025</a:t>
             </a:fld>
             <a:endParaRPr lang="de-DE"/>
           </a:p>
@@ -3536,7 +3537,7 @@
           <a:p>
             <a:fld id="{93318F87-FAB0-47FE-97DA-44085A772572}" type="datetimeFigureOut">
               <a:rPr lang="de-DE" smtClean="0"/>
-              <a:t>28.04.2025</a:t>
+              <a:t>12.05.2025</a:t>
             </a:fld>
             <a:endParaRPr lang="de-DE"/>
           </a:p>
@@ -3734,7 +3735,7 @@
           <a:p>
             <a:fld id="{93318F87-FAB0-47FE-97DA-44085A772572}" type="datetimeFigureOut">
               <a:rPr lang="de-DE" smtClean="0"/>
-              <a:t>28.04.2025</a:t>
+              <a:t>12.05.2025</a:t>
             </a:fld>
             <a:endParaRPr lang="de-DE"/>
           </a:p>
@@ -3942,7 +3943,7 @@
           <a:p>
             <a:fld id="{93318F87-FAB0-47FE-97DA-44085A772572}" type="datetimeFigureOut">
               <a:rPr lang="de-DE" smtClean="0"/>
-              <a:t>28.04.2025</a:t>
+              <a:t>12.05.2025</a:t>
             </a:fld>
             <a:endParaRPr lang="de-DE"/>
           </a:p>
@@ -4217,7 +4218,7 @@
           <a:p>
             <a:fld id="{F3EB2857-2321-4C4D-8D06-77DF79DF910F}" type="datetimeFigureOut">
               <a:rPr lang="de-DE" smtClean="0"/>
-              <a:t>28.04.2025</a:t>
+              <a:t>12.05.2025</a:t>
             </a:fld>
             <a:endParaRPr lang="de-DE"/>
           </a:p>
@@ -4482,7 +4483,7 @@
           <a:p>
             <a:fld id="{F3EB2857-2321-4C4D-8D06-77DF79DF910F}" type="datetimeFigureOut">
               <a:rPr lang="de-DE" smtClean="0"/>
-              <a:t>28.04.2025</a:t>
+              <a:t>12.05.2025</a:t>
             </a:fld>
             <a:endParaRPr lang="de-DE"/>
           </a:p>
@@ -4894,7 +4895,7 @@
           <a:p>
             <a:fld id="{F3EB2857-2321-4C4D-8D06-77DF79DF910F}" type="datetimeFigureOut">
               <a:rPr lang="de-DE" smtClean="0"/>
-              <a:t>28.04.2025</a:t>
+              <a:t>12.05.2025</a:t>
             </a:fld>
             <a:endParaRPr lang="de-DE"/>
           </a:p>
@@ -5035,7 +5036,7 @@
           <a:p>
             <a:fld id="{F3EB2857-2321-4C4D-8D06-77DF79DF910F}" type="datetimeFigureOut">
               <a:rPr lang="de-DE" smtClean="0"/>
-              <a:t>28.04.2025</a:t>
+              <a:t>12.05.2025</a:t>
             </a:fld>
             <a:endParaRPr lang="de-DE"/>
           </a:p>
@@ -5148,7 +5149,7 @@
           <a:p>
             <a:fld id="{F3EB2857-2321-4C4D-8D06-77DF79DF910F}" type="datetimeFigureOut">
               <a:rPr lang="de-DE" smtClean="0"/>
-              <a:t>28.04.2025</a:t>
+              <a:t>12.05.2025</a:t>
             </a:fld>
             <a:endParaRPr lang="de-DE"/>
           </a:p>
@@ -5459,7 +5460,7 @@
           <a:p>
             <a:fld id="{F3EB2857-2321-4C4D-8D06-77DF79DF910F}" type="datetimeFigureOut">
               <a:rPr lang="de-DE" smtClean="0"/>
-              <a:t>28.04.2025</a:t>
+              <a:t>12.05.2025</a:t>
             </a:fld>
             <a:endParaRPr lang="de-DE"/>
           </a:p>
@@ -5747,7 +5748,7 @@
           <a:p>
             <a:fld id="{F3EB2857-2321-4C4D-8D06-77DF79DF910F}" type="datetimeFigureOut">
               <a:rPr lang="de-DE" smtClean="0"/>
-              <a:t>28.04.2025</a:t>
+              <a:t>12.05.2025</a:t>
             </a:fld>
             <a:endParaRPr lang="de-DE"/>
           </a:p>
@@ -5988,7 +5989,7 @@
           <a:p>
             <a:fld id="{F3EB2857-2321-4C4D-8D06-77DF79DF910F}" type="datetimeFigureOut">
               <a:rPr lang="de-DE" smtClean="0"/>
-              <a:t>28.04.2025</a:t>
+              <a:t>12.05.2025</a:t>
             </a:fld>
             <a:endParaRPr lang="de-DE"/>
           </a:p>
@@ -6556,7 +6557,7 @@
           <a:p>
             <a:fld id="{93318F87-FAB0-47FE-97DA-44085A772572}" type="datetimeFigureOut">
               <a:rPr lang="de-DE" smtClean="0"/>
-              <a:t>28.04.2025</a:t>
+              <a:t>12.05.2025</a:t>
             </a:fld>
             <a:endParaRPr lang="de-DE"/>
           </a:p>
@@ -20924,6 +20925,405 @@
 </p:sld>
 </file>
 
+<file path=ppt/slides/slide15.xml><?xml version="1.0" encoding="utf-8"?>
+<p:sld xmlns:a="http://schemas.openxmlformats.org/drawingml/2006/main" xmlns:r="http://schemas.openxmlformats.org/officeDocument/2006/relationships" xmlns:p="http://schemas.openxmlformats.org/presentationml/2006/main">
+  <p:cSld>
+    <p:spTree>
+      <p:nvGrpSpPr>
+        <p:cNvPr id="1" name=""/>
+        <p:cNvGrpSpPr/>
+        <p:nvPr/>
+      </p:nvGrpSpPr>
+      <p:grpSpPr>
+        <a:xfrm>
+          <a:off x="0" y="0"/>
+          <a:ext cx="0" cy="0"/>
+          <a:chOff x="0" y="0"/>
+          <a:chExt cx="0" cy="0"/>
+        </a:xfrm>
+      </p:grpSpPr>
+      <p:pic>
+        <p:nvPicPr>
+          <p:cNvPr id="5" name="Grafik 4">
+            <a:extLst>
+              <a:ext uri="{FF2B5EF4-FFF2-40B4-BE49-F238E27FC236}">
+                <a16:creationId xmlns:a16="http://schemas.microsoft.com/office/drawing/2014/main" id="{E20606DD-2019-7750-3747-4C1257DFDE76}"/>
+              </a:ext>
+            </a:extLst>
+          </p:cNvPr>
+          <p:cNvPicPr>
+            <a:picLocks noChangeAspect="1"/>
+          </p:cNvPicPr>
+          <p:nvPr/>
+        </p:nvPicPr>
+        <p:blipFill>
+          <a:blip r:embed="rId2"/>
+          <a:stretch>
+            <a:fillRect/>
+          </a:stretch>
+        </p:blipFill>
+        <p:spPr>
+          <a:xfrm>
+            <a:off x="70757" y="0"/>
+            <a:ext cx="12050486" cy="6858000"/>
+          </a:xfrm>
+          <a:prstGeom prst="rect">
+            <a:avLst/>
+          </a:prstGeom>
+        </p:spPr>
+      </p:pic>
+      <p:grpSp>
+        <p:nvGrpSpPr>
+          <p:cNvPr id="10" name="Gruppieren 9">
+            <a:extLst>
+              <a:ext uri="{FF2B5EF4-FFF2-40B4-BE49-F238E27FC236}">
+                <a16:creationId xmlns:a16="http://schemas.microsoft.com/office/drawing/2014/main" id="{B90A9061-EDE2-DA49-BF02-F4308151E04E}"/>
+              </a:ext>
+            </a:extLst>
+          </p:cNvPr>
+          <p:cNvGrpSpPr/>
+          <p:nvPr/>
+        </p:nvGrpSpPr>
+        <p:grpSpPr>
+          <a:xfrm>
+            <a:off x="5833354" y="587931"/>
+            <a:ext cx="5947416" cy="5939328"/>
+            <a:chOff x="2568102" y="335012"/>
+            <a:chExt cx="5947416" cy="5939328"/>
+          </a:xfrm>
+        </p:grpSpPr>
+        <p:pic>
+          <p:nvPicPr>
+            <p:cNvPr id="8" name="Grafik 7">
+              <a:extLst>
+                <a:ext uri="{FF2B5EF4-FFF2-40B4-BE49-F238E27FC236}">
+                  <a16:creationId xmlns:a16="http://schemas.microsoft.com/office/drawing/2014/main" id="{11A470F5-3C8C-2547-CFB6-87F1801F91C0}"/>
+                </a:ext>
+              </a:extLst>
+            </p:cNvPr>
+            <p:cNvPicPr>
+              <a:picLocks noChangeAspect="1"/>
+            </p:cNvPicPr>
+            <p:nvPr/>
+          </p:nvPicPr>
+          <p:blipFill>
+            <a:blip r:embed="rId3"/>
+            <a:srcRect l="6556" r="20205" b="4018"/>
+            <a:stretch/>
+          </p:blipFill>
+          <p:spPr>
+            <a:xfrm>
+              <a:off x="2568102" y="335012"/>
+              <a:ext cx="5947416" cy="5939328"/>
+            </a:xfrm>
+            <a:prstGeom prst="rect">
+              <a:avLst/>
+            </a:prstGeom>
+          </p:spPr>
+        </p:pic>
+        <p:pic>
+          <p:nvPicPr>
+            <p:cNvPr id="9" name="Grafik 8">
+              <a:extLst>
+                <a:ext uri="{FF2B5EF4-FFF2-40B4-BE49-F238E27FC236}">
+                  <a16:creationId xmlns:a16="http://schemas.microsoft.com/office/drawing/2014/main" id="{D5B369CE-198A-78A0-4231-DB6E3EAC8879}"/>
+                </a:ext>
+              </a:extLst>
+            </p:cNvPr>
+            <p:cNvPicPr>
+              <a:picLocks noChangeAspect="1"/>
+            </p:cNvPicPr>
+            <p:nvPr/>
+          </p:nvPicPr>
+          <p:blipFill>
+            <a:blip r:embed="rId3"/>
+            <a:srcRect r="26861" b="3887"/>
+            <a:stretch/>
+          </p:blipFill>
+          <p:spPr>
+            <a:xfrm rot="5400000">
+              <a:off x="2572146" y="330968"/>
+              <a:ext cx="5939328" cy="5947416"/>
+            </a:xfrm>
+            <a:prstGeom prst="rect">
+              <a:avLst/>
+            </a:prstGeom>
+          </p:spPr>
+        </p:pic>
+      </p:grpSp>
+      <p:sp>
+        <p:nvSpPr>
+          <p:cNvPr id="2" name="Rechteck 1">
+            <a:extLst>
+              <a:ext uri="{FF2B5EF4-FFF2-40B4-BE49-F238E27FC236}">
+                <a16:creationId xmlns:a16="http://schemas.microsoft.com/office/drawing/2014/main" id="{4EE024C5-3871-A345-7089-287FB034D6FE}"/>
+              </a:ext>
+            </a:extLst>
+          </p:cNvPr>
+          <p:cNvSpPr/>
+          <p:nvPr/>
+        </p:nvSpPr>
+        <p:spPr>
+          <a:xfrm>
+            <a:off x="9678838" y="4217707"/>
+            <a:ext cx="319177" cy="120770"/>
+          </a:xfrm>
+          <a:prstGeom prst="rect">
+            <a:avLst/>
+          </a:prstGeom>
+          <a:solidFill>
+            <a:srgbClr val="FF0000"/>
+          </a:solidFill>
+        </p:spPr>
+        <p:style>
+          <a:lnRef idx="2">
+            <a:schemeClr val="accent1">
+              <a:shade val="15000"/>
+            </a:schemeClr>
+          </a:lnRef>
+          <a:fillRef idx="1">
+            <a:schemeClr val="accent1"/>
+          </a:fillRef>
+          <a:effectRef idx="0">
+            <a:schemeClr val="accent1"/>
+          </a:effectRef>
+          <a:fontRef idx="minor">
+            <a:schemeClr val="lt1"/>
+          </a:fontRef>
+        </p:style>
+        <p:txBody>
+          <a:bodyPr rtlCol="0" anchor="ctr"/>
+          <a:lstStyle/>
+          <a:p>
+            <a:pPr algn="ctr"/>
+            <a:endParaRPr lang="de-DE"/>
+          </a:p>
+        </p:txBody>
+      </p:sp>
+      <p:sp>
+        <p:nvSpPr>
+          <p:cNvPr id="4" name="Freihandform: Form 3">
+            <a:extLst>
+              <a:ext uri="{FF2B5EF4-FFF2-40B4-BE49-F238E27FC236}">
+                <a16:creationId xmlns:a16="http://schemas.microsoft.com/office/drawing/2014/main" id="{D4C67D9E-9EE8-D064-687F-FE0A238D6F6E}"/>
+              </a:ext>
+            </a:extLst>
+          </p:cNvPr>
+          <p:cNvSpPr/>
+          <p:nvPr/>
+        </p:nvSpPr>
+        <p:spPr>
+          <a:xfrm>
+            <a:off x="7168551" y="3483647"/>
+            <a:ext cx="2501660" cy="795350"/>
+          </a:xfrm>
+          <a:custGeom>
+            <a:avLst/>
+            <a:gdLst>
+              <a:gd name="connsiteX0" fmla="*/ 2501660 w 2501660"/>
+              <a:gd name="connsiteY0" fmla="*/ 725720 h 726065"/>
+              <a:gd name="connsiteX1" fmla="*/ 1932317 w 2501660"/>
+              <a:gd name="connsiteY1" fmla="*/ 630829 h 726065"/>
+              <a:gd name="connsiteX2" fmla="*/ 1017917 w 2501660"/>
+              <a:gd name="connsiteY2" fmla="*/ 139124 h 726065"/>
+              <a:gd name="connsiteX3" fmla="*/ 250166 w 2501660"/>
+              <a:gd name="connsiteY3" fmla="*/ 1101 h 726065"/>
+              <a:gd name="connsiteX4" fmla="*/ 0 w 2501660"/>
+              <a:gd name="connsiteY4" fmla="*/ 190882 h 726065"/>
+              <a:gd name="connsiteX0" fmla="*/ 2501660 w 2501660"/>
+              <a:gd name="connsiteY0" fmla="*/ 785563 h 785908"/>
+              <a:gd name="connsiteX1" fmla="*/ 1932317 w 2501660"/>
+              <a:gd name="connsiteY1" fmla="*/ 690672 h 785908"/>
+              <a:gd name="connsiteX2" fmla="*/ 1017917 w 2501660"/>
+              <a:gd name="connsiteY2" fmla="*/ 198967 h 785908"/>
+              <a:gd name="connsiteX3" fmla="*/ 362309 w 2501660"/>
+              <a:gd name="connsiteY3" fmla="*/ 560 h 785908"/>
+              <a:gd name="connsiteX4" fmla="*/ 0 w 2501660"/>
+              <a:gd name="connsiteY4" fmla="*/ 250725 h 785908"/>
+              <a:gd name="connsiteX0" fmla="*/ 2501660 w 2501660"/>
+              <a:gd name="connsiteY0" fmla="*/ 786096 h 786441"/>
+              <a:gd name="connsiteX1" fmla="*/ 1932317 w 2501660"/>
+              <a:gd name="connsiteY1" fmla="*/ 691205 h 786441"/>
+              <a:gd name="connsiteX2" fmla="*/ 1017917 w 2501660"/>
+              <a:gd name="connsiteY2" fmla="*/ 199500 h 786441"/>
+              <a:gd name="connsiteX3" fmla="*/ 362309 w 2501660"/>
+              <a:gd name="connsiteY3" fmla="*/ 1093 h 786441"/>
+              <a:gd name="connsiteX4" fmla="*/ 0 w 2501660"/>
+              <a:gd name="connsiteY4" fmla="*/ 251258 h 786441"/>
+              <a:gd name="connsiteX0" fmla="*/ 2501660 w 2501660"/>
+              <a:gd name="connsiteY0" fmla="*/ 786920 h 787481"/>
+              <a:gd name="connsiteX1" fmla="*/ 1932317 w 2501660"/>
+              <a:gd name="connsiteY1" fmla="*/ 692029 h 787481"/>
+              <a:gd name="connsiteX2" fmla="*/ 1061049 w 2501660"/>
+              <a:gd name="connsiteY2" fmla="*/ 174445 h 787481"/>
+              <a:gd name="connsiteX3" fmla="*/ 362309 w 2501660"/>
+              <a:gd name="connsiteY3" fmla="*/ 1917 h 787481"/>
+              <a:gd name="connsiteX4" fmla="*/ 0 w 2501660"/>
+              <a:gd name="connsiteY4" fmla="*/ 252082 h 787481"/>
+              <a:gd name="connsiteX0" fmla="*/ 2501660 w 2501660"/>
+              <a:gd name="connsiteY0" fmla="*/ 796376 h 796937"/>
+              <a:gd name="connsiteX1" fmla="*/ 1932317 w 2501660"/>
+              <a:gd name="connsiteY1" fmla="*/ 701485 h 796937"/>
+              <a:gd name="connsiteX2" fmla="*/ 1061049 w 2501660"/>
+              <a:gd name="connsiteY2" fmla="*/ 183901 h 796937"/>
+              <a:gd name="connsiteX3" fmla="*/ 362309 w 2501660"/>
+              <a:gd name="connsiteY3" fmla="*/ 11373 h 796937"/>
+              <a:gd name="connsiteX4" fmla="*/ 0 w 2501660"/>
+              <a:gd name="connsiteY4" fmla="*/ 261538 h 796937"/>
+              <a:gd name="connsiteX0" fmla="*/ 2501660 w 2501660"/>
+              <a:gd name="connsiteY0" fmla="*/ 796376 h 796937"/>
+              <a:gd name="connsiteX1" fmla="*/ 1932317 w 2501660"/>
+              <a:gd name="connsiteY1" fmla="*/ 701485 h 796937"/>
+              <a:gd name="connsiteX2" fmla="*/ 1061049 w 2501660"/>
+              <a:gd name="connsiteY2" fmla="*/ 183901 h 796937"/>
+              <a:gd name="connsiteX3" fmla="*/ 362309 w 2501660"/>
+              <a:gd name="connsiteY3" fmla="*/ 11373 h 796937"/>
+              <a:gd name="connsiteX4" fmla="*/ 0 w 2501660"/>
+              <a:gd name="connsiteY4" fmla="*/ 261538 h 796937"/>
+              <a:gd name="connsiteX0" fmla="*/ 2501660 w 2501660"/>
+              <a:gd name="connsiteY0" fmla="*/ 796376 h 796937"/>
+              <a:gd name="connsiteX1" fmla="*/ 1932317 w 2501660"/>
+              <a:gd name="connsiteY1" fmla="*/ 701485 h 796937"/>
+              <a:gd name="connsiteX2" fmla="*/ 1061049 w 2501660"/>
+              <a:gd name="connsiteY2" fmla="*/ 183901 h 796937"/>
+              <a:gd name="connsiteX3" fmla="*/ 362309 w 2501660"/>
+              <a:gd name="connsiteY3" fmla="*/ 11373 h 796937"/>
+              <a:gd name="connsiteX4" fmla="*/ 0 w 2501660"/>
+              <a:gd name="connsiteY4" fmla="*/ 261538 h 796937"/>
+              <a:gd name="connsiteX0" fmla="*/ 2501660 w 2501660"/>
+              <a:gd name="connsiteY0" fmla="*/ 785323 h 785884"/>
+              <a:gd name="connsiteX1" fmla="*/ 1932317 w 2501660"/>
+              <a:gd name="connsiteY1" fmla="*/ 690432 h 785884"/>
+              <a:gd name="connsiteX2" fmla="*/ 1061049 w 2501660"/>
+              <a:gd name="connsiteY2" fmla="*/ 172848 h 785884"/>
+              <a:gd name="connsiteX3" fmla="*/ 362309 w 2501660"/>
+              <a:gd name="connsiteY3" fmla="*/ 320 h 785884"/>
+              <a:gd name="connsiteX4" fmla="*/ 0 w 2501660"/>
+              <a:gd name="connsiteY4" fmla="*/ 250485 h 785884"/>
+              <a:gd name="connsiteX0" fmla="*/ 2501660 w 2501660"/>
+              <a:gd name="connsiteY0" fmla="*/ 799848 h 800409"/>
+              <a:gd name="connsiteX1" fmla="*/ 1932317 w 2501660"/>
+              <a:gd name="connsiteY1" fmla="*/ 704957 h 800409"/>
+              <a:gd name="connsiteX2" fmla="*/ 1061049 w 2501660"/>
+              <a:gd name="connsiteY2" fmla="*/ 187373 h 800409"/>
+              <a:gd name="connsiteX3" fmla="*/ 362309 w 2501660"/>
+              <a:gd name="connsiteY3" fmla="*/ 14845 h 800409"/>
+              <a:gd name="connsiteX4" fmla="*/ 0 w 2501660"/>
+              <a:gd name="connsiteY4" fmla="*/ 265010 h 800409"/>
+              <a:gd name="connsiteX0" fmla="*/ 2501660 w 2501660"/>
+              <a:gd name="connsiteY0" fmla="*/ 796255 h 796550"/>
+              <a:gd name="connsiteX1" fmla="*/ 1932317 w 2501660"/>
+              <a:gd name="connsiteY1" fmla="*/ 701364 h 796550"/>
+              <a:gd name="connsiteX2" fmla="*/ 1017917 w 2501660"/>
+              <a:gd name="connsiteY2" fmla="*/ 218286 h 796550"/>
+              <a:gd name="connsiteX3" fmla="*/ 362309 w 2501660"/>
+              <a:gd name="connsiteY3" fmla="*/ 11252 h 796550"/>
+              <a:gd name="connsiteX4" fmla="*/ 0 w 2501660"/>
+              <a:gd name="connsiteY4" fmla="*/ 261417 h 796550"/>
+              <a:gd name="connsiteX0" fmla="*/ 2501660 w 2501660"/>
+              <a:gd name="connsiteY0" fmla="*/ 795055 h 795350"/>
+              <a:gd name="connsiteX1" fmla="*/ 1932317 w 2501660"/>
+              <a:gd name="connsiteY1" fmla="*/ 700164 h 795350"/>
+              <a:gd name="connsiteX2" fmla="*/ 1017917 w 2501660"/>
+              <a:gd name="connsiteY2" fmla="*/ 217086 h 795350"/>
+              <a:gd name="connsiteX3" fmla="*/ 362309 w 2501660"/>
+              <a:gd name="connsiteY3" fmla="*/ 10052 h 795350"/>
+              <a:gd name="connsiteX4" fmla="*/ 0 w 2501660"/>
+              <a:gd name="connsiteY4" fmla="*/ 260217 h 795350"/>
+            </a:gdLst>
+            <a:ahLst/>
+            <a:cxnLst>
+              <a:cxn ang="0">
+                <a:pos x="connsiteX0" y="connsiteY0"/>
+              </a:cxn>
+              <a:cxn ang="0">
+                <a:pos x="connsiteX1" y="connsiteY1"/>
+              </a:cxn>
+              <a:cxn ang="0">
+                <a:pos x="connsiteX2" y="connsiteY2"/>
+              </a:cxn>
+              <a:cxn ang="0">
+                <a:pos x="connsiteX3" y="connsiteY3"/>
+              </a:cxn>
+              <a:cxn ang="0">
+                <a:pos x="connsiteX4" y="connsiteY4"/>
+              </a:cxn>
+            </a:cxnLst>
+            <a:rect l="l" t="t" r="r" b="b"/>
+            <a:pathLst>
+              <a:path w="2501660" h="795350">
+                <a:moveTo>
+                  <a:pt x="2501660" y="795055"/>
+                </a:moveTo>
+                <a:cubicBezTo>
+                  <a:pt x="2340633" y="796492"/>
+                  <a:pt x="2179607" y="796492"/>
+                  <a:pt x="1932317" y="700164"/>
+                </a:cubicBezTo>
+                <a:cubicBezTo>
+                  <a:pt x="1685027" y="603836"/>
+                  <a:pt x="1288211" y="366610"/>
+                  <a:pt x="1017917" y="217086"/>
+                </a:cubicBezTo>
+                <a:cubicBezTo>
+                  <a:pt x="747623" y="67562"/>
+                  <a:pt x="557841" y="-33080"/>
+                  <a:pt x="362309" y="10052"/>
+                </a:cubicBezTo>
+                <a:cubicBezTo>
+                  <a:pt x="201282" y="1425"/>
+                  <a:pt x="40256" y="169639"/>
+                  <a:pt x="0" y="260217"/>
+                </a:cubicBezTo>
+              </a:path>
+            </a:pathLst>
+          </a:custGeom>
+          <a:noFill/>
+          <a:ln w="76200">
+            <a:solidFill>
+              <a:srgbClr val="FF0000"/>
+            </a:solidFill>
+            <a:tailEnd type="stealth"/>
+          </a:ln>
+        </p:spPr>
+        <p:style>
+          <a:lnRef idx="2">
+            <a:schemeClr val="accent1">
+              <a:shade val="15000"/>
+            </a:schemeClr>
+          </a:lnRef>
+          <a:fillRef idx="1">
+            <a:schemeClr val="accent1"/>
+          </a:fillRef>
+          <a:effectRef idx="0">
+            <a:schemeClr val="accent1"/>
+          </a:effectRef>
+          <a:fontRef idx="minor">
+            <a:schemeClr val="lt1"/>
+          </a:fontRef>
+        </p:style>
+        <p:txBody>
+          <a:bodyPr rtlCol="0" anchor="ctr"/>
+          <a:lstStyle/>
+          <a:p>
+            <a:pPr algn="ctr"/>
+            <a:endParaRPr lang="de-DE"/>
+          </a:p>
+        </p:txBody>
+      </p:sp>
+    </p:spTree>
+    <p:extLst>
+      <p:ext uri="{BB962C8B-B14F-4D97-AF65-F5344CB8AC3E}">
+        <p14:creationId xmlns:p14="http://schemas.microsoft.com/office/powerpoint/2010/main" val="2171465657"/>
+      </p:ext>
+    </p:extLst>
+  </p:cSld>
+  <p:clrMapOvr>
+    <a:masterClrMapping/>
+  </p:clrMapOvr>
+</p:sld>
+</file>
+
 <file path=ppt/slides/slide2.xml><?xml version="1.0" encoding="utf-8"?>
 <p:sld xmlns:a="http://schemas.openxmlformats.org/drawingml/2006/main" xmlns:r="http://schemas.openxmlformats.org/officeDocument/2006/relationships" xmlns:p="http://schemas.openxmlformats.org/presentationml/2006/main">
   <p:cSld>

--- a/examples/UrbanTopologies.pptx
+++ b/examples/UrbanTopologies.pptx
@@ -6,7 +6,7 @@
     <p:sldMasterId id="2147483660" r:id="rId2"/>
   </p:sldMasterIdLst>
   <p:notesMasterIdLst>
-    <p:notesMasterId r:id="rId18"/>
+    <p:notesMasterId r:id="rId19"/>
   </p:notesMasterIdLst>
   <p:sldIdLst>
     <p:sldId id="268" r:id="rId3"/>
@@ -24,6 +24,7 @@
     <p:sldId id="269" r:id="rId15"/>
     <p:sldId id="270" r:id="rId16"/>
     <p:sldId id="271" r:id="rId17"/>
+    <p:sldId id="272" r:id="rId18"/>
   </p:sldIdLst>
   <p:sldSz cx="12192000" cy="6858000"/>
   <p:notesSz cx="6858000" cy="9144000"/>
@@ -212,7 +213,7 @@
           <a:p>
             <a:fld id="{6C57E5E1-517F-429D-81ED-272A083D513A}" type="datetimeFigureOut">
               <a:rPr lang="de-DE" smtClean="0"/>
-              <a:t>12.05.2025</a:t>
+              <a:t>18.05.2025</a:t>
             </a:fld>
             <a:endParaRPr lang="de-DE"/>
           </a:p>
@@ -710,7 +711,7 @@
           <a:p>
             <a:fld id="{F3EB2857-2321-4C4D-8D06-77DF79DF910F}" type="datetimeFigureOut">
               <a:rPr lang="de-DE" smtClean="0"/>
-              <a:t>12.05.2025</a:t>
+              <a:t>18.05.2025</a:t>
             </a:fld>
             <a:endParaRPr lang="de-DE"/>
           </a:p>
@@ -908,7 +909,7 @@
           <a:p>
             <a:fld id="{F3EB2857-2321-4C4D-8D06-77DF79DF910F}" type="datetimeFigureOut">
               <a:rPr lang="de-DE" smtClean="0"/>
-              <a:t>12.05.2025</a:t>
+              <a:t>18.05.2025</a:t>
             </a:fld>
             <a:endParaRPr lang="de-DE"/>
           </a:p>
@@ -1116,7 +1117,7 @@
           <a:p>
             <a:fld id="{F3EB2857-2321-4C4D-8D06-77DF79DF910F}" type="datetimeFigureOut">
               <a:rPr lang="de-DE" smtClean="0"/>
-              <a:t>12.05.2025</a:t>
+              <a:t>18.05.2025</a:t>
             </a:fld>
             <a:endParaRPr lang="de-DE"/>
           </a:p>
@@ -1336,7 +1337,7 @@
           <a:p>
             <a:fld id="{93318F87-FAB0-47FE-97DA-44085A772572}" type="datetimeFigureOut">
               <a:rPr lang="de-DE" smtClean="0"/>
-              <a:t>12.05.2025</a:t>
+              <a:t>18.05.2025</a:t>
             </a:fld>
             <a:endParaRPr lang="de-DE"/>
           </a:p>
@@ -1534,7 +1535,7 @@
           <a:p>
             <a:fld id="{93318F87-FAB0-47FE-97DA-44085A772572}" type="datetimeFigureOut">
               <a:rPr lang="de-DE" smtClean="0"/>
-              <a:t>12.05.2025</a:t>
+              <a:t>18.05.2025</a:t>
             </a:fld>
             <a:endParaRPr lang="de-DE"/>
           </a:p>
@@ -1809,7 +1810,7 @@
           <a:p>
             <a:fld id="{93318F87-FAB0-47FE-97DA-44085A772572}" type="datetimeFigureOut">
               <a:rPr lang="de-DE" smtClean="0"/>
-              <a:t>12.05.2025</a:t>
+              <a:t>18.05.2025</a:t>
             </a:fld>
             <a:endParaRPr lang="de-DE"/>
           </a:p>
@@ -2074,7 +2075,7 @@
           <a:p>
             <a:fld id="{93318F87-FAB0-47FE-97DA-44085A772572}" type="datetimeFigureOut">
               <a:rPr lang="de-DE" smtClean="0"/>
-              <a:t>12.05.2025</a:t>
+              <a:t>18.05.2025</a:t>
             </a:fld>
             <a:endParaRPr lang="de-DE"/>
           </a:p>
@@ -2486,7 +2487,7 @@
           <a:p>
             <a:fld id="{93318F87-FAB0-47FE-97DA-44085A772572}" type="datetimeFigureOut">
               <a:rPr lang="de-DE" smtClean="0"/>
-              <a:t>12.05.2025</a:t>
+              <a:t>18.05.2025</a:t>
             </a:fld>
             <a:endParaRPr lang="de-DE"/>
           </a:p>
@@ -2627,7 +2628,7 @@
           <a:p>
             <a:fld id="{93318F87-FAB0-47FE-97DA-44085A772572}" type="datetimeFigureOut">
               <a:rPr lang="de-DE" smtClean="0"/>
-              <a:t>12.05.2025</a:t>
+              <a:t>18.05.2025</a:t>
             </a:fld>
             <a:endParaRPr lang="de-DE"/>
           </a:p>
@@ -2740,7 +2741,7 @@
           <a:p>
             <a:fld id="{93318F87-FAB0-47FE-97DA-44085A772572}" type="datetimeFigureOut">
               <a:rPr lang="de-DE" smtClean="0"/>
-              <a:t>12.05.2025</a:t>
+              <a:t>18.05.2025</a:t>
             </a:fld>
             <a:endParaRPr lang="de-DE"/>
           </a:p>
@@ -3051,7 +3052,7 @@
           <a:p>
             <a:fld id="{93318F87-FAB0-47FE-97DA-44085A772572}" type="datetimeFigureOut">
               <a:rPr lang="de-DE" smtClean="0"/>
-              <a:t>12.05.2025</a:t>
+              <a:t>18.05.2025</a:t>
             </a:fld>
             <a:endParaRPr lang="de-DE"/>
           </a:p>
@@ -3249,7 +3250,7 @@
           <a:p>
             <a:fld id="{F3EB2857-2321-4C4D-8D06-77DF79DF910F}" type="datetimeFigureOut">
               <a:rPr lang="de-DE" smtClean="0"/>
-              <a:t>12.05.2025</a:t>
+              <a:t>18.05.2025</a:t>
             </a:fld>
             <a:endParaRPr lang="de-DE"/>
           </a:p>
@@ -3537,7 +3538,7 @@
           <a:p>
             <a:fld id="{93318F87-FAB0-47FE-97DA-44085A772572}" type="datetimeFigureOut">
               <a:rPr lang="de-DE" smtClean="0"/>
-              <a:t>12.05.2025</a:t>
+              <a:t>18.05.2025</a:t>
             </a:fld>
             <a:endParaRPr lang="de-DE"/>
           </a:p>
@@ -3735,7 +3736,7 @@
           <a:p>
             <a:fld id="{93318F87-FAB0-47FE-97DA-44085A772572}" type="datetimeFigureOut">
               <a:rPr lang="de-DE" smtClean="0"/>
-              <a:t>12.05.2025</a:t>
+              <a:t>18.05.2025</a:t>
             </a:fld>
             <a:endParaRPr lang="de-DE"/>
           </a:p>
@@ -3943,7 +3944,7 @@
           <a:p>
             <a:fld id="{93318F87-FAB0-47FE-97DA-44085A772572}" type="datetimeFigureOut">
               <a:rPr lang="de-DE" smtClean="0"/>
-              <a:t>12.05.2025</a:t>
+              <a:t>18.05.2025</a:t>
             </a:fld>
             <a:endParaRPr lang="de-DE"/>
           </a:p>
@@ -4218,7 +4219,7 @@
           <a:p>
             <a:fld id="{F3EB2857-2321-4C4D-8D06-77DF79DF910F}" type="datetimeFigureOut">
               <a:rPr lang="de-DE" smtClean="0"/>
-              <a:t>12.05.2025</a:t>
+              <a:t>18.05.2025</a:t>
             </a:fld>
             <a:endParaRPr lang="de-DE"/>
           </a:p>
@@ -4483,7 +4484,7 @@
           <a:p>
             <a:fld id="{F3EB2857-2321-4C4D-8D06-77DF79DF910F}" type="datetimeFigureOut">
               <a:rPr lang="de-DE" smtClean="0"/>
-              <a:t>12.05.2025</a:t>
+              <a:t>18.05.2025</a:t>
             </a:fld>
             <a:endParaRPr lang="de-DE"/>
           </a:p>
@@ -4895,7 +4896,7 @@
           <a:p>
             <a:fld id="{F3EB2857-2321-4C4D-8D06-77DF79DF910F}" type="datetimeFigureOut">
               <a:rPr lang="de-DE" smtClean="0"/>
-              <a:t>12.05.2025</a:t>
+              <a:t>18.05.2025</a:t>
             </a:fld>
             <a:endParaRPr lang="de-DE"/>
           </a:p>
@@ -5036,7 +5037,7 @@
           <a:p>
             <a:fld id="{F3EB2857-2321-4C4D-8D06-77DF79DF910F}" type="datetimeFigureOut">
               <a:rPr lang="de-DE" smtClean="0"/>
-              <a:t>12.05.2025</a:t>
+              <a:t>18.05.2025</a:t>
             </a:fld>
             <a:endParaRPr lang="de-DE"/>
           </a:p>
@@ -5149,7 +5150,7 @@
           <a:p>
             <a:fld id="{F3EB2857-2321-4C4D-8D06-77DF79DF910F}" type="datetimeFigureOut">
               <a:rPr lang="de-DE" smtClean="0"/>
-              <a:t>12.05.2025</a:t>
+              <a:t>18.05.2025</a:t>
             </a:fld>
             <a:endParaRPr lang="de-DE"/>
           </a:p>
@@ -5460,7 +5461,7 @@
           <a:p>
             <a:fld id="{F3EB2857-2321-4C4D-8D06-77DF79DF910F}" type="datetimeFigureOut">
               <a:rPr lang="de-DE" smtClean="0"/>
-              <a:t>12.05.2025</a:t>
+              <a:t>18.05.2025</a:t>
             </a:fld>
             <a:endParaRPr lang="de-DE"/>
           </a:p>
@@ -5748,7 +5749,7 @@
           <a:p>
             <a:fld id="{F3EB2857-2321-4C4D-8D06-77DF79DF910F}" type="datetimeFigureOut">
               <a:rPr lang="de-DE" smtClean="0"/>
-              <a:t>12.05.2025</a:t>
+              <a:t>18.05.2025</a:t>
             </a:fld>
             <a:endParaRPr lang="de-DE"/>
           </a:p>
@@ -5989,7 +5990,7 @@
           <a:p>
             <a:fld id="{F3EB2857-2321-4C4D-8D06-77DF79DF910F}" type="datetimeFigureOut">
               <a:rPr lang="de-DE" smtClean="0"/>
-              <a:t>12.05.2025</a:t>
+              <a:t>18.05.2025</a:t>
             </a:fld>
             <a:endParaRPr lang="de-DE"/>
           </a:p>
@@ -6557,7 +6558,7 @@
           <a:p>
             <a:fld id="{93318F87-FAB0-47FE-97DA-44085A772572}" type="datetimeFigureOut">
               <a:rPr lang="de-DE" smtClean="0"/>
-              <a:t>12.05.2025</a:t>
+              <a:t>18.05.2025</a:t>
             </a:fld>
             <a:endParaRPr lang="de-DE"/>
           </a:p>
@@ -21324,6 +21325,72 @@
 </p:sld>
 </file>
 
+<file path=ppt/slides/slide16.xml><?xml version="1.0" encoding="utf-8"?>
+<p:sld xmlns:a="http://schemas.openxmlformats.org/drawingml/2006/main" xmlns:r="http://schemas.openxmlformats.org/officeDocument/2006/relationships" xmlns:p="http://schemas.openxmlformats.org/presentationml/2006/main">
+  <p:cSld>
+    <p:spTree>
+      <p:nvGrpSpPr>
+        <p:cNvPr id="1" name=""/>
+        <p:cNvGrpSpPr/>
+        <p:nvPr/>
+      </p:nvGrpSpPr>
+      <p:grpSpPr>
+        <a:xfrm>
+          <a:off x="0" y="0"/>
+          <a:ext cx="0" cy="0"/>
+          <a:chOff x="0" y="0"/>
+          <a:chExt cx="0" cy="0"/>
+        </a:xfrm>
+      </p:grpSpPr>
+      <p:pic>
+        <p:nvPicPr>
+          <p:cNvPr id="6" name="Grafik 5">
+            <a:extLst>
+              <a:ext uri="{FF2B5EF4-FFF2-40B4-BE49-F238E27FC236}">
+                <a16:creationId xmlns:a16="http://schemas.microsoft.com/office/drawing/2014/main" id="{EE698878-7648-6DAF-FF68-DA887D2BC825}"/>
+              </a:ext>
+            </a:extLst>
+          </p:cNvPr>
+          <p:cNvPicPr>
+            <a:picLocks noChangeAspect="1"/>
+          </p:cNvPicPr>
+          <p:nvPr/>
+        </p:nvPicPr>
+        <p:blipFill>
+          <a:blip r:embed="rId2">
+            <a:extLst>
+              <a:ext uri="{28A0092B-C50C-407E-A947-70E740481C1C}">
+                <a14:useLocalDpi xmlns:a14="http://schemas.microsoft.com/office/drawing/2010/main" val="0"/>
+              </a:ext>
+            </a:extLst>
+          </a:blip>
+          <a:stretch>
+            <a:fillRect/>
+          </a:stretch>
+        </p:blipFill>
+        <p:spPr>
+          <a:xfrm>
+            <a:off x="3215996" y="0"/>
+            <a:ext cx="4880113" cy="6858000"/>
+          </a:xfrm>
+          <a:prstGeom prst="rect">
+            <a:avLst/>
+          </a:prstGeom>
+        </p:spPr>
+      </p:pic>
+    </p:spTree>
+    <p:extLst>
+      <p:ext uri="{BB962C8B-B14F-4D97-AF65-F5344CB8AC3E}">
+        <p14:creationId xmlns:p14="http://schemas.microsoft.com/office/powerpoint/2010/main" val="4222765054"/>
+      </p:ext>
+    </p:extLst>
+  </p:cSld>
+  <p:clrMapOvr>
+    <a:masterClrMapping/>
+  </p:clrMapOvr>
+</p:sld>
+</file>
+
 <file path=ppt/slides/slide2.xml><?xml version="1.0" encoding="utf-8"?>
 <p:sld xmlns:a="http://schemas.openxmlformats.org/drawingml/2006/main" xmlns:r="http://schemas.openxmlformats.org/officeDocument/2006/relationships" xmlns:p="http://schemas.openxmlformats.org/presentationml/2006/main">
   <p:cSld>

--- a/examples/UrbanTopologies.pptx
+++ b/examples/UrbanTopologies.pptx
@@ -6,7 +6,7 @@
     <p:sldMasterId id="2147483660" r:id="rId2"/>
   </p:sldMasterIdLst>
   <p:notesMasterIdLst>
-    <p:notesMasterId r:id="rId19"/>
+    <p:notesMasterId r:id="rId20"/>
   </p:notesMasterIdLst>
   <p:sldIdLst>
     <p:sldId id="268" r:id="rId3"/>
@@ -24,7 +24,8 @@
     <p:sldId id="269" r:id="rId15"/>
     <p:sldId id="270" r:id="rId16"/>
     <p:sldId id="271" r:id="rId17"/>
-    <p:sldId id="272" r:id="rId18"/>
+    <p:sldId id="273" r:id="rId18"/>
+    <p:sldId id="272" r:id="rId19"/>
   </p:sldIdLst>
   <p:sldSz cx="12192000" cy="6858000"/>
   <p:notesSz cx="6858000" cy="9144000"/>
@@ -213,7 +214,7 @@
           <a:p>
             <a:fld id="{6C57E5E1-517F-429D-81ED-272A083D513A}" type="datetimeFigureOut">
               <a:rPr lang="de-DE" smtClean="0"/>
-              <a:t>18.05.2025</a:t>
+              <a:t>04.06.2025</a:t>
             </a:fld>
             <a:endParaRPr lang="de-DE"/>
           </a:p>
@@ -711,7 +712,7 @@
           <a:p>
             <a:fld id="{F3EB2857-2321-4C4D-8D06-77DF79DF910F}" type="datetimeFigureOut">
               <a:rPr lang="de-DE" smtClean="0"/>
-              <a:t>18.05.2025</a:t>
+              <a:t>04.06.2025</a:t>
             </a:fld>
             <a:endParaRPr lang="de-DE"/>
           </a:p>
@@ -909,7 +910,7 @@
           <a:p>
             <a:fld id="{F3EB2857-2321-4C4D-8D06-77DF79DF910F}" type="datetimeFigureOut">
               <a:rPr lang="de-DE" smtClean="0"/>
-              <a:t>18.05.2025</a:t>
+              <a:t>04.06.2025</a:t>
             </a:fld>
             <a:endParaRPr lang="de-DE"/>
           </a:p>
@@ -1117,7 +1118,7 @@
           <a:p>
             <a:fld id="{F3EB2857-2321-4C4D-8D06-77DF79DF910F}" type="datetimeFigureOut">
               <a:rPr lang="de-DE" smtClean="0"/>
-              <a:t>18.05.2025</a:t>
+              <a:t>04.06.2025</a:t>
             </a:fld>
             <a:endParaRPr lang="de-DE"/>
           </a:p>
@@ -1337,7 +1338,7 @@
           <a:p>
             <a:fld id="{93318F87-FAB0-47FE-97DA-44085A772572}" type="datetimeFigureOut">
               <a:rPr lang="de-DE" smtClean="0"/>
-              <a:t>18.05.2025</a:t>
+              <a:t>04.06.2025</a:t>
             </a:fld>
             <a:endParaRPr lang="de-DE"/>
           </a:p>
@@ -1535,7 +1536,7 @@
           <a:p>
             <a:fld id="{93318F87-FAB0-47FE-97DA-44085A772572}" type="datetimeFigureOut">
               <a:rPr lang="de-DE" smtClean="0"/>
-              <a:t>18.05.2025</a:t>
+              <a:t>04.06.2025</a:t>
             </a:fld>
             <a:endParaRPr lang="de-DE"/>
           </a:p>
@@ -1810,7 +1811,7 @@
           <a:p>
             <a:fld id="{93318F87-FAB0-47FE-97DA-44085A772572}" type="datetimeFigureOut">
               <a:rPr lang="de-DE" smtClean="0"/>
-              <a:t>18.05.2025</a:t>
+              <a:t>04.06.2025</a:t>
             </a:fld>
             <a:endParaRPr lang="de-DE"/>
           </a:p>
@@ -2075,7 +2076,7 @@
           <a:p>
             <a:fld id="{93318F87-FAB0-47FE-97DA-44085A772572}" type="datetimeFigureOut">
               <a:rPr lang="de-DE" smtClean="0"/>
-              <a:t>18.05.2025</a:t>
+              <a:t>04.06.2025</a:t>
             </a:fld>
             <a:endParaRPr lang="de-DE"/>
           </a:p>
@@ -2487,7 +2488,7 @@
           <a:p>
             <a:fld id="{93318F87-FAB0-47FE-97DA-44085A772572}" type="datetimeFigureOut">
               <a:rPr lang="de-DE" smtClean="0"/>
-              <a:t>18.05.2025</a:t>
+              <a:t>04.06.2025</a:t>
             </a:fld>
             <a:endParaRPr lang="de-DE"/>
           </a:p>
@@ -2628,7 +2629,7 @@
           <a:p>
             <a:fld id="{93318F87-FAB0-47FE-97DA-44085A772572}" type="datetimeFigureOut">
               <a:rPr lang="de-DE" smtClean="0"/>
-              <a:t>18.05.2025</a:t>
+              <a:t>04.06.2025</a:t>
             </a:fld>
             <a:endParaRPr lang="de-DE"/>
           </a:p>
@@ -2741,7 +2742,7 @@
           <a:p>
             <a:fld id="{93318F87-FAB0-47FE-97DA-44085A772572}" type="datetimeFigureOut">
               <a:rPr lang="de-DE" smtClean="0"/>
-              <a:t>18.05.2025</a:t>
+              <a:t>04.06.2025</a:t>
             </a:fld>
             <a:endParaRPr lang="de-DE"/>
           </a:p>
@@ -3052,7 +3053,7 @@
           <a:p>
             <a:fld id="{93318F87-FAB0-47FE-97DA-44085A772572}" type="datetimeFigureOut">
               <a:rPr lang="de-DE" smtClean="0"/>
-              <a:t>18.05.2025</a:t>
+              <a:t>04.06.2025</a:t>
             </a:fld>
             <a:endParaRPr lang="de-DE"/>
           </a:p>
@@ -3250,7 +3251,7 @@
           <a:p>
             <a:fld id="{F3EB2857-2321-4C4D-8D06-77DF79DF910F}" type="datetimeFigureOut">
               <a:rPr lang="de-DE" smtClean="0"/>
-              <a:t>18.05.2025</a:t>
+              <a:t>04.06.2025</a:t>
             </a:fld>
             <a:endParaRPr lang="de-DE"/>
           </a:p>
@@ -3538,7 +3539,7 @@
           <a:p>
             <a:fld id="{93318F87-FAB0-47FE-97DA-44085A772572}" type="datetimeFigureOut">
               <a:rPr lang="de-DE" smtClean="0"/>
-              <a:t>18.05.2025</a:t>
+              <a:t>04.06.2025</a:t>
             </a:fld>
             <a:endParaRPr lang="de-DE"/>
           </a:p>
@@ -3736,7 +3737,7 @@
           <a:p>
             <a:fld id="{93318F87-FAB0-47FE-97DA-44085A772572}" type="datetimeFigureOut">
               <a:rPr lang="de-DE" smtClean="0"/>
-              <a:t>18.05.2025</a:t>
+              <a:t>04.06.2025</a:t>
             </a:fld>
             <a:endParaRPr lang="de-DE"/>
           </a:p>
@@ -3944,7 +3945,7 @@
           <a:p>
             <a:fld id="{93318F87-FAB0-47FE-97DA-44085A772572}" type="datetimeFigureOut">
               <a:rPr lang="de-DE" smtClean="0"/>
-              <a:t>18.05.2025</a:t>
+              <a:t>04.06.2025</a:t>
             </a:fld>
             <a:endParaRPr lang="de-DE"/>
           </a:p>
@@ -4219,7 +4220,7 @@
           <a:p>
             <a:fld id="{F3EB2857-2321-4C4D-8D06-77DF79DF910F}" type="datetimeFigureOut">
               <a:rPr lang="de-DE" smtClean="0"/>
-              <a:t>18.05.2025</a:t>
+              <a:t>04.06.2025</a:t>
             </a:fld>
             <a:endParaRPr lang="de-DE"/>
           </a:p>
@@ -4484,7 +4485,7 @@
           <a:p>
             <a:fld id="{F3EB2857-2321-4C4D-8D06-77DF79DF910F}" type="datetimeFigureOut">
               <a:rPr lang="de-DE" smtClean="0"/>
-              <a:t>18.05.2025</a:t>
+              <a:t>04.06.2025</a:t>
             </a:fld>
             <a:endParaRPr lang="de-DE"/>
           </a:p>
@@ -4896,7 +4897,7 @@
           <a:p>
             <a:fld id="{F3EB2857-2321-4C4D-8D06-77DF79DF910F}" type="datetimeFigureOut">
               <a:rPr lang="de-DE" smtClean="0"/>
-              <a:t>18.05.2025</a:t>
+              <a:t>04.06.2025</a:t>
             </a:fld>
             <a:endParaRPr lang="de-DE"/>
           </a:p>
@@ -5037,7 +5038,7 @@
           <a:p>
             <a:fld id="{F3EB2857-2321-4C4D-8D06-77DF79DF910F}" type="datetimeFigureOut">
               <a:rPr lang="de-DE" smtClean="0"/>
-              <a:t>18.05.2025</a:t>
+              <a:t>04.06.2025</a:t>
             </a:fld>
             <a:endParaRPr lang="de-DE"/>
           </a:p>
@@ -5150,7 +5151,7 @@
           <a:p>
             <a:fld id="{F3EB2857-2321-4C4D-8D06-77DF79DF910F}" type="datetimeFigureOut">
               <a:rPr lang="de-DE" smtClean="0"/>
-              <a:t>18.05.2025</a:t>
+              <a:t>04.06.2025</a:t>
             </a:fld>
             <a:endParaRPr lang="de-DE"/>
           </a:p>
@@ -5461,7 +5462,7 @@
           <a:p>
             <a:fld id="{F3EB2857-2321-4C4D-8D06-77DF79DF910F}" type="datetimeFigureOut">
               <a:rPr lang="de-DE" smtClean="0"/>
-              <a:t>18.05.2025</a:t>
+              <a:t>04.06.2025</a:t>
             </a:fld>
             <a:endParaRPr lang="de-DE"/>
           </a:p>
@@ -5749,7 +5750,7 @@
           <a:p>
             <a:fld id="{F3EB2857-2321-4C4D-8D06-77DF79DF910F}" type="datetimeFigureOut">
               <a:rPr lang="de-DE" smtClean="0"/>
-              <a:t>18.05.2025</a:t>
+              <a:t>04.06.2025</a:t>
             </a:fld>
             <a:endParaRPr lang="de-DE"/>
           </a:p>
@@ -5990,7 +5991,7 @@
           <a:p>
             <a:fld id="{F3EB2857-2321-4C4D-8D06-77DF79DF910F}" type="datetimeFigureOut">
               <a:rPr lang="de-DE" smtClean="0"/>
-              <a:t>18.05.2025</a:t>
+              <a:t>04.06.2025</a:t>
             </a:fld>
             <a:endParaRPr lang="de-DE"/>
           </a:p>
@@ -6558,7 +6559,7 @@
           <a:p>
             <a:fld id="{93318F87-FAB0-47FE-97DA-44085A772572}" type="datetimeFigureOut">
               <a:rPr lang="de-DE" smtClean="0"/>
-              <a:t>18.05.2025</a:t>
+              <a:t>04.06.2025</a:t>
             </a:fld>
             <a:endParaRPr lang="de-DE"/>
           </a:p>
@@ -19131,9 +19132,9 @@
         <p:grpSpPr>
           <a:xfrm rot="708255">
             <a:off x="500332" y="42428"/>
-            <a:ext cx="11378242" cy="7273893"/>
+            <a:ext cx="11378242" cy="7273892"/>
             <a:chOff x="500332" y="42428"/>
-            <a:chExt cx="11378242" cy="7273893"/>
+            <a:chExt cx="11378242" cy="7273892"/>
           </a:xfrm>
         </p:grpSpPr>
         <p:sp>
@@ -19300,7 +19301,7 @@
           </p:nvSpPr>
           <p:spPr>
             <a:xfrm rot="4656869">
-              <a:off x="4542288" y="5026008"/>
+              <a:off x="4542288" y="5026007"/>
               <a:ext cx="3795622" cy="785003"/>
             </a:xfrm>
             <a:prstGeom prst="rect">
@@ -19578,7 +19579,7 @@
           </p:nvCxnSpPr>
           <p:spPr>
             <a:xfrm>
-              <a:off x="5255782" y="42428"/>
+              <a:off x="5255781" y="42428"/>
               <a:ext cx="1591375" cy="7229724"/>
             </a:xfrm>
             <a:prstGeom prst="straightConnector1">
@@ -21326,6 +21327,367 @@
 </file>
 
 <file path=ppt/slides/slide16.xml><?xml version="1.0" encoding="utf-8"?>
+<p:sld xmlns:a="http://schemas.openxmlformats.org/drawingml/2006/main" xmlns:r="http://schemas.openxmlformats.org/officeDocument/2006/relationships" xmlns:p="http://schemas.openxmlformats.org/presentationml/2006/main">
+  <p:cSld>
+    <p:spTree>
+      <p:nvGrpSpPr>
+        <p:cNvPr id="1" name=""/>
+        <p:cNvGrpSpPr/>
+        <p:nvPr/>
+      </p:nvGrpSpPr>
+      <p:grpSpPr>
+        <a:xfrm>
+          <a:off x="0" y="0"/>
+          <a:ext cx="0" cy="0"/>
+          <a:chOff x="0" y="0"/>
+          <a:chExt cx="0" cy="0"/>
+        </a:xfrm>
+      </p:grpSpPr>
+      <p:pic>
+        <p:nvPicPr>
+          <p:cNvPr id="5" name="Grafik 4">
+            <a:extLst>
+              <a:ext uri="{FF2B5EF4-FFF2-40B4-BE49-F238E27FC236}">
+                <a16:creationId xmlns:a16="http://schemas.microsoft.com/office/drawing/2014/main" id="{E20606DD-2019-7750-3747-4C1257DFDE76}"/>
+              </a:ext>
+            </a:extLst>
+          </p:cNvPr>
+          <p:cNvPicPr>
+            <a:picLocks noChangeAspect="1"/>
+          </p:cNvPicPr>
+          <p:nvPr/>
+        </p:nvPicPr>
+        <p:blipFill>
+          <a:blip r:embed="rId2"/>
+          <a:stretch>
+            <a:fillRect/>
+          </a:stretch>
+        </p:blipFill>
+        <p:spPr>
+          <a:xfrm flipH="1">
+            <a:off x="70757" y="0"/>
+            <a:ext cx="12050486" cy="6858000"/>
+          </a:xfrm>
+          <a:prstGeom prst="rect">
+            <a:avLst/>
+          </a:prstGeom>
+        </p:spPr>
+      </p:pic>
+      <p:grpSp>
+        <p:nvGrpSpPr>
+          <p:cNvPr id="10" name="Gruppieren 9">
+            <a:extLst>
+              <a:ext uri="{FF2B5EF4-FFF2-40B4-BE49-F238E27FC236}">
+                <a16:creationId xmlns:a16="http://schemas.microsoft.com/office/drawing/2014/main" id="{B90A9061-EDE2-DA49-BF02-F4308151E04E}"/>
+              </a:ext>
+            </a:extLst>
+          </p:cNvPr>
+          <p:cNvGrpSpPr/>
+          <p:nvPr/>
+        </p:nvGrpSpPr>
+        <p:grpSpPr>
+          <a:xfrm>
+            <a:off x="5833354" y="587931"/>
+            <a:ext cx="5947416" cy="5939328"/>
+            <a:chOff x="2568102" y="335012"/>
+            <a:chExt cx="5947416" cy="5939328"/>
+          </a:xfrm>
+        </p:grpSpPr>
+        <p:pic>
+          <p:nvPicPr>
+            <p:cNvPr id="8" name="Grafik 7">
+              <a:extLst>
+                <a:ext uri="{FF2B5EF4-FFF2-40B4-BE49-F238E27FC236}">
+                  <a16:creationId xmlns:a16="http://schemas.microsoft.com/office/drawing/2014/main" id="{11A470F5-3C8C-2547-CFB6-87F1801F91C0}"/>
+                </a:ext>
+              </a:extLst>
+            </p:cNvPr>
+            <p:cNvPicPr>
+              <a:picLocks noChangeAspect="1"/>
+            </p:cNvPicPr>
+            <p:nvPr/>
+          </p:nvPicPr>
+          <p:blipFill>
+            <a:blip r:embed="rId3"/>
+            <a:srcRect l="6556" r="20205" b="4018"/>
+            <a:stretch/>
+          </p:blipFill>
+          <p:spPr>
+            <a:xfrm>
+              <a:off x="2568102" y="335012"/>
+              <a:ext cx="5947416" cy="5939328"/>
+            </a:xfrm>
+            <a:prstGeom prst="rect">
+              <a:avLst/>
+            </a:prstGeom>
+          </p:spPr>
+        </p:pic>
+        <p:pic>
+          <p:nvPicPr>
+            <p:cNvPr id="9" name="Grafik 8">
+              <a:extLst>
+                <a:ext uri="{FF2B5EF4-FFF2-40B4-BE49-F238E27FC236}">
+                  <a16:creationId xmlns:a16="http://schemas.microsoft.com/office/drawing/2014/main" id="{D5B369CE-198A-78A0-4231-DB6E3EAC8879}"/>
+                </a:ext>
+              </a:extLst>
+            </p:cNvPr>
+            <p:cNvPicPr>
+              <a:picLocks noChangeAspect="1"/>
+            </p:cNvPicPr>
+            <p:nvPr/>
+          </p:nvPicPr>
+          <p:blipFill>
+            <a:blip r:embed="rId3"/>
+            <a:srcRect r="26861" b="3887"/>
+            <a:stretch/>
+          </p:blipFill>
+          <p:spPr>
+            <a:xfrm rot="5400000">
+              <a:off x="2572146" y="330968"/>
+              <a:ext cx="5939328" cy="5947416"/>
+            </a:xfrm>
+            <a:prstGeom prst="rect">
+              <a:avLst/>
+            </a:prstGeom>
+          </p:spPr>
+        </p:pic>
+      </p:grpSp>
+      <p:sp>
+        <p:nvSpPr>
+          <p:cNvPr id="2" name="Rechteck 1">
+            <a:extLst>
+              <a:ext uri="{FF2B5EF4-FFF2-40B4-BE49-F238E27FC236}">
+                <a16:creationId xmlns:a16="http://schemas.microsoft.com/office/drawing/2014/main" id="{8121565E-9BCE-7FBD-0C03-70AD3C292826}"/>
+              </a:ext>
+            </a:extLst>
+          </p:cNvPr>
+          <p:cNvSpPr/>
+          <p:nvPr/>
+        </p:nvSpPr>
+        <p:spPr>
+          <a:xfrm>
+            <a:off x="479023" y="3429000"/>
+            <a:ext cx="3795622" cy="314957"/>
+          </a:xfrm>
+          <a:prstGeom prst="rect">
+            <a:avLst/>
+          </a:prstGeom>
+        </p:spPr>
+        <p:style>
+          <a:lnRef idx="2">
+            <a:schemeClr val="accent2">
+              <a:shade val="15000"/>
+            </a:schemeClr>
+          </a:lnRef>
+          <a:fillRef idx="1">
+            <a:schemeClr val="accent2"/>
+          </a:fillRef>
+          <a:effectRef idx="0">
+            <a:schemeClr val="accent2"/>
+          </a:effectRef>
+          <a:fontRef idx="minor">
+            <a:schemeClr val="lt1"/>
+          </a:fontRef>
+        </p:style>
+        <p:txBody>
+          <a:bodyPr rtlCol="0" anchor="ctr"/>
+          <a:lstStyle/>
+          <a:p>
+            <a:pPr marL="0" marR="0" lvl="0" indent="0" algn="ctr" defTabSz="914400" rtl="0" eaLnBrk="1" fontAlgn="auto" latinLnBrk="0" hangingPunct="1">
+              <a:lnSpc>
+                <a:spcPct val="100000"/>
+              </a:lnSpc>
+              <a:spcBef>
+                <a:spcPts val="0"/>
+              </a:spcBef>
+              <a:spcAft>
+                <a:spcPts val="0"/>
+              </a:spcAft>
+              <a:buClrTx/>
+              <a:buSzTx/>
+              <a:buFontTx/>
+              <a:buNone/>
+              <a:tabLst/>
+              <a:defRPr/>
+            </a:pPr>
+            <a:endParaRPr kumimoji="0" lang="de-DE" sz="1800" b="0" i="0" u="none" strike="noStrike" kern="1200" cap="none" spc="0" normalizeH="0" baseline="0" noProof="0">
+              <a:ln>
+                <a:noFill/>
+              </a:ln>
+              <a:solidFill>
+                <a:prstClr val="white"/>
+              </a:solidFill>
+              <a:effectLst/>
+              <a:uLnTx/>
+              <a:uFillTx/>
+              <a:latin typeface="Aptos" panose="02110004020202020204"/>
+              <a:ea typeface="+mn-ea"/>
+              <a:cs typeface="+mn-cs"/>
+            </a:endParaRPr>
+          </a:p>
+        </p:txBody>
+      </p:sp>
+      <p:sp>
+        <p:nvSpPr>
+          <p:cNvPr id="3" name="Rechteck 2">
+            <a:extLst>
+              <a:ext uri="{FF2B5EF4-FFF2-40B4-BE49-F238E27FC236}">
+                <a16:creationId xmlns:a16="http://schemas.microsoft.com/office/drawing/2014/main" id="{CBB46C36-F1D7-5941-5051-E970D1C69F38}"/>
+              </a:ext>
+            </a:extLst>
+          </p:cNvPr>
+          <p:cNvSpPr/>
+          <p:nvPr/>
+        </p:nvSpPr>
+        <p:spPr>
+          <a:xfrm>
+            <a:off x="479023" y="3094679"/>
+            <a:ext cx="3795622" cy="314957"/>
+          </a:xfrm>
+          <a:prstGeom prst="rect">
+            <a:avLst/>
+          </a:prstGeom>
+        </p:spPr>
+        <p:style>
+          <a:lnRef idx="2">
+            <a:schemeClr val="accent2">
+              <a:shade val="15000"/>
+            </a:schemeClr>
+          </a:lnRef>
+          <a:fillRef idx="1">
+            <a:schemeClr val="accent2"/>
+          </a:fillRef>
+          <a:effectRef idx="0">
+            <a:schemeClr val="accent2"/>
+          </a:effectRef>
+          <a:fontRef idx="minor">
+            <a:schemeClr val="lt1"/>
+          </a:fontRef>
+        </p:style>
+        <p:txBody>
+          <a:bodyPr rtlCol="0" anchor="ctr"/>
+          <a:lstStyle/>
+          <a:p>
+            <a:pPr marL="0" marR="0" lvl="0" indent="0" algn="ctr" defTabSz="914400" rtl="0" eaLnBrk="1" fontAlgn="auto" latinLnBrk="0" hangingPunct="1">
+              <a:lnSpc>
+                <a:spcPct val="100000"/>
+              </a:lnSpc>
+              <a:spcBef>
+                <a:spcPts val="0"/>
+              </a:spcBef>
+              <a:spcAft>
+                <a:spcPts val="0"/>
+              </a:spcAft>
+              <a:buClrTx/>
+              <a:buSzTx/>
+              <a:buFontTx/>
+              <a:buNone/>
+              <a:tabLst/>
+              <a:defRPr/>
+            </a:pPr>
+            <a:endParaRPr kumimoji="0" lang="de-DE" sz="1800" b="0" i="0" u="none" strike="noStrike" kern="1200" cap="none" spc="0" normalizeH="0" baseline="0" noProof="0">
+              <a:ln>
+                <a:noFill/>
+              </a:ln>
+              <a:solidFill>
+                <a:prstClr val="white"/>
+              </a:solidFill>
+              <a:effectLst/>
+              <a:uLnTx/>
+              <a:uFillTx/>
+              <a:latin typeface="Aptos" panose="02110004020202020204"/>
+              <a:ea typeface="+mn-ea"/>
+              <a:cs typeface="+mn-cs"/>
+            </a:endParaRPr>
+          </a:p>
+        </p:txBody>
+      </p:sp>
+      <p:cxnSp>
+        <p:nvCxnSpPr>
+          <p:cNvPr id="6" name="Gerader Verbinder 5">
+            <a:extLst>
+              <a:ext uri="{FF2B5EF4-FFF2-40B4-BE49-F238E27FC236}">
+                <a16:creationId xmlns:a16="http://schemas.microsoft.com/office/drawing/2014/main" id="{099E3833-CA62-8CCD-1ABA-EC4F336C17B0}"/>
+              </a:ext>
+            </a:extLst>
+          </p:cNvPr>
+          <p:cNvCxnSpPr/>
+          <p:nvPr/>
+        </p:nvCxnSpPr>
+        <p:spPr>
+          <a:xfrm>
+            <a:off x="4166559" y="3252158"/>
+            <a:ext cx="776377" cy="0"/>
+          </a:xfrm>
+          <a:prstGeom prst="line">
+            <a:avLst/>
+          </a:prstGeom>
+        </p:spPr>
+        <p:style>
+          <a:lnRef idx="2">
+            <a:schemeClr val="accent1"/>
+          </a:lnRef>
+          <a:fillRef idx="0">
+            <a:schemeClr val="accent1"/>
+          </a:fillRef>
+          <a:effectRef idx="1">
+            <a:schemeClr val="accent1"/>
+          </a:effectRef>
+          <a:fontRef idx="minor">
+            <a:schemeClr val="tx1"/>
+          </a:fontRef>
+        </p:style>
+      </p:cxnSp>
+      <p:cxnSp>
+        <p:nvCxnSpPr>
+          <p:cNvPr id="11" name="Gerader Verbinder 10">
+            <a:extLst>
+              <a:ext uri="{FF2B5EF4-FFF2-40B4-BE49-F238E27FC236}">
+                <a16:creationId xmlns:a16="http://schemas.microsoft.com/office/drawing/2014/main" id="{BC682123-C7E3-6AFE-75D3-22DBDCBB6FD7}"/>
+              </a:ext>
+            </a:extLst>
+          </p:cNvPr>
+          <p:cNvCxnSpPr/>
+          <p:nvPr/>
+        </p:nvCxnSpPr>
+        <p:spPr>
+          <a:xfrm flipH="1">
+            <a:off x="4796287" y="2932981"/>
+            <a:ext cx="293298" cy="496019"/>
+          </a:xfrm>
+          <a:prstGeom prst="line">
+            <a:avLst/>
+          </a:prstGeom>
+        </p:spPr>
+        <p:style>
+          <a:lnRef idx="2">
+            <a:schemeClr val="accent1"/>
+          </a:lnRef>
+          <a:fillRef idx="0">
+            <a:schemeClr val="accent1"/>
+          </a:fillRef>
+          <a:effectRef idx="1">
+            <a:schemeClr val="accent1"/>
+          </a:effectRef>
+          <a:fontRef idx="minor">
+            <a:schemeClr val="tx1"/>
+          </a:fontRef>
+        </p:style>
+      </p:cxnSp>
+    </p:spTree>
+    <p:extLst>
+      <p:ext uri="{BB962C8B-B14F-4D97-AF65-F5344CB8AC3E}">
+        <p14:creationId xmlns:p14="http://schemas.microsoft.com/office/powerpoint/2010/main" val="1597580156"/>
+      </p:ext>
+    </p:extLst>
+  </p:cSld>
+  <p:clrMapOvr>
+    <a:masterClrMapping/>
+  </p:clrMapOvr>
+</p:sld>
+</file>
+
+<file path=ppt/slides/slide17.xml><?xml version="1.0" encoding="utf-8"?>
 <p:sld xmlns:a="http://schemas.openxmlformats.org/drawingml/2006/main" xmlns:r="http://schemas.openxmlformats.org/officeDocument/2006/relationships" xmlns:p="http://schemas.openxmlformats.org/presentationml/2006/main">
   <p:cSld>
     <p:spTree>

--- a/examples/UrbanTopologies.pptx
+++ b/examples/UrbanTopologies.pptx
@@ -215,7 +215,7 @@
           <a:p>
             <a:fld id="{6C57E5E1-517F-429D-81ED-272A083D513A}" type="datetimeFigureOut">
               <a:rPr lang="de-DE" smtClean="0"/>
-              <a:t>24.06.2025</a:t>
+              <a:t>01.07.2025</a:t>
             </a:fld>
             <a:endParaRPr lang="de-DE"/>
           </a:p>
@@ -713,7 +713,7 @@
           <a:p>
             <a:fld id="{F3EB2857-2321-4C4D-8D06-77DF79DF910F}" type="datetimeFigureOut">
               <a:rPr lang="de-DE" smtClean="0"/>
-              <a:t>24.06.2025</a:t>
+              <a:t>01.07.2025</a:t>
             </a:fld>
             <a:endParaRPr lang="de-DE"/>
           </a:p>
@@ -911,7 +911,7 @@
           <a:p>
             <a:fld id="{F3EB2857-2321-4C4D-8D06-77DF79DF910F}" type="datetimeFigureOut">
               <a:rPr lang="de-DE" smtClean="0"/>
-              <a:t>24.06.2025</a:t>
+              <a:t>01.07.2025</a:t>
             </a:fld>
             <a:endParaRPr lang="de-DE"/>
           </a:p>
@@ -1119,7 +1119,7 @@
           <a:p>
             <a:fld id="{F3EB2857-2321-4C4D-8D06-77DF79DF910F}" type="datetimeFigureOut">
               <a:rPr lang="de-DE" smtClean="0"/>
-              <a:t>24.06.2025</a:t>
+              <a:t>01.07.2025</a:t>
             </a:fld>
             <a:endParaRPr lang="de-DE"/>
           </a:p>
@@ -1339,7 +1339,7 @@
           <a:p>
             <a:fld id="{93318F87-FAB0-47FE-97DA-44085A772572}" type="datetimeFigureOut">
               <a:rPr lang="de-DE" smtClean="0"/>
-              <a:t>24.06.2025</a:t>
+              <a:t>01.07.2025</a:t>
             </a:fld>
             <a:endParaRPr lang="de-DE"/>
           </a:p>
@@ -1537,7 +1537,7 @@
           <a:p>
             <a:fld id="{93318F87-FAB0-47FE-97DA-44085A772572}" type="datetimeFigureOut">
               <a:rPr lang="de-DE" smtClean="0"/>
-              <a:t>24.06.2025</a:t>
+              <a:t>01.07.2025</a:t>
             </a:fld>
             <a:endParaRPr lang="de-DE"/>
           </a:p>
@@ -1812,7 +1812,7 @@
           <a:p>
             <a:fld id="{93318F87-FAB0-47FE-97DA-44085A772572}" type="datetimeFigureOut">
               <a:rPr lang="de-DE" smtClean="0"/>
-              <a:t>24.06.2025</a:t>
+              <a:t>01.07.2025</a:t>
             </a:fld>
             <a:endParaRPr lang="de-DE"/>
           </a:p>
@@ -2077,7 +2077,7 @@
           <a:p>
             <a:fld id="{93318F87-FAB0-47FE-97DA-44085A772572}" type="datetimeFigureOut">
               <a:rPr lang="de-DE" smtClean="0"/>
-              <a:t>24.06.2025</a:t>
+              <a:t>01.07.2025</a:t>
             </a:fld>
             <a:endParaRPr lang="de-DE"/>
           </a:p>
@@ -2489,7 +2489,7 @@
           <a:p>
             <a:fld id="{93318F87-FAB0-47FE-97DA-44085A772572}" type="datetimeFigureOut">
               <a:rPr lang="de-DE" smtClean="0"/>
-              <a:t>24.06.2025</a:t>
+              <a:t>01.07.2025</a:t>
             </a:fld>
             <a:endParaRPr lang="de-DE"/>
           </a:p>
@@ -2630,7 +2630,7 @@
           <a:p>
             <a:fld id="{93318F87-FAB0-47FE-97DA-44085A772572}" type="datetimeFigureOut">
               <a:rPr lang="de-DE" smtClean="0"/>
-              <a:t>24.06.2025</a:t>
+              <a:t>01.07.2025</a:t>
             </a:fld>
             <a:endParaRPr lang="de-DE"/>
           </a:p>
@@ -2743,7 +2743,7 @@
           <a:p>
             <a:fld id="{93318F87-FAB0-47FE-97DA-44085A772572}" type="datetimeFigureOut">
               <a:rPr lang="de-DE" smtClean="0"/>
-              <a:t>24.06.2025</a:t>
+              <a:t>01.07.2025</a:t>
             </a:fld>
             <a:endParaRPr lang="de-DE"/>
           </a:p>
@@ -3054,7 +3054,7 @@
           <a:p>
             <a:fld id="{93318F87-FAB0-47FE-97DA-44085A772572}" type="datetimeFigureOut">
               <a:rPr lang="de-DE" smtClean="0"/>
-              <a:t>24.06.2025</a:t>
+              <a:t>01.07.2025</a:t>
             </a:fld>
             <a:endParaRPr lang="de-DE"/>
           </a:p>
@@ -3252,7 +3252,7 @@
           <a:p>
             <a:fld id="{F3EB2857-2321-4C4D-8D06-77DF79DF910F}" type="datetimeFigureOut">
               <a:rPr lang="de-DE" smtClean="0"/>
-              <a:t>24.06.2025</a:t>
+              <a:t>01.07.2025</a:t>
             </a:fld>
             <a:endParaRPr lang="de-DE"/>
           </a:p>
@@ -3540,7 +3540,7 @@
           <a:p>
             <a:fld id="{93318F87-FAB0-47FE-97DA-44085A772572}" type="datetimeFigureOut">
               <a:rPr lang="de-DE" smtClean="0"/>
-              <a:t>24.06.2025</a:t>
+              <a:t>01.07.2025</a:t>
             </a:fld>
             <a:endParaRPr lang="de-DE"/>
           </a:p>
@@ -3738,7 +3738,7 @@
           <a:p>
             <a:fld id="{93318F87-FAB0-47FE-97DA-44085A772572}" type="datetimeFigureOut">
               <a:rPr lang="de-DE" smtClean="0"/>
-              <a:t>24.06.2025</a:t>
+              <a:t>01.07.2025</a:t>
             </a:fld>
             <a:endParaRPr lang="de-DE"/>
           </a:p>
@@ -3946,7 +3946,7 @@
           <a:p>
             <a:fld id="{93318F87-FAB0-47FE-97DA-44085A772572}" type="datetimeFigureOut">
               <a:rPr lang="de-DE" smtClean="0"/>
-              <a:t>24.06.2025</a:t>
+              <a:t>01.07.2025</a:t>
             </a:fld>
             <a:endParaRPr lang="de-DE"/>
           </a:p>
@@ -4221,7 +4221,7 @@
           <a:p>
             <a:fld id="{F3EB2857-2321-4C4D-8D06-77DF79DF910F}" type="datetimeFigureOut">
               <a:rPr lang="de-DE" smtClean="0"/>
-              <a:t>24.06.2025</a:t>
+              <a:t>01.07.2025</a:t>
             </a:fld>
             <a:endParaRPr lang="de-DE"/>
           </a:p>
@@ -4486,7 +4486,7 @@
           <a:p>
             <a:fld id="{F3EB2857-2321-4C4D-8D06-77DF79DF910F}" type="datetimeFigureOut">
               <a:rPr lang="de-DE" smtClean="0"/>
-              <a:t>24.06.2025</a:t>
+              <a:t>01.07.2025</a:t>
             </a:fld>
             <a:endParaRPr lang="de-DE"/>
           </a:p>
@@ -4898,7 +4898,7 @@
           <a:p>
             <a:fld id="{F3EB2857-2321-4C4D-8D06-77DF79DF910F}" type="datetimeFigureOut">
               <a:rPr lang="de-DE" smtClean="0"/>
-              <a:t>24.06.2025</a:t>
+              <a:t>01.07.2025</a:t>
             </a:fld>
             <a:endParaRPr lang="de-DE"/>
           </a:p>
@@ -5039,7 +5039,7 @@
           <a:p>
             <a:fld id="{F3EB2857-2321-4C4D-8D06-77DF79DF910F}" type="datetimeFigureOut">
               <a:rPr lang="de-DE" smtClean="0"/>
-              <a:t>24.06.2025</a:t>
+              <a:t>01.07.2025</a:t>
             </a:fld>
             <a:endParaRPr lang="de-DE"/>
           </a:p>
@@ -5152,7 +5152,7 @@
           <a:p>
             <a:fld id="{F3EB2857-2321-4C4D-8D06-77DF79DF910F}" type="datetimeFigureOut">
               <a:rPr lang="de-DE" smtClean="0"/>
-              <a:t>24.06.2025</a:t>
+              <a:t>01.07.2025</a:t>
             </a:fld>
             <a:endParaRPr lang="de-DE"/>
           </a:p>
@@ -5463,7 +5463,7 @@
           <a:p>
             <a:fld id="{F3EB2857-2321-4C4D-8D06-77DF79DF910F}" type="datetimeFigureOut">
               <a:rPr lang="de-DE" smtClean="0"/>
-              <a:t>24.06.2025</a:t>
+              <a:t>01.07.2025</a:t>
             </a:fld>
             <a:endParaRPr lang="de-DE"/>
           </a:p>
@@ -5751,7 +5751,7 @@
           <a:p>
             <a:fld id="{F3EB2857-2321-4C4D-8D06-77DF79DF910F}" type="datetimeFigureOut">
               <a:rPr lang="de-DE" smtClean="0"/>
-              <a:t>24.06.2025</a:t>
+              <a:t>01.07.2025</a:t>
             </a:fld>
             <a:endParaRPr lang="de-DE"/>
           </a:p>
@@ -5992,7 +5992,7 @@
           <a:p>
             <a:fld id="{F3EB2857-2321-4C4D-8D06-77DF79DF910F}" type="datetimeFigureOut">
               <a:rPr lang="de-DE" smtClean="0"/>
-              <a:t>24.06.2025</a:t>
+              <a:t>01.07.2025</a:t>
             </a:fld>
             <a:endParaRPr lang="de-DE"/>
           </a:p>
@@ -6560,7 +6560,7 @@
           <a:p>
             <a:fld id="{93318F87-FAB0-47FE-97DA-44085A772572}" type="datetimeFigureOut">
               <a:rPr lang="de-DE" smtClean="0"/>
-              <a:t>24.06.2025</a:t>
+              <a:t>01.07.2025</a:t>
             </a:fld>
             <a:endParaRPr lang="de-DE"/>
           </a:p>
@@ -8420,6 +8420,45 @@
             <a:r>
               <a:rPr lang="de-DE" dirty="0"/>
               <a:t>4+EPS</a:t>
+            </a:r>
+          </a:p>
+        </p:txBody>
+      </p:sp>
+      <p:sp>
+        <p:nvSpPr>
+          <p:cNvPr id="4" name="Textfeld 3">
+            <a:extLst>
+              <a:ext uri="{FF2B5EF4-FFF2-40B4-BE49-F238E27FC236}">
+                <a16:creationId xmlns:a16="http://schemas.microsoft.com/office/drawing/2014/main" id="{6EFD96F6-4639-26FC-5383-1B48C18CF8BA}"/>
+              </a:ext>
+            </a:extLst>
+          </p:cNvPr>
+          <p:cNvSpPr txBox="1"/>
+          <p:nvPr/>
+        </p:nvSpPr>
+        <p:spPr>
+          <a:xfrm>
+            <a:off x="6581955" y="301925"/>
+            <a:ext cx="5098211" cy="369332"/>
+          </a:xfrm>
+          <a:prstGeom prst="rect">
+            <a:avLst/>
+          </a:prstGeom>
+          <a:noFill/>
+        </p:spPr>
+        <p:txBody>
+          <a:bodyPr wrap="square" rtlCol="0">
+            <a:spAutoFit/>
+          </a:bodyPr>
+          <a:lstStyle/>
+          <a:p>
+            <a:r>
+              <a:rPr lang="de-DE" dirty="0" err="1"/>
+              <a:t>For</a:t>
+            </a:r>
+            <a:r>
+              <a:rPr lang="de-DE" dirty="0"/>
+              <a:t> UCD</a:t>
             </a:r>
           </a:p>
         </p:txBody>
@@ -28037,6 +28076,66 @@
           </a:p>
         </p:txBody>
       </p:sp>
+      <p:sp>
+        <p:nvSpPr>
+          <p:cNvPr id="2" name="Textfeld 1">
+            <a:extLst>
+              <a:ext uri="{FF2B5EF4-FFF2-40B4-BE49-F238E27FC236}">
+                <a16:creationId xmlns:a16="http://schemas.microsoft.com/office/drawing/2014/main" id="{2648E339-EF97-3823-0C7A-66176246E104}"/>
+              </a:ext>
+            </a:extLst>
+          </p:cNvPr>
+          <p:cNvSpPr txBox="1"/>
+          <p:nvPr/>
+        </p:nvSpPr>
+        <p:spPr>
+          <a:xfrm>
+            <a:off x="6096000" y="338667"/>
+            <a:ext cx="4057291" cy="369332"/>
+          </a:xfrm>
+          <a:prstGeom prst="rect">
+            <a:avLst/>
+          </a:prstGeom>
+          <a:noFill/>
+        </p:spPr>
+        <p:txBody>
+          <a:bodyPr wrap="square" rtlCol="0">
+            <a:spAutoFit/>
+          </a:bodyPr>
+          <a:lstStyle/>
+          <a:p>
+            <a:r>
+              <a:rPr lang="de-DE" dirty="0" err="1"/>
+              <a:t>For</a:t>
+            </a:r>
+            <a:r>
+              <a:rPr lang="de-DE" dirty="0"/>
+              <a:t> ego-</a:t>
+            </a:r>
+            <a:r>
+              <a:rPr lang="de-DE" dirty="0" err="1"/>
+              <a:t>less</a:t>
+            </a:r>
+            <a:r>
+              <a:rPr lang="de-DE" dirty="0"/>
+              <a:t> </a:t>
+            </a:r>
+            <a:r>
+              <a:rPr lang="de-DE" dirty="0" err="1"/>
+              <a:t>driving</a:t>
+            </a:r>
+            <a:r>
+              <a:rPr lang="de-DE" dirty="0"/>
+              <a:t>/MC </a:t>
+            </a:r>
+            <a:r>
+              <a:rPr lang="de-DE"/>
+              <a:t>planning</a:t>
+            </a:r>
+            <a:endParaRPr lang="de-DE" dirty="0"/>
+          </a:p>
+        </p:txBody>
+      </p:sp>
     </p:spTree>
     <p:extLst>
       <p:ext uri="{BB962C8B-B14F-4D97-AF65-F5344CB8AC3E}">

--- a/examples/UrbanTopologies.pptx
+++ b/examples/UrbanTopologies.pptx
@@ -6,7 +6,7 @@
     <p:sldMasterId id="2147483660" r:id="rId2"/>
   </p:sldMasterIdLst>
   <p:notesMasterIdLst>
-    <p:notesMasterId r:id="rId21"/>
+    <p:notesMasterId r:id="rId22"/>
   </p:notesMasterIdLst>
   <p:sldIdLst>
     <p:sldId id="268" r:id="rId3"/>
@@ -27,6 +27,7 @@
     <p:sldId id="271" r:id="rId18"/>
     <p:sldId id="273" r:id="rId19"/>
     <p:sldId id="272" r:id="rId20"/>
+    <p:sldId id="275" r:id="rId21"/>
   </p:sldIdLst>
   <p:sldSz cx="12192000" cy="6858000"/>
   <p:notesSz cx="6858000" cy="9144000"/>
@@ -215,7 +216,7 @@
           <a:p>
             <a:fld id="{6C57E5E1-517F-429D-81ED-272A083D513A}" type="datetimeFigureOut">
               <a:rPr lang="de-DE" smtClean="0"/>
-              <a:t>01.07.2025</a:t>
+              <a:t>02.07.2025</a:t>
             </a:fld>
             <a:endParaRPr lang="de-DE"/>
           </a:p>
@@ -713,7 +714,7 @@
           <a:p>
             <a:fld id="{F3EB2857-2321-4C4D-8D06-77DF79DF910F}" type="datetimeFigureOut">
               <a:rPr lang="de-DE" smtClean="0"/>
-              <a:t>01.07.2025</a:t>
+              <a:t>02.07.2025</a:t>
             </a:fld>
             <a:endParaRPr lang="de-DE"/>
           </a:p>
@@ -911,7 +912,7 @@
           <a:p>
             <a:fld id="{F3EB2857-2321-4C4D-8D06-77DF79DF910F}" type="datetimeFigureOut">
               <a:rPr lang="de-DE" smtClean="0"/>
-              <a:t>01.07.2025</a:t>
+              <a:t>02.07.2025</a:t>
             </a:fld>
             <a:endParaRPr lang="de-DE"/>
           </a:p>
@@ -1119,7 +1120,7 @@
           <a:p>
             <a:fld id="{F3EB2857-2321-4C4D-8D06-77DF79DF910F}" type="datetimeFigureOut">
               <a:rPr lang="de-DE" smtClean="0"/>
-              <a:t>01.07.2025</a:t>
+              <a:t>02.07.2025</a:t>
             </a:fld>
             <a:endParaRPr lang="de-DE"/>
           </a:p>
@@ -1339,7 +1340,7 @@
           <a:p>
             <a:fld id="{93318F87-FAB0-47FE-97DA-44085A772572}" type="datetimeFigureOut">
               <a:rPr lang="de-DE" smtClean="0"/>
-              <a:t>01.07.2025</a:t>
+              <a:t>02.07.2025</a:t>
             </a:fld>
             <a:endParaRPr lang="de-DE"/>
           </a:p>
@@ -1537,7 +1538,7 @@
           <a:p>
             <a:fld id="{93318F87-FAB0-47FE-97DA-44085A772572}" type="datetimeFigureOut">
               <a:rPr lang="de-DE" smtClean="0"/>
-              <a:t>01.07.2025</a:t>
+              <a:t>02.07.2025</a:t>
             </a:fld>
             <a:endParaRPr lang="de-DE"/>
           </a:p>
@@ -1812,7 +1813,7 @@
           <a:p>
             <a:fld id="{93318F87-FAB0-47FE-97DA-44085A772572}" type="datetimeFigureOut">
               <a:rPr lang="de-DE" smtClean="0"/>
-              <a:t>01.07.2025</a:t>
+              <a:t>02.07.2025</a:t>
             </a:fld>
             <a:endParaRPr lang="de-DE"/>
           </a:p>
@@ -2077,7 +2078,7 @@
           <a:p>
             <a:fld id="{93318F87-FAB0-47FE-97DA-44085A772572}" type="datetimeFigureOut">
               <a:rPr lang="de-DE" smtClean="0"/>
-              <a:t>01.07.2025</a:t>
+              <a:t>02.07.2025</a:t>
             </a:fld>
             <a:endParaRPr lang="de-DE"/>
           </a:p>
@@ -2489,7 +2490,7 @@
           <a:p>
             <a:fld id="{93318F87-FAB0-47FE-97DA-44085A772572}" type="datetimeFigureOut">
               <a:rPr lang="de-DE" smtClean="0"/>
-              <a:t>01.07.2025</a:t>
+              <a:t>02.07.2025</a:t>
             </a:fld>
             <a:endParaRPr lang="de-DE"/>
           </a:p>
@@ -2630,7 +2631,7 @@
           <a:p>
             <a:fld id="{93318F87-FAB0-47FE-97DA-44085A772572}" type="datetimeFigureOut">
               <a:rPr lang="de-DE" smtClean="0"/>
-              <a:t>01.07.2025</a:t>
+              <a:t>02.07.2025</a:t>
             </a:fld>
             <a:endParaRPr lang="de-DE"/>
           </a:p>
@@ -2743,7 +2744,7 @@
           <a:p>
             <a:fld id="{93318F87-FAB0-47FE-97DA-44085A772572}" type="datetimeFigureOut">
               <a:rPr lang="de-DE" smtClean="0"/>
-              <a:t>01.07.2025</a:t>
+              <a:t>02.07.2025</a:t>
             </a:fld>
             <a:endParaRPr lang="de-DE"/>
           </a:p>
@@ -3054,7 +3055,7 @@
           <a:p>
             <a:fld id="{93318F87-FAB0-47FE-97DA-44085A772572}" type="datetimeFigureOut">
               <a:rPr lang="de-DE" smtClean="0"/>
-              <a:t>01.07.2025</a:t>
+              <a:t>02.07.2025</a:t>
             </a:fld>
             <a:endParaRPr lang="de-DE"/>
           </a:p>
@@ -3252,7 +3253,7 @@
           <a:p>
             <a:fld id="{F3EB2857-2321-4C4D-8D06-77DF79DF910F}" type="datetimeFigureOut">
               <a:rPr lang="de-DE" smtClean="0"/>
-              <a:t>01.07.2025</a:t>
+              <a:t>02.07.2025</a:t>
             </a:fld>
             <a:endParaRPr lang="de-DE"/>
           </a:p>
@@ -3540,7 +3541,7 @@
           <a:p>
             <a:fld id="{93318F87-FAB0-47FE-97DA-44085A772572}" type="datetimeFigureOut">
               <a:rPr lang="de-DE" smtClean="0"/>
-              <a:t>01.07.2025</a:t>
+              <a:t>02.07.2025</a:t>
             </a:fld>
             <a:endParaRPr lang="de-DE"/>
           </a:p>
@@ -3738,7 +3739,7 @@
           <a:p>
             <a:fld id="{93318F87-FAB0-47FE-97DA-44085A772572}" type="datetimeFigureOut">
               <a:rPr lang="de-DE" smtClean="0"/>
-              <a:t>01.07.2025</a:t>
+              <a:t>02.07.2025</a:t>
             </a:fld>
             <a:endParaRPr lang="de-DE"/>
           </a:p>
@@ -3946,7 +3947,7 @@
           <a:p>
             <a:fld id="{93318F87-FAB0-47FE-97DA-44085A772572}" type="datetimeFigureOut">
               <a:rPr lang="de-DE" smtClean="0"/>
-              <a:t>01.07.2025</a:t>
+              <a:t>02.07.2025</a:t>
             </a:fld>
             <a:endParaRPr lang="de-DE"/>
           </a:p>
@@ -4221,7 +4222,7 @@
           <a:p>
             <a:fld id="{F3EB2857-2321-4C4D-8D06-77DF79DF910F}" type="datetimeFigureOut">
               <a:rPr lang="de-DE" smtClean="0"/>
-              <a:t>01.07.2025</a:t>
+              <a:t>02.07.2025</a:t>
             </a:fld>
             <a:endParaRPr lang="de-DE"/>
           </a:p>
@@ -4486,7 +4487,7 @@
           <a:p>
             <a:fld id="{F3EB2857-2321-4C4D-8D06-77DF79DF910F}" type="datetimeFigureOut">
               <a:rPr lang="de-DE" smtClean="0"/>
-              <a:t>01.07.2025</a:t>
+              <a:t>02.07.2025</a:t>
             </a:fld>
             <a:endParaRPr lang="de-DE"/>
           </a:p>
@@ -4898,7 +4899,7 @@
           <a:p>
             <a:fld id="{F3EB2857-2321-4C4D-8D06-77DF79DF910F}" type="datetimeFigureOut">
               <a:rPr lang="de-DE" smtClean="0"/>
-              <a:t>01.07.2025</a:t>
+              <a:t>02.07.2025</a:t>
             </a:fld>
             <a:endParaRPr lang="de-DE"/>
           </a:p>
@@ -5039,7 +5040,7 @@
           <a:p>
             <a:fld id="{F3EB2857-2321-4C4D-8D06-77DF79DF910F}" type="datetimeFigureOut">
               <a:rPr lang="de-DE" smtClean="0"/>
-              <a:t>01.07.2025</a:t>
+              <a:t>02.07.2025</a:t>
             </a:fld>
             <a:endParaRPr lang="de-DE"/>
           </a:p>
@@ -5152,7 +5153,7 @@
           <a:p>
             <a:fld id="{F3EB2857-2321-4C4D-8D06-77DF79DF910F}" type="datetimeFigureOut">
               <a:rPr lang="de-DE" smtClean="0"/>
-              <a:t>01.07.2025</a:t>
+              <a:t>02.07.2025</a:t>
             </a:fld>
             <a:endParaRPr lang="de-DE"/>
           </a:p>
@@ -5463,7 +5464,7 @@
           <a:p>
             <a:fld id="{F3EB2857-2321-4C4D-8D06-77DF79DF910F}" type="datetimeFigureOut">
               <a:rPr lang="de-DE" smtClean="0"/>
-              <a:t>01.07.2025</a:t>
+              <a:t>02.07.2025</a:t>
             </a:fld>
             <a:endParaRPr lang="de-DE"/>
           </a:p>
@@ -5751,7 +5752,7 @@
           <a:p>
             <a:fld id="{F3EB2857-2321-4C4D-8D06-77DF79DF910F}" type="datetimeFigureOut">
               <a:rPr lang="de-DE" smtClean="0"/>
-              <a:t>01.07.2025</a:t>
+              <a:t>02.07.2025</a:t>
             </a:fld>
             <a:endParaRPr lang="de-DE"/>
           </a:p>
@@ -5992,7 +5993,7 @@
           <a:p>
             <a:fld id="{F3EB2857-2321-4C4D-8D06-77DF79DF910F}" type="datetimeFigureOut">
               <a:rPr lang="de-DE" smtClean="0"/>
-              <a:t>01.07.2025</a:t>
+              <a:t>02.07.2025</a:t>
             </a:fld>
             <a:endParaRPr lang="de-DE"/>
           </a:p>
@@ -6560,7 +6561,7 @@
           <a:p>
             <a:fld id="{93318F87-FAB0-47FE-97DA-44085A772572}" type="datetimeFigureOut">
               <a:rPr lang="de-DE" smtClean="0"/>
-              <a:t>01.07.2025</a:t>
+              <a:t>02.07.2025</a:t>
             </a:fld>
             <a:endParaRPr lang="de-DE"/>
           </a:p>
@@ -27274,6 +27275,503 @@
 </p:sld>
 </file>
 
+<file path=ppt/slides/slide19.xml><?xml version="1.0" encoding="utf-8"?>
+<p:sld xmlns:a="http://schemas.openxmlformats.org/drawingml/2006/main" xmlns:r="http://schemas.openxmlformats.org/officeDocument/2006/relationships" xmlns:p="http://schemas.openxmlformats.org/presentationml/2006/main">
+  <p:cSld>
+    <p:spTree>
+      <p:nvGrpSpPr>
+        <p:cNvPr id="1" name=""/>
+        <p:cNvGrpSpPr/>
+        <p:nvPr/>
+      </p:nvGrpSpPr>
+      <p:grpSpPr>
+        <a:xfrm>
+          <a:off x="0" y="0"/>
+          <a:ext cx="0" cy="0"/>
+          <a:chOff x="0" y="0"/>
+          <a:chExt cx="0" cy="0"/>
+        </a:xfrm>
+      </p:grpSpPr>
+      <p:pic>
+        <p:nvPicPr>
+          <p:cNvPr id="5" name="Grafik 4">
+            <a:extLst>
+              <a:ext uri="{FF2B5EF4-FFF2-40B4-BE49-F238E27FC236}">
+                <a16:creationId xmlns:a16="http://schemas.microsoft.com/office/drawing/2014/main" id="{E516905D-C033-A48F-EA37-B5D8BED941E5}"/>
+              </a:ext>
+            </a:extLst>
+          </p:cNvPr>
+          <p:cNvPicPr>
+            <a:picLocks noChangeAspect="1"/>
+          </p:cNvPicPr>
+          <p:nvPr/>
+        </p:nvPicPr>
+        <p:blipFill>
+          <a:blip r:embed="rId2">
+            <a:extLst>
+              <a:ext uri="{28A0092B-C50C-407E-A947-70E740481C1C}">
+                <a14:useLocalDpi xmlns:a14="http://schemas.microsoft.com/office/drawing/2010/main" val="0"/>
+              </a:ext>
+            </a:extLst>
+          </a:blip>
+          <a:stretch>
+            <a:fillRect/>
+          </a:stretch>
+        </p:blipFill>
+        <p:spPr>
+          <a:xfrm>
+            <a:off x="2885648" y="0"/>
+            <a:ext cx="6420704" cy="6858000"/>
+          </a:xfrm>
+          <a:prstGeom prst="rect">
+            <a:avLst/>
+          </a:prstGeom>
+        </p:spPr>
+      </p:pic>
+      <p:sp>
+        <p:nvSpPr>
+          <p:cNvPr id="6" name="Rechteck: abgerundete Ecken 5">
+            <a:extLst>
+              <a:ext uri="{FF2B5EF4-FFF2-40B4-BE49-F238E27FC236}">
+                <a16:creationId xmlns:a16="http://schemas.microsoft.com/office/drawing/2014/main" id="{4F21D7D1-CB89-0044-93BC-70DA25EBBDC6}"/>
+              </a:ext>
+            </a:extLst>
+          </p:cNvPr>
+          <p:cNvSpPr/>
+          <p:nvPr/>
+        </p:nvSpPr>
+        <p:spPr>
+          <a:xfrm rot="2700000">
+            <a:off x="5462588" y="2943225"/>
+            <a:ext cx="257175" cy="45719"/>
+          </a:xfrm>
+          <a:prstGeom prst="roundRect">
+            <a:avLst/>
+          </a:prstGeom>
+        </p:spPr>
+        <p:style>
+          <a:lnRef idx="2">
+            <a:schemeClr val="accent2">
+              <a:shade val="15000"/>
+            </a:schemeClr>
+          </a:lnRef>
+          <a:fillRef idx="1">
+            <a:schemeClr val="accent2"/>
+          </a:fillRef>
+          <a:effectRef idx="0">
+            <a:schemeClr val="accent2"/>
+          </a:effectRef>
+          <a:fontRef idx="minor">
+            <a:schemeClr val="lt1"/>
+          </a:fontRef>
+        </p:style>
+        <p:txBody>
+          <a:bodyPr rtlCol="0" anchor="ctr"/>
+          <a:lstStyle/>
+          <a:p>
+            <a:pPr algn="ctr"/>
+            <a:endParaRPr lang="de-DE"/>
+          </a:p>
+        </p:txBody>
+      </p:sp>
+      <p:sp>
+        <p:nvSpPr>
+          <p:cNvPr id="7" name="Rechteck: abgerundete Ecken 6">
+            <a:extLst>
+              <a:ext uri="{FF2B5EF4-FFF2-40B4-BE49-F238E27FC236}">
+                <a16:creationId xmlns:a16="http://schemas.microsoft.com/office/drawing/2014/main" id="{23C0EFBA-8AEB-13B4-89DC-82D482648FB8}"/>
+              </a:ext>
+            </a:extLst>
+          </p:cNvPr>
+          <p:cNvSpPr/>
+          <p:nvPr/>
+        </p:nvSpPr>
+        <p:spPr>
+          <a:xfrm rot="2700000">
+            <a:off x="6600825" y="3761967"/>
+            <a:ext cx="257175" cy="45719"/>
+          </a:xfrm>
+          <a:prstGeom prst="roundRect">
+            <a:avLst/>
+          </a:prstGeom>
+        </p:spPr>
+        <p:style>
+          <a:lnRef idx="2">
+            <a:schemeClr val="accent2">
+              <a:shade val="15000"/>
+            </a:schemeClr>
+          </a:lnRef>
+          <a:fillRef idx="1">
+            <a:schemeClr val="accent2"/>
+          </a:fillRef>
+          <a:effectRef idx="0">
+            <a:schemeClr val="accent2"/>
+          </a:effectRef>
+          <a:fontRef idx="minor">
+            <a:schemeClr val="lt1"/>
+          </a:fontRef>
+        </p:style>
+        <p:txBody>
+          <a:bodyPr rtlCol="0" anchor="ctr"/>
+          <a:lstStyle/>
+          <a:p>
+            <a:pPr algn="ctr"/>
+            <a:endParaRPr lang="de-DE"/>
+          </a:p>
+        </p:txBody>
+      </p:sp>
+      <p:sp>
+        <p:nvSpPr>
+          <p:cNvPr id="8" name="Rechteck: abgerundete Ecken 7">
+            <a:extLst>
+              <a:ext uri="{FF2B5EF4-FFF2-40B4-BE49-F238E27FC236}">
+                <a16:creationId xmlns:a16="http://schemas.microsoft.com/office/drawing/2014/main" id="{F5EAC986-B764-FDFD-F342-9C2CDEFEB8AA}"/>
+              </a:ext>
+            </a:extLst>
+          </p:cNvPr>
+          <p:cNvSpPr/>
+          <p:nvPr/>
+        </p:nvSpPr>
+        <p:spPr>
+          <a:xfrm rot="-2700000">
+            <a:off x="6600824" y="2943224"/>
+            <a:ext cx="257175" cy="45719"/>
+          </a:xfrm>
+          <a:prstGeom prst="roundRect">
+            <a:avLst/>
+          </a:prstGeom>
+        </p:spPr>
+        <p:style>
+          <a:lnRef idx="2">
+            <a:schemeClr val="accent2">
+              <a:shade val="15000"/>
+            </a:schemeClr>
+          </a:lnRef>
+          <a:fillRef idx="1">
+            <a:schemeClr val="accent2"/>
+          </a:fillRef>
+          <a:effectRef idx="0">
+            <a:schemeClr val="accent2"/>
+          </a:effectRef>
+          <a:fontRef idx="minor">
+            <a:schemeClr val="lt1"/>
+          </a:fontRef>
+        </p:style>
+        <p:txBody>
+          <a:bodyPr rtlCol="0" anchor="ctr"/>
+          <a:lstStyle/>
+          <a:p>
+            <a:pPr algn="ctr"/>
+            <a:endParaRPr lang="de-DE"/>
+          </a:p>
+        </p:txBody>
+      </p:sp>
+      <p:sp>
+        <p:nvSpPr>
+          <p:cNvPr id="9" name="Rechteck: abgerundete Ecken 8">
+            <a:extLst>
+              <a:ext uri="{FF2B5EF4-FFF2-40B4-BE49-F238E27FC236}">
+                <a16:creationId xmlns:a16="http://schemas.microsoft.com/office/drawing/2014/main" id="{42396DC0-9BDF-FB30-FDC1-FC8FC3071ABF}"/>
+              </a:ext>
+            </a:extLst>
+          </p:cNvPr>
+          <p:cNvSpPr/>
+          <p:nvPr/>
+        </p:nvSpPr>
+        <p:spPr>
+          <a:xfrm rot="-2700000">
+            <a:off x="5462590" y="3761968"/>
+            <a:ext cx="257175" cy="45719"/>
+          </a:xfrm>
+          <a:prstGeom prst="roundRect">
+            <a:avLst/>
+          </a:prstGeom>
+        </p:spPr>
+        <p:style>
+          <a:lnRef idx="2">
+            <a:schemeClr val="accent2">
+              <a:shade val="15000"/>
+            </a:schemeClr>
+          </a:lnRef>
+          <a:fillRef idx="1">
+            <a:schemeClr val="accent2"/>
+          </a:fillRef>
+          <a:effectRef idx="0">
+            <a:schemeClr val="accent2"/>
+          </a:effectRef>
+          <a:fontRef idx="minor">
+            <a:schemeClr val="lt1"/>
+          </a:fontRef>
+        </p:style>
+        <p:txBody>
+          <a:bodyPr rtlCol="0" anchor="ctr"/>
+          <a:lstStyle/>
+          <a:p>
+            <a:pPr algn="ctr"/>
+            <a:endParaRPr lang="de-DE"/>
+          </a:p>
+        </p:txBody>
+      </p:sp>
+      <p:cxnSp>
+        <p:nvCxnSpPr>
+          <p:cNvPr id="11" name="Gerade Verbindung mit Pfeil 10">
+            <a:extLst>
+              <a:ext uri="{FF2B5EF4-FFF2-40B4-BE49-F238E27FC236}">
+                <a16:creationId xmlns:a16="http://schemas.microsoft.com/office/drawing/2014/main" id="{08CF0F14-05EA-D525-175B-767BC1A60D21}"/>
+              </a:ext>
+            </a:extLst>
+          </p:cNvPr>
+          <p:cNvCxnSpPr>
+            <a:endCxn id="6" idx="3"/>
+          </p:cNvCxnSpPr>
+          <p:nvPr/>
+        </p:nvCxnSpPr>
+        <p:spPr>
+          <a:xfrm flipH="1" flipV="1">
+            <a:off x="5682100" y="3057010"/>
+            <a:ext cx="275788" cy="191015"/>
+          </a:xfrm>
+          <a:prstGeom prst="straightConnector1">
+            <a:avLst/>
+          </a:prstGeom>
+          <a:ln w="9525">
+            <a:solidFill>
+              <a:srgbClr val="FF0000"/>
+            </a:solidFill>
+            <a:tailEnd type="triangle"/>
+          </a:ln>
+        </p:spPr>
+        <p:style>
+          <a:lnRef idx="2">
+            <a:schemeClr val="accent1"/>
+          </a:lnRef>
+          <a:fillRef idx="0">
+            <a:schemeClr val="accent1"/>
+          </a:fillRef>
+          <a:effectRef idx="1">
+            <a:schemeClr val="accent1"/>
+          </a:effectRef>
+          <a:fontRef idx="minor">
+            <a:schemeClr val="tx1"/>
+          </a:fontRef>
+        </p:style>
+      </p:cxnSp>
+      <p:cxnSp>
+        <p:nvCxnSpPr>
+          <p:cNvPr id="12" name="Gerade Verbindung mit Pfeil 11">
+            <a:extLst>
+              <a:ext uri="{FF2B5EF4-FFF2-40B4-BE49-F238E27FC236}">
+                <a16:creationId xmlns:a16="http://schemas.microsoft.com/office/drawing/2014/main" id="{EE1A1297-9461-021B-0788-638062302004}"/>
+              </a:ext>
+            </a:extLst>
+          </p:cNvPr>
+          <p:cNvCxnSpPr>
+            <a:cxnSpLocks/>
+            <a:endCxn id="8" idx="1"/>
+          </p:cNvCxnSpPr>
+          <p:nvPr/>
+        </p:nvCxnSpPr>
+        <p:spPr>
+          <a:xfrm flipV="1">
+            <a:off x="6411834" y="3057009"/>
+            <a:ext cx="226653" cy="171347"/>
+          </a:xfrm>
+          <a:prstGeom prst="straightConnector1">
+            <a:avLst/>
+          </a:prstGeom>
+          <a:ln w="9525">
+            <a:solidFill>
+              <a:srgbClr val="FF0000"/>
+            </a:solidFill>
+            <a:tailEnd type="triangle"/>
+          </a:ln>
+        </p:spPr>
+        <p:style>
+          <a:lnRef idx="2">
+            <a:schemeClr val="accent1"/>
+          </a:lnRef>
+          <a:fillRef idx="0">
+            <a:schemeClr val="accent1"/>
+          </a:fillRef>
+          <a:effectRef idx="1">
+            <a:schemeClr val="accent1"/>
+          </a:effectRef>
+          <a:fontRef idx="minor">
+            <a:schemeClr val="tx1"/>
+          </a:fontRef>
+        </p:style>
+      </p:cxnSp>
+      <p:cxnSp>
+        <p:nvCxnSpPr>
+          <p:cNvPr id="14" name="Gerade Verbindung mit Pfeil 13">
+            <a:extLst>
+              <a:ext uri="{FF2B5EF4-FFF2-40B4-BE49-F238E27FC236}">
+                <a16:creationId xmlns:a16="http://schemas.microsoft.com/office/drawing/2014/main" id="{76115797-B7CB-139A-F234-A75B3067590F}"/>
+              </a:ext>
+            </a:extLst>
+          </p:cNvPr>
+          <p:cNvCxnSpPr>
+            <a:cxnSpLocks/>
+            <a:endCxn id="9" idx="3"/>
+          </p:cNvCxnSpPr>
+          <p:nvPr/>
+        </p:nvCxnSpPr>
+        <p:spPr>
+          <a:xfrm flipH="1">
+            <a:off x="5682103" y="3502887"/>
+            <a:ext cx="308872" cy="191016"/>
+          </a:xfrm>
+          <a:prstGeom prst="straightConnector1">
+            <a:avLst/>
+          </a:prstGeom>
+          <a:ln w="9525">
+            <a:solidFill>
+              <a:srgbClr val="FF0000"/>
+            </a:solidFill>
+            <a:tailEnd type="triangle"/>
+          </a:ln>
+        </p:spPr>
+        <p:style>
+          <a:lnRef idx="2">
+            <a:schemeClr val="accent1"/>
+          </a:lnRef>
+          <a:fillRef idx="0">
+            <a:schemeClr val="accent1"/>
+          </a:fillRef>
+          <a:effectRef idx="1">
+            <a:schemeClr val="accent1"/>
+          </a:effectRef>
+          <a:fontRef idx="minor">
+            <a:schemeClr val="tx1"/>
+          </a:fontRef>
+        </p:style>
+      </p:cxnSp>
+      <p:cxnSp>
+        <p:nvCxnSpPr>
+          <p:cNvPr id="16" name="Gerade Verbindung mit Pfeil 15">
+            <a:extLst>
+              <a:ext uri="{FF2B5EF4-FFF2-40B4-BE49-F238E27FC236}">
+                <a16:creationId xmlns:a16="http://schemas.microsoft.com/office/drawing/2014/main" id="{9B7B304C-8829-D95E-6ACC-AFF5490C5399}"/>
+              </a:ext>
+            </a:extLst>
+          </p:cNvPr>
+          <p:cNvCxnSpPr>
+            <a:cxnSpLocks/>
+            <a:endCxn id="7" idx="1"/>
+          </p:cNvCxnSpPr>
+          <p:nvPr/>
+        </p:nvCxnSpPr>
+        <p:spPr>
+          <a:xfrm>
+            <a:off x="6395349" y="3538720"/>
+            <a:ext cx="243138" cy="155182"/>
+          </a:xfrm>
+          <a:prstGeom prst="straightConnector1">
+            <a:avLst/>
+          </a:prstGeom>
+          <a:ln w="9525">
+            <a:solidFill>
+              <a:srgbClr val="FF0000"/>
+            </a:solidFill>
+            <a:tailEnd type="triangle"/>
+          </a:ln>
+        </p:spPr>
+        <p:style>
+          <a:lnRef idx="2">
+            <a:schemeClr val="accent1"/>
+          </a:lnRef>
+          <a:fillRef idx="0">
+            <a:schemeClr val="accent1"/>
+          </a:fillRef>
+          <a:effectRef idx="1">
+            <a:schemeClr val="accent1"/>
+          </a:effectRef>
+          <a:fontRef idx="minor">
+            <a:schemeClr val="tx1"/>
+          </a:fontRef>
+        </p:style>
+      </p:cxnSp>
+      <p:sp>
+        <p:nvSpPr>
+          <p:cNvPr id="21" name="Textfeld 20">
+            <a:extLst>
+              <a:ext uri="{FF2B5EF4-FFF2-40B4-BE49-F238E27FC236}">
+                <a16:creationId xmlns:a16="http://schemas.microsoft.com/office/drawing/2014/main" id="{19E2A3FA-732A-C7E4-649C-9B0DBA4384A1}"/>
+              </a:ext>
+            </a:extLst>
+          </p:cNvPr>
+          <p:cNvSpPr txBox="1"/>
+          <p:nvPr/>
+        </p:nvSpPr>
+        <p:spPr>
+          <a:xfrm>
+            <a:off x="5729895" y="3177356"/>
+            <a:ext cx="918190" cy="369332"/>
+          </a:xfrm>
+          <a:prstGeom prst="rect">
+            <a:avLst/>
+          </a:prstGeom>
+          <a:noFill/>
+        </p:spPr>
+        <p:txBody>
+          <a:bodyPr wrap="square" rtlCol="0" anchor="ctr">
+            <a:spAutoFit/>
+          </a:bodyPr>
+          <a:lstStyle/>
+          <a:p>
+            <a:pPr algn="ctr"/>
+            <a:r>
+              <a:rPr lang="de-DE" sz="900" dirty="0">
+                <a:solidFill>
+                  <a:srgbClr val="FF0000"/>
+                </a:solidFill>
+              </a:rPr>
+              <a:t>zero-</a:t>
+            </a:r>
+            <a:r>
+              <a:rPr lang="de-DE" sz="900" dirty="0" err="1">
+                <a:solidFill>
+                  <a:srgbClr val="FF0000"/>
+                </a:solidFill>
+              </a:rPr>
+              <a:t>length</a:t>
+            </a:r>
+            <a:br>
+              <a:rPr lang="de-DE" sz="900" dirty="0">
+                <a:solidFill>
+                  <a:srgbClr val="FF0000"/>
+                </a:solidFill>
+              </a:rPr>
+            </a:br>
+            <a:r>
+              <a:rPr lang="de-DE" sz="900" dirty="0" err="1">
+                <a:solidFill>
+                  <a:srgbClr val="FF0000"/>
+                </a:solidFill>
+              </a:rPr>
+              <a:t>sections</a:t>
+            </a:r>
+            <a:endParaRPr lang="de-DE" sz="900" dirty="0">
+              <a:solidFill>
+                <a:srgbClr val="FF0000"/>
+              </a:solidFill>
+            </a:endParaRPr>
+          </a:p>
+        </p:txBody>
+      </p:sp>
+    </p:spTree>
+    <p:extLst>
+      <p:ext uri="{BB962C8B-B14F-4D97-AF65-F5344CB8AC3E}">
+        <p14:creationId xmlns:p14="http://schemas.microsoft.com/office/powerpoint/2010/main" val="2301520398"/>
+      </p:ext>
+    </p:extLst>
+  </p:cSld>
+  <p:clrMapOvr>
+    <a:masterClrMapping/>
+  </p:clrMapOvr>
+</p:sld>
+</file>
+
 <file path=ppt/slides/slide2.xml><?xml version="1.0" encoding="utf-8"?>
 <p:sld xmlns:a="http://schemas.openxmlformats.org/drawingml/2006/main" xmlns:r="http://schemas.openxmlformats.org/officeDocument/2006/relationships" xmlns:p="http://schemas.openxmlformats.org/presentationml/2006/main">
   <p:cSld>
